--- a/pres/Presentation_SPOSM.pptx
+++ b/pres/Presentation_SPOSM.pptx
@@ -5,7 +5,7 @@
     <p:sldMasterId id="2147483648" r:id="rId1"/>
   </p:sldMasterIdLst>
   <p:notesMasterIdLst>
-    <p:notesMasterId r:id="rId23"/>
+    <p:notesMasterId r:id="rId24"/>
   </p:notesMasterIdLst>
   <p:sldIdLst>
     <p:sldId id="256" r:id="rId2"/>
@@ -19,16 +19,17 @@
     <p:sldId id="336" r:id="rId10"/>
     <p:sldId id="335" r:id="rId11"/>
     <p:sldId id="337" r:id="rId12"/>
-    <p:sldId id="338" r:id="rId13"/>
-    <p:sldId id="339" r:id="rId14"/>
-    <p:sldId id="323" r:id="rId15"/>
-    <p:sldId id="332" r:id="rId16"/>
-    <p:sldId id="321" r:id="rId17"/>
-    <p:sldId id="310" r:id="rId18"/>
-    <p:sldId id="331" r:id="rId19"/>
-    <p:sldId id="324" r:id="rId20"/>
-    <p:sldId id="319" r:id="rId21"/>
-    <p:sldId id="320" r:id="rId22"/>
+    <p:sldId id="340" r:id="rId13"/>
+    <p:sldId id="338" r:id="rId14"/>
+    <p:sldId id="339" r:id="rId15"/>
+    <p:sldId id="323" r:id="rId16"/>
+    <p:sldId id="332" r:id="rId17"/>
+    <p:sldId id="321" r:id="rId18"/>
+    <p:sldId id="310" r:id="rId19"/>
+    <p:sldId id="331" r:id="rId20"/>
+    <p:sldId id="324" r:id="rId21"/>
+    <p:sldId id="319" r:id="rId22"/>
+    <p:sldId id="320" r:id="rId23"/>
   </p:sldIdLst>
   <p:sldSz cx="12192000" cy="6858000"/>
   <p:notesSz cx="6858000" cy="9144000"/>
@@ -217,7 +218,7 @@
           <a:p>
             <a:fld id="{E776ED67-7526-406D-8D88-BEE159EE904C}" type="datetimeFigureOut">
               <a:rPr lang="de-DE" smtClean="0"/>
-              <a:t>14.02.2020</a:t>
+              <a:t>16.02.2020</a:t>
             </a:fld>
             <a:endParaRPr lang="de-DE"/>
           </a:p>
@@ -1176,7 +1177,7 @@
     </p:spTree>
     <p:extLst>
       <p:ext uri="{BB962C8B-B14F-4D97-AF65-F5344CB8AC3E}">
-        <p14:creationId xmlns:p14="http://schemas.microsoft.com/office/powerpoint/2010/main" val="83519038"/>
+        <p14:creationId xmlns:p14="http://schemas.microsoft.com/office/powerpoint/2010/main" val="552048720"/>
       </p:ext>
     </p:extLst>
   </p:cSld>
@@ -1485,7 +1486,7 @@
     </p:spTree>
     <p:extLst>
       <p:ext uri="{BB962C8B-B14F-4D97-AF65-F5344CB8AC3E}">
-        <p14:creationId xmlns:p14="http://schemas.microsoft.com/office/powerpoint/2010/main" val="2647616753"/>
+        <p14:creationId xmlns:p14="http://schemas.microsoft.com/office/powerpoint/2010/main" val="83519038"/>
       </p:ext>
     </p:extLst>
   </p:cSld>
@@ -1794,7 +1795,7 @@
     </p:spTree>
     <p:extLst>
       <p:ext uri="{BB962C8B-B14F-4D97-AF65-F5344CB8AC3E}">
-        <p14:creationId xmlns:p14="http://schemas.microsoft.com/office/powerpoint/2010/main" val="1519184826"/>
+        <p14:creationId xmlns:p14="http://schemas.microsoft.com/office/powerpoint/2010/main" val="2647616753"/>
       </p:ext>
     </p:extLst>
   </p:cSld>
@@ -2103,7 +2104,7 @@
     </p:spTree>
     <p:extLst>
       <p:ext uri="{BB962C8B-B14F-4D97-AF65-F5344CB8AC3E}">
-        <p14:creationId xmlns:p14="http://schemas.microsoft.com/office/powerpoint/2010/main" val="2359861724"/>
+        <p14:creationId xmlns:p14="http://schemas.microsoft.com/office/powerpoint/2010/main" val="1519184826"/>
       </p:ext>
     </p:extLst>
   </p:cSld>
@@ -2412,7 +2413,7 @@
     </p:spTree>
     <p:extLst>
       <p:ext uri="{BB962C8B-B14F-4D97-AF65-F5344CB8AC3E}">
-        <p14:creationId xmlns:p14="http://schemas.microsoft.com/office/powerpoint/2010/main" val="1411973688"/>
+        <p14:creationId xmlns:p14="http://schemas.microsoft.com/office/powerpoint/2010/main" val="2359861724"/>
       </p:ext>
     </p:extLst>
   </p:cSld>
@@ -2712,7 +2713,7 @@
           <a:p>
             <a:fld id="{4EF36919-52F3-4202-8996-43E31FD6D033}" type="slidenum">
               <a:rPr lang="de-DE" smtClean="0"/>
-              <a:t>19</a:t>
+              <a:t>17</a:t>
             </a:fld>
             <a:endParaRPr lang="de-DE"/>
           </a:p>
@@ -2721,7 +2722,7 @@
     </p:spTree>
     <p:extLst>
       <p:ext uri="{BB962C8B-B14F-4D97-AF65-F5344CB8AC3E}">
-        <p14:creationId xmlns:p14="http://schemas.microsoft.com/office/powerpoint/2010/main" val="2228590720"/>
+        <p14:creationId xmlns:p14="http://schemas.microsoft.com/office/powerpoint/2010/main" val="1411973688"/>
       </p:ext>
     </p:extLst>
   </p:cSld>
@@ -3030,7 +3031,7 @@
     </p:spTree>
     <p:extLst>
       <p:ext uri="{BB962C8B-B14F-4D97-AF65-F5344CB8AC3E}">
-        <p14:creationId xmlns:p14="http://schemas.microsoft.com/office/powerpoint/2010/main" val="2680632663"/>
+        <p14:creationId xmlns:p14="http://schemas.microsoft.com/office/powerpoint/2010/main" val="2228590720"/>
       </p:ext>
     </p:extLst>
   </p:cSld>
@@ -3331,6 +3332,315 @@
             <a:fld id="{4EF36919-52F3-4202-8996-43E31FD6D033}" type="slidenum">
               <a:rPr lang="de-DE" smtClean="0"/>
               <a:t>21</a:t>
+            </a:fld>
+            <a:endParaRPr lang="de-DE"/>
+          </a:p>
+        </p:txBody>
+      </p:sp>
+    </p:spTree>
+    <p:extLst>
+      <p:ext uri="{BB962C8B-B14F-4D97-AF65-F5344CB8AC3E}">
+        <p14:creationId xmlns:p14="http://schemas.microsoft.com/office/powerpoint/2010/main" val="2680632663"/>
+      </p:ext>
+    </p:extLst>
+  </p:cSld>
+  <p:clrMapOvr>
+    <a:masterClrMapping/>
+  </p:clrMapOvr>
+</p:notes>
+</file>
+
+<file path=ppt/notesSlides/notesSlide19.xml><?xml version="1.0" encoding="utf-8"?>
+<p:notes xmlns:a="http://schemas.openxmlformats.org/drawingml/2006/main" xmlns:r="http://schemas.openxmlformats.org/officeDocument/2006/relationships" xmlns:p="http://schemas.openxmlformats.org/presentationml/2006/main">
+  <p:cSld>
+    <p:spTree>
+      <p:nvGrpSpPr>
+        <p:cNvPr id="1" name=""/>
+        <p:cNvGrpSpPr/>
+        <p:nvPr/>
+      </p:nvGrpSpPr>
+      <p:grpSpPr>
+        <a:xfrm>
+          <a:off x="0" y="0"/>
+          <a:ext cx="0" cy="0"/>
+          <a:chOff x="0" y="0"/>
+          <a:chExt cx="0" cy="0"/>
+        </a:xfrm>
+      </p:grpSpPr>
+      <p:sp>
+        <p:nvSpPr>
+          <p:cNvPr id="2" name="Folienbildplatzhalter 1"/>
+          <p:cNvSpPr>
+            <a:spLocks noGrp="1" noRot="1" noChangeAspect="1"/>
+          </p:cNvSpPr>
+          <p:nvPr>
+            <p:ph type="sldImg"/>
+          </p:nvPr>
+        </p:nvSpPr>
+        <p:spPr/>
+      </p:sp>
+      <p:sp>
+        <p:nvSpPr>
+          <p:cNvPr id="3" name="Notizenplatzhalter 2"/>
+          <p:cNvSpPr>
+            <a:spLocks noGrp="1"/>
+          </p:cNvSpPr>
+          <p:nvPr>
+            <p:ph type="body" idx="1"/>
+          </p:nvPr>
+        </p:nvSpPr>
+        <p:spPr/>
+        <p:txBody>
+          <a:bodyPr/>
+          <a:lstStyle/>
+          <a:p>
+            <a:pPr marL="171450" lvl="0" indent="-171450">
+              <a:buFont typeface="Symbol" panose="05050102010706020507" pitchFamily="18" charset="2"/>
+              <a:buChar char="-"/>
+            </a:pPr>
+            <a:r>
+              <a:rPr lang="en-GB" sz="1200" kern="1200" dirty="0">
+                <a:solidFill>
+                  <a:schemeClr val="tx1"/>
+                </a:solidFill>
+                <a:effectLst/>
+                <a:latin typeface="+mn-lt"/>
+                <a:ea typeface="+mn-ea"/>
+                <a:cs typeface="+mn-cs"/>
+              </a:rPr>
+              <a:t>To give you an impression, how a CSR report may look like, I have an example from H&amp;M </a:t>
+            </a:r>
+          </a:p>
+          <a:p>
+            <a:pPr marL="171450" lvl="0" indent="-171450">
+              <a:buFont typeface="Symbol" panose="05050102010706020507" pitchFamily="18" charset="2"/>
+              <a:buChar char="-"/>
+            </a:pPr>
+            <a:r>
+              <a:rPr lang="en-GB" sz="1200" kern="1200" dirty="0">
+                <a:solidFill>
+                  <a:schemeClr val="tx1"/>
+                </a:solidFill>
+                <a:effectLst/>
+                <a:latin typeface="+mn-lt"/>
+                <a:ea typeface="+mn-ea"/>
+                <a:cs typeface="+mn-cs"/>
+              </a:rPr>
+              <a:t>Who of you would conclude that H&amp;M is a sustainable company?</a:t>
+            </a:r>
+            <a:endParaRPr lang="de-DE" sz="1200" kern="1200" dirty="0">
+              <a:solidFill>
+                <a:schemeClr val="tx1"/>
+              </a:solidFill>
+              <a:effectLst/>
+              <a:latin typeface="+mn-lt"/>
+              <a:ea typeface="+mn-ea"/>
+              <a:cs typeface="+mn-cs"/>
+            </a:endParaRPr>
+          </a:p>
+          <a:p>
+            <a:pPr marL="171450" lvl="0" indent="-171450">
+              <a:buFont typeface="Symbol" panose="05050102010706020507" pitchFamily="18" charset="2"/>
+              <a:buChar char="-"/>
+            </a:pPr>
+            <a:r>
+              <a:rPr lang="en-GB" sz="1200" kern="1200" dirty="0">
+                <a:solidFill>
+                  <a:schemeClr val="tx1"/>
+                </a:solidFill>
+                <a:effectLst/>
+                <a:latin typeface="+mn-lt"/>
+                <a:ea typeface="+mn-ea"/>
+                <a:cs typeface="+mn-cs"/>
+              </a:rPr>
+              <a:t>Maybe you might be a bit sceptical toward the report because it contains only positive content and if you are not you might get sceptical when I am showing you this report by a third party</a:t>
+            </a:r>
+            <a:endParaRPr lang="de-DE" sz="1200" kern="1200" dirty="0">
+              <a:solidFill>
+                <a:schemeClr val="tx1"/>
+              </a:solidFill>
+              <a:effectLst/>
+              <a:latin typeface="+mn-lt"/>
+              <a:ea typeface="+mn-ea"/>
+              <a:cs typeface="+mn-cs"/>
+            </a:endParaRPr>
+          </a:p>
+          <a:p>
+            <a:pPr marL="171450" lvl="0" indent="-171450">
+              <a:buFont typeface="Symbol" panose="05050102010706020507" pitchFamily="18" charset="2"/>
+              <a:buChar char="-"/>
+            </a:pPr>
+            <a:r>
+              <a:rPr lang="en-GB" sz="1200" kern="1200" dirty="0">
+                <a:solidFill>
+                  <a:schemeClr val="tx1"/>
+                </a:solidFill>
+                <a:effectLst/>
+                <a:latin typeface="+mn-lt"/>
+                <a:ea typeface="+mn-ea"/>
+                <a:cs typeface="+mn-cs"/>
+              </a:rPr>
+              <a:t>In general CSR reports face</a:t>
+            </a:r>
+            <a:r>
+              <a:rPr lang="de-DE" sz="1200" kern="1200" dirty="0">
+                <a:solidFill>
+                  <a:schemeClr val="tx1"/>
+                </a:solidFill>
+                <a:effectLst/>
+                <a:latin typeface="+mn-lt"/>
+                <a:ea typeface="+mn-ea"/>
+                <a:cs typeface="+mn-cs"/>
+              </a:rPr>
+              <a:t> </a:t>
+            </a:r>
+            <a:r>
+              <a:rPr lang="de-DE" sz="1200" kern="1200" dirty="0" err="1">
+                <a:solidFill>
+                  <a:schemeClr val="tx1"/>
+                </a:solidFill>
+                <a:effectLst/>
+                <a:latin typeface="+mn-lt"/>
+                <a:ea typeface="+mn-ea"/>
+                <a:cs typeface="+mn-cs"/>
+              </a:rPr>
+              <a:t>credibility</a:t>
+            </a:r>
+            <a:r>
+              <a:rPr lang="de-DE" sz="1200" kern="1200" dirty="0">
+                <a:solidFill>
+                  <a:schemeClr val="tx1"/>
+                </a:solidFill>
+                <a:effectLst/>
+                <a:latin typeface="+mn-lt"/>
+                <a:ea typeface="+mn-ea"/>
+                <a:cs typeface="+mn-cs"/>
+              </a:rPr>
+              <a:t> </a:t>
+            </a:r>
+            <a:r>
+              <a:rPr lang="de-DE" sz="1200" kern="1200" dirty="0" err="1">
+                <a:solidFill>
+                  <a:schemeClr val="tx1"/>
+                </a:solidFill>
+                <a:effectLst/>
+                <a:latin typeface="+mn-lt"/>
+                <a:ea typeface="+mn-ea"/>
+                <a:cs typeface="+mn-cs"/>
+              </a:rPr>
+              <a:t>issues</a:t>
+            </a:r>
+            <a:r>
+              <a:rPr lang="de-DE" sz="1200" kern="1200" dirty="0">
+                <a:solidFill>
+                  <a:schemeClr val="tx1"/>
+                </a:solidFill>
+                <a:effectLst/>
+                <a:latin typeface="+mn-lt"/>
+                <a:ea typeface="+mn-ea"/>
+                <a:cs typeface="+mn-cs"/>
+              </a:rPr>
+              <a:t> and </a:t>
+            </a:r>
+            <a:r>
+              <a:rPr lang="de-DE" sz="1200" kern="1200" dirty="0" err="1">
+                <a:solidFill>
+                  <a:schemeClr val="tx1"/>
+                </a:solidFill>
+                <a:effectLst/>
+                <a:latin typeface="+mn-lt"/>
+                <a:ea typeface="+mn-ea"/>
+                <a:cs typeface="+mn-cs"/>
+              </a:rPr>
+              <a:t>therefore</a:t>
+            </a:r>
+            <a:endParaRPr lang="de-DE" sz="1200" kern="1200" dirty="0">
+              <a:solidFill>
+                <a:schemeClr val="tx1"/>
+              </a:solidFill>
+              <a:effectLst/>
+              <a:latin typeface="+mn-lt"/>
+              <a:ea typeface="+mn-ea"/>
+              <a:cs typeface="+mn-cs"/>
+            </a:endParaRPr>
+          </a:p>
+          <a:p>
+            <a:pPr marL="171450" lvl="0" indent="-171450">
+              <a:buFont typeface="Symbol" panose="05050102010706020507" pitchFamily="18" charset="2"/>
+              <a:buChar char="-"/>
+            </a:pPr>
+            <a:r>
+              <a:rPr lang="en-GB" sz="1200" kern="1200" dirty="0">
+                <a:solidFill>
+                  <a:schemeClr val="tx1"/>
+                </a:solidFill>
+                <a:effectLst/>
+                <a:latin typeface="+mn-lt"/>
+                <a:ea typeface="+mn-ea"/>
+                <a:cs typeface="+mn-cs"/>
+              </a:rPr>
+              <a:t>Global Reporting Initiative offers to provide a truly transparent CSR report balancing positive and negative incidents </a:t>
+            </a:r>
+            <a:endParaRPr lang="de-DE" sz="1200" kern="1200" dirty="0">
+              <a:solidFill>
+                <a:schemeClr val="tx1"/>
+              </a:solidFill>
+              <a:effectLst/>
+              <a:latin typeface="+mn-lt"/>
+              <a:ea typeface="+mn-ea"/>
+              <a:cs typeface="+mn-cs"/>
+            </a:endParaRPr>
+          </a:p>
+          <a:p>
+            <a:pPr marL="171450" lvl="0" indent="-171450">
+              <a:buFont typeface="Symbol" panose="05050102010706020507" pitchFamily="18" charset="2"/>
+              <a:buChar char="-"/>
+            </a:pPr>
+            <a:r>
+              <a:rPr lang="en-GB" sz="1200" kern="1200" dirty="0">
+                <a:solidFill>
+                  <a:schemeClr val="tx1"/>
+                </a:solidFill>
+                <a:effectLst/>
+                <a:latin typeface="+mn-lt"/>
+                <a:ea typeface="+mn-ea"/>
+                <a:cs typeface="+mn-cs"/>
+              </a:rPr>
+              <a:t>The problem with this solution is that company fear to lose stakeholders support disclosing their negative incidents</a:t>
+            </a:r>
+            <a:endParaRPr lang="de-DE" sz="1200" kern="1200" dirty="0">
+              <a:solidFill>
+                <a:schemeClr val="tx1"/>
+              </a:solidFill>
+              <a:effectLst/>
+              <a:latin typeface="+mn-lt"/>
+              <a:ea typeface="+mn-ea"/>
+              <a:cs typeface="+mn-cs"/>
+            </a:endParaRPr>
+          </a:p>
+          <a:p>
+            <a:endParaRPr lang="en-GB" dirty="0"/>
+          </a:p>
+        </p:txBody>
+      </p:sp>
+      <p:sp>
+        <p:nvSpPr>
+          <p:cNvPr id="4" name="Foliennummernplatzhalter 3"/>
+          <p:cNvSpPr>
+            <a:spLocks noGrp="1"/>
+          </p:cNvSpPr>
+          <p:nvPr>
+            <p:ph type="sldNum" sz="quarter" idx="5"/>
+          </p:nvPr>
+        </p:nvSpPr>
+        <p:spPr/>
+        <p:txBody>
+          <a:bodyPr/>
+          <a:lstStyle/>
+          <a:p>
+            <a:fld id="{4EF36919-52F3-4202-8996-43E31FD6D033}" type="slidenum">
+              <a:rPr lang="de-DE" smtClean="0"/>
+              <a:t>22</a:t>
             </a:fld>
             <a:endParaRPr lang="de-DE"/>
           </a:p>
@@ -5952,7 +6262,7 @@
           <p:cNvPr id="9" name="Bild 4" descr="huO_rgb-mP.png">
             <a:extLst>
               <a:ext uri="{FF2B5EF4-FFF2-40B4-BE49-F238E27FC236}">
-                <a16:creationId xmlns:a16="http://schemas.microsoft.com/office/drawing/2014/main" xmlns="" id="{33B5A747-FAA5-49E4-805D-5C5ECA0A7FF5}"/>
+                <a16:creationId xmlns="" xmlns:a16="http://schemas.microsoft.com/office/drawing/2014/main" id="{33B5A747-FAA5-49E4-805D-5C5ECA0A7FF5}"/>
               </a:ext>
             </a:extLst>
           </p:cNvPr>
@@ -6151,7 +6461,7 @@
           <a:p>
             <a:fld id="{0B6D9122-EAAB-0342-A7F4-5354771F9A26}" type="datetimeFigureOut">
               <a:rPr lang="de-DE" smtClean="0"/>
-              <a:t>14.02.2020</a:t>
+              <a:t>16.02.2020</a:t>
             </a:fld>
             <a:endParaRPr lang="de-DE"/>
           </a:p>
@@ -6351,7 +6661,7 @@
           <a:p>
             <a:fld id="{0B6D9122-EAAB-0342-A7F4-5354771F9A26}" type="datetimeFigureOut">
               <a:rPr lang="de-DE" smtClean="0"/>
-              <a:t>14.02.2020</a:t>
+              <a:t>16.02.2020</a:t>
             </a:fld>
             <a:endParaRPr lang="de-DE"/>
           </a:p>
@@ -6442,7 +6752,7 @@
           <p:cNvPr id="8" name="Textplatzhalter 2">
             <a:extLst>
               <a:ext uri="{FF2B5EF4-FFF2-40B4-BE49-F238E27FC236}">
-                <a16:creationId xmlns:a16="http://schemas.microsoft.com/office/drawing/2014/main" xmlns="" id="{162B1910-2FA4-40A2-8253-E53E7B85ECBA}"/>
+                <a16:creationId xmlns="" xmlns:a16="http://schemas.microsoft.com/office/drawing/2014/main" id="{162B1910-2FA4-40A2-8253-E53E7B85ECBA}"/>
               </a:ext>
             </a:extLst>
           </p:cNvPr>
@@ -6509,7 +6819,7 @@
           <p:cNvPr id="9" name="Fußzeilenplatzhalter 4">
             <a:extLst>
               <a:ext uri="{FF2B5EF4-FFF2-40B4-BE49-F238E27FC236}">
-                <a16:creationId xmlns:a16="http://schemas.microsoft.com/office/drawing/2014/main" xmlns="" id="{BD7F2E1D-7EB7-414B-83BB-C3A1087545A1}"/>
+                <a16:creationId xmlns="" xmlns:a16="http://schemas.microsoft.com/office/drawing/2014/main" id="{BD7F2E1D-7EB7-414B-83BB-C3A1087545A1}"/>
               </a:ext>
             </a:extLst>
           </p:cNvPr>
@@ -6556,7 +6866,7 @@
           <p:cNvPr id="10" name="Foliennummernplatzhalter 5">
             <a:extLst>
               <a:ext uri="{FF2B5EF4-FFF2-40B4-BE49-F238E27FC236}">
-                <a16:creationId xmlns:a16="http://schemas.microsoft.com/office/drawing/2014/main" xmlns="" id="{7947E400-52E3-4FFB-9DB4-232450EC3957}"/>
+                <a16:creationId xmlns="" xmlns:a16="http://schemas.microsoft.com/office/drawing/2014/main" id="{7947E400-52E3-4FFB-9DB4-232450EC3957}"/>
               </a:ext>
             </a:extLst>
           </p:cNvPr>
@@ -6603,7 +6913,7 @@
           <p:cNvPr id="11" name="Titelplatzhalter 1">
             <a:extLst>
               <a:ext uri="{FF2B5EF4-FFF2-40B4-BE49-F238E27FC236}">
-                <a16:creationId xmlns:a16="http://schemas.microsoft.com/office/drawing/2014/main" xmlns="" id="{21902F89-C534-4356-B3F6-91A567FF646D}"/>
+                <a16:creationId xmlns="" xmlns:a16="http://schemas.microsoft.com/office/drawing/2014/main" id="{21902F89-C534-4356-B3F6-91A567FF646D}"/>
               </a:ext>
             </a:extLst>
           </p:cNvPr>
@@ -6847,7 +7157,7 @@
           <a:p>
             <a:fld id="{0B6D9122-EAAB-0342-A7F4-5354771F9A26}" type="datetimeFigureOut">
               <a:rPr lang="de-DE" smtClean="0"/>
-              <a:t>14.02.2020</a:t>
+              <a:t>16.02.2020</a:t>
             </a:fld>
             <a:endParaRPr lang="de-DE"/>
           </a:p>
@@ -7056,7 +7366,7 @@
           <p:cNvPr id="10" name="Fußzeilenplatzhalter 4">
             <a:extLst>
               <a:ext uri="{FF2B5EF4-FFF2-40B4-BE49-F238E27FC236}">
-                <a16:creationId xmlns:a16="http://schemas.microsoft.com/office/drawing/2014/main" xmlns="" id="{D501DD1A-594A-4D65-8B53-0C43CD4990C9}"/>
+                <a16:creationId xmlns="" xmlns:a16="http://schemas.microsoft.com/office/drawing/2014/main" id="{D501DD1A-594A-4D65-8B53-0C43CD4990C9}"/>
               </a:ext>
             </a:extLst>
           </p:cNvPr>
@@ -7099,7 +7409,7 @@
           <p:cNvPr id="11" name="Foliennummernplatzhalter 5">
             <a:extLst>
               <a:ext uri="{FF2B5EF4-FFF2-40B4-BE49-F238E27FC236}">
-                <a16:creationId xmlns:a16="http://schemas.microsoft.com/office/drawing/2014/main" xmlns="" id="{ADA6DD52-C665-4F90-BAFD-55BC0EF62A13}"/>
+                <a16:creationId xmlns="" xmlns:a16="http://schemas.microsoft.com/office/drawing/2014/main" id="{ADA6DD52-C665-4F90-BAFD-55BC0EF62A13}"/>
               </a:ext>
             </a:extLst>
           </p:cNvPr>
@@ -7146,7 +7456,7 @@
           <p:cNvPr id="12" name="Titelplatzhalter 1">
             <a:extLst>
               <a:ext uri="{FF2B5EF4-FFF2-40B4-BE49-F238E27FC236}">
-                <a16:creationId xmlns:a16="http://schemas.microsoft.com/office/drawing/2014/main" xmlns="" id="{B3CBF15B-5EDE-4C9D-8958-1ABA014179C3}"/>
+                <a16:creationId xmlns="" xmlns:a16="http://schemas.microsoft.com/office/drawing/2014/main" id="{B3CBF15B-5EDE-4C9D-8958-1ABA014179C3}"/>
               </a:ext>
             </a:extLst>
           </p:cNvPr>
@@ -7468,7 +7778,7 @@
           <p:cNvPr id="12" name="Fußzeilenplatzhalter 4">
             <a:extLst>
               <a:ext uri="{FF2B5EF4-FFF2-40B4-BE49-F238E27FC236}">
-                <a16:creationId xmlns:a16="http://schemas.microsoft.com/office/drawing/2014/main" xmlns="" id="{E5BD0A64-228A-461D-BB66-F417DD9EDB11}"/>
+                <a16:creationId xmlns="" xmlns:a16="http://schemas.microsoft.com/office/drawing/2014/main" id="{E5BD0A64-228A-461D-BB66-F417DD9EDB11}"/>
               </a:ext>
             </a:extLst>
           </p:cNvPr>
@@ -7511,7 +7821,7 @@
           <p:cNvPr id="13" name="Foliennummernplatzhalter 5">
             <a:extLst>
               <a:ext uri="{FF2B5EF4-FFF2-40B4-BE49-F238E27FC236}">
-                <a16:creationId xmlns:a16="http://schemas.microsoft.com/office/drawing/2014/main" xmlns="" id="{B4000ECD-AEB6-4F8B-8279-2BB483B934D7}"/>
+                <a16:creationId xmlns="" xmlns:a16="http://schemas.microsoft.com/office/drawing/2014/main" id="{B4000ECD-AEB6-4F8B-8279-2BB483B934D7}"/>
               </a:ext>
             </a:extLst>
           </p:cNvPr>
@@ -7558,7 +7868,7 @@
           <p:cNvPr id="14" name="Titelplatzhalter 1">
             <a:extLst>
               <a:ext uri="{FF2B5EF4-FFF2-40B4-BE49-F238E27FC236}">
-                <a16:creationId xmlns:a16="http://schemas.microsoft.com/office/drawing/2014/main" xmlns="" id="{75675467-8DE7-4C05-A0D7-38A50DD47E32}"/>
+                <a16:creationId xmlns="" xmlns:a16="http://schemas.microsoft.com/office/drawing/2014/main" id="{75675467-8DE7-4C05-A0D7-38A50DD47E32}"/>
               </a:ext>
             </a:extLst>
           </p:cNvPr>
@@ -7626,7 +7936,7 @@
           <p:cNvPr id="8" name="Fußzeilenplatzhalter 4">
             <a:extLst>
               <a:ext uri="{FF2B5EF4-FFF2-40B4-BE49-F238E27FC236}">
-                <a16:creationId xmlns:a16="http://schemas.microsoft.com/office/drawing/2014/main" xmlns="" id="{3D5AD6AF-1C17-4CE8-8139-1065503C805A}"/>
+                <a16:creationId xmlns="" xmlns:a16="http://schemas.microsoft.com/office/drawing/2014/main" id="{3D5AD6AF-1C17-4CE8-8139-1065503C805A}"/>
               </a:ext>
             </a:extLst>
           </p:cNvPr>
@@ -7669,7 +7979,7 @@
           <p:cNvPr id="9" name="Foliennummernplatzhalter 5">
             <a:extLst>
               <a:ext uri="{FF2B5EF4-FFF2-40B4-BE49-F238E27FC236}">
-                <a16:creationId xmlns:a16="http://schemas.microsoft.com/office/drawing/2014/main" xmlns="" id="{48C82D6E-6B52-4E3D-9675-24EDF92DAC45}"/>
+                <a16:creationId xmlns="" xmlns:a16="http://schemas.microsoft.com/office/drawing/2014/main" id="{48C82D6E-6B52-4E3D-9675-24EDF92DAC45}"/>
               </a:ext>
             </a:extLst>
           </p:cNvPr>
@@ -7716,7 +8026,7 @@
           <p:cNvPr id="10" name="Titelplatzhalter 1">
             <a:extLst>
               <a:ext uri="{FF2B5EF4-FFF2-40B4-BE49-F238E27FC236}">
-                <a16:creationId xmlns:a16="http://schemas.microsoft.com/office/drawing/2014/main" xmlns="" id="{9CD6CF0C-28ED-452A-BB50-6A112B553DF7}"/>
+                <a16:creationId xmlns="" xmlns:a16="http://schemas.microsoft.com/office/drawing/2014/main" id="{9CD6CF0C-28ED-452A-BB50-6A112B553DF7}"/>
               </a:ext>
             </a:extLst>
           </p:cNvPr>
@@ -7784,7 +8094,7 @@
           <p:cNvPr id="7" name="Fußzeilenplatzhalter 4">
             <a:extLst>
               <a:ext uri="{FF2B5EF4-FFF2-40B4-BE49-F238E27FC236}">
-                <a16:creationId xmlns:a16="http://schemas.microsoft.com/office/drawing/2014/main" xmlns="" id="{11FF8BEE-DFF2-4E57-9447-FC7D73C931FF}"/>
+                <a16:creationId xmlns="" xmlns:a16="http://schemas.microsoft.com/office/drawing/2014/main" id="{11FF8BEE-DFF2-4E57-9447-FC7D73C931FF}"/>
               </a:ext>
             </a:extLst>
           </p:cNvPr>
@@ -7827,7 +8137,7 @@
           <p:cNvPr id="8" name="Foliennummernplatzhalter 5">
             <a:extLst>
               <a:ext uri="{FF2B5EF4-FFF2-40B4-BE49-F238E27FC236}">
-                <a16:creationId xmlns:a16="http://schemas.microsoft.com/office/drawing/2014/main" xmlns="" id="{B56966DA-E079-41CC-99AD-46620E43DDC5}"/>
+                <a16:creationId xmlns="" xmlns:a16="http://schemas.microsoft.com/office/drawing/2014/main" id="{B56966DA-E079-41CC-99AD-46620E43DDC5}"/>
               </a:ext>
             </a:extLst>
           </p:cNvPr>
@@ -8359,7 +8669,7 @@
           <a:p>
             <a:fld id="{0B6D9122-EAAB-0342-A7F4-5354771F9A26}" type="datetimeFigureOut">
               <a:rPr lang="de-DE" smtClean="0"/>
-              <a:t>14.02.2020</a:t>
+              <a:t>16.02.2020</a:t>
             </a:fld>
             <a:endParaRPr lang="de-DE"/>
           </a:p>
@@ -8630,7 +8940,7 @@
           <p:cNvPr id="15" name="Rechteck 14">
             <a:extLst>
               <a:ext uri="{FF2B5EF4-FFF2-40B4-BE49-F238E27FC236}">
-                <a16:creationId xmlns:a16="http://schemas.microsoft.com/office/drawing/2014/main" xmlns="" id="{4C4962A7-60B1-4FD9-950F-7B223A93E18F}"/>
+                <a16:creationId xmlns="" xmlns:a16="http://schemas.microsoft.com/office/drawing/2014/main" id="{4C4962A7-60B1-4FD9-950F-7B223A93E18F}"/>
               </a:ext>
             </a:extLst>
           </p:cNvPr>
@@ -8684,7 +8994,7 @@
           <p:cNvPr id="16" name="Rechteck 15">
             <a:extLst>
               <a:ext uri="{FF2B5EF4-FFF2-40B4-BE49-F238E27FC236}">
-                <a16:creationId xmlns:a16="http://schemas.microsoft.com/office/drawing/2014/main" xmlns="" id="{25737F02-1E29-47AD-9EAA-B38282F26CF9}"/>
+                <a16:creationId xmlns="" xmlns:a16="http://schemas.microsoft.com/office/drawing/2014/main" id="{25737F02-1E29-47AD-9EAA-B38282F26CF9}"/>
               </a:ext>
             </a:extLst>
           </p:cNvPr>
@@ -8738,7 +9048,7 @@
           <p:cNvPr id="18" name="Bild 4" descr="huO_rgb-mP.png">
             <a:extLst>
               <a:ext uri="{FF2B5EF4-FFF2-40B4-BE49-F238E27FC236}">
-                <a16:creationId xmlns:a16="http://schemas.microsoft.com/office/drawing/2014/main" xmlns="" id="{91E6476D-60FA-48D3-9652-99F936E5A1B2}"/>
+                <a16:creationId xmlns="" xmlns:a16="http://schemas.microsoft.com/office/drawing/2014/main" id="{91E6476D-60FA-48D3-9652-99F936E5A1B2}"/>
               </a:ext>
             </a:extLst>
           </p:cNvPr>
@@ -9127,7 +9437,7 @@
           <p:cNvPr id="9" name="Fußzeilenplatzhalter 5">
             <a:extLst>
               <a:ext uri="{FF2B5EF4-FFF2-40B4-BE49-F238E27FC236}">
-                <a16:creationId xmlns:a16="http://schemas.microsoft.com/office/drawing/2014/main" xmlns="" id="{1849A0BD-CC4C-4610-97A9-793026A4FC5A}"/>
+                <a16:creationId xmlns="" xmlns:a16="http://schemas.microsoft.com/office/drawing/2014/main" id="{1849A0BD-CC4C-4610-97A9-793026A4FC5A}"/>
               </a:ext>
             </a:extLst>
           </p:cNvPr>
@@ -9205,7 +9515,7 @@
           <p:cNvPr id="14" name="Bild 4" descr="huO_rgb-mP.png">
             <a:extLst>
               <a:ext uri="{FF2B5EF4-FFF2-40B4-BE49-F238E27FC236}">
-                <a16:creationId xmlns:a16="http://schemas.microsoft.com/office/drawing/2014/main" xmlns="" id="{A6435E84-959B-4004-9D03-91843F9616BF}"/>
+                <a16:creationId xmlns="" xmlns:a16="http://schemas.microsoft.com/office/drawing/2014/main" id="{A6435E84-959B-4004-9D03-91843F9616BF}"/>
               </a:ext>
             </a:extLst>
           </p:cNvPr>
@@ -9265,7 +9575,7 @@
           <p:cNvPr id="16" name="Inhaltsplatzhalter 2">
             <a:extLst>
               <a:ext uri="{FF2B5EF4-FFF2-40B4-BE49-F238E27FC236}">
-                <a16:creationId xmlns:a16="http://schemas.microsoft.com/office/drawing/2014/main" xmlns="" id="{35C0996D-4546-4A4B-BC03-82C9961E32C9}"/>
+                <a16:creationId xmlns="" xmlns:a16="http://schemas.microsoft.com/office/drawing/2014/main" id="{35C0996D-4546-4A4B-BC03-82C9961E32C9}"/>
               </a:ext>
             </a:extLst>
           </p:cNvPr>
@@ -9580,7 +9890,7 @@
           <p:cNvPr id="5" name="Foliennummernplatzhalter 4">
             <a:extLst>
               <a:ext uri="{FF2B5EF4-FFF2-40B4-BE49-F238E27FC236}">
-                <a16:creationId xmlns:a16="http://schemas.microsoft.com/office/drawing/2014/main" xmlns="" id="{99217DC6-63A8-46E5-BFF7-2750383C7113}"/>
+                <a16:creationId xmlns="" xmlns:a16="http://schemas.microsoft.com/office/drawing/2014/main" id="{99217DC6-63A8-46E5-BFF7-2750383C7113}"/>
               </a:ext>
             </a:extLst>
           </p:cNvPr>
@@ -9614,7 +9924,7 @@
           <p:cNvPr id="17" name="Titel 1">
             <a:extLst>
               <a:ext uri="{FF2B5EF4-FFF2-40B4-BE49-F238E27FC236}">
-                <a16:creationId xmlns:a16="http://schemas.microsoft.com/office/drawing/2014/main" xmlns="" id="{2EBD46AD-74A3-41B6-A7F5-704EE709693A}"/>
+                <a16:creationId xmlns="" xmlns:a16="http://schemas.microsoft.com/office/drawing/2014/main" id="{2EBD46AD-74A3-41B6-A7F5-704EE709693A}"/>
               </a:ext>
             </a:extLst>
           </p:cNvPr>
@@ -9672,7 +9982,7 @@
           <p:cNvPr id="149" name="Fußzeilenplatzhalter 4">
             <a:extLst>
               <a:ext uri="{FF2B5EF4-FFF2-40B4-BE49-F238E27FC236}">
-                <a16:creationId xmlns:a16="http://schemas.microsoft.com/office/drawing/2014/main" xmlns="" id="{38AB998A-AAF8-49F0-A239-2D93C7A72A4D}"/>
+                <a16:creationId xmlns="" xmlns:a16="http://schemas.microsoft.com/office/drawing/2014/main" id="{38AB998A-AAF8-49F0-A239-2D93C7A72A4D}"/>
               </a:ext>
             </a:extLst>
           </p:cNvPr>
@@ -9781,42 +10091,12 @@
           <a:chExt cx="0" cy="0"/>
         </a:xfrm>
       </p:grpSpPr>
-      <p:pic>
-        <p:nvPicPr>
-          <p:cNvPr id="2" name="Grafik 1"/>
-          <p:cNvPicPr>
-            <a:picLocks noChangeAspect="1"/>
-          </p:cNvPicPr>
-          <p:nvPr/>
-        </p:nvPicPr>
-        <p:blipFill>
-          <a:blip r:embed="rId3">
-            <a:extLst>
-              <a:ext uri="{28A0092B-C50C-407E-A947-70E740481C1C}">
-                <a14:useLocalDpi xmlns:a14="http://schemas.microsoft.com/office/drawing/2010/main" val="0"/>
-              </a:ext>
-            </a:extLst>
-          </a:blip>
-          <a:stretch>
-            <a:fillRect/>
-          </a:stretch>
-        </p:blipFill>
-        <p:spPr>
-          <a:xfrm>
-            <a:off x="0" y="1827044"/>
-            <a:ext cx="5305760" cy="3095026"/>
-          </a:xfrm>
-          <a:prstGeom prst="rect">
-            <a:avLst/>
-          </a:prstGeom>
-        </p:spPr>
-      </p:pic>
       <p:sp>
         <p:nvSpPr>
           <p:cNvPr id="5" name="Foliennummernplatzhalter 4">
             <a:extLst>
               <a:ext uri="{FF2B5EF4-FFF2-40B4-BE49-F238E27FC236}">
-                <a16:creationId xmlns:a16="http://schemas.microsoft.com/office/drawing/2014/main" xmlns="" id="{99217DC6-63A8-46E5-BFF7-2750383C7113}"/>
+                <a16:creationId xmlns="" xmlns:a16="http://schemas.microsoft.com/office/drawing/2014/main" id="{99217DC6-63A8-46E5-BFF7-2750383C7113}"/>
               </a:ext>
             </a:extLst>
           </p:cNvPr>
@@ -9850,7 +10130,7 @@
           <p:cNvPr id="17" name="Titel 1">
             <a:extLst>
               <a:ext uri="{FF2B5EF4-FFF2-40B4-BE49-F238E27FC236}">
-                <a16:creationId xmlns:a16="http://schemas.microsoft.com/office/drawing/2014/main" xmlns="" id="{2EBD46AD-74A3-41B6-A7F5-704EE709693A}"/>
+                <a16:creationId xmlns="" xmlns:a16="http://schemas.microsoft.com/office/drawing/2014/main" id="{2EBD46AD-74A3-41B6-A7F5-704EE709693A}"/>
               </a:ext>
             </a:extLst>
           </p:cNvPr>
@@ -9908,7 +10188,7 @@
           <p:cNvPr id="149" name="Fußzeilenplatzhalter 4">
             <a:extLst>
               <a:ext uri="{FF2B5EF4-FFF2-40B4-BE49-F238E27FC236}">
-                <a16:creationId xmlns:a16="http://schemas.microsoft.com/office/drawing/2014/main" xmlns="" id="{38AB998A-AAF8-49F0-A239-2D93C7A72A4D}"/>
+                <a16:creationId xmlns="" xmlns:a16="http://schemas.microsoft.com/office/drawing/2014/main" id="{38AB998A-AAF8-49F0-A239-2D93C7A72A4D}"/>
               </a:ext>
             </a:extLst>
           </p:cNvPr>
@@ -9959,7 +10239,7 @@
           <p:nvPr/>
         </p:nvPicPr>
         <p:blipFill>
-          <a:blip r:embed="rId4">
+          <a:blip r:embed="rId3">
             <a:extLst>
               <a:ext uri="{28A0092B-C50C-407E-A947-70E740481C1C}">
                 <a14:useLocalDpi xmlns:a14="http://schemas.microsoft.com/office/drawing/2010/main" val="0"/>
@@ -9972,8 +10252,8 @@
         </p:blipFill>
         <p:spPr>
           <a:xfrm>
-            <a:off x="5371935" y="1827044"/>
-            <a:ext cx="5309552" cy="3097239"/>
+            <a:off x="520505" y="685141"/>
+            <a:ext cx="9876254" cy="5761149"/>
           </a:xfrm>
           <a:prstGeom prst="rect">
             <a:avLst/>
@@ -10017,12 +10297,42 @@
           <a:chExt cx="0" cy="0"/>
         </a:xfrm>
       </p:grpSpPr>
+      <p:pic>
+        <p:nvPicPr>
+          <p:cNvPr id="2" name="Grafik 1"/>
+          <p:cNvPicPr>
+            <a:picLocks noChangeAspect="1"/>
+          </p:cNvPicPr>
+          <p:nvPr/>
+        </p:nvPicPr>
+        <p:blipFill>
+          <a:blip r:embed="rId3">
+            <a:extLst>
+              <a:ext uri="{28A0092B-C50C-407E-A947-70E740481C1C}">
+                <a14:useLocalDpi xmlns:a14="http://schemas.microsoft.com/office/drawing/2010/main" val="0"/>
+              </a:ext>
+            </a:extLst>
+          </a:blip>
+          <a:stretch>
+            <a:fillRect/>
+          </a:stretch>
+        </p:blipFill>
+        <p:spPr>
+          <a:xfrm>
+            <a:off x="520505" y="685140"/>
+            <a:ext cx="9892064" cy="5770369"/>
+          </a:xfrm>
+          <a:prstGeom prst="rect">
+            <a:avLst/>
+          </a:prstGeom>
+        </p:spPr>
+      </p:pic>
       <p:sp>
         <p:nvSpPr>
           <p:cNvPr id="5" name="Foliennummernplatzhalter 4">
             <a:extLst>
               <a:ext uri="{FF2B5EF4-FFF2-40B4-BE49-F238E27FC236}">
-                <a16:creationId xmlns:a16="http://schemas.microsoft.com/office/drawing/2014/main" xmlns="" id="{99217DC6-63A8-46E5-BFF7-2750383C7113}"/>
+                <a16:creationId xmlns="" xmlns:a16="http://schemas.microsoft.com/office/drawing/2014/main" id="{99217DC6-63A8-46E5-BFF7-2750383C7113}"/>
               </a:ext>
             </a:extLst>
           </p:cNvPr>
@@ -10056,7 +10366,7 @@
           <p:cNvPr id="17" name="Titel 1">
             <a:extLst>
               <a:ext uri="{FF2B5EF4-FFF2-40B4-BE49-F238E27FC236}">
-                <a16:creationId xmlns:a16="http://schemas.microsoft.com/office/drawing/2014/main" xmlns="" id="{2EBD46AD-74A3-41B6-A7F5-704EE709693A}"/>
+                <a16:creationId xmlns="" xmlns:a16="http://schemas.microsoft.com/office/drawing/2014/main" id="{2EBD46AD-74A3-41B6-A7F5-704EE709693A}"/>
               </a:ext>
             </a:extLst>
           </p:cNvPr>
@@ -10114,7 +10424,183 @@
           <p:cNvPr id="149" name="Fußzeilenplatzhalter 4">
             <a:extLst>
               <a:ext uri="{FF2B5EF4-FFF2-40B4-BE49-F238E27FC236}">
-                <a16:creationId xmlns:a16="http://schemas.microsoft.com/office/drawing/2014/main" xmlns="" id="{38AB998A-AAF8-49F0-A239-2D93C7A72A4D}"/>
+                <a16:creationId xmlns="" xmlns:a16="http://schemas.microsoft.com/office/drawing/2014/main" id="{38AB998A-AAF8-49F0-A239-2D93C7A72A4D}"/>
+              </a:ext>
+            </a:extLst>
+          </p:cNvPr>
+          <p:cNvSpPr>
+            <a:spLocks noGrp="1"/>
+          </p:cNvSpPr>
+          <p:nvPr>
+            <p:ph type="ftr" sz="quarter" idx="3"/>
+          </p:nvPr>
+        </p:nvSpPr>
+        <p:spPr>
+          <a:xfrm>
+            <a:off x="5022376" y="6492875"/>
+            <a:ext cx="5344367" cy="365125"/>
+          </a:xfrm>
+          <a:prstGeom prst="rect">
+            <a:avLst/>
+          </a:prstGeom>
+        </p:spPr>
+        <p:txBody>
+          <a:bodyPr vert="horz" lIns="91440" tIns="45720" rIns="91440" bIns="45720" rtlCol="0" anchor="ctr"/>
+          <a:lstStyle>
+            <a:lvl1pPr algn="ctr">
+              <a:defRPr sz="1200">
+                <a:solidFill>
+                  <a:schemeClr val="tx1">
+                    <a:tint val="75000"/>
+                  </a:schemeClr>
+                </a:solidFill>
+              </a:defRPr>
+            </a:lvl1pPr>
+          </a:lstStyle>
+          <a:p>
+            <a:r>
+              <a:rPr lang="en-US" dirty="0"/>
+              <a:t>SPOSM WS19/20 | Tobias Witter and Simone Euler</a:t>
+            </a:r>
+            <a:endParaRPr lang="de-DE" dirty="0"/>
+          </a:p>
+        </p:txBody>
+      </p:sp>
+    </p:spTree>
+    <p:extLst>
+      <p:ext uri="{BB962C8B-B14F-4D97-AF65-F5344CB8AC3E}">
+        <p14:creationId xmlns:p14="http://schemas.microsoft.com/office/powerpoint/2010/main" val="107480924"/>
+      </p:ext>
+    </p:extLst>
+  </p:cSld>
+  <p:clrMapOvr>
+    <a:masterClrMapping/>
+  </p:clrMapOvr>
+  <p:timing>
+    <p:tnLst>
+      <p:par>
+        <p:cTn id="1" dur="indefinite" restart="never" nodeType="tmRoot"/>
+      </p:par>
+    </p:tnLst>
+  </p:timing>
+</p:sld>
+</file>
+
+<file path=ppt/slides/slide13.xml><?xml version="1.0" encoding="utf-8"?>
+<p:sld xmlns:a="http://schemas.openxmlformats.org/drawingml/2006/main" xmlns:r="http://schemas.openxmlformats.org/officeDocument/2006/relationships" xmlns:p="http://schemas.openxmlformats.org/presentationml/2006/main">
+  <p:cSld>
+    <p:spTree>
+      <p:nvGrpSpPr>
+        <p:cNvPr id="1" name=""/>
+        <p:cNvGrpSpPr/>
+        <p:nvPr/>
+      </p:nvGrpSpPr>
+      <p:grpSpPr>
+        <a:xfrm>
+          <a:off x="0" y="0"/>
+          <a:ext cx="0" cy="0"/>
+          <a:chOff x="0" y="0"/>
+          <a:chExt cx="0" cy="0"/>
+        </a:xfrm>
+      </p:grpSpPr>
+      <p:sp>
+        <p:nvSpPr>
+          <p:cNvPr id="5" name="Foliennummernplatzhalter 4">
+            <a:extLst>
+              <a:ext uri="{FF2B5EF4-FFF2-40B4-BE49-F238E27FC236}">
+                <a16:creationId xmlns="" xmlns:a16="http://schemas.microsoft.com/office/drawing/2014/main" id="{99217DC6-63A8-46E5-BFF7-2750383C7113}"/>
+              </a:ext>
+            </a:extLst>
+          </p:cNvPr>
+          <p:cNvSpPr>
+            <a:spLocks noGrp="1"/>
+          </p:cNvSpPr>
+          <p:nvPr>
+            <p:ph type="sldNum" sz="quarter" idx="4"/>
+          </p:nvPr>
+        </p:nvSpPr>
+        <p:spPr>
+          <a:xfrm>
+            <a:off x="8610600" y="6446290"/>
+            <a:ext cx="2743200" cy="365125"/>
+          </a:xfrm>
+        </p:spPr>
+        <p:txBody>
+          <a:bodyPr/>
+          <a:lstStyle/>
+          <a:p>
+            <a:fld id="{6527771F-06AB-408E-AA7E-946E38726935}" type="slidenum">
+              <a:rPr lang="de-DE" smtClean="0"/>
+              <a:t>13</a:t>
+            </a:fld>
+            <a:endParaRPr lang="de-DE" dirty="0"/>
+          </a:p>
+        </p:txBody>
+      </p:sp>
+      <p:sp>
+        <p:nvSpPr>
+          <p:cNvPr id="17" name="Titel 1">
+            <a:extLst>
+              <a:ext uri="{FF2B5EF4-FFF2-40B4-BE49-F238E27FC236}">
+                <a16:creationId xmlns="" xmlns:a16="http://schemas.microsoft.com/office/drawing/2014/main" id="{2EBD46AD-74A3-41B6-A7F5-704EE709693A}"/>
+              </a:ext>
+            </a:extLst>
+          </p:cNvPr>
+          <p:cNvSpPr txBox="1">
+            <a:spLocks/>
+          </p:cNvSpPr>
+          <p:nvPr/>
+        </p:nvSpPr>
+        <p:spPr>
+          <a:xfrm>
+            <a:off x="520505" y="58739"/>
+            <a:ext cx="8888190" cy="626402"/>
+          </a:xfrm>
+          <a:prstGeom prst="rect">
+            <a:avLst/>
+          </a:prstGeom>
+        </p:spPr>
+        <p:txBody>
+          <a:bodyPr vert="horz" lIns="91440" tIns="45720" rIns="91440" bIns="45720" rtlCol="0" anchor="ctr">
+            <a:noAutofit/>
+          </a:bodyPr>
+          <a:lstStyle>
+            <a:lvl1pPr algn="l" defTabSz="914400" rtl="0" eaLnBrk="1" latinLnBrk="0" hangingPunct="1">
+              <a:lnSpc>
+                <a:spcPct val="90000"/>
+              </a:lnSpc>
+              <a:spcBef>
+                <a:spcPct val="0"/>
+              </a:spcBef>
+              <a:buNone/>
+              <a:defRPr sz="4400" kern="1200">
+                <a:solidFill>
+                  <a:schemeClr val="tx1"/>
+                </a:solidFill>
+                <a:latin typeface="+mj-lt"/>
+                <a:ea typeface="+mj-ea"/>
+                <a:cs typeface="+mj-cs"/>
+              </a:defRPr>
+            </a:lvl1pPr>
+          </a:lstStyle>
+          <a:p>
+            <a:r>
+              <a:rPr lang="en-US" sz="3200" dirty="0">
+                <a:solidFill>
+                  <a:schemeClr val="tx2"/>
+                </a:solidFill>
+              </a:rPr>
+              <a:t>Data Visualization</a:t>
+            </a:r>
+          </a:p>
+        </p:txBody>
+      </p:sp>
+      <p:sp>
+        <p:nvSpPr>
+          <p:cNvPr id="149" name="Fußzeilenplatzhalter 4">
+            <a:extLst>
+              <a:ext uri="{FF2B5EF4-FFF2-40B4-BE49-F238E27FC236}">
+                <a16:creationId xmlns="" xmlns:a16="http://schemas.microsoft.com/office/drawing/2014/main" id="{38AB998A-AAF8-49F0-A239-2D93C7A72A4D}"/>
               </a:ext>
             </a:extLst>
           </p:cNvPr>
@@ -10206,7 +10692,7 @@
 </p:sld>
 </file>
 
-<file path=ppt/slides/slide13.xml><?xml version="1.0" encoding="utf-8"?>
+<file path=ppt/slides/slide14.xml><?xml version="1.0" encoding="utf-8"?>
 <p:sld xmlns:a="http://schemas.openxmlformats.org/drawingml/2006/main" xmlns:r="http://schemas.openxmlformats.org/officeDocument/2006/relationships" xmlns:p="http://schemas.openxmlformats.org/presentationml/2006/main">
   <p:cSld>
     <p:spTree>
@@ -10228,7 +10714,7 @@
           <p:cNvPr id="5" name="Foliennummernplatzhalter 4">
             <a:extLst>
               <a:ext uri="{FF2B5EF4-FFF2-40B4-BE49-F238E27FC236}">
-                <a16:creationId xmlns:a16="http://schemas.microsoft.com/office/drawing/2014/main" xmlns="" id="{99217DC6-63A8-46E5-BFF7-2750383C7113}"/>
+                <a16:creationId xmlns="" xmlns:a16="http://schemas.microsoft.com/office/drawing/2014/main" id="{99217DC6-63A8-46E5-BFF7-2750383C7113}"/>
               </a:ext>
             </a:extLst>
           </p:cNvPr>
@@ -10251,7 +10737,7 @@
           <a:p>
             <a:fld id="{6527771F-06AB-408E-AA7E-946E38726935}" type="slidenum">
               <a:rPr lang="de-DE" smtClean="0"/>
-              <a:t>13</a:t>
+              <a:t>14</a:t>
             </a:fld>
             <a:endParaRPr lang="de-DE" dirty="0"/>
           </a:p>
@@ -10262,7 +10748,7 @@
           <p:cNvPr id="17" name="Titel 1">
             <a:extLst>
               <a:ext uri="{FF2B5EF4-FFF2-40B4-BE49-F238E27FC236}">
-                <a16:creationId xmlns:a16="http://schemas.microsoft.com/office/drawing/2014/main" xmlns="" id="{2EBD46AD-74A3-41B6-A7F5-704EE709693A}"/>
+                <a16:creationId xmlns="" xmlns:a16="http://schemas.microsoft.com/office/drawing/2014/main" id="{2EBD46AD-74A3-41B6-A7F5-704EE709693A}"/>
               </a:ext>
             </a:extLst>
           </p:cNvPr>
@@ -10320,7 +10806,7 @@
           <p:cNvPr id="149" name="Fußzeilenplatzhalter 4">
             <a:extLst>
               <a:ext uri="{FF2B5EF4-FFF2-40B4-BE49-F238E27FC236}">
-                <a16:creationId xmlns:a16="http://schemas.microsoft.com/office/drawing/2014/main" xmlns="" id="{38AB998A-AAF8-49F0-A239-2D93C7A72A4D}"/>
+                <a16:creationId xmlns="" xmlns:a16="http://schemas.microsoft.com/office/drawing/2014/main" id="{38AB998A-AAF8-49F0-A239-2D93C7A72A4D}"/>
               </a:ext>
             </a:extLst>
           </p:cNvPr>
@@ -10412,7 +10898,7 @@
 </p:sld>
 </file>
 
-<file path=ppt/slides/slide14.xml><?xml version="1.0" encoding="utf-8"?>
+<file path=ppt/slides/slide15.xml><?xml version="1.0" encoding="utf-8"?>
 <p:sld xmlns:a="http://schemas.openxmlformats.org/drawingml/2006/main" xmlns:r="http://schemas.openxmlformats.org/officeDocument/2006/relationships" xmlns:p="http://schemas.openxmlformats.org/presentationml/2006/main">
   <p:cSld>
     <p:spTree>
@@ -10434,7 +10920,7 @@
           <p:cNvPr id="51" name="Rechteck 50">
             <a:extLst>
               <a:ext uri="{FF2B5EF4-FFF2-40B4-BE49-F238E27FC236}">
-                <a16:creationId xmlns:a16="http://schemas.microsoft.com/office/drawing/2014/main" xmlns="" id="{7B09CCE4-2DE8-486F-BD68-C4E948B56935}"/>
+                <a16:creationId xmlns="" xmlns:a16="http://schemas.microsoft.com/office/drawing/2014/main" id="{7B09CCE4-2DE8-486F-BD68-C4E948B56935}"/>
               </a:ext>
             </a:extLst>
           </p:cNvPr>
@@ -10492,7 +10978,7 @@
           <p:cNvPr id="5" name="Foliennummernplatzhalter 4">
             <a:extLst>
               <a:ext uri="{FF2B5EF4-FFF2-40B4-BE49-F238E27FC236}">
-                <a16:creationId xmlns:a16="http://schemas.microsoft.com/office/drawing/2014/main" xmlns="" id="{99217DC6-63A8-46E5-BFF7-2750383C7113}"/>
+                <a16:creationId xmlns="" xmlns:a16="http://schemas.microsoft.com/office/drawing/2014/main" id="{99217DC6-63A8-46E5-BFF7-2750383C7113}"/>
               </a:ext>
             </a:extLst>
           </p:cNvPr>
@@ -10515,7 +11001,7 @@
           <a:p>
             <a:fld id="{6527771F-06AB-408E-AA7E-946E38726935}" type="slidenum">
               <a:rPr lang="de-DE" smtClean="0"/>
-              <a:t>14</a:t>
+              <a:t>15</a:t>
             </a:fld>
             <a:endParaRPr lang="de-DE" dirty="0"/>
           </a:p>
@@ -10526,7 +11012,7 @@
           <p:cNvPr id="17" name="Titel 1">
             <a:extLst>
               <a:ext uri="{FF2B5EF4-FFF2-40B4-BE49-F238E27FC236}">
-                <a16:creationId xmlns:a16="http://schemas.microsoft.com/office/drawing/2014/main" xmlns="" id="{2EBD46AD-74A3-41B6-A7F5-704EE709693A}"/>
+                <a16:creationId xmlns="" xmlns:a16="http://schemas.microsoft.com/office/drawing/2014/main" id="{2EBD46AD-74A3-41B6-A7F5-704EE709693A}"/>
               </a:ext>
             </a:extLst>
           </p:cNvPr>
@@ -10584,7 +11070,7 @@
           <p:cNvPr id="4" name="Gruppieren 3">
             <a:extLst>
               <a:ext uri="{FF2B5EF4-FFF2-40B4-BE49-F238E27FC236}">
-                <a16:creationId xmlns:a16="http://schemas.microsoft.com/office/drawing/2014/main" xmlns="" id="{4C7027B1-C885-493B-83DB-9604A4B7FEAE}"/>
+                <a16:creationId xmlns="" xmlns:a16="http://schemas.microsoft.com/office/drawing/2014/main" id="{4C7027B1-C885-493B-83DB-9604A4B7FEAE}"/>
               </a:ext>
             </a:extLst>
           </p:cNvPr>
@@ -10604,7 +11090,7 @@
             <p:cNvPr id="32" name="Inhaltsplatzhalter 2">
               <a:extLst>
                 <a:ext uri="{FF2B5EF4-FFF2-40B4-BE49-F238E27FC236}">
-                  <a16:creationId xmlns:a16="http://schemas.microsoft.com/office/drawing/2014/main" xmlns="" id="{B73C8442-401C-4ED8-A3D6-C2C0FB12E87F}"/>
+                  <a16:creationId xmlns="" xmlns:a16="http://schemas.microsoft.com/office/drawing/2014/main" id="{B73C8442-401C-4ED8-A3D6-C2C0FB12E87F}"/>
                 </a:ext>
               </a:extLst>
             </p:cNvPr>
@@ -10825,7 +11311,7 @@
             <p:cNvPr id="23" name="Inhaltsplatzhalter 2">
               <a:extLst>
                 <a:ext uri="{FF2B5EF4-FFF2-40B4-BE49-F238E27FC236}">
-                  <a16:creationId xmlns:a16="http://schemas.microsoft.com/office/drawing/2014/main" xmlns="" id="{C7B407AD-B5BE-4C2C-8B9E-4E0DEC4B2C44}"/>
+                  <a16:creationId xmlns="" xmlns:a16="http://schemas.microsoft.com/office/drawing/2014/main" id="{C7B407AD-B5BE-4C2C-8B9E-4E0DEC4B2C44}"/>
                 </a:ext>
               </a:extLst>
             </p:cNvPr>
@@ -11055,7 +11541,7 @@
             <p:cNvPr id="34" name="Grafik 33" descr="Welt">
               <a:extLst>
                 <a:ext uri="{FF2B5EF4-FFF2-40B4-BE49-F238E27FC236}">
-                  <a16:creationId xmlns:a16="http://schemas.microsoft.com/office/drawing/2014/main" xmlns="" id="{A800AC59-CAC0-4D27-BCC0-D36A2C0AF209}"/>
+                  <a16:creationId xmlns="" xmlns:a16="http://schemas.microsoft.com/office/drawing/2014/main" id="{A800AC59-CAC0-4D27-BCC0-D36A2C0AF209}"/>
                 </a:ext>
               </a:extLst>
             </p:cNvPr>
@@ -11068,7 +11554,7 @@
             <a:blip r:embed="rId3">
               <a:extLst>
                 <a:ext uri="{96DAC541-7B7A-43D3-8B79-37D633B846F1}">
-                  <asvg:svgBlip xmlns:asvg="http://schemas.microsoft.com/office/drawing/2016/SVG/main" xmlns="" r:embed="rId4"/>
+                  <asvg:svgBlip xmlns="" xmlns:asvg="http://schemas.microsoft.com/office/drawing/2016/SVG/main" r:embed="rId4"/>
                 </a:ext>
               </a:extLst>
             </a:blip>
@@ -11091,7 +11577,7 @@
             <p:cNvPr id="36" name="Gerade Verbindung mit Pfeil 35">
               <a:extLst>
                 <a:ext uri="{FF2B5EF4-FFF2-40B4-BE49-F238E27FC236}">
-                  <a16:creationId xmlns:a16="http://schemas.microsoft.com/office/drawing/2014/main" xmlns="" id="{14165FCC-2898-4EA5-8418-E16DE419162D}"/>
+                  <a16:creationId xmlns="" xmlns:a16="http://schemas.microsoft.com/office/drawing/2014/main" id="{14165FCC-2898-4EA5-8418-E16DE419162D}"/>
                 </a:ext>
               </a:extLst>
             </p:cNvPr>
@@ -11132,7 +11618,7 @@
             <p:cNvPr id="38" name="Textfeld 37">
               <a:extLst>
                 <a:ext uri="{FF2B5EF4-FFF2-40B4-BE49-F238E27FC236}">
-                  <a16:creationId xmlns:a16="http://schemas.microsoft.com/office/drawing/2014/main" xmlns="" id="{98CBE577-09F5-4B95-8653-B627207FA727}"/>
+                  <a16:creationId xmlns="" xmlns:a16="http://schemas.microsoft.com/office/drawing/2014/main" id="{98CBE577-09F5-4B95-8653-B627207FA727}"/>
                 </a:ext>
               </a:extLst>
             </p:cNvPr>
@@ -11177,7 +11663,7 @@
             <p:cNvPr id="40" name="Gerade Verbindung mit Pfeil 39">
               <a:extLst>
                 <a:ext uri="{FF2B5EF4-FFF2-40B4-BE49-F238E27FC236}">
-                  <a16:creationId xmlns:a16="http://schemas.microsoft.com/office/drawing/2014/main" xmlns="" id="{CF8A7F28-CF78-4318-A93C-2E8EB03122CC}"/>
+                  <a16:creationId xmlns="" xmlns:a16="http://schemas.microsoft.com/office/drawing/2014/main" id="{CF8A7F28-CF78-4318-A93C-2E8EB03122CC}"/>
                 </a:ext>
               </a:extLst>
             </p:cNvPr>
@@ -11218,7 +11704,7 @@
             <p:cNvPr id="42" name="Gerade Verbindung mit Pfeil 41">
               <a:extLst>
                 <a:ext uri="{FF2B5EF4-FFF2-40B4-BE49-F238E27FC236}">
-                  <a16:creationId xmlns:a16="http://schemas.microsoft.com/office/drawing/2014/main" xmlns="" id="{7BA8A4C1-13EC-49CB-B82C-3FF0665FB8AD}"/>
+                  <a16:creationId xmlns="" xmlns:a16="http://schemas.microsoft.com/office/drawing/2014/main" id="{7BA8A4C1-13EC-49CB-B82C-3FF0665FB8AD}"/>
                 </a:ext>
               </a:extLst>
             </p:cNvPr>
@@ -11259,7 +11745,7 @@
             <p:cNvPr id="44" name="Grafik 43" descr="Ordner">
               <a:extLst>
                 <a:ext uri="{FF2B5EF4-FFF2-40B4-BE49-F238E27FC236}">
-                  <a16:creationId xmlns:a16="http://schemas.microsoft.com/office/drawing/2014/main" xmlns="" id="{0572721C-7090-41E2-85A7-6A154A1EDC6E}"/>
+                  <a16:creationId xmlns="" xmlns:a16="http://schemas.microsoft.com/office/drawing/2014/main" id="{0572721C-7090-41E2-85A7-6A154A1EDC6E}"/>
                 </a:ext>
               </a:extLst>
             </p:cNvPr>
@@ -11272,7 +11758,7 @@
             <a:blip r:embed="rId5">
               <a:extLst>
                 <a:ext uri="{96DAC541-7B7A-43D3-8B79-37D633B846F1}">
-                  <asvg:svgBlip xmlns:asvg="http://schemas.microsoft.com/office/drawing/2016/SVG/main" xmlns="" r:embed="rId6"/>
+                  <asvg:svgBlip xmlns="" xmlns:asvg="http://schemas.microsoft.com/office/drawing/2016/SVG/main" r:embed="rId6"/>
                 </a:ext>
               </a:extLst>
             </a:blip>
@@ -11295,7 +11781,7 @@
             <p:cNvPr id="45" name="Textfeld 44">
               <a:extLst>
                 <a:ext uri="{FF2B5EF4-FFF2-40B4-BE49-F238E27FC236}">
-                  <a16:creationId xmlns:a16="http://schemas.microsoft.com/office/drawing/2014/main" xmlns="" id="{87DAFEBD-6AC9-4113-8438-A166156DC539}"/>
+                  <a16:creationId xmlns="" xmlns:a16="http://schemas.microsoft.com/office/drawing/2014/main" id="{87DAFEBD-6AC9-4113-8438-A166156DC539}"/>
                 </a:ext>
               </a:extLst>
             </p:cNvPr>
@@ -11340,7 +11826,7 @@
           <p:cNvPr id="149" name="Fußzeilenplatzhalter 4">
             <a:extLst>
               <a:ext uri="{FF2B5EF4-FFF2-40B4-BE49-F238E27FC236}">
-                <a16:creationId xmlns:a16="http://schemas.microsoft.com/office/drawing/2014/main" xmlns="" id="{38AB998A-AAF8-49F0-A239-2D93C7A72A4D}"/>
+                <a16:creationId xmlns="" xmlns:a16="http://schemas.microsoft.com/office/drawing/2014/main" id="{38AB998A-AAF8-49F0-A239-2D93C7A72A4D}"/>
               </a:ext>
             </a:extLst>
           </p:cNvPr>
@@ -11387,7 +11873,7 @@
           <p:cNvPr id="58" name="Grafik 57" descr="Warnung">
             <a:extLst>
               <a:ext uri="{FF2B5EF4-FFF2-40B4-BE49-F238E27FC236}">
-                <a16:creationId xmlns:a16="http://schemas.microsoft.com/office/drawing/2014/main" xmlns="" id="{5ADD6FB5-98E7-495D-A9AC-2584B2D52713}"/>
+                <a16:creationId xmlns="" xmlns:a16="http://schemas.microsoft.com/office/drawing/2014/main" id="{5ADD6FB5-98E7-495D-A9AC-2584B2D52713}"/>
               </a:ext>
             </a:extLst>
           </p:cNvPr>
@@ -11400,7 +11886,7 @@
           <a:blip r:embed="rId7">
             <a:extLst>
               <a:ext uri="{96DAC541-7B7A-43D3-8B79-37D633B846F1}">
-                <asvg:svgBlip xmlns:asvg="http://schemas.microsoft.com/office/drawing/2016/SVG/main" xmlns="" r:embed="rId8"/>
+                <asvg:svgBlip xmlns="" xmlns:asvg="http://schemas.microsoft.com/office/drawing/2016/SVG/main" r:embed="rId8"/>
               </a:ext>
             </a:extLst>
           </a:blip>
@@ -11423,7 +11909,7 @@
           <p:cNvPr id="59" name="Grafik 58" descr="Glühlampe">
             <a:extLst>
               <a:ext uri="{FF2B5EF4-FFF2-40B4-BE49-F238E27FC236}">
-                <a16:creationId xmlns:a16="http://schemas.microsoft.com/office/drawing/2014/main" xmlns="" id="{051FE1DD-05D1-46F4-B78F-B97D09DB249F}"/>
+                <a16:creationId xmlns="" xmlns:a16="http://schemas.microsoft.com/office/drawing/2014/main" id="{051FE1DD-05D1-46F4-B78F-B97D09DB249F}"/>
               </a:ext>
             </a:extLst>
           </p:cNvPr>
@@ -11436,7 +11922,7 @@
           <a:blip r:embed="rId9">
             <a:extLst>
               <a:ext uri="{96DAC541-7B7A-43D3-8B79-37D633B846F1}">
-                <asvg:svgBlip xmlns:asvg="http://schemas.microsoft.com/office/drawing/2016/SVG/main" xmlns="" r:embed="rId10"/>
+                <asvg:svgBlip xmlns="" xmlns:asvg="http://schemas.microsoft.com/office/drawing/2016/SVG/main" r:embed="rId10"/>
               </a:ext>
             </a:extLst>
           </a:blip>
@@ -11459,7 +11945,7 @@
           <p:cNvPr id="18" name="Textfeld 17">
             <a:extLst>
               <a:ext uri="{FF2B5EF4-FFF2-40B4-BE49-F238E27FC236}">
-                <a16:creationId xmlns:a16="http://schemas.microsoft.com/office/drawing/2014/main" xmlns="" id="{2A285A58-EC11-4467-B051-677815423595}"/>
+                <a16:creationId xmlns="" xmlns:a16="http://schemas.microsoft.com/office/drawing/2014/main" id="{2A285A58-EC11-4467-B051-677815423595}"/>
               </a:ext>
             </a:extLst>
           </p:cNvPr>
@@ -11520,7 +12006,7 @@
           <p:cNvPr id="19" name="Textfeld 18">
             <a:extLst>
               <a:ext uri="{FF2B5EF4-FFF2-40B4-BE49-F238E27FC236}">
-                <a16:creationId xmlns:a16="http://schemas.microsoft.com/office/drawing/2014/main" xmlns="" id="{AF742355-CE0F-4F69-A0C1-2F898F89C3A5}"/>
+                <a16:creationId xmlns="" xmlns:a16="http://schemas.microsoft.com/office/drawing/2014/main" id="{AF742355-CE0F-4F69-A0C1-2F898F89C3A5}"/>
               </a:ext>
             </a:extLst>
           </p:cNvPr>
@@ -11612,7 +12098,7 @@
 </p:sld>
 </file>
 
-<file path=ppt/slides/slide15.xml><?xml version="1.0" encoding="utf-8"?>
+<file path=ppt/slides/slide16.xml><?xml version="1.0" encoding="utf-8"?>
 <p:sld xmlns:a="http://schemas.openxmlformats.org/drawingml/2006/main" xmlns:r="http://schemas.openxmlformats.org/officeDocument/2006/relationships" xmlns:p="http://schemas.openxmlformats.org/presentationml/2006/main">
   <p:cSld>
     <p:spTree>
@@ -11634,7 +12120,7 @@
           <p:cNvPr id="28" name="Rechteck 27">
             <a:extLst>
               <a:ext uri="{FF2B5EF4-FFF2-40B4-BE49-F238E27FC236}">
-                <a16:creationId xmlns:a16="http://schemas.microsoft.com/office/drawing/2014/main" xmlns="" id="{5663F49A-D805-40FE-AC1B-81ED77571640}"/>
+                <a16:creationId xmlns="" xmlns:a16="http://schemas.microsoft.com/office/drawing/2014/main" id="{5663F49A-D805-40FE-AC1B-81ED77571640}"/>
               </a:ext>
             </a:extLst>
           </p:cNvPr>
@@ -11692,7 +12178,7 @@
           <p:cNvPr id="5" name="Foliennummernplatzhalter 4">
             <a:extLst>
               <a:ext uri="{FF2B5EF4-FFF2-40B4-BE49-F238E27FC236}">
-                <a16:creationId xmlns:a16="http://schemas.microsoft.com/office/drawing/2014/main" xmlns="" id="{99217DC6-63A8-46E5-BFF7-2750383C7113}"/>
+                <a16:creationId xmlns="" xmlns:a16="http://schemas.microsoft.com/office/drawing/2014/main" id="{99217DC6-63A8-46E5-BFF7-2750383C7113}"/>
               </a:ext>
             </a:extLst>
           </p:cNvPr>
@@ -11715,7 +12201,7 @@
           <a:p>
             <a:fld id="{6527771F-06AB-408E-AA7E-946E38726935}" type="slidenum">
               <a:rPr lang="de-DE" smtClean="0"/>
-              <a:t>15</a:t>
+              <a:t>16</a:t>
             </a:fld>
             <a:endParaRPr lang="de-DE" dirty="0"/>
           </a:p>
@@ -11726,7 +12212,7 @@
           <p:cNvPr id="17" name="Titel 1">
             <a:extLst>
               <a:ext uri="{FF2B5EF4-FFF2-40B4-BE49-F238E27FC236}">
-                <a16:creationId xmlns:a16="http://schemas.microsoft.com/office/drawing/2014/main" xmlns="" id="{2EBD46AD-74A3-41B6-A7F5-704EE709693A}"/>
+                <a16:creationId xmlns="" xmlns:a16="http://schemas.microsoft.com/office/drawing/2014/main" id="{2EBD46AD-74A3-41B6-A7F5-704EE709693A}"/>
               </a:ext>
             </a:extLst>
           </p:cNvPr>
@@ -11784,7 +12270,7 @@
           <p:cNvPr id="2" name="Gruppieren 1">
             <a:extLst>
               <a:ext uri="{FF2B5EF4-FFF2-40B4-BE49-F238E27FC236}">
-                <a16:creationId xmlns:a16="http://schemas.microsoft.com/office/drawing/2014/main" xmlns="" id="{7E998845-B930-4515-A6AA-4B80E506F2E6}"/>
+                <a16:creationId xmlns="" xmlns:a16="http://schemas.microsoft.com/office/drawing/2014/main" id="{7E998845-B930-4515-A6AA-4B80E506F2E6}"/>
               </a:ext>
             </a:extLst>
           </p:cNvPr>
@@ -11804,7 +12290,7 @@
             <p:cNvPr id="46" name="Inhaltsplatzhalter 2">
               <a:extLst>
                 <a:ext uri="{FF2B5EF4-FFF2-40B4-BE49-F238E27FC236}">
-                  <a16:creationId xmlns:a16="http://schemas.microsoft.com/office/drawing/2014/main" xmlns="" id="{0F26518F-0A69-4734-BA87-0B8E3EF94156}"/>
+                  <a16:creationId xmlns="" xmlns:a16="http://schemas.microsoft.com/office/drawing/2014/main" id="{0F26518F-0A69-4734-BA87-0B8E3EF94156}"/>
                 </a:ext>
               </a:extLst>
             </p:cNvPr>
@@ -12025,7 +12511,7 @@
             <p:cNvPr id="67" name="Gerade Verbindung mit Pfeil 66">
               <a:extLst>
                 <a:ext uri="{FF2B5EF4-FFF2-40B4-BE49-F238E27FC236}">
-                  <a16:creationId xmlns:a16="http://schemas.microsoft.com/office/drawing/2014/main" xmlns="" id="{7FAB1279-3954-449A-9809-2898A9D30786}"/>
+                  <a16:creationId xmlns="" xmlns:a16="http://schemas.microsoft.com/office/drawing/2014/main" id="{7FAB1279-3954-449A-9809-2898A9D30786}"/>
                 </a:ext>
               </a:extLst>
             </p:cNvPr>
@@ -12066,7 +12552,7 @@
             <p:cNvPr id="24" name="Inhaltsplatzhalter 2">
               <a:extLst>
                 <a:ext uri="{FF2B5EF4-FFF2-40B4-BE49-F238E27FC236}">
-                  <a16:creationId xmlns:a16="http://schemas.microsoft.com/office/drawing/2014/main" xmlns="" id="{52088609-8CCC-4992-9D44-C791EA8B6B29}"/>
+                  <a16:creationId xmlns="" xmlns:a16="http://schemas.microsoft.com/office/drawing/2014/main" id="{52088609-8CCC-4992-9D44-C791EA8B6B29}"/>
                 </a:ext>
               </a:extLst>
             </p:cNvPr>
@@ -12296,7 +12782,7 @@
             <p:cNvPr id="44" name="Grafik 43" descr="Ordner">
               <a:extLst>
                 <a:ext uri="{FF2B5EF4-FFF2-40B4-BE49-F238E27FC236}">
-                  <a16:creationId xmlns:a16="http://schemas.microsoft.com/office/drawing/2014/main" xmlns="" id="{0572721C-7090-41E2-85A7-6A154A1EDC6E}"/>
+                  <a16:creationId xmlns="" xmlns:a16="http://schemas.microsoft.com/office/drawing/2014/main" id="{0572721C-7090-41E2-85A7-6A154A1EDC6E}"/>
                 </a:ext>
               </a:extLst>
             </p:cNvPr>
@@ -12309,7 +12795,7 @@
             <a:blip r:embed="rId3">
               <a:extLst>
                 <a:ext uri="{96DAC541-7B7A-43D3-8B79-37D633B846F1}">
-                  <asvg:svgBlip xmlns:asvg="http://schemas.microsoft.com/office/drawing/2016/SVG/main" xmlns="" r:embed="rId4"/>
+                  <asvg:svgBlip xmlns="" xmlns:asvg="http://schemas.microsoft.com/office/drawing/2016/SVG/main" r:embed="rId4"/>
                 </a:ext>
               </a:extLst>
             </a:blip>
@@ -12332,7 +12818,7 @@
             <p:cNvPr id="45" name="Textfeld 44">
               <a:extLst>
                 <a:ext uri="{FF2B5EF4-FFF2-40B4-BE49-F238E27FC236}">
-                  <a16:creationId xmlns:a16="http://schemas.microsoft.com/office/drawing/2014/main" xmlns="" id="{87DAFEBD-6AC9-4113-8438-A166156DC539}"/>
+                  <a16:creationId xmlns="" xmlns:a16="http://schemas.microsoft.com/office/drawing/2014/main" id="{87DAFEBD-6AC9-4113-8438-A166156DC539}"/>
                 </a:ext>
               </a:extLst>
             </p:cNvPr>
@@ -12376,7 +12862,7 @@
             <p:cNvPr id="57" name="Gerade Verbindung mit Pfeil 56">
               <a:extLst>
                 <a:ext uri="{FF2B5EF4-FFF2-40B4-BE49-F238E27FC236}">
-                  <a16:creationId xmlns:a16="http://schemas.microsoft.com/office/drawing/2014/main" xmlns="" id="{CA0D2126-51DB-4173-87BE-BAF063EBF92F}"/>
+                  <a16:creationId xmlns="" xmlns:a16="http://schemas.microsoft.com/office/drawing/2014/main" id="{CA0D2126-51DB-4173-87BE-BAF063EBF92F}"/>
                 </a:ext>
               </a:extLst>
             </p:cNvPr>
@@ -12417,7 +12903,7 @@
             <p:cNvPr id="126" name="Gruppieren 125">
               <a:extLst>
                 <a:ext uri="{FF2B5EF4-FFF2-40B4-BE49-F238E27FC236}">
-                  <a16:creationId xmlns:a16="http://schemas.microsoft.com/office/drawing/2014/main" xmlns="" id="{514A1029-992E-4E2E-9A8B-4CDCFC62727A}"/>
+                  <a16:creationId xmlns="" xmlns:a16="http://schemas.microsoft.com/office/drawing/2014/main" id="{514A1029-992E-4E2E-9A8B-4CDCFC62727A}"/>
                 </a:ext>
               </a:extLst>
             </p:cNvPr>
@@ -12437,7 +12923,7 @@
               <p:cNvPr id="97" name="Grafik 96" descr="Tisch">
                 <a:extLst>
                   <a:ext uri="{FF2B5EF4-FFF2-40B4-BE49-F238E27FC236}">
-                    <a16:creationId xmlns:a16="http://schemas.microsoft.com/office/drawing/2014/main" xmlns="" id="{E3ED5455-2ACE-4F80-8660-C9C78942E061}"/>
+                    <a16:creationId xmlns="" xmlns:a16="http://schemas.microsoft.com/office/drawing/2014/main" id="{E3ED5455-2ACE-4F80-8660-C9C78942E061}"/>
                   </a:ext>
                 </a:extLst>
               </p:cNvPr>
@@ -12450,7 +12936,7 @@
               <a:blip r:embed="rId5">
                 <a:extLst>
                   <a:ext uri="{96DAC541-7B7A-43D3-8B79-37D633B846F1}">
-                    <asvg:svgBlip xmlns:asvg="http://schemas.microsoft.com/office/drawing/2016/SVG/main" xmlns="" r:embed="rId6"/>
+                    <asvg:svgBlip xmlns="" xmlns:asvg="http://schemas.microsoft.com/office/drawing/2016/SVG/main" r:embed="rId6"/>
                   </a:ext>
                 </a:extLst>
               </a:blip>
@@ -12473,7 +12959,7 @@
               <p:cNvPr id="105" name="Rechteck 104">
                 <a:extLst>
                   <a:ext uri="{FF2B5EF4-FFF2-40B4-BE49-F238E27FC236}">
-                    <a16:creationId xmlns:a16="http://schemas.microsoft.com/office/drawing/2014/main" xmlns="" id="{82C05C09-9668-4C7B-99B4-6CCD1DF3F8C9}"/>
+                    <a16:creationId xmlns="" xmlns:a16="http://schemas.microsoft.com/office/drawing/2014/main" id="{82C05C09-9668-4C7B-99B4-6CCD1DF3F8C9}"/>
                   </a:ext>
                 </a:extLst>
               </p:cNvPr>
@@ -12530,7 +13016,7 @@
           <p:cNvPr id="149" name="Fußzeilenplatzhalter 4">
             <a:extLst>
               <a:ext uri="{FF2B5EF4-FFF2-40B4-BE49-F238E27FC236}">
-                <a16:creationId xmlns:a16="http://schemas.microsoft.com/office/drawing/2014/main" xmlns="" id="{38AB998A-AAF8-49F0-A239-2D93C7A72A4D}"/>
+                <a16:creationId xmlns="" xmlns:a16="http://schemas.microsoft.com/office/drawing/2014/main" id="{38AB998A-AAF8-49F0-A239-2D93C7A72A4D}"/>
               </a:ext>
             </a:extLst>
           </p:cNvPr>
@@ -12577,7 +13063,7 @@
           <p:cNvPr id="29" name="Grafik 28" descr="Warnung">
             <a:extLst>
               <a:ext uri="{FF2B5EF4-FFF2-40B4-BE49-F238E27FC236}">
-                <a16:creationId xmlns:a16="http://schemas.microsoft.com/office/drawing/2014/main" xmlns="" id="{B282B26C-FBD5-4486-BAD6-EF90B5C4BD47}"/>
+                <a16:creationId xmlns="" xmlns:a16="http://schemas.microsoft.com/office/drawing/2014/main" id="{B282B26C-FBD5-4486-BAD6-EF90B5C4BD47}"/>
               </a:ext>
             </a:extLst>
           </p:cNvPr>
@@ -12590,7 +13076,7 @@
           <a:blip r:embed="rId7">
             <a:extLst>
               <a:ext uri="{96DAC541-7B7A-43D3-8B79-37D633B846F1}">
-                <asvg:svgBlip xmlns:asvg="http://schemas.microsoft.com/office/drawing/2016/SVG/main" xmlns="" r:embed="rId8"/>
+                <asvg:svgBlip xmlns="" xmlns:asvg="http://schemas.microsoft.com/office/drawing/2016/SVG/main" r:embed="rId8"/>
               </a:ext>
             </a:extLst>
           </a:blip>
@@ -12613,7 +13099,7 @@
           <p:cNvPr id="8" name="Textfeld 7">
             <a:extLst>
               <a:ext uri="{FF2B5EF4-FFF2-40B4-BE49-F238E27FC236}">
-                <a16:creationId xmlns:a16="http://schemas.microsoft.com/office/drawing/2014/main" xmlns="" id="{2A285A58-EC11-4467-B051-677815423595}"/>
+                <a16:creationId xmlns="" xmlns:a16="http://schemas.microsoft.com/office/drawing/2014/main" id="{2A285A58-EC11-4467-B051-677815423595}"/>
               </a:ext>
             </a:extLst>
           </p:cNvPr>
@@ -12672,7 +13158,7 @@
           <p:cNvPr id="37" name="Textfeld 36">
             <a:extLst>
               <a:ext uri="{FF2B5EF4-FFF2-40B4-BE49-F238E27FC236}">
-                <a16:creationId xmlns:a16="http://schemas.microsoft.com/office/drawing/2014/main" xmlns="" id="{AF742355-CE0F-4F69-A0C1-2F898F89C3A5}"/>
+                <a16:creationId xmlns="" xmlns:a16="http://schemas.microsoft.com/office/drawing/2014/main" id="{AF742355-CE0F-4F69-A0C1-2F898F89C3A5}"/>
               </a:ext>
             </a:extLst>
           </p:cNvPr>
@@ -12737,7 +13223,7 @@
           <p:cNvPr id="13" name="Grafik 12" descr="Glühlampe">
             <a:extLst>
               <a:ext uri="{FF2B5EF4-FFF2-40B4-BE49-F238E27FC236}">
-                <a16:creationId xmlns:a16="http://schemas.microsoft.com/office/drawing/2014/main" xmlns="" id="{4D085D73-F3C8-441D-AF81-E837128CE47E}"/>
+                <a16:creationId xmlns="" xmlns:a16="http://schemas.microsoft.com/office/drawing/2014/main" id="{4D085D73-F3C8-441D-AF81-E837128CE47E}"/>
               </a:ext>
             </a:extLst>
           </p:cNvPr>
@@ -12750,7 +13236,7 @@
           <a:blip r:embed="rId9">
             <a:extLst>
               <a:ext uri="{96DAC541-7B7A-43D3-8B79-37D633B846F1}">
-                <asvg:svgBlip xmlns:asvg="http://schemas.microsoft.com/office/drawing/2016/SVG/main" xmlns="" r:embed="rId10"/>
+                <asvg:svgBlip xmlns="" xmlns:asvg="http://schemas.microsoft.com/office/drawing/2016/SVG/main" r:embed="rId10"/>
               </a:ext>
             </a:extLst>
           </a:blip>
@@ -12788,7 +13274,7 @@
 </p:sld>
 </file>
 
-<file path=ppt/slides/slide16.xml><?xml version="1.0" encoding="utf-8"?>
+<file path=ppt/slides/slide17.xml><?xml version="1.0" encoding="utf-8"?>
 <p:sld xmlns:a="http://schemas.openxmlformats.org/drawingml/2006/main" xmlns:r="http://schemas.openxmlformats.org/officeDocument/2006/relationships" xmlns:p="http://schemas.openxmlformats.org/presentationml/2006/main">
   <p:cSld>
     <p:spTree>
@@ -12810,7 +13296,7 @@
           <p:cNvPr id="5" name="Foliennummernplatzhalter 4">
             <a:extLst>
               <a:ext uri="{FF2B5EF4-FFF2-40B4-BE49-F238E27FC236}">
-                <a16:creationId xmlns:a16="http://schemas.microsoft.com/office/drawing/2014/main" xmlns="" id="{99217DC6-63A8-46E5-BFF7-2750383C7113}"/>
+                <a16:creationId xmlns="" xmlns:a16="http://schemas.microsoft.com/office/drawing/2014/main" id="{99217DC6-63A8-46E5-BFF7-2750383C7113}"/>
               </a:ext>
             </a:extLst>
           </p:cNvPr>
@@ -12833,7 +13319,7 @@
           <a:p>
             <a:fld id="{6527771F-06AB-408E-AA7E-946E38726935}" type="slidenum">
               <a:rPr lang="de-DE" smtClean="0"/>
-              <a:t>16</a:t>
+              <a:t>17</a:t>
             </a:fld>
             <a:endParaRPr lang="de-DE"/>
           </a:p>
@@ -12844,7 +13330,7 @@
           <p:cNvPr id="17" name="Titel 1">
             <a:extLst>
               <a:ext uri="{FF2B5EF4-FFF2-40B4-BE49-F238E27FC236}">
-                <a16:creationId xmlns:a16="http://schemas.microsoft.com/office/drawing/2014/main" xmlns="" id="{2EBD46AD-74A3-41B6-A7F5-704EE709693A}"/>
+                <a16:creationId xmlns="" xmlns:a16="http://schemas.microsoft.com/office/drawing/2014/main" id="{2EBD46AD-74A3-41B6-A7F5-704EE709693A}"/>
               </a:ext>
             </a:extLst>
           </p:cNvPr>
@@ -12902,7 +13388,7 @@
           <p:cNvPr id="19" name="Inhaltsplatzhalter 2">
             <a:extLst>
               <a:ext uri="{FF2B5EF4-FFF2-40B4-BE49-F238E27FC236}">
-                <a16:creationId xmlns:a16="http://schemas.microsoft.com/office/drawing/2014/main" xmlns="" id="{FD7E6F18-D74A-4FE7-8CC2-71466EBAC41D}"/>
+                <a16:creationId xmlns="" xmlns:a16="http://schemas.microsoft.com/office/drawing/2014/main" id="{FD7E6F18-D74A-4FE7-8CC2-71466EBAC41D}"/>
               </a:ext>
             </a:extLst>
           </p:cNvPr>
@@ -12927,8 +13413,19 @@
           <a:p>
             <a:r>
               <a:rPr lang="en-US" sz="1800" dirty="0"/>
-              <a:t>discoverable with metadata, identifiable and locatable by means of a standard identification mechanism</a:t>
-            </a:r>
+              <a:t>discoverable with metadata, identifiable and locatable by means of a standard identification </a:t>
+            </a:r>
+            <a:r>
+              <a:rPr lang="en-US" sz="1800" dirty="0" smtClean="0"/>
+              <a:t>mechanism</a:t>
+            </a:r>
+          </a:p>
+          <a:p>
+            <a:r>
+              <a:rPr lang="en-US" sz="1800" dirty="0" smtClean="0"/>
+              <a:t>Metadata for each scraped text: Volume, number, date, unit, pages</a:t>
+            </a:r>
+            <a:endParaRPr lang="en-US" sz="1800" dirty="0"/>
           </a:p>
         </p:txBody>
       </p:sp>
@@ -12937,7 +13434,7 @@
           <p:cNvPr id="9" name="Fußzeilenplatzhalter 4">
             <a:extLst>
               <a:ext uri="{FF2B5EF4-FFF2-40B4-BE49-F238E27FC236}">
-                <a16:creationId xmlns:a16="http://schemas.microsoft.com/office/drawing/2014/main" xmlns="" id="{F10706BB-1C7F-44A5-8A36-CDBB277E3BFC}"/>
+                <a16:creationId xmlns="" xmlns:a16="http://schemas.microsoft.com/office/drawing/2014/main" id="{F10706BB-1C7F-44A5-8A36-CDBB277E3BFC}"/>
               </a:ext>
             </a:extLst>
           </p:cNvPr>
@@ -12984,7 +13481,7 @@
           <p:cNvPr id="2" name="Rechteck 1">
             <a:extLst>
               <a:ext uri="{FF2B5EF4-FFF2-40B4-BE49-F238E27FC236}">
-                <a16:creationId xmlns:a16="http://schemas.microsoft.com/office/drawing/2014/main" xmlns="" id="{0D9E26CA-D519-4955-8920-592179B1FE22}"/>
+                <a16:creationId xmlns="" xmlns:a16="http://schemas.microsoft.com/office/drawing/2014/main" id="{0D9E26CA-D519-4955-8920-592179B1FE22}"/>
               </a:ext>
             </a:extLst>
           </p:cNvPr>
@@ -13039,7 +13536,7 @@
           <p:cNvPr id="11" name="Rechteck 10">
             <a:extLst>
               <a:ext uri="{FF2B5EF4-FFF2-40B4-BE49-F238E27FC236}">
-                <a16:creationId xmlns:a16="http://schemas.microsoft.com/office/drawing/2014/main" xmlns="" id="{8BDAC378-DB7A-4385-B0C5-7A7BB8439380}"/>
+                <a16:creationId xmlns="" xmlns:a16="http://schemas.microsoft.com/office/drawing/2014/main" id="{8BDAC378-DB7A-4385-B0C5-7A7BB8439380}"/>
               </a:ext>
             </a:extLst>
           </p:cNvPr>
@@ -13094,7 +13591,7 @@
           <p:cNvPr id="12" name="Rechteck 11">
             <a:extLst>
               <a:ext uri="{FF2B5EF4-FFF2-40B4-BE49-F238E27FC236}">
-                <a16:creationId xmlns:a16="http://schemas.microsoft.com/office/drawing/2014/main" xmlns="" id="{D2A7043D-6CC0-4509-BAFB-FBAE494991AE}"/>
+                <a16:creationId xmlns="" xmlns:a16="http://schemas.microsoft.com/office/drawing/2014/main" id="{D2A7043D-6CC0-4509-BAFB-FBAE494991AE}"/>
               </a:ext>
             </a:extLst>
           </p:cNvPr>
@@ -13144,7 +13641,7 @@
           <p:cNvPr id="14" name="Rechteck 13">
             <a:extLst>
               <a:ext uri="{FF2B5EF4-FFF2-40B4-BE49-F238E27FC236}">
-                <a16:creationId xmlns:a16="http://schemas.microsoft.com/office/drawing/2014/main" xmlns="" id="{9D4200A3-BD07-4C63-BBF4-6FC25C2340F6}"/>
+                <a16:creationId xmlns="" xmlns:a16="http://schemas.microsoft.com/office/drawing/2014/main" id="{9D4200A3-BD07-4C63-BBF4-6FC25C2340F6}"/>
               </a:ext>
             </a:extLst>
           </p:cNvPr>
@@ -13200,7 +13697,7 @@
           <p:cNvPr id="22" name="Inhaltsplatzhalter 2">
             <a:extLst>
               <a:ext uri="{FF2B5EF4-FFF2-40B4-BE49-F238E27FC236}">
-                <a16:creationId xmlns:a16="http://schemas.microsoft.com/office/drawing/2014/main" xmlns="" id="{25CD8A27-4C42-4C1F-A067-291E1390BB52}"/>
+                <a16:creationId xmlns="" xmlns:a16="http://schemas.microsoft.com/office/drawing/2014/main" id="{25CD8A27-4C42-4C1F-A067-291E1390BB52}"/>
               </a:ext>
             </a:extLst>
           </p:cNvPr>
@@ -13405,7 +13902,7 @@
           <p:cNvPr id="23" name="Inhaltsplatzhalter 2">
             <a:extLst>
               <a:ext uri="{FF2B5EF4-FFF2-40B4-BE49-F238E27FC236}">
-                <a16:creationId xmlns:a16="http://schemas.microsoft.com/office/drawing/2014/main" xmlns="" id="{E10592E1-142D-45E9-AF5D-E791C3243C61}"/>
+                <a16:creationId xmlns="" xmlns:a16="http://schemas.microsoft.com/office/drawing/2014/main" id="{E10592E1-142D-45E9-AF5D-E791C3243C61}"/>
               </a:ext>
             </a:extLst>
           </p:cNvPr>
@@ -13611,12 +14108,12 @@
               <a:t> and semantically understandable, allowing data exchange and reuse between researchers, institutions, </a:t>
             </a:r>
             <a:r>
-              <a:rPr lang="en-US" sz="1800" dirty="0" err="1"/>
-              <a:t>organisations</a:t>
+              <a:rPr lang="en-US" sz="1800" dirty="0" smtClean="0"/>
+              <a:t>organizations </a:t>
             </a:r>
             <a:r>
               <a:rPr lang="en-US" sz="1800" dirty="0"/>
-              <a:t> or countries </a:t>
+              <a:t>or countries </a:t>
             </a:r>
           </a:p>
         </p:txBody>
@@ -13626,7 +14123,7 @@
           <p:cNvPr id="24" name="Inhaltsplatzhalter 2">
             <a:extLst>
               <a:ext uri="{FF2B5EF4-FFF2-40B4-BE49-F238E27FC236}">
-                <a16:creationId xmlns:a16="http://schemas.microsoft.com/office/drawing/2014/main" xmlns="" id="{8A5A35EC-35C3-4EEE-B4CA-689F86337F8B}"/>
+                <a16:creationId xmlns="" xmlns:a16="http://schemas.microsoft.com/office/drawing/2014/main" id="{8A5A35EC-35C3-4EEE-B4CA-689F86337F8B}"/>
               </a:ext>
             </a:extLst>
           </p:cNvPr>
@@ -13820,205 +14317,6 @@
           </a:p>
         </p:txBody>
       </p:sp>
-      <p:sp>
-        <p:nvSpPr>
-          <p:cNvPr id="25" name="Inhaltsplatzhalter 2">
-            <a:extLst>
-              <a:ext uri="{FF2B5EF4-FFF2-40B4-BE49-F238E27FC236}">
-                <a16:creationId xmlns:a16="http://schemas.microsoft.com/office/drawing/2014/main" xmlns="" id="{7C37810B-3DFF-4DAC-825E-40F9C0F4BEA9}"/>
-              </a:ext>
-            </a:extLst>
-          </p:cNvPr>
-          <p:cNvSpPr txBox="1">
-            <a:spLocks/>
-          </p:cNvSpPr>
-          <p:nvPr/>
-        </p:nvSpPr>
-        <p:spPr>
-          <a:xfrm>
-            <a:off x="358886" y="5982519"/>
-            <a:ext cx="12008892" cy="365125"/>
-          </a:xfrm>
-          <a:prstGeom prst="rect">
-            <a:avLst/>
-          </a:prstGeom>
-        </p:spPr>
-        <p:txBody>
-          <a:bodyPr vert="horz" lIns="91440" tIns="45720" rIns="91440" bIns="45720" rtlCol="0">
-            <a:normAutofit/>
-          </a:bodyPr>
-          <a:lstStyle>
-            <a:lvl1pPr marL="228600" indent="-228600" algn="l" defTabSz="914400" rtl="0" eaLnBrk="1" latinLnBrk="0" hangingPunct="1">
-              <a:lnSpc>
-                <a:spcPct val="90000"/>
-              </a:lnSpc>
-              <a:spcBef>
-                <a:spcPts val="1000"/>
-              </a:spcBef>
-              <a:buFont typeface="Arial"/>
-              <a:buChar char="•"/>
-              <a:defRPr sz="2800" kern="1200">
-                <a:solidFill>
-                  <a:schemeClr val="tx1"/>
-                </a:solidFill>
-                <a:latin typeface="+mn-lt"/>
-                <a:ea typeface="+mn-ea"/>
-                <a:cs typeface="+mn-cs"/>
-              </a:defRPr>
-            </a:lvl1pPr>
-            <a:lvl2pPr marL="685800" indent="-228600" algn="l" defTabSz="914400" rtl="0" eaLnBrk="1" latinLnBrk="0" hangingPunct="1">
-              <a:lnSpc>
-                <a:spcPct val="90000"/>
-              </a:lnSpc>
-              <a:spcBef>
-                <a:spcPts val="500"/>
-              </a:spcBef>
-              <a:buFont typeface="Arial"/>
-              <a:buChar char="•"/>
-              <a:defRPr sz="2400" kern="1200">
-                <a:solidFill>
-                  <a:schemeClr val="tx1"/>
-                </a:solidFill>
-                <a:latin typeface="+mn-lt"/>
-                <a:ea typeface="+mn-ea"/>
-                <a:cs typeface="+mn-cs"/>
-              </a:defRPr>
-            </a:lvl2pPr>
-            <a:lvl3pPr marL="1143000" indent="-228600" algn="l" defTabSz="914400" rtl="0" eaLnBrk="1" latinLnBrk="0" hangingPunct="1">
-              <a:lnSpc>
-                <a:spcPct val="90000"/>
-              </a:lnSpc>
-              <a:spcBef>
-                <a:spcPts val="500"/>
-              </a:spcBef>
-              <a:buFont typeface="Arial"/>
-              <a:buChar char="•"/>
-              <a:defRPr sz="2000" kern="1200">
-                <a:solidFill>
-                  <a:schemeClr val="tx1"/>
-                </a:solidFill>
-                <a:latin typeface="+mn-lt"/>
-                <a:ea typeface="+mn-ea"/>
-                <a:cs typeface="+mn-cs"/>
-              </a:defRPr>
-            </a:lvl3pPr>
-            <a:lvl4pPr marL="1600200" indent="-228600" algn="l" defTabSz="914400" rtl="0" eaLnBrk="1" latinLnBrk="0" hangingPunct="1">
-              <a:lnSpc>
-                <a:spcPct val="90000"/>
-              </a:lnSpc>
-              <a:spcBef>
-                <a:spcPts val="500"/>
-              </a:spcBef>
-              <a:buFont typeface="Arial"/>
-              <a:buChar char="•"/>
-              <a:defRPr sz="1800" kern="1200">
-                <a:solidFill>
-                  <a:schemeClr val="tx1"/>
-                </a:solidFill>
-                <a:latin typeface="+mn-lt"/>
-                <a:ea typeface="+mn-ea"/>
-                <a:cs typeface="+mn-cs"/>
-              </a:defRPr>
-            </a:lvl4pPr>
-            <a:lvl5pPr marL="2057400" indent="-228600" algn="l" defTabSz="914400" rtl="0" eaLnBrk="1" latinLnBrk="0" hangingPunct="1">
-              <a:lnSpc>
-                <a:spcPct val="90000"/>
-              </a:lnSpc>
-              <a:spcBef>
-                <a:spcPts val="500"/>
-              </a:spcBef>
-              <a:buFont typeface="Arial"/>
-              <a:buChar char="•"/>
-              <a:defRPr sz="1800" kern="1200">
-                <a:solidFill>
-                  <a:schemeClr val="tx1"/>
-                </a:solidFill>
-                <a:latin typeface="+mn-lt"/>
-                <a:ea typeface="+mn-ea"/>
-                <a:cs typeface="+mn-cs"/>
-              </a:defRPr>
-            </a:lvl5pPr>
-            <a:lvl6pPr marL="2514600" indent="-228600" algn="l" defTabSz="914400" rtl="0" eaLnBrk="1" latinLnBrk="0" hangingPunct="1">
-              <a:lnSpc>
-                <a:spcPct val="90000"/>
-              </a:lnSpc>
-              <a:spcBef>
-                <a:spcPts val="500"/>
-              </a:spcBef>
-              <a:buFont typeface="Arial"/>
-              <a:buChar char="•"/>
-              <a:defRPr sz="1800" kern="1200">
-                <a:solidFill>
-                  <a:schemeClr val="tx1"/>
-                </a:solidFill>
-                <a:latin typeface="+mn-lt"/>
-                <a:ea typeface="+mn-ea"/>
-                <a:cs typeface="+mn-cs"/>
-              </a:defRPr>
-            </a:lvl6pPr>
-            <a:lvl7pPr marL="2971800" indent="-228600" algn="l" defTabSz="914400" rtl="0" eaLnBrk="1" latinLnBrk="0" hangingPunct="1">
-              <a:lnSpc>
-                <a:spcPct val="90000"/>
-              </a:lnSpc>
-              <a:spcBef>
-                <a:spcPts val="500"/>
-              </a:spcBef>
-              <a:buFont typeface="Arial"/>
-              <a:buChar char="•"/>
-              <a:defRPr sz="1800" kern="1200">
-                <a:solidFill>
-                  <a:schemeClr val="tx1"/>
-                </a:solidFill>
-                <a:latin typeface="+mn-lt"/>
-                <a:ea typeface="+mn-ea"/>
-                <a:cs typeface="+mn-cs"/>
-              </a:defRPr>
-            </a:lvl7pPr>
-            <a:lvl8pPr marL="3429000" indent="-228600" algn="l" defTabSz="914400" rtl="0" eaLnBrk="1" latinLnBrk="0" hangingPunct="1">
-              <a:lnSpc>
-                <a:spcPct val="90000"/>
-              </a:lnSpc>
-              <a:spcBef>
-                <a:spcPts val="500"/>
-              </a:spcBef>
-              <a:buFont typeface="Arial"/>
-              <a:buChar char="•"/>
-              <a:defRPr sz="1800" kern="1200">
-                <a:solidFill>
-                  <a:schemeClr val="tx1"/>
-                </a:solidFill>
-                <a:latin typeface="+mn-lt"/>
-                <a:ea typeface="+mn-ea"/>
-                <a:cs typeface="+mn-cs"/>
-              </a:defRPr>
-            </a:lvl8pPr>
-            <a:lvl9pPr marL="3886200" indent="-228600" algn="l" defTabSz="914400" rtl="0" eaLnBrk="1" latinLnBrk="0" hangingPunct="1">
-              <a:lnSpc>
-                <a:spcPct val="90000"/>
-              </a:lnSpc>
-              <a:spcBef>
-                <a:spcPts val="500"/>
-              </a:spcBef>
-              <a:buFont typeface="Arial"/>
-              <a:buChar char="•"/>
-              <a:defRPr sz="1800" kern="1200">
-                <a:solidFill>
-                  <a:schemeClr val="tx1"/>
-                </a:solidFill>
-                <a:latin typeface="+mn-lt"/>
-                <a:ea typeface="+mn-ea"/>
-                <a:cs typeface="+mn-cs"/>
-              </a:defRPr>
-            </a:lvl9pPr>
-          </a:lstStyle>
-          <a:p>
-            <a:r>
-              <a:rPr lang="en-US" sz="1800" dirty="0"/>
-              <a:t>How do you plan to develop an impact on the open science community? How can you make others aware of your work?</a:t>
-            </a:r>
-          </a:p>
-        </p:txBody>
-      </p:sp>
     </p:spTree>
     <p:extLst>
       <p:ext uri="{BB962C8B-B14F-4D97-AF65-F5344CB8AC3E}">
@@ -14039,7 +14337,7 @@
 </p:sld>
 </file>
 
-<file path=ppt/slides/slide17.xml><?xml version="1.0" encoding="utf-8"?>
+<file path=ppt/slides/slide18.xml><?xml version="1.0" encoding="utf-8"?>
 <p:sld xmlns:a="http://schemas.openxmlformats.org/drawingml/2006/main" xmlns:r="http://schemas.openxmlformats.org/officeDocument/2006/relationships" xmlns:p="http://schemas.openxmlformats.org/presentationml/2006/main">
   <p:cSld>
     <p:bg>
@@ -14069,7 +14367,7 @@
           <p:cNvPr id="14" name="Bild 4" descr="huO_rgb-mP.png">
             <a:extLst>
               <a:ext uri="{FF2B5EF4-FFF2-40B4-BE49-F238E27FC236}">
-                <a16:creationId xmlns:a16="http://schemas.microsoft.com/office/drawing/2014/main" xmlns="" id="{A6435E84-959B-4004-9D03-91843F9616BF}"/>
+                <a16:creationId xmlns="" xmlns:a16="http://schemas.microsoft.com/office/drawing/2014/main" id="{A6435E84-959B-4004-9D03-91843F9616BF}"/>
               </a:ext>
             </a:extLst>
           </p:cNvPr>
@@ -14129,7 +14427,7 @@
           <p:cNvPr id="16" name="Inhaltsplatzhalter 2">
             <a:extLst>
               <a:ext uri="{FF2B5EF4-FFF2-40B4-BE49-F238E27FC236}">
-                <a16:creationId xmlns:a16="http://schemas.microsoft.com/office/drawing/2014/main" xmlns="" id="{35C0996D-4546-4A4B-BC03-82C9961E32C9}"/>
+                <a16:creationId xmlns="" xmlns:a16="http://schemas.microsoft.com/office/drawing/2014/main" id="{35C0996D-4546-4A4B-BC03-82C9961E32C9}"/>
               </a:ext>
             </a:extLst>
           </p:cNvPr>
@@ -14350,101 +14648,6 @@
     <p:extLst>
       <p:ext uri="{BB962C8B-B14F-4D97-AF65-F5344CB8AC3E}">
         <p14:creationId xmlns:p14="http://schemas.microsoft.com/office/powerpoint/2010/main" val="3617925326"/>
-      </p:ext>
-    </p:extLst>
-  </p:cSld>
-  <p:clrMapOvr>
-    <a:masterClrMapping/>
-  </p:clrMapOvr>
-  <p:timing>
-    <p:tnLst>
-      <p:par>
-        <p:cTn id="1" dur="indefinite" restart="never" nodeType="tmRoot"/>
-      </p:par>
-    </p:tnLst>
-  </p:timing>
-</p:sld>
-</file>
-
-<file path=ppt/slides/slide18.xml><?xml version="1.0" encoding="utf-8"?>
-<p:sld xmlns:a="http://schemas.openxmlformats.org/drawingml/2006/main" xmlns:r="http://schemas.openxmlformats.org/officeDocument/2006/relationships" xmlns:p="http://schemas.openxmlformats.org/presentationml/2006/main">
-  <p:cSld>
-    <p:spTree>
-      <p:nvGrpSpPr>
-        <p:cNvPr id="1" name=""/>
-        <p:cNvGrpSpPr/>
-        <p:nvPr/>
-      </p:nvGrpSpPr>
-      <p:grpSpPr>
-        <a:xfrm>
-          <a:off x="0" y="0"/>
-          <a:ext cx="0" cy="0"/>
-          <a:chOff x="0" y="0"/>
-          <a:chExt cx="0" cy="0"/>
-        </a:xfrm>
-      </p:grpSpPr>
-      <p:sp>
-        <p:nvSpPr>
-          <p:cNvPr id="2" name="Titel 1">
-            <a:extLst>
-              <a:ext uri="{FF2B5EF4-FFF2-40B4-BE49-F238E27FC236}">
-                <a16:creationId xmlns:a16="http://schemas.microsoft.com/office/drawing/2014/main" xmlns="" id="{C698A611-4E59-4D5D-B67A-DF0F2AF122C5}"/>
-              </a:ext>
-            </a:extLst>
-          </p:cNvPr>
-          <p:cNvSpPr>
-            <a:spLocks noGrp="1"/>
-          </p:cNvSpPr>
-          <p:nvPr>
-            <p:ph type="title"/>
-          </p:nvPr>
-        </p:nvSpPr>
-        <p:spPr/>
-        <p:txBody>
-          <a:bodyPr/>
-          <a:lstStyle/>
-          <a:p>
-            <a:r>
-              <a:rPr lang="de-DE" dirty="0"/>
-              <a:t>Backup </a:t>
-            </a:r>
-            <a:r>
-              <a:rPr lang="de-DE" dirty="0" err="1"/>
-              <a:t>Slides</a:t>
-            </a:r>
-            <a:endParaRPr lang="en-US" dirty="0"/>
-          </a:p>
-        </p:txBody>
-      </p:sp>
-      <p:sp>
-        <p:nvSpPr>
-          <p:cNvPr id="3" name="Textplatzhalter 2">
-            <a:extLst>
-              <a:ext uri="{FF2B5EF4-FFF2-40B4-BE49-F238E27FC236}">
-                <a16:creationId xmlns:a16="http://schemas.microsoft.com/office/drawing/2014/main" xmlns="" id="{A6CB220A-5C57-4688-B3BE-933E90D8AD40}"/>
-              </a:ext>
-            </a:extLst>
-          </p:cNvPr>
-          <p:cNvSpPr>
-            <a:spLocks noGrp="1"/>
-          </p:cNvSpPr>
-          <p:nvPr>
-            <p:ph type="body" idx="1"/>
-          </p:nvPr>
-        </p:nvSpPr>
-        <p:spPr/>
-        <p:txBody>
-          <a:bodyPr/>
-          <a:lstStyle/>
-          <a:p>
-            <a:endParaRPr lang="en-US"/>
-          </a:p>
-        </p:txBody>
-      </p:sp>
-    </p:spTree>
-    <p:extLst>
-      <p:ext uri="{BB962C8B-B14F-4D97-AF65-F5344CB8AC3E}">
-        <p14:creationId xmlns:p14="http://schemas.microsoft.com/office/powerpoint/2010/main" val="507478146"/>
       </p:ext>
     </p:extLst>
   </p:cSld>
@@ -14480,10 +14683,1263 @@
       </p:grpSpPr>
       <p:sp>
         <p:nvSpPr>
+          <p:cNvPr id="2" name="Titel 1">
+            <a:extLst>
+              <a:ext uri="{FF2B5EF4-FFF2-40B4-BE49-F238E27FC236}">
+                <a16:creationId xmlns="" xmlns:a16="http://schemas.microsoft.com/office/drawing/2014/main" id="{C698A611-4E59-4D5D-B67A-DF0F2AF122C5}"/>
+              </a:ext>
+            </a:extLst>
+          </p:cNvPr>
+          <p:cNvSpPr>
+            <a:spLocks noGrp="1"/>
+          </p:cNvSpPr>
+          <p:nvPr>
+            <p:ph type="title"/>
+          </p:nvPr>
+        </p:nvSpPr>
+        <p:spPr/>
+        <p:txBody>
+          <a:bodyPr/>
+          <a:lstStyle/>
+          <a:p>
+            <a:r>
+              <a:rPr lang="de-DE" dirty="0"/>
+              <a:t>Backup </a:t>
+            </a:r>
+            <a:r>
+              <a:rPr lang="de-DE" dirty="0" err="1"/>
+              <a:t>Slides</a:t>
+            </a:r>
+            <a:endParaRPr lang="en-US" dirty="0"/>
+          </a:p>
+        </p:txBody>
+      </p:sp>
+      <p:sp>
+        <p:nvSpPr>
+          <p:cNvPr id="3" name="Textplatzhalter 2">
+            <a:extLst>
+              <a:ext uri="{FF2B5EF4-FFF2-40B4-BE49-F238E27FC236}">
+                <a16:creationId xmlns="" xmlns:a16="http://schemas.microsoft.com/office/drawing/2014/main" id="{A6CB220A-5C57-4688-B3BE-933E90D8AD40}"/>
+              </a:ext>
+            </a:extLst>
+          </p:cNvPr>
+          <p:cNvSpPr>
+            <a:spLocks noGrp="1"/>
+          </p:cNvSpPr>
+          <p:nvPr>
+            <p:ph type="body" idx="1"/>
+          </p:nvPr>
+        </p:nvSpPr>
+        <p:spPr/>
+        <p:txBody>
+          <a:bodyPr/>
+          <a:lstStyle/>
+          <a:p>
+            <a:endParaRPr lang="en-US"/>
+          </a:p>
+        </p:txBody>
+      </p:sp>
+    </p:spTree>
+    <p:extLst>
+      <p:ext uri="{BB962C8B-B14F-4D97-AF65-F5344CB8AC3E}">
+        <p14:creationId xmlns:p14="http://schemas.microsoft.com/office/powerpoint/2010/main" val="507478146"/>
+      </p:ext>
+    </p:extLst>
+  </p:cSld>
+  <p:clrMapOvr>
+    <a:masterClrMapping/>
+  </p:clrMapOvr>
+  <p:timing>
+    <p:tnLst>
+      <p:par>
+        <p:cTn id="1" dur="indefinite" restart="never" nodeType="tmRoot"/>
+      </p:par>
+    </p:tnLst>
+  </p:timing>
+</p:sld>
+</file>
+
+<file path=ppt/slides/slide2.xml><?xml version="1.0" encoding="utf-8"?>
+<p:sld xmlns:a="http://schemas.openxmlformats.org/drawingml/2006/main" xmlns:r="http://schemas.openxmlformats.org/officeDocument/2006/relationships" xmlns:p="http://schemas.openxmlformats.org/presentationml/2006/main">
+  <p:cSld>
+    <p:spTree>
+      <p:nvGrpSpPr>
+        <p:cNvPr id="1" name=""/>
+        <p:cNvGrpSpPr/>
+        <p:nvPr/>
+      </p:nvGrpSpPr>
+      <p:grpSpPr>
+        <a:xfrm>
+          <a:off x="0" y="0"/>
+          <a:ext cx="0" cy="0"/>
+          <a:chOff x="0" y="0"/>
+          <a:chExt cx="0" cy="0"/>
+        </a:xfrm>
+      </p:grpSpPr>
+      <p:sp>
+        <p:nvSpPr>
+          <p:cNvPr id="17" name="Titel 1">
+            <a:extLst>
+              <a:ext uri="{FF2B5EF4-FFF2-40B4-BE49-F238E27FC236}">
+                <a16:creationId xmlns="" xmlns:a16="http://schemas.microsoft.com/office/drawing/2014/main" id="{2EBD46AD-74A3-41B6-A7F5-704EE709693A}"/>
+              </a:ext>
+            </a:extLst>
+          </p:cNvPr>
+          <p:cNvSpPr txBox="1">
+            <a:spLocks/>
+          </p:cNvSpPr>
+          <p:nvPr/>
+        </p:nvSpPr>
+        <p:spPr>
+          <a:xfrm>
+            <a:off x="520505" y="58739"/>
+            <a:ext cx="8888190" cy="626402"/>
+          </a:xfrm>
+          <a:prstGeom prst="rect">
+            <a:avLst/>
+          </a:prstGeom>
+        </p:spPr>
+        <p:txBody>
+          <a:bodyPr vert="horz" lIns="91440" tIns="45720" rIns="91440" bIns="45720" rtlCol="0" anchor="ctr">
+            <a:noAutofit/>
+          </a:bodyPr>
+          <a:lstStyle>
+            <a:lvl1pPr algn="l" defTabSz="914400" rtl="0" eaLnBrk="1" latinLnBrk="0" hangingPunct="1">
+              <a:lnSpc>
+                <a:spcPct val="90000"/>
+              </a:lnSpc>
+              <a:spcBef>
+                <a:spcPct val="0"/>
+              </a:spcBef>
+              <a:buNone/>
+              <a:defRPr sz="4400" kern="1200">
+                <a:solidFill>
+                  <a:schemeClr val="tx1"/>
+                </a:solidFill>
+                <a:latin typeface="+mj-lt"/>
+                <a:ea typeface="+mj-ea"/>
+                <a:cs typeface="+mj-cs"/>
+              </a:defRPr>
+            </a:lvl1pPr>
+          </a:lstStyle>
+          <a:p>
+            <a:r>
+              <a:rPr lang="en-GB" sz="3200" dirty="0">
+                <a:solidFill>
+                  <a:schemeClr val="tx2"/>
+                </a:solidFill>
+              </a:rPr>
+              <a:t>Idea</a:t>
+            </a:r>
+          </a:p>
+        </p:txBody>
+      </p:sp>
+      <p:sp>
+        <p:nvSpPr>
+          <p:cNvPr id="20" name="Foliennummernplatzhalter 4">
+            <a:extLst>
+              <a:ext uri="{FF2B5EF4-FFF2-40B4-BE49-F238E27FC236}">
+                <a16:creationId xmlns="" xmlns:a16="http://schemas.microsoft.com/office/drawing/2014/main" id="{C6BBC18E-2DC9-4371-91F5-85FBFBEA87D3}"/>
+              </a:ext>
+            </a:extLst>
+          </p:cNvPr>
+          <p:cNvSpPr>
+            <a:spLocks noGrp="1"/>
+          </p:cNvSpPr>
+          <p:nvPr>
+            <p:ph type="sldNum" sz="quarter" idx="4"/>
+          </p:nvPr>
+        </p:nvSpPr>
+        <p:spPr>
+          <a:xfrm>
+            <a:off x="8610600" y="6446290"/>
+            <a:ext cx="2743200" cy="365125"/>
+          </a:xfrm>
+        </p:spPr>
+        <p:txBody>
+          <a:bodyPr/>
+          <a:lstStyle/>
+          <a:p>
+            <a:fld id="{6527771F-06AB-408E-AA7E-946E38726935}" type="slidenum">
+              <a:rPr lang="de-DE" smtClean="0"/>
+              <a:t>2</a:t>
+            </a:fld>
+            <a:endParaRPr lang="de-DE" dirty="0"/>
+          </a:p>
+        </p:txBody>
+      </p:sp>
+      <p:sp>
+        <p:nvSpPr>
+          <p:cNvPr id="21" name="Fußzeilenplatzhalter 4">
+            <a:extLst>
+              <a:ext uri="{FF2B5EF4-FFF2-40B4-BE49-F238E27FC236}">
+                <a16:creationId xmlns="" xmlns:a16="http://schemas.microsoft.com/office/drawing/2014/main" id="{D061155E-5094-4E60-B698-3213B33D15A0}"/>
+              </a:ext>
+            </a:extLst>
+          </p:cNvPr>
+          <p:cNvSpPr>
+            <a:spLocks noGrp="1"/>
+          </p:cNvSpPr>
+          <p:nvPr>
+            <p:ph type="ftr" sz="quarter" idx="3"/>
+          </p:nvPr>
+        </p:nvSpPr>
+        <p:spPr>
+          <a:xfrm>
+            <a:off x="5022376" y="6492875"/>
+            <a:ext cx="5344367" cy="365125"/>
+          </a:xfrm>
+          <a:prstGeom prst="rect">
+            <a:avLst/>
+          </a:prstGeom>
+        </p:spPr>
+        <p:txBody>
+          <a:bodyPr vert="horz" lIns="91440" tIns="45720" rIns="91440" bIns="45720" rtlCol="0" anchor="ctr"/>
+          <a:lstStyle>
+            <a:lvl1pPr algn="ctr">
+              <a:defRPr sz="1200">
+                <a:solidFill>
+                  <a:schemeClr val="tx1">
+                    <a:tint val="75000"/>
+                  </a:schemeClr>
+                </a:solidFill>
+              </a:defRPr>
+            </a:lvl1pPr>
+          </a:lstStyle>
+          <a:p>
+            <a:r>
+              <a:rPr lang="en-US" dirty="0"/>
+              <a:t>SPOSM WS19/20 | Tobias Witter and Simone Euler</a:t>
+            </a:r>
+            <a:endParaRPr lang="de-DE" dirty="0"/>
+          </a:p>
+        </p:txBody>
+      </p:sp>
+      <p:sp>
+        <p:nvSpPr>
+          <p:cNvPr id="31" name="Pfeil: nach rechts 30">
+            <a:extLst>
+              <a:ext uri="{FF2B5EF4-FFF2-40B4-BE49-F238E27FC236}">
+                <a16:creationId xmlns="" xmlns:a16="http://schemas.microsoft.com/office/drawing/2014/main" id="{2AE91C83-BD37-474A-A380-D3CB5C40E09C}"/>
+              </a:ext>
+            </a:extLst>
+          </p:cNvPr>
+          <p:cNvSpPr/>
+          <p:nvPr/>
+        </p:nvSpPr>
+        <p:spPr>
+          <a:xfrm>
+            <a:off x="4988471" y="2084280"/>
+            <a:ext cx="579625" cy="365125"/>
+          </a:xfrm>
+          <a:prstGeom prst="rightArrow">
+            <a:avLst/>
+          </a:prstGeom>
+        </p:spPr>
+        <p:style>
+          <a:lnRef idx="2">
+            <a:schemeClr val="accent1">
+              <a:shade val="50000"/>
+            </a:schemeClr>
+          </a:lnRef>
+          <a:fillRef idx="1">
+            <a:schemeClr val="accent1"/>
+          </a:fillRef>
+          <a:effectRef idx="0">
+            <a:schemeClr val="accent1"/>
+          </a:effectRef>
+          <a:fontRef idx="minor">
+            <a:schemeClr val="lt1"/>
+          </a:fontRef>
+        </p:style>
+        <p:txBody>
+          <a:bodyPr rtlCol="0" anchor="ctr"/>
+          <a:lstStyle/>
+          <a:p>
+            <a:pPr algn="ctr"/>
+            <a:endParaRPr lang="en-US"/>
+          </a:p>
+        </p:txBody>
+      </p:sp>
+      <p:grpSp>
+        <p:nvGrpSpPr>
+          <p:cNvPr id="47" name="Gruppieren 46">
+            <a:extLst>
+              <a:ext uri="{FF2B5EF4-FFF2-40B4-BE49-F238E27FC236}">
+                <a16:creationId xmlns="" xmlns:a16="http://schemas.microsoft.com/office/drawing/2014/main" id="{5028FA54-1E23-496A-8298-1AAE2CEFB4B3}"/>
+              </a:ext>
+            </a:extLst>
+          </p:cNvPr>
+          <p:cNvGrpSpPr/>
+          <p:nvPr/>
+        </p:nvGrpSpPr>
+        <p:grpSpPr>
+          <a:xfrm>
+            <a:off x="5669469" y="849983"/>
+            <a:ext cx="4880248" cy="3135162"/>
+            <a:chOff x="5443122" y="1073928"/>
+            <a:chExt cx="5311195" cy="3135162"/>
+          </a:xfrm>
+        </p:grpSpPr>
+        <p:pic>
+          <p:nvPicPr>
+            <p:cNvPr id="33" name="Grafik 32" descr="Ein Bild, das Text, Zeitung enthält.&#10;&#10;Automatisch generierte Beschreibung">
+              <a:extLst>
+                <a:ext uri="{FF2B5EF4-FFF2-40B4-BE49-F238E27FC236}">
+                  <a16:creationId xmlns="" xmlns:a16="http://schemas.microsoft.com/office/drawing/2014/main" id="{079C02F9-4274-4B49-BAF3-94FA77854853}"/>
+                </a:ext>
+              </a:extLst>
+            </p:cNvPr>
+            <p:cNvPicPr>
+              <a:picLocks noChangeAspect="1"/>
+            </p:cNvPicPr>
+            <p:nvPr/>
+          </p:nvPicPr>
+          <p:blipFill rotWithShape="1">
+            <a:blip r:embed="rId3"/>
+            <a:srcRect b="79282"/>
+            <a:stretch/>
+          </p:blipFill>
+          <p:spPr>
+            <a:xfrm>
+              <a:off x="5455154" y="1073928"/>
+              <a:ext cx="5299163" cy="1420869"/>
+            </a:xfrm>
+            <a:prstGeom prst="rect">
+              <a:avLst/>
+            </a:prstGeom>
+            <a:ln>
+              <a:solidFill>
+                <a:schemeClr val="tx1"/>
+              </a:solidFill>
+            </a:ln>
+          </p:spPr>
+        </p:pic>
+        <p:sp>
+          <p:nvSpPr>
+            <p:cNvPr id="34" name="Rechteck 33">
+              <a:extLst>
+                <a:ext uri="{FF2B5EF4-FFF2-40B4-BE49-F238E27FC236}">
+                  <a16:creationId xmlns="" xmlns:a16="http://schemas.microsoft.com/office/drawing/2014/main" id="{4470A44F-58C6-4BEA-B35F-377016EC3199}"/>
+                </a:ext>
+              </a:extLst>
+            </p:cNvPr>
+            <p:cNvSpPr/>
+            <p:nvPr/>
+          </p:nvSpPr>
+          <p:spPr>
+            <a:xfrm>
+              <a:off x="5443122" y="2494798"/>
+              <a:ext cx="5311195" cy="1714292"/>
+            </a:xfrm>
+            <a:prstGeom prst="rect">
+              <a:avLst/>
+            </a:prstGeom>
+          </p:spPr>
+          <p:style>
+            <a:lnRef idx="2">
+              <a:schemeClr val="dk1"/>
+            </a:lnRef>
+            <a:fillRef idx="1">
+              <a:schemeClr val="lt1"/>
+            </a:fillRef>
+            <a:effectRef idx="0">
+              <a:schemeClr val="dk1"/>
+            </a:effectRef>
+            <a:fontRef idx="minor">
+              <a:schemeClr val="dk1"/>
+            </a:fontRef>
+          </p:style>
+          <p:txBody>
+            <a:bodyPr rtlCol="0" anchor="ctr"/>
+            <a:lstStyle/>
+            <a:p>
+              <a:pPr algn="ctr"/>
+              <a:endParaRPr lang="en-US"/>
+            </a:p>
+          </p:txBody>
+        </p:sp>
+        <p:sp>
+          <p:nvSpPr>
+            <p:cNvPr id="43" name="Rechteck 42">
+              <a:extLst>
+                <a:ext uri="{FF2B5EF4-FFF2-40B4-BE49-F238E27FC236}">
+                  <a16:creationId xmlns="" xmlns:a16="http://schemas.microsoft.com/office/drawing/2014/main" id="{BFA74AC2-91FF-4875-A2BF-021ED536338C}"/>
+                </a:ext>
+              </a:extLst>
+            </p:cNvPr>
+            <p:cNvSpPr/>
+            <p:nvPr/>
+          </p:nvSpPr>
+          <p:spPr>
+            <a:xfrm>
+              <a:off x="5750288" y="2539859"/>
+              <a:ext cx="4701474" cy="360000"/>
+            </a:xfrm>
+            <a:prstGeom prst="rect">
+              <a:avLst/>
+            </a:prstGeom>
+            <a:solidFill>
+              <a:schemeClr val="accent1">
+                <a:lumMod val="50000"/>
+              </a:schemeClr>
+            </a:solidFill>
+          </p:spPr>
+          <p:style>
+            <a:lnRef idx="2">
+              <a:schemeClr val="accent1">
+                <a:shade val="50000"/>
+              </a:schemeClr>
+            </a:lnRef>
+            <a:fillRef idx="1">
+              <a:schemeClr val="accent1"/>
+            </a:fillRef>
+            <a:effectRef idx="0">
+              <a:schemeClr val="accent1"/>
+            </a:effectRef>
+            <a:fontRef idx="minor">
+              <a:schemeClr val="lt1"/>
+            </a:fontRef>
+          </p:style>
+          <p:txBody>
+            <a:bodyPr rtlCol="0" anchor="ctr"/>
+            <a:lstStyle/>
+            <a:p>
+              <a:pPr algn="ctr"/>
+              <a:r>
+                <a:rPr lang="de-DE" dirty="0"/>
+                <a:t>Daily Digest</a:t>
+              </a:r>
+              <a:endParaRPr lang="en-US" dirty="0"/>
+            </a:p>
+          </p:txBody>
+        </p:sp>
+        <p:sp>
+          <p:nvSpPr>
+            <p:cNvPr id="44" name="Rechteck 43">
+              <a:extLst>
+                <a:ext uri="{FF2B5EF4-FFF2-40B4-BE49-F238E27FC236}">
+                  <a16:creationId xmlns="" xmlns:a16="http://schemas.microsoft.com/office/drawing/2014/main" id="{9F53F852-1E85-4239-B209-CED1E41DBA69}"/>
+                </a:ext>
+              </a:extLst>
+            </p:cNvPr>
+            <p:cNvSpPr/>
+            <p:nvPr/>
+          </p:nvSpPr>
+          <p:spPr>
+            <a:xfrm>
+              <a:off x="5750288" y="2940926"/>
+              <a:ext cx="4701474" cy="360000"/>
+            </a:xfrm>
+            <a:prstGeom prst="rect">
+              <a:avLst/>
+            </a:prstGeom>
+            <a:solidFill>
+              <a:schemeClr val="accent1">
+                <a:lumMod val="75000"/>
+              </a:schemeClr>
+            </a:solidFill>
+          </p:spPr>
+          <p:style>
+            <a:lnRef idx="2">
+              <a:schemeClr val="accent1">
+                <a:shade val="50000"/>
+              </a:schemeClr>
+            </a:lnRef>
+            <a:fillRef idx="1">
+              <a:schemeClr val="accent1"/>
+            </a:fillRef>
+            <a:effectRef idx="0">
+              <a:schemeClr val="accent1"/>
+            </a:effectRef>
+            <a:fontRef idx="minor">
+              <a:schemeClr val="lt1"/>
+            </a:fontRef>
+          </p:style>
+          <p:txBody>
+            <a:bodyPr rtlCol="0" anchor="ctr"/>
+            <a:lstStyle/>
+            <a:p>
+              <a:pPr algn="ctr"/>
+              <a:r>
+                <a:rPr lang="de-DE" dirty="0"/>
+                <a:t>Senate</a:t>
+              </a:r>
+              <a:endParaRPr lang="en-US" dirty="0"/>
+            </a:p>
+          </p:txBody>
+        </p:sp>
+        <p:sp>
+          <p:nvSpPr>
+            <p:cNvPr id="45" name="Rechteck 44">
+              <a:extLst>
+                <a:ext uri="{FF2B5EF4-FFF2-40B4-BE49-F238E27FC236}">
+                  <a16:creationId xmlns="" xmlns:a16="http://schemas.microsoft.com/office/drawing/2014/main" id="{D824AF27-2085-4CFE-8526-20AA941F8347}"/>
+                </a:ext>
+              </a:extLst>
+            </p:cNvPr>
+            <p:cNvSpPr/>
+            <p:nvPr/>
+          </p:nvSpPr>
+          <p:spPr>
+            <a:xfrm>
+              <a:off x="5747982" y="3346891"/>
+              <a:ext cx="4701474" cy="360000"/>
+            </a:xfrm>
+            <a:prstGeom prst="rect">
+              <a:avLst/>
+            </a:prstGeom>
+          </p:spPr>
+          <p:style>
+            <a:lnRef idx="2">
+              <a:schemeClr val="accent1">
+                <a:shade val="50000"/>
+              </a:schemeClr>
+            </a:lnRef>
+            <a:fillRef idx="1">
+              <a:schemeClr val="accent1"/>
+            </a:fillRef>
+            <a:effectRef idx="0">
+              <a:schemeClr val="accent1"/>
+            </a:effectRef>
+            <a:fontRef idx="minor">
+              <a:schemeClr val="lt1"/>
+            </a:fontRef>
+          </p:style>
+          <p:txBody>
+            <a:bodyPr rtlCol="0" anchor="ctr"/>
+            <a:lstStyle/>
+            <a:p>
+              <a:pPr algn="ctr"/>
+              <a:r>
+                <a:rPr lang="de-DE" dirty="0"/>
+                <a:t>House</a:t>
+              </a:r>
+              <a:endParaRPr lang="en-US" dirty="0"/>
+            </a:p>
+          </p:txBody>
+        </p:sp>
+        <p:sp>
+          <p:nvSpPr>
+            <p:cNvPr id="46" name="Rechteck 45">
+              <a:extLst>
+                <a:ext uri="{FF2B5EF4-FFF2-40B4-BE49-F238E27FC236}">
+                  <a16:creationId xmlns="" xmlns:a16="http://schemas.microsoft.com/office/drawing/2014/main" id="{DD4BD3E9-D619-4725-826D-46196A6B6222}"/>
+                </a:ext>
+              </a:extLst>
+            </p:cNvPr>
+            <p:cNvSpPr/>
+            <p:nvPr/>
+          </p:nvSpPr>
+          <p:spPr>
+            <a:xfrm>
+              <a:off x="5750288" y="3747958"/>
+              <a:ext cx="4701474" cy="360000"/>
+            </a:xfrm>
+            <a:prstGeom prst="rect">
+              <a:avLst/>
+            </a:prstGeom>
+            <a:solidFill>
+              <a:schemeClr val="accent1">
+                <a:lumMod val="60000"/>
+                <a:lumOff val="40000"/>
+              </a:schemeClr>
+            </a:solidFill>
+          </p:spPr>
+          <p:style>
+            <a:lnRef idx="2">
+              <a:schemeClr val="accent1">
+                <a:shade val="50000"/>
+              </a:schemeClr>
+            </a:lnRef>
+            <a:fillRef idx="1">
+              <a:schemeClr val="accent1"/>
+            </a:fillRef>
+            <a:effectRef idx="0">
+              <a:schemeClr val="accent1"/>
+            </a:effectRef>
+            <a:fontRef idx="minor">
+              <a:schemeClr val="lt1"/>
+            </a:fontRef>
+          </p:style>
+          <p:txBody>
+            <a:bodyPr rtlCol="0" anchor="ctr"/>
+            <a:lstStyle/>
+            <a:p>
+              <a:pPr algn="ctr"/>
+              <a:r>
+                <a:rPr lang="de-DE" dirty="0" err="1"/>
+                <a:t>Extensions</a:t>
+              </a:r>
+              <a:r>
+                <a:rPr lang="de-DE" dirty="0"/>
+                <a:t> </a:t>
+              </a:r>
+              <a:r>
+                <a:rPr lang="de-DE" dirty="0" err="1"/>
+                <a:t>of</a:t>
+              </a:r>
+              <a:r>
+                <a:rPr lang="de-DE" dirty="0"/>
+                <a:t> </a:t>
+              </a:r>
+              <a:r>
+                <a:rPr lang="de-DE" dirty="0" err="1"/>
+                <a:t>Remarks</a:t>
+              </a:r>
+              <a:endParaRPr lang="en-US" dirty="0"/>
+            </a:p>
+          </p:txBody>
+        </p:sp>
+      </p:grpSp>
+      <p:grpSp>
+        <p:nvGrpSpPr>
+          <p:cNvPr id="55" name="Gruppieren 54">
+            <a:extLst>
+              <a:ext uri="{FF2B5EF4-FFF2-40B4-BE49-F238E27FC236}">
+                <a16:creationId xmlns="" xmlns:a16="http://schemas.microsoft.com/office/drawing/2014/main" id="{81C248F1-6A49-4B43-A505-9C87F4BE2091}"/>
+              </a:ext>
+            </a:extLst>
+          </p:cNvPr>
+          <p:cNvGrpSpPr/>
+          <p:nvPr/>
+        </p:nvGrpSpPr>
+        <p:grpSpPr>
+          <a:xfrm>
+            <a:off x="193131" y="849983"/>
+            <a:ext cx="4690731" cy="3135162"/>
+            <a:chOff x="275019" y="1450487"/>
+            <a:chExt cx="4690731" cy="3135162"/>
+          </a:xfrm>
+        </p:grpSpPr>
+        <p:pic>
+          <p:nvPicPr>
+            <p:cNvPr id="9" name="Grafik 8">
+              <a:extLst>
+                <a:ext uri="{FF2B5EF4-FFF2-40B4-BE49-F238E27FC236}">
+                  <a16:creationId xmlns="" xmlns:a16="http://schemas.microsoft.com/office/drawing/2014/main" id="{043F74D8-AA15-4253-AAB8-0FF0402364FE}"/>
+                </a:ext>
+              </a:extLst>
+            </p:cNvPr>
+            <p:cNvPicPr>
+              <a:picLocks noChangeAspect="1"/>
+            </p:cNvPicPr>
+            <p:nvPr/>
+          </p:nvPicPr>
+          <p:blipFill rotWithShape="1">
+            <a:blip r:embed="rId4">
+              <a:extLst>
+                <a:ext uri="{BEBA8EAE-BF5A-486C-A8C5-ECC9F3942E4B}">
+                  <a14:imgProps xmlns:a14="http://schemas.microsoft.com/office/drawing/2010/main">
+                    <a14:imgLayer r:embed="rId5">
+                      <a14:imgEffect>
+                        <a14:backgroundRemoval t="15976" b="85799" l="9467" r="89941">
+                          <a14:foregroundMark x1="21302" y1="79290" x2="21302" y2="79290"/>
+                          <a14:foregroundMark x1="40533" y1="75444" x2="40533" y2="75444"/>
+                          <a14:foregroundMark x1="83432" y1="76923" x2="83432" y2="76923"/>
+                          <a14:foregroundMark x1="72189" y1="84911" x2="72189" y2="84911"/>
+                          <a14:foregroundMark x1="21006" y1="84615" x2="21006" y2="84615"/>
+                          <a14:foregroundMark x1="29586" y1="87574" x2="60355" y2="85799"/>
+                          <a14:foregroundMark x1="60355" y1="85799" x2="70414" y2="85799"/>
+                          <a14:foregroundMark x1="42604" y1="67160" x2="42899" y2="60355"/>
+                          <a14:foregroundMark x1="72189" y1="65976" x2="61834" y2="75740"/>
+                        </a14:backgroundRemoval>
+                      </a14:imgEffect>
+                    </a14:imgLayer>
+                  </a14:imgProps>
+                </a:ext>
+              </a:extLst>
+            </a:blip>
+            <a:srcRect t="8382" b="10553"/>
+            <a:stretch/>
+          </p:blipFill>
+          <p:spPr>
+            <a:xfrm>
+              <a:off x="1793644" y="1801861"/>
+              <a:ext cx="1696452" cy="1375230"/>
+            </a:xfrm>
+            <a:prstGeom prst="rect">
+              <a:avLst/>
+            </a:prstGeom>
+          </p:spPr>
+        </p:pic>
+        <p:sp>
+          <p:nvSpPr>
+            <p:cNvPr id="11" name="Textfeld 10">
+              <a:extLst>
+                <a:ext uri="{FF2B5EF4-FFF2-40B4-BE49-F238E27FC236}">
+                  <a16:creationId xmlns="" xmlns:a16="http://schemas.microsoft.com/office/drawing/2014/main" id="{3E04B350-D4EB-4B36-A24E-73CEE07893B9}"/>
+                </a:ext>
+              </a:extLst>
+            </p:cNvPr>
+            <p:cNvSpPr txBox="1"/>
+            <p:nvPr/>
+          </p:nvSpPr>
+          <p:spPr>
+            <a:xfrm>
+              <a:off x="776485" y="1500296"/>
+              <a:ext cx="4042611" cy="369332"/>
+            </a:xfrm>
+            <a:prstGeom prst="rect">
+              <a:avLst/>
+            </a:prstGeom>
+            <a:noFill/>
+          </p:spPr>
+          <p:txBody>
+            <a:bodyPr wrap="square" rtlCol="0">
+              <a:spAutoFit/>
+            </a:bodyPr>
+            <a:lstStyle/>
+            <a:p>
+              <a:r>
+                <a:rPr lang="en-US"/>
+                <a:t>National legislature of the United States</a:t>
+              </a:r>
+            </a:p>
+          </p:txBody>
+        </p:sp>
+        <p:sp>
+          <p:nvSpPr>
+            <p:cNvPr id="23" name="Textfeld 22">
+              <a:extLst>
+                <a:ext uri="{FF2B5EF4-FFF2-40B4-BE49-F238E27FC236}">
+                  <a16:creationId xmlns="" xmlns:a16="http://schemas.microsoft.com/office/drawing/2014/main" id="{F0A6203A-72C7-49C0-A521-CC95D71B6DCD}"/>
+                </a:ext>
+              </a:extLst>
+            </p:cNvPr>
+            <p:cNvSpPr txBox="1"/>
+            <p:nvPr/>
+          </p:nvSpPr>
+          <p:spPr>
+            <a:xfrm>
+              <a:off x="620564" y="3516707"/>
+              <a:ext cx="1874672" cy="923330"/>
+            </a:xfrm>
+            <a:prstGeom prst="rect">
+              <a:avLst/>
+            </a:prstGeom>
+            <a:noFill/>
+            <a:ln>
+              <a:solidFill>
+                <a:schemeClr val="bg2"/>
+              </a:solidFill>
+            </a:ln>
+          </p:spPr>
+          <p:txBody>
+            <a:bodyPr wrap="square" rtlCol="0">
+              <a:spAutoFit/>
+            </a:bodyPr>
+            <a:lstStyle/>
+            <a:p>
+              <a:pPr algn="ctr"/>
+              <a:r>
+                <a:rPr lang="en-US" b="1"/>
+                <a:t>Senate: </a:t>
+              </a:r>
+            </a:p>
+            <a:p>
+              <a:pPr algn="ctr"/>
+              <a:endParaRPr lang="en-US" b="1"/>
+            </a:p>
+            <a:p>
+              <a:pPr algn="ctr"/>
+              <a:r>
+                <a:rPr lang="en-US"/>
+                <a:t>100 members</a:t>
+              </a:r>
+            </a:p>
+          </p:txBody>
+        </p:sp>
+        <p:sp>
+          <p:nvSpPr>
+            <p:cNvPr id="24" name="Textfeld 23">
+              <a:extLst>
+                <a:ext uri="{FF2B5EF4-FFF2-40B4-BE49-F238E27FC236}">
+                  <a16:creationId xmlns="" xmlns:a16="http://schemas.microsoft.com/office/drawing/2014/main" id="{F3E37D8F-32B2-4887-AE73-C978EBE181EE}"/>
+                </a:ext>
+              </a:extLst>
+            </p:cNvPr>
+            <p:cNvSpPr txBox="1"/>
+            <p:nvPr/>
+          </p:nvSpPr>
+          <p:spPr>
+            <a:xfrm>
+              <a:off x="2797791" y="3506471"/>
+              <a:ext cx="2055962" cy="923330"/>
+            </a:xfrm>
+            <a:prstGeom prst="rect">
+              <a:avLst/>
+            </a:prstGeom>
+            <a:noFill/>
+            <a:ln>
+              <a:solidFill>
+                <a:schemeClr val="bg2"/>
+              </a:solidFill>
+            </a:ln>
+          </p:spPr>
+          <p:txBody>
+            <a:bodyPr wrap="square" rtlCol="0">
+              <a:spAutoFit/>
+            </a:bodyPr>
+            <a:lstStyle/>
+            <a:p>
+              <a:pPr algn="ctr"/>
+              <a:r>
+                <a:rPr lang="en-US" b="1"/>
+                <a:t>House of Represenatives: </a:t>
+              </a:r>
+            </a:p>
+            <a:p>
+              <a:pPr algn="ctr"/>
+              <a:r>
+                <a:rPr lang="en-US"/>
+                <a:t>435 members</a:t>
+              </a:r>
+            </a:p>
+          </p:txBody>
+        </p:sp>
+        <p:cxnSp>
+          <p:nvCxnSpPr>
+            <p:cNvPr id="26" name="Gerade Verbindung mit Pfeil 25">
+              <a:extLst>
+                <a:ext uri="{FF2B5EF4-FFF2-40B4-BE49-F238E27FC236}">
+                  <a16:creationId xmlns="" xmlns:a16="http://schemas.microsoft.com/office/drawing/2014/main" id="{F5D42A88-50F0-4778-AED3-18EB17D11AC0}"/>
+                </a:ext>
+              </a:extLst>
+            </p:cNvPr>
+            <p:cNvCxnSpPr/>
+            <p:nvPr/>
+          </p:nvCxnSpPr>
+          <p:spPr>
+            <a:xfrm flipH="1">
+              <a:off x="2023273" y="3205967"/>
+              <a:ext cx="247815" cy="254568"/>
+            </a:xfrm>
+            <a:prstGeom prst="straightConnector1">
+              <a:avLst/>
+            </a:prstGeom>
+            <a:ln>
+              <a:tailEnd type="triangle"/>
+            </a:ln>
+          </p:spPr>
+          <p:style>
+            <a:lnRef idx="1">
+              <a:schemeClr val="accent1"/>
+            </a:lnRef>
+            <a:fillRef idx="0">
+              <a:schemeClr val="accent1"/>
+            </a:fillRef>
+            <a:effectRef idx="0">
+              <a:schemeClr val="accent1"/>
+            </a:effectRef>
+            <a:fontRef idx="minor">
+              <a:schemeClr val="tx1"/>
+            </a:fontRef>
+          </p:style>
+        </p:cxnSp>
+        <p:cxnSp>
+          <p:nvCxnSpPr>
+            <p:cNvPr id="28" name="Gerade Verbindung mit Pfeil 27">
+              <a:extLst>
+                <a:ext uri="{FF2B5EF4-FFF2-40B4-BE49-F238E27FC236}">
+                  <a16:creationId xmlns="" xmlns:a16="http://schemas.microsoft.com/office/drawing/2014/main" id="{15767095-A73F-43B1-BD45-BE31101B9B21}"/>
+                </a:ext>
+              </a:extLst>
+            </p:cNvPr>
+            <p:cNvCxnSpPr>
+              <a:cxnSpLocks/>
+            </p:cNvCxnSpPr>
+            <p:nvPr/>
+          </p:nvCxnSpPr>
+          <p:spPr>
+            <a:xfrm>
+              <a:off x="3157301" y="3208728"/>
+              <a:ext cx="228600" cy="230505"/>
+            </a:xfrm>
+            <a:prstGeom prst="straightConnector1">
+              <a:avLst/>
+            </a:prstGeom>
+            <a:ln>
+              <a:tailEnd type="triangle"/>
+            </a:ln>
+          </p:spPr>
+          <p:style>
+            <a:lnRef idx="1">
+              <a:schemeClr val="accent1"/>
+            </a:lnRef>
+            <a:fillRef idx="0">
+              <a:schemeClr val="accent1"/>
+            </a:fillRef>
+            <a:effectRef idx="0">
+              <a:schemeClr val="accent1"/>
+            </a:effectRef>
+            <a:fontRef idx="minor">
+              <a:schemeClr val="tx1"/>
+            </a:fontRef>
+          </p:style>
+        </p:cxnSp>
+        <p:sp>
+          <p:nvSpPr>
+            <p:cNvPr id="48" name="Rechteck 47">
+              <a:extLst>
+                <a:ext uri="{FF2B5EF4-FFF2-40B4-BE49-F238E27FC236}">
+                  <a16:creationId xmlns="" xmlns:a16="http://schemas.microsoft.com/office/drawing/2014/main" id="{88C0AD59-8733-4532-A9CA-3B91209C67D4}"/>
+                </a:ext>
+              </a:extLst>
+            </p:cNvPr>
+            <p:cNvSpPr/>
+            <p:nvPr/>
+          </p:nvSpPr>
+          <p:spPr>
+            <a:xfrm>
+              <a:off x="275019" y="1450487"/>
+              <a:ext cx="4690731" cy="3135162"/>
+            </a:xfrm>
+            <a:prstGeom prst="rect">
+              <a:avLst/>
+            </a:prstGeom>
+            <a:noFill/>
+            <a:ln>
+              <a:solidFill>
+                <a:schemeClr val="tx1"/>
+              </a:solidFill>
+            </a:ln>
+          </p:spPr>
+          <p:style>
+            <a:lnRef idx="2">
+              <a:schemeClr val="accent1">
+                <a:shade val="50000"/>
+              </a:schemeClr>
+            </a:lnRef>
+            <a:fillRef idx="1">
+              <a:schemeClr val="accent1"/>
+            </a:fillRef>
+            <a:effectRef idx="0">
+              <a:schemeClr val="accent1"/>
+            </a:effectRef>
+            <a:fontRef idx="minor">
+              <a:schemeClr val="lt1"/>
+            </a:fontRef>
+          </p:style>
+          <p:txBody>
+            <a:bodyPr rtlCol="0" anchor="ctr"/>
+            <a:lstStyle/>
+            <a:p>
+              <a:pPr algn="ctr"/>
+              <a:endParaRPr lang="en-US"/>
+            </a:p>
+          </p:txBody>
+        </p:sp>
+        <p:pic>
+          <p:nvPicPr>
+            <p:cNvPr id="52" name="Grafik 51" descr="Chat RNL">
+              <a:extLst>
+                <a:ext uri="{FF2B5EF4-FFF2-40B4-BE49-F238E27FC236}">
+                  <a16:creationId xmlns="" xmlns:a16="http://schemas.microsoft.com/office/drawing/2014/main" id="{86DEB768-D212-4C0C-A32B-1375872FCAE7}"/>
+                </a:ext>
+              </a:extLst>
+            </p:cNvPr>
+            <p:cNvPicPr>
+              <a:picLocks noChangeAspect="1"/>
+            </p:cNvPicPr>
+            <p:nvPr/>
+          </p:nvPicPr>
+          <p:blipFill>
+            <a:blip r:embed="rId6">
+              <a:extLst>
+                <a:ext uri="{96DAC541-7B7A-43D3-8B79-37D633B846F1}">
+                  <asvg:svgBlip xmlns="" xmlns:asvg="http://schemas.microsoft.com/office/drawing/2016/SVG/main" r:embed="rId7"/>
+                </a:ext>
+              </a:extLst>
+            </a:blip>
+            <a:stretch>
+              <a:fillRect/>
+            </a:stretch>
+          </p:blipFill>
+          <p:spPr>
+            <a:xfrm rot="1125172">
+              <a:off x="3023831" y="1863465"/>
+              <a:ext cx="724139" cy="724139"/>
+            </a:xfrm>
+            <a:prstGeom prst="rect">
+              <a:avLst/>
+            </a:prstGeom>
+          </p:spPr>
+        </p:pic>
+        <p:pic>
+          <p:nvPicPr>
+            <p:cNvPr id="50" name="Grafik 49" descr="Chat">
+              <a:extLst>
+                <a:ext uri="{FF2B5EF4-FFF2-40B4-BE49-F238E27FC236}">
+                  <a16:creationId xmlns="" xmlns:a16="http://schemas.microsoft.com/office/drawing/2014/main" id="{8AD0F9F7-82F2-4FDF-B1FD-EAFF585C9122}"/>
+                </a:ext>
+              </a:extLst>
+            </p:cNvPr>
+            <p:cNvPicPr>
+              <a:picLocks noChangeAspect="1"/>
+            </p:cNvPicPr>
+            <p:nvPr/>
+          </p:nvPicPr>
+          <p:blipFill>
+            <a:blip r:embed="rId8">
+              <a:extLst>
+                <a:ext uri="{96DAC541-7B7A-43D3-8B79-37D633B846F1}">
+                  <asvg:svgBlip xmlns="" xmlns:asvg="http://schemas.microsoft.com/office/drawing/2016/SVG/main" r:embed="rId9"/>
+                </a:ext>
+              </a:extLst>
+            </a:blip>
+            <a:stretch>
+              <a:fillRect/>
+            </a:stretch>
+          </p:blipFill>
+          <p:spPr>
+            <a:xfrm rot="20799146">
+              <a:off x="1055982" y="1661495"/>
+              <a:ext cx="1216245" cy="1216245"/>
+            </a:xfrm>
+            <a:prstGeom prst="rect">
+              <a:avLst/>
+            </a:prstGeom>
+          </p:spPr>
+        </p:pic>
+      </p:grpSp>
+      <p:sp>
+        <p:nvSpPr>
+          <p:cNvPr id="56" name="Textfeld 55">
+            <a:extLst>
+              <a:ext uri="{FF2B5EF4-FFF2-40B4-BE49-F238E27FC236}">
+                <a16:creationId xmlns="" xmlns:a16="http://schemas.microsoft.com/office/drawing/2014/main" id="{C007C55E-AA99-4859-ABD9-51E32F705A40}"/>
+              </a:ext>
+            </a:extLst>
+          </p:cNvPr>
+          <p:cNvSpPr txBox="1"/>
+          <p:nvPr/>
+        </p:nvSpPr>
+        <p:spPr>
+          <a:xfrm>
+            <a:off x="491176" y="4184159"/>
+            <a:ext cx="10356586" cy="2031325"/>
+          </a:xfrm>
+          <a:prstGeom prst="rect">
+            <a:avLst/>
+          </a:prstGeom>
+          <a:noFill/>
+        </p:spPr>
+        <p:txBody>
+          <a:bodyPr wrap="square" rtlCol="0">
+            <a:spAutoFit/>
+          </a:bodyPr>
+          <a:lstStyle/>
+          <a:p>
+            <a:pPr marL="285750" indent="-285750">
+              <a:buFont typeface="Arial" panose="020B0604020202020204" pitchFamily="34" charset="0"/>
+              <a:buChar char="•"/>
+            </a:pPr>
+            <a:r>
+              <a:rPr lang="en-US" dirty="0"/>
+              <a:t>Congressional Records are publicly available at </a:t>
+            </a:r>
+            <a:r>
+              <a:rPr lang="en-US" dirty="0">
+                <a:hlinkClick r:id="rId10"/>
+              </a:rPr>
+              <a:t>https://www.govinfo.gov/</a:t>
+            </a:r>
+            <a:r>
+              <a:rPr lang="en-US" dirty="0"/>
+              <a:t> </a:t>
+            </a:r>
+          </a:p>
+          <a:p>
+            <a:pPr marL="285750" indent="-285750">
+              <a:buFont typeface="Arial" panose="020B0604020202020204" pitchFamily="34" charset="0"/>
+              <a:buChar char="•"/>
+            </a:pPr>
+            <a:endParaRPr lang="en-US" b="1" dirty="0"/>
+          </a:p>
+          <a:p>
+            <a:pPr marL="285750" indent="-285750">
+              <a:buFont typeface="Arial" panose="020B0604020202020204" pitchFamily="34" charset="0"/>
+              <a:buChar char="•"/>
+            </a:pPr>
+            <a:r>
+              <a:rPr lang="en-US" b="1" dirty="0"/>
+              <a:t>Problem: </a:t>
+            </a:r>
+            <a:r>
+              <a:rPr lang="en-US" b="1" dirty="0" smtClean="0"/>
+              <a:t>	</a:t>
+            </a:r>
+            <a:r>
+              <a:rPr lang="en-US" dirty="0" smtClean="0"/>
+              <a:t>Text </a:t>
+            </a:r>
+            <a:r>
+              <a:rPr lang="en-US" dirty="0"/>
+              <a:t>is lengthy, administrative language, bulky denomination of laws, etc. </a:t>
+            </a:r>
+            <a:endParaRPr lang="en-US" dirty="0" smtClean="0"/>
+          </a:p>
+          <a:p>
+            <a:r>
+              <a:rPr lang="en-US" dirty="0">
+                <a:sym typeface="Wingdings" panose="05000000000000000000" pitchFamily="2" charset="2"/>
+              </a:rPr>
+              <a:t>		</a:t>
+            </a:r>
+            <a:r>
+              <a:rPr lang="en-US" dirty="0" smtClean="0">
+                <a:sym typeface="Wingdings" panose="05000000000000000000" pitchFamily="2" charset="2"/>
+              </a:rPr>
+              <a:t> </a:t>
+            </a:r>
+            <a:r>
+              <a:rPr lang="en-US" dirty="0">
+                <a:sym typeface="Wingdings" panose="05000000000000000000" pitchFamily="2" charset="2"/>
+              </a:rPr>
+              <a:t>D</a:t>
+            </a:r>
+            <a:r>
+              <a:rPr lang="en-US" dirty="0" smtClean="0">
+                <a:sym typeface="Wingdings" panose="05000000000000000000" pitchFamily="2" charset="2"/>
+              </a:rPr>
+              <a:t>ifficult </a:t>
+            </a:r>
+            <a:r>
+              <a:rPr lang="en-US" dirty="0">
+                <a:sym typeface="Wingdings" panose="05000000000000000000" pitchFamily="2" charset="2"/>
+              </a:rPr>
+              <a:t>to </a:t>
+            </a:r>
+            <a:r>
+              <a:rPr lang="en-US" dirty="0" smtClean="0">
+                <a:sym typeface="Wingdings" panose="05000000000000000000" pitchFamily="2" charset="2"/>
+              </a:rPr>
+              <a:t>access texts of debates via R</a:t>
+            </a:r>
+          </a:p>
+          <a:p>
+            <a:pPr marL="285750" indent="-285750">
+              <a:buFont typeface="Arial" panose="020B0604020202020204" pitchFamily="34" charset="0"/>
+              <a:buChar char="•"/>
+            </a:pPr>
+            <a:endParaRPr lang="en-US" b="1" dirty="0" smtClean="0">
+              <a:sym typeface="Wingdings" panose="05000000000000000000" pitchFamily="2" charset="2"/>
+            </a:endParaRPr>
+          </a:p>
+          <a:p>
+            <a:pPr marL="285750" indent="-285750">
+              <a:buFont typeface="Arial" panose="020B0604020202020204" pitchFamily="34" charset="0"/>
+              <a:buChar char="•"/>
+            </a:pPr>
+            <a:r>
+              <a:rPr lang="en-US" b="1" dirty="0" smtClean="0">
+                <a:sym typeface="Wingdings" panose="05000000000000000000" pitchFamily="2" charset="2"/>
+              </a:rPr>
+              <a:t>Idea</a:t>
+            </a:r>
+            <a:r>
+              <a:rPr lang="en-US" b="1" dirty="0">
+                <a:sym typeface="Wingdings" panose="05000000000000000000" pitchFamily="2" charset="2"/>
+              </a:rPr>
+              <a:t>: </a:t>
+            </a:r>
+            <a:r>
+              <a:rPr lang="en-US" b="1" dirty="0" smtClean="0">
+                <a:sym typeface="Wingdings" panose="05000000000000000000" pitchFamily="2" charset="2"/>
+              </a:rPr>
+              <a:t>		</a:t>
+            </a:r>
+            <a:r>
+              <a:rPr lang="en-US" dirty="0">
+                <a:sym typeface="Wingdings" panose="05000000000000000000" pitchFamily="2" charset="2"/>
+              </a:rPr>
+              <a:t>C</a:t>
+            </a:r>
+            <a:r>
+              <a:rPr lang="en-US" dirty="0" smtClean="0">
+                <a:sym typeface="Wingdings" panose="05000000000000000000" pitchFamily="2" charset="2"/>
+              </a:rPr>
+              <a:t>ontribute </a:t>
+            </a:r>
+            <a:r>
+              <a:rPr lang="en-US" dirty="0">
+                <a:sym typeface="Wingdings" panose="05000000000000000000" pitchFamily="2" charset="2"/>
+              </a:rPr>
+              <a:t>to the </a:t>
+            </a:r>
+            <a:r>
+              <a:rPr lang="en-US" dirty="0"/>
+              <a:t>accessibility of congressional debates and to the open science </a:t>
+            </a:r>
+            <a:r>
+              <a:rPr lang="en-US" dirty="0" smtClean="0"/>
+              <a:t>			community </a:t>
+            </a:r>
+            <a:r>
+              <a:rPr lang="en-US" dirty="0">
+                <a:sym typeface="Wingdings" panose="05000000000000000000" pitchFamily="2" charset="2"/>
+              </a:rPr>
+              <a:t>by scraping, and tidying (and </a:t>
+            </a:r>
+            <a:r>
+              <a:rPr lang="en-US" dirty="0" smtClean="0">
+                <a:sym typeface="Wingdings" panose="05000000000000000000" pitchFamily="2" charset="2"/>
+              </a:rPr>
+              <a:t>visualizing) daily </a:t>
+            </a:r>
+            <a:r>
+              <a:rPr lang="en-US" dirty="0">
+                <a:sym typeface="Wingdings" panose="05000000000000000000" pitchFamily="2" charset="2"/>
+              </a:rPr>
+              <a:t>records</a:t>
+            </a:r>
+          </a:p>
+        </p:txBody>
+      </p:sp>
+    </p:spTree>
+    <p:extLst>
+      <p:ext uri="{BB962C8B-B14F-4D97-AF65-F5344CB8AC3E}">
+        <p14:creationId xmlns:p14="http://schemas.microsoft.com/office/powerpoint/2010/main" val="510858128"/>
+      </p:ext>
+    </p:extLst>
+  </p:cSld>
+  <p:clrMapOvr>
+    <a:masterClrMapping/>
+  </p:clrMapOvr>
+  <p:timing>
+    <p:tnLst>
+      <p:par>
+        <p:cTn id="1" dur="indefinite" restart="never" nodeType="tmRoot"/>
+      </p:par>
+    </p:tnLst>
+  </p:timing>
+</p:sld>
+</file>
+
+<file path=ppt/slides/slide20.xml><?xml version="1.0" encoding="utf-8"?>
+<p:sld xmlns:a="http://schemas.openxmlformats.org/drawingml/2006/main" xmlns:r="http://schemas.openxmlformats.org/officeDocument/2006/relationships" xmlns:p="http://schemas.openxmlformats.org/presentationml/2006/main">
+  <p:cSld>
+    <p:spTree>
+      <p:nvGrpSpPr>
+        <p:cNvPr id="1" name=""/>
+        <p:cNvGrpSpPr/>
+        <p:nvPr/>
+      </p:nvGrpSpPr>
+      <p:grpSpPr>
+        <a:xfrm>
+          <a:off x="0" y="0"/>
+          <a:ext cx="0" cy="0"/>
+          <a:chOff x="0" y="0"/>
+          <a:chExt cx="0" cy="0"/>
+        </a:xfrm>
+      </p:grpSpPr>
+      <p:sp>
+        <p:nvSpPr>
           <p:cNvPr id="28" name="Rechteck 27">
             <a:extLst>
               <a:ext uri="{FF2B5EF4-FFF2-40B4-BE49-F238E27FC236}">
-                <a16:creationId xmlns:a16="http://schemas.microsoft.com/office/drawing/2014/main" xmlns="" id="{5663F49A-D805-40FE-AC1B-81ED77571640}"/>
+                <a16:creationId xmlns="" xmlns:a16="http://schemas.microsoft.com/office/drawing/2014/main" id="{5663F49A-D805-40FE-AC1B-81ED77571640}"/>
               </a:ext>
             </a:extLst>
           </p:cNvPr>
@@ -14541,7 +15997,7 @@
           <p:cNvPr id="5" name="Foliennummernplatzhalter 4">
             <a:extLst>
               <a:ext uri="{FF2B5EF4-FFF2-40B4-BE49-F238E27FC236}">
-                <a16:creationId xmlns:a16="http://schemas.microsoft.com/office/drawing/2014/main" xmlns="" id="{99217DC6-63A8-46E5-BFF7-2750383C7113}"/>
+                <a16:creationId xmlns="" xmlns:a16="http://schemas.microsoft.com/office/drawing/2014/main" id="{99217DC6-63A8-46E5-BFF7-2750383C7113}"/>
               </a:ext>
             </a:extLst>
           </p:cNvPr>
@@ -14564,7 +16020,7 @@
           <a:p>
             <a:fld id="{6527771F-06AB-408E-AA7E-946E38726935}" type="slidenum">
               <a:rPr lang="de-DE" smtClean="0"/>
-              <a:t>19</a:t>
+              <a:t>20</a:t>
             </a:fld>
             <a:endParaRPr lang="de-DE" dirty="0"/>
           </a:p>
@@ -14575,7 +16031,7 @@
           <p:cNvPr id="17" name="Titel 1">
             <a:extLst>
               <a:ext uri="{FF2B5EF4-FFF2-40B4-BE49-F238E27FC236}">
-                <a16:creationId xmlns:a16="http://schemas.microsoft.com/office/drawing/2014/main" xmlns="" id="{2EBD46AD-74A3-41B6-A7F5-704EE709693A}"/>
+                <a16:creationId xmlns="" xmlns:a16="http://schemas.microsoft.com/office/drawing/2014/main" id="{2EBD46AD-74A3-41B6-A7F5-704EE709693A}"/>
               </a:ext>
             </a:extLst>
           </p:cNvPr>
@@ -14633,7 +16089,7 @@
           <p:cNvPr id="2" name="Gruppieren 1">
             <a:extLst>
               <a:ext uri="{FF2B5EF4-FFF2-40B4-BE49-F238E27FC236}">
-                <a16:creationId xmlns:a16="http://schemas.microsoft.com/office/drawing/2014/main" xmlns="" id="{7E998845-B930-4515-A6AA-4B80E506F2E6}"/>
+                <a16:creationId xmlns="" xmlns:a16="http://schemas.microsoft.com/office/drawing/2014/main" id="{7E998845-B930-4515-A6AA-4B80E506F2E6}"/>
               </a:ext>
             </a:extLst>
           </p:cNvPr>
@@ -14653,7 +16109,7 @@
             <p:cNvPr id="46" name="Inhaltsplatzhalter 2">
               <a:extLst>
                 <a:ext uri="{FF2B5EF4-FFF2-40B4-BE49-F238E27FC236}">
-                  <a16:creationId xmlns:a16="http://schemas.microsoft.com/office/drawing/2014/main" xmlns="" id="{0F26518F-0A69-4734-BA87-0B8E3EF94156}"/>
+                  <a16:creationId xmlns="" xmlns:a16="http://schemas.microsoft.com/office/drawing/2014/main" id="{0F26518F-0A69-4734-BA87-0B8E3EF94156}"/>
                 </a:ext>
               </a:extLst>
             </p:cNvPr>
@@ -14874,7 +16330,7 @@
             <p:cNvPr id="67" name="Gerade Verbindung mit Pfeil 66">
               <a:extLst>
                 <a:ext uri="{FF2B5EF4-FFF2-40B4-BE49-F238E27FC236}">
-                  <a16:creationId xmlns:a16="http://schemas.microsoft.com/office/drawing/2014/main" xmlns="" id="{7FAB1279-3954-449A-9809-2898A9D30786}"/>
+                  <a16:creationId xmlns="" xmlns:a16="http://schemas.microsoft.com/office/drawing/2014/main" id="{7FAB1279-3954-449A-9809-2898A9D30786}"/>
                 </a:ext>
               </a:extLst>
             </p:cNvPr>
@@ -14915,7 +16371,7 @@
             <p:cNvPr id="24" name="Inhaltsplatzhalter 2">
               <a:extLst>
                 <a:ext uri="{FF2B5EF4-FFF2-40B4-BE49-F238E27FC236}">
-                  <a16:creationId xmlns:a16="http://schemas.microsoft.com/office/drawing/2014/main" xmlns="" id="{52088609-8CCC-4992-9D44-C791EA8B6B29}"/>
+                  <a16:creationId xmlns="" xmlns:a16="http://schemas.microsoft.com/office/drawing/2014/main" id="{52088609-8CCC-4992-9D44-C791EA8B6B29}"/>
                 </a:ext>
               </a:extLst>
             </p:cNvPr>
@@ -15145,7 +16601,7 @@
             <p:cNvPr id="44" name="Grafik 43" descr="Ordner">
               <a:extLst>
                 <a:ext uri="{FF2B5EF4-FFF2-40B4-BE49-F238E27FC236}">
-                  <a16:creationId xmlns:a16="http://schemas.microsoft.com/office/drawing/2014/main" xmlns="" id="{0572721C-7090-41E2-85A7-6A154A1EDC6E}"/>
+                  <a16:creationId xmlns="" xmlns:a16="http://schemas.microsoft.com/office/drawing/2014/main" id="{0572721C-7090-41E2-85A7-6A154A1EDC6E}"/>
                 </a:ext>
               </a:extLst>
             </p:cNvPr>
@@ -15158,7 +16614,7 @@
             <a:blip r:embed="rId3">
               <a:extLst>
                 <a:ext uri="{96DAC541-7B7A-43D3-8B79-37D633B846F1}">
-                  <asvg:svgBlip xmlns:asvg="http://schemas.microsoft.com/office/drawing/2016/SVG/main" xmlns="" r:embed="rId4"/>
+                  <asvg:svgBlip xmlns="" xmlns:asvg="http://schemas.microsoft.com/office/drawing/2016/SVG/main" r:embed="rId4"/>
                 </a:ext>
               </a:extLst>
             </a:blip>
@@ -15181,7 +16637,7 @@
             <p:cNvPr id="45" name="Textfeld 44">
               <a:extLst>
                 <a:ext uri="{FF2B5EF4-FFF2-40B4-BE49-F238E27FC236}">
-                  <a16:creationId xmlns:a16="http://schemas.microsoft.com/office/drawing/2014/main" xmlns="" id="{87DAFEBD-6AC9-4113-8438-A166156DC539}"/>
+                  <a16:creationId xmlns="" xmlns:a16="http://schemas.microsoft.com/office/drawing/2014/main" id="{87DAFEBD-6AC9-4113-8438-A166156DC539}"/>
                 </a:ext>
               </a:extLst>
             </p:cNvPr>
@@ -15225,7 +16681,7 @@
             <p:cNvPr id="57" name="Gerade Verbindung mit Pfeil 56">
               <a:extLst>
                 <a:ext uri="{FF2B5EF4-FFF2-40B4-BE49-F238E27FC236}">
-                  <a16:creationId xmlns:a16="http://schemas.microsoft.com/office/drawing/2014/main" xmlns="" id="{CA0D2126-51DB-4173-87BE-BAF063EBF92F}"/>
+                  <a16:creationId xmlns="" xmlns:a16="http://schemas.microsoft.com/office/drawing/2014/main" id="{CA0D2126-51DB-4173-87BE-BAF063EBF92F}"/>
                 </a:ext>
               </a:extLst>
             </p:cNvPr>
@@ -15266,7 +16722,7 @@
             <p:cNvPr id="126" name="Gruppieren 125">
               <a:extLst>
                 <a:ext uri="{FF2B5EF4-FFF2-40B4-BE49-F238E27FC236}">
-                  <a16:creationId xmlns:a16="http://schemas.microsoft.com/office/drawing/2014/main" xmlns="" id="{514A1029-992E-4E2E-9A8B-4CDCFC62727A}"/>
+                  <a16:creationId xmlns="" xmlns:a16="http://schemas.microsoft.com/office/drawing/2014/main" id="{514A1029-992E-4E2E-9A8B-4CDCFC62727A}"/>
                 </a:ext>
               </a:extLst>
             </p:cNvPr>
@@ -15286,7 +16742,7 @@
               <p:cNvPr id="97" name="Grafik 96" descr="Tisch">
                 <a:extLst>
                   <a:ext uri="{FF2B5EF4-FFF2-40B4-BE49-F238E27FC236}">
-                    <a16:creationId xmlns:a16="http://schemas.microsoft.com/office/drawing/2014/main" xmlns="" id="{E3ED5455-2ACE-4F80-8660-C9C78942E061}"/>
+                    <a16:creationId xmlns="" xmlns:a16="http://schemas.microsoft.com/office/drawing/2014/main" id="{E3ED5455-2ACE-4F80-8660-C9C78942E061}"/>
                   </a:ext>
                 </a:extLst>
               </p:cNvPr>
@@ -15299,7 +16755,7 @@
               <a:blip r:embed="rId5">
                 <a:extLst>
                   <a:ext uri="{96DAC541-7B7A-43D3-8B79-37D633B846F1}">
-                    <asvg:svgBlip xmlns:asvg="http://schemas.microsoft.com/office/drawing/2016/SVG/main" xmlns="" r:embed="rId6"/>
+                    <asvg:svgBlip xmlns="" xmlns:asvg="http://schemas.microsoft.com/office/drawing/2016/SVG/main" r:embed="rId6"/>
                   </a:ext>
                 </a:extLst>
               </a:blip>
@@ -15322,7 +16778,7 @@
               <p:cNvPr id="105" name="Rechteck 104">
                 <a:extLst>
                   <a:ext uri="{FF2B5EF4-FFF2-40B4-BE49-F238E27FC236}">
-                    <a16:creationId xmlns:a16="http://schemas.microsoft.com/office/drawing/2014/main" xmlns="" id="{82C05C09-9668-4C7B-99B4-6CCD1DF3F8C9}"/>
+                    <a16:creationId xmlns="" xmlns:a16="http://schemas.microsoft.com/office/drawing/2014/main" id="{82C05C09-9668-4C7B-99B4-6CCD1DF3F8C9}"/>
                   </a:ext>
                 </a:extLst>
               </p:cNvPr>
@@ -15379,7 +16835,7 @@
           <p:cNvPr id="149" name="Fußzeilenplatzhalter 4">
             <a:extLst>
               <a:ext uri="{FF2B5EF4-FFF2-40B4-BE49-F238E27FC236}">
-                <a16:creationId xmlns:a16="http://schemas.microsoft.com/office/drawing/2014/main" xmlns="" id="{38AB998A-AAF8-49F0-A239-2D93C7A72A4D}"/>
+                <a16:creationId xmlns="" xmlns:a16="http://schemas.microsoft.com/office/drawing/2014/main" id="{38AB998A-AAF8-49F0-A239-2D93C7A72A4D}"/>
               </a:ext>
             </a:extLst>
           </p:cNvPr>
@@ -15426,7 +16882,7 @@
           <p:cNvPr id="8" name="Textfeld 7">
             <a:extLst>
               <a:ext uri="{FF2B5EF4-FFF2-40B4-BE49-F238E27FC236}">
-                <a16:creationId xmlns:a16="http://schemas.microsoft.com/office/drawing/2014/main" xmlns="" id="{2A285A58-EC11-4467-B051-677815423595}"/>
+                <a16:creationId xmlns="" xmlns:a16="http://schemas.microsoft.com/office/drawing/2014/main" id="{2A285A58-EC11-4467-B051-677815423595}"/>
               </a:ext>
             </a:extLst>
           </p:cNvPr>
@@ -15465,7 +16921,7 @@
           <p:cNvPr id="15" name="Grafik 14">
             <a:extLst>
               <a:ext uri="{FF2B5EF4-FFF2-40B4-BE49-F238E27FC236}">
-                <a16:creationId xmlns:a16="http://schemas.microsoft.com/office/drawing/2014/main" xmlns="" id="{06EA8996-FBBA-495C-BB11-8EDE15CCEDF2}"/>
+                <a16:creationId xmlns="" xmlns:a16="http://schemas.microsoft.com/office/drawing/2014/main" id="{06EA8996-FBBA-495C-BB11-8EDE15CCEDF2}"/>
               </a:ext>
             </a:extLst>
           </p:cNvPr>
@@ -15499,7 +16955,7 @@
           <p:cNvPr id="43" name="Grafik 42">
             <a:extLst>
               <a:ext uri="{FF2B5EF4-FFF2-40B4-BE49-F238E27FC236}">
-                <a16:creationId xmlns:a16="http://schemas.microsoft.com/office/drawing/2014/main" xmlns="" id="{1160426F-0D42-4ED9-AFCF-98EA539EBAD7}"/>
+                <a16:creationId xmlns="" xmlns:a16="http://schemas.microsoft.com/office/drawing/2014/main" id="{1160426F-0D42-4ED9-AFCF-98EA539EBAD7}"/>
               </a:ext>
             </a:extLst>
           </p:cNvPr>
@@ -15534,7 +16990,7 @@
           <p:cNvPr id="51" name="Tabelle 5">
             <a:extLst>
               <a:ext uri="{FF2B5EF4-FFF2-40B4-BE49-F238E27FC236}">
-                <a16:creationId xmlns:a16="http://schemas.microsoft.com/office/drawing/2014/main" xmlns="" id="{D7A352C7-D988-46AE-8440-F5561E606A7E}"/>
+                <a16:creationId xmlns="" xmlns:a16="http://schemas.microsoft.com/office/drawing/2014/main" id="{D7A352C7-D988-46AE-8440-F5561E606A7E}"/>
               </a:ext>
             </a:extLst>
           </p:cNvPr>
@@ -15563,42 +17019,42 @@
                 <a:gridCol w="423962">
                   <a:extLst>
                     <a:ext uri="{9D8B030D-6E8A-4147-A177-3AD203B41FA5}">
-                      <a16:colId xmlns:a16="http://schemas.microsoft.com/office/drawing/2014/main" xmlns="" val="4086400923"/>
+                      <a16:colId xmlns="" xmlns:a16="http://schemas.microsoft.com/office/drawing/2014/main" val="4086400923"/>
                     </a:ext>
                   </a:extLst>
                 </a:gridCol>
                 <a:gridCol w="1610435">
                   <a:extLst>
                     <a:ext uri="{9D8B030D-6E8A-4147-A177-3AD203B41FA5}">
-                      <a16:colId xmlns:a16="http://schemas.microsoft.com/office/drawing/2014/main" xmlns="" val="52315562"/>
+                      <a16:colId xmlns="" xmlns:a16="http://schemas.microsoft.com/office/drawing/2014/main" val="52315562"/>
                     </a:ext>
                   </a:extLst>
                 </a:gridCol>
                 <a:gridCol w="736979">
                   <a:extLst>
                     <a:ext uri="{9D8B030D-6E8A-4147-A177-3AD203B41FA5}">
-                      <a16:colId xmlns:a16="http://schemas.microsoft.com/office/drawing/2014/main" xmlns="" val="2562668695"/>
+                      <a16:colId xmlns="" xmlns:a16="http://schemas.microsoft.com/office/drawing/2014/main" val="2562668695"/>
                     </a:ext>
                   </a:extLst>
                 </a:gridCol>
                 <a:gridCol w="1009935">
                   <a:extLst>
                     <a:ext uri="{9D8B030D-6E8A-4147-A177-3AD203B41FA5}">
-                      <a16:colId xmlns:a16="http://schemas.microsoft.com/office/drawing/2014/main" xmlns="" val="219476301"/>
+                      <a16:colId xmlns="" xmlns:a16="http://schemas.microsoft.com/office/drawing/2014/main" val="219476301"/>
                     </a:ext>
                   </a:extLst>
                 </a:gridCol>
                 <a:gridCol w="1569492">
                   <a:extLst>
                     <a:ext uri="{9D8B030D-6E8A-4147-A177-3AD203B41FA5}">
-                      <a16:colId xmlns:a16="http://schemas.microsoft.com/office/drawing/2014/main" xmlns="" val="1152038913"/>
+                      <a16:colId xmlns="" xmlns:a16="http://schemas.microsoft.com/office/drawing/2014/main" val="1152038913"/>
                     </a:ext>
                   </a:extLst>
                 </a:gridCol>
                 <a:gridCol w="2777199">
                   <a:extLst>
                     <a:ext uri="{9D8B030D-6E8A-4147-A177-3AD203B41FA5}">
-                      <a16:colId xmlns:a16="http://schemas.microsoft.com/office/drawing/2014/main" xmlns="" val="2607541972"/>
+                      <a16:colId xmlns="" xmlns:a16="http://schemas.microsoft.com/office/drawing/2014/main" val="2607541972"/>
                     </a:ext>
                   </a:extLst>
                 </a:gridCol>
@@ -15966,7 +17422,7 @@
                 </a:tc>
                 <a:extLst>
                   <a:ext uri="{0D108BD9-81ED-4DB2-BD59-A6C34878D82A}">
-                    <a16:rowId xmlns:a16="http://schemas.microsoft.com/office/drawing/2014/main" xmlns="" val="2668754666"/>
+                    <a16:rowId xmlns="" xmlns:a16="http://schemas.microsoft.com/office/drawing/2014/main" val="2668754666"/>
                   </a:ext>
                 </a:extLst>
               </a:tr>
@@ -16332,7 +17788,7 @@
                 </a:tc>
                 <a:extLst>
                   <a:ext uri="{0D108BD9-81ED-4DB2-BD59-A6C34878D82A}">
-                    <a16:rowId xmlns:a16="http://schemas.microsoft.com/office/drawing/2014/main" xmlns="" val="3933279782"/>
+                    <a16:rowId xmlns="" xmlns:a16="http://schemas.microsoft.com/office/drawing/2014/main" val="3933279782"/>
                   </a:ext>
                 </a:extLst>
               </a:tr>
@@ -16345,7 +17801,7 @@
           <p:cNvPr id="52" name="Textfeld 51">
             <a:extLst>
               <a:ext uri="{FF2B5EF4-FFF2-40B4-BE49-F238E27FC236}">
-                <a16:creationId xmlns:a16="http://schemas.microsoft.com/office/drawing/2014/main" xmlns="" id="{7EDA76FD-9EEB-466D-8B8E-0C89F7935E36}"/>
+                <a16:creationId xmlns="" xmlns:a16="http://schemas.microsoft.com/office/drawing/2014/main" id="{7EDA76FD-9EEB-466D-8B8E-0C89F7935E36}"/>
               </a:ext>
             </a:extLst>
           </p:cNvPr>
@@ -16384,7 +17840,7 @@
           <p:cNvPr id="53" name="Textfeld 52">
             <a:extLst>
               <a:ext uri="{FF2B5EF4-FFF2-40B4-BE49-F238E27FC236}">
-                <a16:creationId xmlns:a16="http://schemas.microsoft.com/office/drawing/2014/main" xmlns="" id="{8C172A5C-17ED-4F47-B761-50F94C0DD108}"/>
+                <a16:creationId xmlns="" xmlns:a16="http://schemas.microsoft.com/office/drawing/2014/main" id="{8C172A5C-17ED-4F47-B761-50F94C0DD108}"/>
               </a:ext>
             </a:extLst>
           </p:cNvPr>
@@ -16439,7 +17895,7 @@
           <p:cNvPr id="54" name="Textfeld 53">
             <a:extLst>
               <a:ext uri="{FF2B5EF4-FFF2-40B4-BE49-F238E27FC236}">
-                <a16:creationId xmlns:a16="http://schemas.microsoft.com/office/drawing/2014/main" xmlns="" id="{F10731F7-020B-469F-9601-1512D709B42B}"/>
+                <a16:creationId xmlns="" xmlns:a16="http://schemas.microsoft.com/office/drawing/2014/main" id="{F10731F7-020B-469F-9601-1512D709B42B}"/>
               </a:ext>
             </a:extLst>
           </p:cNvPr>
@@ -16502,7 +17958,7 @@
 </p:sld>
 </file>
 
-<file path=ppt/slides/slide2.xml><?xml version="1.0" encoding="utf-8"?>
+<file path=ppt/slides/slide21.xml><?xml version="1.0" encoding="utf-8"?>
 <p:sld xmlns:a="http://schemas.openxmlformats.org/drawingml/2006/main" xmlns:r="http://schemas.openxmlformats.org/officeDocument/2006/relationships" xmlns:p="http://schemas.openxmlformats.org/presentationml/2006/main">
   <p:cSld>
     <p:spTree>
@@ -16521,10 +17977,44 @@
       </p:grpSpPr>
       <p:sp>
         <p:nvSpPr>
+          <p:cNvPr id="5" name="Foliennummernplatzhalter 4">
+            <a:extLst>
+              <a:ext uri="{FF2B5EF4-FFF2-40B4-BE49-F238E27FC236}">
+                <a16:creationId xmlns="" xmlns:a16="http://schemas.microsoft.com/office/drawing/2014/main" id="{99217DC6-63A8-46E5-BFF7-2750383C7113}"/>
+              </a:ext>
+            </a:extLst>
+          </p:cNvPr>
+          <p:cNvSpPr>
+            <a:spLocks noGrp="1"/>
+          </p:cNvSpPr>
+          <p:nvPr>
+            <p:ph type="sldNum" sz="quarter" idx="4"/>
+          </p:nvPr>
+        </p:nvSpPr>
+        <p:spPr>
+          <a:xfrm>
+            <a:off x="8610600" y="6446290"/>
+            <a:ext cx="2743200" cy="365125"/>
+          </a:xfrm>
+        </p:spPr>
+        <p:txBody>
+          <a:bodyPr/>
+          <a:lstStyle/>
+          <a:p>
+            <a:fld id="{6527771F-06AB-408E-AA7E-946E38726935}" type="slidenum">
+              <a:rPr lang="de-DE" smtClean="0"/>
+              <a:t>21</a:t>
+            </a:fld>
+            <a:endParaRPr lang="de-DE"/>
+          </a:p>
+        </p:txBody>
+      </p:sp>
+      <p:sp>
+        <p:nvSpPr>
           <p:cNvPr id="17" name="Titel 1">
             <a:extLst>
               <a:ext uri="{FF2B5EF4-FFF2-40B4-BE49-F238E27FC236}">
-                <a16:creationId xmlns:a16="http://schemas.microsoft.com/office/drawing/2014/main" xmlns="" id="{2EBD46AD-74A3-41B6-A7F5-704EE709693A}"/>
+                <a16:creationId xmlns="" xmlns:a16="http://schemas.microsoft.com/office/drawing/2014/main" id="{2EBD46AD-74A3-41B6-A7F5-704EE709693A}"/>
               </a:ext>
             </a:extLst>
           </p:cNvPr>
@@ -16567,22 +18057,22 @@
           </a:lstStyle>
           <a:p>
             <a:r>
-              <a:rPr lang="en-GB" sz="3200" dirty="0">
+              <a:rPr lang="en-US" sz="3200" dirty="0">
                 <a:solidFill>
                   <a:schemeClr val="tx2"/>
                 </a:solidFill>
               </a:rPr>
-              <a:t>Idea</a:t>
+              <a:t>Demonstration of a Use Case</a:t>
             </a:r>
           </a:p>
         </p:txBody>
       </p:sp>
       <p:sp>
         <p:nvSpPr>
-          <p:cNvPr id="20" name="Foliennummernplatzhalter 4">
+          <p:cNvPr id="19" name="Inhaltsplatzhalter 2">
             <a:extLst>
               <a:ext uri="{FF2B5EF4-FFF2-40B4-BE49-F238E27FC236}">
-                <a16:creationId xmlns:a16="http://schemas.microsoft.com/office/drawing/2014/main" xmlns="" id="{C6BBC18E-2DC9-4371-91F5-85FBFBEA87D3}"/>
+                <a16:creationId xmlns="" xmlns:a16="http://schemas.microsoft.com/office/drawing/2014/main" id="{FD7E6F18-D74A-4FE7-8CC2-71466EBAC41D}"/>
               </a:ext>
             </a:extLst>
           </p:cNvPr>
@@ -16590,33 +18080,34 @@
             <a:spLocks noGrp="1"/>
           </p:cNvSpPr>
           <p:nvPr>
-            <p:ph type="sldNum" sz="quarter" idx="4"/>
+            <p:ph idx="4294967295"/>
           </p:nvPr>
         </p:nvSpPr>
         <p:spPr>
           <a:xfrm>
-            <a:off x="8610600" y="6446290"/>
-            <a:ext cx="2743200" cy="365125"/>
+            <a:off x="520505" y="767313"/>
+            <a:ext cx="10311008" cy="5633524"/>
           </a:xfrm>
         </p:spPr>
         <p:txBody>
-          <a:bodyPr/>
+          <a:bodyPr>
+            <a:normAutofit/>
+          </a:bodyPr>
           <a:lstStyle/>
           <a:p>
-            <a:fld id="{6527771F-06AB-408E-AA7E-946E38726935}" type="slidenum">
-              <a:rPr lang="de-DE" smtClean="0"/>
-              <a:t>2</a:t>
-            </a:fld>
-            <a:endParaRPr lang="de-DE" dirty="0"/>
+            <a:pPr marL="0" indent="0">
+              <a:buNone/>
+            </a:pPr>
+            <a:endParaRPr lang="en-US" sz="2400" dirty="0"/>
           </a:p>
         </p:txBody>
       </p:sp>
       <p:sp>
         <p:nvSpPr>
-          <p:cNvPr id="21" name="Fußzeilenplatzhalter 4">
+          <p:cNvPr id="9" name="Fußzeilenplatzhalter 4">
             <a:extLst>
               <a:ext uri="{FF2B5EF4-FFF2-40B4-BE49-F238E27FC236}">
-                <a16:creationId xmlns:a16="http://schemas.microsoft.com/office/drawing/2014/main" xmlns="" id="{D061155E-5094-4E60-B698-3213B33D15A0}"/>
+                <a16:creationId xmlns="" xmlns:a16="http://schemas.microsoft.com/office/drawing/2014/main" id="{B345DB79-866F-470F-A020-38A82E790402}"/>
               </a:ext>
             </a:extLst>
           </p:cNvPr>
@@ -16658,1024 +18149,20 @@
           </a:p>
         </p:txBody>
       </p:sp>
-      <p:sp>
-        <p:nvSpPr>
-          <p:cNvPr id="31" name="Pfeil: nach rechts 30">
-            <a:extLst>
-              <a:ext uri="{FF2B5EF4-FFF2-40B4-BE49-F238E27FC236}">
-                <a16:creationId xmlns:a16="http://schemas.microsoft.com/office/drawing/2014/main" xmlns="" id="{2AE91C83-BD37-474A-A380-D3CB5C40E09C}"/>
-              </a:ext>
-            </a:extLst>
-          </p:cNvPr>
-          <p:cNvSpPr/>
-          <p:nvPr/>
-        </p:nvSpPr>
-        <p:spPr>
-          <a:xfrm>
-            <a:off x="4988471" y="2084280"/>
-            <a:ext cx="579625" cy="365125"/>
-          </a:xfrm>
-          <a:prstGeom prst="rightArrow">
-            <a:avLst/>
-          </a:prstGeom>
-        </p:spPr>
-        <p:style>
-          <a:lnRef idx="2">
-            <a:schemeClr val="accent1">
-              <a:shade val="50000"/>
-            </a:schemeClr>
-          </a:lnRef>
-          <a:fillRef idx="1">
-            <a:schemeClr val="accent1"/>
-          </a:fillRef>
-          <a:effectRef idx="0">
-            <a:schemeClr val="accent1"/>
-          </a:effectRef>
-          <a:fontRef idx="minor">
-            <a:schemeClr val="lt1"/>
-          </a:fontRef>
-        </p:style>
-        <p:txBody>
-          <a:bodyPr rtlCol="0" anchor="ctr"/>
-          <a:lstStyle/>
-          <a:p>
-            <a:pPr algn="ctr"/>
-            <a:endParaRPr lang="en-US"/>
-          </a:p>
-        </p:txBody>
-      </p:sp>
-      <p:grpSp>
-        <p:nvGrpSpPr>
-          <p:cNvPr id="47" name="Gruppieren 46">
-            <a:extLst>
-              <a:ext uri="{FF2B5EF4-FFF2-40B4-BE49-F238E27FC236}">
-                <a16:creationId xmlns:a16="http://schemas.microsoft.com/office/drawing/2014/main" xmlns="" id="{5028FA54-1E23-496A-8298-1AAE2CEFB4B3}"/>
-              </a:ext>
-            </a:extLst>
-          </p:cNvPr>
-          <p:cNvGrpSpPr/>
-          <p:nvPr/>
-        </p:nvGrpSpPr>
-        <p:grpSpPr>
-          <a:xfrm>
-            <a:off x="5669469" y="849983"/>
-            <a:ext cx="4880248" cy="3135162"/>
-            <a:chOff x="5443122" y="1073928"/>
-            <a:chExt cx="5311195" cy="3135162"/>
-          </a:xfrm>
-        </p:grpSpPr>
-        <p:pic>
-          <p:nvPicPr>
-            <p:cNvPr id="33" name="Grafik 32" descr="Ein Bild, das Text, Zeitung enthält.&#10;&#10;Automatisch generierte Beschreibung">
-              <a:extLst>
-                <a:ext uri="{FF2B5EF4-FFF2-40B4-BE49-F238E27FC236}">
-                  <a16:creationId xmlns:a16="http://schemas.microsoft.com/office/drawing/2014/main" xmlns="" id="{079C02F9-4274-4B49-BAF3-94FA77854853}"/>
-                </a:ext>
-              </a:extLst>
-            </p:cNvPr>
-            <p:cNvPicPr>
-              <a:picLocks noChangeAspect="1"/>
-            </p:cNvPicPr>
-            <p:nvPr/>
-          </p:nvPicPr>
-          <p:blipFill rotWithShape="1">
-            <a:blip r:embed="rId3"/>
-            <a:srcRect b="79282"/>
-            <a:stretch/>
-          </p:blipFill>
-          <p:spPr>
-            <a:xfrm>
-              <a:off x="5455154" y="1073928"/>
-              <a:ext cx="5299163" cy="1420869"/>
-            </a:xfrm>
-            <a:prstGeom prst="rect">
-              <a:avLst/>
-            </a:prstGeom>
-            <a:ln>
-              <a:solidFill>
-                <a:schemeClr val="tx1"/>
-              </a:solidFill>
-            </a:ln>
-          </p:spPr>
-        </p:pic>
-        <p:sp>
-          <p:nvSpPr>
-            <p:cNvPr id="34" name="Rechteck 33">
-              <a:extLst>
-                <a:ext uri="{FF2B5EF4-FFF2-40B4-BE49-F238E27FC236}">
-                  <a16:creationId xmlns:a16="http://schemas.microsoft.com/office/drawing/2014/main" xmlns="" id="{4470A44F-58C6-4BEA-B35F-377016EC3199}"/>
-                </a:ext>
-              </a:extLst>
-            </p:cNvPr>
-            <p:cNvSpPr/>
-            <p:nvPr/>
-          </p:nvSpPr>
-          <p:spPr>
-            <a:xfrm>
-              <a:off x="5443122" y="2494798"/>
-              <a:ext cx="5311195" cy="1714292"/>
-            </a:xfrm>
-            <a:prstGeom prst="rect">
-              <a:avLst/>
-            </a:prstGeom>
-          </p:spPr>
-          <p:style>
-            <a:lnRef idx="2">
-              <a:schemeClr val="dk1"/>
-            </a:lnRef>
-            <a:fillRef idx="1">
-              <a:schemeClr val="lt1"/>
-            </a:fillRef>
-            <a:effectRef idx="0">
-              <a:schemeClr val="dk1"/>
-            </a:effectRef>
-            <a:fontRef idx="minor">
-              <a:schemeClr val="dk1"/>
-            </a:fontRef>
-          </p:style>
-          <p:txBody>
-            <a:bodyPr rtlCol="0" anchor="ctr"/>
-            <a:lstStyle/>
-            <a:p>
-              <a:pPr algn="ctr"/>
-              <a:endParaRPr lang="en-US"/>
-            </a:p>
-          </p:txBody>
-        </p:sp>
-        <p:sp>
-          <p:nvSpPr>
-            <p:cNvPr id="43" name="Rechteck 42">
-              <a:extLst>
-                <a:ext uri="{FF2B5EF4-FFF2-40B4-BE49-F238E27FC236}">
-                  <a16:creationId xmlns:a16="http://schemas.microsoft.com/office/drawing/2014/main" xmlns="" id="{BFA74AC2-91FF-4875-A2BF-021ED536338C}"/>
-                </a:ext>
-              </a:extLst>
-            </p:cNvPr>
-            <p:cNvSpPr/>
-            <p:nvPr/>
-          </p:nvSpPr>
-          <p:spPr>
-            <a:xfrm>
-              <a:off x="5750288" y="2539859"/>
-              <a:ext cx="4701474" cy="360000"/>
-            </a:xfrm>
-            <a:prstGeom prst="rect">
-              <a:avLst/>
-            </a:prstGeom>
-            <a:solidFill>
-              <a:schemeClr val="accent1">
-                <a:lumMod val="50000"/>
-              </a:schemeClr>
-            </a:solidFill>
-          </p:spPr>
-          <p:style>
-            <a:lnRef idx="2">
-              <a:schemeClr val="accent1">
-                <a:shade val="50000"/>
-              </a:schemeClr>
-            </a:lnRef>
-            <a:fillRef idx="1">
-              <a:schemeClr val="accent1"/>
-            </a:fillRef>
-            <a:effectRef idx="0">
-              <a:schemeClr val="accent1"/>
-            </a:effectRef>
-            <a:fontRef idx="minor">
-              <a:schemeClr val="lt1"/>
-            </a:fontRef>
-          </p:style>
-          <p:txBody>
-            <a:bodyPr rtlCol="0" anchor="ctr"/>
-            <a:lstStyle/>
-            <a:p>
-              <a:pPr algn="ctr"/>
-              <a:r>
-                <a:rPr lang="de-DE" dirty="0"/>
-                <a:t>Daily Digest</a:t>
-              </a:r>
-              <a:endParaRPr lang="en-US" dirty="0"/>
-            </a:p>
-          </p:txBody>
-        </p:sp>
-        <p:sp>
-          <p:nvSpPr>
-            <p:cNvPr id="44" name="Rechteck 43">
-              <a:extLst>
-                <a:ext uri="{FF2B5EF4-FFF2-40B4-BE49-F238E27FC236}">
-                  <a16:creationId xmlns:a16="http://schemas.microsoft.com/office/drawing/2014/main" xmlns="" id="{9F53F852-1E85-4239-B209-CED1E41DBA69}"/>
-                </a:ext>
-              </a:extLst>
-            </p:cNvPr>
-            <p:cNvSpPr/>
-            <p:nvPr/>
-          </p:nvSpPr>
-          <p:spPr>
-            <a:xfrm>
-              <a:off x="5750288" y="2940926"/>
-              <a:ext cx="4701474" cy="360000"/>
-            </a:xfrm>
-            <a:prstGeom prst="rect">
-              <a:avLst/>
-            </a:prstGeom>
-            <a:solidFill>
-              <a:schemeClr val="accent1">
-                <a:lumMod val="75000"/>
-              </a:schemeClr>
-            </a:solidFill>
-          </p:spPr>
-          <p:style>
-            <a:lnRef idx="2">
-              <a:schemeClr val="accent1">
-                <a:shade val="50000"/>
-              </a:schemeClr>
-            </a:lnRef>
-            <a:fillRef idx="1">
-              <a:schemeClr val="accent1"/>
-            </a:fillRef>
-            <a:effectRef idx="0">
-              <a:schemeClr val="accent1"/>
-            </a:effectRef>
-            <a:fontRef idx="minor">
-              <a:schemeClr val="lt1"/>
-            </a:fontRef>
-          </p:style>
-          <p:txBody>
-            <a:bodyPr rtlCol="0" anchor="ctr"/>
-            <a:lstStyle/>
-            <a:p>
-              <a:pPr algn="ctr"/>
-              <a:r>
-                <a:rPr lang="de-DE" dirty="0"/>
-                <a:t>Senate</a:t>
-              </a:r>
-              <a:endParaRPr lang="en-US" dirty="0"/>
-            </a:p>
-          </p:txBody>
-        </p:sp>
-        <p:sp>
-          <p:nvSpPr>
-            <p:cNvPr id="45" name="Rechteck 44">
-              <a:extLst>
-                <a:ext uri="{FF2B5EF4-FFF2-40B4-BE49-F238E27FC236}">
-                  <a16:creationId xmlns:a16="http://schemas.microsoft.com/office/drawing/2014/main" xmlns="" id="{D824AF27-2085-4CFE-8526-20AA941F8347}"/>
-                </a:ext>
-              </a:extLst>
-            </p:cNvPr>
-            <p:cNvSpPr/>
-            <p:nvPr/>
-          </p:nvSpPr>
-          <p:spPr>
-            <a:xfrm>
-              <a:off x="5747982" y="3346891"/>
-              <a:ext cx="4701474" cy="360000"/>
-            </a:xfrm>
-            <a:prstGeom prst="rect">
-              <a:avLst/>
-            </a:prstGeom>
-          </p:spPr>
-          <p:style>
-            <a:lnRef idx="2">
-              <a:schemeClr val="accent1">
-                <a:shade val="50000"/>
-              </a:schemeClr>
-            </a:lnRef>
-            <a:fillRef idx="1">
-              <a:schemeClr val="accent1"/>
-            </a:fillRef>
-            <a:effectRef idx="0">
-              <a:schemeClr val="accent1"/>
-            </a:effectRef>
-            <a:fontRef idx="minor">
-              <a:schemeClr val="lt1"/>
-            </a:fontRef>
-          </p:style>
-          <p:txBody>
-            <a:bodyPr rtlCol="0" anchor="ctr"/>
-            <a:lstStyle/>
-            <a:p>
-              <a:pPr algn="ctr"/>
-              <a:r>
-                <a:rPr lang="de-DE" dirty="0"/>
-                <a:t>House</a:t>
-              </a:r>
-              <a:endParaRPr lang="en-US" dirty="0"/>
-            </a:p>
-          </p:txBody>
-        </p:sp>
-        <p:sp>
-          <p:nvSpPr>
-            <p:cNvPr id="46" name="Rechteck 45">
-              <a:extLst>
-                <a:ext uri="{FF2B5EF4-FFF2-40B4-BE49-F238E27FC236}">
-                  <a16:creationId xmlns:a16="http://schemas.microsoft.com/office/drawing/2014/main" xmlns="" id="{DD4BD3E9-D619-4725-826D-46196A6B6222}"/>
-                </a:ext>
-              </a:extLst>
-            </p:cNvPr>
-            <p:cNvSpPr/>
-            <p:nvPr/>
-          </p:nvSpPr>
-          <p:spPr>
-            <a:xfrm>
-              <a:off x="5750288" y="3747958"/>
-              <a:ext cx="4701474" cy="360000"/>
-            </a:xfrm>
-            <a:prstGeom prst="rect">
-              <a:avLst/>
-            </a:prstGeom>
-            <a:solidFill>
-              <a:schemeClr val="accent1">
-                <a:lumMod val="60000"/>
-                <a:lumOff val="40000"/>
-              </a:schemeClr>
-            </a:solidFill>
-          </p:spPr>
-          <p:style>
-            <a:lnRef idx="2">
-              <a:schemeClr val="accent1">
-                <a:shade val="50000"/>
-              </a:schemeClr>
-            </a:lnRef>
-            <a:fillRef idx="1">
-              <a:schemeClr val="accent1"/>
-            </a:fillRef>
-            <a:effectRef idx="0">
-              <a:schemeClr val="accent1"/>
-            </a:effectRef>
-            <a:fontRef idx="minor">
-              <a:schemeClr val="lt1"/>
-            </a:fontRef>
-          </p:style>
-          <p:txBody>
-            <a:bodyPr rtlCol="0" anchor="ctr"/>
-            <a:lstStyle/>
-            <a:p>
-              <a:pPr algn="ctr"/>
-              <a:r>
-                <a:rPr lang="de-DE" dirty="0" err="1"/>
-                <a:t>Extensions</a:t>
-              </a:r>
-              <a:r>
-                <a:rPr lang="de-DE" dirty="0"/>
-                <a:t> </a:t>
-              </a:r>
-              <a:r>
-                <a:rPr lang="de-DE" dirty="0" err="1"/>
-                <a:t>of</a:t>
-              </a:r>
-              <a:r>
-                <a:rPr lang="de-DE" dirty="0"/>
-                <a:t> </a:t>
-              </a:r>
-              <a:r>
-                <a:rPr lang="de-DE" dirty="0" err="1"/>
-                <a:t>Remarks</a:t>
-              </a:r>
-              <a:endParaRPr lang="en-US" dirty="0"/>
-            </a:p>
-          </p:txBody>
-        </p:sp>
-      </p:grpSp>
-      <p:grpSp>
-        <p:nvGrpSpPr>
-          <p:cNvPr id="55" name="Gruppieren 54">
-            <a:extLst>
-              <a:ext uri="{FF2B5EF4-FFF2-40B4-BE49-F238E27FC236}">
-                <a16:creationId xmlns:a16="http://schemas.microsoft.com/office/drawing/2014/main" xmlns="" id="{81C248F1-6A49-4B43-A505-9C87F4BE2091}"/>
-              </a:ext>
-            </a:extLst>
-          </p:cNvPr>
-          <p:cNvGrpSpPr/>
-          <p:nvPr/>
-        </p:nvGrpSpPr>
-        <p:grpSpPr>
-          <a:xfrm>
-            <a:off x="193131" y="849983"/>
-            <a:ext cx="4690731" cy="3135162"/>
-            <a:chOff x="275019" y="1450487"/>
-            <a:chExt cx="4690731" cy="3135162"/>
-          </a:xfrm>
-        </p:grpSpPr>
-        <p:pic>
-          <p:nvPicPr>
-            <p:cNvPr id="9" name="Grafik 8">
-              <a:extLst>
-                <a:ext uri="{FF2B5EF4-FFF2-40B4-BE49-F238E27FC236}">
-                  <a16:creationId xmlns:a16="http://schemas.microsoft.com/office/drawing/2014/main" xmlns="" id="{043F74D8-AA15-4253-AAB8-0FF0402364FE}"/>
-                </a:ext>
-              </a:extLst>
-            </p:cNvPr>
-            <p:cNvPicPr>
-              <a:picLocks noChangeAspect="1"/>
-            </p:cNvPicPr>
-            <p:nvPr/>
-          </p:nvPicPr>
-          <p:blipFill rotWithShape="1">
-            <a:blip r:embed="rId4">
-              <a:extLst>
-                <a:ext uri="{BEBA8EAE-BF5A-486C-A8C5-ECC9F3942E4B}">
-                  <a14:imgProps xmlns:a14="http://schemas.microsoft.com/office/drawing/2010/main">
-                    <a14:imgLayer r:embed="rId5">
-                      <a14:imgEffect>
-                        <a14:backgroundRemoval t="15976" b="85799" l="9467" r="89941">
-                          <a14:foregroundMark x1="21302" y1="79290" x2="21302" y2="79290"/>
-                          <a14:foregroundMark x1="40533" y1="75444" x2="40533" y2="75444"/>
-                          <a14:foregroundMark x1="83432" y1="76923" x2="83432" y2="76923"/>
-                          <a14:foregroundMark x1="72189" y1="84911" x2="72189" y2="84911"/>
-                          <a14:foregroundMark x1="21006" y1="84615" x2="21006" y2="84615"/>
-                          <a14:foregroundMark x1="29586" y1="87574" x2="60355" y2="85799"/>
-                          <a14:foregroundMark x1="60355" y1="85799" x2="70414" y2="85799"/>
-                          <a14:foregroundMark x1="42604" y1="67160" x2="42899" y2="60355"/>
-                          <a14:foregroundMark x1="72189" y1="65976" x2="61834" y2="75740"/>
-                        </a14:backgroundRemoval>
-                      </a14:imgEffect>
-                    </a14:imgLayer>
-                  </a14:imgProps>
-                </a:ext>
-              </a:extLst>
-            </a:blip>
-            <a:srcRect t="8382" b="10553"/>
-            <a:stretch/>
-          </p:blipFill>
-          <p:spPr>
-            <a:xfrm>
-              <a:off x="1793644" y="1801861"/>
-              <a:ext cx="1696452" cy="1375230"/>
-            </a:xfrm>
-            <a:prstGeom prst="rect">
-              <a:avLst/>
-            </a:prstGeom>
-          </p:spPr>
-        </p:pic>
-        <p:sp>
-          <p:nvSpPr>
-            <p:cNvPr id="11" name="Textfeld 10">
-              <a:extLst>
-                <a:ext uri="{FF2B5EF4-FFF2-40B4-BE49-F238E27FC236}">
-                  <a16:creationId xmlns:a16="http://schemas.microsoft.com/office/drawing/2014/main" xmlns="" id="{3E04B350-D4EB-4B36-A24E-73CEE07893B9}"/>
-                </a:ext>
-              </a:extLst>
-            </p:cNvPr>
-            <p:cNvSpPr txBox="1"/>
-            <p:nvPr/>
-          </p:nvSpPr>
-          <p:spPr>
-            <a:xfrm>
-              <a:off x="776485" y="1500296"/>
-              <a:ext cx="4042611" cy="369332"/>
-            </a:xfrm>
-            <a:prstGeom prst="rect">
-              <a:avLst/>
-            </a:prstGeom>
-            <a:noFill/>
-          </p:spPr>
-          <p:txBody>
-            <a:bodyPr wrap="square" rtlCol="0">
-              <a:spAutoFit/>
-            </a:bodyPr>
-            <a:lstStyle/>
-            <a:p>
-              <a:r>
-                <a:rPr lang="en-US"/>
-                <a:t>National legislature of the United States</a:t>
-              </a:r>
-            </a:p>
-          </p:txBody>
-        </p:sp>
-        <p:sp>
-          <p:nvSpPr>
-            <p:cNvPr id="23" name="Textfeld 22">
-              <a:extLst>
-                <a:ext uri="{FF2B5EF4-FFF2-40B4-BE49-F238E27FC236}">
-                  <a16:creationId xmlns:a16="http://schemas.microsoft.com/office/drawing/2014/main" xmlns="" id="{F0A6203A-72C7-49C0-A521-CC95D71B6DCD}"/>
-                </a:ext>
-              </a:extLst>
-            </p:cNvPr>
-            <p:cNvSpPr txBox="1"/>
-            <p:nvPr/>
-          </p:nvSpPr>
-          <p:spPr>
-            <a:xfrm>
-              <a:off x="620564" y="3516707"/>
-              <a:ext cx="1874672" cy="923330"/>
-            </a:xfrm>
-            <a:prstGeom prst="rect">
-              <a:avLst/>
-            </a:prstGeom>
-            <a:noFill/>
-            <a:ln>
-              <a:solidFill>
-                <a:schemeClr val="bg2"/>
-              </a:solidFill>
-            </a:ln>
-          </p:spPr>
-          <p:txBody>
-            <a:bodyPr wrap="square" rtlCol="0">
-              <a:spAutoFit/>
-            </a:bodyPr>
-            <a:lstStyle/>
-            <a:p>
-              <a:pPr algn="ctr"/>
-              <a:r>
-                <a:rPr lang="en-US" b="1"/>
-                <a:t>Senate: </a:t>
-              </a:r>
-            </a:p>
-            <a:p>
-              <a:pPr algn="ctr"/>
-              <a:endParaRPr lang="en-US" b="1"/>
-            </a:p>
-            <a:p>
-              <a:pPr algn="ctr"/>
-              <a:r>
-                <a:rPr lang="en-US"/>
-                <a:t>100 members</a:t>
-              </a:r>
-            </a:p>
-          </p:txBody>
-        </p:sp>
-        <p:sp>
-          <p:nvSpPr>
-            <p:cNvPr id="24" name="Textfeld 23">
-              <a:extLst>
-                <a:ext uri="{FF2B5EF4-FFF2-40B4-BE49-F238E27FC236}">
-                  <a16:creationId xmlns:a16="http://schemas.microsoft.com/office/drawing/2014/main" xmlns="" id="{F3E37D8F-32B2-4887-AE73-C978EBE181EE}"/>
-                </a:ext>
-              </a:extLst>
-            </p:cNvPr>
-            <p:cNvSpPr txBox="1"/>
-            <p:nvPr/>
-          </p:nvSpPr>
-          <p:spPr>
-            <a:xfrm>
-              <a:off x="2797791" y="3506471"/>
-              <a:ext cx="2055962" cy="923330"/>
-            </a:xfrm>
-            <a:prstGeom prst="rect">
-              <a:avLst/>
-            </a:prstGeom>
-            <a:noFill/>
-            <a:ln>
-              <a:solidFill>
-                <a:schemeClr val="bg2"/>
-              </a:solidFill>
-            </a:ln>
-          </p:spPr>
-          <p:txBody>
-            <a:bodyPr wrap="square" rtlCol="0">
-              <a:spAutoFit/>
-            </a:bodyPr>
-            <a:lstStyle/>
-            <a:p>
-              <a:pPr algn="ctr"/>
-              <a:r>
-                <a:rPr lang="en-US" b="1"/>
-                <a:t>House of Represenatives: </a:t>
-              </a:r>
-            </a:p>
-            <a:p>
-              <a:pPr algn="ctr"/>
-              <a:r>
-                <a:rPr lang="en-US"/>
-                <a:t>435 members</a:t>
-              </a:r>
-            </a:p>
-          </p:txBody>
-        </p:sp>
-        <p:cxnSp>
-          <p:nvCxnSpPr>
-            <p:cNvPr id="26" name="Gerade Verbindung mit Pfeil 25">
-              <a:extLst>
-                <a:ext uri="{FF2B5EF4-FFF2-40B4-BE49-F238E27FC236}">
-                  <a16:creationId xmlns:a16="http://schemas.microsoft.com/office/drawing/2014/main" xmlns="" id="{F5D42A88-50F0-4778-AED3-18EB17D11AC0}"/>
-                </a:ext>
-              </a:extLst>
-            </p:cNvPr>
-            <p:cNvCxnSpPr/>
-            <p:nvPr/>
-          </p:nvCxnSpPr>
-          <p:spPr>
-            <a:xfrm flipH="1">
-              <a:off x="2023273" y="3205967"/>
-              <a:ext cx="247815" cy="254568"/>
-            </a:xfrm>
-            <a:prstGeom prst="straightConnector1">
-              <a:avLst/>
-            </a:prstGeom>
-            <a:ln>
-              <a:tailEnd type="triangle"/>
-            </a:ln>
-          </p:spPr>
-          <p:style>
-            <a:lnRef idx="1">
-              <a:schemeClr val="accent1"/>
-            </a:lnRef>
-            <a:fillRef idx="0">
-              <a:schemeClr val="accent1"/>
-            </a:fillRef>
-            <a:effectRef idx="0">
-              <a:schemeClr val="accent1"/>
-            </a:effectRef>
-            <a:fontRef idx="minor">
-              <a:schemeClr val="tx1"/>
-            </a:fontRef>
-          </p:style>
-        </p:cxnSp>
-        <p:cxnSp>
-          <p:nvCxnSpPr>
-            <p:cNvPr id="28" name="Gerade Verbindung mit Pfeil 27">
-              <a:extLst>
-                <a:ext uri="{FF2B5EF4-FFF2-40B4-BE49-F238E27FC236}">
-                  <a16:creationId xmlns:a16="http://schemas.microsoft.com/office/drawing/2014/main" xmlns="" id="{15767095-A73F-43B1-BD45-BE31101B9B21}"/>
-                </a:ext>
-              </a:extLst>
-            </p:cNvPr>
-            <p:cNvCxnSpPr>
-              <a:cxnSpLocks/>
-            </p:cNvCxnSpPr>
-            <p:nvPr/>
-          </p:nvCxnSpPr>
-          <p:spPr>
-            <a:xfrm>
-              <a:off x="3157301" y="3208728"/>
-              <a:ext cx="228600" cy="230505"/>
-            </a:xfrm>
-            <a:prstGeom prst="straightConnector1">
-              <a:avLst/>
-            </a:prstGeom>
-            <a:ln>
-              <a:tailEnd type="triangle"/>
-            </a:ln>
-          </p:spPr>
-          <p:style>
-            <a:lnRef idx="1">
-              <a:schemeClr val="accent1"/>
-            </a:lnRef>
-            <a:fillRef idx="0">
-              <a:schemeClr val="accent1"/>
-            </a:fillRef>
-            <a:effectRef idx="0">
-              <a:schemeClr val="accent1"/>
-            </a:effectRef>
-            <a:fontRef idx="minor">
-              <a:schemeClr val="tx1"/>
-            </a:fontRef>
-          </p:style>
-        </p:cxnSp>
-        <p:sp>
-          <p:nvSpPr>
-            <p:cNvPr id="48" name="Rechteck 47">
-              <a:extLst>
-                <a:ext uri="{FF2B5EF4-FFF2-40B4-BE49-F238E27FC236}">
-                  <a16:creationId xmlns:a16="http://schemas.microsoft.com/office/drawing/2014/main" xmlns="" id="{88C0AD59-8733-4532-A9CA-3B91209C67D4}"/>
-                </a:ext>
-              </a:extLst>
-            </p:cNvPr>
-            <p:cNvSpPr/>
-            <p:nvPr/>
-          </p:nvSpPr>
-          <p:spPr>
-            <a:xfrm>
-              <a:off x="275019" y="1450487"/>
-              <a:ext cx="4690731" cy="3135162"/>
-            </a:xfrm>
-            <a:prstGeom prst="rect">
-              <a:avLst/>
-            </a:prstGeom>
-            <a:noFill/>
-            <a:ln>
-              <a:solidFill>
-                <a:schemeClr val="tx1"/>
-              </a:solidFill>
-            </a:ln>
-          </p:spPr>
-          <p:style>
-            <a:lnRef idx="2">
-              <a:schemeClr val="accent1">
-                <a:shade val="50000"/>
-              </a:schemeClr>
-            </a:lnRef>
-            <a:fillRef idx="1">
-              <a:schemeClr val="accent1"/>
-            </a:fillRef>
-            <a:effectRef idx="0">
-              <a:schemeClr val="accent1"/>
-            </a:effectRef>
-            <a:fontRef idx="minor">
-              <a:schemeClr val="lt1"/>
-            </a:fontRef>
-          </p:style>
-          <p:txBody>
-            <a:bodyPr rtlCol="0" anchor="ctr"/>
-            <a:lstStyle/>
-            <a:p>
-              <a:pPr algn="ctr"/>
-              <a:endParaRPr lang="en-US"/>
-            </a:p>
-          </p:txBody>
-        </p:sp>
-        <p:pic>
-          <p:nvPicPr>
-            <p:cNvPr id="52" name="Grafik 51" descr="Chat RNL">
-              <a:extLst>
-                <a:ext uri="{FF2B5EF4-FFF2-40B4-BE49-F238E27FC236}">
-                  <a16:creationId xmlns:a16="http://schemas.microsoft.com/office/drawing/2014/main" xmlns="" id="{86DEB768-D212-4C0C-A32B-1375872FCAE7}"/>
-                </a:ext>
-              </a:extLst>
-            </p:cNvPr>
-            <p:cNvPicPr>
-              <a:picLocks noChangeAspect="1"/>
-            </p:cNvPicPr>
-            <p:nvPr/>
-          </p:nvPicPr>
-          <p:blipFill>
-            <a:blip r:embed="rId6">
-              <a:extLst>
-                <a:ext uri="{96DAC541-7B7A-43D3-8B79-37D633B846F1}">
-                  <asvg:svgBlip xmlns:asvg="http://schemas.microsoft.com/office/drawing/2016/SVG/main" xmlns="" r:embed="rId7"/>
-                </a:ext>
-              </a:extLst>
-            </a:blip>
-            <a:stretch>
-              <a:fillRect/>
-            </a:stretch>
-          </p:blipFill>
-          <p:spPr>
-            <a:xfrm rot="1125172">
-              <a:off x="3023831" y="1863465"/>
-              <a:ext cx="724139" cy="724139"/>
-            </a:xfrm>
-            <a:prstGeom prst="rect">
-              <a:avLst/>
-            </a:prstGeom>
-          </p:spPr>
-        </p:pic>
-        <p:pic>
-          <p:nvPicPr>
-            <p:cNvPr id="50" name="Grafik 49" descr="Chat">
-              <a:extLst>
-                <a:ext uri="{FF2B5EF4-FFF2-40B4-BE49-F238E27FC236}">
-                  <a16:creationId xmlns:a16="http://schemas.microsoft.com/office/drawing/2014/main" xmlns="" id="{8AD0F9F7-82F2-4FDF-B1FD-EAFF585C9122}"/>
-                </a:ext>
-              </a:extLst>
-            </p:cNvPr>
-            <p:cNvPicPr>
-              <a:picLocks noChangeAspect="1"/>
-            </p:cNvPicPr>
-            <p:nvPr/>
-          </p:nvPicPr>
-          <p:blipFill>
-            <a:blip r:embed="rId8">
-              <a:extLst>
-                <a:ext uri="{96DAC541-7B7A-43D3-8B79-37D633B846F1}">
-                  <asvg:svgBlip xmlns:asvg="http://schemas.microsoft.com/office/drawing/2016/SVG/main" xmlns="" r:embed="rId9"/>
-                </a:ext>
-              </a:extLst>
-            </a:blip>
-            <a:stretch>
-              <a:fillRect/>
-            </a:stretch>
-          </p:blipFill>
-          <p:spPr>
-            <a:xfrm rot="20799146">
-              <a:off x="1055982" y="1661495"/>
-              <a:ext cx="1216245" cy="1216245"/>
-            </a:xfrm>
-            <a:prstGeom prst="rect">
-              <a:avLst/>
-            </a:prstGeom>
-          </p:spPr>
-        </p:pic>
-      </p:grpSp>
-      <p:sp>
-        <p:nvSpPr>
-          <p:cNvPr id="56" name="Textfeld 55">
-            <a:extLst>
-              <a:ext uri="{FF2B5EF4-FFF2-40B4-BE49-F238E27FC236}">
-                <a16:creationId xmlns:a16="http://schemas.microsoft.com/office/drawing/2014/main" xmlns="" id="{C007C55E-AA99-4859-ABD9-51E32F705A40}"/>
-              </a:ext>
-            </a:extLst>
-          </p:cNvPr>
-          <p:cNvSpPr txBox="1"/>
-          <p:nvPr/>
-        </p:nvSpPr>
-        <p:spPr>
-          <a:xfrm>
-            <a:off x="491176" y="4184159"/>
-            <a:ext cx="10356586" cy="2031325"/>
-          </a:xfrm>
-          <a:prstGeom prst="rect">
-            <a:avLst/>
-          </a:prstGeom>
-          <a:noFill/>
-        </p:spPr>
-        <p:txBody>
-          <a:bodyPr wrap="square" rtlCol="0">
-            <a:spAutoFit/>
-          </a:bodyPr>
-          <a:lstStyle/>
-          <a:p>
-            <a:pPr marL="285750" indent="-285750">
-              <a:buFont typeface="Arial" panose="020B0604020202020204" pitchFamily="34" charset="0"/>
-              <a:buChar char="•"/>
-            </a:pPr>
-            <a:r>
-              <a:rPr lang="en-US" dirty="0"/>
-              <a:t>Congressional Records are publicly available at </a:t>
-            </a:r>
-            <a:r>
-              <a:rPr lang="en-US" dirty="0">
-                <a:hlinkClick r:id="rId10"/>
-              </a:rPr>
-              <a:t>https://www.govinfo.gov/</a:t>
-            </a:r>
-            <a:r>
-              <a:rPr lang="en-US" dirty="0"/>
-              <a:t> </a:t>
-            </a:r>
-          </a:p>
-          <a:p>
-            <a:pPr marL="285750" indent="-285750">
-              <a:buFont typeface="Arial" panose="020B0604020202020204" pitchFamily="34" charset="0"/>
-              <a:buChar char="•"/>
-            </a:pPr>
-            <a:endParaRPr lang="en-US" b="1" dirty="0"/>
-          </a:p>
-          <a:p>
-            <a:pPr marL="285750" indent="-285750">
-              <a:buFont typeface="Arial" panose="020B0604020202020204" pitchFamily="34" charset="0"/>
-              <a:buChar char="•"/>
-            </a:pPr>
-            <a:r>
-              <a:rPr lang="en-US" b="1" dirty="0"/>
-              <a:t>Problem: </a:t>
-            </a:r>
-            <a:r>
-              <a:rPr lang="en-US" b="1" dirty="0" smtClean="0"/>
-              <a:t>	</a:t>
-            </a:r>
-            <a:r>
-              <a:rPr lang="en-US" dirty="0" smtClean="0"/>
-              <a:t>Text </a:t>
-            </a:r>
-            <a:r>
-              <a:rPr lang="en-US" dirty="0"/>
-              <a:t>is lengthy, administrative language, bulky denomination of laws, etc. </a:t>
-            </a:r>
-            <a:endParaRPr lang="en-US" dirty="0" smtClean="0"/>
-          </a:p>
-          <a:p>
-            <a:r>
-              <a:rPr lang="en-US" dirty="0">
-                <a:sym typeface="Wingdings" panose="05000000000000000000" pitchFamily="2" charset="2"/>
-              </a:rPr>
-              <a:t>		</a:t>
-            </a:r>
-            <a:r>
-              <a:rPr lang="en-US" dirty="0" smtClean="0">
-                <a:sym typeface="Wingdings" panose="05000000000000000000" pitchFamily="2" charset="2"/>
-              </a:rPr>
-              <a:t> </a:t>
-            </a:r>
-            <a:r>
-              <a:rPr lang="en-US" dirty="0">
-                <a:sym typeface="Wingdings" panose="05000000000000000000" pitchFamily="2" charset="2"/>
-              </a:rPr>
-              <a:t>D</a:t>
-            </a:r>
-            <a:r>
-              <a:rPr lang="en-US" dirty="0" smtClean="0">
-                <a:sym typeface="Wingdings" panose="05000000000000000000" pitchFamily="2" charset="2"/>
-              </a:rPr>
-              <a:t>ifficult </a:t>
-            </a:r>
-            <a:r>
-              <a:rPr lang="en-US" dirty="0">
-                <a:sym typeface="Wingdings" panose="05000000000000000000" pitchFamily="2" charset="2"/>
-              </a:rPr>
-              <a:t>to </a:t>
-            </a:r>
-            <a:r>
-              <a:rPr lang="en-US" dirty="0" smtClean="0">
-                <a:sym typeface="Wingdings" panose="05000000000000000000" pitchFamily="2" charset="2"/>
-              </a:rPr>
-              <a:t>access texts of debates via R</a:t>
-            </a:r>
-            <a:endParaRPr lang="en-US" dirty="0" smtClean="0">
-              <a:sym typeface="Wingdings" panose="05000000000000000000" pitchFamily="2" charset="2"/>
-            </a:endParaRPr>
-          </a:p>
-          <a:p>
-            <a:pPr marL="285750" indent="-285750">
-              <a:buFont typeface="Arial" panose="020B0604020202020204" pitchFamily="34" charset="0"/>
-              <a:buChar char="•"/>
-            </a:pPr>
-            <a:endParaRPr lang="en-US" b="1" dirty="0" smtClean="0">
-              <a:sym typeface="Wingdings" panose="05000000000000000000" pitchFamily="2" charset="2"/>
-            </a:endParaRPr>
-          </a:p>
-          <a:p>
-            <a:pPr marL="285750" indent="-285750">
-              <a:buFont typeface="Arial" panose="020B0604020202020204" pitchFamily="34" charset="0"/>
-              <a:buChar char="•"/>
-            </a:pPr>
-            <a:r>
-              <a:rPr lang="en-US" b="1" dirty="0" smtClean="0">
-                <a:sym typeface="Wingdings" panose="05000000000000000000" pitchFamily="2" charset="2"/>
-              </a:rPr>
-              <a:t>Idea</a:t>
-            </a:r>
-            <a:r>
-              <a:rPr lang="en-US" b="1" dirty="0">
-                <a:sym typeface="Wingdings" panose="05000000000000000000" pitchFamily="2" charset="2"/>
-              </a:rPr>
-              <a:t>: </a:t>
-            </a:r>
-            <a:r>
-              <a:rPr lang="en-US" b="1" dirty="0" smtClean="0">
-                <a:sym typeface="Wingdings" panose="05000000000000000000" pitchFamily="2" charset="2"/>
-              </a:rPr>
-              <a:t>		</a:t>
-            </a:r>
-            <a:r>
-              <a:rPr lang="en-US" dirty="0">
-                <a:sym typeface="Wingdings" panose="05000000000000000000" pitchFamily="2" charset="2"/>
-              </a:rPr>
-              <a:t>C</a:t>
-            </a:r>
-            <a:r>
-              <a:rPr lang="en-US" dirty="0" smtClean="0">
-                <a:sym typeface="Wingdings" panose="05000000000000000000" pitchFamily="2" charset="2"/>
-              </a:rPr>
-              <a:t>ontribute </a:t>
-            </a:r>
-            <a:r>
-              <a:rPr lang="en-US" dirty="0">
-                <a:sym typeface="Wingdings" panose="05000000000000000000" pitchFamily="2" charset="2"/>
-              </a:rPr>
-              <a:t>to the </a:t>
-            </a:r>
-            <a:r>
-              <a:rPr lang="en-US" dirty="0"/>
-              <a:t>accessibility of congressional debates and to the open science </a:t>
-            </a:r>
-            <a:r>
-              <a:rPr lang="en-US" dirty="0" smtClean="0"/>
-              <a:t>			community </a:t>
-            </a:r>
-            <a:r>
-              <a:rPr lang="en-US" dirty="0">
-                <a:sym typeface="Wingdings" panose="05000000000000000000" pitchFamily="2" charset="2"/>
-              </a:rPr>
-              <a:t>by scraping, </a:t>
-            </a:r>
-            <a:r>
-              <a:rPr lang="en-US" dirty="0">
-                <a:sym typeface="Wingdings" panose="05000000000000000000" pitchFamily="2" charset="2"/>
-              </a:rPr>
-              <a:t>and tidying (and </a:t>
-            </a:r>
-            <a:r>
-              <a:rPr lang="en-US" dirty="0" smtClean="0">
-                <a:sym typeface="Wingdings" panose="05000000000000000000" pitchFamily="2" charset="2"/>
-              </a:rPr>
-              <a:t>visualizing) </a:t>
-            </a:r>
-            <a:r>
-              <a:rPr lang="en-US" dirty="0" smtClean="0">
-                <a:sym typeface="Wingdings" panose="05000000000000000000" pitchFamily="2" charset="2"/>
-              </a:rPr>
-              <a:t>daily </a:t>
-            </a:r>
-            <a:r>
-              <a:rPr lang="en-US" dirty="0">
-                <a:sym typeface="Wingdings" panose="05000000000000000000" pitchFamily="2" charset="2"/>
-              </a:rPr>
-              <a:t>records</a:t>
-            </a:r>
-          </a:p>
-        </p:txBody>
-      </p:sp>
     </p:spTree>
     <p:extLst>
       <p:ext uri="{BB962C8B-B14F-4D97-AF65-F5344CB8AC3E}">
-        <p14:creationId xmlns:p14="http://schemas.microsoft.com/office/powerpoint/2010/main" val="510858128"/>
+        <p14:creationId xmlns:p14="http://schemas.microsoft.com/office/powerpoint/2010/main" val="1020040160"/>
       </p:ext>
     </p:extLst>
   </p:cSld>
   <p:clrMapOvr>
     <a:masterClrMapping/>
   </p:clrMapOvr>
-  <p:timing>
-    <p:tnLst>
-      <p:par>
-        <p:cTn id="1" dur="indefinite" restart="never" nodeType="tmRoot"/>
-      </p:par>
-    </p:tnLst>
-  </p:timing>
 </p:sld>
 </file>
 
-<file path=ppt/slides/slide20.xml><?xml version="1.0" encoding="utf-8"?>
+<file path=ppt/slides/slide22.xml><?xml version="1.0" encoding="utf-8"?>
 <p:sld xmlns:a="http://schemas.openxmlformats.org/drawingml/2006/main" xmlns:r="http://schemas.openxmlformats.org/officeDocument/2006/relationships" xmlns:p="http://schemas.openxmlformats.org/presentationml/2006/main">
   <p:cSld>
     <p:spTree>
@@ -17697,7 +18184,7 @@
           <p:cNvPr id="5" name="Foliennummernplatzhalter 4">
             <a:extLst>
               <a:ext uri="{FF2B5EF4-FFF2-40B4-BE49-F238E27FC236}">
-                <a16:creationId xmlns:a16="http://schemas.microsoft.com/office/drawing/2014/main" xmlns="" id="{99217DC6-63A8-46E5-BFF7-2750383C7113}"/>
+                <a16:creationId xmlns="" xmlns:a16="http://schemas.microsoft.com/office/drawing/2014/main" id="{99217DC6-63A8-46E5-BFF7-2750383C7113}"/>
               </a:ext>
             </a:extLst>
           </p:cNvPr>
@@ -17720,7 +18207,7 @@
           <a:p>
             <a:fld id="{6527771F-06AB-408E-AA7E-946E38726935}" type="slidenum">
               <a:rPr lang="de-DE" smtClean="0"/>
-              <a:t>20</a:t>
+              <a:t>22</a:t>
             </a:fld>
             <a:endParaRPr lang="de-DE"/>
           </a:p>
@@ -17731,7 +18218,7 @@
           <p:cNvPr id="17" name="Titel 1">
             <a:extLst>
               <a:ext uri="{FF2B5EF4-FFF2-40B4-BE49-F238E27FC236}">
-                <a16:creationId xmlns:a16="http://schemas.microsoft.com/office/drawing/2014/main" xmlns="" id="{2EBD46AD-74A3-41B6-A7F5-704EE709693A}"/>
+                <a16:creationId xmlns="" xmlns:a16="http://schemas.microsoft.com/office/drawing/2014/main" id="{2EBD46AD-74A3-41B6-A7F5-704EE709693A}"/>
               </a:ext>
             </a:extLst>
           </p:cNvPr>
@@ -17779,7 +18266,7 @@
                   <a:schemeClr val="tx2"/>
                 </a:solidFill>
               </a:rPr>
-              <a:t>Demonstration of a Use Case</a:t>
+              <a:t>Unsettles Issues</a:t>
             </a:r>
           </a:p>
         </p:txBody>
@@ -17789,7 +18276,7 @@
           <p:cNvPr id="19" name="Inhaltsplatzhalter 2">
             <a:extLst>
               <a:ext uri="{FF2B5EF4-FFF2-40B4-BE49-F238E27FC236}">
-                <a16:creationId xmlns:a16="http://schemas.microsoft.com/office/drawing/2014/main" xmlns="" id="{FD7E6F18-D74A-4FE7-8CC2-71466EBAC41D}"/>
+                <a16:creationId xmlns="" xmlns:a16="http://schemas.microsoft.com/office/drawing/2014/main" id="{FD7E6F18-D74A-4FE7-8CC2-71466EBAC41D}"/>
               </a:ext>
             </a:extLst>
           </p:cNvPr>
@@ -17812,10 +18299,37 @@
           </a:bodyPr>
           <a:lstStyle/>
           <a:p>
+            <a:r>
+              <a:rPr lang="en-US" sz="1800" dirty="0"/>
+              <a:t>At YYYY-01-03 a new volume starts but it can be that there are two volumes of this day </a:t>
+            </a:r>
+            <a:r>
+              <a:rPr lang="en-US" sz="1800" dirty="0">
+                <a:sym typeface="Wingdings" panose="05000000000000000000" pitchFamily="2" charset="2"/>
+              </a:rPr>
+              <a:t> cannot capture them in our URL </a:t>
+            </a:r>
+          </a:p>
+          <a:p>
+            <a:endParaRPr lang="en-US" sz="1800" dirty="0"/>
+          </a:p>
+          <a:p>
+            <a:endParaRPr lang="en-US" sz="1800" dirty="0"/>
+          </a:p>
+          <a:p>
             <a:pPr marL="0" indent="0">
               <a:buNone/>
             </a:pPr>
-            <a:endParaRPr lang="en-US" sz="2400" dirty="0"/>
+            <a:r>
+              <a:rPr lang="en-US" sz="1800" dirty="0"/>
+              <a:t>Outlook:</a:t>
+            </a:r>
+          </a:p>
+          <a:p>
+            <a:r>
+              <a:rPr lang="en-US" sz="1800" dirty="0"/>
+              <a:t>Web application</a:t>
+            </a:r>
           </a:p>
         </p:txBody>
       </p:sp>
@@ -17824,238 +18338,7 @@
           <p:cNvPr id="9" name="Fußzeilenplatzhalter 4">
             <a:extLst>
               <a:ext uri="{FF2B5EF4-FFF2-40B4-BE49-F238E27FC236}">
-                <a16:creationId xmlns:a16="http://schemas.microsoft.com/office/drawing/2014/main" xmlns="" id="{B345DB79-866F-470F-A020-38A82E790402}"/>
-              </a:ext>
-            </a:extLst>
-          </p:cNvPr>
-          <p:cNvSpPr>
-            <a:spLocks noGrp="1"/>
-          </p:cNvSpPr>
-          <p:nvPr>
-            <p:ph type="ftr" sz="quarter" idx="3"/>
-          </p:nvPr>
-        </p:nvSpPr>
-        <p:spPr>
-          <a:xfrm>
-            <a:off x="5022376" y="6492875"/>
-            <a:ext cx="5344367" cy="365125"/>
-          </a:xfrm>
-          <a:prstGeom prst="rect">
-            <a:avLst/>
-          </a:prstGeom>
-        </p:spPr>
-        <p:txBody>
-          <a:bodyPr vert="horz" lIns="91440" tIns="45720" rIns="91440" bIns="45720" rtlCol="0" anchor="ctr"/>
-          <a:lstStyle>
-            <a:lvl1pPr algn="ctr">
-              <a:defRPr sz="1200">
-                <a:solidFill>
-                  <a:schemeClr val="tx1">
-                    <a:tint val="75000"/>
-                  </a:schemeClr>
-                </a:solidFill>
-              </a:defRPr>
-            </a:lvl1pPr>
-          </a:lstStyle>
-          <a:p>
-            <a:r>
-              <a:rPr lang="en-US" dirty="0"/>
-              <a:t>SPOSM WS19/20 | Tobias Witter and Simone Euler</a:t>
-            </a:r>
-            <a:endParaRPr lang="de-DE" dirty="0"/>
-          </a:p>
-        </p:txBody>
-      </p:sp>
-    </p:spTree>
-    <p:extLst>
-      <p:ext uri="{BB962C8B-B14F-4D97-AF65-F5344CB8AC3E}">
-        <p14:creationId xmlns:p14="http://schemas.microsoft.com/office/powerpoint/2010/main" val="1020040160"/>
-      </p:ext>
-    </p:extLst>
-  </p:cSld>
-  <p:clrMapOvr>
-    <a:masterClrMapping/>
-  </p:clrMapOvr>
-</p:sld>
-</file>
-
-<file path=ppt/slides/slide21.xml><?xml version="1.0" encoding="utf-8"?>
-<p:sld xmlns:a="http://schemas.openxmlformats.org/drawingml/2006/main" xmlns:r="http://schemas.openxmlformats.org/officeDocument/2006/relationships" xmlns:p="http://schemas.openxmlformats.org/presentationml/2006/main">
-  <p:cSld>
-    <p:spTree>
-      <p:nvGrpSpPr>
-        <p:cNvPr id="1" name=""/>
-        <p:cNvGrpSpPr/>
-        <p:nvPr/>
-      </p:nvGrpSpPr>
-      <p:grpSpPr>
-        <a:xfrm>
-          <a:off x="0" y="0"/>
-          <a:ext cx="0" cy="0"/>
-          <a:chOff x="0" y="0"/>
-          <a:chExt cx="0" cy="0"/>
-        </a:xfrm>
-      </p:grpSpPr>
-      <p:sp>
-        <p:nvSpPr>
-          <p:cNvPr id="5" name="Foliennummernplatzhalter 4">
-            <a:extLst>
-              <a:ext uri="{FF2B5EF4-FFF2-40B4-BE49-F238E27FC236}">
-                <a16:creationId xmlns:a16="http://schemas.microsoft.com/office/drawing/2014/main" xmlns="" id="{99217DC6-63A8-46E5-BFF7-2750383C7113}"/>
-              </a:ext>
-            </a:extLst>
-          </p:cNvPr>
-          <p:cNvSpPr>
-            <a:spLocks noGrp="1"/>
-          </p:cNvSpPr>
-          <p:nvPr>
-            <p:ph type="sldNum" sz="quarter" idx="4"/>
-          </p:nvPr>
-        </p:nvSpPr>
-        <p:spPr>
-          <a:xfrm>
-            <a:off x="8610600" y="6446290"/>
-            <a:ext cx="2743200" cy="365125"/>
-          </a:xfrm>
-        </p:spPr>
-        <p:txBody>
-          <a:bodyPr/>
-          <a:lstStyle/>
-          <a:p>
-            <a:fld id="{6527771F-06AB-408E-AA7E-946E38726935}" type="slidenum">
-              <a:rPr lang="de-DE" smtClean="0"/>
-              <a:t>21</a:t>
-            </a:fld>
-            <a:endParaRPr lang="de-DE"/>
-          </a:p>
-        </p:txBody>
-      </p:sp>
-      <p:sp>
-        <p:nvSpPr>
-          <p:cNvPr id="17" name="Titel 1">
-            <a:extLst>
-              <a:ext uri="{FF2B5EF4-FFF2-40B4-BE49-F238E27FC236}">
-                <a16:creationId xmlns:a16="http://schemas.microsoft.com/office/drawing/2014/main" xmlns="" id="{2EBD46AD-74A3-41B6-A7F5-704EE709693A}"/>
-              </a:ext>
-            </a:extLst>
-          </p:cNvPr>
-          <p:cNvSpPr txBox="1">
-            <a:spLocks/>
-          </p:cNvSpPr>
-          <p:nvPr/>
-        </p:nvSpPr>
-        <p:spPr>
-          <a:xfrm>
-            <a:off x="520505" y="58739"/>
-            <a:ext cx="8888190" cy="626402"/>
-          </a:xfrm>
-          <a:prstGeom prst="rect">
-            <a:avLst/>
-          </a:prstGeom>
-        </p:spPr>
-        <p:txBody>
-          <a:bodyPr vert="horz" lIns="91440" tIns="45720" rIns="91440" bIns="45720" rtlCol="0" anchor="ctr">
-            <a:noAutofit/>
-          </a:bodyPr>
-          <a:lstStyle>
-            <a:lvl1pPr algn="l" defTabSz="914400" rtl="0" eaLnBrk="1" latinLnBrk="0" hangingPunct="1">
-              <a:lnSpc>
-                <a:spcPct val="90000"/>
-              </a:lnSpc>
-              <a:spcBef>
-                <a:spcPct val="0"/>
-              </a:spcBef>
-              <a:buNone/>
-              <a:defRPr sz="4400" kern="1200">
-                <a:solidFill>
-                  <a:schemeClr val="tx1"/>
-                </a:solidFill>
-                <a:latin typeface="+mj-lt"/>
-                <a:ea typeface="+mj-ea"/>
-                <a:cs typeface="+mj-cs"/>
-              </a:defRPr>
-            </a:lvl1pPr>
-          </a:lstStyle>
-          <a:p>
-            <a:r>
-              <a:rPr lang="en-US" sz="3200" dirty="0">
-                <a:solidFill>
-                  <a:schemeClr val="tx2"/>
-                </a:solidFill>
-              </a:rPr>
-              <a:t>Unsettles Issues</a:t>
-            </a:r>
-          </a:p>
-        </p:txBody>
-      </p:sp>
-      <p:sp>
-        <p:nvSpPr>
-          <p:cNvPr id="19" name="Inhaltsplatzhalter 2">
-            <a:extLst>
-              <a:ext uri="{FF2B5EF4-FFF2-40B4-BE49-F238E27FC236}">
-                <a16:creationId xmlns:a16="http://schemas.microsoft.com/office/drawing/2014/main" xmlns="" id="{FD7E6F18-D74A-4FE7-8CC2-71466EBAC41D}"/>
-              </a:ext>
-            </a:extLst>
-          </p:cNvPr>
-          <p:cNvSpPr>
-            <a:spLocks noGrp="1"/>
-          </p:cNvSpPr>
-          <p:nvPr>
-            <p:ph idx="4294967295"/>
-          </p:nvPr>
-        </p:nvSpPr>
-        <p:spPr>
-          <a:xfrm>
-            <a:off x="520505" y="767313"/>
-            <a:ext cx="10311008" cy="5633524"/>
-          </a:xfrm>
-        </p:spPr>
-        <p:txBody>
-          <a:bodyPr>
-            <a:normAutofit/>
-          </a:bodyPr>
-          <a:lstStyle/>
-          <a:p>
-            <a:r>
-              <a:rPr lang="en-US" sz="1800" dirty="0"/>
-              <a:t>At YYYY-01-03 a new volume starts but it can be that there are two volumes of this day </a:t>
-            </a:r>
-            <a:r>
-              <a:rPr lang="en-US" sz="1800" dirty="0">
-                <a:sym typeface="Wingdings" panose="05000000000000000000" pitchFamily="2" charset="2"/>
-              </a:rPr>
-              <a:t> cannot capture them in our URL </a:t>
-            </a:r>
-          </a:p>
-          <a:p>
-            <a:endParaRPr lang="en-US" sz="1800" dirty="0"/>
-          </a:p>
-          <a:p>
-            <a:endParaRPr lang="en-US" sz="1800" dirty="0"/>
-          </a:p>
-          <a:p>
-            <a:pPr marL="0" indent="0">
-              <a:buNone/>
-            </a:pPr>
-            <a:r>
-              <a:rPr lang="en-US" sz="1800" dirty="0"/>
-              <a:t>Outlook:</a:t>
-            </a:r>
-          </a:p>
-          <a:p>
-            <a:r>
-              <a:rPr lang="en-US" sz="1800" dirty="0"/>
-              <a:t>Web application</a:t>
-            </a:r>
-          </a:p>
-        </p:txBody>
-      </p:sp>
-      <p:sp>
-        <p:nvSpPr>
-          <p:cNvPr id="9" name="Fußzeilenplatzhalter 4">
-            <a:extLst>
-              <a:ext uri="{FF2B5EF4-FFF2-40B4-BE49-F238E27FC236}">
-                <a16:creationId xmlns:a16="http://schemas.microsoft.com/office/drawing/2014/main" xmlns="" id="{23D9C101-DEEE-48AF-943F-A19A0851F7F1}"/>
+                <a16:creationId xmlns="" xmlns:a16="http://schemas.microsoft.com/office/drawing/2014/main" id="{23D9C101-DEEE-48AF-943F-A19A0851F7F1}"/>
               </a:ext>
             </a:extLst>
           </p:cNvPr>
@@ -18132,7 +18415,7 @@
           <p:cNvPr id="6" name="Titel 1">
             <a:extLst>
               <a:ext uri="{FF2B5EF4-FFF2-40B4-BE49-F238E27FC236}">
-                <a16:creationId xmlns:a16="http://schemas.microsoft.com/office/drawing/2014/main" xmlns="" id="{BA1EDD0E-46AA-4A32-98A0-F40610BB1221}"/>
+                <a16:creationId xmlns="" xmlns:a16="http://schemas.microsoft.com/office/drawing/2014/main" id="{BA1EDD0E-46AA-4A32-98A0-F40610BB1221}"/>
               </a:ext>
             </a:extLst>
           </p:cNvPr>
@@ -18190,7 +18473,7 @@
           <p:cNvPr id="7" name="Textfeld 6">
             <a:extLst>
               <a:ext uri="{FF2B5EF4-FFF2-40B4-BE49-F238E27FC236}">
-                <a16:creationId xmlns:a16="http://schemas.microsoft.com/office/drawing/2014/main" xmlns="" id="{CC3F66DD-589E-4203-B4CE-EF6CEF0CB976}"/>
+                <a16:creationId xmlns="" xmlns:a16="http://schemas.microsoft.com/office/drawing/2014/main" id="{CC3F66DD-589E-4203-B4CE-EF6CEF0CB976}"/>
               </a:ext>
             </a:extLst>
           </p:cNvPr>
@@ -18394,7 +18677,7 @@
           <p:cNvPr id="10" name="Tabelle 10">
             <a:extLst>
               <a:ext uri="{FF2B5EF4-FFF2-40B4-BE49-F238E27FC236}">
-                <a16:creationId xmlns:a16="http://schemas.microsoft.com/office/drawing/2014/main" xmlns="" id="{51CD9A42-E94E-4600-B2F3-87ED14CD5834}"/>
+                <a16:creationId xmlns="" xmlns:a16="http://schemas.microsoft.com/office/drawing/2014/main" id="{51CD9A42-E94E-4600-B2F3-87ED14CD5834}"/>
               </a:ext>
             </a:extLst>
           </p:cNvPr>
@@ -18423,21 +18706,21 @@
                 <a:gridCol w="967101">
                   <a:extLst>
                     <a:ext uri="{9D8B030D-6E8A-4147-A177-3AD203B41FA5}">
-                      <a16:colId xmlns:a16="http://schemas.microsoft.com/office/drawing/2014/main" xmlns="" val="2597567428"/>
+                      <a16:colId xmlns="" xmlns:a16="http://schemas.microsoft.com/office/drawing/2014/main" val="2597567428"/>
                     </a:ext>
                   </a:extLst>
                 </a:gridCol>
                 <a:gridCol w="4449170">
                   <a:extLst>
                     <a:ext uri="{9D8B030D-6E8A-4147-A177-3AD203B41FA5}">
-                      <a16:colId xmlns:a16="http://schemas.microsoft.com/office/drawing/2014/main" xmlns="" val="1025539952"/>
+                      <a16:colId xmlns="" xmlns:a16="http://schemas.microsoft.com/office/drawing/2014/main" val="1025539952"/>
                     </a:ext>
                   </a:extLst>
                 </a:gridCol>
                 <a:gridCol w="4940314">
                   <a:extLst>
                     <a:ext uri="{9D8B030D-6E8A-4147-A177-3AD203B41FA5}">
-                      <a16:colId xmlns:a16="http://schemas.microsoft.com/office/drawing/2014/main" xmlns="" val="314499045"/>
+                      <a16:colId xmlns="" xmlns:a16="http://schemas.microsoft.com/office/drawing/2014/main" val="314499045"/>
                     </a:ext>
                   </a:extLst>
                 </a:gridCol>
@@ -18650,7 +18933,7 @@
                 </a:tc>
                 <a:extLst>
                   <a:ext uri="{0D108BD9-81ED-4DB2-BD59-A6C34878D82A}">
-                    <a16:rowId xmlns:a16="http://schemas.microsoft.com/office/drawing/2014/main" xmlns="" val="3457716615"/>
+                    <a16:rowId xmlns="" xmlns:a16="http://schemas.microsoft.com/office/drawing/2014/main" val="3457716615"/>
                   </a:ext>
                 </a:extLst>
               </a:tr>
@@ -18849,7 +19132,7 @@
                 </a:tc>
                 <a:extLst>
                   <a:ext uri="{0D108BD9-81ED-4DB2-BD59-A6C34878D82A}">
-                    <a16:rowId xmlns:a16="http://schemas.microsoft.com/office/drawing/2014/main" xmlns="" val="296185072"/>
+                    <a16:rowId xmlns="" xmlns:a16="http://schemas.microsoft.com/office/drawing/2014/main" val="296185072"/>
                   </a:ext>
                 </a:extLst>
               </a:tr>
@@ -19003,7 +19286,7 @@
                 </a:tc>
                 <a:extLst>
                   <a:ext uri="{0D108BD9-81ED-4DB2-BD59-A6C34878D82A}">
-                    <a16:rowId xmlns:a16="http://schemas.microsoft.com/office/drawing/2014/main" xmlns="" val="2915069498"/>
+                    <a16:rowId xmlns="" xmlns:a16="http://schemas.microsoft.com/office/drawing/2014/main" val="2915069498"/>
                   </a:ext>
                 </a:extLst>
               </a:tr>
@@ -19203,7 +19486,7 @@
                 </a:tc>
                 <a:extLst>
                   <a:ext uri="{0D108BD9-81ED-4DB2-BD59-A6C34878D82A}">
-                    <a16:rowId xmlns:a16="http://schemas.microsoft.com/office/drawing/2014/main" xmlns="" val="2868224674"/>
+                    <a16:rowId xmlns="" xmlns:a16="http://schemas.microsoft.com/office/drawing/2014/main" val="2868224674"/>
                   </a:ext>
                 </a:extLst>
               </a:tr>
@@ -19363,7 +19646,7 @@
                 </a:tc>
                 <a:extLst>
                   <a:ext uri="{0D108BD9-81ED-4DB2-BD59-A6C34878D82A}">
-                    <a16:rowId xmlns:a16="http://schemas.microsoft.com/office/drawing/2014/main" xmlns="" val="3050668472"/>
+                    <a16:rowId xmlns="" xmlns:a16="http://schemas.microsoft.com/office/drawing/2014/main" val="3050668472"/>
                   </a:ext>
                 </a:extLst>
               </a:tr>
@@ -19505,7 +19788,7 @@
                 </a:tc>
                 <a:extLst>
                   <a:ext uri="{0D108BD9-81ED-4DB2-BD59-A6C34878D82A}">
-                    <a16:rowId xmlns:a16="http://schemas.microsoft.com/office/drawing/2014/main" xmlns="" val="621295759"/>
+                    <a16:rowId xmlns="" xmlns:a16="http://schemas.microsoft.com/office/drawing/2014/main" val="621295759"/>
                   </a:ext>
                 </a:extLst>
               </a:tr>
@@ -19555,7 +19838,7 @@
           <p:cNvPr id="9" name="Inhaltsplatzhalter 2">
             <a:extLst>
               <a:ext uri="{FF2B5EF4-FFF2-40B4-BE49-F238E27FC236}">
-                <a16:creationId xmlns:a16="http://schemas.microsoft.com/office/drawing/2014/main" xmlns="" id="{74153CEA-CD58-4C65-AE0B-36B253E09D47}"/>
+                <a16:creationId xmlns="" xmlns:a16="http://schemas.microsoft.com/office/drawing/2014/main" id="{74153CEA-CD58-4C65-AE0B-36B253E09D47}"/>
               </a:ext>
             </a:extLst>
           </p:cNvPr>
@@ -20069,7 +20352,7 @@
           <p:cNvPr id="46" name="Inhaltsplatzhalter 2">
             <a:extLst>
               <a:ext uri="{FF2B5EF4-FFF2-40B4-BE49-F238E27FC236}">
-                <a16:creationId xmlns:a16="http://schemas.microsoft.com/office/drawing/2014/main" xmlns="" id="{0F26518F-0A69-4734-BA87-0B8E3EF94156}"/>
+                <a16:creationId xmlns="" xmlns:a16="http://schemas.microsoft.com/office/drawing/2014/main" id="{0F26518F-0A69-4734-BA87-0B8E3EF94156}"/>
               </a:ext>
             </a:extLst>
           </p:cNvPr>
@@ -20290,7 +20573,7 @@
           <p:cNvPr id="67" name="Gerade Verbindung mit Pfeil 66">
             <a:extLst>
               <a:ext uri="{FF2B5EF4-FFF2-40B4-BE49-F238E27FC236}">
-                <a16:creationId xmlns:a16="http://schemas.microsoft.com/office/drawing/2014/main" xmlns="" id="{7FAB1279-3954-449A-9809-2898A9D30786}"/>
+                <a16:creationId xmlns="" xmlns:a16="http://schemas.microsoft.com/office/drawing/2014/main" id="{7FAB1279-3954-449A-9809-2898A9D30786}"/>
               </a:ext>
             </a:extLst>
           </p:cNvPr>
@@ -20331,7 +20614,7 @@
           <p:cNvPr id="32" name="Inhaltsplatzhalter 2">
             <a:extLst>
               <a:ext uri="{FF2B5EF4-FFF2-40B4-BE49-F238E27FC236}">
-                <a16:creationId xmlns:a16="http://schemas.microsoft.com/office/drawing/2014/main" xmlns="" id="{B73C8442-401C-4ED8-A3D6-C2C0FB12E87F}"/>
+                <a16:creationId xmlns="" xmlns:a16="http://schemas.microsoft.com/office/drawing/2014/main" id="{B73C8442-401C-4ED8-A3D6-C2C0FB12E87F}"/>
               </a:ext>
             </a:extLst>
           </p:cNvPr>
@@ -20552,7 +20835,7 @@
           <p:cNvPr id="5" name="Foliennummernplatzhalter 4">
             <a:extLst>
               <a:ext uri="{FF2B5EF4-FFF2-40B4-BE49-F238E27FC236}">
-                <a16:creationId xmlns:a16="http://schemas.microsoft.com/office/drawing/2014/main" xmlns="" id="{99217DC6-63A8-46E5-BFF7-2750383C7113}"/>
+                <a16:creationId xmlns="" xmlns:a16="http://schemas.microsoft.com/office/drawing/2014/main" id="{99217DC6-63A8-46E5-BFF7-2750383C7113}"/>
               </a:ext>
             </a:extLst>
           </p:cNvPr>
@@ -20586,7 +20869,7 @@
           <p:cNvPr id="17" name="Titel 1">
             <a:extLst>
               <a:ext uri="{FF2B5EF4-FFF2-40B4-BE49-F238E27FC236}">
-                <a16:creationId xmlns:a16="http://schemas.microsoft.com/office/drawing/2014/main" xmlns="" id="{2EBD46AD-74A3-41B6-A7F5-704EE709693A}"/>
+                <a16:creationId xmlns="" xmlns:a16="http://schemas.microsoft.com/office/drawing/2014/main" id="{2EBD46AD-74A3-41B6-A7F5-704EE709693A}"/>
               </a:ext>
             </a:extLst>
           </p:cNvPr>
@@ -20656,7 +20939,7 @@
           <p:cNvPr id="19" name="Inhaltsplatzhalter 2">
             <a:extLst>
               <a:ext uri="{FF2B5EF4-FFF2-40B4-BE49-F238E27FC236}">
-                <a16:creationId xmlns:a16="http://schemas.microsoft.com/office/drawing/2014/main" xmlns="" id="{FD7E6F18-D74A-4FE7-8CC2-71466EBAC41D}"/>
+                <a16:creationId xmlns="" xmlns:a16="http://schemas.microsoft.com/office/drawing/2014/main" id="{FD7E6F18-D74A-4FE7-8CC2-71466EBAC41D}"/>
               </a:ext>
             </a:extLst>
           </p:cNvPr>
@@ -20733,7 +21016,7 @@
           <p:cNvPr id="23" name="Inhaltsplatzhalter 2">
             <a:extLst>
               <a:ext uri="{FF2B5EF4-FFF2-40B4-BE49-F238E27FC236}">
-                <a16:creationId xmlns:a16="http://schemas.microsoft.com/office/drawing/2014/main" xmlns="" id="{C7B407AD-B5BE-4C2C-8B9E-4E0DEC4B2C44}"/>
+                <a16:creationId xmlns="" xmlns:a16="http://schemas.microsoft.com/office/drawing/2014/main" id="{C7B407AD-B5BE-4C2C-8B9E-4E0DEC4B2C44}"/>
               </a:ext>
             </a:extLst>
           </p:cNvPr>
@@ -20963,7 +21246,7 @@
           <p:cNvPr id="24" name="Inhaltsplatzhalter 2">
             <a:extLst>
               <a:ext uri="{FF2B5EF4-FFF2-40B4-BE49-F238E27FC236}">
-                <a16:creationId xmlns:a16="http://schemas.microsoft.com/office/drawing/2014/main" xmlns="" id="{52088609-8CCC-4992-9D44-C791EA8B6B29}"/>
+                <a16:creationId xmlns="" xmlns:a16="http://schemas.microsoft.com/office/drawing/2014/main" id="{52088609-8CCC-4992-9D44-C791EA8B6B29}"/>
               </a:ext>
             </a:extLst>
           </p:cNvPr>
@@ -21193,7 +21476,7 @@
           <p:cNvPr id="159" name="Gruppieren 158">
             <a:extLst>
               <a:ext uri="{FF2B5EF4-FFF2-40B4-BE49-F238E27FC236}">
-                <a16:creationId xmlns:a16="http://schemas.microsoft.com/office/drawing/2014/main" xmlns="" id="{9E2CBC46-D3CB-40CA-B81B-E01C3443590B}"/>
+                <a16:creationId xmlns="" xmlns:a16="http://schemas.microsoft.com/office/drawing/2014/main" id="{9E2CBC46-D3CB-40CA-B81B-E01C3443590B}"/>
               </a:ext>
             </a:extLst>
           </p:cNvPr>
@@ -21213,7 +21496,7 @@
             <p:cNvPr id="11" name="Grafik 10" descr="Benutzer">
               <a:extLst>
                 <a:ext uri="{FF2B5EF4-FFF2-40B4-BE49-F238E27FC236}">
-                  <a16:creationId xmlns:a16="http://schemas.microsoft.com/office/drawing/2014/main" xmlns="" id="{37DEE98E-5373-46D4-8469-D0E669BB5878}"/>
+                  <a16:creationId xmlns="" xmlns:a16="http://schemas.microsoft.com/office/drawing/2014/main" id="{37DEE98E-5373-46D4-8469-D0E669BB5878}"/>
                 </a:ext>
               </a:extLst>
             </p:cNvPr>
@@ -21226,7 +21509,7 @@
             <a:blip r:embed="rId3">
               <a:extLst>
                 <a:ext uri="{96DAC541-7B7A-43D3-8B79-37D633B846F1}">
-                  <asvg:svgBlip xmlns:asvg="http://schemas.microsoft.com/office/drawing/2016/SVG/main" xmlns="" r:embed="rId4"/>
+                  <asvg:svgBlip xmlns="" xmlns:asvg="http://schemas.microsoft.com/office/drawing/2016/SVG/main" r:embed="rId4"/>
                 </a:ext>
               </a:extLst>
             </a:blip>
@@ -21249,7 +21532,7 @@
             <p:cNvPr id="12" name="Textfeld 11">
               <a:extLst>
                 <a:ext uri="{FF2B5EF4-FFF2-40B4-BE49-F238E27FC236}">
-                  <a16:creationId xmlns:a16="http://schemas.microsoft.com/office/drawing/2014/main" xmlns="" id="{EF8DE412-BDF1-4F66-8D0E-984408D4DC8C}"/>
+                  <a16:creationId xmlns="" xmlns:a16="http://schemas.microsoft.com/office/drawing/2014/main" id="{EF8DE412-BDF1-4F66-8D0E-984408D4DC8C}"/>
                 </a:ext>
               </a:extLst>
             </p:cNvPr>
@@ -21294,7 +21577,7 @@
           <p:cNvPr id="25" name="Gerade Verbindung mit Pfeil 24">
             <a:extLst>
               <a:ext uri="{FF2B5EF4-FFF2-40B4-BE49-F238E27FC236}">
-                <a16:creationId xmlns:a16="http://schemas.microsoft.com/office/drawing/2014/main" xmlns="" id="{64B5C3DB-49DC-44FA-9A41-2D16B67F6038}"/>
+                <a16:creationId xmlns="" xmlns:a16="http://schemas.microsoft.com/office/drawing/2014/main" id="{64B5C3DB-49DC-44FA-9A41-2D16B67F6038}"/>
               </a:ext>
             </a:extLst>
           </p:cNvPr>
@@ -21335,7 +21618,7 @@
           <p:cNvPr id="34" name="Grafik 33" descr="Welt">
             <a:extLst>
               <a:ext uri="{FF2B5EF4-FFF2-40B4-BE49-F238E27FC236}">
-                <a16:creationId xmlns:a16="http://schemas.microsoft.com/office/drawing/2014/main" xmlns="" id="{A800AC59-CAC0-4D27-BCC0-D36A2C0AF209}"/>
+                <a16:creationId xmlns="" xmlns:a16="http://schemas.microsoft.com/office/drawing/2014/main" id="{A800AC59-CAC0-4D27-BCC0-D36A2C0AF209}"/>
               </a:ext>
             </a:extLst>
           </p:cNvPr>
@@ -21348,7 +21631,7 @@
           <a:blip r:embed="rId5">
             <a:extLst>
               <a:ext uri="{96DAC541-7B7A-43D3-8B79-37D633B846F1}">
-                <asvg:svgBlip xmlns:asvg="http://schemas.microsoft.com/office/drawing/2016/SVG/main" xmlns="" r:embed="rId6"/>
+                <asvg:svgBlip xmlns="" xmlns:asvg="http://schemas.microsoft.com/office/drawing/2016/SVG/main" r:embed="rId6"/>
               </a:ext>
             </a:extLst>
           </a:blip>
@@ -21371,7 +21654,7 @@
           <p:cNvPr id="36" name="Gerade Verbindung mit Pfeil 35">
             <a:extLst>
               <a:ext uri="{FF2B5EF4-FFF2-40B4-BE49-F238E27FC236}">
-                <a16:creationId xmlns:a16="http://schemas.microsoft.com/office/drawing/2014/main" xmlns="" id="{14165FCC-2898-4EA5-8418-E16DE419162D}"/>
+                <a16:creationId xmlns="" xmlns:a16="http://schemas.microsoft.com/office/drawing/2014/main" id="{14165FCC-2898-4EA5-8418-E16DE419162D}"/>
               </a:ext>
             </a:extLst>
           </p:cNvPr>
@@ -21412,7 +21695,7 @@
           <p:cNvPr id="38" name="Textfeld 37">
             <a:extLst>
               <a:ext uri="{FF2B5EF4-FFF2-40B4-BE49-F238E27FC236}">
-                <a16:creationId xmlns:a16="http://schemas.microsoft.com/office/drawing/2014/main" xmlns="" id="{98CBE577-09F5-4B95-8653-B627207FA727}"/>
+                <a16:creationId xmlns="" xmlns:a16="http://schemas.microsoft.com/office/drawing/2014/main" id="{98CBE577-09F5-4B95-8653-B627207FA727}"/>
               </a:ext>
             </a:extLst>
           </p:cNvPr>
@@ -21457,7 +21740,7 @@
           <p:cNvPr id="40" name="Gerade Verbindung mit Pfeil 39">
             <a:extLst>
               <a:ext uri="{FF2B5EF4-FFF2-40B4-BE49-F238E27FC236}">
-                <a16:creationId xmlns:a16="http://schemas.microsoft.com/office/drawing/2014/main" xmlns="" id="{CF8A7F28-CF78-4318-A93C-2E8EB03122CC}"/>
+                <a16:creationId xmlns="" xmlns:a16="http://schemas.microsoft.com/office/drawing/2014/main" id="{CF8A7F28-CF78-4318-A93C-2E8EB03122CC}"/>
               </a:ext>
             </a:extLst>
           </p:cNvPr>
@@ -21498,7 +21781,7 @@
           <p:cNvPr id="42" name="Gerade Verbindung mit Pfeil 41">
             <a:extLst>
               <a:ext uri="{FF2B5EF4-FFF2-40B4-BE49-F238E27FC236}">
-                <a16:creationId xmlns:a16="http://schemas.microsoft.com/office/drawing/2014/main" xmlns="" id="{7BA8A4C1-13EC-49CB-B82C-3FF0665FB8AD}"/>
+                <a16:creationId xmlns="" xmlns:a16="http://schemas.microsoft.com/office/drawing/2014/main" id="{7BA8A4C1-13EC-49CB-B82C-3FF0665FB8AD}"/>
               </a:ext>
             </a:extLst>
           </p:cNvPr>
@@ -21539,7 +21822,7 @@
           <p:cNvPr id="44" name="Grafik 43" descr="Ordner">
             <a:extLst>
               <a:ext uri="{FF2B5EF4-FFF2-40B4-BE49-F238E27FC236}">
-                <a16:creationId xmlns:a16="http://schemas.microsoft.com/office/drawing/2014/main" xmlns="" id="{0572721C-7090-41E2-85A7-6A154A1EDC6E}"/>
+                <a16:creationId xmlns="" xmlns:a16="http://schemas.microsoft.com/office/drawing/2014/main" id="{0572721C-7090-41E2-85A7-6A154A1EDC6E}"/>
               </a:ext>
             </a:extLst>
           </p:cNvPr>
@@ -21552,7 +21835,7 @@
           <a:blip r:embed="rId7">
             <a:extLst>
               <a:ext uri="{96DAC541-7B7A-43D3-8B79-37D633B846F1}">
-                <asvg:svgBlip xmlns:asvg="http://schemas.microsoft.com/office/drawing/2016/SVG/main" xmlns="" r:embed="rId8"/>
+                <asvg:svgBlip xmlns="" xmlns:asvg="http://schemas.microsoft.com/office/drawing/2016/SVG/main" r:embed="rId8"/>
               </a:ext>
             </a:extLst>
           </a:blip>
@@ -21575,7 +21858,7 @@
           <p:cNvPr id="45" name="Textfeld 44">
             <a:extLst>
               <a:ext uri="{FF2B5EF4-FFF2-40B4-BE49-F238E27FC236}">
-                <a16:creationId xmlns:a16="http://schemas.microsoft.com/office/drawing/2014/main" xmlns="" id="{87DAFEBD-6AC9-4113-8438-A166156DC539}"/>
+                <a16:creationId xmlns="" xmlns:a16="http://schemas.microsoft.com/office/drawing/2014/main" id="{87DAFEBD-6AC9-4113-8438-A166156DC539}"/>
               </a:ext>
             </a:extLst>
           </p:cNvPr>
@@ -21619,7 +21902,7 @@
           <p:cNvPr id="57" name="Gerade Verbindung mit Pfeil 56">
             <a:extLst>
               <a:ext uri="{FF2B5EF4-FFF2-40B4-BE49-F238E27FC236}">
-                <a16:creationId xmlns:a16="http://schemas.microsoft.com/office/drawing/2014/main" xmlns="" id="{CA0D2126-51DB-4173-87BE-BAF063EBF92F}"/>
+                <a16:creationId xmlns="" xmlns:a16="http://schemas.microsoft.com/office/drawing/2014/main" id="{CA0D2126-51DB-4173-87BE-BAF063EBF92F}"/>
               </a:ext>
             </a:extLst>
           </p:cNvPr>
@@ -21660,7 +21943,7 @@
           <p:cNvPr id="126" name="Gruppieren 125">
             <a:extLst>
               <a:ext uri="{FF2B5EF4-FFF2-40B4-BE49-F238E27FC236}">
-                <a16:creationId xmlns:a16="http://schemas.microsoft.com/office/drawing/2014/main" xmlns="" id="{514A1029-992E-4E2E-9A8B-4CDCFC62727A}"/>
+                <a16:creationId xmlns="" xmlns:a16="http://schemas.microsoft.com/office/drawing/2014/main" id="{514A1029-992E-4E2E-9A8B-4CDCFC62727A}"/>
               </a:ext>
             </a:extLst>
           </p:cNvPr>
@@ -21680,7 +21963,7 @@
             <p:cNvPr id="97" name="Grafik 96" descr="Tisch">
               <a:extLst>
                 <a:ext uri="{FF2B5EF4-FFF2-40B4-BE49-F238E27FC236}">
-                  <a16:creationId xmlns:a16="http://schemas.microsoft.com/office/drawing/2014/main" xmlns="" id="{E3ED5455-2ACE-4F80-8660-C9C78942E061}"/>
+                  <a16:creationId xmlns="" xmlns:a16="http://schemas.microsoft.com/office/drawing/2014/main" id="{E3ED5455-2ACE-4F80-8660-C9C78942E061}"/>
                 </a:ext>
               </a:extLst>
             </p:cNvPr>
@@ -21693,7 +21976,7 @@
             <a:blip r:embed="rId9">
               <a:extLst>
                 <a:ext uri="{96DAC541-7B7A-43D3-8B79-37D633B846F1}">
-                  <asvg:svgBlip xmlns:asvg="http://schemas.microsoft.com/office/drawing/2016/SVG/main" xmlns="" r:embed="rId10"/>
+                  <asvg:svgBlip xmlns="" xmlns:asvg="http://schemas.microsoft.com/office/drawing/2016/SVG/main" r:embed="rId10"/>
                 </a:ext>
               </a:extLst>
             </a:blip>
@@ -21716,7 +21999,7 @@
             <p:cNvPr id="105" name="Rechteck 104">
               <a:extLst>
                 <a:ext uri="{FF2B5EF4-FFF2-40B4-BE49-F238E27FC236}">
-                  <a16:creationId xmlns:a16="http://schemas.microsoft.com/office/drawing/2014/main" xmlns="" id="{82C05C09-9668-4C7B-99B4-6CCD1DF3F8C9}"/>
+                  <a16:creationId xmlns="" xmlns:a16="http://schemas.microsoft.com/office/drawing/2014/main" id="{82C05C09-9668-4C7B-99B4-6CCD1DF3F8C9}"/>
                 </a:ext>
               </a:extLst>
             </p:cNvPr>
@@ -21772,7 +22055,7 @@
           <p:cNvPr id="135" name="Verbinder: gewinkelt 134">
             <a:extLst>
               <a:ext uri="{FF2B5EF4-FFF2-40B4-BE49-F238E27FC236}">
-                <a16:creationId xmlns:a16="http://schemas.microsoft.com/office/drawing/2014/main" xmlns="" id="{54FB2266-1433-4106-9347-4F6C67F57943}"/>
+                <a16:creationId xmlns="" xmlns:a16="http://schemas.microsoft.com/office/drawing/2014/main" id="{54FB2266-1433-4106-9347-4F6C67F57943}"/>
               </a:ext>
             </a:extLst>
           </p:cNvPr>
@@ -21815,7 +22098,7 @@
           <p:cNvPr id="139" name="Gerade Verbindung mit Pfeil 138">
             <a:extLst>
               <a:ext uri="{FF2B5EF4-FFF2-40B4-BE49-F238E27FC236}">
-                <a16:creationId xmlns:a16="http://schemas.microsoft.com/office/drawing/2014/main" xmlns="" id="{935E297A-0E08-4ACA-B64D-E82BF594D617}"/>
+                <a16:creationId xmlns="" xmlns:a16="http://schemas.microsoft.com/office/drawing/2014/main" id="{935E297A-0E08-4ACA-B64D-E82BF594D617}"/>
               </a:ext>
             </a:extLst>
           </p:cNvPr>
@@ -21856,7 +22139,7 @@
           <p:cNvPr id="143" name="Verbinder: gewinkelt 142">
             <a:extLst>
               <a:ext uri="{FF2B5EF4-FFF2-40B4-BE49-F238E27FC236}">
-                <a16:creationId xmlns:a16="http://schemas.microsoft.com/office/drawing/2014/main" xmlns="" id="{A4ED01DD-C3A8-4309-A767-F53A3EE24EFB}"/>
+                <a16:creationId xmlns="" xmlns:a16="http://schemas.microsoft.com/office/drawing/2014/main" id="{A4ED01DD-C3A8-4309-A767-F53A3EE24EFB}"/>
               </a:ext>
             </a:extLst>
           </p:cNvPr>
@@ -21899,7 +22182,7 @@
           <p:cNvPr id="149" name="Fußzeilenplatzhalter 4">
             <a:extLst>
               <a:ext uri="{FF2B5EF4-FFF2-40B4-BE49-F238E27FC236}">
-                <a16:creationId xmlns:a16="http://schemas.microsoft.com/office/drawing/2014/main" xmlns="" id="{38AB998A-AAF8-49F0-A239-2D93C7A72A4D}"/>
+                <a16:creationId xmlns="" xmlns:a16="http://schemas.microsoft.com/office/drawing/2014/main" id="{38AB998A-AAF8-49F0-A239-2D93C7A72A4D}"/>
               </a:ext>
             </a:extLst>
           </p:cNvPr>
@@ -21946,7 +22229,7 @@
           <p:cNvPr id="178" name="Verbinder: gewinkelt 177">
             <a:extLst>
               <a:ext uri="{FF2B5EF4-FFF2-40B4-BE49-F238E27FC236}">
-                <a16:creationId xmlns:a16="http://schemas.microsoft.com/office/drawing/2014/main" xmlns="" id="{0AD63463-6B97-4643-8843-833626B5A230}"/>
+                <a16:creationId xmlns="" xmlns:a16="http://schemas.microsoft.com/office/drawing/2014/main" id="{0AD63463-6B97-4643-8843-833626B5A230}"/>
               </a:ext>
             </a:extLst>
           </p:cNvPr>
@@ -21986,7 +22269,7 @@
           <p:cNvPr id="186" name="Gerader Verbinder 185">
             <a:extLst>
               <a:ext uri="{FF2B5EF4-FFF2-40B4-BE49-F238E27FC236}">
-                <a16:creationId xmlns:a16="http://schemas.microsoft.com/office/drawing/2014/main" xmlns="" id="{2A192D56-00F3-4AB3-97C3-ED94E9199036}"/>
+                <a16:creationId xmlns="" xmlns:a16="http://schemas.microsoft.com/office/drawing/2014/main" id="{2A192D56-00F3-4AB3-97C3-ED94E9199036}"/>
               </a:ext>
             </a:extLst>
           </p:cNvPr>
@@ -22022,7 +22305,7 @@
           <p:cNvPr id="188" name="Gerade Verbindung mit Pfeil 187">
             <a:extLst>
               <a:ext uri="{FF2B5EF4-FFF2-40B4-BE49-F238E27FC236}">
-                <a16:creationId xmlns:a16="http://schemas.microsoft.com/office/drawing/2014/main" xmlns="" id="{A3B57B87-7BD4-4AB4-B2E7-6B028A511B04}"/>
+                <a16:creationId xmlns="" xmlns:a16="http://schemas.microsoft.com/office/drawing/2014/main" id="{A3B57B87-7BD4-4AB4-B2E7-6B028A511B04}"/>
               </a:ext>
             </a:extLst>
           </p:cNvPr>
@@ -22100,7 +22383,7 @@
           <p:cNvPr id="5" name="Foliennummernplatzhalter 4">
             <a:extLst>
               <a:ext uri="{FF2B5EF4-FFF2-40B4-BE49-F238E27FC236}">
-                <a16:creationId xmlns:a16="http://schemas.microsoft.com/office/drawing/2014/main" xmlns="" id="{99217DC6-63A8-46E5-BFF7-2750383C7113}"/>
+                <a16:creationId xmlns="" xmlns:a16="http://schemas.microsoft.com/office/drawing/2014/main" id="{99217DC6-63A8-46E5-BFF7-2750383C7113}"/>
               </a:ext>
             </a:extLst>
           </p:cNvPr>
@@ -22134,7 +22417,7 @@
           <p:cNvPr id="17" name="Titel 1">
             <a:extLst>
               <a:ext uri="{FF2B5EF4-FFF2-40B4-BE49-F238E27FC236}">
-                <a16:creationId xmlns:a16="http://schemas.microsoft.com/office/drawing/2014/main" xmlns="" id="{2EBD46AD-74A3-41B6-A7F5-704EE709693A}"/>
+                <a16:creationId xmlns="" xmlns:a16="http://schemas.microsoft.com/office/drawing/2014/main" id="{2EBD46AD-74A3-41B6-A7F5-704EE709693A}"/>
               </a:ext>
             </a:extLst>
           </p:cNvPr>
@@ -22224,7 +22507,7 @@
           <p:cNvPr id="149" name="Fußzeilenplatzhalter 4">
             <a:extLst>
               <a:ext uri="{FF2B5EF4-FFF2-40B4-BE49-F238E27FC236}">
-                <a16:creationId xmlns:a16="http://schemas.microsoft.com/office/drawing/2014/main" xmlns="" id="{38AB998A-AAF8-49F0-A239-2D93C7A72A4D}"/>
+                <a16:creationId xmlns="" xmlns:a16="http://schemas.microsoft.com/office/drawing/2014/main" id="{38AB998A-AAF8-49F0-A239-2D93C7A72A4D}"/>
               </a:ext>
             </a:extLst>
           </p:cNvPr>
@@ -22271,7 +22554,7 @@
           <p:cNvPr id="2" name="Tabelle 2">
             <a:extLst>
               <a:ext uri="{FF2B5EF4-FFF2-40B4-BE49-F238E27FC236}">
-                <a16:creationId xmlns:a16="http://schemas.microsoft.com/office/drawing/2014/main" xmlns="" id="{01280090-9498-4E01-BF99-35C4D039D858}"/>
+                <a16:creationId xmlns="" xmlns:a16="http://schemas.microsoft.com/office/drawing/2014/main" id="{01280090-9498-4E01-BF99-35C4D039D858}"/>
               </a:ext>
             </a:extLst>
           </p:cNvPr>
@@ -22300,28 +22583,28 @@
                 <a:gridCol w="1214421">
                   <a:extLst>
                     <a:ext uri="{9D8B030D-6E8A-4147-A177-3AD203B41FA5}">
-                      <a16:colId xmlns:a16="http://schemas.microsoft.com/office/drawing/2014/main" xmlns="" val="1328456205"/>
+                      <a16:colId xmlns="" xmlns:a16="http://schemas.microsoft.com/office/drawing/2014/main" val="1328456205"/>
                     </a:ext>
                   </a:extLst>
                 </a:gridCol>
                 <a:gridCol w="792654">
                   <a:extLst>
                     <a:ext uri="{9D8B030D-6E8A-4147-A177-3AD203B41FA5}">
-                      <a16:colId xmlns:a16="http://schemas.microsoft.com/office/drawing/2014/main" xmlns="" val="3978735238"/>
+                      <a16:colId xmlns="" xmlns:a16="http://schemas.microsoft.com/office/drawing/2014/main" val="3978735238"/>
                     </a:ext>
                   </a:extLst>
                 </a:gridCol>
                 <a:gridCol w="4262627">
                   <a:extLst>
                     <a:ext uri="{9D8B030D-6E8A-4147-A177-3AD203B41FA5}">
-                      <a16:colId xmlns:a16="http://schemas.microsoft.com/office/drawing/2014/main" xmlns="" val="2877969049"/>
+                      <a16:colId xmlns="" xmlns:a16="http://schemas.microsoft.com/office/drawing/2014/main" val="2877969049"/>
                     </a:ext>
                   </a:extLst>
                 </a:gridCol>
                 <a:gridCol w="3718570">
                   <a:extLst>
                     <a:ext uri="{9D8B030D-6E8A-4147-A177-3AD203B41FA5}">
-                      <a16:colId xmlns:a16="http://schemas.microsoft.com/office/drawing/2014/main" xmlns="" val="3822829885"/>
+                      <a16:colId xmlns="" xmlns:a16="http://schemas.microsoft.com/office/drawing/2014/main" val="3822829885"/>
                     </a:ext>
                   </a:extLst>
                 </a:gridCol>
@@ -22626,7 +22909,7 @@
                 </a:tc>
                 <a:extLst>
                   <a:ext uri="{0D108BD9-81ED-4DB2-BD59-A6C34878D82A}">
-                    <a16:rowId xmlns:a16="http://schemas.microsoft.com/office/drawing/2014/main" xmlns="" val="4209509637"/>
+                    <a16:rowId xmlns="" xmlns:a16="http://schemas.microsoft.com/office/drawing/2014/main" val="4209509637"/>
                   </a:ext>
                 </a:extLst>
               </a:tr>
@@ -22877,7 +23160,7 @@
                 </a:tc>
                 <a:extLst>
                   <a:ext uri="{0D108BD9-81ED-4DB2-BD59-A6C34878D82A}">
-                    <a16:rowId xmlns:a16="http://schemas.microsoft.com/office/drawing/2014/main" xmlns="" val="851616967"/>
+                    <a16:rowId xmlns="" xmlns:a16="http://schemas.microsoft.com/office/drawing/2014/main" val="851616967"/>
                   </a:ext>
                 </a:extLst>
               </a:tr>
@@ -23151,7 +23434,7 @@
                 </a:tc>
                 <a:extLst>
                   <a:ext uri="{0D108BD9-81ED-4DB2-BD59-A6C34878D82A}">
-                    <a16:rowId xmlns:a16="http://schemas.microsoft.com/office/drawing/2014/main" xmlns="" val="3053805051"/>
+                    <a16:rowId xmlns="" xmlns:a16="http://schemas.microsoft.com/office/drawing/2014/main" val="3053805051"/>
                   </a:ext>
                 </a:extLst>
               </a:tr>
@@ -23419,7 +23702,7 @@
                 </a:tc>
                 <a:extLst>
                   <a:ext uri="{0D108BD9-81ED-4DB2-BD59-A6C34878D82A}">
-                    <a16:rowId xmlns:a16="http://schemas.microsoft.com/office/drawing/2014/main" xmlns="" val="3395055929"/>
+                    <a16:rowId xmlns="" xmlns:a16="http://schemas.microsoft.com/office/drawing/2014/main" val="3395055929"/>
                   </a:ext>
                 </a:extLst>
               </a:tr>
@@ -23711,7 +23994,7 @@
                 </a:tc>
                 <a:extLst>
                   <a:ext uri="{0D108BD9-81ED-4DB2-BD59-A6C34878D82A}">
-                    <a16:rowId xmlns:a16="http://schemas.microsoft.com/office/drawing/2014/main" xmlns="" val="1586812566"/>
+                    <a16:rowId xmlns="" xmlns:a16="http://schemas.microsoft.com/office/drawing/2014/main" val="1586812566"/>
                   </a:ext>
                 </a:extLst>
               </a:tr>
@@ -23970,7 +24253,7 @@
                 </a:tc>
                 <a:extLst>
                   <a:ext uri="{0D108BD9-81ED-4DB2-BD59-A6C34878D82A}">
-                    <a16:rowId xmlns:a16="http://schemas.microsoft.com/office/drawing/2014/main" xmlns="" val="3662240480"/>
+                    <a16:rowId xmlns="" xmlns:a16="http://schemas.microsoft.com/office/drawing/2014/main" val="3662240480"/>
                   </a:ext>
                 </a:extLst>
               </a:tr>
@@ -24245,7 +24528,7 @@
                 </a:tc>
                 <a:extLst>
                   <a:ext uri="{0D108BD9-81ED-4DB2-BD59-A6C34878D82A}">
-                    <a16:rowId xmlns:a16="http://schemas.microsoft.com/office/drawing/2014/main" xmlns="" val="3501422238"/>
+                    <a16:rowId xmlns="" xmlns:a16="http://schemas.microsoft.com/office/drawing/2014/main" val="3501422238"/>
                   </a:ext>
                 </a:extLst>
               </a:tr>
@@ -24496,7 +24779,7 @@
                 </a:tc>
                 <a:extLst>
                   <a:ext uri="{0D108BD9-81ED-4DB2-BD59-A6C34878D82A}">
-                    <a16:rowId xmlns:a16="http://schemas.microsoft.com/office/drawing/2014/main" xmlns="" val="3086067394"/>
+                    <a16:rowId xmlns="" xmlns:a16="http://schemas.microsoft.com/office/drawing/2014/main" val="3086067394"/>
                   </a:ext>
                 </a:extLst>
               </a:tr>
@@ -24861,7 +25144,7 @@
                 </a:tc>
                 <a:extLst>
                   <a:ext uri="{0D108BD9-81ED-4DB2-BD59-A6C34878D82A}">
-                    <a16:rowId xmlns:a16="http://schemas.microsoft.com/office/drawing/2014/main" xmlns="" val="3814381837"/>
+                    <a16:rowId xmlns="" xmlns:a16="http://schemas.microsoft.com/office/drawing/2014/main" val="3814381837"/>
                   </a:ext>
                 </a:extLst>
               </a:tr>
@@ -24911,7 +25194,7 @@
           <p:cNvPr id="5" name="Foliennummernplatzhalter 4">
             <a:extLst>
               <a:ext uri="{FF2B5EF4-FFF2-40B4-BE49-F238E27FC236}">
-                <a16:creationId xmlns:a16="http://schemas.microsoft.com/office/drawing/2014/main" xmlns="" id="{99217DC6-63A8-46E5-BFF7-2750383C7113}"/>
+                <a16:creationId xmlns="" xmlns:a16="http://schemas.microsoft.com/office/drawing/2014/main" id="{99217DC6-63A8-46E5-BFF7-2750383C7113}"/>
               </a:ext>
             </a:extLst>
           </p:cNvPr>
@@ -24945,7 +25228,7 @@
           <p:cNvPr id="17" name="Titel 1">
             <a:extLst>
               <a:ext uri="{FF2B5EF4-FFF2-40B4-BE49-F238E27FC236}">
-                <a16:creationId xmlns:a16="http://schemas.microsoft.com/office/drawing/2014/main" xmlns="" id="{2EBD46AD-74A3-41B6-A7F5-704EE709693A}"/>
+                <a16:creationId xmlns="" xmlns:a16="http://schemas.microsoft.com/office/drawing/2014/main" id="{2EBD46AD-74A3-41B6-A7F5-704EE709693A}"/>
               </a:ext>
             </a:extLst>
           </p:cNvPr>
@@ -25003,7 +25286,7 @@
           <p:cNvPr id="149" name="Fußzeilenplatzhalter 4">
             <a:extLst>
               <a:ext uri="{FF2B5EF4-FFF2-40B4-BE49-F238E27FC236}">
-                <a16:creationId xmlns:a16="http://schemas.microsoft.com/office/drawing/2014/main" xmlns="" id="{38AB998A-AAF8-49F0-A239-2D93C7A72A4D}"/>
+                <a16:creationId xmlns="" xmlns:a16="http://schemas.microsoft.com/office/drawing/2014/main" id="{38AB998A-AAF8-49F0-A239-2D93C7A72A4D}"/>
               </a:ext>
             </a:extLst>
           </p:cNvPr>
@@ -25117,7 +25400,7 @@
           <p:cNvPr id="5" name="Foliennummernplatzhalter 4">
             <a:extLst>
               <a:ext uri="{FF2B5EF4-FFF2-40B4-BE49-F238E27FC236}">
-                <a16:creationId xmlns:a16="http://schemas.microsoft.com/office/drawing/2014/main" xmlns="" id="{99217DC6-63A8-46E5-BFF7-2750383C7113}"/>
+                <a16:creationId xmlns="" xmlns:a16="http://schemas.microsoft.com/office/drawing/2014/main" id="{99217DC6-63A8-46E5-BFF7-2750383C7113}"/>
               </a:ext>
             </a:extLst>
           </p:cNvPr>
@@ -25151,7 +25434,7 @@
           <p:cNvPr id="17" name="Titel 1">
             <a:extLst>
               <a:ext uri="{FF2B5EF4-FFF2-40B4-BE49-F238E27FC236}">
-                <a16:creationId xmlns:a16="http://schemas.microsoft.com/office/drawing/2014/main" xmlns="" id="{2EBD46AD-74A3-41B6-A7F5-704EE709693A}"/>
+                <a16:creationId xmlns="" xmlns:a16="http://schemas.microsoft.com/office/drawing/2014/main" id="{2EBD46AD-74A3-41B6-A7F5-704EE709693A}"/>
               </a:ext>
             </a:extLst>
           </p:cNvPr>
@@ -25209,7 +25492,7 @@
           <p:cNvPr id="149" name="Fußzeilenplatzhalter 4">
             <a:extLst>
               <a:ext uri="{FF2B5EF4-FFF2-40B4-BE49-F238E27FC236}">
-                <a16:creationId xmlns:a16="http://schemas.microsoft.com/office/drawing/2014/main" xmlns="" id="{38AB998A-AAF8-49F0-A239-2D93C7A72A4D}"/>
+                <a16:creationId xmlns="" xmlns:a16="http://schemas.microsoft.com/office/drawing/2014/main" id="{38AB998A-AAF8-49F0-A239-2D93C7A72A4D}"/>
               </a:ext>
             </a:extLst>
           </p:cNvPr>
@@ -25323,7 +25606,7 @@
           <p:cNvPr id="5" name="Foliennummernplatzhalter 4">
             <a:extLst>
               <a:ext uri="{FF2B5EF4-FFF2-40B4-BE49-F238E27FC236}">
-                <a16:creationId xmlns:a16="http://schemas.microsoft.com/office/drawing/2014/main" xmlns="" id="{99217DC6-63A8-46E5-BFF7-2750383C7113}"/>
+                <a16:creationId xmlns="" xmlns:a16="http://schemas.microsoft.com/office/drawing/2014/main" id="{99217DC6-63A8-46E5-BFF7-2750383C7113}"/>
               </a:ext>
             </a:extLst>
           </p:cNvPr>
@@ -25357,7 +25640,7 @@
           <p:cNvPr id="17" name="Titel 1">
             <a:extLst>
               <a:ext uri="{FF2B5EF4-FFF2-40B4-BE49-F238E27FC236}">
-                <a16:creationId xmlns:a16="http://schemas.microsoft.com/office/drawing/2014/main" xmlns="" id="{2EBD46AD-74A3-41B6-A7F5-704EE709693A}"/>
+                <a16:creationId xmlns="" xmlns:a16="http://schemas.microsoft.com/office/drawing/2014/main" id="{2EBD46AD-74A3-41B6-A7F5-704EE709693A}"/>
               </a:ext>
             </a:extLst>
           </p:cNvPr>
@@ -25415,7 +25698,7 @@
           <p:cNvPr id="149" name="Fußzeilenplatzhalter 4">
             <a:extLst>
               <a:ext uri="{FF2B5EF4-FFF2-40B4-BE49-F238E27FC236}">
-                <a16:creationId xmlns:a16="http://schemas.microsoft.com/office/drawing/2014/main" xmlns="" id="{38AB998A-AAF8-49F0-A239-2D93C7A72A4D}"/>
+                <a16:creationId xmlns="" xmlns:a16="http://schemas.microsoft.com/office/drawing/2014/main" id="{38AB998A-AAF8-49F0-A239-2D93C7A72A4D}"/>
               </a:ext>
             </a:extLst>
           </p:cNvPr>
@@ -25529,7 +25812,7 @@
           <p:cNvPr id="5" name="Foliennummernplatzhalter 4">
             <a:extLst>
               <a:ext uri="{FF2B5EF4-FFF2-40B4-BE49-F238E27FC236}">
-                <a16:creationId xmlns:a16="http://schemas.microsoft.com/office/drawing/2014/main" xmlns="" id="{99217DC6-63A8-46E5-BFF7-2750383C7113}"/>
+                <a16:creationId xmlns="" xmlns:a16="http://schemas.microsoft.com/office/drawing/2014/main" id="{99217DC6-63A8-46E5-BFF7-2750383C7113}"/>
               </a:ext>
             </a:extLst>
           </p:cNvPr>
@@ -25563,7 +25846,7 @@
           <p:cNvPr id="17" name="Titel 1">
             <a:extLst>
               <a:ext uri="{FF2B5EF4-FFF2-40B4-BE49-F238E27FC236}">
-                <a16:creationId xmlns:a16="http://schemas.microsoft.com/office/drawing/2014/main" xmlns="" id="{2EBD46AD-74A3-41B6-A7F5-704EE709693A}"/>
+                <a16:creationId xmlns="" xmlns:a16="http://schemas.microsoft.com/office/drawing/2014/main" id="{2EBD46AD-74A3-41B6-A7F5-704EE709693A}"/>
               </a:ext>
             </a:extLst>
           </p:cNvPr>
@@ -25621,7 +25904,7 @@
           <p:cNvPr id="149" name="Fußzeilenplatzhalter 4">
             <a:extLst>
               <a:ext uri="{FF2B5EF4-FFF2-40B4-BE49-F238E27FC236}">
-                <a16:creationId xmlns:a16="http://schemas.microsoft.com/office/drawing/2014/main" xmlns="" id="{38AB998A-AAF8-49F0-A239-2D93C7A72A4D}"/>
+                <a16:creationId xmlns="" xmlns:a16="http://schemas.microsoft.com/office/drawing/2014/main" id="{38AB998A-AAF8-49F0-A239-2D93C7A72A4D}"/>
               </a:ext>
             </a:extLst>
           </p:cNvPr>

--- a/pres/Presentation_SPOSM.pptx
+++ b/pres/Presentation_SPOSM.pptx
@@ -217,7 +217,7 @@
           <a:p>
             <a:fld id="{E776ED67-7526-406D-8D88-BEE159EE904C}" type="datetimeFigureOut">
               <a:rPr lang="de-DE" smtClean="0"/>
-              <a:t>14.02.2020</a:t>
+              <a:t>16.02.2020</a:t>
             </a:fld>
             <a:endParaRPr lang="de-DE"/>
           </a:p>
@@ -5825,12 +5825,9 @@
 <p:sldLayout xmlns:a="http://schemas.openxmlformats.org/drawingml/2006/main" xmlns:r="http://schemas.openxmlformats.org/officeDocument/2006/relationships" xmlns:p="http://schemas.openxmlformats.org/presentationml/2006/main" showMasterSp="0" type="title" preserve="1">
   <p:cSld name="Titelfolie">
     <p:bg>
-      <p:bgPr>
-        <a:solidFill>
-          <a:schemeClr val="tx2"/>
-        </a:solidFill>
-        <a:effectLst/>
-      </p:bgPr>
+      <p:bgRef idx="1001">
+        <a:schemeClr val="bg1"/>
+      </p:bgRef>
     </p:bg>
     <p:spTree>
       <p:nvGrpSpPr>
@@ -5952,7 +5949,7 @@
           <p:cNvPr id="9" name="Bild 4" descr="huO_rgb-mP.png">
             <a:extLst>
               <a:ext uri="{FF2B5EF4-FFF2-40B4-BE49-F238E27FC236}">
-                <a16:creationId xmlns:a16="http://schemas.microsoft.com/office/drawing/2014/main" xmlns="" id="{33B5A747-FAA5-49E4-805D-5C5ECA0A7FF5}"/>
+                <a16:creationId xmlns:a16="http://schemas.microsoft.com/office/drawing/2014/main" id="{33B5A747-FAA5-49E4-805D-5C5ECA0A7FF5}"/>
               </a:ext>
             </a:extLst>
           </p:cNvPr>
@@ -6015,7 +6012,7 @@
     </p:extLst>
   </p:cSld>
   <p:clrMapOvr>
-    <a:masterClrMapping/>
+    <a:overrideClrMapping bg1="lt1" tx1="dk1" bg2="lt2" tx2="dk2" accent1="accent1" accent2="accent2" accent3="accent3" accent4="accent4" accent5="accent5" accent6="accent6" hlink="hlink" folHlink="folHlink"/>
   </p:clrMapOvr>
 </p:sldLayout>
 </file>
@@ -6151,7 +6148,7 @@
           <a:p>
             <a:fld id="{0B6D9122-EAAB-0342-A7F4-5354771F9A26}" type="datetimeFigureOut">
               <a:rPr lang="de-DE" smtClean="0"/>
-              <a:t>14.02.2020</a:t>
+              <a:t>16.02.2020</a:t>
             </a:fld>
             <a:endParaRPr lang="de-DE"/>
           </a:p>
@@ -6351,7 +6348,7 @@
           <a:p>
             <a:fld id="{0B6D9122-EAAB-0342-A7F4-5354771F9A26}" type="datetimeFigureOut">
               <a:rPr lang="de-DE" smtClean="0"/>
-              <a:t>14.02.2020</a:t>
+              <a:t>16.02.2020</a:t>
             </a:fld>
             <a:endParaRPr lang="de-DE"/>
           </a:p>
@@ -6442,7 +6439,7 @@
           <p:cNvPr id="8" name="Textplatzhalter 2">
             <a:extLst>
               <a:ext uri="{FF2B5EF4-FFF2-40B4-BE49-F238E27FC236}">
-                <a16:creationId xmlns:a16="http://schemas.microsoft.com/office/drawing/2014/main" xmlns="" id="{162B1910-2FA4-40A2-8253-E53E7B85ECBA}"/>
+                <a16:creationId xmlns:a16="http://schemas.microsoft.com/office/drawing/2014/main" id="{162B1910-2FA4-40A2-8253-E53E7B85ECBA}"/>
               </a:ext>
             </a:extLst>
           </p:cNvPr>
@@ -6509,7 +6506,7 @@
           <p:cNvPr id="9" name="Fußzeilenplatzhalter 4">
             <a:extLst>
               <a:ext uri="{FF2B5EF4-FFF2-40B4-BE49-F238E27FC236}">
-                <a16:creationId xmlns:a16="http://schemas.microsoft.com/office/drawing/2014/main" xmlns="" id="{BD7F2E1D-7EB7-414B-83BB-C3A1087545A1}"/>
+                <a16:creationId xmlns:a16="http://schemas.microsoft.com/office/drawing/2014/main" id="{BD7F2E1D-7EB7-414B-83BB-C3A1087545A1}"/>
               </a:ext>
             </a:extLst>
           </p:cNvPr>
@@ -6556,7 +6553,7 @@
           <p:cNvPr id="10" name="Foliennummernplatzhalter 5">
             <a:extLst>
               <a:ext uri="{FF2B5EF4-FFF2-40B4-BE49-F238E27FC236}">
-                <a16:creationId xmlns:a16="http://schemas.microsoft.com/office/drawing/2014/main" xmlns="" id="{7947E400-52E3-4FFB-9DB4-232450EC3957}"/>
+                <a16:creationId xmlns:a16="http://schemas.microsoft.com/office/drawing/2014/main" id="{7947E400-52E3-4FFB-9DB4-232450EC3957}"/>
               </a:ext>
             </a:extLst>
           </p:cNvPr>
@@ -6603,7 +6600,7 @@
           <p:cNvPr id="11" name="Titelplatzhalter 1">
             <a:extLst>
               <a:ext uri="{FF2B5EF4-FFF2-40B4-BE49-F238E27FC236}">
-                <a16:creationId xmlns:a16="http://schemas.microsoft.com/office/drawing/2014/main" xmlns="" id="{21902F89-C534-4356-B3F6-91A567FF646D}"/>
+                <a16:creationId xmlns:a16="http://schemas.microsoft.com/office/drawing/2014/main" id="{21902F89-C534-4356-B3F6-91A567FF646D}"/>
               </a:ext>
             </a:extLst>
           </p:cNvPr>
@@ -6847,7 +6844,7 @@
           <a:p>
             <a:fld id="{0B6D9122-EAAB-0342-A7F4-5354771F9A26}" type="datetimeFigureOut">
               <a:rPr lang="de-DE" smtClean="0"/>
-              <a:t>14.02.2020</a:t>
+              <a:t>16.02.2020</a:t>
             </a:fld>
             <a:endParaRPr lang="de-DE"/>
           </a:p>
@@ -7056,7 +7053,7 @@
           <p:cNvPr id="10" name="Fußzeilenplatzhalter 4">
             <a:extLst>
               <a:ext uri="{FF2B5EF4-FFF2-40B4-BE49-F238E27FC236}">
-                <a16:creationId xmlns:a16="http://schemas.microsoft.com/office/drawing/2014/main" xmlns="" id="{D501DD1A-594A-4D65-8B53-0C43CD4990C9}"/>
+                <a16:creationId xmlns:a16="http://schemas.microsoft.com/office/drawing/2014/main" id="{D501DD1A-594A-4D65-8B53-0C43CD4990C9}"/>
               </a:ext>
             </a:extLst>
           </p:cNvPr>
@@ -7099,7 +7096,7 @@
           <p:cNvPr id="11" name="Foliennummernplatzhalter 5">
             <a:extLst>
               <a:ext uri="{FF2B5EF4-FFF2-40B4-BE49-F238E27FC236}">
-                <a16:creationId xmlns:a16="http://schemas.microsoft.com/office/drawing/2014/main" xmlns="" id="{ADA6DD52-C665-4F90-BAFD-55BC0EF62A13}"/>
+                <a16:creationId xmlns:a16="http://schemas.microsoft.com/office/drawing/2014/main" id="{ADA6DD52-C665-4F90-BAFD-55BC0EF62A13}"/>
               </a:ext>
             </a:extLst>
           </p:cNvPr>
@@ -7146,7 +7143,7 @@
           <p:cNvPr id="12" name="Titelplatzhalter 1">
             <a:extLst>
               <a:ext uri="{FF2B5EF4-FFF2-40B4-BE49-F238E27FC236}">
-                <a16:creationId xmlns:a16="http://schemas.microsoft.com/office/drawing/2014/main" xmlns="" id="{B3CBF15B-5EDE-4C9D-8958-1ABA014179C3}"/>
+                <a16:creationId xmlns:a16="http://schemas.microsoft.com/office/drawing/2014/main" id="{B3CBF15B-5EDE-4C9D-8958-1ABA014179C3}"/>
               </a:ext>
             </a:extLst>
           </p:cNvPr>
@@ -7468,7 +7465,7 @@
           <p:cNvPr id="12" name="Fußzeilenplatzhalter 4">
             <a:extLst>
               <a:ext uri="{FF2B5EF4-FFF2-40B4-BE49-F238E27FC236}">
-                <a16:creationId xmlns:a16="http://schemas.microsoft.com/office/drawing/2014/main" xmlns="" id="{E5BD0A64-228A-461D-BB66-F417DD9EDB11}"/>
+                <a16:creationId xmlns:a16="http://schemas.microsoft.com/office/drawing/2014/main" id="{E5BD0A64-228A-461D-BB66-F417DD9EDB11}"/>
               </a:ext>
             </a:extLst>
           </p:cNvPr>
@@ -7511,7 +7508,7 @@
           <p:cNvPr id="13" name="Foliennummernplatzhalter 5">
             <a:extLst>
               <a:ext uri="{FF2B5EF4-FFF2-40B4-BE49-F238E27FC236}">
-                <a16:creationId xmlns:a16="http://schemas.microsoft.com/office/drawing/2014/main" xmlns="" id="{B4000ECD-AEB6-4F8B-8279-2BB483B934D7}"/>
+                <a16:creationId xmlns:a16="http://schemas.microsoft.com/office/drawing/2014/main" id="{B4000ECD-AEB6-4F8B-8279-2BB483B934D7}"/>
               </a:ext>
             </a:extLst>
           </p:cNvPr>
@@ -7558,7 +7555,7 @@
           <p:cNvPr id="14" name="Titelplatzhalter 1">
             <a:extLst>
               <a:ext uri="{FF2B5EF4-FFF2-40B4-BE49-F238E27FC236}">
-                <a16:creationId xmlns:a16="http://schemas.microsoft.com/office/drawing/2014/main" xmlns="" id="{75675467-8DE7-4C05-A0D7-38A50DD47E32}"/>
+                <a16:creationId xmlns:a16="http://schemas.microsoft.com/office/drawing/2014/main" id="{75675467-8DE7-4C05-A0D7-38A50DD47E32}"/>
               </a:ext>
             </a:extLst>
           </p:cNvPr>
@@ -7626,7 +7623,7 @@
           <p:cNvPr id="8" name="Fußzeilenplatzhalter 4">
             <a:extLst>
               <a:ext uri="{FF2B5EF4-FFF2-40B4-BE49-F238E27FC236}">
-                <a16:creationId xmlns:a16="http://schemas.microsoft.com/office/drawing/2014/main" xmlns="" id="{3D5AD6AF-1C17-4CE8-8139-1065503C805A}"/>
+                <a16:creationId xmlns:a16="http://schemas.microsoft.com/office/drawing/2014/main" id="{3D5AD6AF-1C17-4CE8-8139-1065503C805A}"/>
               </a:ext>
             </a:extLst>
           </p:cNvPr>
@@ -7669,7 +7666,7 @@
           <p:cNvPr id="9" name="Foliennummernplatzhalter 5">
             <a:extLst>
               <a:ext uri="{FF2B5EF4-FFF2-40B4-BE49-F238E27FC236}">
-                <a16:creationId xmlns:a16="http://schemas.microsoft.com/office/drawing/2014/main" xmlns="" id="{48C82D6E-6B52-4E3D-9675-24EDF92DAC45}"/>
+                <a16:creationId xmlns:a16="http://schemas.microsoft.com/office/drawing/2014/main" id="{48C82D6E-6B52-4E3D-9675-24EDF92DAC45}"/>
               </a:ext>
             </a:extLst>
           </p:cNvPr>
@@ -7716,7 +7713,7 @@
           <p:cNvPr id="10" name="Titelplatzhalter 1">
             <a:extLst>
               <a:ext uri="{FF2B5EF4-FFF2-40B4-BE49-F238E27FC236}">
-                <a16:creationId xmlns:a16="http://schemas.microsoft.com/office/drawing/2014/main" xmlns="" id="{9CD6CF0C-28ED-452A-BB50-6A112B553DF7}"/>
+                <a16:creationId xmlns:a16="http://schemas.microsoft.com/office/drawing/2014/main" id="{9CD6CF0C-28ED-452A-BB50-6A112B553DF7}"/>
               </a:ext>
             </a:extLst>
           </p:cNvPr>
@@ -7784,7 +7781,7 @@
           <p:cNvPr id="7" name="Fußzeilenplatzhalter 4">
             <a:extLst>
               <a:ext uri="{FF2B5EF4-FFF2-40B4-BE49-F238E27FC236}">
-                <a16:creationId xmlns:a16="http://schemas.microsoft.com/office/drawing/2014/main" xmlns="" id="{11FF8BEE-DFF2-4E57-9447-FC7D73C931FF}"/>
+                <a16:creationId xmlns:a16="http://schemas.microsoft.com/office/drawing/2014/main" id="{11FF8BEE-DFF2-4E57-9447-FC7D73C931FF}"/>
               </a:ext>
             </a:extLst>
           </p:cNvPr>
@@ -7827,7 +7824,7 @@
           <p:cNvPr id="8" name="Foliennummernplatzhalter 5">
             <a:extLst>
               <a:ext uri="{FF2B5EF4-FFF2-40B4-BE49-F238E27FC236}">
-                <a16:creationId xmlns:a16="http://schemas.microsoft.com/office/drawing/2014/main" xmlns="" id="{B56966DA-E079-41CC-99AD-46620E43DDC5}"/>
+                <a16:creationId xmlns:a16="http://schemas.microsoft.com/office/drawing/2014/main" id="{B56966DA-E079-41CC-99AD-46620E43DDC5}"/>
               </a:ext>
             </a:extLst>
           </p:cNvPr>
@@ -8359,7 +8356,7 @@
           <a:p>
             <a:fld id="{0B6D9122-EAAB-0342-A7F4-5354771F9A26}" type="datetimeFigureOut">
               <a:rPr lang="de-DE" smtClean="0"/>
-              <a:t>14.02.2020</a:t>
+              <a:t>16.02.2020</a:t>
             </a:fld>
             <a:endParaRPr lang="de-DE"/>
           </a:p>
@@ -8630,7 +8627,7 @@
           <p:cNvPr id="15" name="Rechteck 14">
             <a:extLst>
               <a:ext uri="{FF2B5EF4-FFF2-40B4-BE49-F238E27FC236}">
-                <a16:creationId xmlns:a16="http://schemas.microsoft.com/office/drawing/2014/main" xmlns="" id="{4C4962A7-60B1-4FD9-950F-7B223A93E18F}"/>
+                <a16:creationId xmlns:a16="http://schemas.microsoft.com/office/drawing/2014/main" id="{4C4962A7-60B1-4FD9-950F-7B223A93E18F}"/>
               </a:ext>
             </a:extLst>
           </p:cNvPr>
@@ -8684,7 +8681,7 @@
           <p:cNvPr id="16" name="Rechteck 15">
             <a:extLst>
               <a:ext uri="{FF2B5EF4-FFF2-40B4-BE49-F238E27FC236}">
-                <a16:creationId xmlns:a16="http://schemas.microsoft.com/office/drawing/2014/main" xmlns="" id="{25737F02-1E29-47AD-9EAA-B38282F26CF9}"/>
+                <a16:creationId xmlns:a16="http://schemas.microsoft.com/office/drawing/2014/main" id="{25737F02-1E29-47AD-9EAA-B38282F26CF9}"/>
               </a:ext>
             </a:extLst>
           </p:cNvPr>
@@ -8738,7 +8735,7 @@
           <p:cNvPr id="18" name="Bild 4" descr="huO_rgb-mP.png">
             <a:extLst>
               <a:ext uri="{FF2B5EF4-FFF2-40B4-BE49-F238E27FC236}">
-                <a16:creationId xmlns:a16="http://schemas.microsoft.com/office/drawing/2014/main" xmlns="" id="{91E6476D-60FA-48D3-9652-99F936E5A1B2}"/>
+                <a16:creationId xmlns:a16="http://schemas.microsoft.com/office/drawing/2014/main" id="{91E6476D-60FA-48D3-9652-99F936E5A1B2}"/>
               </a:ext>
             </a:extLst>
           </p:cNvPr>
@@ -9127,7 +9124,7 @@
           <p:cNvPr id="9" name="Fußzeilenplatzhalter 5">
             <a:extLst>
               <a:ext uri="{FF2B5EF4-FFF2-40B4-BE49-F238E27FC236}">
-                <a16:creationId xmlns:a16="http://schemas.microsoft.com/office/drawing/2014/main" xmlns="" id="{1849A0BD-CC4C-4610-97A9-793026A4FC5A}"/>
+                <a16:creationId xmlns:a16="http://schemas.microsoft.com/office/drawing/2014/main" id="{1849A0BD-CC4C-4610-97A9-793026A4FC5A}"/>
               </a:ext>
             </a:extLst>
           </p:cNvPr>
@@ -9140,7 +9137,7 @@
         </p:nvSpPr>
         <p:spPr>
           <a:xfrm>
-            <a:off x="1094281" y="4651763"/>
+            <a:off x="1094282" y="5399233"/>
             <a:ext cx="10451725" cy="940316"/>
           </a:xfrm>
         </p:spPr>
@@ -9149,37 +9146,13 @@
           <a:lstStyle/>
           <a:p>
             <a:pPr algn="l"/>
-            <a:endParaRPr lang="en-US" sz="2400" dirty="0" smtClean="0">
-              <a:solidFill>
-                <a:schemeClr val="accent1"/>
-              </a:solidFill>
-            </a:endParaRPr>
-          </a:p>
-          <a:p>
-            <a:pPr algn="l"/>
-            <a:endParaRPr lang="en-US" sz="2400" dirty="0">
-              <a:solidFill>
-                <a:schemeClr val="accent1"/>
-              </a:solidFill>
-            </a:endParaRPr>
-          </a:p>
-          <a:p>
-            <a:pPr algn="l"/>
-            <a:r>
-              <a:rPr lang="en-US" sz="2400" dirty="0" smtClean="0">
+            <a:r>
+              <a:rPr lang="en-US" sz="2400" dirty="0">
                 <a:solidFill>
                   <a:schemeClr val="accent1"/>
                 </a:solidFill>
               </a:rPr>
-              <a:t>Statistical </a:t>
-            </a:r>
-            <a:r>
-              <a:rPr lang="en-US" sz="2400" dirty="0">
-                <a:solidFill>
-                  <a:schemeClr val="accent1"/>
-                </a:solidFill>
-              </a:rPr>
-              <a:t>Programming and Open Science Methods WS19/20</a:t>
+              <a:t>Statistical Programming and Open Science Methods WS19/20</a:t>
             </a:r>
           </a:p>
           <a:p>
@@ -9205,7 +9178,7 @@
           <p:cNvPr id="14" name="Bild 4" descr="huO_rgb-mP.png">
             <a:extLst>
               <a:ext uri="{FF2B5EF4-FFF2-40B4-BE49-F238E27FC236}">
-                <a16:creationId xmlns:a16="http://schemas.microsoft.com/office/drawing/2014/main" xmlns="" id="{A6435E84-959B-4004-9D03-91843F9616BF}"/>
+                <a16:creationId xmlns:a16="http://schemas.microsoft.com/office/drawing/2014/main" id="{A6435E84-959B-4004-9D03-91843F9616BF}"/>
               </a:ext>
             </a:extLst>
           </p:cNvPr>
@@ -9265,7 +9238,7 @@
           <p:cNvPr id="16" name="Inhaltsplatzhalter 2">
             <a:extLst>
               <a:ext uri="{FF2B5EF4-FFF2-40B4-BE49-F238E27FC236}">
-                <a16:creationId xmlns:a16="http://schemas.microsoft.com/office/drawing/2014/main" xmlns="" id="{35C0996D-4546-4A4B-BC03-82C9961E32C9}"/>
+                <a16:creationId xmlns:a16="http://schemas.microsoft.com/office/drawing/2014/main" id="{35C0996D-4546-4A4B-BC03-82C9961E32C9}"/>
               </a:ext>
             </a:extLst>
           </p:cNvPr>
@@ -9276,8 +9249,8 @@
         </p:nvSpPr>
         <p:spPr>
           <a:xfrm>
-            <a:off x="1094282" y="424250"/>
-            <a:ext cx="9084039" cy="5255364"/>
+            <a:off x="1094282" y="261114"/>
+            <a:ext cx="9737230" cy="1781987"/>
           </a:xfrm>
           <a:prstGeom prst="rect">
             <a:avLst/>
@@ -9473,6 +9446,13 @@
               </a:rPr>
               <a:t>: </a:t>
             </a:r>
+          </a:p>
+          <a:p>
+            <a:pPr algn="l">
+              <a:lnSpc>
+                <a:spcPct val="100000"/>
+              </a:lnSpc>
+            </a:pPr>
             <a:r>
               <a:rPr lang="de-DE" sz="4400" dirty="0" err="1">
                 <a:solidFill>
@@ -9525,15 +9505,15 @@
               </a:ext>
             </a:extLst>
           </a:blip>
-          <a:srcRect l="29941" t="15805" r="25881" b="13803"/>
+          <a:srcRect l="28541" t="13315" r="25881" b="13803"/>
           <a:stretch/>
         </p:blipFill>
         <p:spPr>
           <a:xfrm>
-            <a:off x="7551849" y="1609412"/>
-            <a:ext cx="3455972" cy="3212283"/>
+            <a:off x="4176215" y="1924336"/>
+            <a:ext cx="3725152" cy="3474897"/>
           </a:xfrm>
-          <a:prstGeom prst="rect">
+          <a:prstGeom prst="ellipse">
             <a:avLst/>
           </a:prstGeom>
         </p:spPr>
@@ -9548,13 +9528,6 @@
   <p:clrMapOvr>
     <a:masterClrMapping/>
   </p:clrMapOvr>
-  <p:timing>
-    <p:tnLst>
-      <p:par>
-        <p:cTn id="1" dur="indefinite" restart="never" nodeType="tmRoot"/>
-      </p:par>
-    </p:tnLst>
-  </p:timing>
 </p:sld>
 </file>
 
@@ -9580,7 +9553,7 @@
           <p:cNvPr id="5" name="Foliennummernplatzhalter 4">
             <a:extLst>
               <a:ext uri="{FF2B5EF4-FFF2-40B4-BE49-F238E27FC236}">
-                <a16:creationId xmlns:a16="http://schemas.microsoft.com/office/drawing/2014/main" xmlns="" id="{99217DC6-63A8-46E5-BFF7-2750383C7113}"/>
+                <a16:creationId xmlns:a16="http://schemas.microsoft.com/office/drawing/2014/main" id="{99217DC6-63A8-46E5-BFF7-2750383C7113}"/>
               </a:ext>
             </a:extLst>
           </p:cNvPr>
@@ -9614,7 +9587,7 @@
           <p:cNvPr id="17" name="Titel 1">
             <a:extLst>
               <a:ext uri="{FF2B5EF4-FFF2-40B4-BE49-F238E27FC236}">
-                <a16:creationId xmlns:a16="http://schemas.microsoft.com/office/drawing/2014/main" xmlns="" id="{2EBD46AD-74A3-41B6-A7F5-704EE709693A}"/>
+                <a16:creationId xmlns:a16="http://schemas.microsoft.com/office/drawing/2014/main" id="{2EBD46AD-74A3-41B6-A7F5-704EE709693A}"/>
               </a:ext>
             </a:extLst>
           </p:cNvPr>
@@ -9672,7 +9645,7 @@
           <p:cNvPr id="149" name="Fußzeilenplatzhalter 4">
             <a:extLst>
               <a:ext uri="{FF2B5EF4-FFF2-40B4-BE49-F238E27FC236}">
-                <a16:creationId xmlns:a16="http://schemas.microsoft.com/office/drawing/2014/main" xmlns="" id="{38AB998A-AAF8-49F0-A239-2D93C7A72A4D}"/>
+                <a16:creationId xmlns:a16="http://schemas.microsoft.com/office/drawing/2014/main" id="{38AB998A-AAF8-49F0-A239-2D93C7A72A4D}"/>
               </a:ext>
             </a:extLst>
           </p:cNvPr>
@@ -9754,13 +9727,6 @@
   <p:clrMapOvr>
     <a:masterClrMapping/>
   </p:clrMapOvr>
-  <p:timing>
-    <p:tnLst>
-      <p:par>
-        <p:cTn id="1" dur="indefinite" restart="never" nodeType="tmRoot"/>
-      </p:par>
-    </p:tnLst>
-  </p:timing>
 </p:sld>
 </file>
 
@@ -9816,7 +9782,7 @@
           <p:cNvPr id="5" name="Foliennummernplatzhalter 4">
             <a:extLst>
               <a:ext uri="{FF2B5EF4-FFF2-40B4-BE49-F238E27FC236}">
-                <a16:creationId xmlns:a16="http://schemas.microsoft.com/office/drawing/2014/main" xmlns="" id="{99217DC6-63A8-46E5-BFF7-2750383C7113}"/>
+                <a16:creationId xmlns:a16="http://schemas.microsoft.com/office/drawing/2014/main" id="{99217DC6-63A8-46E5-BFF7-2750383C7113}"/>
               </a:ext>
             </a:extLst>
           </p:cNvPr>
@@ -9850,7 +9816,7 @@
           <p:cNvPr id="17" name="Titel 1">
             <a:extLst>
               <a:ext uri="{FF2B5EF4-FFF2-40B4-BE49-F238E27FC236}">
-                <a16:creationId xmlns:a16="http://schemas.microsoft.com/office/drawing/2014/main" xmlns="" id="{2EBD46AD-74A3-41B6-A7F5-704EE709693A}"/>
+                <a16:creationId xmlns:a16="http://schemas.microsoft.com/office/drawing/2014/main" id="{2EBD46AD-74A3-41B6-A7F5-704EE709693A}"/>
               </a:ext>
             </a:extLst>
           </p:cNvPr>
@@ -9908,7 +9874,7 @@
           <p:cNvPr id="149" name="Fußzeilenplatzhalter 4">
             <a:extLst>
               <a:ext uri="{FF2B5EF4-FFF2-40B4-BE49-F238E27FC236}">
-                <a16:creationId xmlns:a16="http://schemas.microsoft.com/office/drawing/2014/main" xmlns="" id="{38AB998A-AAF8-49F0-A239-2D93C7A72A4D}"/>
+                <a16:creationId xmlns:a16="http://schemas.microsoft.com/office/drawing/2014/main" id="{38AB998A-AAF8-49F0-A239-2D93C7A72A4D}"/>
               </a:ext>
             </a:extLst>
           </p:cNvPr>
@@ -9990,13 +9956,6 @@
   <p:clrMapOvr>
     <a:masterClrMapping/>
   </p:clrMapOvr>
-  <p:timing>
-    <p:tnLst>
-      <p:par>
-        <p:cTn id="1" dur="indefinite" restart="never" nodeType="tmRoot"/>
-      </p:par>
-    </p:tnLst>
-  </p:timing>
 </p:sld>
 </file>
 
@@ -10022,7 +9981,7 @@
           <p:cNvPr id="5" name="Foliennummernplatzhalter 4">
             <a:extLst>
               <a:ext uri="{FF2B5EF4-FFF2-40B4-BE49-F238E27FC236}">
-                <a16:creationId xmlns:a16="http://schemas.microsoft.com/office/drawing/2014/main" xmlns="" id="{99217DC6-63A8-46E5-BFF7-2750383C7113}"/>
+                <a16:creationId xmlns:a16="http://schemas.microsoft.com/office/drawing/2014/main" id="{99217DC6-63A8-46E5-BFF7-2750383C7113}"/>
               </a:ext>
             </a:extLst>
           </p:cNvPr>
@@ -10056,7 +10015,7 @@
           <p:cNvPr id="17" name="Titel 1">
             <a:extLst>
               <a:ext uri="{FF2B5EF4-FFF2-40B4-BE49-F238E27FC236}">
-                <a16:creationId xmlns:a16="http://schemas.microsoft.com/office/drawing/2014/main" xmlns="" id="{2EBD46AD-74A3-41B6-A7F5-704EE709693A}"/>
+                <a16:creationId xmlns:a16="http://schemas.microsoft.com/office/drawing/2014/main" id="{2EBD46AD-74A3-41B6-A7F5-704EE709693A}"/>
               </a:ext>
             </a:extLst>
           </p:cNvPr>
@@ -10114,7 +10073,7 @@
           <p:cNvPr id="149" name="Fußzeilenplatzhalter 4">
             <a:extLst>
               <a:ext uri="{FF2B5EF4-FFF2-40B4-BE49-F238E27FC236}">
-                <a16:creationId xmlns:a16="http://schemas.microsoft.com/office/drawing/2014/main" xmlns="" id="{38AB998A-AAF8-49F0-A239-2D93C7A72A4D}"/>
+                <a16:creationId xmlns:a16="http://schemas.microsoft.com/office/drawing/2014/main" id="{38AB998A-AAF8-49F0-A239-2D93C7A72A4D}"/>
               </a:ext>
             </a:extLst>
           </p:cNvPr>
@@ -10196,13 +10155,6 @@
   <p:clrMapOvr>
     <a:masterClrMapping/>
   </p:clrMapOvr>
-  <p:timing>
-    <p:tnLst>
-      <p:par>
-        <p:cTn id="1" dur="indefinite" restart="never" nodeType="tmRoot"/>
-      </p:par>
-    </p:tnLst>
-  </p:timing>
 </p:sld>
 </file>
 
@@ -10228,7 +10180,7 @@
           <p:cNvPr id="5" name="Foliennummernplatzhalter 4">
             <a:extLst>
               <a:ext uri="{FF2B5EF4-FFF2-40B4-BE49-F238E27FC236}">
-                <a16:creationId xmlns:a16="http://schemas.microsoft.com/office/drawing/2014/main" xmlns="" id="{99217DC6-63A8-46E5-BFF7-2750383C7113}"/>
+                <a16:creationId xmlns:a16="http://schemas.microsoft.com/office/drawing/2014/main" id="{99217DC6-63A8-46E5-BFF7-2750383C7113}"/>
               </a:ext>
             </a:extLst>
           </p:cNvPr>
@@ -10262,7 +10214,7 @@
           <p:cNvPr id="17" name="Titel 1">
             <a:extLst>
               <a:ext uri="{FF2B5EF4-FFF2-40B4-BE49-F238E27FC236}">
-                <a16:creationId xmlns:a16="http://schemas.microsoft.com/office/drawing/2014/main" xmlns="" id="{2EBD46AD-74A3-41B6-A7F5-704EE709693A}"/>
+                <a16:creationId xmlns:a16="http://schemas.microsoft.com/office/drawing/2014/main" id="{2EBD46AD-74A3-41B6-A7F5-704EE709693A}"/>
               </a:ext>
             </a:extLst>
           </p:cNvPr>
@@ -10320,7 +10272,7 @@
           <p:cNvPr id="149" name="Fußzeilenplatzhalter 4">
             <a:extLst>
               <a:ext uri="{FF2B5EF4-FFF2-40B4-BE49-F238E27FC236}">
-                <a16:creationId xmlns:a16="http://schemas.microsoft.com/office/drawing/2014/main" xmlns="" id="{38AB998A-AAF8-49F0-A239-2D93C7A72A4D}"/>
+                <a16:creationId xmlns:a16="http://schemas.microsoft.com/office/drawing/2014/main" id="{38AB998A-AAF8-49F0-A239-2D93C7A72A4D}"/>
               </a:ext>
             </a:extLst>
           </p:cNvPr>
@@ -10402,13 +10354,6 @@
   <p:clrMapOvr>
     <a:masterClrMapping/>
   </p:clrMapOvr>
-  <p:timing>
-    <p:tnLst>
-      <p:par>
-        <p:cTn id="1" dur="indefinite" restart="never" nodeType="tmRoot"/>
-      </p:par>
-    </p:tnLst>
-  </p:timing>
 </p:sld>
 </file>
 
@@ -10434,7 +10379,7 @@
           <p:cNvPr id="51" name="Rechteck 50">
             <a:extLst>
               <a:ext uri="{FF2B5EF4-FFF2-40B4-BE49-F238E27FC236}">
-                <a16:creationId xmlns:a16="http://schemas.microsoft.com/office/drawing/2014/main" xmlns="" id="{7B09CCE4-2DE8-486F-BD68-C4E948B56935}"/>
+                <a16:creationId xmlns:a16="http://schemas.microsoft.com/office/drawing/2014/main" id="{7B09CCE4-2DE8-486F-BD68-C4E948B56935}"/>
               </a:ext>
             </a:extLst>
           </p:cNvPr>
@@ -10492,7 +10437,7 @@
           <p:cNvPr id="5" name="Foliennummernplatzhalter 4">
             <a:extLst>
               <a:ext uri="{FF2B5EF4-FFF2-40B4-BE49-F238E27FC236}">
-                <a16:creationId xmlns:a16="http://schemas.microsoft.com/office/drawing/2014/main" xmlns="" id="{99217DC6-63A8-46E5-BFF7-2750383C7113}"/>
+                <a16:creationId xmlns:a16="http://schemas.microsoft.com/office/drawing/2014/main" id="{99217DC6-63A8-46E5-BFF7-2750383C7113}"/>
               </a:ext>
             </a:extLst>
           </p:cNvPr>
@@ -10526,7 +10471,7 @@
           <p:cNvPr id="17" name="Titel 1">
             <a:extLst>
               <a:ext uri="{FF2B5EF4-FFF2-40B4-BE49-F238E27FC236}">
-                <a16:creationId xmlns:a16="http://schemas.microsoft.com/office/drawing/2014/main" xmlns="" id="{2EBD46AD-74A3-41B6-A7F5-704EE709693A}"/>
+                <a16:creationId xmlns:a16="http://schemas.microsoft.com/office/drawing/2014/main" id="{2EBD46AD-74A3-41B6-A7F5-704EE709693A}"/>
               </a:ext>
             </a:extLst>
           </p:cNvPr>
@@ -10584,7 +10529,7 @@
           <p:cNvPr id="4" name="Gruppieren 3">
             <a:extLst>
               <a:ext uri="{FF2B5EF4-FFF2-40B4-BE49-F238E27FC236}">
-                <a16:creationId xmlns:a16="http://schemas.microsoft.com/office/drawing/2014/main" xmlns="" id="{4C7027B1-C885-493B-83DB-9604A4B7FEAE}"/>
+                <a16:creationId xmlns:a16="http://schemas.microsoft.com/office/drawing/2014/main" id="{4C7027B1-C885-493B-83DB-9604A4B7FEAE}"/>
               </a:ext>
             </a:extLst>
           </p:cNvPr>
@@ -10604,7 +10549,7 @@
             <p:cNvPr id="32" name="Inhaltsplatzhalter 2">
               <a:extLst>
                 <a:ext uri="{FF2B5EF4-FFF2-40B4-BE49-F238E27FC236}">
-                  <a16:creationId xmlns:a16="http://schemas.microsoft.com/office/drawing/2014/main" xmlns="" id="{B73C8442-401C-4ED8-A3D6-C2C0FB12E87F}"/>
+                  <a16:creationId xmlns:a16="http://schemas.microsoft.com/office/drawing/2014/main" id="{B73C8442-401C-4ED8-A3D6-C2C0FB12E87F}"/>
                 </a:ext>
               </a:extLst>
             </p:cNvPr>
@@ -10825,7 +10770,7 @@
             <p:cNvPr id="23" name="Inhaltsplatzhalter 2">
               <a:extLst>
                 <a:ext uri="{FF2B5EF4-FFF2-40B4-BE49-F238E27FC236}">
-                  <a16:creationId xmlns:a16="http://schemas.microsoft.com/office/drawing/2014/main" xmlns="" id="{C7B407AD-B5BE-4C2C-8B9E-4E0DEC4B2C44}"/>
+                  <a16:creationId xmlns:a16="http://schemas.microsoft.com/office/drawing/2014/main" id="{C7B407AD-B5BE-4C2C-8B9E-4E0DEC4B2C44}"/>
                 </a:ext>
               </a:extLst>
             </p:cNvPr>
@@ -11055,7 +11000,7 @@
             <p:cNvPr id="34" name="Grafik 33" descr="Welt">
               <a:extLst>
                 <a:ext uri="{FF2B5EF4-FFF2-40B4-BE49-F238E27FC236}">
-                  <a16:creationId xmlns:a16="http://schemas.microsoft.com/office/drawing/2014/main" xmlns="" id="{A800AC59-CAC0-4D27-BCC0-D36A2C0AF209}"/>
+                  <a16:creationId xmlns:a16="http://schemas.microsoft.com/office/drawing/2014/main" id="{A800AC59-CAC0-4D27-BCC0-D36A2C0AF209}"/>
                 </a:ext>
               </a:extLst>
             </p:cNvPr>
@@ -11068,7 +11013,7 @@
             <a:blip r:embed="rId3">
               <a:extLst>
                 <a:ext uri="{96DAC541-7B7A-43D3-8B79-37D633B846F1}">
-                  <asvg:svgBlip xmlns:asvg="http://schemas.microsoft.com/office/drawing/2016/SVG/main" xmlns="" r:embed="rId4"/>
+                  <asvg:svgBlip xmlns:asvg="http://schemas.microsoft.com/office/drawing/2016/SVG/main" r:embed="rId4"/>
                 </a:ext>
               </a:extLst>
             </a:blip>
@@ -11091,7 +11036,7 @@
             <p:cNvPr id="36" name="Gerade Verbindung mit Pfeil 35">
               <a:extLst>
                 <a:ext uri="{FF2B5EF4-FFF2-40B4-BE49-F238E27FC236}">
-                  <a16:creationId xmlns:a16="http://schemas.microsoft.com/office/drawing/2014/main" xmlns="" id="{14165FCC-2898-4EA5-8418-E16DE419162D}"/>
+                  <a16:creationId xmlns:a16="http://schemas.microsoft.com/office/drawing/2014/main" id="{14165FCC-2898-4EA5-8418-E16DE419162D}"/>
                 </a:ext>
               </a:extLst>
             </p:cNvPr>
@@ -11132,7 +11077,7 @@
             <p:cNvPr id="38" name="Textfeld 37">
               <a:extLst>
                 <a:ext uri="{FF2B5EF4-FFF2-40B4-BE49-F238E27FC236}">
-                  <a16:creationId xmlns:a16="http://schemas.microsoft.com/office/drawing/2014/main" xmlns="" id="{98CBE577-09F5-4B95-8653-B627207FA727}"/>
+                  <a16:creationId xmlns:a16="http://schemas.microsoft.com/office/drawing/2014/main" id="{98CBE577-09F5-4B95-8653-B627207FA727}"/>
                 </a:ext>
               </a:extLst>
             </p:cNvPr>
@@ -11177,7 +11122,7 @@
             <p:cNvPr id="40" name="Gerade Verbindung mit Pfeil 39">
               <a:extLst>
                 <a:ext uri="{FF2B5EF4-FFF2-40B4-BE49-F238E27FC236}">
-                  <a16:creationId xmlns:a16="http://schemas.microsoft.com/office/drawing/2014/main" xmlns="" id="{CF8A7F28-CF78-4318-A93C-2E8EB03122CC}"/>
+                  <a16:creationId xmlns:a16="http://schemas.microsoft.com/office/drawing/2014/main" id="{CF8A7F28-CF78-4318-A93C-2E8EB03122CC}"/>
                 </a:ext>
               </a:extLst>
             </p:cNvPr>
@@ -11218,7 +11163,7 @@
             <p:cNvPr id="42" name="Gerade Verbindung mit Pfeil 41">
               <a:extLst>
                 <a:ext uri="{FF2B5EF4-FFF2-40B4-BE49-F238E27FC236}">
-                  <a16:creationId xmlns:a16="http://schemas.microsoft.com/office/drawing/2014/main" xmlns="" id="{7BA8A4C1-13EC-49CB-B82C-3FF0665FB8AD}"/>
+                  <a16:creationId xmlns:a16="http://schemas.microsoft.com/office/drawing/2014/main" id="{7BA8A4C1-13EC-49CB-B82C-3FF0665FB8AD}"/>
                 </a:ext>
               </a:extLst>
             </p:cNvPr>
@@ -11259,7 +11204,7 @@
             <p:cNvPr id="44" name="Grafik 43" descr="Ordner">
               <a:extLst>
                 <a:ext uri="{FF2B5EF4-FFF2-40B4-BE49-F238E27FC236}">
-                  <a16:creationId xmlns:a16="http://schemas.microsoft.com/office/drawing/2014/main" xmlns="" id="{0572721C-7090-41E2-85A7-6A154A1EDC6E}"/>
+                  <a16:creationId xmlns:a16="http://schemas.microsoft.com/office/drawing/2014/main" id="{0572721C-7090-41E2-85A7-6A154A1EDC6E}"/>
                 </a:ext>
               </a:extLst>
             </p:cNvPr>
@@ -11272,7 +11217,7 @@
             <a:blip r:embed="rId5">
               <a:extLst>
                 <a:ext uri="{96DAC541-7B7A-43D3-8B79-37D633B846F1}">
-                  <asvg:svgBlip xmlns:asvg="http://schemas.microsoft.com/office/drawing/2016/SVG/main" xmlns="" r:embed="rId6"/>
+                  <asvg:svgBlip xmlns:asvg="http://schemas.microsoft.com/office/drawing/2016/SVG/main" r:embed="rId6"/>
                 </a:ext>
               </a:extLst>
             </a:blip>
@@ -11295,7 +11240,7 @@
             <p:cNvPr id="45" name="Textfeld 44">
               <a:extLst>
                 <a:ext uri="{FF2B5EF4-FFF2-40B4-BE49-F238E27FC236}">
-                  <a16:creationId xmlns:a16="http://schemas.microsoft.com/office/drawing/2014/main" xmlns="" id="{87DAFEBD-6AC9-4113-8438-A166156DC539}"/>
+                  <a16:creationId xmlns:a16="http://schemas.microsoft.com/office/drawing/2014/main" id="{87DAFEBD-6AC9-4113-8438-A166156DC539}"/>
                 </a:ext>
               </a:extLst>
             </p:cNvPr>
@@ -11340,7 +11285,7 @@
           <p:cNvPr id="149" name="Fußzeilenplatzhalter 4">
             <a:extLst>
               <a:ext uri="{FF2B5EF4-FFF2-40B4-BE49-F238E27FC236}">
-                <a16:creationId xmlns:a16="http://schemas.microsoft.com/office/drawing/2014/main" xmlns="" id="{38AB998A-AAF8-49F0-A239-2D93C7A72A4D}"/>
+                <a16:creationId xmlns:a16="http://schemas.microsoft.com/office/drawing/2014/main" id="{38AB998A-AAF8-49F0-A239-2D93C7A72A4D}"/>
               </a:ext>
             </a:extLst>
           </p:cNvPr>
@@ -11387,7 +11332,7 @@
           <p:cNvPr id="58" name="Grafik 57" descr="Warnung">
             <a:extLst>
               <a:ext uri="{FF2B5EF4-FFF2-40B4-BE49-F238E27FC236}">
-                <a16:creationId xmlns:a16="http://schemas.microsoft.com/office/drawing/2014/main" xmlns="" id="{5ADD6FB5-98E7-495D-A9AC-2584B2D52713}"/>
+                <a16:creationId xmlns:a16="http://schemas.microsoft.com/office/drawing/2014/main" id="{5ADD6FB5-98E7-495D-A9AC-2584B2D52713}"/>
               </a:ext>
             </a:extLst>
           </p:cNvPr>
@@ -11400,7 +11345,7 @@
           <a:blip r:embed="rId7">
             <a:extLst>
               <a:ext uri="{96DAC541-7B7A-43D3-8B79-37D633B846F1}">
-                <asvg:svgBlip xmlns:asvg="http://schemas.microsoft.com/office/drawing/2016/SVG/main" xmlns="" r:embed="rId8"/>
+                <asvg:svgBlip xmlns:asvg="http://schemas.microsoft.com/office/drawing/2016/SVG/main" r:embed="rId8"/>
               </a:ext>
             </a:extLst>
           </a:blip>
@@ -11423,7 +11368,7 @@
           <p:cNvPr id="59" name="Grafik 58" descr="Glühlampe">
             <a:extLst>
               <a:ext uri="{FF2B5EF4-FFF2-40B4-BE49-F238E27FC236}">
-                <a16:creationId xmlns:a16="http://schemas.microsoft.com/office/drawing/2014/main" xmlns="" id="{051FE1DD-05D1-46F4-B78F-B97D09DB249F}"/>
+                <a16:creationId xmlns:a16="http://schemas.microsoft.com/office/drawing/2014/main" id="{051FE1DD-05D1-46F4-B78F-B97D09DB249F}"/>
               </a:ext>
             </a:extLst>
           </p:cNvPr>
@@ -11436,7 +11381,7 @@
           <a:blip r:embed="rId9">
             <a:extLst>
               <a:ext uri="{96DAC541-7B7A-43D3-8B79-37D633B846F1}">
-                <asvg:svgBlip xmlns:asvg="http://schemas.microsoft.com/office/drawing/2016/SVG/main" xmlns="" r:embed="rId10"/>
+                <asvg:svgBlip xmlns:asvg="http://schemas.microsoft.com/office/drawing/2016/SVG/main" r:embed="rId10"/>
               </a:ext>
             </a:extLst>
           </a:blip>
@@ -11459,7 +11404,7 @@
           <p:cNvPr id="18" name="Textfeld 17">
             <a:extLst>
               <a:ext uri="{FF2B5EF4-FFF2-40B4-BE49-F238E27FC236}">
-                <a16:creationId xmlns:a16="http://schemas.microsoft.com/office/drawing/2014/main" xmlns="" id="{2A285A58-EC11-4467-B051-677815423595}"/>
+                <a16:creationId xmlns:a16="http://schemas.microsoft.com/office/drawing/2014/main" id="{2A285A58-EC11-4467-B051-677815423595}"/>
               </a:ext>
             </a:extLst>
           </p:cNvPr>
@@ -11487,7 +11432,7 @@
               <a:buChar char="•"/>
             </a:pPr>
             <a:r>
-              <a:rPr lang="en-US" dirty="0" smtClean="0"/>
+              <a:rPr lang="en-US" dirty="0"/>
               <a:t>How to store large zip files after download</a:t>
             </a:r>
           </a:p>
@@ -11497,10 +11442,9 @@
               <a:buChar char="•"/>
             </a:pPr>
             <a:r>
-              <a:rPr lang="en-US" dirty="0" smtClean="0"/>
+              <a:rPr lang="en-US" dirty="0"/>
               <a:t>What to do with days where no text data is available</a:t>
             </a:r>
-            <a:endParaRPr lang="en-US" dirty="0"/>
           </a:p>
           <a:p>
             <a:pPr marL="285750" indent="-285750">
@@ -11508,10 +11452,9 @@
               <a:buChar char="•"/>
             </a:pPr>
             <a:r>
-              <a:rPr lang="en-US" dirty="0" smtClean="0"/>
+              <a:rPr lang="en-US" dirty="0"/>
               <a:t>Function to stop at errors</a:t>
             </a:r>
-            <a:endParaRPr lang="en-US" dirty="0"/>
           </a:p>
         </p:txBody>
       </p:sp>
@@ -11520,7 +11463,7 @@
           <p:cNvPr id="19" name="Textfeld 18">
             <a:extLst>
               <a:ext uri="{FF2B5EF4-FFF2-40B4-BE49-F238E27FC236}">
-                <a16:creationId xmlns:a16="http://schemas.microsoft.com/office/drawing/2014/main" xmlns="" id="{AF742355-CE0F-4F69-A0C1-2F898F89C3A5}"/>
+                <a16:creationId xmlns:a16="http://schemas.microsoft.com/office/drawing/2014/main" id="{AF742355-CE0F-4F69-A0C1-2F898F89C3A5}"/>
               </a:ext>
             </a:extLst>
           </p:cNvPr>
@@ -11548,15 +11491,15 @@
               <a:buChar char="•"/>
             </a:pPr>
             <a:r>
-              <a:rPr lang="en-US" dirty="0" smtClean="0"/>
+              <a:rPr lang="en-US" dirty="0"/>
               <a:t>Use of a temporary store by using the function </a:t>
             </a:r>
             <a:r>
-              <a:rPr lang="en-US" dirty="0" err="1" smtClean="0"/>
+              <a:rPr lang="en-US" dirty="0" err="1"/>
               <a:t>tempfile</a:t>
             </a:r>
             <a:r>
-              <a:rPr lang="en-US" dirty="0" smtClean="0"/>
+              <a:rPr lang="en-US" dirty="0"/>
               <a:t>() and unzip data selecting only html from there (low use of server resources)</a:t>
             </a:r>
           </a:p>
@@ -11566,10 +11509,9 @@
               <a:buChar char="•"/>
             </a:pPr>
             <a:r>
-              <a:rPr lang="en-US" dirty="0" smtClean="0"/>
+              <a:rPr lang="en-US" dirty="0"/>
               <a:t>Warnings introduced, warnings will be saved separately</a:t>
             </a:r>
-            <a:endParaRPr lang="en-US" dirty="0"/>
           </a:p>
           <a:p>
             <a:pPr marL="285750" indent="-285750">
@@ -11577,18 +11519,17 @@
               <a:buChar char="•"/>
             </a:pPr>
             <a:r>
-              <a:rPr lang="en-US" dirty="0" smtClean="0"/>
+              <a:rPr lang="en-US" dirty="0"/>
               <a:t>Intro of </a:t>
             </a:r>
             <a:r>
-              <a:rPr lang="en-US" dirty="0" err="1" smtClean="0"/>
+              <a:rPr lang="en-US" dirty="0" err="1"/>
               <a:t>tryCatch</a:t>
             </a:r>
             <a:r>
-              <a:rPr lang="en-US" dirty="0" smtClean="0"/>
+              <a:rPr lang="en-US" dirty="0"/>
               <a:t> to keep function running with warnings</a:t>
             </a:r>
-            <a:endParaRPr lang="en-US" dirty="0"/>
           </a:p>
         </p:txBody>
       </p:sp>
@@ -11602,13 +11543,6 @@
   <p:clrMapOvr>
     <a:masterClrMapping/>
   </p:clrMapOvr>
-  <p:timing>
-    <p:tnLst>
-      <p:par>
-        <p:cTn id="1" dur="indefinite" restart="never" nodeType="tmRoot"/>
-      </p:par>
-    </p:tnLst>
-  </p:timing>
 </p:sld>
 </file>
 
@@ -11634,7 +11568,7 @@
           <p:cNvPr id="28" name="Rechteck 27">
             <a:extLst>
               <a:ext uri="{FF2B5EF4-FFF2-40B4-BE49-F238E27FC236}">
-                <a16:creationId xmlns:a16="http://schemas.microsoft.com/office/drawing/2014/main" xmlns="" id="{5663F49A-D805-40FE-AC1B-81ED77571640}"/>
+                <a16:creationId xmlns:a16="http://schemas.microsoft.com/office/drawing/2014/main" id="{5663F49A-D805-40FE-AC1B-81ED77571640}"/>
               </a:ext>
             </a:extLst>
           </p:cNvPr>
@@ -11692,7 +11626,7 @@
           <p:cNvPr id="5" name="Foliennummernplatzhalter 4">
             <a:extLst>
               <a:ext uri="{FF2B5EF4-FFF2-40B4-BE49-F238E27FC236}">
-                <a16:creationId xmlns:a16="http://schemas.microsoft.com/office/drawing/2014/main" xmlns="" id="{99217DC6-63A8-46E5-BFF7-2750383C7113}"/>
+                <a16:creationId xmlns:a16="http://schemas.microsoft.com/office/drawing/2014/main" id="{99217DC6-63A8-46E5-BFF7-2750383C7113}"/>
               </a:ext>
             </a:extLst>
           </p:cNvPr>
@@ -11726,7 +11660,7 @@
           <p:cNvPr id="17" name="Titel 1">
             <a:extLst>
               <a:ext uri="{FF2B5EF4-FFF2-40B4-BE49-F238E27FC236}">
-                <a16:creationId xmlns:a16="http://schemas.microsoft.com/office/drawing/2014/main" xmlns="" id="{2EBD46AD-74A3-41B6-A7F5-704EE709693A}"/>
+                <a16:creationId xmlns:a16="http://schemas.microsoft.com/office/drawing/2014/main" id="{2EBD46AD-74A3-41B6-A7F5-704EE709693A}"/>
               </a:ext>
             </a:extLst>
           </p:cNvPr>
@@ -11784,7 +11718,7 @@
           <p:cNvPr id="2" name="Gruppieren 1">
             <a:extLst>
               <a:ext uri="{FF2B5EF4-FFF2-40B4-BE49-F238E27FC236}">
-                <a16:creationId xmlns:a16="http://schemas.microsoft.com/office/drawing/2014/main" xmlns="" id="{7E998845-B930-4515-A6AA-4B80E506F2E6}"/>
+                <a16:creationId xmlns:a16="http://schemas.microsoft.com/office/drawing/2014/main" id="{7E998845-B930-4515-A6AA-4B80E506F2E6}"/>
               </a:ext>
             </a:extLst>
           </p:cNvPr>
@@ -11804,7 +11738,7 @@
             <p:cNvPr id="46" name="Inhaltsplatzhalter 2">
               <a:extLst>
                 <a:ext uri="{FF2B5EF4-FFF2-40B4-BE49-F238E27FC236}">
-                  <a16:creationId xmlns:a16="http://schemas.microsoft.com/office/drawing/2014/main" xmlns="" id="{0F26518F-0A69-4734-BA87-0B8E3EF94156}"/>
+                  <a16:creationId xmlns:a16="http://schemas.microsoft.com/office/drawing/2014/main" id="{0F26518F-0A69-4734-BA87-0B8E3EF94156}"/>
                 </a:ext>
               </a:extLst>
             </p:cNvPr>
@@ -12025,7 +11959,7 @@
             <p:cNvPr id="67" name="Gerade Verbindung mit Pfeil 66">
               <a:extLst>
                 <a:ext uri="{FF2B5EF4-FFF2-40B4-BE49-F238E27FC236}">
-                  <a16:creationId xmlns:a16="http://schemas.microsoft.com/office/drawing/2014/main" xmlns="" id="{7FAB1279-3954-449A-9809-2898A9D30786}"/>
+                  <a16:creationId xmlns:a16="http://schemas.microsoft.com/office/drawing/2014/main" id="{7FAB1279-3954-449A-9809-2898A9D30786}"/>
                 </a:ext>
               </a:extLst>
             </p:cNvPr>
@@ -12066,7 +12000,7 @@
             <p:cNvPr id="24" name="Inhaltsplatzhalter 2">
               <a:extLst>
                 <a:ext uri="{FF2B5EF4-FFF2-40B4-BE49-F238E27FC236}">
-                  <a16:creationId xmlns:a16="http://schemas.microsoft.com/office/drawing/2014/main" xmlns="" id="{52088609-8CCC-4992-9D44-C791EA8B6B29}"/>
+                  <a16:creationId xmlns:a16="http://schemas.microsoft.com/office/drawing/2014/main" id="{52088609-8CCC-4992-9D44-C791EA8B6B29}"/>
                 </a:ext>
               </a:extLst>
             </p:cNvPr>
@@ -12296,7 +12230,7 @@
             <p:cNvPr id="44" name="Grafik 43" descr="Ordner">
               <a:extLst>
                 <a:ext uri="{FF2B5EF4-FFF2-40B4-BE49-F238E27FC236}">
-                  <a16:creationId xmlns:a16="http://schemas.microsoft.com/office/drawing/2014/main" xmlns="" id="{0572721C-7090-41E2-85A7-6A154A1EDC6E}"/>
+                  <a16:creationId xmlns:a16="http://schemas.microsoft.com/office/drawing/2014/main" id="{0572721C-7090-41E2-85A7-6A154A1EDC6E}"/>
                 </a:ext>
               </a:extLst>
             </p:cNvPr>
@@ -12309,7 +12243,7 @@
             <a:blip r:embed="rId3">
               <a:extLst>
                 <a:ext uri="{96DAC541-7B7A-43D3-8B79-37D633B846F1}">
-                  <asvg:svgBlip xmlns:asvg="http://schemas.microsoft.com/office/drawing/2016/SVG/main" xmlns="" r:embed="rId4"/>
+                  <asvg:svgBlip xmlns:asvg="http://schemas.microsoft.com/office/drawing/2016/SVG/main" r:embed="rId4"/>
                 </a:ext>
               </a:extLst>
             </a:blip>
@@ -12332,7 +12266,7 @@
             <p:cNvPr id="45" name="Textfeld 44">
               <a:extLst>
                 <a:ext uri="{FF2B5EF4-FFF2-40B4-BE49-F238E27FC236}">
-                  <a16:creationId xmlns:a16="http://schemas.microsoft.com/office/drawing/2014/main" xmlns="" id="{87DAFEBD-6AC9-4113-8438-A166156DC539}"/>
+                  <a16:creationId xmlns:a16="http://schemas.microsoft.com/office/drawing/2014/main" id="{87DAFEBD-6AC9-4113-8438-A166156DC539}"/>
                 </a:ext>
               </a:extLst>
             </p:cNvPr>
@@ -12376,7 +12310,7 @@
             <p:cNvPr id="57" name="Gerade Verbindung mit Pfeil 56">
               <a:extLst>
                 <a:ext uri="{FF2B5EF4-FFF2-40B4-BE49-F238E27FC236}">
-                  <a16:creationId xmlns:a16="http://schemas.microsoft.com/office/drawing/2014/main" xmlns="" id="{CA0D2126-51DB-4173-87BE-BAF063EBF92F}"/>
+                  <a16:creationId xmlns:a16="http://schemas.microsoft.com/office/drawing/2014/main" id="{CA0D2126-51DB-4173-87BE-BAF063EBF92F}"/>
                 </a:ext>
               </a:extLst>
             </p:cNvPr>
@@ -12417,7 +12351,7 @@
             <p:cNvPr id="126" name="Gruppieren 125">
               <a:extLst>
                 <a:ext uri="{FF2B5EF4-FFF2-40B4-BE49-F238E27FC236}">
-                  <a16:creationId xmlns:a16="http://schemas.microsoft.com/office/drawing/2014/main" xmlns="" id="{514A1029-992E-4E2E-9A8B-4CDCFC62727A}"/>
+                  <a16:creationId xmlns:a16="http://schemas.microsoft.com/office/drawing/2014/main" id="{514A1029-992E-4E2E-9A8B-4CDCFC62727A}"/>
                 </a:ext>
               </a:extLst>
             </p:cNvPr>
@@ -12437,7 +12371,7 @@
               <p:cNvPr id="97" name="Grafik 96" descr="Tisch">
                 <a:extLst>
                   <a:ext uri="{FF2B5EF4-FFF2-40B4-BE49-F238E27FC236}">
-                    <a16:creationId xmlns:a16="http://schemas.microsoft.com/office/drawing/2014/main" xmlns="" id="{E3ED5455-2ACE-4F80-8660-C9C78942E061}"/>
+                    <a16:creationId xmlns:a16="http://schemas.microsoft.com/office/drawing/2014/main" id="{E3ED5455-2ACE-4F80-8660-C9C78942E061}"/>
                   </a:ext>
                 </a:extLst>
               </p:cNvPr>
@@ -12450,7 +12384,7 @@
               <a:blip r:embed="rId5">
                 <a:extLst>
                   <a:ext uri="{96DAC541-7B7A-43D3-8B79-37D633B846F1}">
-                    <asvg:svgBlip xmlns:asvg="http://schemas.microsoft.com/office/drawing/2016/SVG/main" xmlns="" r:embed="rId6"/>
+                    <asvg:svgBlip xmlns:asvg="http://schemas.microsoft.com/office/drawing/2016/SVG/main" r:embed="rId6"/>
                   </a:ext>
                 </a:extLst>
               </a:blip>
@@ -12473,7 +12407,7 @@
               <p:cNvPr id="105" name="Rechteck 104">
                 <a:extLst>
                   <a:ext uri="{FF2B5EF4-FFF2-40B4-BE49-F238E27FC236}">
-                    <a16:creationId xmlns:a16="http://schemas.microsoft.com/office/drawing/2014/main" xmlns="" id="{82C05C09-9668-4C7B-99B4-6CCD1DF3F8C9}"/>
+                    <a16:creationId xmlns:a16="http://schemas.microsoft.com/office/drawing/2014/main" id="{82C05C09-9668-4C7B-99B4-6CCD1DF3F8C9}"/>
                   </a:ext>
                 </a:extLst>
               </p:cNvPr>
@@ -12530,7 +12464,7 @@
           <p:cNvPr id="149" name="Fußzeilenplatzhalter 4">
             <a:extLst>
               <a:ext uri="{FF2B5EF4-FFF2-40B4-BE49-F238E27FC236}">
-                <a16:creationId xmlns:a16="http://schemas.microsoft.com/office/drawing/2014/main" xmlns="" id="{38AB998A-AAF8-49F0-A239-2D93C7A72A4D}"/>
+                <a16:creationId xmlns:a16="http://schemas.microsoft.com/office/drawing/2014/main" id="{38AB998A-AAF8-49F0-A239-2D93C7A72A4D}"/>
               </a:ext>
             </a:extLst>
           </p:cNvPr>
@@ -12577,7 +12511,7 @@
           <p:cNvPr id="29" name="Grafik 28" descr="Warnung">
             <a:extLst>
               <a:ext uri="{FF2B5EF4-FFF2-40B4-BE49-F238E27FC236}">
-                <a16:creationId xmlns:a16="http://schemas.microsoft.com/office/drawing/2014/main" xmlns="" id="{B282B26C-FBD5-4486-BAD6-EF90B5C4BD47}"/>
+                <a16:creationId xmlns:a16="http://schemas.microsoft.com/office/drawing/2014/main" id="{B282B26C-FBD5-4486-BAD6-EF90B5C4BD47}"/>
               </a:ext>
             </a:extLst>
           </p:cNvPr>
@@ -12590,7 +12524,7 @@
           <a:blip r:embed="rId7">
             <a:extLst>
               <a:ext uri="{96DAC541-7B7A-43D3-8B79-37D633B846F1}">
-                <asvg:svgBlip xmlns:asvg="http://schemas.microsoft.com/office/drawing/2016/SVG/main" xmlns="" r:embed="rId8"/>
+                <asvg:svgBlip xmlns:asvg="http://schemas.microsoft.com/office/drawing/2016/SVG/main" r:embed="rId8"/>
               </a:ext>
             </a:extLst>
           </a:blip>
@@ -12613,7 +12547,7 @@
           <p:cNvPr id="8" name="Textfeld 7">
             <a:extLst>
               <a:ext uri="{FF2B5EF4-FFF2-40B4-BE49-F238E27FC236}">
-                <a16:creationId xmlns:a16="http://schemas.microsoft.com/office/drawing/2014/main" xmlns="" id="{2A285A58-EC11-4467-B051-677815423595}"/>
+                <a16:creationId xmlns:a16="http://schemas.microsoft.com/office/drawing/2014/main" id="{2A285A58-EC11-4467-B051-677815423595}"/>
               </a:ext>
             </a:extLst>
           </p:cNvPr>
@@ -12672,7 +12606,7 @@
           <p:cNvPr id="37" name="Textfeld 36">
             <a:extLst>
               <a:ext uri="{FF2B5EF4-FFF2-40B4-BE49-F238E27FC236}">
-                <a16:creationId xmlns:a16="http://schemas.microsoft.com/office/drawing/2014/main" xmlns="" id="{AF742355-CE0F-4F69-A0C1-2F898F89C3A5}"/>
+                <a16:creationId xmlns:a16="http://schemas.microsoft.com/office/drawing/2014/main" id="{AF742355-CE0F-4F69-A0C1-2F898F89C3A5}"/>
               </a:ext>
             </a:extLst>
           </p:cNvPr>
@@ -12701,7 +12635,7 @@
             </a:pPr>
             <a:r>
               <a:rPr lang="en-US" dirty="0"/>
-              <a:t>Read each html-file, split them into frame and amalgamate them along date and unit</a:t>
+              <a:t>Read each html-file, split them into a frame and amalgamate them along date and unit</a:t>
             </a:r>
             <a:endParaRPr lang="en-US" dirty="0">
               <a:sym typeface="Wingdings" panose="05000000000000000000" pitchFamily="2" charset="2"/>
@@ -12737,7 +12671,7 @@
           <p:cNvPr id="13" name="Grafik 12" descr="Glühlampe">
             <a:extLst>
               <a:ext uri="{FF2B5EF4-FFF2-40B4-BE49-F238E27FC236}">
-                <a16:creationId xmlns:a16="http://schemas.microsoft.com/office/drawing/2014/main" xmlns="" id="{4D085D73-F3C8-441D-AF81-E837128CE47E}"/>
+                <a16:creationId xmlns:a16="http://schemas.microsoft.com/office/drawing/2014/main" id="{4D085D73-F3C8-441D-AF81-E837128CE47E}"/>
               </a:ext>
             </a:extLst>
           </p:cNvPr>
@@ -12750,7 +12684,7 @@
           <a:blip r:embed="rId9">
             <a:extLst>
               <a:ext uri="{96DAC541-7B7A-43D3-8B79-37D633B846F1}">
-                <asvg:svgBlip xmlns:asvg="http://schemas.microsoft.com/office/drawing/2016/SVG/main" xmlns="" r:embed="rId10"/>
+                <asvg:svgBlip xmlns:asvg="http://schemas.microsoft.com/office/drawing/2016/SVG/main" r:embed="rId10"/>
               </a:ext>
             </a:extLst>
           </a:blip>
@@ -12778,13 +12712,6 @@
   <p:clrMapOvr>
     <a:masterClrMapping/>
   </p:clrMapOvr>
-  <p:timing>
-    <p:tnLst>
-      <p:par>
-        <p:cTn id="1" dur="indefinite" restart="never" nodeType="tmRoot"/>
-      </p:par>
-    </p:tnLst>
-  </p:timing>
 </p:sld>
 </file>
 
@@ -12810,7 +12737,7 @@
           <p:cNvPr id="5" name="Foliennummernplatzhalter 4">
             <a:extLst>
               <a:ext uri="{FF2B5EF4-FFF2-40B4-BE49-F238E27FC236}">
-                <a16:creationId xmlns:a16="http://schemas.microsoft.com/office/drawing/2014/main" xmlns="" id="{99217DC6-63A8-46E5-BFF7-2750383C7113}"/>
+                <a16:creationId xmlns:a16="http://schemas.microsoft.com/office/drawing/2014/main" id="{99217DC6-63A8-46E5-BFF7-2750383C7113}"/>
               </a:ext>
             </a:extLst>
           </p:cNvPr>
@@ -12844,7 +12771,7 @@
           <p:cNvPr id="17" name="Titel 1">
             <a:extLst>
               <a:ext uri="{FF2B5EF4-FFF2-40B4-BE49-F238E27FC236}">
-                <a16:creationId xmlns:a16="http://schemas.microsoft.com/office/drawing/2014/main" xmlns="" id="{2EBD46AD-74A3-41B6-A7F5-704EE709693A}"/>
+                <a16:creationId xmlns:a16="http://schemas.microsoft.com/office/drawing/2014/main" id="{2EBD46AD-74A3-41B6-A7F5-704EE709693A}"/>
               </a:ext>
             </a:extLst>
           </p:cNvPr>
@@ -12902,7 +12829,7 @@
           <p:cNvPr id="19" name="Inhaltsplatzhalter 2">
             <a:extLst>
               <a:ext uri="{FF2B5EF4-FFF2-40B4-BE49-F238E27FC236}">
-                <a16:creationId xmlns:a16="http://schemas.microsoft.com/office/drawing/2014/main" xmlns="" id="{FD7E6F18-D74A-4FE7-8CC2-71466EBAC41D}"/>
+                <a16:creationId xmlns:a16="http://schemas.microsoft.com/office/drawing/2014/main" id="{FD7E6F18-D74A-4FE7-8CC2-71466EBAC41D}"/>
               </a:ext>
             </a:extLst>
           </p:cNvPr>
@@ -12937,7 +12864,7 @@
           <p:cNvPr id="9" name="Fußzeilenplatzhalter 4">
             <a:extLst>
               <a:ext uri="{FF2B5EF4-FFF2-40B4-BE49-F238E27FC236}">
-                <a16:creationId xmlns:a16="http://schemas.microsoft.com/office/drawing/2014/main" xmlns="" id="{F10706BB-1C7F-44A5-8A36-CDBB277E3BFC}"/>
+                <a16:creationId xmlns:a16="http://schemas.microsoft.com/office/drawing/2014/main" id="{F10706BB-1C7F-44A5-8A36-CDBB277E3BFC}"/>
               </a:ext>
             </a:extLst>
           </p:cNvPr>
@@ -12984,7 +12911,7 @@
           <p:cNvPr id="2" name="Rechteck 1">
             <a:extLst>
               <a:ext uri="{FF2B5EF4-FFF2-40B4-BE49-F238E27FC236}">
-                <a16:creationId xmlns:a16="http://schemas.microsoft.com/office/drawing/2014/main" xmlns="" id="{0D9E26CA-D519-4955-8920-592179B1FE22}"/>
+                <a16:creationId xmlns:a16="http://schemas.microsoft.com/office/drawing/2014/main" id="{0D9E26CA-D519-4955-8920-592179B1FE22}"/>
               </a:ext>
             </a:extLst>
           </p:cNvPr>
@@ -13039,7 +12966,7 @@
           <p:cNvPr id="11" name="Rechteck 10">
             <a:extLst>
               <a:ext uri="{FF2B5EF4-FFF2-40B4-BE49-F238E27FC236}">
-                <a16:creationId xmlns:a16="http://schemas.microsoft.com/office/drawing/2014/main" xmlns="" id="{8BDAC378-DB7A-4385-B0C5-7A7BB8439380}"/>
+                <a16:creationId xmlns:a16="http://schemas.microsoft.com/office/drawing/2014/main" id="{8BDAC378-DB7A-4385-B0C5-7A7BB8439380}"/>
               </a:ext>
             </a:extLst>
           </p:cNvPr>
@@ -13094,7 +13021,7 @@
           <p:cNvPr id="12" name="Rechteck 11">
             <a:extLst>
               <a:ext uri="{FF2B5EF4-FFF2-40B4-BE49-F238E27FC236}">
-                <a16:creationId xmlns:a16="http://schemas.microsoft.com/office/drawing/2014/main" xmlns="" id="{D2A7043D-6CC0-4509-BAFB-FBAE494991AE}"/>
+                <a16:creationId xmlns:a16="http://schemas.microsoft.com/office/drawing/2014/main" id="{D2A7043D-6CC0-4509-BAFB-FBAE494991AE}"/>
               </a:ext>
             </a:extLst>
           </p:cNvPr>
@@ -13144,7 +13071,7 @@
           <p:cNvPr id="14" name="Rechteck 13">
             <a:extLst>
               <a:ext uri="{FF2B5EF4-FFF2-40B4-BE49-F238E27FC236}">
-                <a16:creationId xmlns:a16="http://schemas.microsoft.com/office/drawing/2014/main" xmlns="" id="{9D4200A3-BD07-4C63-BBF4-6FC25C2340F6}"/>
+                <a16:creationId xmlns:a16="http://schemas.microsoft.com/office/drawing/2014/main" id="{9D4200A3-BD07-4C63-BBF4-6FC25C2340F6}"/>
               </a:ext>
             </a:extLst>
           </p:cNvPr>
@@ -13200,7 +13127,7 @@
           <p:cNvPr id="22" name="Inhaltsplatzhalter 2">
             <a:extLst>
               <a:ext uri="{FF2B5EF4-FFF2-40B4-BE49-F238E27FC236}">
-                <a16:creationId xmlns:a16="http://schemas.microsoft.com/office/drawing/2014/main" xmlns="" id="{25CD8A27-4C42-4C1F-A067-291E1390BB52}"/>
+                <a16:creationId xmlns:a16="http://schemas.microsoft.com/office/drawing/2014/main" id="{25CD8A27-4C42-4C1F-A067-291E1390BB52}"/>
               </a:ext>
             </a:extLst>
           </p:cNvPr>
@@ -13405,7 +13332,7 @@
           <p:cNvPr id="23" name="Inhaltsplatzhalter 2">
             <a:extLst>
               <a:ext uri="{FF2B5EF4-FFF2-40B4-BE49-F238E27FC236}">
-                <a16:creationId xmlns:a16="http://schemas.microsoft.com/office/drawing/2014/main" xmlns="" id="{E10592E1-142D-45E9-AF5D-E791C3243C61}"/>
+                <a16:creationId xmlns:a16="http://schemas.microsoft.com/office/drawing/2014/main" id="{E10592E1-142D-45E9-AF5D-E791C3243C61}"/>
               </a:ext>
             </a:extLst>
           </p:cNvPr>
@@ -13626,7 +13553,7 @@
           <p:cNvPr id="24" name="Inhaltsplatzhalter 2">
             <a:extLst>
               <a:ext uri="{FF2B5EF4-FFF2-40B4-BE49-F238E27FC236}">
-                <a16:creationId xmlns:a16="http://schemas.microsoft.com/office/drawing/2014/main" xmlns="" id="{8A5A35EC-35C3-4EEE-B4CA-689F86337F8B}"/>
+                <a16:creationId xmlns:a16="http://schemas.microsoft.com/office/drawing/2014/main" id="{8A5A35EC-35C3-4EEE-B4CA-689F86337F8B}"/>
               </a:ext>
             </a:extLst>
           </p:cNvPr>
@@ -13825,7 +13752,7 @@
           <p:cNvPr id="25" name="Inhaltsplatzhalter 2">
             <a:extLst>
               <a:ext uri="{FF2B5EF4-FFF2-40B4-BE49-F238E27FC236}">
-                <a16:creationId xmlns:a16="http://schemas.microsoft.com/office/drawing/2014/main" xmlns="" id="{7C37810B-3DFF-4DAC-825E-40F9C0F4BEA9}"/>
+                <a16:creationId xmlns:a16="http://schemas.microsoft.com/office/drawing/2014/main" id="{7C37810B-3DFF-4DAC-825E-40F9C0F4BEA9}"/>
               </a:ext>
             </a:extLst>
           </p:cNvPr>
@@ -14029,13 +13956,6 @@
   <p:clrMapOvr>
     <a:masterClrMapping/>
   </p:clrMapOvr>
-  <p:timing>
-    <p:tnLst>
-      <p:par>
-        <p:cTn id="1" dur="indefinite" restart="never" nodeType="tmRoot"/>
-      </p:par>
-    </p:tnLst>
-  </p:timing>
 </p:sld>
 </file>
 
@@ -14069,7 +13989,7 @@
           <p:cNvPr id="14" name="Bild 4" descr="huO_rgb-mP.png">
             <a:extLst>
               <a:ext uri="{FF2B5EF4-FFF2-40B4-BE49-F238E27FC236}">
-                <a16:creationId xmlns:a16="http://schemas.microsoft.com/office/drawing/2014/main" xmlns="" id="{A6435E84-959B-4004-9D03-91843F9616BF}"/>
+                <a16:creationId xmlns:a16="http://schemas.microsoft.com/office/drawing/2014/main" id="{A6435E84-959B-4004-9D03-91843F9616BF}"/>
               </a:ext>
             </a:extLst>
           </p:cNvPr>
@@ -14129,7 +14049,7 @@
           <p:cNvPr id="16" name="Inhaltsplatzhalter 2">
             <a:extLst>
               <a:ext uri="{FF2B5EF4-FFF2-40B4-BE49-F238E27FC236}">
-                <a16:creationId xmlns:a16="http://schemas.microsoft.com/office/drawing/2014/main" xmlns="" id="{35C0996D-4546-4A4B-BC03-82C9961E32C9}"/>
+                <a16:creationId xmlns:a16="http://schemas.microsoft.com/office/drawing/2014/main" id="{35C0996D-4546-4A4B-BC03-82C9961E32C9}"/>
               </a:ext>
             </a:extLst>
           </p:cNvPr>
@@ -14356,13 +14276,6 @@
   <p:clrMapOvr>
     <a:masterClrMapping/>
   </p:clrMapOvr>
-  <p:timing>
-    <p:tnLst>
-      <p:par>
-        <p:cTn id="1" dur="indefinite" restart="never" nodeType="tmRoot"/>
-      </p:par>
-    </p:tnLst>
-  </p:timing>
 </p:sld>
 </file>
 
@@ -14388,7 +14301,7 @@
           <p:cNvPr id="2" name="Titel 1">
             <a:extLst>
               <a:ext uri="{FF2B5EF4-FFF2-40B4-BE49-F238E27FC236}">
-                <a16:creationId xmlns:a16="http://schemas.microsoft.com/office/drawing/2014/main" xmlns="" id="{C698A611-4E59-4D5D-B67A-DF0F2AF122C5}"/>
+                <a16:creationId xmlns:a16="http://schemas.microsoft.com/office/drawing/2014/main" id="{C698A611-4E59-4D5D-B67A-DF0F2AF122C5}"/>
               </a:ext>
             </a:extLst>
           </p:cNvPr>
@@ -14421,7 +14334,7 @@
           <p:cNvPr id="3" name="Textplatzhalter 2">
             <a:extLst>
               <a:ext uri="{FF2B5EF4-FFF2-40B4-BE49-F238E27FC236}">
-                <a16:creationId xmlns:a16="http://schemas.microsoft.com/office/drawing/2014/main" xmlns="" id="{A6CB220A-5C57-4688-B3BE-933E90D8AD40}"/>
+                <a16:creationId xmlns:a16="http://schemas.microsoft.com/office/drawing/2014/main" id="{A6CB220A-5C57-4688-B3BE-933E90D8AD40}"/>
               </a:ext>
             </a:extLst>
           </p:cNvPr>
@@ -14451,13 +14364,6 @@
   <p:clrMapOvr>
     <a:masterClrMapping/>
   </p:clrMapOvr>
-  <p:timing>
-    <p:tnLst>
-      <p:par>
-        <p:cTn id="1" dur="indefinite" restart="never" nodeType="tmRoot"/>
-      </p:par>
-    </p:tnLst>
-  </p:timing>
 </p:sld>
 </file>
 
@@ -14483,7 +14389,7 @@
           <p:cNvPr id="28" name="Rechteck 27">
             <a:extLst>
               <a:ext uri="{FF2B5EF4-FFF2-40B4-BE49-F238E27FC236}">
-                <a16:creationId xmlns:a16="http://schemas.microsoft.com/office/drawing/2014/main" xmlns="" id="{5663F49A-D805-40FE-AC1B-81ED77571640}"/>
+                <a16:creationId xmlns:a16="http://schemas.microsoft.com/office/drawing/2014/main" id="{5663F49A-D805-40FE-AC1B-81ED77571640}"/>
               </a:ext>
             </a:extLst>
           </p:cNvPr>
@@ -14541,7 +14447,7 @@
           <p:cNvPr id="5" name="Foliennummernplatzhalter 4">
             <a:extLst>
               <a:ext uri="{FF2B5EF4-FFF2-40B4-BE49-F238E27FC236}">
-                <a16:creationId xmlns:a16="http://schemas.microsoft.com/office/drawing/2014/main" xmlns="" id="{99217DC6-63A8-46E5-BFF7-2750383C7113}"/>
+                <a16:creationId xmlns:a16="http://schemas.microsoft.com/office/drawing/2014/main" id="{99217DC6-63A8-46E5-BFF7-2750383C7113}"/>
               </a:ext>
             </a:extLst>
           </p:cNvPr>
@@ -14575,7 +14481,7 @@
           <p:cNvPr id="17" name="Titel 1">
             <a:extLst>
               <a:ext uri="{FF2B5EF4-FFF2-40B4-BE49-F238E27FC236}">
-                <a16:creationId xmlns:a16="http://schemas.microsoft.com/office/drawing/2014/main" xmlns="" id="{2EBD46AD-74A3-41B6-A7F5-704EE709693A}"/>
+                <a16:creationId xmlns:a16="http://schemas.microsoft.com/office/drawing/2014/main" id="{2EBD46AD-74A3-41B6-A7F5-704EE709693A}"/>
               </a:ext>
             </a:extLst>
           </p:cNvPr>
@@ -14633,7 +14539,7 @@
           <p:cNvPr id="2" name="Gruppieren 1">
             <a:extLst>
               <a:ext uri="{FF2B5EF4-FFF2-40B4-BE49-F238E27FC236}">
-                <a16:creationId xmlns:a16="http://schemas.microsoft.com/office/drawing/2014/main" xmlns="" id="{7E998845-B930-4515-A6AA-4B80E506F2E6}"/>
+                <a16:creationId xmlns:a16="http://schemas.microsoft.com/office/drawing/2014/main" id="{7E998845-B930-4515-A6AA-4B80E506F2E6}"/>
               </a:ext>
             </a:extLst>
           </p:cNvPr>
@@ -14653,7 +14559,7 @@
             <p:cNvPr id="46" name="Inhaltsplatzhalter 2">
               <a:extLst>
                 <a:ext uri="{FF2B5EF4-FFF2-40B4-BE49-F238E27FC236}">
-                  <a16:creationId xmlns:a16="http://schemas.microsoft.com/office/drawing/2014/main" xmlns="" id="{0F26518F-0A69-4734-BA87-0B8E3EF94156}"/>
+                  <a16:creationId xmlns:a16="http://schemas.microsoft.com/office/drawing/2014/main" id="{0F26518F-0A69-4734-BA87-0B8E3EF94156}"/>
                 </a:ext>
               </a:extLst>
             </p:cNvPr>
@@ -14874,7 +14780,7 @@
             <p:cNvPr id="67" name="Gerade Verbindung mit Pfeil 66">
               <a:extLst>
                 <a:ext uri="{FF2B5EF4-FFF2-40B4-BE49-F238E27FC236}">
-                  <a16:creationId xmlns:a16="http://schemas.microsoft.com/office/drawing/2014/main" xmlns="" id="{7FAB1279-3954-449A-9809-2898A9D30786}"/>
+                  <a16:creationId xmlns:a16="http://schemas.microsoft.com/office/drawing/2014/main" id="{7FAB1279-3954-449A-9809-2898A9D30786}"/>
                 </a:ext>
               </a:extLst>
             </p:cNvPr>
@@ -14915,7 +14821,7 @@
             <p:cNvPr id="24" name="Inhaltsplatzhalter 2">
               <a:extLst>
                 <a:ext uri="{FF2B5EF4-FFF2-40B4-BE49-F238E27FC236}">
-                  <a16:creationId xmlns:a16="http://schemas.microsoft.com/office/drawing/2014/main" xmlns="" id="{52088609-8CCC-4992-9D44-C791EA8B6B29}"/>
+                  <a16:creationId xmlns:a16="http://schemas.microsoft.com/office/drawing/2014/main" id="{52088609-8CCC-4992-9D44-C791EA8B6B29}"/>
                 </a:ext>
               </a:extLst>
             </p:cNvPr>
@@ -15145,7 +15051,7 @@
             <p:cNvPr id="44" name="Grafik 43" descr="Ordner">
               <a:extLst>
                 <a:ext uri="{FF2B5EF4-FFF2-40B4-BE49-F238E27FC236}">
-                  <a16:creationId xmlns:a16="http://schemas.microsoft.com/office/drawing/2014/main" xmlns="" id="{0572721C-7090-41E2-85A7-6A154A1EDC6E}"/>
+                  <a16:creationId xmlns:a16="http://schemas.microsoft.com/office/drawing/2014/main" id="{0572721C-7090-41E2-85A7-6A154A1EDC6E}"/>
                 </a:ext>
               </a:extLst>
             </p:cNvPr>
@@ -15158,7 +15064,7 @@
             <a:blip r:embed="rId3">
               <a:extLst>
                 <a:ext uri="{96DAC541-7B7A-43D3-8B79-37D633B846F1}">
-                  <asvg:svgBlip xmlns:asvg="http://schemas.microsoft.com/office/drawing/2016/SVG/main" xmlns="" r:embed="rId4"/>
+                  <asvg:svgBlip xmlns:asvg="http://schemas.microsoft.com/office/drawing/2016/SVG/main" r:embed="rId4"/>
                 </a:ext>
               </a:extLst>
             </a:blip>
@@ -15181,7 +15087,7 @@
             <p:cNvPr id="45" name="Textfeld 44">
               <a:extLst>
                 <a:ext uri="{FF2B5EF4-FFF2-40B4-BE49-F238E27FC236}">
-                  <a16:creationId xmlns:a16="http://schemas.microsoft.com/office/drawing/2014/main" xmlns="" id="{87DAFEBD-6AC9-4113-8438-A166156DC539}"/>
+                  <a16:creationId xmlns:a16="http://schemas.microsoft.com/office/drawing/2014/main" id="{87DAFEBD-6AC9-4113-8438-A166156DC539}"/>
                 </a:ext>
               </a:extLst>
             </p:cNvPr>
@@ -15225,7 +15131,7 @@
             <p:cNvPr id="57" name="Gerade Verbindung mit Pfeil 56">
               <a:extLst>
                 <a:ext uri="{FF2B5EF4-FFF2-40B4-BE49-F238E27FC236}">
-                  <a16:creationId xmlns:a16="http://schemas.microsoft.com/office/drawing/2014/main" xmlns="" id="{CA0D2126-51DB-4173-87BE-BAF063EBF92F}"/>
+                  <a16:creationId xmlns:a16="http://schemas.microsoft.com/office/drawing/2014/main" id="{CA0D2126-51DB-4173-87BE-BAF063EBF92F}"/>
                 </a:ext>
               </a:extLst>
             </p:cNvPr>
@@ -15266,7 +15172,7 @@
             <p:cNvPr id="126" name="Gruppieren 125">
               <a:extLst>
                 <a:ext uri="{FF2B5EF4-FFF2-40B4-BE49-F238E27FC236}">
-                  <a16:creationId xmlns:a16="http://schemas.microsoft.com/office/drawing/2014/main" xmlns="" id="{514A1029-992E-4E2E-9A8B-4CDCFC62727A}"/>
+                  <a16:creationId xmlns:a16="http://schemas.microsoft.com/office/drawing/2014/main" id="{514A1029-992E-4E2E-9A8B-4CDCFC62727A}"/>
                 </a:ext>
               </a:extLst>
             </p:cNvPr>
@@ -15286,7 +15192,7 @@
               <p:cNvPr id="97" name="Grafik 96" descr="Tisch">
                 <a:extLst>
                   <a:ext uri="{FF2B5EF4-FFF2-40B4-BE49-F238E27FC236}">
-                    <a16:creationId xmlns:a16="http://schemas.microsoft.com/office/drawing/2014/main" xmlns="" id="{E3ED5455-2ACE-4F80-8660-C9C78942E061}"/>
+                    <a16:creationId xmlns:a16="http://schemas.microsoft.com/office/drawing/2014/main" id="{E3ED5455-2ACE-4F80-8660-C9C78942E061}"/>
                   </a:ext>
                 </a:extLst>
               </p:cNvPr>
@@ -15299,7 +15205,7 @@
               <a:blip r:embed="rId5">
                 <a:extLst>
                   <a:ext uri="{96DAC541-7B7A-43D3-8B79-37D633B846F1}">
-                    <asvg:svgBlip xmlns:asvg="http://schemas.microsoft.com/office/drawing/2016/SVG/main" xmlns="" r:embed="rId6"/>
+                    <asvg:svgBlip xmlns:asvg="http://schemas.microsoft.com/office/drawing/2016/SVG/main" r:embed="rId6"/>
                   </a:ext>
                 </a:extLst>
               </a:blip>
@@ -15322,7 +15228,7 @@
               <p:cNvPr id="105" name="Rechteck 104">
                 <a:extLst>
                   <a:ext uri="{FF2B5EF4-FFF2-40B4-BE49-F238E27FC236}">
-                    <a16:creationId xmlns:a16="http://schemas.microsoft.com/office/drawing/2014/main" xmlns="" id="{82C05C09-9668-4C7B-99B4-6CCD1DF3F8C9}"/>
+                    <a16:creationId xmlns:a16="http://schemas.microsoft.com/office/drawing/2014/main" id="{82C05C09-9668-4C7B-99B4-6CCD1DF3F8C9}"/>
                   </a:ext>
                 </a:extLst>
               </p:cNvPr>
@@ -15379,7 +15285,7 @@
           <p:cNvPr id="149" name="Fußzeilenplatzhalter 4">
             <a:extLst>
               <a:ext uri="{FF2B5EF4-FFF2-40B4-BE49-F238E27FC236}">
-                <a16:creationId xmlns:a16="http://schemas.microsoft.com/office/drawing/2014/main" xmlns="" id="{38AB998A-AAF8-49F0-A239-2D93C7A72A4D}"/>
+                <a16:creationId xmlns:a16="http://schemas.microsoft.com/office/drawing/2014/main" id="{38AB998A-AAF8-49F0-A239-2D93C7A72A4D}"/>
               </a:ext>
             </a:extLst>
           </p:cNvPr>
@@ -15426,7 +15332,7 @@
           <p:cNvPr id="8" name="Textfeld 7">
             <a:extLst>
               <a:ext uri="{FF2B5EF4-FFF2-40B4-BE49-F238E27FC236}">
-                <a16:creationId xmlns:a16="http://schemas.microsoft.com/office/drawing/2014/main" xmlns="" id="{2A285A58-EC11-4467-B051-677815423595}"/>
+                <a16:creationId xmlns:a16="http://schemas.microsoft.com/office/drawing/2014/main" id="{2A285A58-EC11-4467-B051-677815423595}"/>
               </a:ext>
             </a:extLst>
           </p:cNvPr>
@@ -15465,7 +15371,7 @@
           <p:cNvPr id="15" name="Grafik 14">
             <a:extLst>
               <a:ext uri="{FF2B5EF4-FFF2-40B4-BE49-F238E27FC236}">
-                <a16:creationId xmlns:a16="http://schemas.microsoft.com/office/drawing/2014/main" xmlns="" id="{06EA8996-FBBA-495C-BB11-8EDE15CCEDF2}"/>
+                <a16:creationId xmlns:a16="http://schemas.microsoft.com/office/drawing/2014/main" id="{06EA8996-FBBA-495C-BB11-8EDE15CCEDF2}"/>
               </a:ext>
             </a:extLst>
           </p:cNvPr>
@@ -15499,7 +15405,7 @@
           <p:cNvPr id="43" name="Grafik 42">
             <a:extLst>
               <a:ext uri="{FF2B5EF4-FFF2-40B4-BE49-F238E27FC236}">
-                <a16:creationId xmlns:a16="http://schemas.microsoft.com/office/drawing/2014/main" xmlns="" id="{1160426F-0D42-4ED9-AFCF-98EA539EBAD7}"/>
+                <a16:creationId xmlns:a16="http://schemas.microsoft.com/office/drawing/2014/main" id="{1160426F-0D42-4ED9-AFCF-98EA539EBAD7}"/>
               </a:ext>
             </a:extLst>
           </p:cNvPr>
@@ -15534,7 +15440,7 @@
           <p:cNvPr id="51" name="Tabelle 5">
             <a:extLst>
               <a:ext uri="{FF2B5EF4-FFF2-40B4-BE49-F238E27FC236}">
-                <a16:creationId xmlns:a16="http://schemas.microsoft.com/office/drawing/2014/main" xmlns="" id="{D7A352C7-D988-46AE-8440-F5561E606A7E}"/>
+                <a16:creationId xmlns:a16="http://schemas.microsoft.com/office/drawing/2014/main" id="{D7A352C7-D988-46AE-8440-F5561E606A7E}"/>
               </a:ext>
             </a:extLst>
           </p:cNvPr>
@@ -15563,42 +15469,42 @@
                 <a:gridCol w="423962">
                   <a:extLst>
                     <a:ext uri="{9D8B030D-6E8A-4147-A177-3AD203B41FA5}">
-                      <a16:colId xmlns:a16="http://schemas.microsoft.com/office/drawing/2014/main" xmlns="" val="4086400923"/>
+                      <a16:colId xmlns:a16="http://schemas.microsoft.com/office/drawing/2014/main" val="4086400923"/>
                     </a:ext>
                   </a:extLst>
                 </a:gridCol>
                 <a:gridCol w="1610435">
                   <a:extLst>
                     <a:ext uri="{9D8B030D-6E8A-4147-A177-3AD203B41FA5}">
-                      <a16:colId xmlns:a16="http://schemas.microsoft.com/office/drawing/2014/main" xmlns="" val="52315562"/>
+                      <a16:colId xmlns:a16="http://schemas.microsoft.com/office/drawing/2014/main" val="52315562"/>
                     </a:ext>
                   </a:extLst>
                 </a:gridCol>
                 <a:gridCol w="736979">
                   <a:extLst>
                     <a:ext uri="{9D8B030D-6E8A-4147-A177-3AD203B41FA5}">
-                      <a16:colId xmlns:a16="http://schemas.microsoft.com/office/drawing/2014/main" xmlns="" val="2562668695"/>
+                      <a16:colId xmlns:a16="http://schemas.microsoft.com/office/drawing/2014/main" val="2562668695"/>
                     </a:ext>
                   </a:extLst>
                 </a:gridCol>
                 <a:gridCol w="1009935">
                   <a:extLst>
                     <a:ext uri="{9D8B030D-6E8A-4147-A177-3AD203B41FA5}">
-                      <a16:colId xmlns:a16="http://schemas.microsoft.com/office/drawing/2014/main" xmlns="" val="219476301"/>
+                      <a16:colId xmlns:a16="http://schemas.microsoft.com/office/drawing/2014/main" val="219476301"/>
                     </a:ext>
                   </a:extLst>
                 </a:gridCol>
                 <a:gridCol w="1569492">
                   <a:extLst>
                     <a:ext uri="{9D8B030D-6E8A-4147-A177-3AD203B41FA5}">
-                      <a16:colId xmlns:a16="http://schemas.microsoft.com/office/drawing/2014/main" xmlns="" val="1152038913"/>
+                      <a16:colId xmlns:a16="http://schemas.microsoft.com/office/drawing/2014/main" val="1152038913"/>
                     </a:ext>
                   </a:extLst>
                 </a:gridCol>
                 <a:gridCol w="2777199">
                   <a:extLst>
                     <a:ext uri="{9D8B030D-6E8A-4147-A177-3AD203B41FA5}">
-                      <a16:colId xmlns:a16="http://schemas.microsoft.com/office/drawing/2014/main" xmlns="" val="2607541972"/>
+                      <a16:colId xmlns:a16="http://schemas.microsoft.com/office/drawing/2014/main" val="2607541972"/>
                     </a:ext>
                   </a:extLst>
                 </a:gridCol>
@@ -15966,7 +15872,7 @@
                 </a:tc>
                 <a:extLst>
                   <a:ext uri="{0D108BD9-81ED-4DB2-BD59-A6C34878D82A}">
-                    <a16:rowId xmlns:a16="http://schemas.microsoft.com/office/drawing/2014/main" xmlns="" val="2668754666"/>
+                    <a16:rowId xmlns:a16="http://schemas.microsoft.com/office/drawing/2014/main" val="2668754666"/>
                   </a:ext>
                 </a:extLst>
               </a:tr>
@@ -16332,7 +16238,7 @@
                 </a:tc>
                 <a:extLst>
                   <a:ext uri="{0D108BD9-81ED-4DB2-BD59-A6C34878D82A}">
-                    <a16:rowId xmlns:a16="http://schemas.microsoft.com/office/drawing/2014/main" xmlns="" val="3933279782"/>
+                    <a16:rowId xmlns:a16="http://schemas.microsoft.com/office/drawing/2014/main" val="3933279782"/>
                   </a:ext>
                 </a:extLst>
               </a:tr>
@@ -16345,7 +16251,7 @@
           <p:cNvPr id="52" name="Textfeld 51">
             <a:extLst>
               <a:ext uri="{FF2B5EF4-FFF2-40B4-BE49-F238E27FC236}">
-                <a16:creationId xmlns:a16="http://schemas.microsoft.com/office/drawing/2014/main" xmlns="" id="{7EDA76FD-9EEB-466D-8B8E-0C89F7935E36}"/>
+                <a16:creationId xmlns:a16="http://schemas.microsoft.com/office/drawing/2014/main" id="{7EDA76FD-9EEB-466D-8B8E-0C89F7935E36}"/>
               </a:ext>
             </a:extLst>
           </p:cNvPr>
@@ -16374,7 +16280,7 @@
                   <a:schemeClr val="accent2"/>
                 </a:solidFill>
               </a:rPr>
-              <a:t>Each html-file follow a certain structure</a:t>
+              <a:t>Each html-file follows a certain structure</a:t>
             </a:r>
           </a:p>
         </p:txBody>
@@ -16384,7 +16290,7 @@
           <p:cNvPr id="53" name="Textfeld 52">
             <a:extLst>
               <a:ext uri="{FF2B5EF4-FFF2-40B4-BE49-F238E27FC236}">
-                <a16:creationId xmlns:a16="http://schemas.microsoft.com/office/drawing/2014/main" xmlns="" id="{8C172A5C-17ED-4F47-B761-50F94C0DD108}"/>
+                <a16:creationId xmlns:a16="http://schemas.microsoft.com/office/drawing/2014/main" id="{8C172A5C-17ED-4F47-B761-50F94C0DD108}"/>
               </a:ext>
             </a:extLst>
           </p:cNvPr>
@@ -16439,7 +16345,7 @@
           <p:cNvPr id="54" name="Textfeld 53">
             <a:extLst>
               <a:ext uri="{FF2B5EF4-FFF2-40B4-BE49-F238E27FC236}">
-                <a16:creationId xmlns:a16="http://schemas.microsoft.com/office/drawing/2014/main" xmlns="" id="{F10731F7-020B-469F-9601-1512D709B42B}"/>
+                <a16:creationId xmlns:a16="http://schemas.microsoft.com/office/drawing/2014/main" id="{F10731F7-020B-469F-9601-1512D709B42B}"/>
               </a:ext>
             </a:extLst>
           </p:cNvPr>
@@ -16524,7 +16430,7 @@
           <p:cNvPr id="17" name="Titel 1">
             <a:extLst>
               <a:ext uri="{FF2B5EF4-FFF2-40B4-BE49-F238E27FC236}">
-                <a16:creationId xmlns:a16="http://schemas.microsoft.com/office/drawing/2014/main" xmlns="" id="{2EBD46AD-74A3-41B6-A7F5-704EE709693A}"/>
+                <a16:creationId xmlns:a16="http://schemas.microsoft.com/office/drawing/2014/main" id="{2EBD46AD-74A3-41B6-A7F5-704EE709693A}"/>
               </a:ext>
             </a:extLst>
           </p:cNvPr>
@@ -16582,7 +16488,7 @@
           <p:cNvPr id="20" name="Foliennummernplatzhalter 4">
             <a:extLst>
               <a:ext uri="{FF2B5EF4-FFF2-40B4-BE49-F238E27FC236}">
-                <a16:creationId xmlns:a16="http://schemas.microsoft.com/office/drawing/2014/main" xmlns="" id="{C6BBC18E-2DC9-4371-91F5-85FBFBEA87D3}"/>
+                <a16:creationId xmlns:a16="http://schemas.microsoft.com/office/drawing/2014/main" id="{C6BBC18E-2DC9-4371-91F5-85FBFBEA87D3}"/>
               </a:ext>
             </a:extLst>
           </p:cNvPr>
@@ -16616,7 +16522,7 @@
           <p:cNvPr id="21" name="Fußzeilenplatzhalter 4">
             <a:extLst>
               <a:ext uri="{FF2B5EF4-FFF2-40B4-BE49-F238E27FC236}">
-                <a16:creationId xmlns:a16="http://schemas.microsoft.com/office/drawing/2014/main" xmlns="" id="{D061155E-5094-4E60-B698-3213B33D15A0}"/>
+                <a16:creationId xmlns:a16="http://schemas.microsoft.com/office/drawing/2014/main" id="{D061155E-5094-4E60-B698-3213B33D15A0}"/>
               </a:ext>
             </a:extLst>
           </p:cNvPr>
@@ -16663,7 +16569,7 @@
           <p:cNvPr id="31" name="Pfeil: nach rechts 30">
             <a:extLst>
               <a:ext uri="{FF2B5EF4-FFF2-40B4-BE49-F238E27FC236}">
-                <a16:creationId xmlns:a16="http://schemas.microsoft.com/office/drawing/2014/main" xmlns="" id="{2AE91C83-BD37-474A-A380-D3CB5C40E09C}"/>
+                <a16:creationId xmlns:a16="http://schemas.microsoft.com/office/drawing/2014/main" id="{2AE91C83-BD37-474A-A380-D3CB5C40E09C}"/>
               </a:ext>
             </a:extLst>
           </p:cNvPr>
@@ -16709,7 +16615,7 @@
           <p:cNvPr id="47" name="Gruppieren 46">
             <a:extLst>
               <a:ext uri="{FF2B5EF4-FFF2-40B4-BE49-F238E27FC236}">
-                <a16:creationId xmlns:a16="http://schemas.microsoft.com/office/drawing/2014/main" xmlns="" id="{5028FA54-1E23-496A-8298-1AAE2CEFB4B3}"/>
+                <a16:creationId xmlns:a16="http://schemas.microsoft.com/office/drawing/2014/main" id="{5028FA54-1E23-496A-8298-1AAE2CEFB4B3}"/>
               </a:ext>
             </a:extLst>
           </p:cNvPr>
@@ -16729,7 +16635,7 @@
             <p:cNvPr id="33" name="Grafik 32" descr="Ein Bild, das Text, Zeitung enthält.&#10;&#10;Automatisch generierte Beschreibung">
               <a:extLst>
                 <a:ext uri="{FF2B5EF4-FFF2-40B4-BE49-F238E27FC236}">
-                  <a16:creationId xmlns:a16="http://schemas.microsoft.com/office/drawing/2014/main" xmlns="" id="{079C02F9-4274-4B49-BAF3-94FA77854853}"/>
+                  <a16:creationId xmlns:a16="http://schemas.microsoft.com/office/drawing/2014/main" id="{079C02F9-4274-4B49-BAF3-94FA77854853}"/>
                 </a:ext>
               </a:extLst>
             </p:cNvPr>
@@ -16763,7 +16669,7 @@
             <p:cNvPr id="34" name="Rechteck 33">
               <a:extLst>
                 <a:ext uri="{FF2B5EF4-FFF2-40B4-BE49-F238E27FC236}">
-                  <a16:creationId xmlns:a16="http://schemas.microsoft.com/office/drawing/2014/main" xmlns="" id="{4470A44F-58C6-4BEA-B35F-377016EC3199}"/>
+                  <a16:creationId xmlns:a16="http://schemas.microsoft.com/office/drawing/2014/main" id="{4470A44F-58C6-4BEA-B35F-377016EC3199}"/>
                 </a:ext>
               </a:extLst>
             </p:cNvPr>
@@ -16807,7 +16713,7 @@
             <p:cNvPr id="43" name="Rechteck 42">
               <a:extLst>
                 <a:ext uri="{FF2B5EF4-FFF2-40B4-BE49-F238E27FC236}">
-                  <a16:creationId xmlns:a16="http://schemas.microsoft.com/office/drawing/2014/main" xmlns="" id="{BFA74AC2-91FF-4875-A2BF-021ED536338C}"/>
+                  <a16:creationId xmlns:a16="http://schemas.microsoft.com/office/drawing/2014/main" id="{BFA74AC2-91FF-4875-A2BF-021ED536338C}"/>
                 </a:ext>
               </a:extLst>
             </p:cNvPr>
@@ -16862,7 +16768,7 @@
             <p:cNvPr id="44" name="Rechteck 43">
               <a:extLst>
                 <a:ext uri="{FF2B5EF4-FFF2-40B4-BE49-F238E27FC236}">
-                  <a16:creationId xmlns:a16="http://schemas.microsoft.com/office/drawing/2014/main" xmlns="" id="{9F53F852-1E85-4239-B209-CED1E41DBA69}"/>
+                  <a16:creationId xmlns:a16="http://schemas.microsoft.com/office/drawing/2014/main" id="{9F53F852-1E85-4239-B209-CED1E41DBA69}"/>
                 </a:ext>
               </a:extLst>
             </p:cNvPr>
@@ -16917,7 +16823,7 @@
             <p:cNvPr id="45" name="Rechteck 44">
               <a:extLst>
                 <a:ext uri="{FF2B5EF4-FFF2-40B4-BE49-F238E27FC236}">
-                  <a16:creationId xmlns:a16="http://schemas.microsoft.com/office/drawing/2014/main" xmlns="" id="{D824AF27-2085-4CFE-8526-20AA941F8347}"/>
+                  <a16:creationId xmlns:a16="http://schemas.microsoft.com/office/drawing/2014/main" id="{D824AF27-2085-4CFE-8526-20AA941F8347}"/>
                 </a:ext>
               </a:extLst>
             </p:cNvPr>
@@ -16967,7 +16873,7 @@
             <p:cNvPr id="46" name="Rechteck 45">
               <a:extLst>
                 <a:ext uri="{FF2B5EF4-FFF2-40B4-BE49-F238E27FC236}">
-                  <a16:creationId xmlns:a16="http://schemas.microsoft.com/office/drawing/2014/main" xmlns="" id="{DD4BD3E9-D619-4725-826D-46196A6B6222}"/>
+                  <a16:creationId xmlns:a16="http://schemas.microsoft.com/office/drawing/2014/main" id="{DD4BD3E9-D619-4725-826D-46196A6B6222}"/>
                 </a:ext>
               </a:extLst>
             </p:cNvPr>
@@ -17040,7 +16946,7 @@
           <p:cNvPr id="55" name="Gruppieren 54">
             <a:extLst>
               <a:ext uri="{FF2B5EF4-FFF2-40B4-BE49-F238E27FC236}">
-                <a16:creationId xmlns:a16="http://schemas.microsoft.com/office/drawing/2014/main" xmlns="" id="{81C248F1-6A49-4B43-A505-9C87F4BE2091}"/>
+                <a16:creationId xmlns:a16="http://schemas.microsoft.com/office/drawing/2014/main" id="{81C248F1-6A49-4B43-A505-9C87F4BE2091}"/>
               </a:ext>
             </a:extLst>
           </p:cNvPr>
@@ -17060,7 +16966,7 @@
             <p:cNvPr id="9" name="Grafik 8">
               <a:extLst>
                 <a:ext uri="{FF2B5EF4-FFF2-40B4-BE49-F238E27FC236}">
-                  <a16:creationId xmlns:a16="http://schemas.microsoft.com/office/drawing/2014/main" xmlns="" id="{043F74D8-AA15-4253-AAB8-0FF0402364FE}"/>
+                  <a16:creationId xmlns:a16="http://schemas.microsoft.com/office/drawing/2014/main" id="{043F74D8-AA15-4253-AAB8-0FF0402364FE}"/>
                 </a:ext>
               </a:extLst>
             </p:cNvPr>
@@ -17111,7 +17017,7 @@
             <p:cNvPr id="11" name="Textfeld 10">
               <a:extLst>
                 <a:ext uri="{FF2B5EF4-FFF2-40B4-BE49-F238E27FC236}">
-                  <a16:creationId xmlns:a16="http://schemas.microsoft.com/office/drawing/2014/main" xmlns="" id="{3E04B350-D4EB-4B36-A24E-73CEE07893B9}"/>
+                  <a16:creationId xmlns:a16="http://schemas.microsoft.com/office/drawing/2014/main" id="{3E04B350-D4EB-4B36-A24E-73CEE07893B9}"/>
                 </a:ext>
               </a:extLst>
             </p:cNvPr>
@@ -17146,7 +17052,7 @@
             <p:cNvPr id="23" name="Textfeld 22">
               <a:extLst>
                 <a:ext uri="{FF2B5EF4-FFF2-40B4-BE49-F238E27FC236}">
-                  <a16:creationId xmlns:a16="http://schemas.microsoft.com/office/drawing/2014/main" xmlns="" id="{F0A6203A-72C7-49C0-A521-CC95D71B6DCD}"/>
+                  <a16:creationId xmlns:a16="http://schemas.microsoft.com/office/drawing/2014/main" id="{F0A6203A-72C7-49C0-A521-CC95D71B6DCD}"/>
                 </a:ext>
               </a:extLst>
             </p:cNvPr>
@@ -17198,7 +17104,7 @@
             <p:cNvPr id="24" name="Textfeld 23">
               <a:extLst>
                 <a:ext uri="{FF2B5EF4-FFF2-40B4-BE49-F238E27FC236}">
-                  <a16:creationId xmlns:a16="http://schemas.microsoft.com/office/drawing/2014/main" xmlns="" id="{F3E37D8F-32B2-4887-AE73-C978EBE181EE}"/>
+                  <a16:creationId xmlns:a16="http://schemas.microsoft.com/office/drawing/2014/main" id="{F3E37D8F-32B2-4887-AE73-C978EBE181EE}"/>
                 </a:ext>
               </a:extLst>
             </p:cNvPr>
@@ -17246,7 +17152,7 @@
             <p:cNvPr id="26" name="Gerade Verbindung mit Pfeil 25">
               <a:extLst>
                 <a:ext uri="{FF2B5EF4-FFF2-40B4-BE49-F238E27FC236}">
-                  <a16:creationId xmlns:a16="http://schemas.microsoft.com/office/drawing/2014/main" xmlns="" id="{F5D42A88-50F0-4778-AED3-18EB17D11AC0}"/>
+                  <a16:creationId xmlns:a16="http://schemas.microsoft.com/office/drawing/2014/main" id="{F5D42A88-50F0-4778-AED3-18EB17D11AC0}"/>
                 </a:ext>
               </a:extLst>
             </p:cNvPr>
@@ -17285,7 +17191,7 @@
             <p:cNvPr id="28" name="Gerade Verbindung mit Pfeil 27">
               <a:extLst>
                 <a:ext uri="{FF2B5EF4-FFF2-40B4-BE49-F238E27FC236}">
-                  <a16:creationId xmlns:a16="http://schemas.microsoft.com/office/drawing/2014/main" xmlns="" id="{15767095-A73F-43B1-BD45-BE31101B9B21}"/>
+                  <a16:creationId xmlns:a16="http://schemas.microsoft.com/office/drawing/2014/main" id="{15767095-A73F-43B1-BD45-BE31101B9B21}"/>
                 </a:ext>
               </a:extLst>
             </p:cNvPr>
@@ -17326,7 +17232,7 @@
             <p:cNvPr id="48" name="Rechteck 47">
               <a:extLst>
                 <a:ext uri="{FF2B5EF4-FFF2-40B4-BE49-F238E27FC236}">
-                  <a16:creationId xmlns:a16="http://schemas.microsoft.com/office/drawing/2014/main" xmlns="" id="{88C0AD59-8733-4532-A9CA-3B91209C67D4}"/>
+                  <a16:creationId xmlns:a16="http://schemas.microsoft.com/office/drawing/2014/main" id="{88C0AD59-8733-4532-A9CA-3B91209C67D4}"/>
                 </a:ext>
               </a:extLst>
             </p:cNvPr>
@@ -17378,7 +17284,7 @@
             <p:cNvPr id="52" name="Grafik 51" descr="Chat RNL">
               <a:extLst>
                 <a:ext uri="{FF2B5EF4-FFF2-40B4-BE49-F238E27FC236}">
-                  <a16:creationId xmlns:a16="http://schemas.microsoft.com/office/drawing/2014/main" xmlns="" id="{86DEB768-D212-4C0C-A32B-1375872FCAE7}"/>
+                  <a16:creationId xmlns:a16="http://schemas.microsoft.com/office/drawing/2014/main" id="{86DEB768-D212-4C0C-A32B-1375872FCAE7}"/>
                 </a:ext>
               </a:extLst>
             </p:cNvPr>
@@ -17391,7 +17297,7 @@
             <a:blip r:embed="rId6">
               <a:extLst>
                 <a:ext uri="{96DAC541-7B7A-43D3-8B79-37D633B846F1}">
-                  <asvg:svgBlip xmlns:asvg="http://schemas.microsoft.com/office/drawing/2016/SVG/main" xmlns="" r:embed="rId7"/>
+                  <asvg:svgBlip xmlns:asvg="http://schemas.microsoft.com/office/drawing/2016/SVG/main" r:embed="rId7"/>
                 </a:ext>
               </a:extLst>
             </a:blip>
@@ -17414,7 +17320,7 @@
             <p:cNvPr id="50" name="Grafik 49" descr="Chat">
               <a:extLst>
                 <a:ext uri="{FF2B5EF4-FFF2-40B4-BE49-F238E27FC236}">
-                  <a16:creationId xmlns:a16="http://schemas.microsoft.com/office/drawing/2014/main" xmlns="" id="{8AD0F9F7-82F2-4FDF-B1FD-EAFF585C9122}"/>
+                  <a16:creationId xmlns:a16="http://schemas.microsoft.com/office/drawing/2014/main" id="{8AD0F9F7-82F2-4FDF-B1FD-EAFF585C9122}"/>
                 </a:ext>
               </a:extLst>
             </p:cNvPr>
@@ -17427,7 +17333,7 @@
             <a:blip r:embed="rId8">
               <a:extLst>
                 <a:ext uri="{96DAC541-7B7A-43D3-8B79-37D633B846F1}">
-                  <asvg:svgBlip xmlns:asvg="http://schemas.microsoft.com/office/drawing/2016/SVG/main" xmlns="" r:embed="rId9"/>
+                  <asvg:svgBlip xmlns:asvg="http://schemas.microsoft.com/office/drawing/2016/SVG/main" r:embed="rId9"/>
                 </a:ext>
               </a:extLst>
             </a:blip>
@@ -17451,7 +17357,7 @@
           <p:cNvPr id="56" name="Textfeld 55">
             <a:extLst>
               <a:ext uri="{FF2B5EF4-FFF2-40B4-BE49-F238E27FC236}">
-                <a16:creationId xmlns:a16="http://schemas.microsoft.com/office/drawing/2014/main" xmlns="" id="{C007C55E-AA99-4859-ABD9-51E32F705A40}"/>
+                <a16:creationId xmlns:a16="http://schemas.microsoft.com/office/drawing/2014/main" id="{C007C55E-AA99-4859-ABD9-51E32F705A40}"/>
               </a:ext>
             </a:extLst>
           </p:cNvPr>
@@ -17507,69 +17413,27 @@
             </a:pPr>
             <a:r>
               <a:rPr lang="en-US" b="1" dirty="0"/>
-              <a:t>Problem: </a:t>
-            </a:r>
-            <a:r>
-              <a:rPr lang="en-US" b="1" dirty="0" smtClean="0"/>
-              <a:t>	</a:t>
-            </a:r>
-            <a:r>
-              <a:rPr lang="en-US" dirty="0" smtClean="0"/>
-              <a:t>Text </a:t>
+              <a:t>Problem: 	</a:t>
             </a:r>
             <a:r>
               <a:rPr lang="en-US" dirty="0"/>
-              <a:t>is lengthy, administrative language, bulky denomination of laws, etc. </a:t>
-            </a:r>
-            <a:endParaRPr lang="en-US" dirty="0" smtClean="0"/>
+              <a:t>Text is lengthy, administrative language, bulky denomination of laws, etc. </a:t>
+            </a:r>
           </a:p>
           <a:p>
             <a:r>
               <a:rPr lang="en-US" dirty="0">
                 <a:sym typeface="Wingdings" panose="05000000000000000000" pitchFamily="2" charset="2"/>
               </a:rPr>
-              <a:t>		</a:t>
-            </a:r>
-            <a:r>
-              <a:rPr lang="en-US" dirty="0" smtClean="0">
-                <a:sym typeface="Wingdings" panose="05000000000000000000" pitchFamily="2" charset="2"/>
-              </a:rPr>
-              <a:t> </a:t>
-            </a:r>
-            <a:r>
-              <a:rPr lang="en-US" dirty="0">
-                <a:sym typeface="Wingdings" panose="05000000000000000000" pitchFamily="2" charset="2"/>
-              </a:rPr>
-              <a:t>D</a:t>
-            </a:r>
-            <a:r>
-              <a:rPr lang="en-US" dirty="0" smtClean="0">
-                <a:sym typeface="Wingdings" panose="05000000000000000000" pitchFamily="2" charset="2"/>
-              </a:rPr>
-              <a:t>ifficult </a:t>
-            </a:r>
-            <a:r>
-              <a:rPr lang="en-US" dirty="0">
-                <a:sym typeface="Wingdings" panose="05000000000000000000" pitchFamily="2" charset="2"/>
-              </a:rPr>
-              <a:t>to </a:t>
-            </a:r>
-            <a:r>
-              <a:rPr lang="en-US" dirty="0" smtClean="0">
-                <a:sym typeface="Wingdings" panose="05000000000000000000" pitchFamily="2" charset="2"/>
-              </a:rPr>
-              <a:t>access texts of debates via R</a:t>
-            </a:r>
-            <a:endParaRPr lang="en-US" dirty="0" smtClean="0">
-              <a:sym typeface="Wingdings" panose="05000000000000000000" pitchFamily="2" charset="2"/>
-            </a:endParaRPr>
+              <a:t>		 Difficult to access texts of debates via R</a:t>
+            </a:r>
           </a:p>
           <a:p>
             <a:pPr marL="285750" indent="-285750">
               <a:buFont typeface="Arial" panose="020B0604020202020204" pitchFamily="34" charset="0"/>
               <a:buChar char="•"/>
             </a:pPr>
-            <a:endParaRPr lang="en-US" b="1" dirty="0" smtClean="0">
+            <a:endParaRPr lang="en-US" b="1" dirty="0">
               <a:sym typeface="Wingdings" panose="05000000000000000000" pitchFamily="2" charset="2"/>
             </a:endParaRPr>
           </a:p>
@@ -17579,78 +17443,26 @@
               <a:buChar char="•"/>
             </a:pPr>
             <a:r>
-              <a:rPr lang="en-US" b="1" dirty="0" smtClean="0">
-                <a:sym typeface="Wingdings" panose="05000000000000000000" pitchFamily="2" charset="2"/>
-              </a:rPr>
-              <a:t>Idea</a:t>
-            </a:r>
-            <a:r>
               <a:rPr lang="en-US" b="1" dirty="0">
                 <a:sym typeface="Wingdings" panose="05000000000000000000" pitchFamily="2" charset="2"/>
               </a:rPr>
-              <a:t>: </a:t>
-            </a:r>
-            <a:r>
-              <a:rPr lang="en-US" b="1" dirty="0" smtClean="0">
-                <a:sym typeface="Wingdings" panose="05000000000000000000" pitchFamily="2" charset="2"/>
-              </a:rPr>
-              <a:t>		</a:t>
+              <a:t>Idea: 		</a:t>
             </a:r>
             <a:r>
               <a:rPr lang="en-US" dirty="0">
                 <a:sym typeface="Wingdings" panose="05000000000000000000" pitchFamily="2" charset="2"/>
               </a:rPr>
-              <a:t>C</a:t>
-            </a:r>
-            <a:r>
-              <a:rPr lang="en-US" dirty="0" smtClean="0">
-                <a:sym typeface="Wingdings" panose="05000000000000000000" pitchFamily="2" charset="2"/>
-              </a:rPr>
-              <a:t>ontribute </a:t>
+              <a:t>Contribute to the </a:t>
+            </a:r>
+            <a:r>
+              <a:rPr lang="en-US" dirty="0"/>
+              <a:t>accessibility of congressional debates and to the open science 			community </a:t>
             </a:r>
             <a:r>
               <a:rPr lang="en-US" dirty="0">
                 <a:sym typeface="Wingdings" panose="05000000000000000000" pitchFamily="2" charset="2"/>
               </a:rPr>
-              <a:t>to the </a:t>
-            </a:r>
-            <a:r>
-              <a:rPr lang="en-US" dirty="0"/>
-              <a:t>accessibility of congressional debates and to the open science </a:t>
-            </a:r>
-            <a:r>
-              <a:rPr lang="en-US" dirty="0" smtClean="0"/>
-              <a:t>			community </a:t>
-            </a:r>
-            <a:r>
-              <a:rPr lang="en-US" dirty="0">
-                <a:sym typeface="Wingdings" panose="05000000000000000000" pitchFamily="2" charset="2"/>
-              </a:rPr>
-              <a:t>by scraping, </a:t>
-            </a:r>
-            <a:r>
-              <a:rPr lang="en-US" dirty="0">
-                <a:sym typeface="Wingdings" panose="05000000000000000000" pitchFamily="2" charset="2"/>
-              </a:rPr>
-              <a:t>and tidying (and </a:t>
-            </a:r>
-            <a:r>
-              <a:rPr lang="en-US" dirty="0" smtClean="0">
-                <a:sym typeface="Wingdings" panose="05000000000000000000" pitchFamily="2" charset="2"/>
-              </a:rPr>
-              <a:t>visualizing) </a:t>
-            </a:r>
-            <a:r>
-              <a:rPr lang="en-US" dirty="0" smtClean="0">
-                <a:sym typeface="Wingdings" panose="05000000000000000000" pitchFamily="2" charset="2"/>
-              </a:rPr>
-              <a:t>daily </a:t>
-            </a:r>
-            <a:r>
-              <a:rPr lang="en-US" dirty="0">
-                <a:sym typeface="Wingdings" panose="05000000000000000000" pitchFamily="2" charset="2"/>
-              </a:rPr>
-              <a:t>records</a:t>
+              <a:t>by scraping, and tidying (and visualizing) daily records</a:t>
             </a:r>
           </a:p>
         </p:txBody>
@@ -17665,13 +17477,6 @@
   <p:clrMapOvr>
     <a:masterClrMapping/>
   </p:clrMapOvr>
-  <p:timing>
-    <p:tnLst>
-      <p:par>
-        <p:cTn id="1" dur="indefinite" restart="never" nodeType="tmRoot"/>
-      </p:par>
-    </p:tnLst>
-  </p:timing>
 </p:sld>
 </file>
 
@@ -17697,7 +17502,7 @@
           <p:cNvPr id="5" name="Foliennummernplatzhalter 4">
             <a:extLst>
               <a:ext uri="{FF2B5EF4-FFF2-40B4-BE49-F238E27FC236}">
-                <a16:creationId xmlns:a16="http://schemas.microsoft.com/office/drawing/2014/main" xmlns="" id="{99217DC6-63A8-46E5-BFF7-2750383C7113}"/>
+                <a16:creationId xmlns:a16="http://schemas.microsoft.com/office/drawing/2014/main" id="{99217DC6-63A8-46E5-BFF7-2750383C7113}"/>
               </a:ext>
             </a:extLst>
           </p:cNvPr>
@@ -17731,7 +17536,7 @@
           <p:cNvPr id="17" name="Titel 1">
             <a:extLst>
               <a:ext uri="{FF2B5EF4-FFF2-40B4-BE49-F238E27FC236}">
-                <a16:creationId xmlns:a16="http://schemas.microsoft.com/office/drawing/2014/main" xmlns="" id="{2EBD46AD-74A3-41B6-A7F5-704EE709693A}"/>
+                <a16:creationId xmlns:a16="http://schemas.microsoft.com/office/drawing/2014/main" id="{2EBD46AD-74A3-41B6-A7F5-704EE709693A}"/>
               </a:ext>
             </a:extLst>
           </p:cNvPr>
@@ -17789,7 +17594,7 @@
           <p:cNvPr id="19" name="Inhaltsplatzhalter 2">
             <a:extLst>
               <a:ext uri="{FF2B5EF4-FFF2-40B4-BE49-F238E27FC236}">
-                <a16:creationId xmlns:a16="http://schemas.microsoft.com/office/drawing/2014/main" xmlns="" id="{FD7E6F18-D74A-4FE7-8CC2-71466EBAC41D}"/>
+                <a16:creationId xmlns:a16="http://schemas.microsoft.com/office/drawing/2014/main" id="{FD7E6F18-D74A-4FE7-8CC2-71466EBAC41D}"/>
               </a:ext>
             </a:extLst>
           </p:cNvPr>
@@ -17824,7 +17629,7 @@
           <p:cNvPr id="9" name="Fußzeilenplatzhalter 4">
             <a:extLst>
               <a:ext uri="{FF2B5EF4-FFF2-40B4-BE49-F238E27FC236}">
-                <a16:creationId xmlns:a16="http://schemas.microsoft.com/office/drawing/2014/main" xmlns="" id="{B345DB79-866F-470F-A020-38A82E790402}"/>
+                <a16:creationId xmlns:a16="http://schemas.microsoft.com/office/drawing/2014/main" id="{B345DB79-866F-470F-A020-38A82E790402}"/>
               </a:ext>
             </a:extLst>
           </p:cNvPr>
@@ -17901,7 +17706,7 @@
           <p:cNvPr id="5" name="Foliennummernplatzhalter 4">
             <a:extLst>
               <a:ext uri="{FF2B5EF4-FFF2-40B4-BE49-F238E27FC236}">
-                <a16:creationId xmlns:a16="http://schemas.microsoft.com/office/drawing/2014/main" xmlns="" id="{99217DC6-63A8-46E5-BFF7-2750383C7113}"/>
+                <a16:creationId xmlns:a16="http://schemas.microsoft.com/office/drawing/2014/main" id="{99217DC6-63A8-46E5-BFF7-2750383C7113}"/>
               </a:ext>
             </a:extLst>
           </p:cNvPr>
@@ -17935,7 +17740,7 @@
           <p:cNvPr id="17" name="Titel 1">
             <a:extLst>
               <a:ext uri="{FF2B5EF4-FFF2-40B4-BE49-F238E27FC236}">
-                <a16:creationId xmlns:a16="http://schemas.microsoft.com/office/drawing/2014/main" xmlns="" id="{2EBD46AD-74A3-41B6-A7F5-704EE709693A}"/>
+                <a16:creationId xmlns:a16="http://schemas.microsoft.com/office/drawing/2014/main" id="{2EBD46AD-74A3-41B6-A7F5-704EE709693A}"/>
               </a:ext>
             </a:extLst>
           </p:cNvPr>
@@ -17993,7 +17798,7 @@
           <p:cNvPr id="19" name="Inhaltsplatzhalter 2">
             <a:extLst>
               <a:ext uri="{FF2B5EF4-FFF2-40B4-BE49-F238E27FC236}">
-                <a16:creationId xmlns:a16="http://schemas.microsoft.com/office/drawing/2014/main" xmlns="" id="{FD7E6F18-D74A-4FE7-8CC2-71466EBAC41D}"/>
+                <a16:creationId xmlns:a16="http://schemas.microsoft.com/office/drawing/2014/main" id="{FD7E6F18-D74A-4FE7-8CC2-71466EBAC41D}"/>
               </a:ext>
             </a:extLst>
           </p:cNvPr>
@@ -18055,7 +17860,7 @@
           <p:cNvPr id="9" name="Fußzeilenplatzhalter 4">
             <a:extLst>
               <a:ext uri="{FF2B5EF4-FFF2-40B4-BE49-F238E27FC236}">
-                <a16:creationId xmlns:a16="http://schemas.microsoft.com/office/drawing/2014/main" xmlns="" id="{23D9C101-DEEE-48AF-943F-A19A0851F7F1}"/>
+                <a16:creationId xmlns:a16="http://schemas.microsoft.com/office/drawing/2014/main" id="{23D9C101-DEEE-48AF-943F-A19A0851F7F1}"/>
               </a:ext>
             </a:extLst>
           </p:cNvPr>
@@ -18132,7 +17937,7 @@
           <p:cNvPr id="6" name="Titel 1">
             <a:extLst>
               <a:ext uri="{FF2B5EF4-FFF2-40B4-BE49-F238E27FC236}">
-                <a16:creationId xmlns:a16="http://schemas.microsoft.com/office/drawing/2014/main" xmlns="" id="{BA1EDD0E-46AA-4A32-98A0-F40610BB1221}"/>
+                <a16:creationId xmlns:a16="http://schemas.microsoft.com/office/drawing/2014/main" id="{BA1EDD0E-46AA-4A32-98A0-F40610BB1221}"/>
               </a:ext>
             </a:extLst>
           </p:cNvPr>
@@ -18190,7 +17995,7 @@
           <p:cNvPr id="7" name="Textfeld 6">
             <a:extLst>
               <a:ext uri="{FF2B5EF4-FFF2-40B4-BE49-F238E27FC236}">
-                <a16:creationId xmlns:a16="http://schemas.microsoft.com/office/drawing/2014/main" xmlns="" id="{CC3F66DD-589E-4203-B4CE-EF6CEF0CB976}"/>
+                <a16:creationId xmlns:a16="http://schemas.microsoft.com/office/drawing/2014/main" id="{CC3F66DD-589E-4203-B4CE-EF6CEF0CB976}"/>
               </a:ext>
             </a:extLst>
           </p:cNvPr>
@@ -18324,8 +18129,8 @@
           </a:p>
           <a:p>
             <a:pPr marL="285750" indent="-285750">
-              <a:buFont typeface="Wingdings" panose="05000000000000000000" pitchFamily="2" charset="2"/>
-              <a:buChar char="à"/>
+              <a:buFont typeface="Arial" panose="020B0604020202020204" pitchFamily="34" charset="0"/>
+              <a:buChar char="•"/>
             </a:pPr>
             <a:r>
               <a:rPr lang="en-US" dirty="0">
@@ -18341,8 +18146,8 @@
           </a:p>
           <a:p>
             <a:pPr marL="285750" indent="-285750">
-              <a:buFont typeface="Wingdings" panose="05000000000000000000" pitchFamily="2" charset="2"/>
-              <a:buChar char="à"/>
+              <a:buFont typeface="Arial" panose="020B0604020202020204" pitchFamily="34" charset="0"/>
+              <a:buChar char="•"/>
             </a:pPr>
             <a:r>
               <a:rPr lang="en-US" dirty="0">
@@ -18394,7 +18199,7 @@
           <p:cNvPr id="10" name="Tabelle 10">
             <a:extLst>
               <a:ext uri="{FF2B5EF4-FFF2-40B4-BE49-F238E27FC236}">
-                <a16:creationId xmlns:a16="http://schemas.microsoft.com/office/drawing/2014/main" xmlns="" id="{51CD9A42-E94E-4600-B2F3-87ED14CD5834}"/>
+                <a16:creationId xmlns:a16="http://schemas.microsoft.com/office/drawing/2014/main" id="{51CD9A42-E94E-4600-B2F3-87ED14CD5834}"/>
               </a:ext>
             </a:extLst>
           </p:cNvPr>
@@ -18423,21 +18228,21 @@
                 <a:gridCol w="967101">
                   <a:extLst>
                     <a:ext uri="{9D8B030D-6E8A-4147-A177-3AD203B41FA5}">
-                      <a16:colId xmlns:a16="http://schemas.microsoft.com/office/drawing/2014/main" xmlns="" val="2597567428"/>
+                      <a16:colId xmlns:a16="http://schemas.microsoft.com/office/drawing/2014/main" val="2597567428"/>
                     </a:ext>
                   </a:extLst>
                 </a:gridCol>
                 <a:gridCol w="4449170">
                   <a:extLst>
                     <a:ext uri="{9D8B030D-6E8A-4147-A177-3AD203B41FA5}">
-                      <a16:colId xmlns:a16="http://schemas.microsoft.com/office/drawing/2014/main" xmlns="" val="1025539952"/>
+                      <a16:colId xmlns:a16="http://schemas.microsoft.com/office/drawing/2014/main" val="1025539952"/>
                     </a:ext>
                   </a:extLst>
                 </a:gridCol>
                 <a:gridCol w="4940314">
                   <a:extLst>
                     <a:ext uri="{9D8B030D-6E8A-4147-A177-3AD203B41FA5}">
-                      <a16:colId xmlns:a16="http://schemas.microsoft.com/office/drawing/2014/main" xmlns="" val="314499045"/>
+                      <a16:colId xmlns:a16="http://schemas.microsoft.com/office/drawing/2014/main" val="314499045"/>
                     </a:ext>
                   </a:extLst>
                 </a:gridCol>
@@ -18650,7 +18455,7 @@
                 </a:tc>
                 <a:extLst>
                   <a:ext uri="{0D108BD9-81ED-4DB2-BD59-A6C34878D82A}">
-                    <a16:rowId xmlns:a16="http://schemas.microsoft.com/office/drawing/2014/main" xmlns="" val="3457716615"/>
+                    <a16:rowId xmlns:a16="http://schemas.microsoft.com/office/drawing/2014/main" val="3457716615"/>
                   </a:ext>
                 </a:extLst>
               </a:tr>
@@ -18849,7 +18654,7 @@
                 </a:tc>
                 <a:extLst>
                   <a:ext uri="{0D108BD9-81ED-4DB2-BD59-A6C34878D82A}">
-                    <a16:rowId xmlns:a16="http://schemas.microsoft.com/office/drawing/2014/main" xmlns="" val="296185072"/>
+                    <a16:rowId xmlns:a16="http://schemas.microsoft.com/office/drawing/2014/main" val="296185072"/>
                   </a:ext>
                 </a:extLst>
               </a:tr>
@@ -19003,7 +18808,7 @@
                 </a:tc>
                 <a:extLst>
                   <a:ext uri="{0D108BD9-81ED-4DB2-BD59-A6C34878D82A}">
-                    <a16:rowId xmlns:a16="http://schemas.microsoft.com/office/drawing/2014/main" xmlns="" val="2915069498"/>
+                    <a16:rowId xmlns:a16="http://schemas.microsoft.com/office/drawing/2014/main" val="2915069498"/>
                   </a:ext>
                 </a:extLst>
               </a:tr>
@@ -19203,7 +19008,7 @@
                 </a:tc>
                 <a:extLst>
                   <a:ext uri="{0D108BD9-81ED-4DB2-BD59-A6C34878D82A}">
-                    <a16:rowId xmlns:a16="http://schemas.microsoft.com/office/drawing/2014/main" xmlns="" val="2868224674"/>
+                    <a16:rowId xmlns:a16="http://schemas.microsoft.com/office/drawing/2014/main" val="2868224674"/>
                   </a:ext>
                 </a:extLst>
               </a:tr>
@@ -19363,7 +19168,7 @@
                 </a:tc>
                 <a:extLst>
                   <a:ext uri="{0D108BD9-81ED-4DB2-BD59-A6C34878D82A}">
-                    <a16:rowId xmlns:a16="http://schemas.microsoft.com/office/drawing/2014/main" xmlns="" val="3050668472"/>
+                    <a16:rowId xmlns:a16="http://schemas.microsoft.com/office/drawing/2014/main" val="3050668472"/>
                   </a:ext>
                 </a:extLst>
               </a:tr>
@@ -19505,7 +19310,7 @@
                 </a:tc>
                 <a:extLst>
                   <a:ext uri="{0D108BD9-81ED-4DB2-BD59-A6C34878D82A}">
-                    <a16:rowId xmlns:a16="http://schemas.microsoft.com/office/drawing/2014/main" xmlns="" val="621295759"/>
+                    <a16:rowId xmlns:a16="http://schemas.microsoft.com/office/drawing/2014/main" val="621295759"/>
                   </a:ext>
                 </a:extLst>
               </a:tr>
@@ -19523,13 +19328,6 @@
   <p:clrMapOvr>
     <a:masterClrMapping/>
   </p:clrMapOvr>
-  <p:timing>
-    <p:tnLst>
-      <p:par>
-        <p:cTn id="1" dur="indefinite" restart="never" nodeType="tmRoot"/>
-      </p:par>
-    </p:tnLst>
-  </p:timing>
 </p:sld>
 </file>
 
@@ -19555,7 +19353,7 @@
           <p:cNvPr id="9" name="Inhaltsplatzhalter 2">
             <a:extLst>
               <a:ext uri="{FF2B5EF4-FFF2-40B4-BE49-F238E27FC236}">
-                <a16:creationId xmlns:a16="http://schemas.microsoft.com/office/drawing/2014/main" xmlns="" id="{74153CEA-CD58-4C65-AE0B-36B253E09D47}"/>
+                <a16:creationId xmlns:a16="http://schemas.microsoft.com/office/drawing/2014/main" id="{74153CEA-CD58-4C65-AE0B-36B253E09D47}"/>
               </a:ext>
             </a:extLst>
           </p:cNvPr>
@@ -20069,7 +19867,7 @@
           <p:cNvPr id="46" name="Inhaltsplatzhalter 2">
             <a:extLst>
               <a:ext uri="{FF2B5EF4-FFF2-40B4-BE49-F238E27FC236}">
-                <a16:creationId xmlns:a16="http://schemas.microsoft.com/office/drawing/2014/main" xmlns="" id="{0F26518F-0A69-4734-BA87-0B8E3EF94156}"/>
+                <a16:creationId xmlns:a16="http://schemas.microsoft.com/office/drawing/2014/main" id="{0F26518F-0A69-4734-BA87-0B8E3EF94156}"/>
               </a:ext>
             </a:extLst>
           </p:cNvPr>
@@ -20290,7 +20088,7 @@
           <p:cNvPr id="67" name="Gerade Verbindung mit Pfeil 66">
             <a:extLst>
               <a:ext uri="{FF2B5EF4-FFF2-40B4-BE49-F238E27FC236}">
-                <a16:creationId xmlns:a16="http://schemas.microsoft.com/office/drawing/2014/main" xmlns="" id="{7FAB1279-3954-449A-9809-2898A9D30786}"/>
+                <a16:creationId xmlns:a16="http://schemas.microsoft.com/office/drawing/2014/main" id="{7FAB1279-3954-449A-9809-2898A9D30786}"/>
               </a:ext>
             </a:extLst>
           </p:cNvPr>
@@ -20331,7 +20129,7 @@
           <p:cNvPr id="32" name="Inhaltsplatzhalter 2">
             <a:extLst>
               <a:ext uri="{FF2B5EF4-FFF2-40B4-BE49-F238E27FC236}">
-                <a16:creationId xmlns:a16="http://schemas.microsoft.com/office/drawing/2014/main" xmlns="" id="{B73C8442-401C-4ED8-A3D6-C2C0FB12E87F}"/>
+                <a16:creationId xmlns:a16="http://schemas.microsoft.com/office/drawing/2014/main" id="{B73C8442-401C-4ED8-A3D6-C2C0FB12E87F}"/>
               </a:ext>
             </a:extLst>
           </p:cNvPr>
@@ -20552,7 +20350,7 @@
           <p:cNvPr id="5" name="Foliennummernplatzhalter 4">
             <a:extLst>
               <a:ext uri="{FF2B5EF4-FFF2-40B4-BE49-F238E27FC236}">
-                <a16:creationId xmlns:a16="http://schemas.microsoft.com/office/drawing/2014/main" xmlns="" id="{99217DC6-63A8-46E5-BFF7-2750383C7113}"/>
+                <a16:creationId xmlns:a16="http://schemas.microsoft.com/office/drawing/2014/main" id="{99217DC6-63A8-46E5-BFF7-2750383C7113}"/>
               </a:ext>
             </a:extLst>
           </p:cNvPr>
@@ -20586,7 +20384,7 @@
           <p:cNvPr id="17" name="Titel 1">
             <a:extLst>
               <a:ext uri="{FF2B5EF4-FFF2-40B4-BE49-F238E27FC236}">
-                <a16:creationId xmlns:a16="http://schemas.microsoft.com/office/drawing/2014/main" xmlns="" id="{2EBD46AD-74A3-41B6-A7F5-704EE709693A}"/>
+                <a16:creationId xmlns:a16="http://schemas.microsoft.com/office/drawing/2014/main" id="{2EBD46AD-74A3-41B6-A7F5-704EE709693A}"/>
               </a:ext>
             </a:extLst>
           </p:cNvPr>
@@ -20656,7 +20454,7 @@
           <p:cNvPr id="19" name="Inhaltsplatzhalter 2">
             <a:extLst>
               <a:ext uri="{FF2B5EF4-FFF2-40B4-BE49-F238E27FC236}">
-                <a16:creationId xmlns:a16="http://schemas.microsoft.com/office/drawing/2014/main" xmlns="" id="{FD7E6F18-D74A-4FE7-8CC2-71466EBAC41D}"/>
+                <a16:creationId xmlns:a16="http://schemas.microsoft.com/office/drawing/2014/main" id="{FD7E6F18-D74A-4FE7-8CC2-71466EBAC41D}"/>
               </a:ext>
             </a:extLst>
           </p:cNvPr>
@@ -20733,7 +20531,7 @@
           <p:cNvPr id="23" name="Inhaltsplatzhalter 2">
             <a:extLst>
               <a:ext uri="{FF2B5EF4-FFF2-40B4-BE49-F238E27FC236}">
-                <a16:creationId xmlns:a16="http://schemas.microsoft.com/office/drawing/2014/main" xmlns="" id="{C7B407AD-B5BE-4C2C-8B9E-4E0DEC4B2C44}"/>
+                <a16:creationId xmlns:a16="http://schemas.microsoft.com/office/drawing/2014/main" id="{C7B407AD-B5BE-4C2C-8B9E-4E0DEC4B2C44}"/>
               </a:ext>
             </a:extLst>
           </p:cNvPr>
@@ -20963,7 +20761,7 @@
           <p:cNvPr id="24" name="Inhaltsplatzhalter 2">
             <a:extLst>
               <a:ext uri="{FF2B5EF4-FFF2-40B4-BE49-F238E27FC236}">
-                <a16:creationId xmlns:a16="http://schemas.microsoft.com/office/drawing/2014/main" xmlns="" id="{52088609-8CCC-4992-9D44-C791EA8B6B29}"/>
+                <a16:creationId xmlns:a16="http://schemas.microsoft.com/office/drawing/2014/main" id="{52088609-8CCC-4992-9D44-C791EA8B6B29}"/>
               </a:ext>
             </a:extLst>
           </p:cNvPr>
@@ -21193,7 +20991,7 @@
           <p:cNvPr id="159" name="Gruppieren 158">
             <a:extLst>
               <a:ext uri="{FF2B5EF4-FFF2-40B4-BE49-F238E27FC236}">
-                <a16:creationId xmlns:a16="http://schemas.microsoft.com/office/drawing/2014/main" xmlns="" id="{9E2CBC46-D3CB-40CA-B81B-E01C3443590B}"/>
+                <a16:creationId xmlns:a16="http://schemas.microsoft.com/office/drawing/2014/main" id="{9E2CBC46-D3CB-40CA-B81B-E01C3443590B}"/>
               </a:ext>
             </a:extLst>
           </p:cNvPr>
@@ -21213,7 +21011,7 @@
             <p:cNvPr id="11" name="Grafik 10" descr="Benutzer">
               <a:extLst>
                 <a:ext uri="{FF2B5EF4-FFF2-40B4-BE49-F238E27FC236}">
-                  <a16:creationId xmlns:a16="http://schemas.microsoft.com/office/drawing/2014/main" xmlns="" id="{37DEE98E-5373-46D4-8469-D0E669BB5878}"/>
+                  <a16:creationId xmlns:a16="http://schemas.microsoft.com/office/drawing/2014/main" id="{37DEE98E-5373-46D4-8469-D0E669BB5878}"/>
                 </a:ext>
               </a:extLst>
             </p:cNvPr>
@@ -21226,7 +21024,7 @@
             <a:blip r:embed="rId3">
               <a:extLst>
                 <a:ext uri="{96DAC541-7B7A-43D3-8B79-37D633B846F1}">
-                  <asvg:svgBlip xmlns:asvg="http://schemas.microsoft.com/office/drawing/2016/SVG/main" xmlns="" r:embed="rId4"/>
+                  <asvg:svgBlip xmlns:asvg="http://schemas.microsoft.com/office/drawing/2016/SVG/main" r:embed="rId4"/>
                 </a:ext>
               </a:extLst>
             </a:blip>
@@ -21249,7 +21047,7 @@
             <p:cNvPr id="12" name="Textfeld 11">
               <a:extLst>
                 <a:ext uri="{FF2B5EF4-FFF2-40B4-BE49-F238E27FC236}">
-                  <a16:creationId xmlns:a16="http://schemas.microsoft.com/office/drawing/2014/main" xmlns="" id="{EF8DE412-BDF1-4F66-8D0E-984408D4DC8C}"/>
+                  <a16:creationId xmlns:a16="http://schemas.microsoft.com/office/drawing/2014/main" id="{EF8DE412-BDF1-4F66-8D0E-984408D4DC8C}"/>
                 </a:ext>
               </a:extLst>
             </p:cNvPr>
@@ -21294,7 +21092,7 @@
           <p:cNvPr id="25" name="Gerade Verbindung mit Pfeil 24">
             <a:extLst>
               <a:ext uri="{FF2B5EF4-FFF2-40B4-BE49-F238E27FC236}">
-                <a16:creationId xmlns:a16="http://schemas.microsoft.com/office/drawing/2014/main" xmlns="" id="{64B5C3DB-49DC-44FA-9A41-2D16B67F6038}"/>
+                <a16:creationId xmlns:a16="http://schemas.microsoft.com/office/drawing/2014/main" id="{64B5C3DB-49DC-44FA-9A41-2D16B67F6038}"/>
               </a:ext>
             </a:extLst>
           </p:cNvPr>
@@ -21335,7 +21133,7 @@
           <p:cNvPr id="34" name="Grafik 33" descr="Welt">
             <a:extLst>
               <a:ext uri="{FF2B5EF4-FFF2-40B4-BE49-F238E27FC236}">
-                <a16:creationId xmlns:a16="http://schemas.microsoft.com/office/drawing/2014/main" xmlns="" id="{A800AC59-CAC0-4D27-BCC0-D36A2C0AF209}"/>
+                <a16:creationId xmlns:a16="http://schemas.microsoft.com/office/drawing/2014/main" id="{A800AC59-CAC0-4D27-BCC0-D36A2C0AF209}"/>
               </a:ext>
             </a:extLst>
           </p:cNvPr>
@@ -21348,7 +21146,7 @@
           <a:blip r:embed="rId5">
             <a:extLst>
               <a:ext uri="{96DAC541-7B7A-43D3-8B79-37D633B846F1}">
-                <asvg:svgBlip xmlns:asvg="http://schemas.microsoft.com/office/drawing/2016/SVG/main" xmlns="" r:embed="rId6"/>
+                <asvg:svgBlip xmlns:asvg="http://schemas.microsoft.com/office/drawing/2016/SVG/main" r:embed="rId6"/>
               </a:ext>
             </a:extLst>
           </a:blip>
@@ -21371,7 +21169,7 @@
           <p:cNvPr id="36" name="Gerade Verbindung mit Pfeil 35">
             <a:extLst>
               <a:ext uri="{FF2B5EF4-FFF2-40B4-BE49-F238E27FC236}">
-                <a16:creationId xmlns:a16="http://schemas.microsoft.com/office/drawing/2014/main" xmlns="" id="{14165FCC-2898-4EA5-8418-E16DE419162D}"/>
+                <a16:creationId xmlns:a16="http://schemas.microsoft.com/office/drawing/2014/main" id="{14165FCC-2898-4EA5-8418-E16DE419162D}"/>
               </a:ext>
             </a:extLst>
           </p:cNvPr>
@@ -21412,7 +21210,7 @@
           <p:cNvPr id="38" name="Textfeld 37">
             <a:extLst>
               <a:ext uri="{FF2B5EF4-FFF2-40B4-BE49-F238E27FC236}">
-                <a16:creationId xmlns:a16="http://schemas.microsoft.com/office/drawing/2014/main" xmlns="" id="{98CBE577-09F5-4B95-8653-B627207FA727}"/>
+                <a16:creationId xmlns:a16="http://schemas.microsoft.com/office/drawing/2014/main" id="{98CBE577-09F5-4B95-8653-B627207FA727}"/>
               </a:ext>
             </a:extLst>
           </p:cNvPr>
@@ -21457,7 +21255,7 @@
           <p:cNvPr id="40" name="Gerade Verbindung mit Pfeil 39">
             <a:extLst>
               <a:ext uri="{FF2B5EF4-FFF2-40B4-BE49-F238E27FC236}">
-                <a16:creationId xmlns:a16="http://schemas.microsoft.com/office/drawing/2014/main" xmlns="" id="{CF8A7F28-CF78-4318-A93C-2E8EB03122CC}"/>
+                <a16:creationId xmlns:a16="http://schemas.microsoft.com/office/drawing/2014/main" id="{CF8A7F28-CF78-4318-A93C-2E8EB03122CC}"/>
               </a:ext>
             </a:extLst>
           </p:cNvPr>
@@ -21498,7 +21296,7 @@
           <p:cNvPr id="42" name="Gerade Verbindung mit Pfeil 41">
             <a:extLst>
               <a:ext uri="{FF2B5EF4-FFF2-40B4-BE49-F238E27FC236}">
-                <a16:creationId xmlns:a16="http://schemas.microsoft.com/office/drawing/2014/main" xmlns="" id="{7BA8A4C1-13EC-49CB-B82C-3FF0665FB8AD}"/>
+                <a16:creationId xmlns:a16="http://schemas.microsoft.com/office/drawing/2014/main" id="{7BA8A4C1-13EC-49CB-B82C-3FF0665FB8AD}"/>
               </a:ext>
             </a:extLst>
           </p:cNvPr>
@@ -21539,7 +21337,7 @@
           <p:cNvPr id="44" name="Grafik 43" descr="Ordner">
             <a:extLst>
               <a:ext uri="{FF2B5EF4-FFF2-40B4-BE49-F238E27FC236}">
-                <a16:creationId xmlns:a16="http://schemas.microsoft.com/office/drawing/2014/main" xmlns="" id="{0572721C-7090-41E2-85A7-6A154A1EDC6E}"/>
+                <a16:creationId xmlns:a16="http://schemas.microsoft.com/office/drawing/2014/main" id="{0572721C-7090-41E2-85A7-6A154A1EDC6E}"/>
               </a:ext>
             </a:extLst>
           </p:cNvPr>
@@ -21552,7 +21350,7 @@
           <a:blip r:embed="rId7">
             <a:extLst>
               <a:ext uri="{96DAC541-7B7A-43D3-8B79-37D633B846F1}">
-                <asvg:svgBlip xmlns:asvg="http://schemas.microsoft.com/office/drawing/2016/SVG/main" xmlns="" r:embed="rId8"/>
+                <asvg:svgBlip xmlns:asvg="http://schemas.microsoft.com/office/drawing/2016/SVG/main" r:embed="rId8"/>
               </a:ext>
             </a:extLst>
           </a:blip>
@@ -21575,7 +21373,7 @@
           <p:cNvPr id="45" name="Textfeld 44">
             <a:extLst>
               <a:ext uri="{FF2B5EF4-FFF2-40B4-BE49-F238E27FC236}">
-                <a16:creationId xmlns:a16="http://schemas.microsoft.com/office/drawing/2014/main" xmlns="" id="{87DAFEBD-6AC9-4113-8438-A166156DC539}"/>
+                <a16:creationId xmlns:a16="http://schemas.microsoft.com/office/drawing/2014/main" id="{87DAFEBD-6AC9-4113-8438-A166156DC539}"/>
               </a:ext>
             </a:extLst>
           </p:cNvPr>
@@ -21619,7 +21417,7 @@
           <p:cNvPr id="57" name="Gerade Verbindung mit Pfeil 56">
             <a:extLst>
               <a:ext uri="{FF2B5EF4-FFF2-40B4-BE49-F238E27FC236}">
-                <a16:creationId xmlns:a16="http://schemas.microsoft.com/office/drawing/2014/main" xmlns="" id="{CA0D2126-51DB-4173-87BE-BAF063EBF92F}"/>
+                <a16:creationId xmlns:a16="http://schemas.microsoft.com/office/drawing/2014/main" id="{CA0D2126-51DB-4173-87BE-BAF063EBF92F}"/>
               </a:ext>
             </a:extLst>
           </p:cNvPr>
@@ -21660,7 +21458,7 @@
           <p:cNvPr id="126" name="Gruppieren 125">
             <a:extLst>
               <a:ext uri="{FF2B5EF4-FFF2-40B4-BE49-F238E27FC236}">
-                <a16:creationId xmlns:a16="http://schemas.microsoft.com/office/drawing/2014/main" xmlns="" id="{514A1029-992E-4E2E-9A8B-4CDCFC62727A}"/>
+                <a16:creationId xmlns:a16="http://schemas.microsoft.com/office/drawing/2014/main" id="{514A1029-992E-4E2E-9A8B-4CDCFC62727A}"/>
               </a:ext>
             </a:extLst>
           </p:cNvPr>
@@ -21680,7 +21478,7 @@
             <p:cNvPr id="97" name="Grafik 96" descr="Tisch">
               <a:extLst>
                 <a:ext uri="{FF2B5EF4-FFF2-40B4-BE49-F238E27FC236}">
-                  <a16:creationId xmlns:a16="http://schemas.microsoft.com/office/drawing/2014/main" xmlns="" id="{E3ED5455-2ACE-4F80-8660-C9C78942E061}"/>
+                  <a16:creationId xmlns:a16="http://schemas.microsoft.com/office/drawing/2014/main" id="{E3ED5455-2ACE-4F80-8660-C9C78942E061}"/>
                 </a:ext>
               </a:extLst>
             </p:cNvPr>
@@ -21693,7 +21491,7 @@
             <a:blip r:embed="rId9">
               <a:extLst>
                 <a:ext uri="{96DAC541-7B7A-43D3-8B79-37D633B846F1}">
-                  <asvg:svgBlip xmlns:asvg="http://schemas.microsoft.com/office/drawing/2016/SVG/main" xmlns="" r:embed="rId10"/>
+                  <asvg:svgBlip xmlns:asvg="http://schemas.microsoft.com/office/drawing/2016/SVG/main" r:embed="rId10"/>
                 </a:ext>
               </a:extLst>
             </a:blip>
@@ -21716,7 +21514,7 @@
             <p:cNvPr id="105" name="Rechteck 104">
               <a:extLst>
                 <a:ext uri="{FF2B5EF4-FFF2-40B4-BE49-F238E27FC236}">
-                  <a16:creationId xmlns:a16="http://schemas.microsoft.com/office/drawing/2014/main" xmlns="" id="{82C05C09-9668-4C7B-99B4-6CCD1DF3F8C9}"/>
+                  <a16:creationId xmlns:a16="http://schemas.microsoft.com/office/drawing/2014/main" id="{82C05C09-9668-4C7B-99B4-6CCD1DF3F8C9}"/>
                 </a:ext>
               </a:extLst>
             </p:cNvPr>
@@ -21772,7 +21570,7 @@
           <p:cNvPr id="135" name="Verbinder: gewinkelt 134">
             <a:extLst>
               <a:ext uri="{FF2B5EF4-FFF2-40B4-BE49-F238E27FC236}">
-                <a16:creationId xmlns:a16="http://schemas.microsoft.com/office/drawing/2014/main" xmlns="" id="{54FB2266-1433-4106-9347-4F6C67F57943}"/>
+                <a16:creationId xmlns:a16="http://schemas.microsoft.com/office/drawing/2014/main" id="{54FB2266-1433-4106-9347-4F6C67F57943}"/>
               </a:ext>
             </a:extLst>
           </p:cNvPr>
@@ -21815,7 +21613,7 @@
           <p:cNvPr id="139" name="Gerade Verbindung mit Pfeil 138">
             <a:extLst>
               <a:ext uri="{FF2B5EF4-FFF2-40B4-BE49-F238E27FC236}">
-                <a16:creationId xmlns:a16="http://schemas.microsoft.com/office/drawing/2014/main" xmlns="" id="{935E297A-0E08-4ACA-B64D-E82BF594D617}"/>
+                <a16:creationId xmlns:a16="http://schemas.microsoft.com/office/drawing/2014/main" id="{935E297A-0E08-4ACA-B64D-E82BF594D617}"/>
               </a:ext>
             </a:extLst>
           </p:cNvPr>
@@ -21856,7 +21654,7 @@
           <p:cNvPr id="143" name="Verbinder: gewinkelt 142">
             <a:extLst>
               <a:ext uri="{FF2B5EF4-FFF2-40B4-BE49-F238E27FC236}">
-                <a16:creationId xmlns:a16="http://schemas.microsoft.com/office/drawing/2014/main" xmlns="" id="{A4ED01DD-C3A8-4309-A767-F53A3EE24EFB}"/>
+                <a16:creationId xmlns:a16="http://schemas.microsoft.com/office/drawing/2014/main" id="{A4ED01DD-C3A8-4309-A767-F53A3EE24EFB}"/>
               </a:ext>
             </a:extLst>
           </p:cNvPr>
@@ -21899,7 +21697,7 @@
           <p:cNvPr id="149" name="Fußzeilenplatzhalter 4">
             <a:extLst>
               <a:ext uri="{FF2B5EF4-FFF2-40B4-BE49-F238E27FC236}">
-                <a16:creationId xmlns:a16="http://schemas.microsoft.com/office/drawing/2014/main" xmlns="" id="{38AB998A-AAF8-49F0-A239-2D93C7A72A4D}"/>
+                <a16:creationId xmlns:a16="http://schemas.microsoft.com/office/drawing/2014/main" id="{38AB998A-AAF8-49F0-A239-2D93C7A72A4D}"/>
               </a:ext>
             </a:extLst>
           </p:cNvPr>
@@ -21946,7 +21744,7 @@
           <p:cNvPr id="178" name="Verbinder: gewinkelt 177">
             <a:extLst>
               <a:ext uri="{FF2B5EF4-FFF2-40B4-BE49-F238E27FC236}">
-                <a16:creationId xmlns:a16="http://schemas.microsoft.com/office/drawing/2014/main" xmlns="" id="{0AD63463-6B97-4643-8843-833626B5A230}"/>
+                <a16:creationId xmlns:a16="http://schemas.microsoft.com/office/drawing/2014/main" id="{0AD63463-6B97-4643-8843-833626B5A230}"/>
               </a:ext>
             </a:extLst>
           </p:cNvPr>
@@ -21986,7 +21784,7 @@
           <p:cNvPr id="186" name="Gerader Verbinder 185">
             <a:extLst>
               <a:ext uri="{FF2B5EF4-FFF2-40B4-BE49-F238E27FC236}">
-                <a16:creationId xmlns:a16="http://schemas.microsoft.com/office/drawing/2014/main" xmlns="" id="{2A192D56-00F3-4AB3-97C3-ED94E9199036}"/>
+                <a16:creationId xmlns:a16="http://schemas.microsoft.com/office/drawing/2014/main" id="{2A192D56-00F3-4AB3-97C3-ED94E9199036}"/>
               </a:ext>
             </a:extLst>
           </p:cNvPr>
@@ -22022,7 +21820,7 @@
           <p:cNvPr id="188" name="Gerade Verbindung mit Pfeil 187">
             <a:extLst>
               <a:ext uri="{FF2B5EF4-FFF2-40B4-BE49-F238E27FC236}">
-                <a16:creationId xmlns:a16="http://schemas.microsoft.com/office/drawing/2014/main" xmlns="" id="{A3B57B87-7BD4-4AB4-B2E7-6B028A511B04}"/>
+                <a16:creationId xmlns:a16="http://schemas.microsoft.com/office/drawing/2014/main" id="{A3B57B87-7BD4-4AB4-B2E7-6B028A511B04}"/>
               </a:ext>
             </a:extLst>
           </p:cNvPr>
@@ -22068,13 +21866,6 @@
   <p:clrMapOvr>
     <a:masterClrMapping/>
   </p:clrMapOvr>
-  <p:timing>
-    <p:tnLst>
-      <p:par>
-        <p:cTn id="1" dur="indefinite" restart="never" nodeType="tmRoot"/>
-      </p:par>
-    </p:tnLst>
-  </p:timing>
 </p:sld>
 </file>
 
@@ -22100,7 +21891,7 @@
           <p:cNvPr id="5" name="Foliennummernplatzhalter 4">
             <a:extLst>
               <a:ext uri="{FF2B5EF4-FFF2-40B4-BE49-F238E27FC236}">
-                <a16:creationId xmlns:a16="http://schemas.microsoft.com/office/drawing/2014/main" xmlns="" id="{99217DC6-63A8-46E5-BFF7-2750383C7113}"/>
+                <a16:creationId xmlns:a16="http://schemas.microsoft.com/office/drawing/2014/main" id="{99217DC6-63A8-46E5-BFF7-2750383C7113}"/>
               </a:ext>
             </a:extLst>
           </p:cNvPr>
@@ -22134,7 +21925,7 @@
           <p:cNvPr id="17" name="Titel 1">
             <a:extLst>
               <a:ext uri="{FF2B5EF4-FFF2-40B4-BE49-F238E27FC236}">
-                <a16:creationId xmlns:a16="http://schemas.microsoft.com/office/drawing/2014/main" xmlns="" id="{2EBD46AD-74A3-41B6-A7F5-704EE709693A}"/>
+                <a16:creationId xmlns:a16="http://schemas.microsoft.com/office/drawing/2014/main" id="{2EBD46AD-74A3-41B6-A7F5-704EE709693A}"/>
               </a:ext>
             </a:extLst>
           </p:cNvPr>
@@ -22224,7 +22015,7 @@
           <p:cNvPr id="149" name="Fußzeilenplatzhalter 4">
             <a:extLst>
               <a:ext uri="{FF2B5EF4-FFF2-40B4-BE49-F238E27FC236}">
-                <a16:creationId xmlns:a16="http://schemas.microsoft.com/office/drawing/2014/main" xmlns="" id="{38AB998A-AAF8-49F0-A239-2D93C7A72A4D}"/>
+                <a16:creationId xmlns:a16="http://schemas.microsoft.com/office/drawing/2014/main" id="{38AB998A-AAF8-49F0-A239-2D93C7A72A4D}"/>
               </a:ext>
             </a:extLst>
           </p:cNvPr>
@@ -22271,7 +22062,7 @@
           <p:cNvPr id="2" name="Tabelle 2">
             <a:extLst>
               <a:ext uri="{FF2B5EF4-FFF2-40B4-BE49-F238E27FC236}">
-                <a16:creationId xmlns:a16="http://schemas.microsoft.com/office/drawing/2014/main" xmlns="" id="{01280090-9498-4E01-BF99-35C4D039D858}"/>
+                <a16:creationId xmlns:a16="http://schemas.microsoft.com/office/drawing/2014/main" id="{01280090-9498-4E01-BF99-35C4D039D858}"/>
               </a:ext>
             </a:extLst>
           </p:cNvPr>
@@ -22300,28 +22091,28 @@
                 <a:gridCol w="1214421">
                   <a:extLst>
                     <a:ext uri="{9D8B030D-6E8A-4147-A177-3AD203B41FA5}">
-                      <a16:colId xmlns:a16="http://schemas.microsoft.com/office/drawing/2014/main" xmlns="" val="1328456205"/>
+                      <a16:colId xmlns:a16="http://schemas.microsoft.com/office/drawing/2014/main" val="1328456205"/>
                     </a:ext>
                   </a:extLst>
                 </a:gridCol>
                 <a:gridCol w="792654">
                   <a:extLst>
                     <a:ext uri="{9D8B030D-6E8A-4147-A177-3AD203B41FA5}">
-                      <a16:colId xmlns:a16="http://schemas.microsoft.com/office/drawing/2014/main" xmlns="" val="3978735238"/>
+                      <a16:colId xmlns:a16="http://schemas.microsoft.com/office/drawing/2014/main" val="3978735238"/>
                     </a:ext>
                   </a:extLst>
                 </a:gridCol>
                 <a:gridCol w="4262627">
                   <a:extLst>
                     <a:ext uri="{9D8B030D-6E8A-4147-A177-3AD203B41FA5}">
-                      <a16:colId xmlns:a16="http://schemas.microsoft.com/office/drawing/2014/main" xmlns="" val="2877969049"/>
+                      <a16:colId xmlns:a16="http://schemas.microsoft.com/office/drawing/2014/main" val="2877969049"/>
                     </a:ext>
                   </a:extLst>
                 </a:gridCol>
                 <a:gridCol w="3718570">
                   <a:extLst>
                     <a:ext uri="{9D8B030D-6E8A-4147-A177-3AD203B41FA5}">
-                      <a16:colId xmlns:a16="http://schemas.microsoft.com/office/drawing/2014/main" xmlns="" val="3822829885"/>
+                      <a16:colId xmlns:a16="http://schemas.microsoft.com/office/drawing/2014/main" val="3822829885"/>
                     </a:ext>
                   </a:extLst>
                 </a:gridCol>
@@ -22626,7 +22417,7 @@
                 </a:tc>
                 <a:extLst>
                   <a:ext uri="{0D108BD9-81ED-4DB2-BD59-A6C34878D82A}">
-                    <a16:rowId xmlns:a16="http://schemas.microsoft.com/office/drawing/2014/main" xmlns="" val="4209509637"/>
+                    <a16:rowId xmlns:a16="http://schemas.microsoft.com/office/drawing/2014/main" val="4209509637"/>
                   </a:ext>
                 </a:extLst>
               </a:tr>
@@ -22877,7 +22668,7 @@
                 </a:tc>
                 <a:extLst>
                   <a:ext uri="{0D108BD9-81ED-4DB2-BD59-A6C34878D82A}">
-                    <a16:rowId xmlns:a16="http://schemas.microsoft.com/office/drawing/2014/main" xmlns="" val="851616967"/>
+                    <a16:rowId xmlns:a16="http://schemas.microsoft.com/office/drawing/2014/main" val="851616967"/>
                   </a:ext>
                 </a:extLst>
               </a:tr>
@@ -23151,7 +22942,7 @@
                 </a:tc>
                 <a:extLst>
                   <a:ext uri="{0D108BD9-81ED-4DB2-BD59-A6C34878D82A}">
-                    <a16:rowId xmlns:a16="http://schemas.microsoft.com/office/drawing/2014/main" xmlns="" val="3053805051"/>
+                    <a16:rowId xmlns:a16="http://schemas.microsoft.com/office/drawing/2014/main" val="3053805051"/>
                   </a:ext>
                 </a:extLst>
               </a:tr>
@@ -23419,7 +23210,7 @@
                 </a:tc>
                 <a:extLst>
                   <a:ext uri="{0D108BD9-81ED-4DB2-BD59-A6C34878D82A}">
-                    <a16:rowId xmlns:a16="http://schemas.microsoft.com/office/drawing/2014/main" xmlns="" val="3395055929"/>
+                    <a16:rowId xmlns:a16="http://schemas.microsoft.com/office/drawing/2014/main" val="3395055929"/>
                   </a:ext>
                 </a:extLst>
               </a:tr>
@@ -23711,7 +23502,7 @@
                 </a:tc>
                 <a:extLst>
                   <a:ext uri="{0D108BD9-81ED-4DB2-BD59-A6C34878D82A}">
-                    <a16:rowId xmlns:a16="http://schemas.microsoft.com/office/drawing/2014/main" xmlns="" val="1586812566"/>
+                    <a16:rowId xmlns:a16="http://schemas.microsoft.com/office/drawing/2014/main" val="1586812566"/>
                   </a:ext>
                 </a:extLst>
               </a:tr>
@@ -23970,7 +23761,7 @@
                 </a:tc>
                 <a:extLst>
                   <a:ext uri="{0D108BD9-81ED-4DB2-BD59-A6C34878D82A}">
-                    <a16:rowId xmlns:a16="http://schemas.microsoft.com/office/drawing/2014/main" xmlns="" val="3662240480"/>
+                    <a16:rowId xmlns:a16="http://schemas.microsoft.com/office/drawing/2014/main" val="3662240480"/>
                   </a:ext>
                 </a:extLst>
               </a:tr>
@@ -24245,7 +24036,7 @@
                 </a:tc>
                 <a:extLst>
                   <a:ext uri="{0D108BD9-81ED-4DB2-BD59-A6C34878D82A}">
-                    <a16:rowId xmlns:a16="http://schemas.microsoft.com/office/drawing/2014/main" xmlns="" val="3501422238"/>
+                    <a16:rowId xmlns:a16="http://schemas.microsoft.com/office/drawing/2014/main" val="3501422238"/>
                   </a:ext>
                 </a:extLst>
               </a:tr>
@@ -24496,7 +24287,7 @@
                 </a:tc>
                 <a:extLst>
                   <a:ext uri="{0D108BD9-81ED-4DB2-BD59-A6C34878D82A}">
-                    <a16:rowId xmlns:a16="http://schemas.microsoft.com/office/drawing/2014/main" xmlns="" val="3086067394"/>
+                    <a16:rowId xmlns:a16="http://schemas.microsoft.com/office/drawing/2014/main" val="3086067394"/>
                   </a:ext>
                 </a:extLst>
               </a:tr>
@@ -24861,7 +24652,7 @@
                 </a:tc>
                 <a:extLst>
                   <a:ext uri="{0D108BD9-81ED-4DB2-BD59-A6C34878D82A}">
-                    <a16:rowId xmlns:a16="http://schemas.microsoft.com/office/drawing/2014/main" xmlns="" val="3814381837"/>
+                    <a16:rowId xmlns:a16="http://schemas.microsoft.com/office/drawing/2014/main" val="3814381837"/>
                   </a:ext>
                 </a:extLst>
               </a:tr>
@@ -24879,13 +24670,6 @@
   <p:clrMapOvr>
     <a:masterClrMapping/>
   </p:clrMapOvr>
-  <p:timing>
-    <p:tnLst>
-      <p:par>
-        <p:cTn id="1" dur="indefinite" restart="never" nodeType="tmRoot"/>
-      </p:par>
-    </p:tnLst>
-  </p:timing>
 </p:sld>
 </file>
 
@@ -24911,7 +24695,7 @@
           <p:cNvPr id="5" name="Foliennummernplatzhalter 4">
             <a:extLst>
               <a:ext uri="{FF2B5EF4-FFF2-40B4-BE49-F238E27FC236}">
-                <a16:creationId xmlns:a16="http://schemas.microsoft.com/office/drawing/2014/main" xmlns="" id="{99217DC6-63A8-46E5-BFF7-2750383C7113}"/>
+                <a16:creationId xmlns:a16="http://schemas.microsoft.com/office/drawing/2014/main" id="{99217DC6-63A8-46E5-BFF7-2750383C7113}"/>
               </a:ext>
             </a:extLst>
           </p:cNvPr>
@@ -24945,7 +24729,7 @@
           <p:cNvPr id="17" name="Titel 1">
             <a:extLst>
               <a:ext uri="{FF2B5EF4-FFF2-40B4-BE49-F238E27FC236}">
-                <a16:creationId xmlns:a16="http://schemas.microsoft.com/office/drawing/2014/main" xmlns="" id="{2EBD46AD-74A3-41B6-A7F5-704EE709693A}"/>
+                <a16:creationId xmlns:a16="http://schemas.microsoft.com/office/drawing/2014/main" id="{2EBD46AD-74A3-41B6-A7F5-704EE709693A}"/>
               </a:ext>
             </a:extLst>
           </p:cNvPr>
@@ -25003,7 +24787,7 @@
           <p:cNvPr id="149" name="Fußzeilenplatzhalter 4">
             <a:extLst>
               <a:ext uri="{FF2B5EF4-FFF2-40B4-BE49-F238E27FC236}">
-                <a16:creationId xmlns:a16="http://schemas.microsoft.com/office/drawing/2014/main" xmlns="" id="{38AB998A-AAF8-49F0-A239-2D93C7A72A4D}"/>
+                <a16:creationId xmlns:a16="http://schemas.microsoft.com/office/drawing/2014/main" id="{38AB998A-AAF8-49F0-A239-2D93C7A72A4D}"/>
               </a:ext>
             </a:extLst>
           </p:cNvPr>
@@ -25085,13 +24869,6 @@
   <p:clrMapOvr>
     <a:masterClrMapping/>
   </p:clrMapOvr>
-  <p:timing>
-    <p:tnLst>
-      <p:par>
-        <p:cTn id="1" dur="indefinite" restart="never" nodeType="tmRoot"/>
-      </p:par>
-    </p:tnLst>
-  </p:timing>
 </p:sld>
 </file>
 
@@ -25117,7 +24894,7 @@
           <p:cNvPr id="5" name="Foliennummernplatzhalter 4">
             <a:extLst>
               <a:ext uri="{FF2B5EF4-FFF2-40B4-BE49-F238E27FC236}">
-                <a16:creationId xmlns:a16="http://schemas.microsoft.com/office/drawing/2014/main" xmlns="" id="{99217DC6-63A8-46E5-BFF7-2750383C7113}"/>
+                <a16:creationId xmlns:a16="http://schemas.microsoft.com/office/drawing/2014/main" id="{99217DC6-63A8-46E5-BFF7-2750383C7113}"/>
               </a:ext>
             </a:extLst>
           </p:cNvPr>
@@ -25151,7 +24928,7 @@
           <p:cNvPr id="17" name="Titel 1">
             <a:extLst>
               <a:ext uri="{FF2B5EF4-FFF2-40B4-BE49-F238E27FC236}">
-                <a16:creationId xmlns:a16="http://schemas.microsoft.com/office/drawing/2014/main" xmlns="" id="{2EBD46AD-74A3-41B6-A7F5-704EE709693A}"/>
+                <a16:creationId xmlns:a16="http://schemas.microsoft.com/office/drawing/2014/main" id="{2EBD46AD-74A3-41B6-A7F5-704EE709693A}"/>
               </a:ext>
             </a:extLst>
           </p:cNvPr>
@@ -25209,7 +24986,7 @@
           <p:cNvPr id="149" name="Fußzeilenplatzhalter 4">
             <a:extLst>
               <a:ext uri="{FF2B5EF4-FFF2-40B4-BE49-F238E27FC236}">
-                <a16:creationId xmlns:a16="http://schemas.microsoft.com/office/drawing/2014/main" xmlns="" id="{38AB998A-AAF8-49F0-A239-2D93C7A72A4D}"/>
+                <a16:creationId xmlns:a16="http://schemas.microsoft.com/office/drawing/2014/main" id="{38AB998A-AAF8-49F0-A239-2D93C7A72A4D}"/>
               </a:ext>
             </a:extLst>
           </p:cNvPr>
@@ -25291,13 +25068,6 @@
   <p:clrMapOvr>
     <a:masterClrMapping/>
   </p:clrMapOvr>
-  <p:timing>
-    <p:tnLst>
-      <p:par>
-        <p:cTn id="1" dur="indefinite" restart="never" nodeType="tmRoot"/>
-      </p:par>
-    </p:tnLst>
-  </p:timing>
 </p:sld>
 </file>
 
@@ -25323,7 +25093,7 @@
           <p:cNvPr id="5" name="Foliennummernplatzhalter 4">
             <a:extLst>
               <a:ext uri="{FF2B5EF4-FFF2-40B4-BE49-F238E27FC236}">
-                <a16:creationId xmlns:a16="http://schemas.microsoft.com/office/drawing/2014/main" xmlns="" id="{99217DC6-63A8-46E5-BFF7-2750383C7113}"/>
+                <a16:creationId xmlns:a16="http://schemas.microsoft.com/office/drawing/2014/main" id="{99217DC6-63A8-46E5-BFF7-2750383C7113}"/>
               </a:ext>
             </a:extLst>
           </p:cNvPr>
@@ -25357,7 +25127,7 @@
           <p:cNvPr id="17" name="Titel 1">
             <a:extLst>
               <a:ext uri="{FF2B5EF4-FFF2-40B4-BE49-F238E27FC236}">
-                <a16:creationId xmlns:a16="http://schemas.microsoft.com/office/drawing/2014/main" xmlns="" id="{2EBD46AD-74A3-41B6-A7F5-704EE709693A}"/>
+                <a16:creationId xmlns:a16="http://schemas.microsoft.com/office/drawing/2014/main" id="{2EBD46AD-74A3-41B6-A7F5-704EE709693A}"/>
               </a:ext>
             </a:extLst>
           </p:cNvPr>
@@ -25415,7 +25185,7 @@
           <p:cNvPr id="149" name="Fußzeilenplatzhalter 4">
             <a:extLst>
               <a:ext uri="{FF2B5EF4-FFF2-40B4-BE49-F238E27FC236}">
-                <a16:creationId xmlns:a16="http://schemas.microsoft.com/office/drawing/2014/main" xmlns="" id="{38AB998A-AAF8-49F0-A239-2D93C7A72A4D}"/>
+                <a16:creationId xmlns:a16="http://schemas.microsoft.com/office/drawing/2014/main" id="{38AB998A-AAF8-49F0-A239-2D93C7A72A4D}"/>
               </a:ext>
             </a:extLst>
           </p:cNvPr>
@@ -25497,13 +25267,6 @@
   <p:clrMapOvr>
     <a:masterClrMapping/>
   </p:clrMapOvr>
-  <p:timing>
-    <p:tnLst>
-      <p:par>
-        <p:cTn id="1" dur="indefinite" restart="never" nodeType="tmRoot"/>
-      </p:par>
-    </p:tnLst>
-  </p:timing>
 </p:sld>
 </file>
 
@@ -25529,7 +25292,7 @@
           <p:cNvPr id="5" name="Foliennummernplatzhalter 4">
             <a:extLst>
               <a:ext uri="{FF2B5EF4-FFF2-40B4-BE49-F238E27FC236}">
-                <a16:creationId xmlns:a16="http://schemas.microsoft.com/office/drawing/2014/main" xmlns="" id="{99217DC6-63A8-46E5-BFF7-2750383C7113}"/>
+                <a16:creationId xmlns:a16="http://schemas.microsoft.com/office/drawing/2014/main" id="{99217DC6-63A8-46E5-BFF7-2750383C7113}"/>
               </a:ext>
             </a:extLst>
           </p:cNvPr>
@@ -25563,7 +25326,7 @@
           <p:cNvPr id="17" name="Titel 1">
             <a:extLst>
               <a:ext uri="{FF2B5EF4-FFF2-40B4-BE49-F238E27FC236}">
-                <a16:creationId xmlns:a16="http://schemas.microsoft.com/office/drawing/2014/main" xmlns="" id="{2EBD46AD-74A3-41B6-A7F5-704EE709693A}"/>
+                <a16:creationId xmlns:a16="http://schemas.microsoft.com/office/drawing/2014/main" id="{2EBD46AD-74A3-41B6-A7F5-704EE709693A}"/>
               </a:ext>
             </a:extLst>
           </p:cNvPr>
@@ -25621,7 +25384,7 @@
           <p:cNvPr id="149" name="Fußzeilenplatzhalter 4">
             <a:extLst>
               <a:ext uri="{FF2B5EF4-FFF2-40B4-BE49-F238E27FC236}">
-                <a16:creationId xmlns:a16="http://schemas.microsoft.com/office/drawing/2014/main" xmlns="" id="{38AB998A-AAF8-49F0-A239-2D93C7A72A4D}"/>
+                <a16:creationId xmlns:a16="http://schemas.microsoft.com/office/drawing/2014/main" id="{38AB998A-AAF8-49F0-A239-2D93C7A72A4D}"/>
               </a:ext>
             </a:extLst>
           </p:cNvPr>
@@ -25703,13 +25466,6 @@
   <p:clrMapOvr>
     <a:masterClrMapping/>
   </p:clrMapOvr>
-  <p:timing>
-    <p:tnLst>
-      <p:par>
-        <p:cTn id="1" dur="indefinite" restart="never" nodeType="tmRoot"/>
-      </p:par>
-    </p:tnLst>
-  </p:timing>
 </p:sld>
 </file>
 

--- a/pres/Presentation_SPOSM.pptx
+++ b/pres/Presentation_SPOSM.pptx
@@ -217,7 +217,7 @@
           <a:p>
             <a:fld id="{E776ED67-7526-406D-8D88-BEE159EE904C}" type="datetimeFigureOut">
               <a:rPr lang="de-DE" smtClean="0"/>
-              <a:t>16.02.2020</a:t>
+              <a:t>17.02.2020</a:t>
             </a:fld>
             <a:endParaRPr lang="de-DE"/>
           </a:p>
@@ -612,231 +612,6 @@
           <a:bodyPr/>
           <a:lstStyle/>
           <a:p>
-            <a:pPr marL="171450" lvl="0" indent="-171450">
-              <a:buFont typeface="Symbol" panose="05050102010706020507" pitchFamily="18" charset="2"/>
-              <a:buChar char="-"/>
-            </a:pPr>
-            <a:r>
-              <a:rPr lang="en-GB" sz="1200" kern="1200" dirty="0">
-                <a:solidFill>
-                  <a:schemeClr val="tx1"/>
-                </a:solidFill>
-                <a:effectLst/>
-                <a:latin typeface="+mn-lt"/>
-                <a:ea typeface="+mn-ea"/>
-                <a:cs typeface="+mn-cs"/>
-              </a:rPr>
-              <a:t>To give you an impression, how a CSR report may look like, I have an example from H&amp;M </a:t>
-            </a:r>
-          </a:p>
-          <a:p>
-            <a:pPr marL="171450" lvl="0" indent="-171450">
-              <a:buFont typeface="Symbol" panose="05050102010706020507" pitchFamily="18" charset="2"/>
-              <a:buChar char="-"/>
-            </a:pPr>
-            <a:r>
-              <a:rPr lang="en-GB" sz="1200" kern="1200" dirty="0">
-                <a:solidFill>
-                  <a:schemeClr val="tx1"/>
-                </a:solidFill>
-                <a:effectLst/>
-                <a:latin typeface="+mn-lt"/>
-                <a:ea typeface="+mn-ea"/>
-                <a:cs typeface="+mn-cs"/>
-              </a:rPr>
-              <a:t>Who of you would conclude that H&amp;M is a sustainable company?</a:t>
-            </a:r>
-            <a:endParaRPr lang="de-DE" sz="1200" kern="1200" dirty="0">
-              <a:solidFill>
-                <a:schemeClr val="tx1"/>
-              </a:solidFill>
-              <a:effectLst/>
-              <a:latin typeface="+mn-lt"/>
-              <a:ea typeface="+mn-ea"/>
-              <a:cs typeface="+mn-cs"/>
-            </a:endParaRPr>
-          </a:p>
-          <a:p>
-            <a:pPr marL="171450" lvl="0" indent="-171450">
-              <a:buFont typeface="Symbol" panose="05050102010706020507" pitchFamily="18" charset="2"/>
-              <a:buChar char="-"/>
-            </a:pPr>
-            <a:r>
-              <a:rPr lang="en-GB" sz="1200" kern="1200" dirty="0">
-                <a:solidFill>
-                  <a:schemeClr val="tx1"/>
-                </a:solidFill>
-                <a:effectLst/>
-                <a:latin typeface="+mn-lt"/>
-                <a:ea typeface="+mn-ea"/>
-                <a:cs typeface="+mn-cs"/>
-              </a:rPr>
-              <a:t>Maybe you might be a bit sceptical toward the report because it contains only positive content and if you are not you might get sceptical when I am showing you this report by a third party</a:t>
-            </a:r>
-            <a:endParaRPr lang="de-DE" sz="1200" kern="1200" dirty="0">
-              <a:solidFill>
-                <a:schemeClr val="tx1"/>
-              </a:solidFill>
-              <a:effectLst/>
-              <a:latin typeface="+mn-lt"/>
-              <a:ea typeface="+mn-ea"/>
-              <a:cs typeface="+mn-cs"/>
-            </a:endParaRPr>
-          </a:p>
-          <a:p>
-            <a:pPr marL="171450" lvl="0" indent="-171450">
-              <a:buFont typeface="Symbol" panose="05050102010706020507" pitchFamily="18" charset="2"/>
-              <a:buChar char="-"/>
-            </a:pPr>
-            <a:r>
-              <a:rPr lang="en-GB" sz="1200" kern="1200" dirty="0">
-                <a:solidFill>
-                  <a:schemeClr val="tx1"/>
-                </a:solidFill>
-                <a:effectLst/>
-                <a:latin typeface="+mn-lt"/>
-                <a:ea typeface="+mn-ea"/>
-                <a:cs typeface="+mn-cs"/>
-              </a:rPr>
-              <a:t>In general CSR reports face</a:t>
-            </a:r>
-            <a:r>
-              <a:rPr lang="de-DE" sz="1200" kern="1200" dirty="0">
-                <a:solidFill>
-                  <a:schemeClr val="tx1"/>
-                </a:solidFill>
-                <a:effectLst/>
-                <a:latin typeface="+mn-lt"/>
-                <a:ea typeface="+mn-ea"/>
-                <a:cs typeface="+mn-cs"/>
-              </a:rPr>
-              <a:t> </a:t>
-            </a:r>
-            <a:r>
-              <a:rPr lang="de-DE" sz="1200" kern="1200" dirty="0" err="1">
-                <a:solidFill>
-                  <a:schemeClr val="tx1"/>
-                </a:solidFill>
-                <a:effectLst/>
-                <a:latin typeface="+mn-lt"/>
-                <a:ea typeface="+mn-ea"/>
-                <a:cs typeface="+mn-cs"/>
-              </a:rPr>
-              <a:t>credibility</a:t>
-            </a:r>
-            <a:r>
-              <a:rPr lang="de-DE" sz="1200" kern="1200" dirty="0">
-                <a:solidFill>
-                  <a:schemeClr val="tx1"/>
-                </a:solidFill>
-                <a:effectLst/>
-                <a:latin typeface="+mn-lt"/>
-                <a:ea typeface="+mn-ea"/>
-                <a:cs typeface="+mn-cs"/>
-              </a:rPr>
-              <a:t> </a:t>
-            </a:r>
-            <a:r>
-              <a:rPr lang="de-DE" sz="1200" kern="1200" dirty="0" err="1">
-                <a:solidFill>
-                  <a:schemeClr val="tx1"/>
-                </a:solidFill>
-                <a:effectLst/>
-                <a:latin typeface="+mn-lt"/>
-                <a:ea typeface="+mn-ea"/>
-                <a:cs typeface="+mn-cs"/>
-              </a:rPr>
-              <a:t>issues</a:t>
-            </a:r>
-            <a:r>
-              <a:rPr lang="de-DE" sz="1200" kern="1200" dirty="0">
-                <a:solidFill>
-                  <a:schemeClr val="tx1"/>
-                </a:solidFill>
-                <a:effectLst/>
-                <a:latin typeface="+mn-lt"/>
-                <a:ea typeface="+mn-ea"/>
-                <a:cs typeface="+mn-cs"/>
-              </a:rPr>
-              <a:t> and </a:t>
-            </a:r>
-            <a:r>
-              <a:rPr lang="de-DE" sz="1200" kern="1200" dirty="0" err="1">
-                <a:solidFill>
-                  <a:schemeClr val="tx1"/>
-                </a:solidFill>
-                <a:effectLst/>
-                <a:latin typeface="+mn-lt"/>
-                <a:ea typeface="+mn-ea"/>
-                <a:cs typeface="+mn-cs"/>
-              </a:rPr>
-              <a:t>therefore</a:t>
-            </a:r>
-            <a:endParaRPr lang="de-DE" sz="1200" kern="1200" dirty="0">
-              <a:solidFill>
-                <a:schemeClr val="tx1"/>
-              </a:solidFill>
-              <a:effectLst/>
-              <a:latin typeface="+mn-lt"/>
-              <a:ea typeface="+mn-ea"/>
-              <a:cs typeface="+mn-cs"/>
-            </a:endParaRPr>
-          </a:p>
-          <a:p>
-            <a:pPr marL="171450" lvl="0" indent="-171450">
-              <a:buFont typeface="Symbol" panose="05050102010706020507" pitchFamily="18" charset="2"/>
-              <a:buChar char="-"/>
-            </a:pPr>
-            <a:r>
-              <a:rPr lang="en-GB" sz="1200" kern="1200" dirty="0">
-                <a:solidFill>
-                  <a:schemeClr val="tx1"/>
-                </a:solidFill>
-                <a:effectLst/>
-                <a:latin typeface="+mn-lt"/>
-                <a:ea typeface="+mn-ea"/>
-                <a:cs typeface="+mn-cs"/>
-              </a:rPr>
-              <a:t>Global Reporting Initiative offers to provide a truly transparent CSR report balancing positive and negative incidents </a:t>
-            </a:r>
-            <a:endParaRPr lang="de-DE" sz="1200" kern="1200" dirty="0">
-              <a:solidFill>
-                <a:schemeClr val="tx1"/>
-              </a:solidFill>
-              <a:effectLst/>
-              <a:latin typeface="+mn-lt"/>
-              <a:ea typeface="+mn-ea"/>
-              <a:cs typeface="+mn-cs"/>
-            </a:endParaRPr>
-          </a:p>
-          <a:p>
-            <a:pPr marL="171450" lvl="0" indent="-171450">
-              <a:buFont typeface="Symbol" panose="05050102010706020507" pitchFamily="18" charset="2"/>
-              <a:buChar char="-"/>
-            </a:pPr>
-            <a:r>
-              <a:rPr lang="en-GB" sz="1200" kern="1200" dirty="0">
-                <a:solidFill>
-                  <a:schemeClr val="tx1"/>
-                </a:solidFill>
-                <a:effectLst/>
-                <a:latin typeface="+mn-lt"/>
-                <a:ea typeface="+mn-ea"/>
-                <a:cs typeface="+mn-cs"/>
-              </a:rPr>
-              <a:t>The problem with this solution is that company fear to lose stakeholders support disclosing their negative incidents</a:t>
-            </a:r>
-            <a:endParaRPr lang="de-DE" sz="1200" kern="1200" dirty="0">
-              <a:solidFill>
-                <a:schemeClr val="tx1"/>
-              </a:solidFill>
-              <a:effectLst/>
-              <a:latin typeface="+mn-lt"/>
-              <a:ea typeface="+mn-ea"/>
-              <a:cs typeface="+mn-cs"/>
-            </a:endParaRPr>
-          </a:p>
-          <a:p>
             <a:endParaRPr lang="en-GB" dirty="0"/>
           </a:p>
         </p:txBody>
@@ -858,7 +633,7 @@
           <a:p>
             <a:fld id="{4EF36919-52F3-4202-8996-43E31FD6D033}" type="slidenum">
               <a:rPr lang="de-DE" smtClean="0"/>
-              <a:t>11</a:t>
+              <a:t>10</a:t>
             </a:fld>
             <a:endParaRPr lang="de-DE"/>
           </a:p>
@@ -867,7 +642,7 @@
     </p:spTree>
     <p:extLst>
       <p:ext uri="{BB962C8B-B14F-4D97-AF65-F5344CB8AC3E}">
-        <p14:creationId xmlns:p14="http://schemas.microsoft.com/office/powerpoint/2010/main" val="2862645055"/>
+        <p14:creationId xmlns:p14="http://schemas.microsoft.com/office/powerpoint/2010/main" val="3329409158"/>
       </p:ext>
     </p:extLst>
   </p:cSld>
@@ -921,231 +696,6 @@
           <a:bodyPr/>
           <a:lstStyle/>
           <a:p>
-            <a:pPr marL="171450" lvl="0" indent="-171450">
-              <a:buFont typeface="Symbol" panose="05050102010706020507" pitchFamily="18" charset="2"/>
-              <a:buChar char="-"/>
-            </a:pPr>
-            <a:r>
-              <a:rPr lang="en-GB" sz="1200" kern="1200" dirty="0">
-                <a:solidFill>
-                  <a:schemeClr val="tx1"/>
-                </a:solidFill>
-                <a:effectLst/>
-                <a:latin typeface="+mn-lt"/>
-                <a:ea typeface="+mn-ea"/>
-                <a:cs typeface="+mn-cs"/>
-              </a:rPr>
-              <a:t>To give you an impression, how a CSR report may look like, I have an example from H&amp;M </a:t>
-            </a:r>
-          </a:p>
-          <a:p>
-            <a:pPr marL="171450" lvl="0" indent="-171450">
-              <a:buFont typeface="Symbol" panose="05050102010706020507" pitchFamily="18" charset="2"/>
-              <a:buChar char="-"/>
-            </a:pPr>
-            <a:r>
-              <a:rPr lang="en-GB" sz="1200" kern="1200" dirty="0">
-                <a:solidFill>
-                  <a:schemeClr val="tx1"/>
-                </a:solidFill>
-                <a:effectLst/>
-                <a:latin typeface="+mn-lt"/>
-                <a:ea typeface="+mn-ea"/>
-                <a:cs typeface="+mn-cs"/>
-              </a:rPr>
-              <a:t>Who of you would conclude that H&amp;M is a sustainable company?</a:t>
-            </a:r>
-            <a:endParaRPr lang="de-DE" sz="1200" kern="1200" dirty="0">
-              <a:solidFill>
-                <a:schemeClr val="tx1"/>
-              </a:solidFill>
-              <a:effectLst/>
-              <a:latin typeface="+mn-lt"/>
-              <a:ea typeface="+mn-ea"/>
-              <a:cs typeface="+mn-cs"/>
-            </a:endParaRPr>
-          </a:p>
-          <a:p>
-            <a:pPr marL="171450" lvl="0" indent="-171450">
-              <a:buFont typeface="Symbol" panose="05050102010706020507" pitchFamily="18" charset="2"/>
-              <a:buChar char="-"/>
-            </a:pPr>
-            <a:r>
-              <a:rPr lang="en-GB" sz="1200" kern="1200" dirty="0">
-                <a:solidFill>
-                  <a:schemeClr val="tx1"/>
-                </a:solidFill>
-                <a:effectLst/>
-                <a:latin typeface="+mn-lt"/>
-                <a:ea typeface="+mn-ea"/>
-                <a:cs typeface="+mn-cs"/>
-              </a:rPr>
-              <a:t>Maybe you might be a bit sceptical toward the report because it contains only positive content and if you are not you might get sceptical when I am showing you this report by a third party</a:t>
-            </a:r>
-            <a:endParaRPr lang="de-DE" sz="1200" kern="1200" dirty="0">
-              <a:solidFill>
-                <a:schemeClr val="tx1"/>
-              </a:solidFill>
-              <a:effectLst/>
-              <a:latin typeface="+mn-lt"/>
-              <a:ea typeface="+mn-ea"/>
-              <a:cs typeface="+mn-cs"/>
-            </a:endParaRPr>
-          </a:p>
-          <a:p>
-            <a:pPr marL="171450" lvl="0" indent="-171450">
-              <a:buFont typeface="Symbol" panose="05050102010706020507" pitchFamily="18" charset="2"/>
-              <a:buChar char="-"/>
-            </a:pPr>
-            <a:r>
-              <a:rPr lang="en-GB" sz="1200" kern="1200" dirty="0">
-                <a:solidFill>
-                  <a:schemeClr val="tx1"/>
-                </a:solidFill>
-                <a:effectLst/>
-                <a:latin typeface="+mn-lt"/>
-                <a:ea typeface="+mn-ea"/>
-                <a:cs typeface="+mn-cs"/>
-              </a:rPr>
-              <a:t>In general CSR reports face</a:t>
-            </a:r>
-            <a:r>
-              <a:rPr lang="de-DE" sz="1200" kern="1200" dirty="0">
-                <a:solidFill>
-                  <a:schemeClr val="tx1"/>
-                </a:solidFill>
-                <a:effectLst/>
-                <a:latin typeface="+mn-lt"/>
-                <a:ea typeface="+mn-ea"/>
-                <a:cs typeface="+mn-cs"/>
-              </a:rPr>
-              <a:t> </a:t>
-            </a:r>
-            <a:r>
-              <a:rPr lang="de-DE" sz="1200" kern="1200" dirty="0" err="1">
-                <a:solidFill>
-                  <a:schemeClr val="tx1"/>
-                </a:solidFill>
-                <a:effectLst/>
-                <a:latin typeface="+mn-lt"/>
-                <a:ea typeface="+mn-ea"/>
-                <a:cs typeface="+mn-cs"/>
-              </a:rPr>
-              <a:t>credibility</a:t>
-            </a:r>
-            <a:r>
-              <a:rPr lang="de-DE" sz="1200" kern="1200" dirty="0">
-                <a:solidFill>
-                  <a:schemeClr val="tx1"/>
-                </a:solidFill>
-                <a:effectLst/>
-                <a:latin typeface="+mn-lt"/>
-                <a:ea typeface="+mn-ea"/>
-                <a:cs typeface="+mn-cs"/>
-              </a:rPr>
-              <a:t> </a:t>
-            </a:r>
-            <a:r>
-              <a:rPr lang="de-DE" sz="1200" kern="1200" dirty="0" err="1">
-                <a:solidFill>
-                  <a:schemeClr val="tx1"/>
-                </a:solidFill>
-                <a:effectLst/>
-                <a:latin typeface="+mn-lt"/>
-                <a:ea typeface="+mn-ea"/>
-                <a:cs typeface="+mn-cs"/>
-              </a:rPr>
-              <a:t>issues</a:t>
-            </a:r>
-            <a:r>
-              <a:rPr lang="de-DE" sz="1200" kern="1200" dirty="0">
-                <a:solidFill>
-                  <a:schemeClr val="tx1"/>
-                </a:solidFill>
-                <a:effectLst/>
-                <a:latin typeface="+mn-lt"/>
-                <a:ea typeface="+mn-ea"/>
-                <a:cs typeface="+mn-cs"/>
-              </a:rPr>
-              <a:t> and </a:t>
-            </a:r>
-            <a:r>
-              <a:rPr lang="de-DE" sz="1200" kern="1200" dirty="0" err="1">
-                <a:solidFill>
-                  <a:schemeClr val="tx1"/>
-                </a:solidFill>
-                <a:effectLst/>
-                <a:latin typeface="+mn-lt"/>
-                <a:ea typeface="+mn-ea"/>
-                <a:cs typeface="+mn-cs"/>
-              </a:rPr>
-              <a:t>therefore</a:t>
-            </a:r>
-            <a:endParaRPr lang="de-DE" sz="1200" kern="1200" dirty="0">
-              <a:solidFill>
-                <a:schemeClr val="tx1"/>
-              </a:solidFill>
-              <a:effectLst/>
-              <a:latin typeface="+mn-lt"/>
-              <a:ea typeface="+mn-ea"/>
-              <a:cs typeface="+mn-cs"/>
-            </a:endParaRPr>
-          </a:p>
-          <a:p>
-            <a:pPr marL="171450" lvl="0" indent="-171450">
-              <a:buFont typeface="Symbol" panose="05050102010706020507" pitchFamily="18" charset="2"/>
-              <a:buChar char="-"/>
-            </a:pPr>
-            <a:r>
-              <a:rPr lang="en-GB" sz="1200" kern="1200" dirty="0">
-                <a:solidFill>
-                  <a:schemeClr val="tx1"/>
-                </a:solidFill>
-                <a:effectLst/>
-                <a:latin typeface="+mn-lt"/>
-                <a:ea typeface="+mn-ea"/>
-                <a:cs typeface="+mn-cs"/>
-              </a:rPr>
-              <a:t>Global Reporting Initiative offers to provide a truly transparent CSR report balancing positive and negative incidents </a:t>
-            </a:r>
-            <a:endParaRPr lang="de-DE" sz="1200" kern="1200" dirty="0">
-              <a:solidFill>
-                <a:schemeClr val="tx1"/>
-              </a:solidFill>
-              <a:effectLst/>
-              <a:latin typeface="+mn-lt"/>
-              <a:ea typeface="+mn-ea"/>
-              <a:cs typeface="+mn-cs"/>
-            </a:endParaRPr>
-          </a:p>
-          <a:p>
-            <a:pPr marL="171450" lvl="0" indent="-171450">
-              <a:buFont typeface="Symbol" panose="05050102010706020507" pitchFamily="18" charset="2"/>
-              <a:buChar char="-"/>
-            </a:pPr>
-            <a:r>
-              <a:rPr lang="en-GB" sz="1200" kern="1200" dirty="0">
-                <a:solidFill>
-                  <a:schemeClr val="tx1"/>
-                </a:solidFill>
-                <a:effectLst/>
-                <a:latin typeface="+mn-lt"/>
-                <a:ea typeface="+mn-ea"/>
-                <a:cs typeface="+mn-cs"/>
-              </a:rPr>
-              <a:t>The problem with this solution is that company fear to lose stakeholders support disclosing their negative incidents</a:t>
-            </a:r>
-            <a:endParaRPr lang="de-DE" sz="1200" kern="1200" dirty="0">
-              <a:solidFill>
-                <a:schemeClr val="tx1"/>
-              </a:solidFill>
-              <a:effectLst/>
-              <a:latin typeface="+mn-lt"/>
-              <a:ea typeface="+mn-ea"/>
-              <a:cs typeface="+mn-cs"/>
-            </a:endParaRPr>
-          </a:p>
-          <a:p>
             <a:endParaRPr lang="en-GB" dirty="0"/>
           </a:p>
         </p:txBody>
@@ -1167,7 +717,7 @@
           <a:p>
             <a:fld id="{4EF36919-52F3-4202-8996-43E31FD6D033}" type="slidenum">
               <a:rPr lang="de-DE" smtClean="0"/>
-              <a:t>12</a:t>
+              <a:t>11</a:t>
             </a:fld>
             <a:endParaRPr lang="de-DE"/>
           </a:p>
@@ -1176,7 +726,7 @@
     </p:spTree>
     <p:extLst>
       <p:ext uri="{BB962C8B-B14F-4D97-AF65-F5344CB8AC3E}">
-        <p14:creationId xmlns:p14="http://schemas.microsoft.com/office/powerpoint/2010/main" val="83519038"/>
+        <p14:creationId xmlns:p14="http://schemas.microsoft.com/office/powerpoint/2010/main" val="2862645055"/>
       </p:ext>
     </p:extLst>
   </p:cSld>
@@ -1230,231 +780,6 @@
           <a:bodyPr/>
           <a:lstStyle/>
           <a:p>
-            <a:pPr marL="171450" lvl="0" indent="-171450">
-              <a:buFont typeface="Symbol" panose="05050102010706020507" pitchFamily="18" charset="2"/>
-              <a:buChar char="-"/>
-            </a:pPr>
-            <a:r>
-              <a:rPr lang="en-GB" sz="1200" kern="1200" dirty="0">
-                <a:solidFill>
-                  <a:schemeClr val="tx1"/>
-                </a:solidFill>
-                <a:effectLst/>
-                <a:latin typeface="+mn-lt"/>
-                <a:ea typeface="+mn-ea"/>
-                <a:cs typeface="+mn-cs"/>
-              </a:rPr>
-              <a:t>To give you an impression, how a CSR report may look like, I have an example from H&amp;M </a:t>
-            </a:r>
-          </a:p>
-          <a:p>
-            <a:pPr marL="171450" lvl="0" indent="-171450">
-              <a:buFont typeface="Symbol" panose="05050102010706020507" pitchFamily="18" charset="2"/>
-              <a:buChar char="-"/>
-            </a:pPr>
-            <a:r>
-              <a:rPr lang="en-GB" sz="1200" kern="1200" dirty="0">
-                <a:solidFill>
-                  <a:schemeClr val="tx1"/>
-                </a:solidFill>
-                <a:effectLst/>
-                <a:latin typeface="+mn-lt"/>
-                <a:ea typeface="+mn-ea"/>
-                <a:cs typeface="+mn-cs"/>
-              </a:rPr>
-              <a:t>Who of you would conclude that H&amp;M is a sustainable company?</a:t>
-            </a:r>
-            <a:endParaRPr lang="de-DE" sz="1200" kern="1200" dirty="0">
-              <a:solidFill>
-                <a:schemeClr val="tx1"/>
-              </a:solidFill>
-              <a:effectLst/>
-              <a:latin typeface="+mn-lt"/>
-              <a:ea typeface="+mn-ea"/>
-              <a:cs typeface="+mn-cs"/>
-            </a:endParaRPr>
-          </a:p>
-          <a:p>
-            <a:pPr marL="171450" lvl="0" indent="-171450">
-              <a:buFont typeface="Symbol" panose="05050102010706020507" pitchFamily="18" charset="2"/>
-              <a:buChar char="-"/>
-            </a:pPr>
-            <a:r>
-              <a:rPr lang="en-GB" sz="1200" kern="1200" dirty="0">
-                <a:solidFill>
-                  <a:schemeClr val="tx1"/>
-                </a:solidFill>
-                <a:effectLst/>
-                <a:latin typeface="+mn-lt"/>
-                <a:ea typeface="+mn-ea"/>
-                <a:cs typeface="+mn-cs"/>
-              </a:rPr>
-              <a:t>Maybe you might be a bit sceptical toward the report because it contains only positive content and if you are not you might get sceptical when I am showing you this report by a third party</a:t>
-            </a:r>
-            <a:endParaRPr lang="de-DE" sz="1200" kern="1200" dirty="0">
-              <a:solidFill>
-                <a:schemeClr val="tx1"/>
-              </a:solidFill>
-              <a:effectLst/>
-              <a:latin typeface="+mn-lt"/>
-              <a:ea typeface="+mn-ea"/>
-              <a:cs typeface="+mn-cs"/>
-            </a:endParaRPr>
-          </a:p>
-          <a:p>
-            <a:pPr marL="171450" lvl="0" indent="-171450">
-              <a:buFont typeface="Symbol" panose="05050102010706020507" pitchFamily="18" charset="2"/>
-              <a:buChar char="-"/>
-            </a:pPr>
-            <a:r>
-              <a:rPr lang="en-GB" sz="1200" kern="1200" dirty="0">
-                <a:solidFill>
-                  <a:schemeClr val="tx1"/>
-                </a:solidFill>
-                <a:effectLst/>
-                <a:latin typeface="+mn-lt"/>
-                <a:ea typeface="+mn-ea"/>
-                <a:cs typeface="+mn-cs"/>
-              </a:rPr>
-              <a:t>In general CSR reports face</a:t>
-            </a:r>
-            <a:r>
-              <a:rPr lang="de-DE" sz="1200" kern="1200" dirty="0">
-                <a:solidFill>
-                  <a:schemeClr val="tx1"/>
-                </a:solidFill>
-                <a:effectLst/>
-                <a:latin typeface="+mn-lt"/>
-                <a:ea typeface="+mn-ea"/>
-                <a:cs typeface="+mn-cs"/>
-              </a:rPr>
-              <a:t> </a:t>
-            </a:r>
-            <a:r>
-              <a:rPr lang="de-DE" sz="1200" kern="1200" dirty="0" err="1">
-                <a:solidFill>
-                  <a:schemeClr val="tx1"/>
-                </a:solidFill>
-                <a:effectLst/>
-                <a:latin typeface="+mn-lt"/>
-                <a:ea typeface="+mn-ea"/>
-                <a:cs typeface="+mn-cs"/>
-              </a:rPr>
-              <a:t>credibility</a:t>
-            </a:r>
-            <a:r>
-              <a:rPr lang="de-DE" sz="1200" kern="1200" dirty="0">
-                <a:solidFill>
-                  <a:schemeClr val="tx1"/>
-                </a:solidFill>
-                <a:effectLst/>
-                <a:latin typeface="+mn-lt"/>
-                <a:ea typeface="+mn-ea"/>
-                <a:cs typeface="+mn-cs"/>
-              </a:rPr>
-              <a:t> </a:t>
-            </a:r>
-            <a:r>
-              <a:rPr lang="de-DE" sz="1200" kern="1200" dirty="0" err="1">
-                <a:solidFill>
-                  <a:schemeClr val="tx1"/>
-                </a:solidFill>
-                <a:effectLst/>
-                <a:latin typeface="+mn-lt"/>
-                <a:ea typeface="+mn-ea"/>
-                <a:cs typeface="+mn-cs"/>
-              </a:rPr>
-              <a:t>issues</a:t>
-            </a:r>
-            <a:r>
-              <a:rPr lang="de-DE" sz="1200" kern="1200" dirty="0">
-                <a:solidFill>
-                  <a:schemeClr val="tx1"/>
-                </a:solidFill>
-                <a:effectLst/>
-                <a:latin typeface="+mn-lt"/>
-                <a:ea typeface="+mn-ea"/>
-                <a:cs typeface="+mn-cs"/>
-              </a:rPr>
-              <a:t> and </a:t>
-            </a:r>
-            <a:r>
-              <a:rPr lang="de-DE" sz="1200" kern="1200" dirty="0" err="1">
-                <a:solidFill>
-                  <a:schemeClr val="tx1"/>
-                </a:solidFill>
-                <a:effectLst/>
-                <a:latin typeface="+mn-lt"/>
-                <a:ea typeface="+mn-ea"/>
-                <a:cs typeface="+mn-cs"/>
-              </a:rPr>
-              <a:t>therefore</a:t>
-            </a:r>
-            <a:endParaRPr lang="de-DE" sz="1200" kern="1200" dirty="0">
-              <a:solidFill>
-                <a:schemeClr val="tx1"/>
-              </a:solidFill>
-              <a:effectLst/>
-              <a:latin typeface="+mn-lt"/>
-              <a:ea typeface="+mn-ea"/>
-              <a:cs typeface="+mn-cs"/>
-            </a:endParaRPr>
-          </a:p>
-          <a:p>
-            <a:pPr marL="171450" lvl="0" indent="-171450">
-              <a:buFont typeface="Symbol" panose="05050102010706020507" pitchFamily="18" charset="2"/>
-              <a:buChar char="-"/>
-            </a:pPr>
-            <a:r>
-              <a:rPr lang="en-GB" sz="1200" kern="1200" dirty="0">
-                <a:solidFill>
-                  <a:schemeClr val="tx1"/>
-                </a:solidFill>
-                <a:effectLst/>
-                <a:latin typeface="+mn-lt"/>
-                <a:ea typeface="+mn-ea"/>
-                <a:cs typeface="+mn-cs"/>
-              </a:rPr>
-              <a:t>Global Reporting Initiative offers to provide a truly transparent CSR report balancing positive and negative incidents </a:t>
-            </a:r>
-            <a:endParaRPr lang="de-DE" sz="1200" kern="1200" dirty="0">
-              <a:solidFill>
-                <a:schemeClr val="tx1"/>
-              </a:solidFill>
-              <a:effectLst/>
-              <a:latin typeface="+mn-lt"/>
-              <a:ea typeface="+mn-ea"/>
-              <a:cs typeface="+mn-cs"/>
-            </a:endParaRPr>
-          </a:p>
-          <a:p>
-            <a:pPr marL="171450" lvl="0" indent="-171450">
-              <a:buFont typeface="Symbol" panose="05050102010706020507" pitchFamily="18" charset="2"/>
-              <a:buChar char="-"/>
-            </a:pPr>
-            <a:r>
-              <a:rPr lang="en-GB" sz="1200" kern="1200" dirty="0">
-                <a:solidFill>
-                  <a:schemeClr val="tx1"/>
-                </a:solidFill>
-                <a:effectLst/>
-                <a:latin typeface="+mn-lt"/>
-                <a:ea typeface="+mn-ea"/>
-                <a:cs typeface="+mn-cs"/>
-              </a:rPr>
-              <a:t>The problem with this solution is that company fear to lose stakeholders support disclosing their negative incidents</a:t>
-            </a:r>
-            <a:endParaRPr lang="de-DE" sz="1200" kern="1200" dirty="0">
-              <a:solidFill>
-                <a:schemeClr val="tx1"/>
-              </a:solidFill>
-              <a:effectLst/>
-              <a:latin typeface="+mn-lt"/>
-              <a:ea typeface="+mn-ea"/>
-              <a:cs typeface="+mn-cs"/>
-            </a:endParaRPr>
-          </a:p>
-          <a:p>
             <a:endParaRPr lang="en-GB" dirty="0"/>
           </a:p>
         </p:txBody>
@@ -1476,7 +801,7 @@
           <a:p>
             <a:fld id="{4EF36919-52F3-4202-8996-43E31FD6D033}" type="slidenum">
               <a:rPr lang="de-DE" smtClean="0"/>
-              <a:t>13</a:t>
+              <a:t>12</a:t>
             </a:fld>
             <a:endParaRPr lang="de-DE"/>
           </a:p>
@@ -1485,7 +810,7 @@
     </p:spTree>
     <p:extLst>
       <p:ext uri="{BB962C8B-B14F-4D97-AF65-F5344CB8AC3E}">
-        <p14:creationId xmlns:p14="http://schemas.microsoft.com/office/powerpoint/2010/main" val="2647616753"/>
+        <p14:creationId xmlns:p14="http://schemas.microsoft.com/office/powerpoint/2010/main" val="83519038"/>
       </p:ext>
     </p:extLst>
   </p:cSld>
@@ -1539,231 +864,6 @@
           <a:bodyPr/>
           <a:lstStyle/>
           <a:p>
-            <a:pPr marL="171450" lvl="0" indent="-171450">
-              <a:buFont typeface="Symbol" panose="05050102010706020507" pitchFamily="18" charset="2"/>
-              <a:buChar char="-"/>
-            </a:pPr>
-            <a:r>
-              <a:rPr lang="en-GB" sz="1200" kern="1200" dirty="0">
-                <a:solidFill>
-                  <a:schemeClr val="tx1"/>
-                </a:solidFill>
-                <a:effectLst/>
-                <a:latin typeface="+mn-lt"/>
-                <a:ea typeface="+mn-ea"/>
-                <a:cs typeface="+mn-cs"/>
-              </a:rPr>
-              <a:t>To give you an impression, how a CSR report may look like, I have an example from H&amp;M </a:t>
-            </a:r>
-          </a:p>
-          <a:p>
-            <a:pPr marL="171450" lvl="0" indent="-171450">
-              <a:buFont typeface="Symbol" panose="05050102010706020507" pitchFamily="18" charset="2"/>
-              <a:buChar char="-"/>
-            </a:pPr>
-            <a:r>
-              <a:rPr lang="en-GB" sz="1200" kern="1200" dirty="0">
-                <a:solidFill>
-                  <a:schemeClr val="tx1"/>
-                </a:solidFill>
-                <a:effectLst/>
-                <a:latin typeface="+mn-lt"/>
-                <a:ea typeface="+mn-ea"/>
-                <a:cs typeface="+mn-cs"/>
-              </a:rPr>
-              <a:t>Who of you would conclude that H&amp;M is a sustainable company?</a:t>
-            </a:r>
-            <a:endParaRPr lang="de-DE" sz="1200" kern="1200" dirty="0">
-              <a:solidFill>
-                <a:schemeClr val="tx1"/>
-              </a:solidFill>
-              <a:effectLst/>
-              <a:latin typeface="+mn-lt"/>
-              <a:ea typeface="+mn-ea"/>
-              <a:cs typeface="+mn-cs"/>
-            </a:endParaRPr>
-          </a:p>
-          <a:p>
-            <a:pPr marL="171450" lvl="0" indent="-171450">
-              <a:buFont typeface="Symbol" panose="05050102010706020507" pitchFamily="18" charset="2"/>
-              <a:buChar char="-"/>
-            </a:pPr>
-            <a:r>
-              <a:rPr lang="en-GB" sz="1200" kern="1200" dirty="0">
-                <a:solidFill>
-                  <a:schemeClr val="tx1"/>
-                </a:solidFill>
-                <a:effectLst/>
-                <a:latin typeface="+mn-lt"/>
-                <a:ea typeface="+mn-ea"/>
-                <a:cs typeface="+mn-cs"/>
-              </a:rPr>
-              <a:t>Maybe you might be a bit sceptical toward the report because it contains only positive content and if you are not you might get sceptical when I am showing you this report by a third party</a:t>
-            </a:r>
-            <a:endParaRPr lang="de-DE" sz="1200" kern="1200" dirty="0">
-              <a:solidFill>
-                <a:schemeClr val="tx1"/>
-              </a:solidFill>
-              <a:effectLst/>
-              <a:latin typeface="+mn-lt"/>
-              <a:ea typeface="+mn-ea"/>
-              <a:cs typeface="+mn-cs"/>
-            </a:endParaRPr>
-          </a:p>
-          <a:p>
-            <a:pPr marL="171450" lvl="0" indent="-171450">
-              <a:buFont typeface="Symbol" panose="05050102010706020507" pitchFamily="18" charset="2"/>
-              <a:buChar char="-"/>
-            </a:pPr>
-            <a:r>
-              <a:rPr lang="en-GB" sz="1200" kern="1200" dirty="0">
-                <a:solidFill>
-                  <a:schemeClr val="tx1"/>
-                </a:solidFill>
-                <a:effectLst/>
-                <a:latin typeface="+mn-lt"/>
-                <a:ea typeface="+mn-ea"/>
-                <a:cs typeface="+mn-cs"/>
-              </a:rPr>
-              <a:t>In general CSR reports face</a:t>
-            </a:r>
-            <a:r>
-              <a:rPr lang="de-DE" sz="1200" kern="1200" dirty="0">
-                <a:solidFill>
-                  <a:schemeClr val="tx1"/>
-                </a:solidFill>
-                <a:effectLst/>
-                <a:latin typeface="+mn-lt"/>
-                <a:ea typeface="+mn-ea"/>
-                <a:cs typeface="+mn-cs"/>
-              </a:rPr>
-              <a:t> </a:t>
-            </a:r>
-            <a:r>
-              <a:rPr lang="de-DE" sz="1200" kern="1200" dirty="0" err="1">
-                <a:solidFill>
-                  <a:schemeClr val="tx1"/>
-                </a:solidFill>
-                <a:effectLst/>
-                <a:latin typeface="+mn-lt"/>
-                <a:ea typeface="+mn-ea"/>
-                <a:cs typeface="+mn-cs"/>
-              </a:rPr>
-              <a:t>credibility</a:t>
-            </a:r>
-            <a:r>
-              <a:rPr lang="de-DE" sz="1200" kern="1200" dirty="0">
-                <a:solidFill>
-                  <a:schemeClr val="tx1"/>
-                </a:solidFill>
-                <a:effectLst/>
-                <a:latin typeface="+mn-lt"/>
-                <a:ea typeface="+mn-ea"/>
-                <a:cs typeface="+mn-cs"/>
-              </a:rPr>
-              <a:t> </a:t>
-            </a:r>
-            <a:r>
-              <a:rPr lang="de-DE" sz="1200" kern="1200" dirty="0" err="1">
-                <a:solidFill>
-                  <a:schemeClr val="tx1"/>
-                </a:solidFill>
-                <a:effectLst/>
-                <a:latin typeface="+mn-lt"/>
-                <a:ea typeface="+mn-ea"/>
-                <a:cs typeface="+mn-cs"/>
-              </a:rPr>
-              <a:t>issues</a:t>
-            </a:r>
-            <a:r>
-              <a:rPr lang="de-DE" sz="1200" kern="1200" dirty="0">
-                <a:solidFill>
-                  <a:schemeClr val="tx1"/>
-                </a:solidFill>
-                <a:effectLst/>
-                <a:latin typeface="+mn-lt"/>
-                <a:ea typeface="+mn-ea"/>
-                <a:cs typeface="+mn-cs"/>
-              </a:rPr>
-              <a:t> and </a:t>
-            </a:r>
-            <a:r>
-              <a:rPr lang="de-DE" sz="1200" kern="1200" dirty="0" err="1">
-                <a:solidFill>
-                  <a:schemeClr val="tx1"/>
-                </a:solidFill>
-                <a:effectLst/>
-                <a:latin typeface="+mn-lt"/>
-                <a:ea typeface="+mn-ea"/>
-                <a:cs typeface="+mn-cs"/>
-              </a:rPr>
-              <a:t>therefore</a:t>
-            </a:r>
-            <a:endParaRPr lang="de-DE" sz="1200" kern="1200" dirty="0">
-              <a:solidFill>
-                <a:schemeClr val="tx1"/>
-              </a:solidFill>
-              <a:effectLst/>
-              <a:latin typeface="+mn-lt"/>
-              <a:ea typeface="+mn-ea"/>
-              <a:cs typeface="+mn-cs"/>
-            </a:endParaRPr>
-          </a:p>
-          <a:p>
-            <a:pPr marL="171450" lvl="0" indent="-171450">
-              <a:buFont typeface="Symbol" panose="05050102010706020507" pitchFamily="18" charset="2"/>
-              <a:buChar char="-"/>
-            </a:pPr>
-            <a:r>
-              <a:rPr lang="en-GB" sz="1200" kern="1200" dirty="0">
-                <a:solidFill>
-                  <a:schemeClr val="tx1"/>
-                </a:solidFill>
-                <a:effectLst/>
-                <a:latin typeface="+mn-lt"/>
-                <a:ea typeface="+mn-ea"/>
-                <a:cs typeface="+mn-cs"/>
-              </a:rPr>
-              <a:t>Global Reporting Initiative offers to provide a truly transparent CSR report balancing positive and negative incidents </a:t>
-            </a:r>
-            <a:endParaRPr lang="de-DE" sz="1200" kern="1200" dirty="0">
-              <a:solidFill>
-                <a:schemeClr val="tx1"/>
-              </a:solidFill>
-              <a:effectLst/>
-              <a:latin typeface="+mn-lt"/>
-              <a:ea typeface="+mn-ea"/>
-              <a:cs typeface="+mn-cs"/>
-            </a:endParaRPr>
-          </a:p>
-          <a:p>
-            <a:pPr marL="171450" lvl="0" indent="-171450">
-              <a:buFont typeface="Symbol" panose="05050102010706020507" pitchFamily="18" charset="2"/>
-              <a:buChar char="-"/>
-            </a:pPr>
-            <a:r>
-              <a:rPr lang="en-GB" sz="1200" kern="1200" dirty="0">
-                <a:solidFill>
-                  <a:schemeClr val="tx1"/>
-                </a:solidFill>
-                <a:effectLst/>
-                <a:latin typeface="+mn-lt"/>
-                <a:ea typeface="+mn-ea"/>
-                <a:cs typeface="+mn-cs"/>
-              </a:rPr>
-              <a:t>The problem with this solution is that company fear to lose stakeholders support disclosing their negative incidents</a:t>
-            </a:r>
-            <a:endParaRPr lang="de-DE" sz="1200" kern="1200" dirty="0">
-              <a:solidFill>
-                <a:schemeClr val="tx1"/>
-              </a:solidFill>
-              <a:effectLst/>
-              <a:latin typeface="+mn-lt"/>
-              <a:ea typeface="+mn-ea"/>
-              <a:cs typeface="+mn-cs"/>
-            </a:endParaRPr>
-          </a:p>
-          <a:p>
             <a:endParaRPr lang="en-GB" dirty="0"/>
           </a:p>
         </p:txBody>
@@ -1785,7 +885,7 @@
           <a:p>
             <a:fld id="{4EF36919-52F3-4202-8996-43E31FD6D033}" type="slidenum">
               <a:rPr lang="de-DE" smtClean="0"/>
-              <a:t>14</a:t>
+              <a:t>13</a:t>
             </a:fld>
             <a:endParaRPr lang="de-DE"/>
           </a:p>
@@ -1794,7 +894,7 @@
     </p:spTree>
     <p:extLst>
       <p:ext uri="{BB962C8B-B14F-4D97-AF65-F5344CB8AC3E}">
-        <p14:creationId xmlns:p14="http://schemas.microsoft.com/office/powerpoint/2010/main" val="1519184826"/>
+        <p14:creationId xmlns:p14="http://schemas.microsoft.com/office/powerpoint/2010/main" val="2647616753"/>
       </p:ext>
     </p:extLst>
   </p:cSld>
@@ -1848,231 +948,6 @@
           <a:bodyPr/>
           <a:lstStyle/>
           <a:p>
-            <a:pPr marL="171450" lvl="0" indent="-171450">
-              <a:buFont typeface="Symbol" panose="05050102010706020507" pitchFamily="18" charset="2"/>
-              <a:buChar char="-"/>
-            </a:pPr>
-            <a:r>
-              <a:rPr lang="en-GB" sz="1200" kern="1200" dirty="0">
-                <a:solidFill>
-                  <a:schemeClr val="tx1"/>
-                </a:solidFill>
-                <a:effectLst/>
-                <a:latin typeface="+mn-lt"/>
-                <a:ea typeface="+mn-ea"/>
-                <a:cs typeface="+mn-cs"/>
-              </a:rPr>
-              <a:t>To give you an impression, how a CSR report may look like, I have an example from H&amp;M </a:t>
-            </a:r>
-          </a:p>
-          <a:p>
-            <a:pPr marL="171450" lvl="0" indent="-171450">
-              <a:buFont typeface="Symbol" panose="05050102010706020507" pitchFamily="18" charset="2"/>
-              <a:buChar char="-"/>
-            </a:pPr>
-            <a:r>
-              <a:rPr lang="en-GB" sz="1200" kern="1200" dirty="0">
-                <a:solidFill>
-                  <a:schemeClr val="tx1"/>
-                </a:solidFill>
-                <a:effectLst/>
-                <a:latin typeface="+mn-lt"/>
-                <a:ea typeface="+mn-ea"/>
-                <a:cs typeface="+mn-cs"/>
-              </a:rPr>
-              <a:t>Who of you would conclude that H&amp;M is a sustainable company?</a:t>
-            </a:r>
-            <a:endParaRPr lang="de-DE" sz="1200" kern="1200" dirty="0">
-              <a:solidFill>
-                <a:schemeClr val="tx1"/>
-              </a:solidFill>
-              <a:effectLst/>
-              <a:latin typeface="+mn-lt"/>
-              <a:ea typeface="+mn-ea"/>
-              <a:cs typeface="+mn-cs"/>
-            </a:endParaRPr>
-          </a:p>
-          <a:p>
-            <a:pPr marL="171450" lvl="0" indent="-171450">
-              <a:buFont typeface="Symbol" panose="05050102010706020507" pitchFamily="18" charset="2"/>
-              <a:buChar char="-"/>
-            </a:pPr>
-            <a:r>
-              <a:rPr lang="en-GB" sz="1200" kern="1200" dirty="0">
-                <a:solidFill>
-                  <a:schemeClr val="tx1"/>
-                </a:solidFill>
-                <a:effectLst/>
-                <a:latin typeface="+mn-lt"/>
-                <a:ea typeface="+mn-ea"/>
-                <a:cs typeface="+mn-cs"/>
-              </a:rPr>
-              <a:t>Maybe you might be a bit sceptical toward the report because it contains only positive content and if you are not you might get sceptical when I am showing you this report by a third party</a:t>
-            </a:r>
-            <a:endParaRPr lang="de-DE" sz="1200" kern="1200" dirty="0">
-              <a:solidFill>
-                <a:schemeClr val="tx1"/>
-              </a:solidFill>
-              <a:effectLst/>
-              <a:latin typeface="+mn-lt"/>
-              <a:ea typeface="+mn-ea"/>
-              <a:cs typeface="+mn-cs"/>
-            </a:endParaRPr>
-          </a:p>
-          <a:p>
-            <a:pPr marL="171450" lvl="0" indent="-171450">
-              <a:buFont typeface="Symbol" panose="05050102010706020507" pitchFamily="18" charset="2"/>
-              <a:buChar char="-"/>
-            </a:pPr>
-            <a:r>
-              <a:rPr lang="en-GB" sz="1200" kern="1200" dirty="0">
-                <a:solidFill>
-                  <a:schemeClr val="tx1"/>
-                </a:solidFill>
-                <a:effectLst/>
-                <a:latin typeface="+mn-lt"/>
-                <a:ea typeface="+mn-ea"/>
-                <a:cs typeface="+mn-cs"/>
-              </a:rPr>
-              <a:t>In general CSR reports face</a:t>
-            </a:r>
-            <a:r>
-              <a:rPr lang="de-DE" sz="1200" kern="1200" dirty="0">
-                <a:solidFill>
-                  <a:schemeClr val="tx1"/>
-                </a:solidFill>
-                <a:effectLst/>
-                <a:latin typeface="+mn-lt"/>
-                <a:ea typeface="+mn-ea"/>
-                <a:cs typeface="+mn-cs"/>
-              </a:rPr>
-              <a:t> </a:t>
-            </a:r>
-            <a:r>
-              <a:rPr lang="de-DE" sz="1200" kern="1200" dirty="0" err="1">
-                <a:solidFill>
-                  <a:schemeClr val="tx1"/>
-                </a:solidFill>
-                <a:effectLst/>
-                <a:latin typeface="+mn-lt"/>
-                <a:ea typeface="+mn-ea"/>
-                <a:cs typeface="+mn-cs"/>
-              </a:rPr>
-              <a:t>credibility</a:t>
-            </a:r>
-            <a:r>
-              <a:rPr lang="de-DE" sz="1200" kern="1200" dirty="0">
-                <a:solidFill>
-                  <a:schemeClr val="tx1"/>
-                </a:solidFill>
-                <a:effectLst/>
-                <a:latin typeface="+mn-lt"/>
-                <a:ea typeface="+mn-ea"/>
-                <a:cs typeface="+mn-cs"/>
-              </a:rPr>
-              <a:t> </a:t>
-            </a:r>
-            <a:r>
-              <a:rPr lang="de-DE" sz="1200" kern="1200" dirty="0" err="1">
-                <a:solidFill>
-                  <a:schemeClr val="tx1"/>
-                </a:solidFill>
-                <a:effectLst/>
-                <a:latin typeface="+mn-lt"/>
-                <a:ea typeface="+mn-ea"/>
-                <a:cs typeface="+mn-cs"/>
-              </a:rPr>
-              <a:t>issues</a:t>
-            </a:r>
-            <a:r>
-              <a:rPr lang="de-DE" sz="1200" kern="1200" dirty="0">
-                <a:solidFill>
-                  <a:schemeClr val="tx1"/>
-                </a:solidFill>
-                <a:effectLst/>
-                <a:latin typeface="+mn-lt"/>
-                <a:ea typeface="+mn-ea"/>
-                <a:cs typeface="+mn-cs"/>
-              </a:rPr>
-              <a:t> and </a:t>
-            </a:r>
-            <a:r>
-              <a:rPr lang="de-DE" sz="1200" kern="1200" dirty="0" err="1">
-                <a:solidFill>
-                  <a:schemeClr val="tx1"/>
-                </a:solidFill>
-                <a:effectLst/>
-                <a:latin typeface="+mn-lt"/>
-                <a:ea typeface="+mn-ea"/>
-                <a:cs typeface="+mn-cs"/>
-              </a:rPr>
-              <a:t>therefore</a:t>
-            </a:r>
-            <a:endParaRPr lang="de-DE" sz="1200" kern="1200" dirty="0">
-              <a:solidFill>
-                <a:schemeClr val="tx1"/>
-              </a:solidFill>
-              <a:effectLst/>
-              <a:latin typeface="+mn-lt"/>
-              <a:ea typeface="+mn-ea"/>
-              <a:cs typeface="+mn-cs"/>
-            </a:endParaRPr>
-          </a:p>
-          <a:p>
-            <a:pPr marL="171450" lvl="0" indent="-171450">
-              <a:buFont typeface="Symbol" panose="05050102010706020507" pitchFamily="18" charset="2"/>
-              <a:buChar char="-"/>
-            </a:pPr>
-            <a:r>
-              <a:rPr lang="en-GB" sz="1200" kern="1200" dirty="0">
-                <a:solidFill>
-                  <a:schemeClr val="tx1"/>
-                </a:solidFill>
-                <a:effectLst/>
-                <a:latin typeface="+mn-lt"/>
-                <a:ea typeface="+mn-ea"/>
-                <a:cs typeface="+mn-cs"/>
-              </a:rPr>
-              <a:t>Global Reporting Initiative offers to provide a truly transparent CSR report balancing positive and negative incidents </a:t>
-            </a:r>
-            <a:endParaRPr lang="de-DE" sz="1200" kern="1200" dirty="0">
-              <a:solidFill>
-                <a:schemeClr val="tx1"/>
-              </a:solidFill>
-              <a:effectLst/>
-              <a:latin typeface="+mn-lt"/>
-              <a:ea typeface="+mn-ea"/>
-              <a:cs typeface="+mn-cs"/>
-            </a:endParaRPr>
-          </a:p>
-          <a:p>
-            <a:pPr marL="171450" lvl="0" indent="-171450">
-              <a:buFont typeface="Symbol" panose="05050102010706020507" pitchFamily="18" charset="2"/>
-              <a:buChar char="-"/>
-            </a:pPr>
-            <a:r>
-              <a:rPr lang="en-GB" sz="1200" kern="1200" dirty="0">
-                <a:solidFill>
-                  <a:schemeClr val="tx1"/>
-                </a:solidFill>
-                <a:effectLst/>
-                <a:latin typeface="+mn-lt"/>
-                <a:ea typeface="+mn-ea"/>
-                <a:cs typeface="+mn-cs"/>
-              </a:rPr>
-              <a:t>The problem with this solution is that company fear to lose stakeholders support disclosing their negative incidents</a:t>
-            </a:r>
-            <a:endParaRPr lang="de-DE" sz="1200" kern="1200" dirty="0">
-              <a:solidFill>
-                <a:schemeClr val="tx1"/>
-              </a:solidFill>
-              <a:effectLst/>
-              <a:latin typeface="+mn-lt"/>
-              <a:ea typeface="+mn-ea"/>
-              <a:cs typeface="+mn-cs"/>
-            </a:endParaRPr>
-          </a:p>
-          <a:p>
             <a:endParaRPr lang="en-GB" dirty="0"/>
           </a:p>
         </p:txBody>
@@ -2094,7 +969,7 @@
           <a:p>
             <a:fld id="{4EF36919-52F3-4202-8996-43E31FD6D033}" type="slidenum">
               <a:rPr lang="de-DE" smtClean="0"/>
-              <a:t>15</a:t>
+              <a:t>14</a:t>
             </a:fld>
             <a:endParaRPr lang="de-DE"/>
           </a:p>
@@ -2103,7 +978,7 @@
     </p:spTree>
     <p:extLst>
       <p:ext uri="{BB962C8B-B14F-4D97-AF65-F5344CB8AC3E}">
-        <p14:creationId xmlns:p14="http://schemas.microsoft.com/office/powerpoint/2010/main" val="2359861724"/>
+        <p14:creationId xmlns:p14="http://schemas.microsoft.com/office/powerpoint/2010/main" val="1519184826"/>
       </p:ext>
     </p:extLst>
   </p:cSld>
@@ -2157,231 +1032,6 @@
           <a:bodyPr/>
           <a:lstStyle/>
           <a:p>
-            <a:pPr marL="171450" lvl="0" indent="-171450">
-              <a:buFont typeface="Symbol" panose="05050102010706020507" pitchFamily="18" charset="2"/>
-              <a:buChar char="-"/>
-            </a:pPr>
-            <a:r>
-              <a:rPr lang="en-GB" sz="1200" kern="1200" dirty="0">
-                <a:solidFill>
-                  <a:schemeClr val="tx1"/>
-                </a:solidFill>
-                <a:effectLst/>
-                <a:latin typeface="+mn-lt"/>
-                <a:ea typeface="+mn-ea"/>
-                <a:cs typeface="+mn-cs"/>
-              </a:rPr>
-              <a:t>To give you an impression, how a CSR report may look like, I have an example from H&amp;M </a:t>
-            </a:r>
-          </a:p>
-          <a:p>
-            <a:pPr marL="171450" lvl="0" indent="-171450">
-              <a:buFont typeface="Symbol" panose="05050102010706020507" pitchFamily="18" charset="2"/>
-              <a:buChar char="-"/>
-            </a:pPr>
-            <a:r>
-              <a:rPr lang="en-GB" sz="1200" kern="1200" dirty="0">
-                <a:solidFill>
-                  <a:schemeClr val="tx1"/>
-                </a:solidFill>
-                <a:effectLst/>
-                <a:latin typeface="+mn-lt"/>
-                <a:ea typeface="+mn-ea"/>
-                <a:cs typeface="+mn-cs"/>
-              </a:rPr>
-              <a:t>Who of you would conclude that H&amp;M is a sustainable company?</a:t>
-            </a:r>
-            <a:endParaRPr lang="de-DE" sz="1200" kern="1200" dirty="0">
-              <a:solidFill>
-                <a:schemeClr val="tx1"/>
-              </a:solidFill>
-              <a:effectLst/>
-              <a:latin typeface="+mn-lt"/>
-              <a:ea typeface="+mn-ea"/>
-              <a:cs typeface="+mn-cs"/>
-            </a:endParaRPr>
-          </a:p>
-          <a:p>
-            <a:pPr marL="171450" lvl="0" indent="-171450">
-              <a:buFont typeface="Symbol" panose="05050102010706020507" pitchFamily="18" charset="2"/>
-              <a:buChar char="-"/>
-            </a:pPr>
-            <a:r>
-              <a:rPr lang="en-GB" sz="1200" kern="1200" dirty="0">
-                <a:solidFill>
-                  <a:schemeClr val="tx1"/>
-                </a:solidFill>
-                <a:effectLst/>
-                <a:latin typeface="+mn-lt"/>
-                <a:ea typeface="+mn-ea"/>
-                <a:cs typeface="+mn-cs"/>
-              </a:rPr>
-              <a:t>Maybe you might be a bit sceptical toward the report because it contains only positive content and if you are not you might get sceptical when I am showing you this report by a third party</a:t>
-            </a:r>
-            <a:endParaRPr lang="de-DE" sz="1200" kern="1200" dirty="0">
-              <a:solidFill>
-                <a:schemeClr val="tx1"/>
-              </a:solidFill>
-              <a:effectLst/>
-              <a:latin typeface="+mn-lt"/>
-              <a:ea typeface="+mn-ea"/>
-              <a:cs typeface="+mn-cs"/>
-            </a:endParaRPr>
-          </a:p>
-          <a:p>
-            <a:pPr marL="171450" lvl="0" indent="-171450">
-              <a:buFont typeface="Symbol" panose="05050102010706020507" pitchFamily="18" charset="2"/>
-              <a:buChar char="-"/>
-            </a:pPr>
-            <a:r>
-              <a:rPr lang="en-GB" sz="1200" kern="1200" dirty="0">
-                <a:solidFill>
-                  <a:schemeClr val="tx1"/>
-                </a:solidFill>
-                <a:effectLst/>
-                <a:latin typeface="+mn-lt"/>
-                <a:ea typeface="+mn-ea"/>
-                <a:cs typeface="+mn-cs"/>
-              </a:rPr>
-              <a:t>In general CSR reports face</a:t>
-            </a:r>
-            <a:r>
-              <a:rPr lang="de-DE" sz="1200" kern="1200" dirty="0">
-                <a:solidFill>
-                  <a:schemeClr val="tx1"/>
-                </a:solidFill>
-                <a:effectLst/>
-                <a:latin typeface="+mn-lt"/>
-                <a:ea typeface="+mn-ea"/>
-                <a:cs typeface="+mn-cs"/>
-              </a:rPr>
-              <a:t> </a:t>
-            </a:r>
-            <a:r>
-              <a:rPr lang="de-DE" sz="1200" kern="1200" dirty="0" err="1">
-                <a:solidFill>
-                  <a:schemeClr val="tx1"/>
-                </a:solidFill>
-                <a:effectLst/>
-                <a:latin typeface="+mn-lt"/>
-                <a:ea typeface="+mn-ea"/>
-                <a:cs typeface="+mn-cs"/>
-              </a:rPr>
-              <a:t>credibility</a:t>
-            </a:r>
-            <a:r>
-              <a:rPr lang="de-DE" sz="1200" kern="1200" dirty="0">
-                <a:solidFill>
-                  <a:schemeClr val="tx1"/>
-                </a:solidFill>
-                <a:effectLst/>
-                <a:latin typeface="+mn-lt"/>
-                <a:ea typeface="+mn-ea"/>
-                <a:cs typeface="+mn-cs"/>
-              </a:rPr>
-              <a:t> </a:t>
-            </a:r>
-            <a:r>
-              <a:rPr lang="de-DE" sz="1200" kern="1200" dirty="0" err="1">
-                <a:solidFill>
-                  <a:schemeClr val="tx1"/>
-                </a:solidFill>
-                <a:effectLst/>
-                <a:latin typeface="+mn-lt"/>
-                <a:ea typeface="+mn-ea"/>
-                <a:cs typeface="+mn-cs"/>
-              </a:rPr>
-              <a:t>issues</a:t>
-            </a:r>
-            <a:r>
-              <a:rPr lang="de-DE" sz="1200" kern="1200" dirty="0">
-                <a:solidFill>
-                  <a:schemeClr val="tx1"/>
-                </a:solidFill>
-                <a:effectLst/>
-                <a:latin typeface="+mn-lt"/>
-                <a:ea typeface="+mn-ea"/>
-                <a:cs typeface="+mn-cs"/>
-              </a:rPr>
-              <a:t> and </a:t>
-            </a:r>
-            <a:r>
-              <a:rPr lang="de-DE" sz="1200" kern="1200" dirty="0" err="1">
-                <a:solidFill>
-                  <a:schemeClr val="tx1"/>
-                </a:solidFill>
-                <a:effectLst/>
-                <a:latin typeface="+mn-lt"/>
-                <a:ea typeface="+mn-ea"/>
-                <a:cs typeface="+mn-cs"/>
-              </a:rPr>
-              <a:t>therefore</a:t>
-            </a:r>
-            <a:endParaRPr lang="de-DE" sz="1200" kern="1200" dirty="0">
-              <a:solidFill>
-                <a:schemeClr val="tx1"/>
-              </a:solidFill>
-              <a:effectLst/>
-              <a:latin typeface="+mn-lt"/>
-              <a:ea typeface="+mn-ea"/>
-              <a:cs typeface="+mn-cs"/>
-            </a:endParaRPr>
-          </a:p>
-          <a:p>
-            <a:pPr marL="171450" lvl="0" indent="-171450">
-              <a:buFont typeface="Symbol" panose="05050102010706020507" pitchFamily="18" charset="2"/>
-              <a:buChar char="-"/>
-            </a:pPr>
-            <a:r>
-              <a:rPr lang="en-GB" sz="1200" kern="1200" dirty="0">
-                <a:solidFill>
-                  <a:schemeClr val="tx1"/>
-                </a:solidFill>
-                <a:effectLst/>
-                <a:latin typeface="+mn-lt"/>
-                <a:ea typeface="+mn-ea"/>
-                <a:cs typeface="+mn-cs"/>
-              </a:rPr>
-              <a:t>Global Reporting Initiative offers to provide a truly transparent CSR report balancing positive and negative incidents </a:t>
-            </a:r>
-            <a:endParaRPr lang="de-DE" sz="1200" kern="1200" dirty="0">
-              <a:solidFill>
-                <a:schemeClr val="tx1"/>
-              </a:solidFill>
-              <a:effectLst/>
-              <a:latin typeface="+mn-lt"/>
-              <a:ea typeface="+mn-ea"/>
-              <a:cs typeface="+mn-cs"/>
-            </a:endParaRPr>
-          </a:p>
-          <a:p>
-            <a:pPr marL="171450" lvl="0" indent="-171450">
-              <a:buFont typeface="Symbol" panose="05050102010706020507" pitchFamily="18" charset="2"/>
-              <a:buChar char="-"/>
-            </a:pPr>
-            <a:r>
-              <a:rPr lang="en-GB" sz="1200" kern="1200" dirty="0">
-                <a:solidFill>
-                  <a:schemeClr val="tx1"/>
-                </a:solidFill>
-                <a:effectLst/>
-                <a:latin typeface="+mn-lt"/>
-                <a:ea typeface="+mn-ea"/>
-                <a:cs typeface="+mn-cs"/>
-              </a:rPr>
-              <a:t>The problem with this solution is that company fear to lose stakeholders support disclosing their negative incidents</a:t>
-            </a:r>
-            <a:endParaRPr lang="de-DE" sz="1200" kern="1200" dirty="0">
-              <a:solidFill>
-                <a:schemeClr val="tx1"/>
-              </a:solidFill>
-              <a:effectLst/>
-              <a:latin typeface="+mn-lt"/>
-              <a:ea typeface="+mn-ea"/>
-              <a:cs typeface="+mn-cs"/>
-            </a:endParaRPr>
-          </a:p>
-          <a:p>
             <a:endParaRPr lang="en-GB" dirty="0"/>
           </a:p>
         </p:txBody>
@@ -2403,7 +1053,7 @@
           <a:p>
             <a:fld id="{4EF36919-52F3-4202-8996-43E31FD6D033}" type="slidenum">
               <a:rPr lang="de-DE" smtClean="0"/>
-              <a:t>16</a:t>
+              <a:t>15</a:t>
             </a:fld>
             <a:endParaRPr lang="de-DE"/>
           </a:p>
@@ -2412,7 +1062,7 @@
     </p:spTree>
     <p:extLst>
       <p:ext uri="{BB962C8B-B14F-4D97-AF65-F5344CB8AC3E}">
-        <p14:creationId xmlns:p14="http://schemas.microsoft.com/office/powerpoint/2010/main" val="1411973688"/>
+        <p14:creationId xmlns:p14="http://schemas.microsoft.com/office/powerpoint/2010/main" val="2359861724"/>
       </p:ext>
     </p:extLst>
   </p:cSld>
@@ -2466,229 +1116,10 @@
           <a:bodyPr/>
           <a:lstStyle/>
           <a:p>
-            <a:pPr marL="171450" lvl="0" indent="-171450">
-              <a:buFont typeface="Symbol" panose="05050102010706020507" pitchFamily="18" charset="2"/>
-              <a:buChar char="-"/>
-            </a:pPr>
-            <a:r>
-              <a:rPr lang="en-GB" sz="1200" kern="1200" dirty="0">
-                <a:solidFill>
-                  <a:schemeClr val="tx1"/>
-                </a:solidFill>
-                <a:effectLst/>
-                <a:latin typeface="+mn-lt"/>
-                <a:ea typeface="+mn-ea"/>
-                <a:cs typeface="+mn-cs"/>
-              </a:rPr>
-              <a:t>To give you an impression, how a CSR report may look like, I have an example from H&amp;M </a:t>
-            </a:r>
-          </a:p>
-          <a:p>
-            <a:pPr marL="171450" lvl="0" indent="-171450">
-              <a:buFont typeface="Symbol" panose="05050102010706020507" pitchFamily="18" charset="2"/>
-              <a:buChar char="-"/>
-            </a:pPr>
-            <a:r>
-              <a:rPr lang="en-GB" sz="1200" kern="1200" dirty="0">
-                <a:solidFill>
-                  <a:schemeClr val="tx1"/>
-                </a:solidFill>
-                <a:effectLst/>
-                <a:latin typeface="+mn-lt"/>
-                <a:ea typeface="+mn-ea"/>
-                <a:cs typeface="+mn-cs"/>
-              </a:rPr>
-              <a:t>Who of you would conclude that H&amp;M is a sustainable company?</a:t>
-            </a:r>
-            <a:endParaRPr lang="de-DE" sz="1200" kern="1200" dirty="0">
-              <a:solidFill>
-                <a:schemeClr val="tx1"/>
-              </a:solidFill>
-              <a:effectLst/>
-              <a:latin typeface="+mn-lt"/>
-              <a:ea typeface="+mn-ea"/>
-              <a:cs typeface="+mn-cs"/>
-            </a:endParaRPr>
-          </a:p>
-          <a:p>
-            <a:pPr marL="171450" lvl="0" indent="-171450">
-              <a:buFont typeface="Symbol" panose="05050102010706020507" pitchFamily="18" charset="2"/>
-              <a:buChar char="-"/>
-            </a:pPr>
-            <a:r>
-              <a:rPr lang="en-GB" sz="1200" kern="1200" dirty="0">
-                <a:solidFill>
-                  <a:schemeClr val="tx1"/>
-                </a:solidFill>
-                <a:effectLst/>
-                <a:latin typeface="+mn-lt"/>
-                <a:ea typeface="+mn-ea"/>
-                <a:cs typeface="+mn-cs"/>
-              </a:rPr>
-              <a:t>Maybe you might be a bit sceptical toward the report because it contains only positive content and if you are not you might get sceptical when I am showing you this report by a third party</a:t>
-            </a:r>
-            <a:endParaRPr lang="de-DE" sz="1200" kern="1200" dirty="0">
-              <a:solidFill>
-                <a:schemeClr val="tx1"/>
-              </a:solidFill>
-              <a:effectLst/>
-              <a:latin typeface="+mn-lt"/>
-              <a:ea typeface="+mn-ea"/>
-              <a:cs typeface="+mn-cs"/>
-            </a:endParaRPr>
-          </a:p>
-          <a:p>
-            <a:pPr marL="171450" lvl="0" indent="-171450">
-              <a:buFont typeface="Symbol" panose="05050102010706020507" pitchFamily="18" charset="2"/>
-              <a:buChar char="-"/>
-            </a:pPr>
-            <a:r>
-              <a:rPr lang="en-GB" sz="1200" kern="1200" dirty="0">
-                <a:solidFill>
-                  <a:schemeClr val="tx1"/>
-                </a:solidFill>
-                <a:effectLst/>
-                <a:latin typeface="+mn-lt"/>
-                <a:ea typeface="+mn-ea"/>
-                <a:cs typeface="+mn-cs"/>
-              </a:rPr>
-              <a:t>In general CSR reports face</a:t>
-            </a:r>
-            <a:r>
-              <a:rPr lang="de-DE" sz="1200" kern="1200" dirty="0">
-                <a:solidFill>
-                  <a:schemeClr val="tx1"/>
-                </a:solidFill>
-                <a:effectLst/>
-                <a:latin typeface="+mn-lt"/>
-                <a:ea typeface="+mn-ea"/>
-                <a:cs typeface="+mn-cs"/>
-              </a:rPr>
-              <a:t> </a:t>
-            </a:r>
-            <a:r>
-              <a:rPr lang="de-DE" sz="1200" kern="1200" dirty="0" err="1">
-                <a:solidFill>
-                  <a:schemeClr val="tx1"/>
-                </a:solidFill>
-                <a:effectLst/>
-                <a:latin typeface="+mn-lt"/>
-                <a:ea typeface="+mn-ea"/>
-                <a:cs typeface="+mn-cs"/>
-              </a:rPr>
-              <a:t>credibility</a:t>
-            </a:r>
-            <a:r>
-              <a:rPr lang="de-DE" sz="1200" kern="1200" dirty="0">
-                <a:solidFill>
-                  <a:schemeClr val="tx1"/>
-                </a:solidFill>
-                <a:effectLst/>
-                <a:latin typeface="+mn-lt"/>
-                <a:ea typeface="+mn-ea"/>
-                <a:cs typeface="+mn-cs"/>
-              </a:rPr>
-              <a:t> </a:t>
-            </a:r>
-            <a:r>
-              <a:rPr lang="de-DE" sz="1200" kern="1200" dirty="0" err="1">
-                <a:solidFill>
-                  <a:schemeClr val="tx1"/>
-                </a:solidFill>
-                <a:effectLst/>
-                <a:latin typeface="+mn-lt"/>
-                <a:ea typeface="+mn-ea"/>
-                <a:cs typeface="+mn-cs"/>
-              </a:rPr>
-              <a:t>issues</a:t>
-            </a:r>
-            <a:r>
-              <a:rPr lang="de-DE" sz="1200" kern="1200" dirty="0">
-                <a:solidFill>
-                  <a:schemeClr val="tx1"/>
-                </a:solidFill>
-                <a:effectLst/>
-                <a:latin typeface="+mn-lt"/>
-                <a:ea typeface="+mn-ea"/>
-                <a:cs typeface="+mn-cs"/>
-              </a:rPr>
-              <a:t> and </a:t>
-            </a:r>
-            <a:r>
-              <a:rPr lang="de-DE" sz="1200" kern="1200" dirty="0" err="1">
-                <a:solidFill>
-                  <a:schemeClr val="tx1"/>
-                </a:solidFill>
-                <a:effectLst/>
-                <a:latin typeface="+mn-lt"/>
-                <a:ea typeface="+mn-ea"/>
-                <a:cs typeface="+mn-cs"/>
-              </a:rPr>
-              <a:t>therefore</a:t>
-            </a:r>
-            <a:endParaRPr lang="de-DE" sz="1200" kern="1200" dirty="0">
-              <a:solidFill>
-                <a:schemeClr val="tx1"/>
-              </a:solidFill>
-              <a:effectLst/>
-              <a:latin typeface="+mn-lt"/>
-              <a:ea typeface="+mn-ea"/>
-              <a:cs typeface="+mn-cs"/>
-            </a:endParaRPr>
-          </a:p>
-          <a:p>
-            <a:pPr marL="171450" lvl="0" indent="-171450">
-              <a:buFont typeface="Symbol" panose="05050102010706020507" pitchFamily="18" charset="2"/>
-              <a:buChar char="-"/>
-            </a:pPr>
-            <a:r>
-              <a:rPr lang="en-GB" sz="1200" kern="1200" dirty="0">
-                <a:solidFill>
-                  <a:schemeClr val="tx1"/>
-                </a:solidFill>
-                <a:effectLst/>
-                <a:latin typeface="+mn-lt"/>
-                <a:ea typeface="+mn-ea"/>
-                <a:cs typeface="+mn-cs"/>
-              </a:rPr>
-              <a:t>Global Reporting Initiative offers to provide a truly transparent CSR report balancing positive and negative incidents </a:t>
-            </a:r>
-            <a:endParaRPr lang="de-DE" sz="1200" kern="1200" dirty="0">
-              <a:solidFill>
-                <a:schemeClr val="tx1"/>
-              </a:solidFill>
-              <a:effectLst/>
-              <a:latin typeface="+mn-lt"/>
-              <a:ea typeface="+mn-ea"/>
-              <a:cs typeface="+mn-cs"/>
-            </a:endParaRPr>
-          </a:p>
-          <a:p>
-            <a:pPr marL="171450" lvl="0" indent="-171450">
-              <a:buFont typeface="Symbol" panose="05050102010706020507" pitchFamily="18" charset="2"/>
-              <a:buChar char="-"/>
-            </a:pPr>
-            <a:r>
-              <a:rPr lang="en-GB" sz="1200" kern="1200" dirty="0">
-                <a:solidFill>
-                  <a:schemeClr val="tx1"/>
-                </a:solidFill>
-                <a:effectLst/>
-                <a:latin typeface="+mn-lt"/>
-                <a:ea typeface="+mn-ea"/>
-                <a:cs typeface="+mn-cs"/>
-              </a:rPr>
-              <a:t>The problem with this solution is that company fear to lose stakeholders support disclosing their negative incidents</a:t>
-            </a:r>
-            <a:endParaRPr lang="de-DE" sz="1200" kern="1200" dirty="0">
-              <a:solidFill>
-                <a:schemeClr val="tx1"/>
-              </a:solidFill>
-              <a:effectLst/>
-              <a:latin typeface="+mn-lt"/>
-              <a:ea typeface="+mn-ea"/>
-              <a:cs typeface="+mn-cs"/>
-            </a:endParaRPr>
+            <a:r>
+              <a:rPr lang="en-US" sz="1200" dirty="0" smtClean="0"/>
+              <a:t>How do you plan to develop an impact on the open science community? How can you make others aware of your work?</a:t>
+            </a:r>
           </a:p>
           <a:p>
             <a:endParaRPr lang="en-GB" dirty="0"/>
@@ -2712,7 +1143,7 @@
           <a:p>
             <a:fld id="{4EF36919-52F3-4202-8996-43E31FD6D033}" type="slidenum">
               <a:rPr lang="de-DE" smtClean="0"/>
-              <a:t>19</a:t>
+              <a:t>16</a:t>
             </a:fld>
             <a:endParaRPr lang="de-DE"/>
           </a:p>
@@ -2721,7 +1152,7 @@
     </p:spTree>
     <p:extLst>
       <p:ext uri="{BB962C8B-B14F-4D97-AF65-F5344CB8AC3E}">
-        <p14:creationId xmlns:p14="http://schemas.microsoft.com/office/powerpoint/2010/main" val="2228590720"/>
+        <p14:creationId xmlns:p14="http://schemas.microsoft.com/office/powerpoint/2010/main" val="1411973688"/>
       </p:ext>
     </p:extLst>
   </p:cSld>
@@ -2775,231 +1206,6 @@
           <a:bodyPr/>
           <a:lstStyle/>
           <a:p>
-            <a:pPr marL="171450" lvl="0" indent="-171450">
-              <a:buFont typeface="Symbol" panose="05050102010706020507" pitchFamily="18" charset="2"/>
-              <a:buChar char="-"/>
-            </a:pPr>
-            <a:r>
-              <a:rPr lang="en-GB" sz="1200" kern="1200" dirty="0">
-                <a:solidFill>
-                  <a:schemeClr val="tx1"/>
-                </a:solidFill>
-                <a:effectLst/>
-                <a:latin typeface="+mn-lt"/>
-                <a:ea typeface="+mn-ea"/>
-                <a:cs typeface="+mn-cs"/>
-              </a:rPr>
-              <a:t>To give you an impression, how a CSR report may look like, I have an example from H&amp;M </a:t>
-            </a:r>
-          </a:p>
-          <a:p>
-            <a:pPr marL="171450" lvl="0" indent="-171450">
-              <a:buFont typeface="Symbol" panose="05050102010706020507" pitchFamily="18" charset="2"/>
-              <a:buChar char="-"/>
-            </a:pPr>
-            <a:r>
-              <a:rPr lang="en-GB" sz="1200" kern="1200" dirty="0">
-                <a:solidFill>
-                  <a:schemeClr val="tx1"/>
-                </a:solidFill>
-                <a:effectLst/>
-                <a:latin typeface="+mn-lt"/>
-                <a:ea typeface="+mn-ea"/>
-                <a:cs typeface="+mn-cs"/>
-              </a:rPr>
-              <a:t>Who of you would conclude that H&amp;M is a sustainable company?</a:t>
-            </a:r>
-            <a:endParaRPr lang="de-DE" sz="1200" kern="1200" dirty="0">
-              <a:solidFill>
-                <a:schemeClr val="tx1"/>
-              </a:solidFill>
-              <a:effectLst/>
-              <a:latin typeface="+mn-lt"/>
-              <a:ea typeface="+mn-ea"/>
-              <a:cs typeface="+mn-cs"/>
-            </a:endParaRPr>
-          </a:p>
-          <a:p>
-            <a:pPr marL="171450" lvl="0" indent="-171450">
-              <a:buFont typeface="Symbol" panose="05050102010706020507" pitchFamily="18" charset="2"/>
-              <a:buChar char="-"/>
-            </a:pPr>
-            <a:r>
-              <a:rPr lang="en-GB" sz="1200" kern="1200" dirty="0">
-                <a:solidFill>
-                  <a:schemeClr val="tx1"/>
-                </a:solidFill>
-                <a:effectLst/>
-                <a:latin typeface="+mn-lt"/>
-                <a:ea typeface="+mn-ea"/>
-                <a:cs typeface="+mn-cs"/>
-              </a:rPr>
-              <a:t>Maybe you might be a bit sceptical toward the report because it contains only positive content and if you are not you might get sceptical when I am showing you this report by a third party</a:t>
-            </a:r>
-            <a:endParaRPr lang="de-DE" sz="1200" kern="1200" dirty="0">
-              <a:solidFill>
-                <a:schemeClr val="tx1"/>
-              </a:solidFill>
-              <a:effectLst/>
-              <a:latin typeface="+mn-lt"/>
-              <a:ea typeface="+mn-ea"/>
-              <a:cs typeface="+mn-cs"/>
-            </a:endParaRPr>
-          </a:p>
-          <a:p>
-            <a:pPr marL="171450" lvl="0" indent="-171450">
-              <a:buFont typeface="Symbol" panose="05050102010706020507" pitchFamily="18" charset="2"/>
-              <a:buChar char="-"/>
-            </a:pPr>
-            <a:r>
-              <a:rPr lang="en-GB" sz="1200" kern="1200" dirty="0">
-                <a:solidFill>
-                  <a:schemeClr val="tx1"/>
-                </a:solidFill>
-                <a:effectLst/>
-                <a:latin typeface="+mn-lt"/>
-                <a:ea typeface="+mn-ea"/>
-                <a:cs typeface="+mn-cs"/>
-              </a:rPr>
-              <a:t>In general CSR reports face</a:t>
-            </a:r>
-            <a:r>
-              <a:rPr lang="de-DE" sz="1200" kern="1200" dirty="0">
-                <a:solidFill>
-                  <a:schemeClr val="tx1"/>
-                </a:solidFill>
-                <a:effectLst/>
-                <a:latin typeface="+mn-lt"/>
-                <a:ea typeface="+mn-ea"/>
-                <a:cs typeface="+mn-cs"/>
-              </a:rPr>
-              <a:t> </a:t>
-            </a:r>
-            <a:r>
-              <a:rPr lang="de-DE" sz="1200" kern="1200" dirty="0" err="1">
-                <a:solidFill>
-                  <a:schemeClr val="tx1"/>
-                </a:solidFill>
-                <a:effectLst/>
-                <a:latin typeface="+mn-lt"/>
-                <a:ea typeface="+mn-ea"/>
-                <a:cs typeface="+mn-cs"/>
-              </a:rPr>
-              <a:t>credibility</a:t>
-            </a:r>
-            <a:r>
-              <a:rPr lang="de-DE" sz="1200" kern="1200" dirty="0">
-                <a:solidFill>
-                  <a:schemeClr val="tx1"/>
-                </a:solidFill>
-                <a:effectLst/>
-                <a:latin typeface="+mn-lt"/>
-                <a:ea typeface="+mn-ea"/>
-                <a:cs typeface="+mn-cs"/>
-              </a:rPr>
-              <a:t> </a:t>
-            </a:r>
-            <a:r>
-              <a:rPr lang="de-DE" sz="1200" kern="1200" dirty="0" err="1">
-                <a:solidFill>
-                  <a:schemeClr val="tx1"/>
-                </a:solidFill>
-                <a:effectLst/>
-                <a:latin typeface="+mn-lt"/>
-                <a:ea typeface="+mn-ea"/>
-                <a:cs typeface="+mn-cs"/>
-              </a:rPr>
-              <a:t>issues</a:t>
-            </a:r>
-            <a:r>
-              <a:rPr lang="de-DE" sz="1200" kern="1200" dirty="0">
-                <a:solidFill>
-                  <a:schemeClr val="tx1"/>
-                </a:solidFill>
-                <a:effectLst/>
-                <a:latin typeface="+mn-lt"/>
-                <a:ea typeface="+mn-ea"/>
-                <a:cs typeface="+mn-cs"/>
-              </a:rPr>
-              <a:t> and </a:t>
-            </a:r>
-            <a:r>
-              <a:rPr lang="de-DE" sz="1200" kern="1200" dirty="0" err="1">
-                <a:solidFill>
-                  <a:schemeClr val="tx1"/>
-                </a:solidFill>
-                <a:effectLst/>
-                <a:latin typeface="+mn-lt"/>
-                <a:ea typeface="+mn-ea"/>
-                <a:cs typeface="+mn-cs"/>
-              </a:rPr>
-              <a:t>therefore</a:t>
-            </a:r>
-            <a:endParaRPr lang="de-DE" sz="1200" kern="1200" dirty="0">
-              <a:solidFill>
-                <a:schemeClr val="tx1"/>
-              </a:solidFill>
-              <a:effectLst/>
-              <a:latin typeface="+mn-lt"/>
-              <a:ea typeface="+mn-ea"/>
-              <a:cs typeface="+mn-cs"/>
-            </a:endParaRPr>
-          </a:p>
-          <a:p>
-            <a:pPr marL="171450" lvl="0" indent="-171450">
-              <a:buFont typeface="Symbol" panose="05050102010706020507" pitchFamily="18" charset="2"/>
-              <a:buChar char="-"/>
-            </a:pPr>
-            <a:r>
-              <a:rPr lang="en-GB" sz="1200" kern="1200" dirty="0">
-                <a:solidFill>
-                  <a:schemeClr val="tx1"/>
-                </a:solidFill>
-                <a:effectLst/>
-                <a:latin typeface="+mn-lt"/>
-                <a:ea typeface="+mn-ea"/>
-                <a:cs typeface="+mn-cs"/>
-              </a:rPr>
-              <a:t>Global Reporting Initiative offers to provide a truly transparent CSR report balancing positive and negative incidents </a:t>
-            </a:r>
-            <a:endParaRPr lang="de-DE" sz="1200" kern="1200" dirty="0">
-              <a:solidFill>
-                <a:schemeClr val="tx1"/>
-              </a:solidFill>
-              <a:effectLst/>
-              <a:latin typeface="+mn-lt"/>
-              <a:ea typeface="+mn-ea"/>
-              <a:cs typeface="+mn-cs"/>
-            </a:endParaRPr>
-          </a:p>
-          <a:p>
-            <a:pPr marL="171450" lvl="0" indent="-171450">
-              <a:buFont typeface="Symbol" panose="05050102010706020507" pitchFamily="18" charset="2"/>
-              <a:buChar char="-"/>
-            </a:pPr>
-            <a:r>
-              <a:rPr lang="en-GB" sz="1200" kern="1200" dirty="0">
-                <a:solidFill>
-                  <a:schemeClr val="tx1"/>
-                </a:solidFill>
-                <a:effectLst/>
-                <a:latin typeface="+mn-lt"/>
-                <a:ea typeface="+mn-ea"/>
-                <a:cs typeface="+mn-cs"/>
-              </a:rPr>
-              <a:t>The problem with this solution is that company fear to lose stakeholders support disclosing their negative incidents</a:t>
-            </a:r>
-            <a:endParaRPr lang="de-DE" sz="1200" kern="1200" dirty="0">
-              <a:solidFill>
-                <a:schemeClr val="tx1"/>
-              </a:solidFill>
-              <a:effectLst/>
-              <a:latin typeface="+mn-lt"/>
-              <a:ea typeface="+mn-ea"/>
-              <a:cs typeface="+mn-cs"/>
-            </a:endParaRPr>
-          </a:p>
-          <a:p>
             <a:endParaRPr lang="en-GB" dirty="0"/>
           </a:p>
         </p:txBody>
@@ -3021,7 +1227,7 @@
           <a:p>
             <a:fld id="{4EF36919-52F3-4202-8996-43E31FD6D033}" type="slidenum">
               <a:rPr lang="de-DE" smtClean="0"/>
-              <a:t>20</a:t>
+              <a:t>19</a:t>
             </a:fld>
             <a:endParaRPr lang="de-DE"/>
           </a:p>
@@ -3030,7 +1236,7 @@
     </p:spTree>
     <p:extLst>
       <p:ext uri="{BB962C8B-B14F-4D97-AF65-F5344CB8AC3E}">
-        <p14:creationId xmlns:p14="http://schemas.microsoft.com/office/powerpoint/2010/main" val="2680632663"/>
+        <p14:creationId xmlns:p14="http://schemas.microsoft.com/office/powerpoint/2010/main" val="2228590720"/>
       </p:ext>
     </p:extLst>
   </p:cSld>
@@ -3084,230 +1290,89 @@
           <a:bodyPr/>
           <a:lstStyle/>
           <a:p>
-            <a:pPr marL="171450" lvl="0" indent="-171450">
-              <a:buFont typeface="Symbol" panose="05050102010706020507" pitchFamily="18" charset="2"/>
-              <a:buChar char="-"/>
-            </a:pPr>
-            <a:r>
-              <a:rPr lang="en-GB" sz="1200" kern="1200" dirty="0">
-                <a:solidFill>
-                  <a:schemeClr val="tx1"/>
-                </a:solidFill>
-                <a:effectLst/>
-                <a:latin typeface="+mn-lt"/>
-                <a:ea typeface="+mn-ea"/>
-                <a:cs typeface="+mn-cs"/>
-              </a:rPr>
-              <a:t>To give you an impression, how a CSR report may look like, I have an example from H&amp;M </a:t>
-            </a:r>
-          </a:p>
-          <a:p>
-            <a:pPr marL="171450" lvl="0" indent="-171450">
-              <a:buFont typeface="Symbol" panose="05050102010706020507" pitchFamily="18" charset="2"/>
-              <a:buChar char="-"/>
-            </a:pPr>
-            <a:r>
-              <a:rPr lang="en-GB" sz="1200" kern="1200" dirty="0">
-                <a:solidFill>
-                  <a:schemeClr val="tx1"/>
-                </a:solidFill>
-                <a:effectLst/>
-                <a:latin typeface="+mn-lt"/>
-                <a:ea typeface="+mn-ea"/>
-                <a:cs typeface="+mn-cs"/>
-              </a:rPr>
-              <a:t>Who of you would conclude that H&amp;M is a sustainable company?</a:t>
-            </a:r>
-            <a:endParaRPr lang="de-DE" sz="1200" kern="1200" dirty="0">
-              <a:solidFill>
-                <a:schemeClr val="tx1"/>
-              </a:solidFill>
-              <a:effectLst/>
-              <a:latin typeface="+mn-lt"/>
-              <a:ea typeface="+mn-ea"/>
-              <a:cs typeface="+mn-cs"/>
-            </a:endParaRPr>
-          </a:p>
-          <a:p>
-            <a:pPr marL="171450" lvl="0" indent="-171450">
-              <a:buFont typeface="Symbol" panose="05050102010706020507" pitchFamily="18" charset="2"/>
-              <a:buChar char="-"/>
-            </a:pPr>
-            <a:r>
-              <a:rPr lang="en-GB" sz="1200" kern="1200" dirty="0">
-                <a:solidFill>
-                  <a:schemeClr val="tx1"/>
-                </a:solidFill>
-                <a:effectLst/>
-                <a:latin typeface="+mn-lt"/>
-                <a:ea typeface="+mn-ea"/>
-                <a:cs typeface="+mn-cs"/>
-              </a:rPr>
-              <a:t>Maybe you might be a bit sceptical toward the report because it contains only positive content and if you are not you might get sceptical when I am showing you this report by a third party</a:t>
-            </a:r>
-            <a:endParaRPr lang="de-DE" sz="1200" kern="1200" dirty="0">
-              <a:solidFill>
-                <a:schemeClr val="tx1"/>
-              </a:solidFill>
-              <a:effectLst/>
-              <a:latin typeface="+mn-lt"/>
-              <a:ea typeface="+mn-ea"/>
-              <a:cs typeface="+mn-cs"/>
-            </a:endParaRPr>
-          </a:p>
-          <a:p>
-            <a:pPr marL="171450" lvl="0" indent="-171450">
-              <a:buFont typeface="Symbol" panose="05050102010706020507" pitchFamily="18" charset="2"/>
-              <a:buChar char="-"/>
-            </a:pPr>
-            <a:r>
-              <a:rPr lang="en-GB" sz="1200" kern="1200" dirty="0">
-                <a:solidFill>
-                  <a:schemeClr val="tx1"/>
-                </a:solidFill>
-                <a:effectLst/>
-                <a:latin typeface="+mn-lt"/>
-                <a:ea typeface="+mn-ea"/>
-                <a:cs typeface="+mn-cs"/>
-              </a:rPr>
-              <a:t>In general CSR reports face</a:t>
-            </a:r>
-            <a:r>
-              <a:rPr lang="de-DE" sz="1200" kern="1200" dirty="0">
-                <a:solidFill>
-                  <a:schemeClr val="tx1"/>
-                </a:solidFill>
-                <a:effectLst/>
-                <a:latin typeface="+mn-lt"/>
-                <a:ea typeface="+mn-ea"/>
-                <a:cs typeface="+mn-cs"/>
-              </a:rPr>
-              <a:t> </a:t>
-            </a:r>
-            <a:r>
-              <a:rPr lang="de-DE" sz="1200" kern="1200" dirty="0" err="1">
-                <a:solidFill>
-                  <a:schemeClr val="tx1"/>
-                </a:solidFill>
-                <a:effectLst/>
-                <a:latin typeface="+mn-lt"/>
-                <a:ea typeface="+mn-ea"/>
-                <a:cs typeface="+mn-cs"/>
-              </a:rPr>
-              <a:t>credibility</a:t>
-            </a:r>
-            <a:r>
-              <a:rPr lang="de-DE" sz="1200" kern="1200" dirty="0">
-                <a:solidFill>
-                  <a:schemeClr val="tx1"/>
-                </a:solidFill>
-                <a:effectLst/>
-                <a:latin typeface="+mn-lt"/>
-                <a:ea typeface="+mn-ea"/>
-                <a:cs typeface="+mn-cs"/>
-              </a:rPr>
-              <a:t> </a:t>
-            </a:r>
-            <a:r>
-              <a:rPr lang="de-DE" sz="1200" kern="1200" dirty="0" err="1">
-                <a:solidFill>
-                  <a:schemeClr val="tx1"/>
-                </a:solidFill>
-                <a:effectLst/>
-                <a:latin typeface="+mn-lt"/>
-                <a:ea typeface="+mn-ea"/>
-                <a:cs typeface="+mn-cs"/>
-              </a:rPr>
-              <a:t>issues</a:t>
-            </a:r>
-            <a:r>
-              <a:rPr lang="de-DE" sz="1200" kern="1200" dirty="0">
-                <a:solidFill>
-                  <a:schemeClr val="tx1"/>
-                </a:solidFill>
-                <a:effectLst/>
-                <a:latin typeface="+mn-lt"/>
-                <a:ea typeface="+mn-ea"/>
-                <a:cs typeface="+mn-cs"/>
-              </a:rPr>
-              <a:t> and </a:t>
-            </a:r>
-            <a:r>
-              <a:rPr lang="de-DE" sz="1200" kern="1200" dirty="0" err="1">
-                <a:solidFill>
-                  <a:schemeClr val="tx1"/>
-                </a:solidFill>
-                <a:effectLst/>
-                <a:latin typeface="+mn-lt"/>
-                <a:ea typeface="+mn-ea"/>
-                <a:cs typeface="+mn-cs"/>
-              </a:rPr>
-              <a:t>therefore</a:t>
-            </a:r>
-            <a:endParaRPr lang="de-DE" sz="1200" kern="1200" dirty="0">
-              <a:solidFill>
-                <a:schemeClr val="tx1"/>
-              </a:solidFill>
-              <a:effectLst/>
-              <a:latin typeface="+mn-lt"/>
-              <a:ea typeface="+mn-ea"/>
-              <a:cs typeface="+mn-cs"/>
-            </a:endParaRPr>
-          </a:p>
-          <a:p>
-            <a:pPr marL="171450" lvl="0" indent="-171450">
-              <a:buFont typeface="Symbol" panose="05050102010706020507" pitchFamily="18" charset="2"/>
-              <a:buChar char="-"/>
-            </a:pPr>
-            <a:r>
-              <a:rPr lang="en-GB" sz="1200" kern="1200" dirty="0">
-                <a:solidFill>
-                  <a:schemeClr val="tx1"/>
-                </a:solidFill>
-                <a:effectLst/>
-                <a:latin typeface="+mn-lt"/>
-                <a:ea typeface="+mn-ea"/>
-                <a:cs typeface="+mn-cs"/>
-              </a:rPr>
-              <a:t>Global Reporting Initiative offers to provide a truly transparent CSR report balancing positive and negative incidents </a:t>
-            </a:r>
-            <a:endParaRPr lang="de-DE" sz="1200" kern="1200" dirty="0">
-              <a:solidFill>
-                <a:schemeClr val="tx1"/>
-              </a:solidFill>
-              <a:effectLst/>
-              <a:latin typeface="+mn-lt"/>
-              <a:ea typeface="+mn-ea"/>
-              <a:cs typeface="+mn-cs"/>
-            </a:endParaRPr>
-          </a:p>
-          <a:p>
-            <a:pPr marL="171450" lvl="0" indent="-171450">
-              <a:buFont typeface="Symbol" panose="05050102010706020507" pitchFamily="18" charset="2"/>
-              <a:buChar char="-"/>
-            </a:pPr>
-            <a:r>
-              <a:rPr lang="en-GB" sz="1200" kern="1200" dirty="0">
-                <a:solidFill>
-                  <a:schemeClr val="tx1"/>
-                </a:solidFill>
-                <a:effectLst/>
-                <a:latin typeface="+mn-lt"/>
-                <a:ea typeface="+mn-ea"/>
-                <a:cs typeface="+mn-cs"/>
-              </a:rPr>
-              <a:t>The problem with this solution is that company fear to lose stakeholders support disclosing their negative incidents</a:t>
-            </a:r>
-            <a:endParaRPr lang="de-DE" sz="1200" kern="1200" dirty="0">
-              <a:solidFill>
-                <a:schemeClr val="tx1"/>
-              </a:solidFill>
-              <a:effectLst/>
-              <a:latin typeface="+mn-lt"/>
-              <a:ea typeface="+mn-ea"/>
-              <a:cs typeface="+mn-cs"/>
-            </a:endParaRPr>
-          </a:p>
+            <a:endParaRPr lang="en-GB" dirty="0"/>
+          </a:p>
+        </p:txBody>
+      </p:sp>
+      <p:sp>
+        <p:nvSpPr>
+          <p:cNvPr id="4" name="Foliennummernplatzhalter 3"/>
+          <p:cNvSpPr>
+            <a:spLocks noGrp="1"/>
+          </p:cNvSpPr>
+          <p:nvPr>
+            <p:ph type="sldNum" sz="quarter" idx="5"/>
+          </p:nvPr>
+        </p:nvSpPr>
+        <p:spPr/>
+        <p:txBody>
+          <a:bodyPr/>
+          <a:lstStyle/>
+          <a:p>
+            <a:fld id="{4EF36919-52F3-4202-8996-43E31FD6D033}" type="slidenum">
+              <a:rPr lang="de-DE" smtClean="0"/>
+              <a:t>20</a:t>
+            </a:fld>
+            <a:endParaRPr lang="de-DE"/>
+          </a:p>
+        </p:txBody>
+      </p:sp>
+    </p:spTree>
+    <p:extLst>
+      <p:ext uri="{BB962C8B-B14F-4D97-AF65-F5344CB8AC3E}">
+        <p14:creationId xmlns:p14="http://schemas.microsoft.com/office/powerpoint/2010/main" val="2680632663"/>
+      </p:ext>
+    </p:extLst>
+  </p:cSld>
+  <p:clrMapOvr>
+    <a:masterClrMapping/>
+  </p:clrMapOvr>
+</p:notes>
+</file>
+
+<file path=ppt/notesSlides/notesSlide19.xml><?xml version="1.0" encoding="utf-8"?>
+<p:notes xmlns:a="http://schemas.openxmlformats.org/drawingml/2006/main" xmlns:r="http://schemas.openxmlformats.org/officeDocument/2006/relationships" xmlns:p="http://schemas.openxmlformats.org/presentationml/2006/main">
+  <p:cSld>
+    <p:spTree>
+      <p:nvGrpSpPr>
+        <p:cNvPr id="1" name=""/>
+        <p:cNvGrpSpPr/>
+        <p:nvPr/>
+      </p:nvGrpSpPr>
+      <p:grpSpPr>
+        <a:xfrm>
+          <a:off x="0" y="0"/>
+          <a:ext cx="0" cy="0"/>
+          <a:chOff x="0" y="0"/>
+          <a:chExt cx="0" cy="0"/>
+        </a:xfrm>
+      </p:grpSpPr>
+      <p:sp>
+        <p:nvSpPr>
+          <p:cNvPr id="2" name="Folienbildplatzhalter 1"/>
+          <p:cNvSpPr>
+            <a:spLocks noGrp="1" noRot="1" noChangeAspect="1"/>
+          </p:cNvSpPr>
+          <p:nvPr>
+            <p:ph type="sldImg"/>
+          </p:nvPr>
+        </p:nvSpPr>
+        <p:spPr/>
+      </p:sp>
+      <p:sp>
+        <p:nvSpPr>
+          <p:cNvPr id="3" name="Notizenplatzhalter 2"/>
+          <p:cNvSpPr>
+            <a:spLocks noGrp="1"/>
+          </p:cNvSpPr>
+          <p:nvPr>
+            <p:ph type="body" idx="1"/>
+          </p:nvPr>
+        </p:nvSpPr>
+        <p:spPr/>
+        <p:txBody>
+          <a:bodyPr/>
+          <a:lstStyle/>
           <a:p>
             <a:endParaRPr lang="en-GB" dirty="0"/>
           </a:p>
@@ -3393,231 +1458,6 @@
           <a:bodyPr/>
           <a:lstStyle/>
           <a:p>
-            <a:pPr marL="171450" lvl="0" indent="-171450">
-              <a:buFont typeface="Symbol" panose="05050102010706020507" pitchFamily="18" charset="2"/>
-              <a:buChar char="-"/>
-            </a:pPr>
-            <a:r>
-              <a:rPr lang="en-GB" sz="1200" kern="1200" dirty="0">
-                <a:solidFill>
-                  <a:schemeClr val="tx1"/>
-                </a:solidFill>
-                <a:effectLst/>
-                <a:latin typeface="+mn-lt"/>
-                <a:ea typeface="+mn-ea"/>
-                <a:cs typeface="+mn-cs"/>
-              </a:rPr>
-              <a:t>To give you an impression, how a CSR report may look like, I have an example from H&amp;M </a:t>
-            </a:r>
-          </a:p>
-          <a:p>
-            <a:pPr marL="171450" lvl="0" indent="-171450">
-              <a:buFont typeface="Symbol" panose="05050102010706020507" pitchFamily="18" charset="2"/>
-              <a:buChar char="-"/>
-            </a:pPr>
-            <a:r>
-              <a:rPr lang="en-GB" sz="1200" kern="1200" dirty="0">
-                <a:solidFill>
-                  <a:schemeClr val="tx1"/>
-                </a:solidFill>
-                <a:effectLst/>
-                <a:latin typeface="+mn-lt"/>
-                <a:ea typeface="+mn-ea"/>
-                <a:cs typeface="+mn-cs"/>
-              </a:rPr>
-              <a:t>Who of you would conclude that H&amp;M is a sustainable company?</a:t>
-            </a:r>
-            <a:endParaRPr lang="de-DE" sz="1200" kern="1200" dirty="0">
-              <a:solidFill>
-                <a:schemeClr val="tx1"/>
-              </a:solidFill>
-              <a:effectLst/>
-              <a:latin typeface="+mn-lt"/>
-              <a:ea typeface="+mn-ea"/>
-              <a:cs typeface="+mn-cs"/>
-            </a:endParaRPr>
-          </a:p>
-          <a:p>
-            <a:pPr marL="171450" lvl="0" indent="-171450">
-              <a:buFont typeface="Symbol" panose="05050102010706020507" pitchFamily="18" charset="2"/>
-              <a:buChar char="-"/>
-            </a:pPr>
-            <a:r>
-              <a:rPr lang="en-GB" sz="1200" kern="1200" dirty="0">
-                <a:solidFill>
-                  <a:schemeClr val="tx1"/>
-                </a:solidFill>
-                <a:effectLst/>
-                <a:latin typeface="+mn-lt"/>
-                <a:ea typeface="+mn-ea"/>
-                <a:cs typeface="+mn-cs"/>
-              </a:rPr>
-              <a:t>Maybe you might be a bit sceptical toward the report because it contains only positive content and if you are not you might get sceptical when I am showing you this report by a third party</a:t>
-            </a:r>
-            <a:endParaRPr lang="de-DE" sz="1200" kern="1200" dirty="0">
-              <a:solidFill>
-                <a:schemeClr val="tx1"/>
-              </a:solidFill>
-              <a:effectLst/>
-              <a:latin typeface="+mn-lt"/>
-              <a:ea typeface="+mn-ea"/>
-              <a:cs typeface="+mn-cs"/>
-            </a:endParaRPr>
-          </a:p>
-          <a:p>
-            <a:pPr marL="171450" lvl="0" indent="-171450">
-              <a:buFont typeface="Symbol" panose="05050102010706020507" pitchFamily="18" charset="2"/>
-              <a:buChar char="-"/>
-            </a:pPr>
-            <a:r>
-              <a:rPr lang="en-GB" sz="1200" kern="1200" dirty="0">
-                <a:solidFill>
-                  <a:schemeClr val="tx1"/>
-                </a:solidFill>
-                <a:effectLst/>
-                <a:latin typeface="+mn-lt"/>
-                <a:ea typeface="+mn-ea"/>
-                <a:cs typeface="+mn-cs"/>
-              </a:rPr>
-              <a:t>In general CSR reports face</a:t>
-            </a:r>
-            <a:r>
-              <a:rPr lang="de-DE" sz="1200" kern="1200" dirty="0">
-                <a:solidFill>
-                  <a:schemeClr val="tx1"/>
-                </a:solidFill>
-                <a:effectLst/>
-                <a:latin typeface="+mn-lt"/>
-                <a:ea typeface="+mn-ea"/>
-                <a:cs typeface="+mn-cs"/>
-              </a:rPr>
-              <a:t> </a:t>
-            </a:r>
-            <a:r>
-              <a:rPr lang="de-DE" sz="1200" kern="1200" dirty="0" err="1">
-                <a:solidFill>
-                  <a:schemeClr val="tx1"/>
-                </a:solidFill>
-                <a:effectLst/>
-                <a:latin typeface="+mn-lt"/>
-                <a:ea typeface="+mn-ea"/>
-                <a:cs typeface="+mn-cs"/>
-              </a:rPr>
-              <a:t>credibility</a:t>
-            </a:r>
-            <a:r>
-              <a:rPr lang="de-DE" sz="1200" kern="1200" dirty="0">
-                <a:solidFill>
-                  <a:schemeClr val="tx1"/>
-                </a:solidFill>
-                <a:effectLst/>
-                <a:latin typeface="+mn-lt"/>
-                <a:ea typeface="+mn-ea"/>
-                <a:cs typeface="+mn-cs"/>
-              </a:rPr>
-              <a:t> </a:t>
-            </a:r>
-            <a:r>
-              <a:rPr lang="de-DE" sz="1200" kern="1200" dirty="0" err="1">
-                <a:solidFill>
-                  <a:schemeClr val="tx1"/>
-                </a:solidFill>
-                <a:effectLst/>
-                <a:latin typeface="+mn-lt"/>
-                <a:ea typeface="+mn-ea"/>
-                <a:cs typeface="+mn-cs"/>
-              </a:rPr>
-              <a:t>issues</a:t>
-            </a:r>
-            <a:r>
-              <a:rPr lang="de-DE" sz="1200" kern="1200" dirty="0">
-                <a:solidFill>
-                  <a:schemeClr val="tx1"/>
-                </a:solidFill>
-                <a:effectLst/>
-                <a:latin typeface="+mn-lt"/>
-                <a:ea typeface="+mn-ea"/>
-                <a:cs typeface="+mn-cs"/>
-              </a:rPr>
-              <a:t> and </a:t>
-            </a:r>
-            <a:r>
-              <a:rPr lang="de-DE" sz="1200" kern="1200" dirty="0" err="1">
-                <a:solidFill>
-                  <a:schemeClr val="tx1"/>
-                </a:solidFill>
-                <a:effectLst/>
-                <a:latin typeface="+mn-lt"/>
-                <a:ea typeface="+mn-ea"/>
-                <a:cs typeface="+mn-cs"/>
-              </a:rPr>
-              <a:t>therefore</a:t>
-            </a:r>
-            <a:endParaRPr lang="de-DE" sz="1200" kern="1200" dirty="0">
-              <a:solidFill>
-                <a:schemeClr val="tx1"/>
-              </a:solidFill>
-              <a:effectLst/>
-              <a:latin typeface="+mn-lt"/>
-              <a:ea typeface="+mn-ea"/>
-              <a:cs typeface="+mn-cs"/>
-            </a:endParaRPr>
-          </a:p>
-          <a:p>
-            <a:pPr marL="171450" lvl="0" indent="-171450">
-              <a:buFont typeface="Symbol" panose="05050102010706020507" pitchFamily="18" charset="2"/>
-              <a:buChar char="-"/>
-            </a:pPr>
-            <a:r>
-              <a:rPr lang="en-GB" sz="1200" kern="1200" dirty="0">
-                <a:solidFill>
-                  <a:schemeClr val="tx1"/>
-                </a:solidFill>
-                <a:effectLst/>
-                <a:latin typeface="+mn-lt"/>
-                <a:ea typeface="+mn-ea"/>
-                <a:cs typeface="+mn-cs"/>
-              </a:rPr>
-              <a:t>Global Reporting Initiative offers to provide a truly transparent CSR report balancing positive and negative incidents </a:t>
-            </a:r>
-            <a:endParaRPr lang="de-DE" sz="1200" kern="1200" dirty="0">
-              <a:solidFill>
-                <a:schemeClr val="tx1"/>
-              </a:solidFill>
-              <a:effectLst/>
-              <a:latin typeface="+mn-lt"/>
-              <a:ea typeface="+mn-ea"/>
-              <a:cs typeface="+mn-cs"/>
-            </a:endParaRPr>
-          </a:p>
-          <a:p>
-            <a:pPr marL="171450" lvl="0" indent="-171450">
-              <a:buFont typeface="Symbol" panose="05050102010706020507" pitchFamily="18" charset="2"/>
-              <a:buChar char="-"/>
-            </a:pPr>
-            <a:r>
-              <a:rPr lang="en-GB" sz="1200" kern="1200" dirty="0">
-                <a:solidFill>
-                  <a:schemeClr val="tx1"/>
-                </a:solidFill>
-                <a:effectLst/>
-                <a:latin typeface="+mn-lt"/>
-                <a:ea typeface="+mn-ea"/>
-                <a:cs typeface="+mn-cs"/>
-              </a:rPr>
-              <a:t>The problem with this solution is that company fear to lose stakeholders support disclosing their negative incidents</a:t>
-            </a:r>
-            <a:endParaRPr lang="de-DE" sz="1200" kern="1200" dirty="0">
-              <a:solidFill>
-                <a:schemeClr val="tx1"/>
-              </a:solidFill>
-              <a:effectLst/>
-              <a:latin typeface="+mn-lt"/>
-              <a:ea typeface="+mn-ea"/>
-              <a:cs typeface="+mn-cs"/>
-            </a:endParaRPr>
-          </a:p>
-          <a:p>
             <a:endParaRPr lang="en-GB" dirty="0"/>
           </a:p>
         </p:txBody>
@@ -3702,232 +1542,7 @@
           <a:bodyPr/>
           <a:lstStyle/>
           <a:p>
-            <a:pPr marL="171450" lvl="0" indent="-171450">
-              <a:buFont typeface="Symbol" panose="05050102010706020507" pitchFamily="18" charset="2"/>
-              <a:buChar char="-"/>
-            </a:pPr>
-            <a:r>
-              <a:rPr lang="en-GB" sz="1200" kern="1200" dirty="0">
-                <a:solidFill>
-                  <a:schemeClr val="tx1"/>
-                </a:solidFill>
-                <a:effectLst/>
-                <a:latin typeface="+mn-lt"/>
-                <a:ea typeface="+mn-ea"/>
-                <a:cs typeface="+mn-cs"/>
-              </a:rPr>
-              <a:t>To give you an impression, how a CSR report may look like, I have an example from H&amp;M </a:t>
-            </a:r>
-          </a:p>
-          <a:p>
-            <a:pPr marL="171450" lvl="0" indent="-171450">
-              <a:buFont typeface="Symbol" panose="05050102010706020507" pitchFamily="18" charset="2"/>
-              <a:buChar char="-"/>
-            </a:pPr>
-            <a:r>
-              <a:rPr lang="en-GB" sz="1200" kern="1200" dirty="0">
-                <a:solidFill>
-                  <a:schemeClr val="tx1"/>
-                </a:solidFill>
-                <a:effectLst/>
-                <a:latin typeface="+mn-lt"/>
-                <a:ea typeface="+mn-ea"/>
-                <a:cs typeface="+mn-cs"/>
-              </a:rPr>
-              <a:t>Who of you would conclude that H&amp;M is a sustainable company?</a:t>
-            </a:r>
-            <a:endParaRPr lang="de-DE" sz="1200" kern="1200" dirty="0">
-              <a:solidFill>
-                <a:schemeClr val="tx1"/>
-              </a:solidFill>
-              <a:effectLst/>
-              <a:latin typeface="+mn-lt"/>
-              <a:ea typeface="+mn-ea"/>
-              <a:cs typeface="+mn-cs"/>
-            </a:endParaRPr>
-          </a:p>
-          <a:p>
-            <a:pPr marL="171450" lvl="0" indent="-171450">
-              <a:buFont typeface="Symbol" panose="05050102010706020507" pitchFamily="18" charset="2"/>
-              <a:buChar char="-"/>
-            </a:pPr>
-            <a:r>
-              <a:rPr lang="en-GB" sz="1200" kern="1200" dirty="0">
-                <a:solidFill>
-                  <a:schemeClr val="tx1"/>
-                </a:solidFill>
-                <a:effectLst/>
-                <a:latin typeface="+mn-lt"/>
-                <a:ea typeface="+mn-ea"/>
-                <a:cs typeface="+mn-cs"/>
-              </a:rPr>
-              <a:t>Maybe you might be a bit sceptical toward the report because it contains only positive content and if you are not you might get sceptical when I am showing you this report by a third party</a:t>
-            </a:r>
-            <a:endParaRPr lang="de-DE" sz="1200" kern="1200" dirty="0">
-              <a:solidFill>
-                <a:schemeClr val="tx1"/>
-              </a:solidFill>
-              <a:effectLst/>
-              <a:latin typeface="+mn-lt"/>
-              <a:ea typeface="+mn-ea"/>
-              <a:cs typeface="+mn-cs"/>
-            </a:endParaRPr>
-          </a:p>
-          <a:p>
-            <a:pPr marL="171450" lvl="0" indent="-171450">
-              <a:buFont typeface="Symbol" panose="05050102010706020507" pitchFamily="18" charset="2"/>
-              <a:buChar char="-"/>
-            </a:pPr>
-            <a:r>
-              <a:rPr lang="en-GB" sz="1200" kern="1200" dirty="0">
-                <a:solidFill>
-                  <a:schemeClr val="tx1"/>
-                </a:solidFill>
-                <a:effectLst/>
-                <a:latin typeface="+mn-lt"/>
-                <a:ea typeface="+mn-ea"/>
-                <a:cs typeface="+mn-cs"/>
-              </a:rPr>
-              <a:t>In general CSR reports face</a:t>
-            </a:r>
-            <a:r>
-              <a:rPr lang="de-DE" sz="1200" kern="1200" dirty="0">
-                <a:solidFill>
-                  <a:schemeClr val="tx1"/>
-                </a:solidFill>
-                <a:effectLst/>
-                <a:latin typeface="+mn-lt"/>
-                <a:ea typeface="+mn-ea"/>
-                <a:cs typeface="+mn-cs"/>
-              </a:rPr>
-              <a:t> </a:t>
-            </a:r>
-            <a:r>
-              <a:rPr lang="de-DE" sz="1200" kern="1200" dirty="0" err="1">
-                <a:solidFill>
-                  <a:schemeClr val="tx1"/>
-                </a:solidFill>
-                <a:effectLst/>
-                <a:latin typeface="+mn-lt"/>
-                <a:ea typeface="+mn-ea"/>
-                <a:cs typeface="+mn-cs"/>
-              </a:rPr>
-              <a:t>credibility</a:t>
-            </a:r>
-            <a:r>
-              <a:rPr lang="de-DE" sz="1200" kern="1200" dirty="0">
-                <a:solidFill>
-                  <a:schemeClr val="tx1"/>
-                </a:solidFill>
-                <a:effectLst/>
-                <a:latin typeface="+mn-lt"/>
-                <a:ea typeface="+mn-ea"/>
-                <a:cs typeface="+mn-cs"/>
-              </a:rPr>
-              <a:t> </a:t>
-            </a:r>
-            <a:r>
-              <a:rPr lang="de-DE" sz="1200" kern="1200" dirty="0" err="1">
-                <a:solidFill>
-                  <a:schemeClr val="tx1"/>
-                </a:solidFill>
-                <a:effectLst/>
-                <a:latin typeface="+mn-lt"/>
-                <a:ea typeface="+mn-ea"/>
-                <a:cs typeface="+mn-cs"/>
-              </a:rPr>
-              <a:t>issues</a:t>
-            </a:r>
-            <a:r>
-              <a:rPr lang="de-DE" sz="1200" kern="1200" dirty="0">
-                <a:solidFill>
-                  <a:schemeClr val="tx1"/>
-                </a:solidFill>
-                <a:effectLst/>
-                <a:latin typeface="+mn-lt"/>
-                <a:ea typeface="+mn-ea"/>
-                <a:cs typeface="+mn-cs"/>
-              </a:rPr>
-              <a:t> and </a:t>
-            </a:r>
-            <a:r>
-              <a:rPr lang="de-DE" sz="1200" kern="1200" dirty="0" err="1">
-                <a:solidFill>
-                  <a:schemeClr val="tx1"/>
-                </a:solidFill>
-                <a:effectLst/>
-                <a:latin typeface="+mn-lt"/>
-                <a:ea typeface="+mn-ea"/>
-                <a:cs typeface="+mn-cs"/>
-              </a:rPr>
-              <a:t>therefore</a:t>
-            </a:r>
-            <a:endParaRPr lang="de-DE" sz="1200" kern="1200" dirty="0">
-              <a:solidFill>
-                <a:schemeClr val="tx1"/>
-              </a:solidFill>
-              <a:effectLst/>
-              <a:latin typeface="+mn-lt"/>
-              <a:ea typeface="+mn-ea"/>
-              <a:cs typeface="+mn-cs"/>
-            </a:endParaRPr>
-          </a:p>
-          <a:p>
-            <a:pPr marL="171450" lvl="0" indent="-171450">
-              <a:buFont typeface="Symbol" panose="05050102010706020507" pitchFamily="18" charset="2"/>
-              <a:buChar char="-"/>
-            </a:pPr>
-            <a:r>
-              <a:rPr lang="en-GB" sz="1200" kern="1200" dirty="0">
-                <a:solidFill>
-                  <a:schemeClr val="tx1"/>
-                </a:solidFill>
-                <a:effectLst/>
-                <a:latin typeface="+mn-lt"/>
-                <a:ea typeface="+mn-ea"/>
-                <a:cs typeface="+mn-cs"/>
-              </a:rPr>
-              <a:t>Global Reporting Initiative offers to provide a truly transparent CSR report balancing positive and negative incidents </a:t>
-            </a:r>
-            <a:endParaRPr lang="de-DE" sz="1200" kern="1200" dirty="0">
-              <a:solidFill>
-                <a:schemeClr val="tx1"/>
-              </a:solidFill>
-              <a:effectLst/>
-              <a:latin typeface="+mn-lt"/>
-              <a:ea typeface="+mn-ea"/>
-              <a:cs typeface="+mn-cs"/>
-            </a:endParaRPr>
-          </a:p>
-          <a:p>
-            <a:pPr marL="171450" lvl="0" indent="-171450">
-              <a:buFont typeface="Symbol" panose="05050102010706020507" pitchFamily="18" charset="2"/>
-              <a:buChar char="-"/>
-            </a:pPr>
-            <a:r>
-              <a:rPr lang="en-GB" sz="1200" kern="1200" dirty="0">
-                <a:solidFill>
-                  <a:schemeClr val="tx1"/>
-                </a:solidFill>
-                <a:effectLst/>
-                <a:latin typeface="+mn-lt"/>
-                <a:ea typeface="+mn-ea"/>
-                <a:cs typeface="+mn-cs"/>
-              </a:rPr>
-              <a:t>The problem with this solution is that company fear to lose stakeholders support disclosing their negative incidents</a:t>
-            </a:r>
-            <a:endParaRPr lang="de-DE" sz="1200" kern="1200" dirty="0">
-              <a:solidFill>
-                <a:schemeClr val="tx1"/>
-              </a:solidFill>
-              <a:effectLst/>
-              <a:latin typeface="+mn-lt"/>
-              <a:ea typeface="+mn-ea"/>
-              <a:cs typeface="+mn-cs"/>
-            </a:endParaRPr>
-          </a:p>
-          <a:p>
-            <a:endParaRPr lang="en-GB" dirty="0"/>
+            <a:endParaRPr lang="de-DE" dirty="0"/>
           </a:p>
         </p:txBody>
       </p:sp>
@@ -3938,7 +1553,7 @@
             <a:spLocks noGrp="1"/>
           </p:cNvSpPr>
           <p:nvPr>
-            <p:ph type="sldNum" sz="quarter" idx="5"/>
+            <p:ph type="sldNum" sz="quarter" idx="10"/>
           </p:nvPr>
         </p:nvSpPr>
         <p:spPr/>
@@ -3948,7 +1563,7 @@
           <a:p>
             <a:fld id="{4EF36919-52F3-4202-8996-43E31FD6D033}" type="slidenum">
               <a:rPr lang="de-DE" smtClean="0"/>
-              <a:t>4</a:t>
+              <a:t>3</a:t>
             </a:fld>
             <a:endParaRPr lang="de-DE"/>
           </a:p>
@@ -3957,7 +1572,7 @@
     </p:spTree>
     <p:extLst>
       <p:ext uri="{BB962C8B-B14F-4D97-AF65-F5344CB8AC3E}">
-        <p14:creationId xmlns:p14="http://schemas.microsoft.com/office/powerpoint/2010/main" val="354965771"/>
+        <p14:creationId xmlns:p14="http://schemas.microsoft.com/office/powerpoint/2010/main" val="2959155351"/>
       </p:ext>
     </p:extLst>
   </p:cSld>
@@ -4011,231 +1626,6 @@
           <a:bodyPr/>
           <a:lstStyle/>
           <a:p>
-            <a:pPr marL="171450" lvl="0" indent="-171450">
-              <a:buFont typeface="Symbol" panose="05050102010706020507" pitchFamily="18" charset="2"/>
-              <a:buChar char="-"/>
-            </a:pPr>
-            <a:r>
-              <a:rPr lang="en-GB" sz="1200" kern="1200" dirty="0">
-                <a:solidFill>
-                  <a:schemeClr val="tx1"/>
-                </a:solidFill>
-                <a:effectLst/>
-                <a:latin typeface="+mn-lt"/>
-                <a:ea typeface="+mn-ea"/>
-                <a:cs typeface="+mn-cs"/>
-              </a:rPr>
-              <a:t>To give you an impression, how a CSR report may look like, I have an example from H&amp;M </a:t>
-            </a:r>
-          </a:p>
-          <a:p>
-            <a:pPr marL="171450" lvl="0" indent="-171450">
-              <a:buFont typeface="Symbol" panose="05050102010706020507" pitchFamily="18" charset="2"/>
-              <a:buChar char="-"/>
-            </a:pPr>
-            <a:r>
-              <a:rPr lang="en-GB" sz="1200" kern="1200" dirty="0">
-                <a:solidFill>
-                  <a:schemeClr val="tx1"/>
-                </a:solidFill>
-                <a:effectLst/>
-                <a:latin typeface="+mn-lt"/>
-                <a:ea typeface="+mn-ea"/>
-                <a:cs typeface="+mn-cs"/>
-              </a:rPr>
-              <a:t>Who of you would conclude that H&amp;M is a sustainable company?</a:t>
-            </a:r>
-            <a:endParaRPr lang="de-DE" sz="1200" kern="1200" dirty="0">
-              <a:solidFill>
-                <a:schemeClr val="tx1"/>
-              </a:solidFill>
-              <a:effectLst/>
-              <a:latin typeface="+mn-lt"/>
-              <a:ea typeface="+mn-ea"/>
-              <a:cs typeface="+mn-cs"/>
-            </a:endParaRPr>
-          </a:p>
-          <a:p>
-            <a:pPr marL="171450" lvl="0" indent="-171450">
-              <a:buFont typeface="Symbol" panose="05050102010706020507" pitchFamily="18" charset="2"/>
-              <a:buChar char="-"/>
-            </a:pPr>
-            <a:r>
-              <a:rPr lang="en-GB" sz="1200" kern="1200" dirty="0">
-                <a:solidFill>
-                  <a:schemeClr val="tx1"/>
-                </a:solidFill>
-                <a:effectLst/>
-                <a:latin typeface="+mn-lt"/>
-                <a:ea typeface="+mn-ea"/>
-                <a:cs typeface="+mn-cs"/>
-              </a:rPr>
-              <a:t>Maybe you might be a bit sceptical toward the report because it contains only positive content and if you are not you might get sceptical when I am showing you this report by a third party</a:t>
-            </a:r>
-            <a:endParaRPr lang="de-DE" sz="1200" kern="1200" dirty="0">
-              <a:solidFill>
-                <a:schemeClr val="tx1"/>
-              </a:solidFill>
-              <a:effectLst/>
-              <a:latin typeface="+mn-lt"/>
-              <a:ea typeface="+mn-ea"/>
-              <a:cs typeface="+mn-cs"/>
-            </a:endParaRPr>
-          </a:p>
-          <a:p>
-            <a:pPr marL="171450" lvl="0" indent="-171450">
-              <a:buFont typeface="Symbol" panose="05050102010706020507" pitchFamily="18" charset="2"/>
-              <a:buChar char="-"/>
-            </a:pPr>
-            <a:r>
-              <a:rPr lang="en-GB" sz="1200" kern="1200" dirty="0">
-                <a:solidFill>
-                  <a:schemeClr val="tx1"/>
-                </a:solidFill>
-                <a:effectLst/>
-                <a:latin typeface="+mn-lt"/>
-                <a:ea typeface="+mn-ea"/>
-                <a:cs typeface="+mn-cs"/>
-              </a:rPr>
-              <a:t>In general CSR reports face</a:t>
-            </a:r>
-            <a:r>
-              <a:rPr lang="de-DE" sz="1200" kern="1200" dirty="0">
-                <a:solidFill>
-                  <a:schemeClr val="tx1"/>
-                </a:solidFill>
-                <a:effectLst/>
-                <a:latin typeface="+mn-lt"/>
-                <a:ea typeface="+mn-ea"/>
-                <a:cs typeface="+mn-cs"/>
-              </a:rPr>
-              <a:t> </a:t>
-            </a:r>
-            <a:r>
-              <a:rPr lang="de-DE" sz="1200" kern="1200" dirty="0" err="1">
-                <a:solidFill>
-                  <a:schemeClr val="tx1"/>
-                </a:solidFill>
-                <a:effectLst/>
-                <a:latin typeface="+mn-lt"/>
-                <a:ea typeface="+mn-ea"/>
-                <a:cs typeface="+mn-cs"/>
-              </a:rPr>
-              <a:t>credibility</a:t>
-            </a:r>
-            <a:r>
-              <a:rPr lang="de-DE" sz="1200" kern="1200" dirty="0">
-                <a:solidFill>
-                  <a:schemeClr val="tx1"/>
-                </a:solidFill>
-                <a:effectLst/>
-                <a:latin typeface="+mn-lt"/>
-                <a:ea typeface="+mn-ea"/>
-                <a:cs typeface="+mn-cs"/>
-              </a:rPr>
-              <a:t> </a:t>
-            </a:r>
-            <a:r>
-              <a:rPr lang="de-DE" sz="1200" kern="1200" dirty="0" err="1">
-                <a:solidFill>
-                  <a:schemeClr val="tx1"/>
-                </a:solidFill>
-                <a:effectLst/>
-                <a:latin typeface="+mn-lt"/>
-                <a:ea typeface="+mn-ea"/>
-                <a:cs typeface="+mn-cs"/>
-              </a:rPr>
-              <a:t>issues</a:t>
-            </a:r>
-            <a:r>
-              <a:rPr lang="de-DE" sz="1200" kern="1200" dirty="0">
-                <a:solidFill>
-                  <a:schemeClr val="tx1"/>
-                </a:solidFill>
-                <a:effectLst/>
-                <a:latin typeface="+mn-lt"/>
-                <a:ea typeface="+mn-ea"/>
-                <a:cs typeface="+mn-cs"/>
-              </a:rPr>
-              <a:t> and </a:t>
-            </a:r>
-            <a:r>
-              <a:rPr lang="de-DE" sz="1200" kern="1200" dirty="0" err="1">
-                <a:solidFill>
-                  <a:schemeClr val="tx1"/>
-                </a:solidFill>
-                <a:effectLst/>
-                <a:latin typeface="+mn-lt"/>
-                <a:ea typeface="+mn-ea"/>
-                <a:cs typeface="+mn-cs"/>
-              </a:rPr>
-              <a:t>therefore</a:t>
-            </a:r>
-            <a:endParaRPr lang="de-DE" sz="1200" kern="1200" dirty="0">
-              <a:solidFill>
-                <a:schemeClr val="tx1"/>
-              </a:solidFill>
-              <a:effectLst/>
-              <a:latin typeface="+mn-lt"/>
-              <a:ea typeface="+mn-ea"/>
-              <a:cs typeface="+mn-cs"/>
-            </a:endParaRPr>
-          </a:p>
-          <a:p>
-            <a:pPr marL="171450" lvl="0" indent="-171450">
-              <a:buFont typeface="Symbol" panose="05050102010706020507" pitchFamily="18" charset="2"/>
-              <a:buChar char="-"/>
-            </a:pPr>
-            <a:r>
-              <a:rPr lang="en-GB" sz="1200" kern="1200" dirty="0">
-                <a:solidFill>
-                  <a:schemeClr val="tx1"/>
-                </a:solidFill>
-                <a:effectLst/>
-                <a:latin typeface="+mn-lt"/>
-                <a:ea typeface="+mn-ea"/>
-                <a:cs typeface="+mn-cs"/>
-              </a:rPr>
-              <a:t>Global Reporting Initiative offers to provide a truly transparent CSR report balancing positive and negative incidents </a:t>
-            </a:r>
-            <a:endParaRPr lang="de-DE" sz="1200" kern="1200" dirty="0">
-              <a:solidFill>
-                <a:schemeClr val="tx1"/>
-              </a:solidFill>
-              <a:effectLst/>
-              <a:latin typeface="+mn-lt"/>
-              <a:ea typeface="+mn-ea"/>
-              <a:cs typeface="+mn-cs"/>
-            </a:endParaRPr>
-          </a:p>
-          <a:p>
-            <a:pPr marL="171450" lvl="0" indent="-171450">
-              <a:buFont typeface="Symbol" panose="05050102010706020507" pitchFamily="18" charset="2"/>
-              <a:buChar char="-"/>
-            </a:pPr>
-            <a:r>
-              <a:rPr lang="en-GB" sz="1200" kern="1200" dirty="0">
-                <a:solidFill>
-                  <a:schemeClr val="tx1"/>
-                </a:solidFill>
-                <a:effectLst/>
-                <a:latin typeface="+mn-lt"/>
-                <a:ea typeface="+mn-ea"/>
-                <a:cs typeface="+mn-cs"/>
-              </a:rPr>
-              <a:t>The problem with this solution is that company fear to lose stakeholders support disclosing their negative incidents</a:t>
-            </a:r>
-            <a:endParaRPr lang="de-DE" sz="1200" kern="1200" dirty="0">
-              <a:solidFill>
-                <a:schemeClr val="tx1"/>
-              </a:solidFill>
-              <a:effectLst/>
-              <a:latin typeface="+mn-lt"/>
-              <a:ea typeface="+mn-ea"/>
-              <a:cs typeface="+mn-cs"/>
-            </a:endParaRPr>
-          </a:p>
-          <a:p>
             <a:endParaRPr lang="en-GB" dirty="0"/>
           </a:p>
         </p:txBody>
@@ -4257,7 +1647,7 @@
           <a:p>
             <a:fld id="{4EF36919-52F3-4202-8996-43E31FD6D033}" type="slidenum">
               <a:rPr lang="de-DE" smtClean="0"/>
-              <a:t>5</a:t>
+              <a:t>4</a:t>
             </a:fld>
             <a:endParaRPr lang="de-DE"/>
           </a:p>
@@ -4266,7 +1656,7 @@
     </p:spTree>
     <p:extLst>
       <p:ext uri="{BB962C8B-B14F-4D97-AF65-F5344CB8AC3E}">
-        <p14:creationId xmlns:p14="http://schemas.microsoft.com/office/powerpoint/2010/main" val="1059270666"/>
+        <p14:creationId xmlns:p14="http://schemas.microsoft.com/office/powerpoint/2010/main" val="354965771"/>
       </p:ext>
     </p:extLst>
   </p:cSld>
@@ -4320,231 +1710,6 @@
           <a:bodyPr/>
           <a:lstStyle/>
           <a:p>
-            <a:pPr marL="171450" lvl="0" indent="-171450">
-              <a:buFont typeface="Symbol" panose="05050102010706020507" pitchFamily="18" charset="2"/>
-              <a:buChar char="-"/>
-            </a:pPr>
-            <a:r>
-              <a:rPr lang="en-GB" sz="1200" kern="1200" dirty="0">
-                <a:solidFill>
-                  <a:schemeClr val="tx1"/>
-                </a:solidFill>
-                <a:effectLst/>
-                <a:latin typeface="+mn-lt"/>
-                <a:ea typeface="+mn-ea"/>
-                <a:cs typeface="+mn-cs"/>
-              </a:rPr>
-              <a:t>To give you an impression, how a CSR report may look like, I have an example from H&amp;M </a:t>
-            </a:r>
-          </a:p>
-          <a:p>
-            <a:pPr marL="171450" lvl="0" indent="-171450">
-              <a:buFont typeface="Symbol" panose="05050102010706020507" pitchFamily="18" charset="2"/>
-              <a:buChar char="-"/>
-            </a:pPr>
-            <a:r>
-              <a:rPr lang="en-GB" sz="1200" kern="1200" dirty="0">
-                <a:solidFill>
-                  <a:schemeClr val="tx1"/>
-                </a:solidFill>
-                <a:effectLst/>
-                <a:latin typeface="+mn-lt"/>
-                <a:ea typeface="+mn-ea"/>
-                <a:cs typeface="+mn-cs"/>
-              </a:rPr>
-              <a:t>Who of you would conclude that H&amp;M is a sustainable company?</a:t>
-            </a:r>
-            <a:endParaRPr lang="de-DE" sz="1200" kern="1200" dirty="0">
-              <a:solidFill>
-                <a:schemeClr val="tx1"/>
-              </a:solidFill>
-              <a:effectLst/>
-              <a:latin typeface="+mn-lt"/>
-              <a:ea typeface="+mn-ea"/>
-              <a:cs typeface="+mn-cs"/>
-            </a:endParaRPr>
-          </a:p>
-          <a:p>
-            <a:pPr marL="171450" lvl="0" indent="-171450">
-              <a:buFont typeface="Symbol" panose="05050102010706020507" pitchFamily="18" charset="2"/>
-              <a:buChar char="-"/>
-            </a:pPr>
-            <a:r>
-              <a:rPr lang="en-GB" sz="1200" kern="1200" dirty="0">
-                <a:solidFill>
-                  <a:schemeClr val="tx1"/>
-                </a:solidFill>
-                <a:effectLst/>
-                <a:latin typeface="+mn-lt"/>
-                <a:ea typeface="+mn-ea"/>
-                <a:cs typeface="+mn-cs"/>
-              </a:rPr>
-              <a:t>Maybe you might be a bit sceptical toward the report because it contains only positive content and if you are not you might get sceptical when I am showing you this report by a third party</a:t>
-            </a:r>
-            <a:endParaRPr lang="de-DE" sz="1200" kern="1200" dirty="0">
-              <a:solidFill>
-                <a:schemeClr val="tx1"/>
-              </a:solidFill>
-              <a:effectLst/>
-              <a:latin typeface="+mn-lt"/>
-              <a:ea typeface="+mn-ea"/>
-              <a:cs typeface="+mn-cs"/>
-            </a:endParaRPr>
-          </a:p>
-          <a:p>
-            <a:pPr marL="171450" lvl="0" indent="-171450">
-              <a:buFont typeface="Symbol" panose="05050102010706020507" pitchFamily="18" charset="2"/>
-              <a:buChar char="-"/>
-            </a:pPr>
-            <a:r>
-              <a:rPr lang="en-GB" sz="1200" kern="1200" dirty="0">
-                <a:solidFill>
-                  <a:schemeClr val="tx1"/>
-                </a:solidFill>
-                <a:effectLst/>
-                <a:latin typeface="+mn-lt"/>
-                <a:ea typeface="+mn-ea"/>
-                <a:cs typeface="+mn-cs"/>
-              </a:rPr>
-              <a:t>In general CSR reports face</a:t>
-            </a:r>
-            <a:r>
-              <a:rPr lang="de-DE" sz="1200" kern="1200" dirty="0">
-                <a:solidFill>
-                  <a:schemeClr val="tx1"/>
-                </a:solidFill>
-                <a:effectLst/>
-                <a:latin typeface="+mn-lt"/>
-                <a:ea typeface="+mn-ea"/>
-                <a:cs typeface="+mn-cs"/>
-              </a:rPr>
-              <a:t> </a:t>
-            </a:r>
-            <a:r>
-              <a:rPr lang="de-DE" sz="1200" kern="1200" dirty="0" err="1">
-                <a:solidFill>
-                  <a:schemeClr val="tx1"/>
-                </a:solidFill>
-                <a:effectLst/>
-                <a:latin typeface="+mn-lt"/>
-                <a:ea typeface="+mn-ea"/>
-                <a:cs typeface="+mn-cs"/>
-              </a:rPr>
-              <a:t>credibility</a:t>
-            </a:r>
-            <a:r>
-              <a:rPr lang="de-DE" sz="1200" kern="1200" dirty="0">
-                <a:solidFill>
-                  <a:schemeClr val="tx1"/>
-                </a:solidFill>
-                <a:effectLst/>
-                <a:latin typeface="+mn-lt"/>
-                <a:ea typeface="+mn-ea"/>
-                <a:cs typeface="+mn-cs"/>
-              </a:rPr>
-              <a:t> </a:t>
-            </a:r>
-            <a:r>
-              <a:rPr lang="de-DE" sz="1200" kern="1200" dirty="0" err="1">
-                <a:solidFill>
-                  <a:schemeClr val="tx1"/>
-                </a:solidFill>
-                <a:effectLst/>
-                <a:latin typeface="+mn-lt"/>
-                <a:ea typeface="+mn-ea"/>
-                <a:cs typeface="+mn-cs"/>
-              </a:rPr>
-              <a:t>issues</a:t>
-            </a:r>
-            <a:r>
-              <a:rPr lang="de-DE" sz="1200" kern="1200" dirty="0">
-                <a:solidFill>
-                  <a:schemeClr val="tx1"/>
-                </a:solidFill>
-                <a:effectLst/>
-                <a:latin typeface="+mn-lt"/>
-                <a:ea typeface="+mn-ea"/>
-                <a:cs typeface="+mn-cs"/>
-              </a:rPr>
-              <a:t> and </a:t>
-            </a:r>
-            <a:r>
-              <a:rPr lang="de-DE" sz="1200" kern="1200" dirty="0" err="1">
-                <a:solidFill>
-                  <a:schemeClr val="tx1"/>
-                </a:solidFill>
-                <a:effectLst/>
-                <a:latin typeface="+mn-lt"/>
-                <a:ea typeface="+mn-ea"/>
-                <a:cs typeface="+mn-cs"/>
-              </a:rPr>
-              <a:t>therefore</a:t>
-            </a:r>
-            <a:endParaRPr lang="de-DE" sz="1200" kern="1200" dirty="0">
-              <a:solidFill>
-                <a:schemeClr val="tx1"/>
-              </a:solidFill>
-              <a:effectLst/>
-              <a:latin typeface="+mn-lt"/>
-              <a:ea typeface="+mn-ea"/>
-              <a:cs typeface="+mn-cs"/>
-            </a:endParaRPr>
-          </a:p>
-          <a:p>
-            <a:pPr marL="171450" lvl="0" indent="-171450">
-              <a:buFont typeface="Symbol" panose="05050102010706020507" pitchFamily="18" charset="2"/>
-              <a:buChar char="-"/>
-            </a:pPr>
-            <a:r>
-              <a:rPr lang="en-GB" sz="1200" kern="1200" dirty="0">
-                <a:solidFill>
-                  <a:schemeClr val="tx1"/>
-                </a:solidFill>
-                <a:effectLst/>
-                <a:latin typeface="+mn-lt"/>
-                <a:ea typeface="+mn-ea"/>
-                <a:cs typeface="+mn-cs"/>
-              </a:rPr>
-              <a:t>Global Reporting Initiative offers to provide a truly transparent CSR report balancing positive and negative incidents </a:t>
-            </a:r>
-            <a:endParaRPr lang="de-DE" sz="1200" kern="1200" dirty="0">
-              <a:solidFill>
-                <a:schemeClr val="tx1"/>
-              </a:solidFill>
-              <a:effectLst/>
-              <a:latin typeface="+mn-lt"/>
-              <a:ea typeface="+mn-ea"/>
-              <a:cs typeface="+mn-cs"/>
-            </a:endParaRPr>
-          </a:p>
-          <a:p>
-            <a:pPr marL="171450" lvl="0" indent="-171450">
-              <a:buFont typeface="Symbol" panose="05050102010706020507" pitchFamily="18" charset="2"/>
-              <a:buChar char="-"/>
-            </a:pPr>
-            <a:r>
-              <a:rPr lang="en-GB" sz="1200" kern="1200" dirty="0">
-                <a:solidFill>
-                  <a:schemeClr val="tx1"/>
-                </a:solidFill>
-                <a:effectLst/>
-                <a:latin typeface="+mn-lt"/>
-                <a:ea typeface="+mn-ea"/>
-                <a:cs typeface="+mn-cs"/>
-              </a:rPr>
-              <a:t>The problem with this solution is that company fear to lose stakeholders support disclosing their negative incidents</a:t>
-            </a:r>
-            <a:endParaRPr lang="de-DE" sz="1200" kern="1200" dirty="0">
-              <a:solidFill>
-                <a:schemeClr val="tx1"/>
-              </a:solidFill>
-              <a:effectLst/>
-              <a:latin typeface="+mn-lt"/>
-              <a:ea typeface="+mn-ea"/>
-              <a:cs typeface="+mn-cs"/>
-            </a:endParaRPr>
-          </a:p>
-          <a:p>
             <a:endParaRPr lang="en-GB" dirty="0"/>
           </a:p>
         </p:txBody>
@@ -4566,7 +1731,7 @@
           <a:p>
             <a:fld id="{4EF36919-52F3-4202-8996-43E31FD6D033}" type="slidenum">
               <a:rPr lang="de-DE" smtClean="0"/>
-              <a:t>6</a:t>
+              <a:t>5</a:t>
             </a:fld>
             <a:endParaRPr lang="de-DE"/>
           </a:p>
@@ -4575,7 +1740,7 @@
     </p:spTree>
     <p:extLst>
       <p:ext uri="{BB962C8B-B14F-4D97-AF65-F5344CB8AC3E}">
-        <p14:creationId xmlns:p14="http://schemas.microsoft.com/office/powerpoint/2010/main" val="3514883833"/>
+        <p14:creationId xmlns:p14="http://schemas.microsoft.com/office/powerpoint/2010/main" val="1059270666"/>
       </p:ext>
     </p:extLst>
   </p:cSld>
@@ -4629,231 +1794,6 @@
           <a:bodyPr/>
           <a:lstStyle/>
           <a:p>
-            <a:pPr marL="171450" lvl="0" indent="-171450">
-              <a:buFont typeface="Symbol" panose="05050102010706020507" pitchFamily="18" charset="2"/>
-              <a:buChar char="-"/>
-            </a:pPr>
-            <a:r>
-              <a:rPr lang="en-GB" sz="1200" kern="1200" dirty="0">
-                <a:solidFill>
-                  <a:schemeClr val="tx1"/>
-                </a:solidFill>
-                <a:effectLst/>
-                <a:latin typeface="+mn-lt"/>
-                <a:ea typeface="+mn-ea"/>
-                <a:cs typeface="+mn-cs"/>
-              </a:rPr>
-              <a:t>To give you an impression, how a CSR report may look like, I have an example from H&amp;M </a:t>
-            </a:r>
-          </a:p>
-          <a:p>
-            <a:pPr marL="171450" lvl="0" indent="-171450">
-              <a:buFont typeface="Symbol" panose="05050102010706020507" pitchFamily="18" charset="2"/>
-              <a:buChar char="-"/>
-            </a:pPr>
-            <a:r>
-              <a:rPr lang="en-GB" sz="1200" kern="1200" dirty="0">
-                <a:solidFill>
-                  <a:schemeClr val="tx1"/>
-                </a:solidFill>
-                <a:effectLst/>
-                <a:latin typeface="+mn-lt"/>
-                <a:ea typeface="+mn-ea"/>
-                <a:cs typeface="+mn-cs"/>
-              </a:rPr>
-              <a:t>Who of you would conclude that H&amp;M is a sustainable company?</a:t>
-            </a:r>
-            <a:endParaRPr lang="de-DE" sz="1200" kern="1200" dirty="0">
-              <a:solidFill>
-                <a:schemeClr val="tx1"/>
-              </a:solidFill>
-              <a:effectLst/>
-              <a:latin typeface="+mn-lt"/>
-              <a:ea typeface="+mn-ea"/>
-              <a:cs typeface="+mn-cs"/>
-            </a:endParaRPr>
-          </a:p>
-          <a:p>
-            <a:pPr marL="171450" lvl="0" indent="-171450">
-              <a:buFont typeface="Symbol" panose="05050102010706020507" pitchFamily="18" charset="2"/>
-              <a:buChar char="-"/>
-            </a:pPr>
-            <a:r>
-              <a:rPr lang="en-GB" sz="1200" kern="1200" dirty="0">
-                <a:solidFill>
-                  <a:schemeClr val="tx1"/>
-                </a:solidFill>
-                <a:effectLst/>
-                <a:latin typeface="+mn-lt"/>
-                <a:ea typeface="+mn-ea"/>
-                <a:cs typeface="+mn-cs"/>
-              </a:rPr>
-              <a:t>Maybe you might be a bit sceptical toward the report because it contains only positive content and if you are not you might get sceptical when I am showing you this report by a third party</a:t>
-            </a:r>
-            <a:endParaRPr lang="de-DE" sz="1200" kern="1200" dirty="0">
-              <a:solidFill>
-                <a:schemeClr val="tx1"/>
-              </a:solidFill>
-              <a:effectLst/>
-              <a:latin typeface="+mn-lt"/>
-              <a:ea typeface="+mn-ea"/>
-              <a:cs typeface="+mn-cs"/>
-            </a:endParaRPr>
-          </a:p>
-          <a:p>
-            <a:pPr marL="171450" lvl="0" indent="-171450">
-              <a:buFont typeface="Symbol" panose="05050102010706020507" pitchFamily="18" charset="2"/>
-              <a:buChar char="-"/>
-            </a:pPr>
-            <a:r>
-              <a:rPr lang="en-GB" sz="1200" kern="1200" dirty="0">
-                <a:solidFill>
-                  <a:schemeClr val="tx1"/>
-                </a:solidFill>
-                <a:effectLst/>
-                <a:latin typeface="+mn-lt"/>
-                <a:ea typeface="+mn-ea"/>
-                <a:cs typeface="+mn-cs"/>
-              </a:rPr>
-              <a:t>In general CSR reports face</a:t>
-            </a:r>
-            <a:r>
-              <a:rPr lang="de-DE" sz="1200" kern="1200" dirty="0">
-                <a:solidFill>
-                  <a:schemeClr val="tx1"/>
-                </a:solidFill>
-                <a:effectLst/>
-                <a:latin typeface="+mn-lt"/>
-                <a:ea typeface="+mn-ea"/>
-                <a:cs typeface="+mn-cs"/>
-              </a:rPr>
-              <a:t> </a:t>
-            </a:r>
-            <a:r>
-              <a:rPr lang="de-DE" sz="1200" kern="1200" dirty="0" err="1">
-                <a:solidFill>
-                  <a:schemeClr val="tx1"/>
-                </a:solidFill>
-                <a:effectLst/>
-                <a:latin typeface="+mn-lt"/>
-                <a:ea typeface="+mn-ea"/>
-                <a:cs typeface="+mn-cs"/>
-              </a:rPr>
-              <a:t>credibility</a:t>
-            </a:r>
-            <a:r>
-              <a:rPr lang="de-DE" sz="1200" kern="1200" dirty="0">
-                <a:solidFill>
-                  <a:schemeClr val="tx1"/>
-                </a:solidFill>
-                <a:effectLst/>
-                <a:latin typeface="+mn-lt"/>
-                <a:ea typeface="+mn-ea"/>
-                <a:cs typeface="+mn-cs"/>
-              </a:rPr>
-              <a:t> </a:t>
-            </a:r>
-            <a:r>
-              <a:rPr lang="de-DE" sz="1200" kern="1200" dirty="0" err="1">
-                <a:solidFill>
-                  <a:schemeClr val="tx1"/>
-                </a:solidFill>
-                <a:effectLst/>
-                <a:latin typeface="+mn-lt"/>
-                <a:ea typeface="+mn-ea"/>
-                <a:cs typeface="+mn-cs"/>
-              </a:rPr>
-              <a:t>issues</a:t>
-            </a:r>
-            <a:r>
-              <a:rPr lang="de-DE" sz="1200" kern="1200" dirty="0">
-                <a:solidFill>
-                  <a:schemeClr val="tx1"/>
-                </a:solidFill>
-                <a:effectLst/>
-                <a:latin typeface="+mn-lt"/>
-                <a:ea typeface="+mn-ea"/>
-                <a:cs typeface="+mn-cs"/>
-              </a:rPr>
-              <a:t> and </a:t>
-            </a:r>
-            <a:r>
-              <a:rPr lang="de-DE" sz="1200" kern="1200" dirty="0" err="1">
-                <a:solidFill>
-                  <a:schemeClr val="tx1"/>
-                </a:solidFill>
-                <a:effectLst/>
-                <a:latin typeface="+mn-lt"/>
-                <a:ea typeface="+mn-ea"/>
-                <a:cs typeface="+mn-cs"/>
-              </a:rPr>
-              <a:t>therefore</a:t>
-            </a:r>
-            <a:endParaRPr lang="de-DE" sz="1200" kern="1200" dirty="0">
-              <a:solidFill>
-                <a:schemeClr val="tx1"/>
-              </a:solidFill>
-              <a:effectLst/>
-              <a:latin typeface="+mn-lt"/>
-              <a:ea typeface="+mn-ea"/>
-              <a:cs typeface="+mn-cs"/>
-            </a:endParaRPr>
-          </a:p>
-          <a:p>
-            <a:pPr marL="171450" lvl="0" indent="-171450">
-              <a:buFont typeface="Symbol" panose="05050102010706020507" pitchFamily="18" charset="2"/>
-              <a:buChar char="-"/>
-            </a:pPr>
-            <a:r>
-              <a:rPr lang="en-GB" sz="1200" kern="1200" dirty="0">
-                <a:solidFill>
-                  <a:schemeClr val="tx1"/>
-                </a:solidFill>
-                <a:effectLst/>
-                <a:latin typeface="+mn-lt"/>
-                <a:ea typeface="+mn-ea"/>
-                <a:cs typeface="+mn-cs"/>
-              </a:rPr>
-              <a:t>Global Reporting Initiative offers to provide a truly transparent CSR report balancing positive and negative incidents </a:t>
-            </a:r>
-            <a:endParaRPr lang="de-DE" sz="1200" kern="1200" dirty="0">
-              <a:solidFill>
-                <a:schemeClr val="tx1"/>
-              </a:solidFill>
-              <a:effectLst/>
-              <a:latin typeface="+mn-lt"/>
-              <a:ea typeface="+mn-ea"/>
-              <a:cs typeface="+mn-cs"/>
-            </a:endParaRPr>
-          </a:p>
-          <a:p>
-            <a:pPr marL="171450" lvl="0" indent="-171450">
-              <a:buFont typeface="Symbol" panose="05050102010706020507" pitchFamily="18" charset="2"/>
-              <a:buChar char="-"/>
-            </a:pPr>
-            <a:r>
-              <a:rPr lang="en-GB" sz="1200" kern="1200" dirty="0">
-                <a:solidFill>
-                  <a:schemeClr val="tx1"/>
-                </a:solidFill>
-                <a:effectLst/>
-                <a:latin typeface="+mn-lt"/>
-                <a:ea typeface="+mn-ea"/>
-                <a:cs typeface="+mn-cs"/>
-              </a:rPr>
-              <a:t>The problem with this solution is that company fear to lose stakeholders support disclosing their negative incidents</a:t>
-            </a:r>
-            <a:endParaRPr lang="de-DE" sz="1200" kern="1200" dirty="0">
-              <a:solidFill>
-                <a:schemeClr val="tx1"/>
-              </a:solidFill>
-              <a:effectLst/>
-              <a:latin typeface="+mn-lt"/>
-              <a:ea typeface="+mn-ea"/>
-              <a:cs typeface="+mn-cs"/>
-            </a:endParaRPr>
-          </a:p>
-          <a:p>
             <a:endParaRPr lang="en-GB" dirty="0"/>
           </a:p>
         </p:txBody>
@@ -4875,7 +1815,7 @@
           <a:p>
             <a:fld id="{4EF36919-52F3-4202-8996-43E31FD6D033}" type="slidenum">
               <a:rPr lang="de-DE" smtClean="0"/>
-              <a:t>7</a:t>
+              <a:t>6</a:t>
             </a:fld>
             <a:endParaRPr lang="de-DE"/>
           </a:p>
@@ -4884,7 +1824,7 @@
     </p:spTree>
     <p:extLst>
       <p:ext uri="{BB962C8B-B14F-4D97-AF65-F5344CB8AC3E}">
-        <p14:creationId xmlns:p14="http://schemas.microsoft.com/office/powerpoint/2010/main" val="1052576320"/>
+        <p14:creationId xmlns:p14="http://schemas.microsoft.com/office/powerpoint/2010/main" val="3514883833"/>
       </p:ext>
     </p:extLst>
   </p:cSld>
@@ -4938,231 +1878,6 @@
           <a:bodyPr/>
           <a:lstStyle/>
           <a:p>
-            <a:pPr marL="171450" lvl="0" indent="-171450">
-              <a:buFont typeface="Symbol" panose="05050102010706020507" pitchFamily="18" charset="2"/>
-              <a:buChar char="-"/>
-            </a:pPr>
-            <a:r>
-              <a:rPr lang="en-GB" sz="1200" kern="1200" dirty="0">
-                <a:solidFill>
-                  <a:schemeClr val="tx1"/>
-                </a:solidFill>
-                <a:effectLst/>
-                <a:latin typeface="+mn-lt"/>
-                <a:ea typeface="+mn-ea"/>
-                <a:cs typeface="+mn-cs"/>
-              </a:rPr>
-              <a:t>To give you an impression, how a CSR report may look like, I have an example from H&amp;M </a:t>
-            </a:r>
-          </a:p>
-          <a:p>
-            <a:pPr marL="171450" lvl="0" indent="-171450">
-              <a:buFont typeface="Symbol" panose="05050102010706020507" pitchFamily="18" charset="2"/>
-              <a:buChar char="-"/>
-            </a:pPr>
-            <a:r>
-              <a:rPr lang="en-GB" sz="1200" kern="1200" dirty="0">
-                <a:solidFill>
-                  <a:schemeClr val="tx1"/>
-                </a:solidFill>
-                <a:effectLst/>
-                <a:latin typeface="+mn-lt"/>
-                <a:ea typeface="+mn-ea"/>
-                <a:cs typeface="+mn-cs"/>
-              </a:rPr>
-              <a:t>Who of you would conclude that H&amp;M is a sustainable company?</a:t>
-            </a:r>
-            <a:endParaRPr lang="de-DE" sz="1200" kern="1200" dirty="0">
-              <a:solidFill>
-                <a:schemeClr val="tx1"/>
-              </a:solidFill>
-              <a:effectLst/>
-              <a:latin typeface="+mn-lt"/>
-              <a:ea typeface="+mn-ea"/>
-              <a:cs typeface="+mn-cs"/>
-            </a:endParaRPr>
-          </a:p>
-          <a:p>
-            <a:pPr marL="171450" lvl="0" indent="-171450">
-              <a:buFont typeface="Symbol" panose="05050102010706020507" pitchFamily="18" charset="2"/>
-              <a:buChar char="-"/>
-            </a:pPr>
-            <a:r>
-              <a:rPr lang="en-GB" sz="1200" kern="1200" dirty="0">
-                <a:solidFill>
-                  <a:schemeClr val="tx1"/>
-                </a:solidFill>
-                <a:effectLst/>
-                <a:latin typeface="+mn-lt"/>
-                <a:ea typeface="+mn-ea"/>
-                <a:cs typeface="+mn-cs"/>
-              </a:rPr>
-              <a:t>Maybe you might be a bit sceptical toward the report because it contains only positive content and if you are not you might get sceptical when I am showing you this report by a third party</a:t>
-            </a:r>
-            <a:endParaRPr lang="de-DE" sz="1200" kern="1200" dirty="0">
-              <a:solidFill>
-                <a:schemeClr val="tx1"/>
-              </a:solidFill>
-              <a:effectLst/>
-              <a:latin typeface="+mn-lt"/>
-              <a:ea typeface="+mn-ea"/>
-              <a:cs typeface="+mn-cs"/>
-            </a:endParaRPr>
-          </a:p>
-          <a:p>
-            <a:pPr marL="171450" lvl="0" indent="-171450">
-              <a:buFont typeface="Symbol" panose="05050102010706020507" pitchFamily="18" charset="2"/>
-              <a:buChar char="-"/>
-            </a:pPr>
-            <a:r>
-              <a:rPr lang="en-GB" sz="1200" kern="1200" dirty="0">
-                <a:solidFill>
-                  <a:schemeClr val="tx1"/>
-                </a:solidFill>
-                <a:effectLst/>
-                <a:latin typeface="+mn-lt"/>
-                <a:ea typeface="+mn-ea"/>
-                <a:cs typeface="+mn-cs"/>
-              </a:rPr>
-              <a:t>In general CSR reports face</a:t>
-            </a:r>
-            <a:r>
-              <a:rPr lang="de-DE" sz="1200" kern="1200" dirty="0">
-                <a:solidFill>
-                  <a:schemeClr val="tx1"/>
-                </a:solidFill>
-                <a:effectLst/>
-                <a:latin typeface="+mn-lt"/>
-                <a:ea typeface="+mn-ea"/>
-                <a:cs typeface="+mn-cs"/>
-              </a:rPr>
-              <a:t> </a:t>
-            </a:r>
-            <a:r>
-              <a:rPr lang="de-DE" sz="1200" kern="1200" dirty="0" err="1">
-                <a:solidFill>
-                  <a:schemeClr val="tx1"/>
-                </a:solidFill>
-                <a:effectLst/>
-                <a:latin typeface="+mn-lt"/>
-                <a:ea typeface="+mn-ea"/>
-                <a:cs typeface="+mn-cs"/>
-              </a:rPr>
-              <a:t>credibility</a:t>
-            </a:r>
-            <a:r>
-              <a:rPr lang="de-DE" sz="1200" kern="1200" dirty="0">
-                <a:solidFill>
-                  <a:schemeClr val="tx1"/>
-                </a:solidFill>
-                <a:effectLst/>
-                <a:latin typeface="+mn-lt"/>
-                <a:ea typeface="+mn-ea"/>
-                <a:cs typeface="+mn-cs"/>
-              </a:rPr>
-              <a:t> </a:t>
-            </a:r>
-            <a:r>
-              <a:rPr lang="de-DE" sz="1200" kern="1200" dirty="0" err="1">
-                <a:solidFill>
-                  <a:schemeClr val="tx1"/>
-                </a:solidFill>
-                <a:effectLst/>
-                <a:latin typeface="+mn-lt"/>
-                <a:ea typeface="+mn-ea"/>
-                <a:cs typeface="+mn-cs"/>
-              </a:rPr>
-              <a:t>issues</a:t>
-            </a:r>
-            <a:r>
-              <a:rPr lang="de-DE" sz="1200" kern="1200" dirty="0">
-                <a:solidFill>
-                  <a:schemeClr val="tx1"/>
-                </a:solidFill>
-                <a:effectLst/>
-                <a:latin typeface="+mn-lt"/>
-                <a:ea typeface="+mn-ea"/>
-                <a:cs typeface="+mn-cs"/>
-              </a:rPr>
-              <a:t> and </a:t>
-            </a:r>
-            <a:r>
-              <a:rPr lang="de-DE" sz="1200" kern="1200" dirty="0" err="1">
-                <a:solidFill>
-                  <a:schemeClr val="tx1"/>
-                </a:solidFill>
-                <a:effectLst/>
-                <a:latin typeface="+mn-lt"/>
-                <a:ea typeface="+mn-ea"/>
-                <a:cs typeface="+mn-cs"/>
-              </a:rPr>
-              <a:t>therefore</a:t>
-            </a:r>
-            <a:endParaRPr lang="de-DE" sz="1200" kern="1200" dirty="0">
-              <a:solidFill>
-                <a:schemeClr val="tx1"/>
-              </a:solidFill>
-              <a:effectLst/>
-              <a:latin typeface="+mn-lt"/>
-              <a:ea typeface="+mn-ea"/>
-              <a:cs typeface="+mn-cs"/>
-            </a:endParaRPr>
-          </a:p>
-          <a:p>
-            <a:pPr marL="171450" lvl="0" indent="-171450">
-              <a:buFont typeface="Symbol" panose="05050102010706020507" pitchFamily="18" charset="2"/>
-              <a:buChar char="-"/>
-            </a:pPr>
-            <a:r>
-              <a:rPr lang="en-GB" sz="1200" kern="1200" dirty="0">
-                <a:solidFill>
-                  <a:schemeClr val="tx1"/>
-                </a:solidFill>
-                <a:effectLst/>
-                <a:latin typeface="+mn-lt"/>
-                <a:ea typeface="+mn-ea"/>
-                <a:cs typeface="+mn-cs"/>
-              </a:rPr>
-              <a:t>Global Reporting Initiative offers to provide a truly transparent CSR report balancing positive and negative incidents </a:t>
-            </a:r>
-            <a:endParaRPr lang="de-DE" sz="1200" kern="1200" dirty="0">
-              <a:solidFill>
-                <a:schemeClr val="tx1"/>
-              </a:solidFill>
-              <a:effectLst/>
-              <a:latin typeface="+mn-lt"/>
-              <a:ea typeface="+mn-ea"/>
-              <a:cs typeface="+mn-cs"/>
-            </a:endParaRPr>
-          </a:p>
-          <a:p>
-            <a:pPr marL="171450" lvl="0" indent="-171450">
-              <a:buFont typeface="Symbol" panose="05050102010706020507" pitchFamily="18" charset="2"/>
-              <a:buChar char="-"/>
-            </a:pPr>
-            <a:r>
-              <a:rPr lang="en-GB" sz="1200" kern="1200" dirty="0">
-                <a:solidFill>
-                  <a:schemeClr val="tx1"/>
-                </a:solidFill>
-                <a:effectLst/>
-                <a:latin typeface="+mn-lt"/>
-                <a:ea typeface="+mn-ea"/>
-                <a:cs typeface="+mn-cs"/>
-              </a:rPr>
-              <a:t>The problem with this solution is that company fear to lose stakeholders support disclosing their negative incidents</a:t>
-            </a:r>
-            <a:endParaRPr lang="de-DE" sz="1200" kern="1200" dirty="0">
-              <a:solidFill>
-                <a:schemeClr val="tx1"/>
-              </a:solidFill>
-              <a:effectLst/>
-              <a:latin typeface="+mn-lt"/>
-              <a:ea typeface="+mn-ea"/>
-              <a:cs typeface="+mn-cs"/>
-            </a:endParaRPr>
-          </a:p>
-          <a:p>
             <a:endParaRPr lang="en-GB" dirty="0"/>
           </a:p>
         </p:txBody>
@@ -5184,7 +1899,7 @@
           <a:p>
             <a:fld id="{4EF36919-52F3-4202-8996-43E31FD6D033}" type="slidenum">
               <a:rPr lang="de-DE" smtClean="0"/>
-              <a:t>8</a:t>
+              <a:t>7</a:t>
             </a:fld>
             <a:endParaRPr lang="de-DE"/>
           </a:p>
@@ -5193,7 +1908,7 @@
     </p:spTree>
     <p:extLst>
       <p:ext uri="{BB962C8B-B14F-4D97-AF65-F5344CB8AC3E}">
-        <p14:creationId xmlns:p14="http://schemas.microsoft.com/office/powerpoint/2010/main" val="2062085701"/>
+        <p14:creationId xmlns:p14="http://schemas.microsoft.com/office/powerpoint/2010/main" val="1052576320"/>
       </p:ext>
     </p:extLst>
   </p:cSld>
@@ -5247,231 +1962,6 @@
           <a:bodyPr/>
           <a:lstStyle/>
           <a:p>
-            <a:pPr marL="171450" lvl="0" indent="-171450">
-              <a:buFont typeface="Symbol" panose="05050102010706020507" pitchFamily="18" charset="2"/>
-              <a:buChar char="-"/>
-            </a:pPr>
-            <a:r>
-              <a:rPr lang="en-GB" sz="1200" kern="1200" dirty="0">
-                <a:solidFill>
-                  <a:schemeClr val="tx1"/>
-                </a:solidFill>
-                <a:effectLst/>
-                <a:latin typeface="+mn-lt"/>
-                <a:ea typeface="+mn-ea"/>
-                <a:cs typeface="+mn-cs"/>
-              </a:rPr>
-              <a:t>To give you an impression, how a CSR report may look like, I have an example from H&amp;M </a:t>
-            </a:r>
-          </a:p>
-          <a:p>
-            <a:pPr marL="171450" lvl="0" indent="-171450">
-              <a:buFont typeface="Symbol" panose="05050102010706020507" pitchFamily="18" charset="2"/>
-              <a:buChar char="-"/>
-            </a:pPr>
-            <a:r>
-              <a:rPr lang="en-GB" sz="1200" kern="1200" dirty="0">
-                <a:solidFill>
-                  <a:schemeClr val="tx1"/>
-                </a:solidFill>
-                <a:effectLst/>
-                <a:latin typeface="+mn-lt"/>
-                <a:ea typeface="+mn-ea"/>
-                <a:cs typeface="+mn-cs"/>
-              </a:rPr>
-              <a:t>Who of you would conclude that H&amp;M is a sustainable company?</a:t>
-            </a:r>
-            <a:endParaRPr lang="de-DE" sz="1200" kern="1200" dirty="0">
-              <a:solidFill>
-                <a:schemeClr val="tx1"/>
-              </a:solidFill>
-              <a:effectLst/>
-              <a:latin typeface="+mn-lt"/>
-              <a:ea typeface="+mn-ea"/>
-              <a:cs typeface="+mn-cs"/>
-            </a:endParaRPr>
-          </a:p>
-          <a:p>
-            <a:pPr marL="171450" lvl="0" indent="-171450">
-              <a:buFont typeface="Symbol" panose="05050102010706020507" pitchFamily="18" charset="2"/>
-              <a:buChar char="-"/>
-            </a:pPr>
-            <a:r>
-              <a:rPr lang="en-GB" sz="1200" kern="1200" dirty="0">
-                <a:solidFill>
-                  <a:schemeClr val="tx1"/>
-                </a:solidFill>
-                <a:effectLst/>
-                <a:latin typeface="+mn-lt"/>
-                <a:ea typeface="+mn-ea"/>
-                <a:cs typeface="+mn-cs"/>
-              </a:rPr>
-              <a:t>Maybe you might be a bit sceptical toward the report because it contains only positive content and if you are not you might get sceptical when I am showing you this report by a third party</a:t>
-            </a:r>
-            <a:endParaRPr lang="de-DE" sz="1200" kern="1200" dirty="0">
-              <a:solidFill>
-                <a:schemeClr val="tx1"/>
-              </a:solidFill>
-              <a:effectLst/>
-              <a:latin typeface="+mn-lt"/>
-              <a:ea typeface="+mn-ea"/>
-              <a:cs typeface="+mn-cs"/>
-            </a:endParaRPr>
-          </a:p>
-          <a:p>
-            <a:pPr marL="171450" lvl="0" indent="-171450">
-              <a:buFont typeface="Symbol" panose="05050102010706020507" pitchFamily="18" charset="2"/>
-              <a:buChar char="-"/>
-            </a:pPr>
-            <a:r>
-              <a:rPr lang="en-GB" sz="1200" kern="1200" dirty="0">
-                <a:solidFill>
-                  <a:schemeClr val="tx1"/>
-                </a:solidFill>
-                <a:effectLst/>
-                <a:latin typeface="+mn-lt"/>
-                <a:ea typeface="+mn-ea"/>
-                <a:cs typeface="+mn-cs"/>
-              </a:rPr>
-              <a:t>In general CSR reports face</a:t>
-            </a:r>
-            <a:r>
-              <a:rPr lang="de-DE" sz="1200" kern="1200" dirty="0">
-                <a:solidFill>
-                  <a:schemeClr val="tx1"/>
-                </a:solidFill>
-                <a:effectLst/>
-                <a:latin typeface="+mn-lt"/>
-                <a:ea typeface="+mn-ea"/>
-                <a:cs typeface="+mn-cs"/>
-              </a:rPr>
-              <a:t> </a:t>
-            </a:r>
-            <a:r>
-              <a:rPr lang="de-DE" sz="1200" kern="1200" dirty="0" err="1">
-                <a:solidFill>
-                  <a:schemeClr val="tx1"/>
-                </a:solidFill>
-                <a:effectLst/>
-                <a:latin typeface="+mn-lt"/>
-                <a:ea typeface="+mn-ea"/>
-                <a:cs typeface="+mn-cs"/>
-              </a:rPr>
-              <a:t>credibility</a:t>
-            </a:r>
-            <a:r>
-              <a:rPr lang="de-DE" sz="1200" kern="1200" dirty="0">
-                <a:solidFill>
-                  <a:schemeClr val="tx1"/>
-                </a:solidFill>
-                <a:effectLst/>
-                <a:latin typeface="+mn-lt"/>
-                <a:ea typeface="+mn-ea"/>
-                <a:cs typeface="+mn-cs"/>
-              </a:rPr>
-              <a:t> </a:t>
-            </a:r>
-            <a:r>
-              <a:rPr lang="de-DE" sz="1200" kern="1200" dirty="0" err="1">
-                <a:solidFill>
-                  <a:schemeClr val="tx1"/>
-                </a:solidFill>
-                <a:effectLst/>
-                <a:latin typeface="+mn-lt"/>
-                <a:ea typeface="+mn-ea"/>
-                <a:cs typeface="+mn-cs"/>
-              </a:rPr>
-              <a:t>issues</a:t>
-            </a:r>
-            <a:r>
-              <a:rPr lang="de-DE" sz="1200" kern="1200" dirty="0">
-                <a:solidFill>
-                  <a:schemeClr val="tx1"/>
-                </a:solidFill>
-                <a:effectLst/>
-                <a:latin typeface="+mn-lt"/>
-                <a:ea typeface="+mn-ea"/>
-                <a:cs typeface="+mn-cs"/>
-              </a:rPr>
-              <a:t> and </a:t>
-            </a:r>
-            <a:r>
-              <a:rPr lang="de-DE" sz="1200" kern="1200" dirty="0" err="1">
-                <a:solidFill>
-                  <a:schemeClr val="tx1"/>
-                </a:solidFill>
-                <a:effectLst/>
-                <a:latin typeface="+mn-lt"/>
-                <a:ea typeface="+mn-ea"/>
-                <a:cs typeface="+mn-cs"/>
-              </a:rPr>
-              <a:t>therefore</a:t>
-            </a:r>
-            <a:endParaRPr lang="de-DE" sz="1200" kern="1200" dirty="0">
-              <a:solidFill>
-                <a:schemeClr val="tx1"/>
-              </a:solidFill>
-              <a:effectLst/>
-              <a:latin typeface="+mn-lt"/>
-              <a:ea typeface="+mn-ea"/>
-              <a:cs typeface="+mn-cs"/>
-            </a:endParaRPr>
-          </a:p>
-          <a:p>
-            <a:pPr marL="171450" lvl="0" indent="-171450">
-              <a:buFont typeface="Symbol" panose="05050102010706020507" pitchFamily="18" charset="2"/>
-              <a:buChar char="-"/>
-            </a:pPr>
-            <a:r>
-              <a:rPr lang="en-GB" sz="1200" kern="1200" dirty="0">
-                <a:solidFill>
-                  <a:schemeClr val="tx1"/>
-                </a:solidFill>
-                <a:effectLst/>
-                <a:latin typeface="+mn-lt"/>
-                <a:ea typeface="+mn-ea"/>
-                <a:cs typeface="+mn-cs"/>
-              </a:rPr>
-              <a:t>Global Reporting Initiative offers to provide a truly transparent CSR report balancing positive and negative incidents </a:t>
-            </a:r>
-            <a:endParaRPr lang="de-DE" sz="1200" kern="1200" dirty="0">
-              <a:solidFill>
-                <a:schemeClr val="tx1"/>
-              </a:solidFill>
-              <a:effectLst/>
-              <a:latin typeface="+mn-lt"/>
-              <a:ea typeface="+mn-ea"/>
-              <a:cs typeface="+mn-cs"/>
-            </a:endParaRPr>
-          </a:p>
-          <a:p>
-            <a:pPr marL="171450" lvl="0" indent="-171450">
-              <a:buFont typeface="Symbol" panose="05050102010706020507" pitchFamily="18" charset="2"/>
-              <a:buChar char="-"/>
-            </a:pPr>
-            <a:r>
-              <a:rPr lang="en-GB" sz="1200" kern="1200" dirty="0">
-                <a:solidFill>
-                  <a:schemeClr val="tx1"/>
-                </a:solidFill>
-                <a:effectLst/>
-                <a:latin typeface="+mn-lt"/>
-                <a:ea typeface="+mn-ea"/>
-                <a:cs typeface="+mn-cs"/>
-              </a:rPr>
-              <a:t>The problem with this solution is that company fear to lose stakeholders support disclosing their negative incidents</a:t>
-            </a:r>
-            <a:endParaRPr lang="de-DE" sz="1200" kern="1200" dirty="0">
-              <a:solidFill>
-                <a:schemeClr val="tx1"/>
-              </a:solidFill>
-              <a:effectLst/>
-              <a:latin typeface="+mn-lt"/>
-              <a:ea typeface="+mn-ea"/>
-              <a:cs typeface="+mn-cs"/>
-            </a:endParaRPr>
-          </a:p>
-          <a:p>
             <a:endParaRPr lang="en-GB" dirty="0"/>
           </a:p>
         </p:txBody>
@@ -5493,7 +1983,7 @@
           <a:p>
             <a:fld id="{4EF36919-52F3-4202-8996-43E31FD6D033}" type="slidenum">
               <a:rPr lang="de-DE" smtClean="0"/>
-              <a:t>9</a:t>
+              <a:t>8</a:t>
             </a:fld>
             <a:endParaRPr lang="de-DE"/>
           </a:p>
@@ -5502,7 +1992,7 @@
     </p:spTree>
     <p:extLst>
       <p:ext uri="{BB962C8B-B14F-4D97-AF65-F5344CB8AC3E}">
-        <p14:creationId xmlns:p14="http://schemas.microsoft.com/office/powerpoint/2010/main" val="3589880023"/>
+        <p14:creationId xmlns:p14="http://schemas.microsoft.com/office/powerpoint/2010/main" val="2062085701"/>
       </p:ext>
     </p:extLst>
   </p:cSld>
@@ -5556,231 +2046,6 @@
           <a:bodyPr/>
           <a:lstStyle/>
           <a:p>
-            <a:pPr marL="171450" lvl="0" indent="-171450">
-              <a:buFont typeface="Symbol" panose="05050102010706020507" pitchFamily="18" charset="2"/>
-              <a:buChar char="-"/>
-            </a:pPr>
-            <a:r>
-              <a:rPr lang="en-GB" sz="1200" kern="1200" dirty="0">
-                <a:solidFill>
-                  <a:schemeClr val="tx1"/>
-                </a:solidFill>
-                <a:effectLst/>
-                <a:latin typeface="+mn-lt"/>
-                <a:ea typeface="+mn-ea"/>
-                <a:cs typeface="+mn-cs"/>
-              </a:rPr>
-              <a:t>To give you an impression, how a CSR report may look like, I have an example from H&amp;M </a:t>
-            </a:r>
-          </a:p>
-          <a:p>
-            <a:pPr marL="171450" lvl="0" indent="-171450">
-              <a:buFont typeface="Symbol" panose="05050102010706020507" pitchFamily="18" charset="2"/>
-              <a:buChar char="-"/>
-            </a:pPr>
-            <a:r>
-              <a:rPr lang="en-GB" sz="1200" kern="1200" dirty="0">
-                <a:solidFill>
-                  <a:schemeClr val="tx1"/>
-                </a:solidFill>
-                <a:effectLst/>
-                <a:latin typeface="+mn-lt"/>
-                <a:ea typeface="+mn-ea"/>
-                <a:cs typeface="+mn-cs"/>
-              </a:rPr>
-              <a:t>Who of you would conclude that H&amp;M is a sustainable company?</a:t>
-            </a:r>
-            <a:endParaRPr lang="de-DE" sz="1200" kern="1200" dirty="0">
-              <a:solidFill>
-                <a:schemeClr val="tx1"/>
-              </a:solidFill>
-              <a:effectLst/>
-              <a:latin typeface="+mn-lt"/>
-              <a:ea typeface="+mn-ea"/>
-              <a:cs typeface="+mn-cs"/>
-            </a:endParaRPr>
-          </a:p>
-          <a:p>
-            <a:pPr marL="171450" lvl="0" indent="-171450">
-              <a:buFont typeface="Symbol" panose="05050102010706020507" pitchFamily="18" charset="2"/>
-              <a:buChar char="-"/>
-            </a:pPr>
-            <a:r>
-              <a:rPr lang="en-GB" sz="1200" kern="1200" dirty="0">
-                <a:solidFill>
-                  <a:schemeClr val="tx1"/>
-                </a:solidFill>
-                <a:effectLst/>
-                <a:latin typeface="+mn-lt"/>
-                <a:ea typeface="+mn-ea"/>
-                <a:cs typeface="+mn-cs"/>
-              </a:rPr>
-              <a:t>Maybe you might be a bit sceptical toward the report because it contains only positive content and if you are not you might get sceptical when I am showing you this report by a third party</a:t>
-            </a:r>
-            <a:endParaRPr lang="de-DE" sz="1200" kern="1200" dirty="0">
-              <a:solidFill>
-                <a:schemeClr val="tx1"/>
-              </a:solidFill>
-              <a:effectLst/>
-              <a:latin typeface="+mn-lt"/>
-              <a:ea typeface="+mn-ea"/>
-              <a:cs typeface="+mn-cs"/>
-            </a:endParaRPr>
-          </a:p>
-          <a:p>
-            <a:pPr marL="171450" lvl="0" indent="-171450">
-              <a:buFont typeface="Symbol" panose="05050102010706020507" pitchFamily="18" charset="2"/>
-              <a:buChar char="-"/>
-            </a:pPr>
-            <a:r>
-              <a:rPr lang="en-GB" sz="1200" kern="1200" dirty="0">
-                <a:solidFill>
-                  <a:schemeClr val="tx1"/>
-                </a:solidFill>
-                <a:effectLst/>
-                <a:latin typeface="+mn-lt"/>
-                <a:ea typeface="+mn-ea"/>
-                <a:cs typeface="+mn-cs"/>
-              </a:rPr>
-              <a:t>In general CSR reports face</a:t>
-            </a:r>
-            <a:r>
-              <a:rPr lang="de-DE" sz="1200" kern="1200" dirty="0">
-                <a:solidFill>
-                  <a:schemeClr val="tx1"/>
-                </a:solidFill>
-                <a:effectLst/>
-                <a:latin typeface="+mn-lt"/>
-                <a:ea typeface="+mn-ea"/>
-                <a:cs typeface="+mn-cs"/>
-              </a:rPr>
-              <a:t> </a:t>
-            </a:r>
-            <a:r>
-              <a:rPr lang="de-DE" sz="1200" kern="1200" dirty="0" err="1">
-                <a:solidFill>
-                  <a:schemeClr val="tx1"/>
-                </a:solidFill>
-                <a:effectLst/>
-                <a:latin typeface="+mn-lt"/>
-                <a:ea typeface="+mn-ea"/>
-                <a:cs typeface="+mn-cs"/>
-              </a:rPr>
-              <a:t>credibility</a:t>
-            </a:r>
-            <a:r>
-              <a:rPr lang="de-DE" sz="1200" kern="1200" dirty="0">
-                <a:solidFill>
-                  <a:schemeClr val="tx1"/>
-                </a:solidFill>
-                <a:effectLst/>
-                <a:latin typeface="+mn-lt"/>
-                <a:ea typeface="+mn-ea"/>
-                <a:cs typeface="+mn-cs"/>
-              </a:rPr>
-              <a:t> </a:t>
-            </a:r>
-            <a:r>
-              <a:rPr lang="de-DE" sz="1200" kern="1200" dirty="0" err="1">
-                <a:solidFill>
-                  <a:schemeClr val="tx1"/>
-                </a:solidFill>
-                <a:effectLst/>
-                <a:latin typeface="+mn-lt"/>
-                <a:ea typeface="+mn-ea"/>
-                <a:cs typeface="+mn-cs"/>
-              </a:rPr>
-              <a:t>issues</a:t>
-            </a:r>
-            <a:r>
-              <a:rPr lang="de-DE" sz="1200" kern="1200" dirty="0">
-                <a:solidFill>
-                  <a:schemeClr val="tx1"/>
-                </a:solidFill>
-                <a:effectLst/>
-                <a:latin typeface="+mn-lt"/>
-                <a:ea typeface="+mn-ea"/>
-                <a:cs typeface="+mn-cs"/>
-              </a:rPr>
-              <a:t> and </a:t>
-            </a:r>
-            <a:r>
-              <a:rPr lang="de-DE" sz="1200" kern="1200" dirty="0" err="1">
-                <a:solidFill>
-                  <a:schemeClr val="tx1"/>
-                </a:solidFill>
-                <a:effectLst/>
-                <a:latin typeface="+mn-lt"/>
-                <a:ea typeface="+mn-ea"/>
-                <a:cs typeface="+mn-cs"/>
-              </a:rPr>
-              <a:t>therefore</a:t>
-            </a:r>
-            <a:endParaRPr lang="de-DE" sz="1200" kern="1200" dirty="0">
-              <a:solidFill>
-                <a:schemeClr val="tx1"/>
-              </a:solidFill>
-              <a:effectLst/>
-              <a:latin typeface="+mn-lt"/>
-              <a:ea typeface="+mn-ea"/>
-              <a:cs typeface="+mn-cs"/>
-            </a:endParaRPr>
-          </a:p>
-          <a:p>
-            <a:pPr marL="171450" lvl="0" indent="-171450">
-              <a:buFont typeface="Symbol" panose="05050102010706020507" pitchFamily="18" charset="2"/>
-              <a:buChar char="-"/>
-            </a:pPr>
-            <a:r>
-              <a:rPr lang="en-GB" sz="1200" kern="1200" dirty="0">
-                <a:solidFill>
-                  <a:schemeClr val="tx1"/>
-                </a:solidFill>
-                <a:effectLst/>
-                <a:latin typeface="+mn-lt"/>
-                <a:ea typeface="+mn-ea"/>
-                <a:cs typeface="+mn-cs"/>
-              </a:rPr>
-              <a:t>Global Reporting Initiative offers to provide a truly transparent CSR report balancing positive and negative incidents </a:t>
-            </a:r>
-            <a:endParaRPr lang="de-DE" sz="1200" kern="1200" dirty="0">
-              <a:solidFill>
-                <a:schemeClr val="tx1"/>
-              </a:solidFill>
-              <a:effectLst/>
-              <a:latin typeface="+mn-lt"/>
-              <a:ea typeface="+mn-ea"/>
-              <a:cs typeface="+mn-cs"/>
-            </a:endParaRPr>
-          </a:p>
-          <a:p>
-            <a:pPr marL="171450" lvl="0" indent="-171450">
-              <a:buFont typeface="Symbol" panose="05050102010706020507" pitchFamily="18" charset="2"/>
-              <a:buChar char="-"/>
-            </a:pPr>
-            <a:r>
-              <a:rPr lang="en-GB" sz="1200" kern="1200" dirty="0">
-                <a:solidFill>
-                  <a:schemeClr val="tx1"/>
-                </a:solidFill>
-                <a:effectLst/>
-                <a:latin typeface="+mn-lt"/>
-                <a:ea typeface="+mn-ea"/>
-                <a:cs typeface="+mn-cs"/>
-              </a:rPr>
-              <a:t>The problem with this solution is that company fear to lose stakeholders support disclosing their negative incidents</a:t>
-            </a:r>
-            <a:endParaRPr lang="de-DE" sz="1200" kern="1200" dirty="0">
-              <a:solidFill>
-                <a:schemeClr val="tx1"/>
-              </a:solidFill>
-              <a:effectLst/>
-              <a:latin typeface="+mn-lt"/>
-              <a:ea typeface="+mn-ea"/>
-              <a:cs typeface="+mn-cs"/>
-            </a:endParaRPr>
-          </a:p>
-          <a:p>
             <a:endParaRPr lang="en-GB" dirty="0"/>
           </a:p>
         </p:txBody>
@@ -5802,7 +2067,7 @@
           <a:p>
             <a:fld id="{4EF36919-52F3-4202-8996-43E31FD6D033}" type="slidenum">
               <a:rPr lang="de-DE" smtClean="0"/>
-              <a:t>10</a:t>
+              <a:t>9</a:t>
             </a:fld>
             <a:endParaRPr lang="de-DE"/>
           </a:p>
@@ -5811,7 +2076,7 @@
     </p:spTree>
     <p:extLst>
       <p:ext uri="{BB962C8B-B14F-4D97-AF65-F5344CB8AC3E}">
-        <p14:creationId xmlns:p14="http://schemas.microsoft.com/office/powerpoint/2010/main" val="3329409158"/>
+        <p14:creationId xmlns:p14="http://schemas.microsoft.com/office/powerpoint/2010/main" val="3589880023"/>
       </p:ext>
     </p:extLst>
   </p:cSld>
@@ -5949,7 +2214,7 @@
           <p:cNvPr id="9" name="Bild 4" descr="huO_rgb-mP.png">
             <a:extLst>
               <a:ext uri="{FF2B5EF4-FFF2-40B4-BE49-F238E27FC236}">
-                <a16:creationId xmlns:a16="http://schemas.microsoft.com/office/drawing/2014/main" id="{33B5A747-FAA5-49E4-805D-5C5ECA0A7FF5}"/>
+                <a16:creationId xmlns:a16="http://schemas.microsoft.com/office/drawing/2014/main" xmlns="" id="{33B5A747-FAA5-49E4-805D-5C5ECA0A7FF5}"/>
               </a:ext>
             </a:extLst>
           </p:cNvPr>
@@ -6148,7 +2413,7 @@
           <a:p>
             <a:fld id="{0B6D9122-EAAB-0342-A7F4-5354771F9A26}" type="datetimeFigureOut">
               <a:rPr lang="de-DE" smtClean="0"/>
-              <a:t>16.02.2020</a:t>
+              <a:t>17.02.2020</a:t>
             </a:fld>
             <a:endParaRPr lang="de-DE"/>
           </a:p>
@@ -6348,7 +2613,7 @@
           <a:p>
             <a:fld id="{0B6D9122-EAAB-0342-A7F4-5354771F9A26}" type="datetimeFigureOut">
               <a:rPr lang="de-DE" smtClean="0"/>
-              <a:t>16.02.2020</a:t>
+              <a:t>17.02.2020</a:t>
             </a:fld>
             <a:endParaRPr lang="de-DE"/>
           </a:p>
@@ -6439,7 +2704,7 @@
           <p:cNvPr id="8" name="Textplatzhalter 2">
             <a:extLst>
               <a:ext uri="{FF2B5EF4-FFF2-40B4-BE49-F238E27FC236}">
-                <a16:creationId xmlns:a16="http://schemas.microsoft.com/office/drawing/2014/main" id="{162B1910-2FA4-40A2-8253-E53E7B85ECBA}"/>
+                <a16:creationId xmlns:a16="http://schemas.microsoft.com/office/drawing/2014/main" xmlns="" id="{162B1910-2FA4-40A2-8253-E53E7B85ECBA}"/>
               </a:ext>
             </a:extLst>
           </p:cNvPr>
@@ -6506,7 +2771,7 @@
           <p:cNvPr id="9" name="Fußzeilenplatzhalter 4">
             <a:extLst>
               <a:ext uri="{FF2B5EF4-FFF2-40B4-BE49-F238E27FC236}">
-                <a16:creationId xmlns:a16="http://schemas.microsoft.com/office/drawing/2014/main" id="{BD7F2E1D-7EB7-414B-83BB-C3A1087545A1}"/>
+                <a16:creationId xmlns:a16="http://schemas.microsoft.com/office/drawing/2014/main" xmlns="" id="{BD7F2E1D-7EB7-414B-83BB-C3A1087545A1}"/>
               </a:ext>
             </a:extLst>
           </p:cNvPr>
@@ -6553,7 +2818,7 @@
           <p:cNvPr id="10" name="Foliennummernplatzhalter 5">
             <a:extLst>
               <a:ext uri="{FF2B5EF4-FFF2-40B4-BE49-F238E27FC236}">
-                <a16:creationId xmlns:a16="http://schemas.microsoft.com/office/drawing/2014/main" id="{7947E400-52E3-4FFB-9DB4-232450EC3957}"/>
+                <a16:creationId xmlns:a16="http://schemas.microsoft.com/office/drawing/2014/main" xmlns="" id="{7947E400-52E3-4FFB-9DB4-232450EC3957}"/>
               </a:ext>
             </a:extLst>
           </p:cNvPr>
@@ -6600,7 +2865,7 @@
           <p:cNvPr id="11" name="Titelplatzhalter 1">
             <a:extLst>
               <a:ext uri="{FF2B5EF4-FFF2-40B4-BE49-F238E27FC236}">
-                <a16:creationId xmlns:a16="http://schemas.microsoft.com/office/drawing/2014/main" id="{21902F89-C534-4356-B3F6-91A567FF646D}"/>
+                <a16:creationId xmlns:a16="http://schemas.microsoft.com/office/drawing/2014/main" xmlns="" id="{21902F89-C534-4356-B3F6-91A567FF646D}"/>
               </a:ext>
             </a:extLst>
           </p:cNvPr>
@@ -6844,7 +3109,7 @@
           <a:p>
             <a:fld id="{0B6D9122-EAAB-0342-A7F4-5354771F9A26}" type="datetimeFigureOut">
               <a:rPr lang="de-DE" smtClean="0"/>
-              <a:t>16.02.2020</a:t>
+              <a:t>17.02.2020</a:t>
             </a:fld>
             <a:endParaRPr lang="de-DE"/>
           </a:p>
@@ -7053,7 +3318,7 @@
           <p:cNvPr id="10" name="Fußzeilenplatzhalter 4">
             <a:extLst>
               <a:ext uri="{FF2B5EF4-FFF2-40B4-BE49-F238E27FC236}">
-                <a16:creationId xmlns:a16="http://schemas.microsoft.com/office/drawing/2014/main" id="{D501DD1A-594A-4D65-8B53-0C43CD4990C9}"/>
+                <a16:creationId xmlns:a16="http://schemas.microsoft.com/office/drawing/2014/main" xmlns="" id="{D501DD1A-594A-4D65-8B53-0C43CD4990C9}"/>
               </a:ext>
             </a:extLst>
           </p:cNvPr>
@@ -7096,7 +3361,7 @@
           <p:cNvPr id="11" name="Foliennummernplatzhalter 5">
             <a:extLst>
               <a:ext uri="{FF2B5EF4-FFF2-40B4-BE49-F238E27FC236}">
-                <a16:creationId xmlns:a16="http://schemas.microsoft.com/office/drawing/2014/main" id="{ADA6DD52-C665-4F90-BAFD-55BC0EF62A13}"/>
+                <a16:creationId xmlns:a16="http://schemas.microsoft.com/office/drawing/2014/main" xmlns="" id="{ADA6DD52-C665-4F90-BAFD-55BC0EF62A13}"/>
               </a:ext>
             </a:extLst>
           </p:cNvPr>
@@ -7143,7 +3408,7 @@
           <p:cNvPr id="12" name="Titelplatzhalter 1">
             <a:extLst>
               <a:ext uri="{FF2B5EF4-FFF2-40B4-BE49-F238E27FC236}">
-                <a16:creationId xmlns:a16="http://schemas.microsoft.com/office/drawing/2014/main" id="{B3CBF15B-5EDE-4C9D-8958-1ABA014179C3}"/>
+                <a16:creationId xmlns:a16="http://schemas.microsoft.com/office/drawing/2014/main" xmlns="" id="{B3CBF15B-5EDE-4C9D-8958-1ABA014179C3}"/>
               </a:ext>
             </a:extLst>
           </p:cNvPr>
@@ -7465,7 +3730,7 @@
           <p:cNvPr id="12" name="Fußzeilenplatzhalter 4">
             <a:extLst>
               <a:ext uri="{FF2B5EF4-FFF2-40B4-BE49-F238E27FC236}">
-                <a16:creationId xmlns:a16="http://schemas.microsoft.com/office/drawing/2014/main" id="{E5BD0A64-228A-461D-BB66-F417DD9EDB11}"/>
+                <a16:creationId xmlns:a16="http://schemas.microsoft.com/office/drawing/2014/main" xmlns="" id="{E5BD0A64-228A-461D-BB66-F417DD9EDB11}"/>
               </a:ext>
             </a:extLst>
           </p:cNvPr>
@@ -7508,7 +3773,7 @@
           <p:cNvPr id="13" name="Foliennummernplatzhalter 5">
             <a:extLst>
               <a:ext uri="{FF2B5EF4-FFF2-40B4-BE49-F238E27FC236}">
-                <a16:creationId xmlns:a16="http://schemas.microsoft.com/office/drawing/2014/main" id="{B4000ECD-AEB6-4F8B-8279-2BB483B934D7}"/>
+                <a16:creationId xmlns:a16="http://schemas.microsoft.com/office/drawing/2014/main" xmlns="" id="{B4000ECD-AEB6-4F8B-8279-2BB483B934D7}"/>
               </a:ext>
             </a:extLst>
           </p:cNvPr>
@@ -7555,7 +3820,7 @@
           <p:cNvPr id="14" name="Titelplatzhalter 1">
             <a:extLst>
               <a:ext uri="{FF2B5EF4-FFF2-40B4-BE49-F238E27FC236}">
-                <a16:creationId xmlns:a16="http://schemas.microsoft.com/office/drawing/2014/main" id="{75675467-8DE7-4C05-A0D7-38A50DD47E32}"/>
+                <a16:creationId xmlns:a16="http://schemas.microsoft.com/office/drawing/2014/main" xmlns="" id="{75675467-8DE7-4C05-A0D7-38A50DD47E32}"/>
               </a:ext>
             </a:extLst>
           </p:cNvPr>
@@ -7623,7 +3888,7 @@
           <p:cNvPr id="8" name="Fußzeilenplatzhalter 4">
             <a:extLst>
               <a:ext uri="{FF2B5EF4-FFF2-40B4-BE49-F238E27FC236}">
-                <a16:creationId xmlns:a16="http://schemas.microsoft.com/office/drawing/2014/main" id="{3D5AD6AF-1C17-4CE8-8139-1065503C805A}"/>
+                <a16:creationId xmlns:a16="http://schemas.microsoft.com/office/drawing/2014/main" xmlns="" id="{3D5AD6AF-1C17-4CE8-8139-1065503C805A}"/>
               </a:ext>
             </a:extLst>
           </p:cNvPr>
@@ -7666,7 +3931,7 @@
           <p:cNvPr id="9" name="Foliennummernplatzhalter 5">
             <a:extLst>
               <a:ext uri="{FF2B5EF4-FFF2-40B4-BE49-F238E27FC236}">
-                <a16:creationId xmlns:a16="http://schemas.microsoft.com/office/drawing/2014/main" id="{48C82D6E-6B52-4E3D-9675-24EDF92DAC45}"/>
+                <a16:creationId xmlns:a16="http://schemas.microsoft.com/office/drawing/2014/main" xmlns="" id="{48C82D6E-6B52-4E3D-9675-24EDF92DAC45}"/>
               </a:ext>
             </a:extLst>
           </p:cNvPr>
@@ -7713,7 +3978,7 @@
           <p:cNvPr id="10" name="Titelplatzhalter 1">
             <a:extLst>
               <a:ext uri="{FF2B5EF4-FFF2-40B4-BE49-F238E27FC236}">
-                <a16:creationId xmlns:a16="http://schemas.microsoft.com/office/drawing/2014/main" id="{9CD6CF0C-28ED-452A-BB50-6A112B553DF7}"/>
+                <a16:creationId xmlns:a16="http://schemas.microsoft.com/office/drawing/2014/main" xmlns="" id="{9CD6CF0C-28ED-452A-BB50-6A112B553DF7}"/>
               </a:ext>
             </a:extLst>
           </p:cNvPr>
@@ -7781,7 +4046,7 @@
           <p:cNvPr id="7" name="Fußzeilenplatzhalter 4">
             <a:extLst>
               <a:ext uri="{FF2B5EF4-FFF2-40B4-BE49-F238E27FC236}">
-                <a16:creationId xmlns:a16="http://schemas.microsoft.com/office/drawing/2014/main" id="{11FF8BEE-DFF2-4E57-9447-FC7D73C931FF}"/>
+                <a16:creationId xmlns:a16="http://schemas.microsoft.com/office/drawing/2014/main" xmlns="" id="{11FF8BEE-DFF2-4E57-9447-FC7D73C931FF}"/>
               </a:ext>
             </a:extLst>
           </p:cNvPr>
@@ -7824,7 +4089,7 @@
           <p:cNvPr id="8" name="Foliennummernplatzhalter 5">
             <a:extLst>
               <a:ext uri="{FF2B5EF4-FFF2-40B4-BE49-F238E27FC236}">
-                <a16:creationId xmlns:a16="http://schemas.microsoft.com/office/drawing/2014/main" id="{B56966DA-E079-41CC-99AD-46620E43DDC5}"/>
+                <a16:creationId xmlns:a16="http://schemas.microsoft.com/office/drawing/2014/main" xmlns="" id="{B56966DA-E079-41CC-99AD-46620E43DDC5}"/>
               </a:ext>
             </a:extLst>
           </p:cNvPr>
@@ -8356,7 +4621,7 @@
           <a:p>
             <a:fld id="{0B6D9122-EAAB-0342-A7F4-5354771F9A26}" type="datetimeFigureOut">
               <a:rPr lang="de-DE" smtClean="0"/>
-              <a:t>16.02.2020</a:t>
+              <a:t>17.02.2020</a:t>
             </a:fld>
             <a:endParaRPr lang="de-DE"/>
           </a:p>
@@ -8627,7 +4892,7 @@
           <p:cNvPr id="15" name="Rechteck 14">
             <a:extLst>
               <a:ext uri="{FF2B5EF4-FFF2-40B4-BE49-F238E27FC236}">
-                <a16:creationId xmlns:a16="http://schemas.microsoft.com/office/drawing/2014/main" id="{4C4962A7-60B1-4FD9-950F-7B223A93E18F}"/>
+                <a16:creationId xmlns:a16="http://schemas.microsoft.com/office/drawing/2014/main" xmlns="" id="{4C4962A7-60B1-4FD9-950F-7B223A93E18F}"/>
               </a:ext>
             </a:extLst>
           </p:cNvPr>
@@ -8681,7 +4946,7 @@
           <p:cNvPr id="16" name="Rechteck 15">
             <a:extLst>
               <a:ext uri="{FF2B5EF4-FFF2-40B4-BE49-F238E27FC236}">
-                <a16:creationId xmlns:a16="http://schemas.microsoft.com/office/drawing/2014/main" id="{25737F02-1E29-47AD-9EAA-B38282F26CF9}"/>
+                <a16:creationId xmlns:a16="http://schemas.microsoft.com/office/drawing/2014/main" xmlns="" id="{25737F02-1E29-47AD-9EAA-B38282F26CF9}"/>
               </a:ext>
             </a:extLst>
           </p:cNvPr>
@@ -8735,7 +5000,7 @@
           <p:cNvPr id="18" name="Bild 4" descr="huO_rgb-mP.png">
             <a:extLst>
               <a:ext uri="{FF2B5EF4-FFF2-40B4-BE49-F238E27FC236}">
-                <a16:creationId xmlns:a16="http://schemas.microsoft.com/office/drawing/2014/main" id="{91E6476D-60FA-48D3-9652-99F936E5A1B2}"/>
+                <a16:creationId xmlns:a16="http://schemas.microsoft.com/office/drawing/2014/main" xmlns="" id="{91E6476D-60FA-48D3-9652-99F936E5A1B2}"/>
               </a:ext>
             </a:extLst>
           </p:cNvPr>
@@ -9124,7 +5389,7 @@
           <p:cNvPr id="9" name="Fußzeilenplatzhalter 5">
             <a:extLst>
               <a:ext uri="{FF2B5EF4-FFF2-40B4-BE49-F238E27FC236}">
-                <a16:creationId xmlns:a16="http://schemas.microsoft.com/office/drawing/2014/main" id="{1849A0BD-CC4C-4610-97A9-793026A4FC5A}"/>
+                <a16:creationId xmlns:a16="http://schemas.microsoft.com/office/drawing/2014/main" xmlns="" id="{1849A0BD-CC4C-4610-97A9-793026A4FC5A}"/>
               </a:ext>
             </a:extLst>
           </p:cNvPr>
@@ -9178,7 +5443,7 @@
           <p:cNvPr id="14" name="Bild 4" descr="huO_rgb-mP.png">
             <a:extLst>
               <a:ext uri="{FF2B5EF4-FFF2-40B4-BE49-F238E27FC236}">
-                <a16:creationId xmlns:a16="http://schemas.microsoft.com/office/drawing/2014/main" id="{A6435E84-959B-4004-9D03-91843F9616BF}"/>
+                <a16:creationId xmlns:a16="http://schemas.microsoft.com/office/drawing/2014/main" xmlns="" id="{A6435E84-959B-4004-9D03-91843F9616BF}"/>
               </a:ext>
             </a:extLst>
           </p:cNvPr>
@@ -9238,7 +5503,7 @@
           <p:cNvPr id="16" name="Inhaltsplatzhalter 2">
             <a:extLst>
               <a:ext uri="{FF2B5EF4-FFF2-40B4-BE49-F238E27FC236}">
-                <a16:creationId xmlns:a16="http://schemas.microsoft.com/office/drawing/2014/main" id="{35C0996D-4546-4A4B-BC03-82C9961E32C9}"/>
+                <a16:creationId xmlns:a16="http://schemas.microsoft.com/office/drawing/2014/main" xmlns="" id="{35C0996D-4546-4A4B-BC03-82C9961E32C9}"/>
               </a:ext>
             </a:extLst>
           </p:cNvPr>
@@ -9528,6 +5793,13 @@
   <p:clrMapOvr>
     <a:masterClrMapping/>
   </p:clrMapOvr>
+  <p:timing>
+    <p:tnLst>
+      <p:par>
+        <p:cTn id="1" dur="indefinite" restart="never" nodeType="tmRoot"/>
+      </p:par>
+    </p:tnLst>
+  </p:timing>
 </p:sld>
 </file>
 
@@ -9553,7 +5825,7 @@
           <p:cNvPr id="5" name="Foliennummernplatzhalter 4">
             <a:extLst>
               <a:ext uri="{FF2B5EF4-FFF2-40B4-BE49-F238E27FC236}">
-                <a16:creationId xmlns:a16="http://schemas.microsoft.com/office/drawing/2014/main" id="{99217DC6-63A8-46E5-BFF7-2750383C7113}"/>
+                <a16:creationId xmlns:a16="http://schemas.microsoft.com/office/drawing/2014/main" xmlns="" id="{99217DC6-63A8-46E5-BFF7-2750383C7113}"/>
               </a:ext>
             </a:extLst>
           </p:cNvPr>
@@ -9587,7 +5859,7 @@
           <p:cNvPr id="17" name="Titel 1">
             <a:extLst>
               <a:ext uri="{FF2B5EF4-FFF2-40B4-BE49-F238E27FC236}">
-                <a16:creationId xmlns:a16="http://schemas.microsoft.com/office/drawing/2014/main" id="{2EBD46AD-74A3-41B6-A7F5-704EE709693A}"/>
+                <a16:creationId xmlns:a16="http://schemas.microsoft.com/office/drawing/2014/main" xmlns="" id="{2EBD46AD-74A3-41B6-A7F5-704EE709693A}"/>
               </a:ext>
             </a:extLst>
           </p:cNvPr>
@@ -9645,7 +5917,7 @@
           <p:cNvPr id="149" name="Fußzeilenplatzhalter 4">
             <a:extLst>
               <a:ext uri="{FF2B5EF4-FFF2-40B4-BE49-F238E27FC236}">
-                <a16:creationId xmlns:a16="http://schemas.microsoft.com/office/drawing/2014/main" id="{38AB998A-AAF8-49F0-A239-2D93C7A72A4D}"/>
+                <a16:creationId xmlns:a16="http://schemas.microsoft.com/office/drawing/2014/main" xmlns="" id="{38AB998A-AAF8-49F0-A239-2D93C7A72A4D}"/>
               </a:ext>
             </a:extLst>
           </p:cNvPr>
@@ -9727,6 +5999,13 @@
   <p:clrMapOvr>
     <a:masterClrMapping/>
   </p:clrMapOvr>
+  <p:timing>
+    <p:tnLst>
+      <p:par>
+        <p:cTn id="1" dur="indefinite" restart="never" nodeType="tmRoot"/>
+      </p:par>
+    </p:tnLst>
+  </p:timing>
 </p:sld>
 </file>
 
@@ -9782,7 +6061,7 @@
           <p:cNvPr id="5" name="Foliennummernplatzhalter 4">
             <a:extLst>
               <a:ext uri="{FF2B5EF4-FFF2-40B4-BE49-F238E27FC236}">
-                <a16:creationId xmlns:a16="http://schemas.microsoft.com/office/drawing/2014/main" id="{99217DC6-63A8-46E5-BFF7-2750383C7113}"/>
+                <a16:creationId xmlns:a16="http://schemas.microsoft.com/office/drawing/2014/main" xmlns="" id="{99217DC6-63A8-46E5-BFF7-2750383C7113}"/>
               </a:ext>
             </a:extLst>
           </p:cNvPr>
@@ -9816,7 +6095,7 @@
           <p:cNvPr id="17" name="Titel 1">
             <a:extLst>
               <a:ext uri="{FF2B5EF4-FFF2-40B4-BE49-F238E27FC236}">
-                <a16:creationId xmlns:a16="http://schemas.microsoft.com/office/drawing/2014/main" id="{2EBD46AD-74A3-41B6-A7F5-704EE709693A}"/>
+                <a16:creationId xmlns:a16="http://schemas.microsoft.com/office/drawing/2014/main" xmlns="" id="{2EBD46AD-74A3-41B6-A7F5-704EE709693A}"/>
               </a:ext>
             </a:extLst>
           </p:cNvPr>
@@ -9874,7 +6153,7 @@
           <p:cNvPr id="149" name="Fußzeilenplatzhalter 4">
             <a:extLst>
               <a:ext uri="{FF2B5EF4-FFF2-40B4-BE49-F238E27FC236}">
-                <a16:creationId xmlns:a16="http://schemas.microsoft.com/office/drawing/2014/main" id="{38AB998A-AAF8-49F0-A239-2D93C7A72A4D}"/>
+                <a16:creationId xmlns:a16="http://schemas.microsoft.com/office/drawing/2014/main" xmlns="" id="{38AB998A-AAF8-49F0-A239-2D93C7A72A4D}"/>
               </a:ext>
             </a:extLst>
           </p:cNvPr>
@@ -9946,6 +6225,108 @@
           </a:prstGeom>
         </p:spPr>
       </p:pic>
+      <p:sp>
+        <p:nvSpPr>
+          <p:cNvPr id="4" name="Textfeld 3"/>
+          <p:cNvSpPr txBox="1"/>
+          <p:nvPr/>
+        </p:nvSpPr>
+        <p:spPr>
+          <a:xfrm>
+            <a:off x="254643" y="1273215"/>
+            <a:ext cx="6372578" cy="369332"/>
+          </a:xfrm>
+          <a:prstGeom prst="rect">
+            <a:avLst/>
+          </a:prstGeom>
+          <a:noFill/>
+        </p:spPr>
+        <p:txBody>
+          <a:bodyPr wrap="none" rtlCol="0">
+            <a:spAutoFit/>
+          </a:bodyPr>
+          <a:lstStyle/>
+          <a:p>
+            <a:r>
+              <a:rPr lang="de-DE" dirty="0" smtClean="0"/>
+              <a:t>In </a:t>
+            </a:r>
+            <a:r>
+              <a:rPr lang="de-DE" dirty="0" err="1" smtClean="0"/>
+              <a:t>your</a:t>
+            </a:r>
+            <a:r>
+              <a:rPr lang="de-DE" dirty="0" smtClean="0"/>
+              <a:t> </a:t>
+            </a:r>
+            <a:r>
+              <a:rPr lang="de-DE" dirty="0" err="1" smtClean="0"/>
+              <a:t>opinion</a:t>
+            </a:r>
+            <a:r>
+              <a:rPr lang="de-DE" dirty="0" smtClean="0"/>
+              <a:t>, </a:t>
+            </a:r>
+            <a:r>
+              <a:rPr lang="de-DE" dirty="0" err="1" smtClean="0"/>
+              <a:t>does</a:t>
+            </a:r>
+            <a:r>
+              <a:rPr lang="de-DE" dirty="0" smtClean="0"/>
+              <a:t> the </a:t>
+            </a:r>
+            <a:r>
+              <a:rPr lang="de-DE" dirty="0" err="1" smtClean="0"/>
+              <a:t>Congress</a:t>
+            </a:r>
+            <a:r>
+              <a:rPr lang="de-DE" dirty="0" smtClean="0"/>
+              <a:t> </a:t>
+            </a:r>
+            <a:r>
+              <a:rPr lang="de-DE" dirty="0" err="1" smtClean="0"/>
+              <a:t>talk</a:t>
+            </a:r>
+            <a:r>
+              <a:rPr lang="de-DE" dirty="0" smtClean="0"/>
+              <a:t> </a:t>
+            </a:r>
+            <a:r>
+              <a:rPr lang="de-DE" dirty="0" err="1" smtClean="0"/>
+              <a:t>more</a:t>
+            </a:r>
+            <a:r>
+              <a:rPr lang="de-DE" dirty="0" smtClean="0"/>
+              <a:t> </a:t>
+            </a:r>
+            <a:r>
+              <a:rPr lang="de-DE" dirty="0" err="1" smtClean="0"/>
+              <a:t>about</a:t>
+            </a:r>
+            <a:r>
+              <a:rPr lang="de-DE" dirty="0" smtClean="0"/>
+              <a:t> </a:t>
+            </a:r>
+            <a:r>
+              <a:rPr lang="de-DE" dirty="0" err="1" smtClean="0"/>
+              <a:t>peace</a:t>
+            </a:r>
+            <a:r>
+              <a:rPr lang="de-DE" dirty="0" smtClean="0"/>
+              <a:t> </a:t>
+            </a:r>
+            <a:r>
+              <a:rPr lang="de-DE" dirty="0" err="1" smtClean="0"/>
+              <a:t>or</a:t>
+            </a:r>
+            <a:r>
+              <a:rPr lang="de-DE" dirty="0" smtClean="0"/>
+              <a:t> war?</a:t>
+            </a:r>
+            <a:endParaRPr lang="de-DE" dirty="0"/>
+          </a:p>
+        </p:txBody>
+      </p:sp>
     </p:spTree>
     <p:extLst>
       <p:ext uri="{BB962C8B-B14F-4D97-AF65-F5344CB8AC3E}">
@@ -9956,6 +6337,116 @@
   <p:clrMapOvr>
     <a:masterClrMapping/>
   </p:clrMapOvr>
+  <mc:AlternateContent xmlns:mc="http://schemas.openxmlformats.org/markup-compatibility/2006">
+    <mc:Choice xmlns:p14="http://schemas.microsoft.com/office/powerpoint/2010/main" Requires="p14">
+      <p:transition p14:dur="0"/>
+    </mc:Choice>
+    <mc:Fallback>
+      <p:transition/>
+    </mc:Fallback>
+  </mc:AlternateContent>
+  <p:timing>
+    <p:tnLst>
+      <p:par>
+        <p:cTn id="1" dur="indefinite" restart="never" nodeType="tmRoot">
+          <p:childTnLst>
+            <p:seq concurrent="1" nextAc="seek">
+              <p:cTn id="2" dur="indefinite" nodeType="mainSeq">
+                <p:childTnLst>
+                  <p:par>
+                    <p:cTn id="3" fill="hold">
+                      <p:stCondLst>
+                        <p:cond delay="indefinite"/>
+                      </p:stCondLst>
+                      <p:childTnLst>
+                        <p:par>
+                          <p:cTn id="4" fill="hold">
+                            <p:stCondLst>
+                              <p:cond delay="0"/>
+                            </p:stCondLst>
+                            <p:childTnLst>
+                              <p:par>
+                                <p:cTn id="5" presetID="1" presetClass="entr" presetSubtype="0" fill="hold" nodeType="clickEffect">
+                                  <p:stCondLst>
+                                    <p:cond delay="0"/>
+                                  </p:stCondLst>
+                                  <p:childTnLst>
+                                    <p:set>
+                                      <p:cBhvr>
+                                        <p:cTn id="6" dur="1" fill="hold">
+                                          <p:stCondLst>
+                                            <p:cond delay="0"/>
+                                          </p:stCondLst>
+                                        </p:cTn>
+                                        <p:tgtEl>
+                                          <p:spTgt spid="2"/>
+                                        </p:tgtEl>
+                                        <p:attrNameLst>
+                                          <p:attrName>style.visibility</p:attrName>
+                                        </p:attrNameLst>
+                                      </p:cBhvr>
+                                      <p:to>
+                                        <p:strVal val="visible"/>
+                                      </p:to>
+                                    </p:set>
+                                  </p:childTnLst>
+                                </p:cTn>
+                              </p:par>
+                              <p:par>
+                                <p:cTn id="7" presetID="1" presetClass="entr" presetSubtype="0" fill="hold" nodeType="withEffect">
+                                  <p:stCondLst>
+                                    <p:cond delay="0"/>
+                                  </p:stCondLst>
+                                  <p:childTnLst>
+                                    <p:set>
+                                      <p:cBhvr>
+                                        <p:cTn id="8" dur="1" fill="hold">
+                                          <p:stCondLst>
+                                            <p:cond delay="0"/>
+                                          </p:stCondLst>
+                                        </p:cTn>
+                                        <p:tgtEl>
+                                          <p:spTgt spid="3"/>
+                                        </p:tgtEl>
+                                        <p:attrNameLst>
+                                          <p:attrName>style.visibility</p:attrName>
+                                        </p:attrNameLst>
+                                      </p:cBhvr>
+                                      <p:to>
+                                        <p:strVal val="visible"/>
+                                      </p:to>
+                                    </p:set>
+                                  </p:childTnLst>
+                                </p:cTn>
+                              </p:par>
+                            </p:childTnLst>
+                          </p:cTn>
+                        </p:par>
+                      </p:childTnLst>
+                    </p:cTn>
+                  </p:par>
+                </p:childTnLst>
+              </p:cTn>
+              <p:prevCondLst>
+                <p:cond evt="onPrev" delay="0">
+                  <p:tgtEl>
+                    <p:sldTgt/>
+                  </p:tgtEl>
+                </p:cond>
+              </p:prevCondLst>
+              <p:nextCondLst>
+                <p:cond evt="onNext" delay="0">
+                  <p:tgtEl>
+                    <p:sldTgt/>
+                  </p:tgtEl>
+                </p:cond>
+              </p:nextCondLst>
+            </p:seq>
+          </p:childTnLst>
+        </p:cTn>
+      </p:par>
+    </p:tnLst>
+  </p:timing>
 </p:sld>
 </file>
 
@@ -9981,7 +6472,7 @@
           <p:cNvPr id="5" name="Foliennummernplatzhalter 4">
             <a:extLst>
               <a:ext uri="{FF2B5EF4-FFF2-40B4-BE49-F238E27FC236}">
-                <a16:creationId xmlns:a16="http://schemas.microsoft.com/office/drawing/2014/main" id="{99217DC6-63A8-46E5-BFF7-2750383C7113}"/>
+                <a16:creationId xmlns:a16="http://schemas.microsoft.com/office/drawing/2014/main" xmlns="" id="{99217DC6-63A8-46E5-BFF7-2750383C7113}"/>
               </a:ext>
             </a:extLst>
           </p:cNvPr>
@@ -10015,7 +6506,7 @@
           <p:cNvPr id="17" name="Titel 1">
             <a:extLst>
               <a:ext uri="{FF2B5EF4-FFF2-40B4-BE49-F238E27FC236}">
-                <a16:creationId xmlns:a16="http://schemas.microsoft.com/office/drawing/2014/main" id="{2EBD46AD-74A3-41B6-A7F5-704EE709693A}"/>
+                <a16:creationId xmlns:a16="http://schemas.microsoft.com/office/drawing/2014/main" xmlns="" id="{2EBD46AD-74A3-41B6-A7F5-704EE709693A}"/>
               </a:ext>
             </a:extLst>
           </p:cNvPr>
@@ -10073,7 +6564,7 @@
           <p:cNvPr id="149" name="Fußzeilenplatzhalter 4">
             <a:extLst>
               <a:ext uri="{FF2B5EF4-FFF2-40B4-BE49-F238E27FC236}">
-                <a16:creationId xmlns:a16="http://schemas.microsoft.com/office/drawing/2014/main" id="{38AB998A-AAF8-49F0-A239-2D93C7A72A4D}"/>
+                <a16:creationId xmlns:a16="http://schemas.microsoft.com/office/drawing/2014/main" xmlns="" id="{38AB998A-AAF8-49F0-A239-2D93C7A72A4D}"/>
               </a:ext>
             </a:extLst>
           </p:cNvPr>
@@ -10155,6 +6646,13 @@
   <p:clrMapOvr>
     <a:masterClrMapping/>
   </p:clrMapOvr>
+  <p:timing>
+    <p:tnLst>
+      <p:par>
+        <p:cTn id="1" dur="indefinite" restart="never" nodeType="tmRoot"/>
+      </p:par>
+    </p:tnLst>
+  </p:timing>
 </p:sld>
 </file>
 
@@ -10180,7 +6678,7 @@
           <p:cNvPr id="5" name="Foliennummernplatzhalter 4">
             <a:extLst>
               <a:ext uri="{FF2B5EF4-FFF2-40B4-BE49-F238E27FC236}">
-                <a16:creationId xmlns:a16="http://schemas.microsoft.com/office/drawing/2014/main" id="{99217DC6-63A8-46E5-BFF7-2750383C7113}"/>
+                <a16:creationId xmlns:a16="http://schemas.microsoft.com/office/drawing/2014/main" xmlns="" id="{99217DC6-63A8-46E5-BFF7-2750383C7113}"/>
               </a:ext>
             </a:extLst>
           </p:cNvPr>
@@ -10214,7 +6712,7 @@
           <p:cNvPr id="17" name="Titel 1">
             <a:extLst>
               <a:ext uri="{FF2B5EF4-FFF2-40B4-BE49-F238E27FC236}">
-                <a16:creationId xmlns:a16="http://schemas.microsoft.com/office/drawing/2014/main" id="{2EBD46AD-74A3-41B6-A7F5-704EE709693A}"/>
+                <a16:creationId xmlns:a16="http://schemas.microsoft.com/office/drawing/2014/main" xmlns="" id="{2EBD46AD-74A3-41B6-A7F5-704EE709693A}"/>
               </a:ext>
             </a:extLst>
           </p:cNvPr>
@@ -10272,7 +6770,7 @@
           <p:cNvPr id="149" name="Fußzeilenplatzhalter 4">
             <a:extLst>
               <a:ext uri="{FF2B5EF4-FFF2-40B4-BE49-F238E27FC236}">
-                <a16:creationId xmlns:a16="http://schemas.microsoft.com/office/drawing/2014/main" id="{38AB998A-AAF8-49F0-A239-2D93C7A72A4D}"/>
+                <a16:creationId xmlns:a16="http://schemas.microsoft.com/office/drawing/2014/main" xmlns="" id="{38AB998A-AAF8-49F0-A239-2D93C7A72A4D}"/>
               </a:ext>
             </a:extLst>
           </p:cNvPr>
@@ -10354,6 +6852,13 @@
   <p:clrMapOvr>
     <a:masterClrMapping/>
   </p:clrMapOvr>
+  <p:timing>
+    <p:tnLst>
+      <p:par>
+        <p:cTn id="1" dur="indefinite" restart="never" nodeType="tmRoot"/>
+      </p:par>
+    </p:tnLst>
+  </p:timing>
 </p:sld>
 </file>
 
@@ -10379,7 +6884,7 @@
           <p:cNvPr id="51" name="Rechteck 50">
             <a:extLst>
               <a:ext uri="{FF2B5EF4-FFF2-40B4-BE49-F238E27FC236}">
-                <a16:creationId xmlns:a16="http://schemas.microsoft.com/office/drawing/2014/main" id="{7B09CCE4-2DE8-486F-BD68-C4E948B56935}"/>
+                <a16:creationId xmlns:a16="http://schemas.microsoft.com/office/drawing/2014/main" xmlns="" id="{7B09CCE4-2DE8-486F-BD68-C4E948B56935}"/>
               </a:ext>
             </a:extLst>
           </p:cNvPr>
@@ -10437,7 +6942,7 @@
           <p:cNvPr id="5" name="Foliennummernplatzhalter 4">
             <a:extLst>
               <a:ext uri="{FF2B5EF4-FFF2-40B4-BE49-F238E27FC236}">
-                <a16:creationId xmlns:a16="http://schemas.microsoft.com/office/drawing/2014/main" id="{99217DC6-63A8-46E5-BFF7-2750383C7113}"/>
+                <a16:creationId xmlns:a16="http://schemas.microsoft.com/office/drawing/2014/main" xmlns="" id="{99217DC6-63A8-46E5-BFF7-2750383C7113}"/>
               </a:ext>
             </a:extLst>
           </p:cNvPr>
@@ -10471,7 +6976,7 @@
           <p:cNvPr id="17" name="Titel 1">
             <a:extLst>
               <a:ext uri="{FF2B5EF4-FFF2-40B4-BE49-F238E27FC236}">
-                <a16:creationId xmlns:a16="http://schemas.microsoft.com/office/drawing/2014/main" id="{2EBD46AD-74A3-41B6-A7F5-704EE709693A}"/>
+                <a16:creationId xmlns:a16="http://schemas.microsoft.com/office/drawing/2014/main" xmlns="" id="{2EBD46AD-74A3-41B6-A7F5-704EE709693A}"/>
               </a:ext>
             </a:extLst>
           </p:cNvPr>
@@ -10529,7 +7034,7 @@
           <p:cNvPr id="4" name="Gruppieren 3">
             <a:extLst>
               <a:ext uri="{FF2B5EF4-FFF2-40B4-BE49-F238E27FC236}">
-                <a16:creationId xmlns:a16="http://schemas.microsoft.com/office/drawing/2014/main" id="{4C7027B1-C885-493B-83DB-9604A4B7FEAE}"/>
+                <a16:creationId xmlns:a16="http://schemas.microsoft.com/office/drawing/2014/main" xmlns="" id="{4C7027B1-C885-493B-83DB-9604A4B7FEAE}"/>
               </a:ext>
             </a:extLst>
           </p:cNvPr>
@@ -10549,7 +7054,7 @@
             <p:cNvPr id="32" name="Inhaltsplatzhalter 2">
               <a:extLst>
                 <a:ext uri="{FF2B5EF4-FFF2-40B4-BE49-F238E27FC236}">
-                  <a16:creationId xmlns:a16="http://schemas.microsoft.com/office/drawing/2014/main" id="{B73C8442-401C-4ED8-A3D6-C2C0FB12E87F}"/>
+                  <a16:creationId xmlns:a16="http://schemas.microsoft.com/office/drawing/2014/main" xmlns="" id="{B73C8442-401C-4ED8-A3D6-C2C0FB12E87F}"/>
                 </a:ext>
               </a:extLst>
             </p:cNvPr>
@@ -10770,7 +7275,7 @@
             <p:cNvPr id="23" name="Inhaltsplatzhalter 2">
               <a:extLst>
                 <a:ext uri="{FF2B5EF4-FFF2-40B4-BE49-F238E27FC236}">
-                  <a16:creationId xmlns:a16="http://schemas.microsoft.com/office/drawing/2014/main" id="{C7B407AD-B5BE-4C2C-8B9E-4E0DEC4B2C44}"/>
+                  <a16:creationId xmlns:a16="http://schemas.microsoft.com/office/drawing/2014/main" xmlns="" id="{C7B407AD-B5BE-4C2C-8B9E-4E0DEC4B2C44}"/>
                 </a:ext>
               </a:extLst>
             </p:cNvPr>
@@ -11000,7 +7505,7 @@
             <p:cNvPr id="34" name="Grafik 33" descr="Welt">
               <a:extLst>
                 <a:ext uri="{FF2B5EF4-FFF2-40B4-BE49-F238E27FC236}">
-                  <a16:creationId xmlns:a16="http://schemas.microsoft.com/office/drawing/2014/main" id="{A800AC59-CAC0-4D27-BCC0-D36A2C0AF209}"/>
+                  <a16:creationId xmlns:a16="http://schemas.microsoft.com/office/drawing/2014/main" xmlns="" id="{A800AC59-CAC0-4D27-BCC0-D36A2C0AF209}"/>
                 </a:ext>
               </a:extLst>
             </p:cNvPr>
@@ -11013,7 +7518,7 @@
             <a:blip r:embed="rId3">
               <a:extLst>
                 <a:ext uri="{96DAC541-7B7A-43D3-8B79-37D633B846F1}">
-                  <asvg:svgBlip xmlns:asvg="http://schemas.microsoft.com/office/drawing/2016/SVG/main" r:embed="rId4"/>
+                  <asvg:svgBlip xmlns:asvg="http://schemas.microsoft.com/office/drawing/2016/SVG/main" xmlns="" r:embed="rId4"/>
                 </a:ext>
               </a:extLst>
             </a:blip>
@@ -11036,7 +7541,7 @@
             <p:cNvPr id="36" name="Gerade Verbindung mit Pfeil 35">
               <a:extLst>
                 <a:ext uri="{FF2B5EF4-FFF2-40B4-BE49-F238E27FC236}">
-                  <a16:creationId xmlns:a16="http://schemas.microsoft.com/office/drawing/2014/main" id="{14165FCC-2898-4EA5-8418-E16DE419162D}"/>
+                  <a16:creationId xmlns:a16="http://schemas.microsoft.com/office/drawing/2014/main" xmlns="" id="{14165FCC-2898-4EA5-8418-E16DE419162D}"/>
                 </a:ext>
               </a:extLst>
             </p:cNvPr>
@@ -11077,7 +7582,7 @@
             <p:cNvPr id="38" name="Textfeld 37">
               <a:extLst>
                 <a:ext uri="{FF2B5EF4-FFF2-40B4-BE49-F238E27FC236}">
-                  <a16:creationId xmlns:a16="http://schemas.microsoft.com/office/drawing/2014/main" id="{98CBE577-09F5-4B95-8653-B627207FA727}"/>
+                  <a16:creationId xmlns:a16="http://schemas.microsoft.com/office/drawing/2014/main" xmlns="" id="{98CBE577-09F5-4B95-8653-B627207FA727}"/>
                 </a:ext>
               </a:extLst>
             </p:cNvPr>
@@ -11122,7 +7627,7 @@
             <p:cNvPr id="40" name="Gerade Verbindung mit Pfeil 39">
               <a:extLst>
                 <a:ext uri="{FF2B5EF4-FFF2-40B4-BE49-F238E27FC236}">
-                  <a16:creationId xmlns:a16="http://schemas.microsoft.com/office/drawing/2014/main" id="{CF8A7F28-CF78-4318-A93C-2E8EB03122CC}"/>
+                  <a16:creationId xmlns:a16="http://schemas.microsoft.com/office/drawing/2014/main" xmlns="" id="{CF8A7F28-CF78-4318-A93C-2E8EB03122CC}"/>
                 </a:ext>
               </a:extLst>
             </p:cNvPr>
@@ -11163,7 +7668,7 @@
             <p:cNvPr id="42" name="Gerade Verbindung mit Pfeil 41">
               <a:extLst>
                 <a:ext uri="{FF2B5EF4-FFF2-40B4-BE49-F238E27FC236}">
-                  <a16:creationId xmlns:a16="http://schemas.microsoft.com/office/drawing/2014/main" id="{7BA8A4C1-13EC-49CB-B82C-3FF0665FB8AD}"/>
+                  <a16:creationId xmlns:a16="http://schemas.microsoft.com/office/drawing/2014/main" xmlns="" id="{7BA8A4C1-13EC-49CB-B82C-3FF0665FB8AD}"/>
                 </a:ext>
               </a:extLst>
             </p:cNvPr>
@@ -11204,7 +7709,7 @@
             <p:cNvPr id="44" name="Grafik 43" descr="Ordner">
               <a:extLst>
                 <a:ext uri="{FF2B5EF4-FFF2-40B4-BE49-F238E27FC236}">
-                  <a16:creationId xmlns:a16="http://schemas.microsoft.com/office/drawing/2014/main" id="{0572721C-7090-41E2-85A7-6A154A1EDC6E}"/>
+                  <a16:creationId xmlns:a16="http://schemas.microsoft.com/office/drawing/2014/main" xmlns="" id="{0572721C-7090-41E2-85A7-6A154A1EDC6E}"/>
                 </a:ext>
               </a:extLst>
             </p:cNvPr>
@@ -11217,7 +7722,7 @@
             <a:blip r:embed="rId5">
               <a:extLst>
                 <a:ext uri="{96DAC541-7B7A-43D3-8B79-37D633B846F1}">
-                  <asvg:svgBlip xmlns:asvg="http://schemas.microsoft.com/office/drawing/2016/SVG/main" r:embed="rId6"/>
+                  <asvg:svgBlip xmlns:asvg="http://schemas.microsoft.com/office/drawing/2016/SVG/main" xmlns="" r:embed="rId6"/>
                 </a:ext>
               </a:extLst>
             </a:blip>
@@ -11240,7 +7745,7 @@
             <p:cNvPr id="45" name="Textfeld 44">
               <a:extLst>
                 <a:ext uri="{FF2B5EF4-FFF2-40B4-BE49-F238E27FC236}">
-                  <a16:creationId xmlns:a16="http://schemas.microsoft.com/office/drawing/2014/main" id="{87DAFEBD-6AC9-4113-8438-A166156DC539}"/>
+                  <a16:creationId xmlns:a16="http://schemas.microsoft.com/office/drawing/2014/main" xmlns="" id="{87DAFEBD-6AC9-4113-8438-A166156DC539}"/>
                 </a:ext>
               </a:extLst>
             </p:cNvPr>
@@ -11285,7 +7790,7 @@
           <p:cNvPr id="149" name="Fußzeilenplatzhalter 4">
             <a:extLst>
               <a:ext uri="{FF2B5EF4-FFF2-40B4-BE49-F238E27FC236}">
-                <a16:creationId xmlns:a16="http://schemas.microsoft.com/office/drawing/2014/main" id="{38AB998A-AAF8-49F0-A239-2D93C7A72A4D}"/>
+                <a16:creationId xmlns:a16="http://schemas.microsoft.com/office/drawing/2014/main" xmlns="" id="{38AB998A-AAF8-49F0-A239-2D93C7A72A4D}"/>
               </a:ext>
             </a:extLst>
           </p:cNvPr>
@@ -11332,7 +7837,7 @@
           <p:cNvPr id="58" name="Grafik 57" descr="Warnung">
             <a:extLst>
               <a:ext uri="{FF2B5EF4-FFF2-40B4-BE49-F238E27FC236}">
-                <a16:creationId xmlns:a16="http://schemas.microsoft.com/office/drawing/2014/main" id="{5ADD6FB5-98E7-495D-A9AC-2584B2D52713}"/>
+                <a16:creationId xmlns:a16="http://schemas.microsoft.com/office/drawing/2014/main" xmlns="" id="{5ADD6FB5-98E7-495D-A9AC-2584B2D52713}"/>
               </a:ext>
             </a:extLst>
           </p:cNvPr>
@@ -11345,7 +7850,7 @@
           <a:blip r:embed="rId7">
             <a:extLst>
               <a:ext uri="{96DAC541-7B7A-43D3-8B79-37D633B846F1}">
-                <asvg:svgBlip xmlns:asvg="http://schemas.microsoft.com/office/drawing/2016/SVG/main" r:embed="rId8"/>
+                <asvg:svgBlip xmlns:asvg="http://schemas.microsoft.com/office/drawing/2016/SVG/main" xmlns="" r:embed="rId8"/>
               </a:ext>
             </a:extLst>
           </a:blip>
@@ -11368,7 +7873,7 @@
           <p:cNvPr id="59" name="Grafik 58" descr="Glühlampe">
             <a:extLst>
               <a:ext uri="{FF2B5EF4-FFF2-40B4-BE49-F238E27FC236}">
-                <a16:creationId xmlns:a16="http://schemas.microsoft.com/office/drawing/2014/main" id="{051FE1DD-05D1-46F4-B78F-B97D09DB249F}"/>
+                <a16:creationId xmlns:a16="http://schemas.microsoft.com/office/drawing/2014/main" xmlns="" id="{051FE1DD-05D1-46F4-B78F-B97D09DB249F}"/>
               </a:ext>
             </a:extLst>
           </p:cNvPr>
@@ -11381,7 +7886,7 @@
           <a:blip r:embed="rId9">
             <a:extLst>
               <a:ext uri="{96DAC541-7B7A-43D3-8B79-37D633B846F1}">
-                <asvg:svgBlip xmlns:asvg="http://schemas.microsoft.com/office/drawing/2016/SVG/main" r:embed="rId10"/>
+                <asvg:svgBlip xmlns:asvg="http://schemas.microsoft.com/office/drawing/2016/SVG/main" xmlns="" r:embed="rId10"/>
               </a:ext>
             </a:extLst>
           </a:blip>
@@ -11404,7 +7909,7 @@
           <p:cNvPr id="18" name="Textfeld 17">
             <a:extLst>
               <a:ext uri="{FF2B5EF4-FFF2-40B4-BE49-F238E27FC236}">
-                <a16:creationId xmlns:a16="http://schemas.microsoft.com/office/drawing/2014/main" id="{2A285A58-EC11-4467-B051-677815423595}"/>
+                <a16:creationId xmlns:a16="http://schemas.microsoft.com/office/drawing/2014/main" xmlns="" id="{2A285A58-EC11-4467-B051-677815423595}"/>
               </a:ext>
             </a:extLst>
           </p:cNvPr>
@@ -11463,7 +7968,7 @@
           <p:cNvPr id="19" name="Textfeld 18">
             <a:extLst>
               <a:ext uri="{FF2B5EF4-FFF2-40B4-BE49-F238E27FC236}">
-                <a16:creationId xmlns:a16="http://schemas.microsoft.com/office/drawing/2014/main" id="{AF742355-CE0F-4F69-A0C1-2F898F89C3A5}"/>
+                <a16:creationId xmlns:a16="http://schemas.microsoft.com/office/drawing/2014/main" xmlns="" id="{AF742355-CE0F-4F69-A0C1-2F898F89C3A5}"/>
               </a:ext>
             </a:extLst>
           </p:cNvPr>
@@ -11543,6 +8048,13 @@
   <p:clrMapOvr>
     <a:masterClrMapping/>
   </p:clrMapOvr>
+  <p:timing>
+    <p:tnLst>
+      <p:par>
+        <p:cTn id="1" dur="indefinite" restart="never" nodeType="tmRoot"/>
+      </p:par>
+    </p:tnLst>
+  </p:timing>
 </p:sld>
 </file>
 
@@ -11568,7 +8080,7 @@
           <p:cNvPr id="28" name="Rechteck 27">
             <a:extLst>
               <a:ext uri="{FF2B5EF4-FFF2-40B4-BE49-F238E27FC236}">
-                <a16:creationId xmlns:a16="http://schemas.microsoft.com/office/drawing/2014/main" id="{5663F49A-D805-40FE-AC1B-81ED77571640}"/>
+                <a16:creationId xmlns:a16="http://schemas.microsoft.com/office/drawing/2014/main" xmlns="" id="{5663F49A-D805-40FE-AC1B-81ED77571640}"/>
               </a:ext>
             </a:extLst>
           </p:cNvPr>
@@ -11626,7 +8138,7 @@
           <p:cNvPr id="5" name="Foliennummernplatzhalter 4">
             <a:extLst>
               <a:ext uri="{FF2B5EF4-FFF2-40B4-BE49-F238E27FC236}">
-                <a16:creationId xmlns:a16="http://schemas.microsoft.com/office/drawing/2014/main" id="{99217DC6-63A8-46E5-BFF7-2750383C7113}"/>
+                <a16:creationId xmlns:a16="http://schemas.microsoft.com/office/drawing/2014/main" xmlns="" id="{99217DC6-63A8-46E5-BFF7-2750383C7113}"/>
               </a:ext>
             </a:extLst>
           </p:cNvPr>
@@ -11660,7 +8172,7 @@
           <p:cNvPr id="17" name="Titel 1">
             <a:extLst>
               <a:ext uri="{FF2B5EF4-FFF2-40B4-BE49-F238E27FC236}">
-                <a16:creationId xmlns:a16="http://schemas.microsoft.com/office/drawing/2014/main" id="{2EBD46AD-74A3-41B6-A7F5-704EE709693A}"/>
+                <a16:creationId xmlns:a16="http://schemas.microsoft.com/office/drawing/2014/main" xmlns="" id="{2EBD46AD-74A3-41B6-A7F5-704EE709693A}"/>
               </a:ext>
             </a:extLst>
           </p:cNvPr>
@@ -11718,7 +8230,7 @@
           <p:cNvPr id="2" name="Gruppieren 1">
             <a:extLst>
               <a:ext uri="{FF2B5EF4-FFF2-40B4-BE49-F238E27FC236}">
-                <a16:creationId xmlns:a16="http://schemas.microsoft.com/office/drawing/2014/main" id="{7E998845-B930-4515-A6AA-4B80E506F2E6}"/>
+                <a16:creationId xmlns:a16="http://schemas.microsoft.com/office/drawing/2014/main" xmlns="" id="{7E998845-B930-4515-A6AA-4B80E506F2E6}"/>
               </a:ext>
             </a:extLst>
           </p:cNvPr>
@@ -11738,7 +8250,7 @@
             <p:cNvPr id="46" name="Inhaltsplatzhalter 2">
               <a:extLst>
                 <a:ext uri="{FF2B5EF4-FFF2-40B4-BE49-F238E27FC236}">
-                  <a16:creationId xmlns:a16="http://schemas.microsoft.com/office/drawing/2014/main" id="{0F26518F-0A69-4734-BA87-0B8E3EF94156}"/>
+                  <a16:creationId xmlns:a16="http://schemas.microsoft.com/office/drawing/2014/main" xmlns="" id="{0F26518F-0A69-4734-BA87-0B8E3EF94156}"/>
                 </a:ext>
               </a:extLst>
             </p:cNvPr>
@@ -11959,7 +8471,7 @@
             <p:cNvPr id="67" name="Gerade Verbindung mit Pfeil 66">
               <a:extLst>
                 <a:ext uri="{FF2B5EF4-FFF2-40B4-BE49-F238E27FC236}">
-                  <a16:creationId xmlns:a16="http://schemas.microsoft.com/office/drawing/2014/main" id="{7FAB1279-3954-449A-9809-2898A9D30786}"/>
+                  <a16:creationId xmlns:a16="http://schemas.microsoft.com/office/drawing/2014/main" xmlns="" id="{7FAB1279-3954-449A-9809-2898A9D30786}"/>
                 </a:ext>
               </a:extLst>
             </p:cNvPr>
@@ -12000,7 +8512,7 @@
             <p:cNvPr id="24" name="Inhaltsplatzhalter 2">
               <a:extLst>
                 <a:ext uri="{FF2B5EF4-FFF2-40B4-BE49-F238E27FC236}">
-                  <a16:creationId xmlns:a16="http://schemas.microsoft.com/office/drawing/2014/main" id="{52088609-8CCC-4992-9D44-C791EA8B6B29}"/>
+                  <a16:creationId xmlns:a16="http://schemas.microsoft.com/office/drawing/2014/main" xmlns="" id="{52088609-8CCC-4992-9D44-C791EA8B6B29}"/>
                 </a:ext>
               </a:extLst>
             </p:cNvPr>
@@ -12230,7 +8742,7 @@
             <p:cNvPr id="44" name="Grafik 43" descr="Ordner">
               <a:extLst>
                 <a:ext uri="{FF2B5EF4-FFF2-40B4-BE49-F238E27FC236}">
-                  <a16:creationId xmlns:a16="http://schemas.microsoft.com/office/drawing/2014/main" id="{0572721C-7090-41E2-85A7-6A154A1EDC6E}"/>
+                  <a16:creationId xmlns:a16="http://schemas.microsoft.com/office/drawing/2014/main" xmlns="" id="{0572721C-7090-41E2-85A7-6A154A1EDC6E}"/>
                 </a:ext>
               </a:extLst>
             </p:cNvPr>
@@ -12243,7 +8755,7 @@
             <a:blip r:embed="rId3">
               <a:extLst>
                 <a:ext uri="{96DAC541-7B7A-43D3-8B79-37D633B846F1}">
-                  <asvg:svgBlip xmlns:asvg="http://schemas.microsoft.com/office/drawing/2016/SVG/main" r:embed="rId4"/>
+                  <asvg:svgBlip xmlns:asvg="http://schemas.microsoft.com/office/drawing/2016/SVG/main" xmlns="" r:embed="rId4"/>
                 </a:ext>
               </a:extLst>
             </a:blip>
@@ -12266,7 +8778,7 @@
             <p:cNvPr id="45" name="Textfeld 44">
               <a:extLst>
                 <a:ext uri="{FF2B5EF4-FFF2-40B4-BE49-F238E27FC236}">
-                  <a16:creationId xmlns:a16="http://schemas.microsoft.com/office/drawing/2014/main" id="{87DAFEBD-6AC9-4113-8438-A166156DC539}"/>
+                  <a16:creationId xmlns:a16="http://schemas.microsoft.com/office/drawing/2014/main" xmlns="" id="{87DAFEBD-6AC9-4113-8438-A166156DC539}"/>
                 </a:ext>
               </a:extLst>
             </p:cNvPr>
@@ -12310,7 +8822,7 @@
             <p:cNvPr id="57" name="Gerade Verbindung mit Pfeil 56">
               <a:extLst>
                 <a:ext uri="{FF2B5EF4-FFF2-40B4-BE49-F238E27FC236}">
-                  <a16:creationId xmlns:a16="http://schemas.microsoft.com/office/drawing/2014/main" id="{CA0D2126-51DB-4173-87BE-BAF063EBF92F}"/>
+                  <a16:creationId xmlns:a16="http://schemas.microsoft.com/office/drawing/2014/main" xmlns="" id="{CA0D2126-51DB-4173-87BE-BAF063EBF92F}"/>
                 </a:ext>
               </a:extLst>
             </p:cNvPr>
@@ -12351,7 +8863,7 @@
             <p:cNvPr id="126" name="Gruppieren 125">
               <a:extLst>
                 <a:ext uri="{FF2B5EF4-FFF2-40B4-BE49-F238E27FC236}">
-                  <a16:creationId xmlns:a16="http://schemas.microsoft.com/office/drawing/2014/main" id="{514A1029-992E-4E2E-9A8B-4CDCFC62727A}"/>
+                  <a16:creationId xmlns:a16="http://schemas.microsoft.com/office/drawing/2014/main" xmlns="" id="{514A1029-992E-4E2E-9A8B-4CDCFC62727A}"/>
                 </a:ext>
               </a:extLst>
             </p:cNvPr>
@@ -12371,7 +8883,7 @@
               <p:cNvPr id="97" name="Grafik 96" descr="Tisch">
                 <a:extLst>
                   <a:ext uri="{FF2B5EF4-FFF2-40B4-BE49-F238E27FC236}">
-                    <a16:creationId xmlns:a16="http://schemas.microsoft.com/office/drawing/2014/main" id="{E3ED5455-2ACE-4F80-8660-C9C78942E061}"/>
+                    <a16:creationId xmlns:a16="http://schemas.microsoft.com/office/drawing/2014/main" xmlns="" id="{E3ED5455-2ACE-4F80-8660-C9C78942E061}"/>
                   </a:ext>
                 </a:extLst>
               </p:cNvPr>
@@ -12384,7 +8896,7 @@
               <a:blip r:embed="rId5">
                 <a:extLst>
                   <a:ext uri="{96DAC541-7B7A-43D3-8B79-37D633B846F1}">
-                    <asvg:svgBlip xmlns:asvg="http://schemas.microsoft.com/office/drawing/2016/SVG/main" r:embed="rId6"/>
+                    <asvg:svgBlip xmlns:asvg="http://schemas.microsoft.com/office/drawing/2016/SVG/main" xmlns="" r:embed="rId6"/>
                   </a:ext>
                 </a:extLst>
               </a:blip>
@@ -12407,7 +8919,7 @@
               <p:cNvPr id="105" name="Rechteck 104">
                 <a:extLst>
                   <a:ext uri="{FF2B5EF4-FFF2-40B4-BE49-F238E27FC236}">
-                    <a16:creationId xmlns:a16="http://schemas.microsoft.com/office/drawing/2014/main" id="{82C05C09-9668-4C7B-99B4-6CCD1DF3F8C9}"/>
+                    <a16:creationId xmlns:a16="http://schemas.microsoft.com/office/drawing/2014/main" xmlns="" id="{82C05C09-9668-4C7B-99B4-6CCD1DF3F8C9}"/>
                   </a:ext>
                 </a:extLst>
               </p:cNvPr>
@@ -12464,7 +8976,7 @@
           <p:cNvPr id="149" name="Fußzeilenplatzhalter 4">
             <a:extLst>
               <a:ext uri="{FF2B5EF4-FFF2-40B4-BE49-F238E27FC236}">
-                <a16:creationId xmlns:a16="http://schemas.microsoft.com/office/drawing/2014/main" id="{38AB998A-AAF8-49F0-A239-2D93C7A72A4D}"/>
+                <a16:creationId xmlns:a16="http://schemas.microsoft.com/office/drawing/2014/main" xmlns="" id="{38AB998A-AAF8-49F0-A239-2D93C7A72A4D}"/>
               </a:ext>
             </a:extLst>
           </p:cNvPr>
@@ -12511,7 +9023,7 @@
           <p:cNvPr id="29" name="Grafik 28" descr="Warnung">
             <a:extLst>
               <a:ext uri="{FF2B5EF4-FFF2-40B4-BE49-F238E27FC236}">
-                <a16:creationId xmlns:a16="http://schemas.microsoft.com/office/drawing/2014/main" id="{B282B26C-FBD5-4486-BAD6-EF90B5C4BD47}"/>
+                <a16:creationId xmlns:a16="http://schemas.microsoft.com/office/drawing/2014/main" xmlns="" id="{B282B26C-FBD5-4486-BAD6-EF90B5C4BD47}"/>
               </a:ext>
             </a:extLst>
           </p:cNvPr>
@@ -12524,7 +9036,7 @@
           <a:blip r:embed="rId7">
             <a:extLst>
               <a:ext uri="{96DAC541-7B7A-43D3-8B79-37D633B846F1}">
-                <asvg:svgBlip xmlns:asvg="http://schemas.microsoft.com/office/drawing/2016/SVG/main" r:embed="rId8"/>
+                <asvg:svgBlip xmlns:asvg="http://schemas.microsoft.com/office/drawing/2016/SVG/main" xmlns="" r:embed="rId8"/>
               </a:ext>
             </a:extLst>
           </a:blip>
@@ -12547,7 +9059,7 @@
           <p:cNvPr id="8" name="Textfeld 7">
             <a:extLst>
               <a:ext uri="{FF2B5EF4-FFF2-40B4-BE49-F238E27FC236}">
-                <a16:creationId xmlns:a16="http://schemas.microsoft.com/office/drawing/2014/main" id="{2A285A58-EC11-4467-B051-677815423595}"/>
+                <a16:creationId xmlns:a16="http://schemas.microsoft.com/office/drawing/2014/main" xmlns="" id="{2A285A58-EC11-4467-B051-677815423595}"/>
               </a:ext>
             </a:extLst>
           </p:cNvPr>
@@ -12606,7 +9118,7 @@
           <p:cNvPr id="37" name="Textfeld 36">
             <a:extLst>
               <a:ext uri="{FF2B5EF4-FFF2-40B4-BE49-F238E27FC236}">
-                <a16:creationId xmlns:a16="http://schemas.microsoft.com/office/drawing/2014/main" id="{AF742355-CE0F-4F69-A0C1-2F898F89C3A5}"/>
+                <a16:creationId xmlns:a16="http://schemas.microsoft.com/office/drawing/2014/main" xmlns="" id="{AF742355-CE0F-4F69-A0C1-2F898F89C3A5}"/>
               </a:ext>
             </a:extLst>
           </p:cNvPr>
@@ -12671,7 +9183,7 @@
           <p:cNvPr id="13" name="Grafik 12" descr="Glühlampe">
             <a:extLst>
               <a:ext uri="{FF2B5EF4-FFF2-40B4-BE49-F238E27FC236}">
-                <a16:creationId xmlns:a16="http://schemas.microsoft.com/office/drawing/2014/main" id="{4D085D73-F3C8-441D-AF81-E837128CE47E}"/>
+                <a16:creationId xmlns:a16="http://schemas.microsoft.com/office/drawing/2014/main" xmlns="" id="{4D085D73-F3C8-441D-AF81-E837128CE47E}"/>
               </a:ext>
             </a:extLst>
           </p:cNvPr>
@@ -12684,7 +9196,7 @@
           <a:blip r:embed="rId9">
             <a:extLst>
               <a:ext uri="{96DAC541-7B7A-43D3-8B79-37D633B846F1}">
-                <asvg:svgBlip xmlns:asvg="http://schemas.microsoft.com/office/drawing/2016/SVG/main" r:embed="rId10"/>
+                <asvg:svgBlip xmlns:asvg="http://schemas.microsoft.com/office/drawing/2016/SVG/main" xmlns="" r:embed="rId10"/>
               </a:ext>
             </a:extLst>
           </a:blip>
@@ -12712,6 +9224,13 @@
   <p:clrMapOvr>
     <a:masterClrMapping/>
   </p:clrMapOvr>
+  <p:timing>
+    <p:tnLst>
+      <p:par>
+        <p:cTn id="1" dur="indefinite" restart="never" nodeType="tmRoot"/>
+      </p:par>
+    </p:tnLst>
+  </p:timing>
 </p:sld>
 </file>
 
@@ -12737,7 +9256,7 @@
           <p:cNvPr id="5" name="Foliennummernplatzhalter 4">
             <a:extLst>
               <a:ext uri="{FF2B5EF4-FFF2-40B4-BE49-F238E27FC236}">
-                <a16:creationId xmlns:a16="http://schemas.microsoft.com/office/drawing/2014/main" id="{99217DC6-63A8-46E5-BFF7-2750383C7113}"/>
+                <a16:creationId xmlns:a16="http://schemas.microsoft.com/office/drawing/2014/main" xmlns="" id="{99217DC6-63A8-46E5-BFF7-2750383C7113}"/>
               </a:ext>
             </a:extLst>
           </p:cNvPr>
@@ -12771,7 +9290,7 @@
           <p:cNvPr id="17" name="Titel 1">
             <a:extLst>
               <a:ext uri="{FF2B5EF4-FFF2-40B4-BE49-F238E27FC236}">
-                <a16:creationId xmlns:a16="http://schemas.microsoft.com/office/drawing/2014/main" id="{2EBD46AD-74A3-41B6-A7F5-704EE709693A}"/>
+                <a16:creationId xmlns:a16="http://schemas.microsoft.com/office/drawing/2014/main" xmlns="" id="{2EBD46AD-74A3-41B6-A7F5-704EE709693A}"/>
               </a:ext>
             </a:extLst>
           </p:cNvPr>
@@ -12829,7 +9348,7 @@
           <p:cNvPr id="19" name="Inhaltsplatzhalter 2">
             <a:extLst>
               <a:ext uri="{FF2B5EF4-FFF2-40B4-BE49-F238E27FC236}">
-                <a16:creationId xmlns:a16="http://schemas.microsoft.com/office/drawing/2014/main" id="{FD7E6F18-D74A-4FE7-8CC2-71466EBAC41D}"/>
+                <a16:creationId xmlns:a16="http://schemas.microsoft.com/office/drawing/2014/main" xmlns="" id="{FD7E6F18-D74A-4FE7-8CC2-71466EBAC41D}"/>
               </a:ext>
             </a:extLst>
           </p:cNvPr>
@@ -12853,9 +9372,76 @@
           <a:lstStyle/>
           <a:p>
             <a:r>
+              <a:rPr lang="en-US" sz="1800" dirty="0" smtClean="0"/>
+              <a:t>Discoverable </a:t>
+            </a:r>
+            <a:r>
               <a:rPr lang="en-US" sz="1800" dirty="0"/>
-              <a:t>discoverable with metadata, identifiable and locatable by means of a standard identification mechanism</a:t>
-            </a:r>
+              <a:t>with metadata, identifiable and locatable by means of a standard identification </a:t>
+            </a:r>
+            <a:r>
+              <a:rPr lang="en-US" sz="1800" dirty="0" smtClean="0"/>
+              <a:t>mechanism</a:t>
+            </a:r>
+          </a:p>
+          <a:p>
+            <a:r>
+              <a:rPr lang="de-DE" sz="1800" dirty="0" smtClean="0"/>
+              <a:t>Clear identifier for </a:t>
+            </a:r>
+            <a:r>
+              <a:rPr lang="de-DE" sz="1800" dirty="0" err="1" smtClean="0"/>
+              <a:t>daily</a:t>
+            </a:r>
+            <a:r>
+              <a:rPr lang="de-DE" sz="1800" dirty="0" smtClean="0"/>
+              <a:t> </a:t>
+            </a:r>
+            <a:r>
+              <a:rPr lang="de-DE" sz="1800" dirty="0" err="1" smtClean="0"/>
+              <a:t>machine-readable</a:t>
+            </a:r>
+            <a:r>
+              <a:rPr lang="de-DE" sz="1800" dirty="0" smtClean="0"/>
+              <a:t> </a:t>
+            </a:r>
+            <a:r>
+              <a:rPr lang="de-DE" sz="1800" dirty="0" err="1" smtClean="0"/>
+              <a:t>text</a:t>
+            </a:r>
+            <a:r>
+              <a:rPr lang="de-DE" sz="1800" dirty="0" smtClean="0"/>
+              <a:t> </a:t>
+            </a:r>
+            <a:r>
+              <a:rPr lang="de-DE" sz="1800" dirty="0" err="1" smtClean="0"/>
+              <a:t>data</a:t>
+            </a:r>
+            <a:r>
+              <a:rPr lang="de-DE" sz="1800" dirty="0" smtClean="0"/>
+              <a:t>: vol, no, </a:t>
+            </a:r>
+            <a:r>
+              <a:rPr lang="de-DE" sz="1800" dirty="0" err="1" smtClean="0"/>
+              <a:t>date</a:t>
+            </a:r>
+            <a:r>
+              <a:rPr lang="de-DE" sz="1800" dirty="0" smtClean="0"/>
+              <a:t>, </a:t>
+            </a:r>
+            <a:r>
+              <a:rPr lang="de-DE" sz="1800" dirty="0" err="1" smtClean="0"/>
+              <a:t>unit</a:t>
+            </a:r>
+            <a:r>
+              <a:rPr lang="de-DE" sz="1800" dirty="0" smtClean="0"/>
+              <a:t>, </a:t>
+            </a:r>
+            <a:r>
+              <a:rPr lang="de-DE" sz="1800" dirty="0" err="1" smtClean="0"/>
+              <a:t>pages</a:t>
+            </a:r>
+            <a:endParaRPr lang="en-US" sz="1800" dirty="0"/>
           </a:p>
         </p:txBody>
       </p:sp>
@@ -12864,7 +9450,7 @@
           <p:cNvPr id="9" name="Fußzeilenplatzhalter 4">
             <a:extLst>
               <a:ext uri="{FF2B5EF4-FFF2-40B4-BE49-F238E27FC236}">
-                <a16:creationId xmlns:a16="http://schemas.microsoft.com/office/drawing/2014/main" id="{F10706BB-1C7F-44A5-8A36-CDBB277E3BFC}"/>
+                <a16:creationId xmlns:a16="http://schemas.microsoft.com/office/drawing/2014/main" xmlns="" id="{F10706BB-1C7F-44A5-8A36-CDBB277E3BFC}"/>
               </a:ext>
             </a:extLst>
           </p:cNvPr>
@@ -12911,7 +9497,7 @@
           <p:cNvPr id="2" name="Rechteck 1">
             <a:extLst>
               <a:ext uri="{FF2B5EF4-FFF2-40B4-BE49-F238E27FC236}">
-                <a16:creationId xmlns:a16="http://schemas.microsoft.com/office/drawing/2014/main" id="{0D9E26CA-D519-4955-8920-592179B1FE22}"/>
+                <a16:creationId xmlns:a16="http://schemas.microsoft.com/office/drawing/2014/main" xmlns="" id="{0D9E26CA-D519-4955-8920-592179B1FE22}"/>
               </a:ext>
             </a:extLst>
           </p:cNvPr>
@@ -12966,7 +9552,7 @@
           <p:cNvPr id="11" name="Rechteck 10">
             <a:extLst>
               <a:ext uri="{FF2B5EF4-FFF2-40B4-BE49-F238E27FC236}">
-                <a16:creationId xmlns:a16="http://schemas.microsoft.com/office/drawing/2014/main" id="{8BDAC378-DB7A-4385-B0C5-7A7BB8439380}"/>
+                <a16:creationId xmlns:a16="http://schemas.microsoft.com/office/drawing/2014/main" xmlns="" id="{8BDAC378-DB7A-4385-B0C5-7A7BB8439380}"/>
               </a:ext>
             </a:extLst>
           </p:cNvPr>
@@ -13021,7 +9607,7 @@
           <p:cNvPr id="12" name="Rechteck 11">
             <a:extLst>
               <a:ext uri="{FF2B5EF4-FFF2-40B4-BE49-F238E27FC236}">
-                <a16:creationId xmlns:a16="http://schemas.microsoft.com/office/drawing/2014/main" id="{D2A7043D-6CC0-4509-BAFB-FBAE494991AE}"/>
+                <a16:creationId xmlns:a16="http://schemas.microsoft.com/office/drawing/2014/main" xmlns="" id="{D2A7043D-6CC0-4509-BAFB-FBAE494991AE}"/>
               </a:ext>
             </a:extLst>
           </p:cNvPr>
@@ -13071,7 +9657,7 @@
           <p:cNvPr id="14" name="Rechteck 13">
             <a:extLst>
               <a:ext uri="{FF2B5EF4-FFF2-40B4-BE49-F238E27FC236}">
-                <a16:creationId xmlns:a16="http://schemas.microsoft.com/office/drawing/2014/main" id="{9D4200A3-BD07-4C63-BBF4-6FC25C2340F6}"/>
+                <a16:creationId xmlns:a16="http://schemas.microsoft.com/office/drawing/2014/main" xmlns="" id="{9D4200A3-BD07-4C63-BBF4-6FC25C2340F6}"/>
               </a:ext>
             </a:extLst>
           </p:cNvPr>
@@ -13127,7 +9713,7 @@
           <p:cNvPr id="22" name="Inhaltsplatzhalter 2">
             <a:extLst>
               <a:ext uri="{FF2B5EF4-FFF2-40B4-BE49-F238E27FC236}">
-                <a16:creationId xmlns:a16="http://schemas.microsoft.com/office/drawing/2014/main" id="{25CD8A27-4C42-4C1F-A067-291E1390BB52}"/>
+                <a16:creationId xmlns:a16="http://schemas.microsoft.com/office/drawing/2014/main" xmlns="" id="{25CD8A27-4C42-4C1F-A067-291E1390BB52}"/>
               </a:ext>
             </a:extLst>
           </p:cNvPr>
@@ -13147,7 +9733,7 @@
         </p:spPr>
         <p:txBody>
           <a:bodyPr vert="horz" lIns="91440" tIns="45720" rIns="91440" bIns="45720" rtlCol="0">
-            <a:normAutofit/>
+            <a:normAutofit fontScale="92500"/>
           </a:bodyPr>
           <a:lstStyle>
             <a:lvl1pPr marL="228600" indent="-228600" algn="l" defTabSz="914400" rtl="0" eaLnBrk="1" latinLnBrk="0" hangingPunct="1">
@@ -13316,14 +9902,27 @@
           <a:p>
             <a:r>
               <a:rPr lang="en-US" sz="1800" dirty="0"/>
-              <a:t>always available and obtainable; even if the data is restricted, the metadata is open</a:t>
-            </a:r>
-          </a:p>
-          <a:p>
+              <a:t>A</a:t>
+            </a:r>
+            <a:r>
+              <a:rPr lang="en-US" sz="1800" dirty="0" smtClean="0"/>
+              <a:t>lways </a:t>
+            </a:r>
             <a:r>
               <a:rPr lang="en-US" sz="1800" dirty="0"/>
-              <a:t>Public GitHub respository </a:t>
-            </a:r>
+              <a:t>available and obtainable; even if the data is restricted, the metadata is open</a:t>
+            </a:r>
+          </a:p>
+          <a:p>
+            <a:r>
+              <a:rPr lang="en-US" sz="1800" dirty="0"/>
+              <a:t>Public GitHub </a:t>
+            </a:r>
+            <a:r>
+              <a:rPr lang="en-US" sz="1800" dirty="0" smtClean="0"/>
+              <a:t>repository (maybe R package): Two step procedure with metadata and text data</a:t>
+            </a:r>
+            <a:endParaRPr lang="en-US" sz="1800" dirty="0"/>
           </a:p>
         </p:txBody>
       </p:sp>
@@ -13332,7 +9931,7 @@
           <p:cNvPr id="23" name="Inhaltsplatzhalter 2">
             <a:extLst>
               <a:ext uri="{FF2B5EF4-FFF2-40B4-BE49-F238E27FC236}">
-                <a16:creationId xmlns:a16="http://schemas.microsoft.com/office/drawing/2014/main" id="{E10592E1-142D-45E9-AF5D-E791C3243C61}"/>
+                <a16:creationId xmlns:a16="http://schemas.microsoft.com/office/drawing/2014/main" xmlns="" id="{E10592E1-142D-45E9-AF5D-E791C3243C61}"/>
               </a:ext>
             </a:extLst>
           </p:cNvPr>
@@ -13526,8 +10125,12 @@
           </a:p>
           <a:p>
             <a:r>
+              <a:rPr lang="en-US" sz="1800" dirty="0" smtClean="0"/>
+              <a:t>Both </a:t>
+            </a:r>
+            <a:r>
               <a:rPr lang="en-US" sz="1800" dirty="0"/>
-              <a:t>both syntactically </a:t>
+              <a:t>syntactically </a:t>
             </a:r>
             <a:r>
               <a:rPr lang="en-US" sz="1800" dirty="0" err="1"/>
@@ -13553,7 +10156,7 @@
           <p:cNvPr id="24" name="Inhaltsplatzhalter 2">
             <a:extLst>
               <a:ext uri="{FF2B5EF4-FFF2-40B4-BE49-F238E27FC236}">
-                <a16:creationId xmlns:a16="http://schemas.microsoft.com/office/drawing/2014/main" id="{8A5A35EC-35C3-4EEE-B4CA-689F86337F8B}"/>
+                <a16:creationId xmlns:a16="http://schemas.microsoft.com/office/drawing/2014/main" xmlns="" id="{8A5A35EC-35C3-4EEE-B4CA-689F86337F8B}"/>
               </a:ext>
             </a:extLst>
           </p:cNvPr>
@@ -13742,207 +10345,13 @@
           <a:p>
             <a:r>
               <a:rPr lang="en-US" sz="1800" dirty="0"/>
-              <a:t>Well-documented in README and a clear contribution policy</a:t>
-            </a:r>
-          </a:p>
-        </p:txBody>
-      </p:sp>
-      <p:sp>
-        <p:nvSpPr>
-          <p:cNvPr id="25" name="Inhaltsplatzhalter 2">
-            <a:extLst>
-              <a:ext uri="{FF2B5EF4-FFF2-40B4-BE49-F238E27FC236}">
-                <a16:creationId xmlns:a16="http://schemas.microsoft.com/office/drawing/2014/main" id="{7C37810B-3DFF-4DAC-825E-40F9C0F4BEA9}"/>
-              </a:ext>
-            </a:extLst>
-          </p:cNvPr>
-          <p:cNvSpPr txBox="1">
-            <a:spLocks/>
-          </p:cNvSpPr>
-          <p:nvPr/>
-        </p:nvSpPr>
-        <p:spPr>
-          <a:xfrm>
-            <a:off x="358886" y="5982519"/>
-            <a:ext cx="12008892" cy="365125"/>
-          </a:xfrm>
-          <a:prstGeom prst="rect">
-            <a:avLst/>
-          </a:prstGeom>
-        </p:spPr>
-        <p:txBody>
-          <a:bodyPr vert="horz" lIns="91440" tIns="45720" rIns="91440" bIns="45720" rtlCol="0">
-            <a:normAutofit/>
-          </a:bodyPr>
-          <a:lstStyle>
-            <a:lvl1pPr marL="228600" indent="-228600" algn="l" defTabSz="914400" rtl="0" eaLnBrk="1" latinLnBrk="0" hangingPunct="1">
-              <a:lnSpc>
-                <a:spcPct val="90000"/>
-              </a:lnSpc>
-              <a:spcBef>
-                <a:spcPts val="1000"/>
-              </a:spcBef>
-              <a:buFont typeface="Arial"/>
-              <a:buChar char="•"/>
-              <a:defRPr sz="2800" kern="1200">
-                <a:solidFill>
-                  <a:schemeClr val="tx1"/>
-                </a:solidFill>
-                <a:latin typeface="+mn-lt"/>
-                <a:ea typeface="+mn-ea"/>
-                <a:cs typeface="+mn-cs"/>
-              </a:defRPr>
-            </a:lvl1pPr>
-            <a:lvl2pPr marL="685800" indent="-228600" algn="l" defTabSz="914400" rtl="0" eaLnBrk="1" latinLnBrk="0" hangingPunct="1">
-              <a:lnSpc>
-                <a:spcPct val="90000"/>
-              </a:lnSpc>
-              <a:spcBef>
-                <a:spcPts val="500"/>
-              </a:spcBef>
-              <a:buFont typeface="Arial"/>
-              <a:buChar char="•"/>
-              <a:defRPr sz="2400" kern="1200">
-                <a:solidFill>
-                  <a:schemeClr val="tx1"/>
-                </a:solidFill>
-                <a:latin typeface="+mn-lt"/>
-                <a:ea typeface="+mn-ea"/>
-                <a:cs typeface="+mn-cs"/>
-              </a:defRPr>
-            </a:lvl2pPr>
-            <a:lvl3pPr marL="1143000" indent="-228600" algn="l" defTabSz="914400" rtl="0" eaLnBrk="1" latinLnBrk="0" hangingPunct="1">
-              <a:lnSpc>
-                <a:spcPct val="90000"/>
-              </a:lnSpc>
-              <a:spcBef>
-                <a:spcPts val="500"/>
-              </a:spcBef>
-              <a:buFont typeface="Arial"/>
-              <a:buChar char="•"/>
-              <a:defRPr sz="2000" kern="1200">
-                <a:solidFill>
-                  <a:schemeClr val="tx1"/>
-                </a:solidFill>
-                <a:latin typeface="+mn-lt"/>
-                <a:ea typeface="+mn-ea"/>
-                <a:cs typeface="+mn-cs"/>
-              </a:defRPr>
-            </a:lvl3pPr>
-            <a:lvl4pPr marL="1600200" indent="-228600" algn="l" defTabSz="914400" rtl="0" eaLnBrk="1" latinLnBrk="0" hangingPunct="1">
-              <a:lnSpc>
-                <a:spcPct val="90000"/>
-              </a:lnSpc>
-              <a:spcBef>
-                <a:spcPts val="500"/>
-              </a:spcBef>
-              <a:buFont typeface="Arial"/>
-              <a:buChar char="•"/>
-              <a:defRPr sz="1800" kern="1200">
-                <a:solidFill>
-                  <a:schemeClr val="tx1"/>
-                </a:solidFill>
-                <a:latin typeface="+mn-lt"/>
-                <a:ea typeface="+mn-ea"/>
-                <a:cs typeface="+mn-cs"/>
-              </a:defRPr>
-            </a:lvl4pPr>
-            <a:lvl5pPr marL="2057400" indent="-228600" algn="l" defTabSz="914400" rtl="0" eaLnBrk="1" latinLnBrk="0" hangingPunct="1">
-              <a:lnSpc>
-                <a:spcPct val="90000"/>
-              </a:lnSpc>
-              <a:spcBef>
-                <a:spcPts val="500"/>
-              </a:spcBef>
-              <a:buFont typeface="Arial"/>
-              <a:buChar char="•"/>
-              <a:defRPr sz="1800" kern="1200">
-                <a:solidFill>
-                  <a:schemeClr val="tx1"/>
-                </a:solidFill>
-                <a:latin typeface="+mn-lt"/>
-                <a:ea typeface="+mn-ea"/>
-                <a:cs typeface="+mn-cs"/>
-              </a:defRPr>
-            </a:lvl5pPr>
-            <a:lvl6pPr marL="2514600" indent="-228600" algn="l" defTabSz="914400" rtl="0" eaLnBrk="1" latinLnBrk="0" hangingPunct="1">
-              <a:lnSpc>
-                <a:spcPct val="90000"/>
-              </a:lnSpc>
-              <a:spcBef>
-                <a:spcPts val="500"/>
-              </a:spcBef>
-              <a:buFont typeface="Arial"/>
-              <a:buChar char="•"/>
-              <a:defRPr sz="1800" kern="1200">
-                <a:solidFill>
-                  <a:schemeClr val="tx1"/>
-                </a:solidFill>
-                <a:latin typeface="+mn-lt"/>
-                <a:ea typeface="+mn-ea"/>
-                <a:cs typeface="+mn-cs"/>
-              </a:defRPr>
-            </a:lvl6pPr>
-            <a:lvl7pPr marL="2971800" indent="-228600" algn="l" defTabSz="914400" rtl="0" eaLnBrk="1" latinLnBrk="0" hangingPunct="1">
-              <a:lnSpc>
-                <a:spcPct val="90000"/>
-              </a:lnSpc>
-              <a:spcBef>
-                <a:spcPts val="500"/>
-              </a:spcBef>
-              <a:buFont typeface="Arial"/>
-              <a:buChar char="•"/>
-              <a:defRPr sz="1800" kern="1200">
-                <a:solidFill>
-                  <a:schemeClr val="tx1"/>
-                </a:solidFill>
-                <a:latin typeface="+mn-lt"/>
-                <a:ea typeface="+mn-ea"/>
-                <a:cs typeface="+mn-cs"/>
-              </a:defRPr>
-            </a:lvl7pPr>
-            <a:lvl8pPr marL="3429000" indent="-228600" algn="l" defTabSz="914400" rtl="0" eaLnBrk="1" latinLnBrk="0" hangingPunct="1">
-              <a:lnSpc>
-                <a:spcPct val="90000"/>
-              </a:lnSpc>
-              <a:spcBef>
-                <a:spcPts val="500"/>
-              </a:spcBef>
-              <a:buFont typeface="Arial"/>
-              <a:buChar char="•"/>
-              <a:defRPr sz="1800" kern="1200">
-                <a:solidFill>
-                  <a:schemeClr val="tx1"/>
-                </a:solidFill>
-                <a:latin typeface="+mn-lt"/>
-                <a:ea typeface="+mn-ea"/>
-                <a:cs typeface="+mn-cs"/>
-              </a:defRPr>
-            </a:lvl8pPr>
-            <a:lvl9pPr marL="3886200" indent="-228600" algn="l" defTabSz="914400" rtl="0" eaLnBrk="1" latinLnBrk="0" hangingPunct="1">
-              <a:lnSpc>
-                <a:spcPct val="90000"/>
-              </a:lnSpc>
-              <a:spcBef>
-                <a:spcPts val="500"/>
-              </a:spcBef>
-              <a:buFont typeface="Arial"/>
-              <a:buChar char="•"/>
-              <a:defRPr sz="1800" kern="1200">
-                <a:solidFill>
-                  <a:schemeClr val="tx1"/>
-                </a:solidFill>
-                <a:latin typeface="+mn-lt"/>
-                <a:ea typeface="+mn-ea"/>
-                <a:cs typeface="+mn-cs"/>
-              </a:defRPr>
-            </a:lvl9pPr>
-          </a:lstStyle>
-          <a:p>
-            <a:r>
-              <a:rPr lang="en-US" sz="1800" dirty="0"/>
-              <a:t>How do you plan to develop an impact on the open science community? How can you make others aware of your work?</a:t>
-            </a:r>
+              <a:t>Well-documented in README and a clear contribution </a:t>
+            </a:r>
+            <a:r>
+              <a:rPr lang="en-US" sz="1800" dirty="0" smtClean="0"/>
+              <a:t>policy</a:t>
+            </a:r>
+            <a:endParaRPr lang="en-US" sz="1800" dirty="0"/>
           </a:p>
         </p:txBody>
       </p:sp>
@@ -13956,6 +10365,13 @@
   <p:clrMapOvr>
     <a:masterClrMapping/>
   </p:clrMapOvr>
+  <p:timing>
+    <p:tnLst>
+      <p:par>
+        <p:cTn id="1" dur="indefinite" restart="never" nodeType="tmRoot"/>
+      </p:par>
+    </p:tnLst>
+  </p:timing>
 </p:sld>
 </file>
 
@@ -13989,7 +10405,7 @@
           <p:cNvPr id="14" name="Bild 4" descr="huO_rgb-mP.png">
             <a:extLst>
               <a:ext uri="{FF2B5EF4-FFF2-40B4-BE49-F238E27FC236}">
-                <a16:creationId xmlns:a16="http://schemas.microsoft.com/office/drawing/2014/main" id="{A6435E84-959B-4004-9D03-91843F9616BF}"/>
+                <a16:creationId xmlns:a16="http://schemas.microsoft.com/office/drawing/2014/main" xmlns="" id="{A6435E84-959B-4004-9D03-91843F9616BF}"/>
               </a:ext>
             </a:extLst>
           </p:cNvPr>
@@ -14049,7 +10465,7 @@
           <p:cNvPr id="16" name="Inhaltsplatzhalter 2">
             <a:extLst>
               <a:ext uri="{FF2B5EF4-FFF2-40B4-BE49-F238E27FC236}">
-                <a16:creationId xmlns:a16="http://schemas.microsoft.com/office/drawing/2014/main" id="{35C0996D-4546-4A4B-BC03-82C9961E32C9}"/>
+                <a16:creationId xmlns:a16="http://schemas.microsoft.com/office/drawing/2014/main" xmlns="" id="{35C0996D-4546-4A4B-BC03-82C9961E32C9}"/>
               </a:ext>
             </a:extLst>
           </p:cNvPr>
@@ -14301,7 +10717,7 @@
           <p:cNvPr id="2" name="Titel 1">
             <a:extLst>
               <a:ext uri="{FF2B5EF4-FFF2-40B4-BE49-F238E27FC236}">
-                <a16:creationId xmlns:a16="http://schemas.microsoft.com/office/drawing/2014/main" id="{C698A611-4E59-4D5D-B67A-DF0F2AF122C5}"/>
+                <a16:creationId xmlns:a16="http://schemas.microsoft.com/office/drawing/2014/main" xmlns="" id="{C698A611-4E59-4D5D-B67A-DF0F2AF122C5}"/>
               </a:ext>
             </a:extLst>
           </p:cNvPr>
@@ -14334,7 +10750,7 @@
           <p:cNvPr id="3" name="Textplatzhalter 2">
             <a:extLst>
               <a:ext uri="{FF2B5EF4-FFF2-40B4-BE49-F238E27FC236}">
-                <a16:creationId xmlns:a16="http://schemas.microsoft.com/office/drawing/2014/main" id="{A6CB220A-5C57-4688-B3BE-933E90D8AD40}"/>
+                <a16:creationId xmlns:a16="http://schemas.microsoft.com/office/drawing/2014/main" xmlns="" id="{A6CB220A-5C57-4688-B3BE-933E90D8AD40}"/>
               </a:ext>
             </a:extLst>
           </p:cNvPr>
@@ -14364,6 +10780,13 @@
   <p:clrMapOvr>
     <a:masterClrMapping/>
   </p:clrMapOvr>
+  <p:timing>
+    <p:tnLst>
+      <p:par>
+        <p:cTn id="1" dur="indefinite" restart="never" nodeType="tmRoot"/>
+      </p:par>
+    </p:tnLst>
+  </p:timing>
 </p:sld>
 </file>
 
@@ -14389,7 +10812,7 @@
           <p:cNvPr id="28" name="Rechteck 27">
             <a:extLst>
               <a:ext uri="{FF2B5EF4-FFF2-40B4-BE49-F238E27FC236}">
-                <a16:creationId xmlns:a16="http://schemas.microsoft.com/office/drawing/2014/main" id="{5663F49A-D805-40FE-AC1B-81ED77571640}"/>
+                <a16:creationId xmlns:a16="http://schemas.microsoft.com/office/drawing/2014/main" xmlns="" id="{5663F49A-D805-40FE-AC1B-81ED77571640}"/>
               </a:ext>
             </a:extLst>
           </p:cNvPr>
@@ -14447,7 +10870,7 @@
           <p:cNvPr id="5" name="Foliennummernplatzhalter 4">
             <a:extLst>
               <a:ext uri="{FF2B5EF4-FFF2-40B4-BE49-F238E27FC236}">
-                <a16:creationId xmlns:a16="http://schemas.microsoft.com/office/drawing/2014/main" id="{99217DC6-63A8-46E5-BFF7-2750383C7113}"/>
+                <a16:creationId xmlns:a16="http://schemas.microsoft.com/office/drawing/2014/main" xmlns="" id="{99217DC6-63A8-46E5-BFF7-2750383C7113}"/>
               </a:ext>
             </a:extLst>
           </p:cNvPr>
@@ -14481,7 +10904,7 @@
           <p:cNvPr id="17" name="Titel 1">
             <a:extLst>
               <a:ext uri="{FF2B5EF4-FFF2-40B4-BE49-F238E27FC236}">
-                <a16:creationId xmlns:a16="http://schemas.microsoft.com/office/drawing/2014/main" id="{2EBD46AD-74A3-41B6-A7F5-704EE709693A}"/>
+                <a16:creationId xmlns:a16="http://schemas.microsoft.com/office/drawing/2014/main" xmlns="" id="{2EBD46AD-74A3-41B6-A7F5-704EE709693A}"/>
               </a:ext>
             </a:extLst>
           </p:cNvPr>
@@ -14539,7 +10962,7 @@
           <p:cNvPr id="2" name="Gruppieren 1">
             <a:extLst>
               <a:ext uri="{FF2B5EF4-FFF2-40B4-BE49-F238E27FC236}">
-                <a16:creationId xmlns:a16="http://schemas.microsoft.com/office/drawing/2014/main" id="{7E998845-B930-4515-A6AA-4B80E506F2E6}"/>
+                <a16:creationId xmlns:a16="http://schemas.microsoft.com/office/drawing/2014/main" xmlns="" id="{7E998845-B930-4515-A6AA-4B80E506F2E6}"/>
               </a:ext>
             </a:extLst>
           </p:cNvPr>
@@ -14559,7 +10982,7 @@
             <p:cNvPr id="46" name="Inhaltsplatzhalter 2">
               <a:extLst>
                 <a:ext uri="{FF2B5EF4-FFF2-40B4-BE49-F238E27FC236}">
-                  <a16:creationId xmlns:a16="http://schemas.microsoft.com/office/drawing/2014/main" id="{0F26518F-0A69-4734-BA87-0B8E3EF94156}"/>
+                  <a16:creationId xmlns:a16="http://schemas.microsoft.com/office/drawing/2014/main" xmlns="" id="{0F26518F-0A69-4734-BA87-0B8E3EF94156}"/>
                 </a:ext>
               </a:extLst>
             </p:cNvPr>
@@ -14780,7 +11203,7 @@
             <p:cNvPr id="67" name="Gerade Verbindung mit Pfeil 66">
               <a:extLst>
                 <a:ext uri="{FF2B5EF4-FFF2-40B4-BE49-F238E27FC236}">
-                  <a16:creationId xmlns:a16="http://schemas.microsoft.com/office/drawing/2014/main" id="{7FAB1279-3954-449A-9809-2898A9D30786}"/>
+                  <a16:creationId xmlns:a16="http://schemas.microsoft.com/office/drawing/2014/main" xmlns="" id="{7FAB1279-3954-449A-9809-2898A9D30786}"/>
                 </a:ext>
               </a:extLst>
             </p:cNvPr>
@@ -14821,7 +11244,7 @@
             <p:cNvPr id="24" name="Inhaltsplatzhalter 2">
               <a:extLst>
                 <a:ext uri="{FF2B5EF4-FFF2-40B4-BE49-F238E27FC236}">
-                  <a16:creationId xmlns:a16="http://schemas.microsoft.com/office/drawing/2014/main" id="{52088609-8CCC-4992-9D44-C791EA8B6B29}"/>
+                  <a16:creationId xmlns:a16="http://schemas.microsoft.com/office/drawing/2014/main" xmlns="" id="{52088609-8CCC-4992-9D44-C791EA8B6B29}"/>
                 </a:ext>
               </a:extLst>
             </p:cNvPr>
@@ -15051,7 +11474,7 @@
             <p:cNvPr id="44" name="Grafik 43" descr="Ordner">
               <a:extLst>
                 <a:ext uri="{FF2B5EF4-FFF2-40B4-BE49-F238E27FC236}">
-                  <a16:creationId xmlns:a16="http://schemas.microsoft.com/office/drawing/2014/main" id="{0572721C-7090-41E2-85A7-6A154A1EDC6E}"/>
+                  <a16:creationId xmlns:a16="http://schemas.microsoft.com/office/drawing/2014/main" xmlns="" id="{0572721C-7090-41E2-85A7-6A154A1EDC6E}"/>
                 </a:ext>
               </a:extLst>
             </p:cNvPr>
@@ -15064,7 +11487,7 @@
             <a:blip r:embed="rId3">
               <a:extLst>
                 <a:ext uri="{96DAC541-7B7A-43D3-8B79-37D633B846F1}">
-                  <asvg:svgBlip xmlns:asvg="http://schemas.microsoft.com/office/drawing/2016/SVG/main" r:embed="rId4"/>
+                  <asvg:svgBlip xmlns:asvg="http://schemas.microsoft.com/office/drawing/2016/SVG/main" xmlns="" r:embed="rId4"/>
                 </a:ext>
               </a:extLst>
             </a:blip>
@@ -15087,7 +11510,7 @@
             <p:cNvPr id="45" name="Textfeld 44">
               <a:extLst>
                 <a:ext uri="{FF2B5EF4-FFF2-40B4-BE49-F238E27FC236}">
-                  <a16:creationId xmlns:a16="http://schemas.microsoft.com/office/drawing/2014/main" id="{87DAFEBD-6AC9-4113-8438-A166156DC539}"/>
+                  <a16:creationId xmlns:a16="http://schemas.microsoft.com/office/drawing/2014/main" xmlns="" id="{87DAFEBD-6AC9-4113-8438-A166156DC539}"/>
                 </a:ext>
               </a:extLst>
             </p:cNvPr>
@@ -15131,7 +11554,7 @@
             <p:cNvPr id="57" name="Gerade Verbindung mit Pfeil 56">
               <a:extLst>
                 <a:ext uri="{FF2B5EF4-FFF2-40B4-BE49-F238E27FC236}">
-                  <a16:creationId xmlns:a16="http://schemas.microsoft.com/office/drawing/2014/main" id="{CA0D2126-51DB-4173-87BE-BAF063EBF92F}"/>
+                  <a16:creationId xmlns:a16="http://schemas.microsoft.com/office/drawing/2014/main" xmlns="" id="{CA0D2126-51DB-4173-87BE-BAF063EBF92F}"/>
                 </a:ext>
               </a:extLst>
             </p:cNvPr>
@@ -15172,7 +11595,7 @@
             <p:cNvPr id="126" name="Gruppieren 125">
               <a:extLst>
                 <a:ext uri="{FF2B5EF4-FFF2-40B4-BE49-F238E27FC236}">
-                  <a16:creationId xmlns:a16="http://schemas.microsoft.com/office/drawing/2014/main" id="{514A1029-992E-4E2E-9A8B-4CDCFC62727A}"/>
+                  <a16:creationId xmlns:a16="http://schemas.microsoft.com/office/drawing/2014/main" xmlns="" id="{514A1029-992E-4E2E-9A8B-4CDCFC62727A}"/>
                 </a:ext>
               </a:extLst>
             </p:cNvPr>
@@ -15192,7 +11615,7 @@
               <p:cNvPr id="97" name="Grafik 96" descr="Tisch">
                 <a:extLst>
                   <a:ext uri="{FF2B5EF4-FFF2-40B4-BE49-F238E27FC236}">
-                    <a16:creationId xmlns:a16="http://schemas.microsoft.com/office/drawing/2014/main" id="{E3ED5455-2ACE-4F80-8660-C9C78942E061}"/>
+                    <a16:creationId xmlns:a16="http://schemas.microsoft.com/office/drawing/2014/main" xmlns="" id="{E3ED5455-2ACE-4F80-8660-C9C78942E061}"/>
                   </a:ext>
                 </a:extLst>
               </p:cNvPr>
@@ -15205,7 +11628,7 @@
               <a:blip r:embed="rId5">
                 <a:extLst>
                   <a:ext uri="{96DAC541-7B7A-43D3-8B79-37D633B846F1}">
-                    <asvg:svgBlip xmlns:asvg="http://schemas.microsoft.com/office/drawing/2016/SVG/main" r:embed="rId6"/>
+                    <asvg:svgBlip xmlns:asvg="http://schemas.microsoft.com/office/drawing/2016/SVG/main" xmlns="" r:embed="rId6"/>
                   </a:ext>
                 </a:extLst>
               </a:blip>
@@ -15228,7 +11651,7 @@
               <p:cNvPr id="105" name="Rechteck 104">
                 <a:extLst>
                   <a:ext uri="{FF2B5EF4-FFF2-40B4-BE49-F238E27FC236}">
-                    <a16:creationId xmlns:a16="http://schemas.microsoft.com/office/drawing/2014/main" id="{82C05C09-9668-4C7B-99B4-6CCD1DF3F8C9}"/>
+                    <a16:creationId xmlns:a16="http://schemas.microsoft.com/office/drawing/2014/main" xmlns="" id="{82C05C09-9668-4C7B-99B4-6CCD1DF3F8C9}"/>
                   </a:ext>
                 </a:extLst>
               </p:cNvPr>
@@ -15285,7 +11708,7 @@
           <p:cNvPr id="149" name="Fußzeilenplatzhalter 4">
             <a:extLst>
               <a:ext uri="{FF2B5EF4-FFF2-40B4-BE49-F238E27FC236}">
-                <a16:creationId xmlns:a16="http://schemas.microsoft.com/office/drawing/2014/main" id="{38AB998A-AAF8-49F0-A239-2D93C7A72A4D}"/>
+                <a16:creationId xmlns:a16="http://schemas.microsoft.com/office/drawing/2014/main" xmlns="" id="{38AB998A-AAF8-49F0-A239-2D93C7A72A4D}"/>
               </a:ext>
             </a:extLst>
           </p:cNvPr>
@@ -15332,7 +11755,7 @@
           <p:cNvPr id="8" name="Textfeld 7">
             <a:extLst>
               <a:ext uri="{FF2B5EF4-FFF2-40B4-BE49-F238E27FC236}">
-                <a16:creationId xmlns:a16="http://schemas.microsoft.com/office/drawing/2014/main" id="{2A285A58-EC11-4467-B051-677815423595}"/>
+                <a16:creationId xmlns:a16="http://schemas.microsoft.com/office/drawing/2014/main" xmlns="" id="{2A285A58-EC11-4467-B051-677815423595}"/>
               </a:ext>
             </a:extLst>
           </p:cNvPr>
@@ -15371,7 +11794,7 @@
           <p:cNvPr id="15" name="Grafik 14">
             <a:extLst>
               <a:ext uri="{FF2B5EF4-FFF2-40B4-BE49-F238E27FC236}">
-                <a16:creationId xmlns:a16="http://schemas.microsoft.com/office/drawing/2014/main" id="{06EA8996-FBBA-495C-BB11-8EDE15CCEDF2}"/>
+                <a16:creationId xmlns:a16="http://schemas.microsoft.com/office/drawing/2014/main" xmlns="" id="{06EA8996-FBBA-495C-BB11-8EDE15CCEDF2}"/>
               </a:ext>
             </a:extLst>
           </p:cNvPr>
@@ -15405,7 +11828,7 @@
           <p:cNvPr id="43" name="Grafik 42">
             <a:extLst>
               <a:ext uri="{FF2B5EF4-FFF2-40B4-BE49-F238E27FC236}">
-                <a16:creationId xmlns:a16="http://schemas.microsoft.com/office/drawing/2014/main" id="{1160426F-0D42-4ED9-AFCF-98EA539EBAD7}"/>
+                <a16:creationId xmlns:a16="http://schemas.microsoft.com/office/drawing/2014/main" xmlns="" id="{1160426F-0D42-4ED9-AFCF-98EA539EBAD7}"/>
               </a:ext>
             </a:extLst>
           </p:cNvPr>
@@ -15440,7 +11863,7 @@
           <p:cNvPr id="51" name="Tabelle 5">
             <a:extLst>
               <a:ext uri="{FF2B5EF4-FFF2-40B4-BE49-F238E27FC236}">
-                <a16:creationId xmlns:a16="http://schemas.microsoft.com/office/drawing/2014/main" id="{D7A352C7-D988-46AE-8440-F5561E606A7E}"/>
+                <a16:creationId xmlns:a16="http://schemas.microsoft.com/office/drawing/2014/main" xmlns="" id="{D7A352C7-D988-46AE-8440-F5561E606A7E}"/>
               </a:ext>
             </a:extLst>
           </p:cNvPr>
@@ -15469,42 +11892,42 @@
                 <a:gridCol w="423962">
                   <a:extLst>
                     <a:ext uri="{9D8B030D-6E8A-4147-A177-3AD203B41FA5}">
-                      <a16:colId xmlns:a16="http://schemas.microsoft.com/office/drawing/2014/main" val="4086400923"/>
+                      <a16:colId xmlns:a16="http://schemas.microsoft.com/office/drawing/2014/main" xmlns="" val="4086400923"/>
                     </a:ext>
                   </a:extLst>
                 </a:gridCol>
                 <a:gridCol w="1610435">
                   <a:extLst>
                     <a:ext uri="{9D8B030D-6E8A-4147-A177-3AD203B41FA5}">
-                      <a16:colId xmlns:a16="http://schemas.microsoft.com/office/drawing/2014/main" val="52315562"/>
+                      <a16:colId xmlns:a16="http://schemas.microsoft.com/office/drawing/2014/main" xmlns="" val="52315562"/>
                     </a:ext>
                   </a:extLst>
                 </a:gridCol>
                 <a:gridCol w="736979">
                   <a:extLst>
                     <a:ext uri="{9D8B030D-6E8A-4147-A177-3AD203B41FA5}">
-                      <a16:colId xmlns:a16="http://schemas.microsoft.com/office/drawing/2014/main" val="2562668695"/>
+                      <a16:colId xmlns:a16="http://schemas.microsoft.com/office/drawing/2014/main" xmlns="" val="2562668695"/>
                     </a:ext>
                   </a:extLst>
                 </a:gridCol>
                 <a:gridCol w="1009935">
                   <a:extLst>
                     <a:ext uri="{9D8B030D-6E8A-4147-A177-3AD203B41FA5}">
-                      <a16:colId xmlns:a16="http://schemas.microsoft.com/office/drawing/2014/main" val="219476301"/>
+                      <a16:colId xmlns:a16="http://schemas.microsoft.com/office/drawing/2014/main" xmlns="" val="219476301"/>
                     </a:ext>
                   </a:extLst>
                 </a:gridCol>
                 <a:gridCol w="1569492">
                   <a:extLst>
                     <a:ext uri="{9D8B030D-6E8A-4147-A177-3AD203B41FA5}">
-                      <a16:colId xmlns:a16="http://schemas.microsoft.com/office/drawing/2014/main" val="1152038913"/>
+                      <a16:colId xmlns:a16="http://schemas.microsoft.com/office/drawing/2014/main" xmlns="" val="1152038913"/>
                     </a:ext>
                   </a:extLst>
                 </a:gridCol>
                 <a:gridCol w="2777199">
                   <a:extLst>
                     <a:ext uri="{9D8B030D-6E8A-4147-A177-3AD203B41FA5}">
-                      <a16:colId xmlns:a16="http://schemas.microsoft.com/office/drawing/2014/main" val="2607541972"/>
+                      <a16:colId xmlns:a16="http://schemas.microsoft.com/office/drawing/2014/main" xmlns="" val="2607541972"/>
                     </a:ext>
                   </a:extLst>
                 </a:gridCol>
@@ -15872,7 +12295,7 @@
                 </a:tc>
                 <a:extLst>
                   <a:ext uri="{0D108BD9-81ED-4DB2-BD59-A6C34878D82A}">
-                    <a16:rowId xmlns:a16="http://schemas.microsoft.com/office/drawing/2014/main" val="2668754666"/>
+                    <a16:rowId xmlns:a16="http://schemas.microsoft.com/office/drawing/2014/main" xmlns="" val="2668754666"/>
                   </a:ext>
                 </a:extLst>
               </a:tr>
@@ -16238,7 +12661,7 @@
                 </a:tc>
                 <a:extLst>
                   <a:ext uri="{0D108BD9-81ED-4DB2-BD59-A6C34878D82A}">
-                    <a16:rowId xmlns:a16="http://schemas.microsoft.com/office/drawing/2014/main" val="3933279782"/>
+                    <a16:rowId xmlns:a16="http://schemas.microsoft.com/office/drawing/2014/main" xmlns="" val="3933279782"/>
                   </a:ext>
                 </a:extLst>
               </a:tr>
@@ -16251,7 +12674,7 @@
           <p:cNvPr id="52" name="Textfeld 51">
             <a:extLst>
               <a:ext uri="{FF2B5EF4-FFF2-40B4-BE49-F238E27FC236}">
-                <a16:creationId xmlns:a16="http://schemas.microsoft.com/office/drawing/2014/main" id="{7EDA76FD-9EEB-466D-8B8E-0C89F7935E36}"/>
+                <a16:creationId xmlns:a16="http://schemas.microsoft.com/office/drawing/2014/main" xmlns="" id="{7EDA76FD-9EEB-466D-8B8E-0C89F7935E36}"/>
               </a:ext>
             </a:extLst>
           </p:cNvPr>
@@ -16290,7 +12713,7 @@
           <p:cNvPr id="53" name="Textfeld 52">
             <a:extLst>
               <a:ext uri="{FF2B5EF4-FFF2-40B4-BE49-F238E27FC236}">
-                <a16:creationId xmlns:a16="http://schemas.microsoft.com/office/drawing/2014/main" id="{8C172A5C-17ED-4F47-B761-50F94C0DD108}"/>
+                <a16:creationId xmlns:a16="http://schemas.microsoft.com/office/drawing/2014/main" xmlns="" id="{8C172A5C-17ED-4F47-B761-50F94C0DD108}"/>
               </a:ext>
             </a:extLst>
           </p:cNvPr>
@@ -16345,7 +12768,7 @@
           <p:cNvPr id="54" name="Textfeld 53">
             <a:extLst>
               <a:ext uri="{FF2B5EF4-FFF2-40B4-BE49-F238E27FC236}">
-                <a16:creationId xmlns:a16="http://schemas.microsoft.com/office/drawing/2014/main" id="{F10731F7-020B-469F-9601-1512D709B42B}"/>
+                <a16:creationId xmlns:a16="http://schemas.microsoft.com/office/drawing/2014/main" xmlns="" id="{F10731F7-020B-469F-9601-1512D709B42B}"/>
               </a:ext>
             </a:extLst>
           </p:cNvPr>
@@ -16405,6 +12828,13 @@
   <p:clrMapOvr>
     <a:masterClrMapping/>
   </p:clrMapOvr>
+  <p:timing>
+    <p:tnLst>
+      <p:par>
+        <p:cTn id="1" dur="indefinite" restart="never" nodeType="tmRoot"/>
+      </p:par>
+    </p:tnLst>
+  </p:timing>
 </p:sld>
 </file>
 
@@ -16430,7 +12860,7 @@
           <p:cNvPr id="17" name="Titel 1">
             <a:extLst>
               <a:ext uri="{FF2B5EF4-FFF2-40B4-BE49-F238E27FC236}">
-                <a16:creationId xmlns:a16="http://schemas.microsoft.com/office/drawing/2014/main" id="{2EBD46AD-74A3-41B6-A7F5-704EE709693A}"/>
+                <a16:creationId xmlns:a16="http://schemas.microsoft.com/office/drawing/2014/main" xmlns="" id="{2EBD46AD-74A3-41B6-A7F5-704EE709693A}"/>
               </a:ext>
             </a:extLst>
           </p:cNvPr>
@@ -16488,7 +12918,7 @@
           <p:cNvPr id="20" name="Foliennummernplatzhalter 4">
             <a:extLst>
               <a:ext uri="{FF2B5EF4-FFF2-40B4-BE49-F238E27FC236}">
-                <a16:creationId xmlns:a16="http://schemas.microsoft.com/office/drawing/2014/main" id="{C6BBC18E-2DC9-4371-91F5-85FBFBEA87D3}"/>
+                <a16:creationId xmlns:a16="http://schemas.microsoft.com/office/drawing/2014/main" xmlns="" id="{C6BBC18E-2DC9-4371-91F5-85FBFBEA87D3}"/>
               </a:ext>
             </a:extLst>
           </p:cNvPr>
@@ -16522,7 +12952,7 @@
           <p:cNvPr id="21" name="Fußzeilenplatzhalter 4">
             <a:extLst>
               <a:ext uri="{FF2B5EF4-FFF2-40B4-BE49-F238E27FC236}">
-                <a16:creationId xmlns:a16="http://schemas.microsoft.com/office/drawing/2014/main" id="{D061155E-5094-4E60-B698-3213B33D15A0}"/>
+                <a16:creationId xmlns:a16="http://schemas.microsoft.com/office/drawing/2014/main" xmlns="" id="{D061155E-5094-4E60-B698-3213B33D15A0}"/>
               </a:ext>
             </a:extLst>
           </p:cNvPr>
@@ -16569,7 +12999,7 @@
           <p:cNvPr id="31" name="Pfeil: nach rechts 30">
             <a:extLst>
               <a:ext uri="{FF2B5EF4-FFF2-40B4-BE49-F238E27FC236}">
-                <a16:creationId xmlns:a16="http://schemas.microsoft.com/office/drawing/2014/main" id="{2AE91C83-BD37-474A-A380-D3CB5C40E09C}"/>
+                <a16:creationId xmlns:a16="http://schemas.microsoft.com/office/drawing/2014/main" xmlns="" id="{2AE91C83-BD37-474A-A380-D3CB5C40E09C}"/>
               </a:ext>
             </a:extLst>
           </p:cNvPr>
@@ -16615,7 +13045,7 @@
           <p:cNvPr id="47" name="Gruppieren 46">
             <a:extLst>
               <a:ext uri="{FF2B5EF4-FFF2-40B4-BE49-F238E27FC236}">
-                <a16:creationId xmlns:a16="http://schemas.microsoft.com/office/drawing/2014/main" id="{5028FA54-1E23-496A-8298-1AAE2CEFB4B3}"/>
+                <a16:creationId xmlns:a16="http://schemas.microsoft.com/office/drawing/2014/main" xmlns="" id="{5028FA54-1E23-496A-8298-1AAE2CEFB4B3}"/>
               </a:ext>
             </a:extLst>
           </p:cNvPr>
@@ -16635,7 +13065,7 @@
             <p:cNvPr id="33" name="Grafik 32" descr="Ein Bild, das Text, Zeitung enthält.&#10;&#10;Automatisch generierte Beschreibung">
               <a:extLst>
                 <a:ext uri="{FF2B5EF4-FFF2-40B4-BE49-F238E27FC236}">
-                  <a16:creationId xmlns:a16="http://schemas.microsoft.com/office/drawing/2014/main" id="{079C02F9-4274-4B49-BAF3-94FA77854853}"/>
+                  <a16:creationId xmlns:a16="http://schemas.microsoft.com/office/drawing/2014/main" xmlns="" id="{079C02F9-4274-4B49-BAF3-94FA77854853}"/>
                 </a:ext>
               </a:extLst>
             </p:cNvPr>
@@ -16669,7 +13099,7 @@
             <p:cNvPr id="34" name="Rechteck 33">
               <a:extLst>
                 <a:ext uri="{FF2B5EF4-FFF2-40B4-BE49-F238E27FC236}">
-                  <a16:creationId xmlns:a16="http://schemas.microsoft.com/office/drawing/2014/main" id="{4470A44F-58C6-4BEA-B35F-377016EC3199}"/>
+                  <a16:creationId xmlns:a16="http://schemas.microsoft.com/office/drawing/2014/main" xmlns="" id="{4470A44F-58C6-4BEA-B35F-377016EC3199}"/>
                 </a:ext>
               </a:extLst>
             </p:cNvPr>
@@ -16713,7 +13143,7 @@
             <p:cNvPr id="43" name="Rechteck 42">
               <a:extLst>
                 <a:ext uri="{FF2B5EF4-FFF2-40B4-BE49-F238E27FC236}">
-                  <a16:creationId xmlns:a16="http://schemas.microsoft.com/office/drawing/2014/main" id="{BFA74AC2-91FF-4875-A2BF-021ED536338C}"/>
+                  <a16:creationId xmlns:a16="http://schemas.microsoft.com/office/drawing/2014/main" xmlns="" id="{BFA74AC2-91FF-4875-A2BF-021ED536338C}"/>
                 </a:ext>
               </a:extLst>
             </p:cNvPr>
@@ -16768,7 +13198,7 @@
             <p:cNvPr id="44" name="Rechteck 43">
               <a:extLst>
                 <a:ext uri="{FF2B5EF4-FFF2-40B4-BE49-F238E27FC236}">
-                  <a16:creationId xmlns:a16="http://schemas.microsoft.com/office/drawing/2014/main" id="{9F53F852-1E85-4239-B209-CED1E41DBA69}"/>
+                  <a16:creationId xmlns:a16="http://schemas.microsoft.com/office/drawing/2014/main" xmlns="" id="{9F53F852-1E85-4239-B209-CED1E41DBA69}"/>
                 </a:ext>
               </a:extLst>
             </p:cNvPr>
@@ -16823,7 +13253,7 @@
             <p:cNvPr id="45" name="Rechteck 44">
               <a:extLst>
                 <a:ext uri="{FF2B5EF4-FFF2-40B4-BE49-F238E27FC236}">
-                  <a16:creationId xmlns:a16="http://schemas.microsoft.com/office/drawing/2014/main" id="{D824AF27-2085-4CFE-8526-20AA941F8347}"/>
+                  <a16:creationId xmlns:a16="http://schemas.microsoft.com/office/drawing/2014/main" xmlns="" id="{D824AF27-2085-4CFE-8526-20AA941F8347}"/>
                 </a:ext>
               </a:extLst>
             </p:cNvPr>
@@ -16873,7 +13303,7 @@
             <p:cNvPr id="46" name="Rechteck 45">
               <a:extLst>
                 <a:ext uri="{FF2B5EF4-FFF2-40B4-BE49-F238E27FC236}">
-                  <a16:creationId xmlns:a16="http://schemas.microsoft.com/office/drawing/2014/main" id="{DD4BD3E9-D619-4725-826D-46196A6B6222}"/>
+                  <a16:creationId xmlns:a16="http://schemas.microsoft.com/office/drawing/2014/main" xmlns="" id="{DD4BD3E9-D619-4725-826D-46196A6B6222}"/>
                 </a:ext>
               </a:extLst>
             </p:cNvPr>
@@ -16946,7 +13376,7 @@
           <p:cNvPr id="55" name="Gruppieren 54">
             <a:extLst>
               <a:ext uri="{FF2B5EF4-FFF2-40B4-BE49-F238E27FC236}">
-                <a16:creationId xmlns:a16="http://schemas.microsoft.com/office/drawing/2014/main" id="{81C248F1-6A49-4B43-A505-9C87F4BE2091}"/>
+                <a16:creationId xmlns:a16="http://schemas.microsoft.com/office/drawing/2014/main" xmlns="" id="{81C248F1-6A49-4B43-A505-9C87F4BE2091}"/>
               </a:ext>
             </a:extLst>
           </p:cNvPr>
@@ -16966,7 +13396,7 @@
             <p:cNvPr id="9" name="Grafik 8">
               <a:extLst>
                 <a:ext uri="{FF2B5EF4-FFF2-40B4-BE49-F238E27FC236}">
-                  <a16:creationId xmlns:a16="http://schemas.microsoft.com/office/drawing/2014/main" id="{043F74D8-AA15-4253-AAB8-0FF0402364FE}"/>
+                  <a16:creationId xmlns:a16="http://schemas.microsoft.com/office/drawing/2014/main" xmlns="" id="{043F74D8-AA15-4253-AAB8-0FF0402364FE}"/>
                 </a:ext>
               </a:extLst>
             </p:cNvPr>
@@ -17017,7 +13447,7 @@
             <p:cNvPr id="11" name="Textfeld 10">
               <a:extLst>
                 <a:ext uri="{FF2B5EF4-FFF2-40B4-BE49-F238E27FC236}">
-                  <a16:creationId xmlns:a16="http://schemas.microsoft.com/office/drawing/2014/main" id="{3E04B350-D4EB-4B36-A24E-73CEE07893B9}"/>
+                  <a16:creationId xmlns:a16="http://schemas.microsoft.com/office/drawing/2014/main" xmlns="" id="{3E04B350-D4EB-4B36-A24E-73CEE07893B9}"/>
                 </a:ext>
               </a:extLst>
             </p:cNvPr>
@@ -17052,7 +13482,7 @@
             <p:cNvPr id="23" name="Textfeld 22">
               <a:extLst>
                 <a:ext uri="{FF2B5EF4-FFF2-40B4-BE49-F238E27FC236}">
-                  <a16:creationId xmlns:a16="http://schemas.microsoft.com/office/drawing/2014/main" id="{F0A6203A-72C7-49C0-A521-CC95D71B6DCD}"/>
+                  <a16:creationId xmlns:a16="http://schemas.microsoft.com/office/drawing/2014/main" xmlns="" id="{F0A6203A-72C7-49C0-A521-CC95D71B6DCD}"/>
                 </a:ext>
               </a:extLst>
             </p:cNvPr>
@@ -17104,7 +13534,7 @@
             <p:cNvPr id="24" name="Textfeld 23">
               <a:extLst>
                 <a:ext uri="{FF2B5EF4-FFF2-40B4-BE49-F238E27FC236}">
-                  <a16:creationId xmlns:a16="http://schemas.microsoft.com/office/drawing/2014/main" id="{F3E37D8F-32B2-4887-AE73-C978EBE181EE}"/>
+                  <a16:creationId xmlns:a16="http://schemas.microsoft.com/office/drawing/2014/main" xmlns="" id="{F3E37D8F-32B2-4887-AE73-C978EBE181EE}"/>
                 </a:ext>
               </a:extLst>
             </p:cNvPr>
@@ -17152,7 +13582,7 @@
             <p:cNvPr id="26" name="Gerade Verbindung mit Pfeil 25">
               <a:extLst>
                 <a:ext uri="{FF2B5EF4-FFF2-40B4-BE49-F238E27FC236}">
-                  <a16:creationId xmlns:a16="http://schemas.microsoft.com/office/drawing/2014/main" id="{F5D42A88-50F0-4778-AED3-18EB17D11AC0}"/>
+                  <a16:creationId xmlns:a16="http://schemas.microsoft.com/office/drawing/2014/main" xmlns="" id="{F5D42A88-50F0-4778-AED3-18EB17D11AC0}"/>
                 </a:ext>
               </a:extLst>
             </p:cNvPr>
@@ -17191,7 +13621,7 @@
             <p:cNvPr id="28" name="Gerade Verbindung mit Pfeil 27">
               <a:extLst>
                 <a:ext uri="{FF2B5EF4-FFF2-40B4-BE49-F238E27FC236}">
-                  <a16:creationId xmlns:a16="http://schemas.microsoft.com/office/drawing/2014/main" id="{15767095-A73F-43B1-BD45-BE31101B9B21}"/>
+                  <a16:creationId xmlns:a16="http://schemas.microsoft.com/office/drawing/2014/main" xmlns="" id="{15767095-A73F-43B1-BD45-BE31101B9B21}"/>
                 </a:ext>
               </a:extLst>
             </p:cNvPr>
@@ -17232,7 +13662,7 @@
             <p:cNvPr id="48" name="Rechteck 47">
               <a:extLst>
                 <a:ext uri="{FF2B5EF4-FFF2-40B4-BE49-F238E27FC236}">
-                  <a16:creationId xmlns:a16="http://schemas.microsoft.com/office/drawing/2014/main" id="{88C0AD59-8733-4532-A9CA-3B91209C67D4}"/>
+                  <a16:creationId xmlns:a16="http://schemas.microsoft.com/office/drawing/2014/main" xmlns="" id="{88C0AD59-8733-4532-A9CA-3B91209C67D4}"/>
                 </a:ext>
               </a:extLst>
             </p:cNvPr>
@@ -17284,7 +13714,7 @@
             <p:cNvPr id="52" name="Grafik 51" descr="Chat RNL">
               <a:extLst>
                 <a:ext uri="{FF2B5EF4-FFF2-40B4-BE49-F238E27FC236}">
-                  <a16:creationId xmlns:a16="http://schemas.microsoft.com/office/drawing/2014/main" id="{86DEB768-D212-4C0C-A32B-1375872FCAE7}"/>
+                  <a16:creationId xmlns:a16="http://schemas.microsoft.com/office/drawing/2014/main" xmlns="" id="{86DEB768-D212-4C0C-A32B-1375872FCAE7}"/>
                 </a:ext>
               </a:extLst>
             </p:cNvPr>
@@ -17297,7 +13727,7 @@
             <a:blip r:embed="rId6">
               <a:extLst>
                 <a:ext uri="{96DAC541-7B7A-43D3-8B79-37D633B846F1}">
-                  <asvg:svgBlip xmlns:asvg="http://schemas.microsoft.com/office/drawing/2016/SVG/main" r:embed="rId7"/>
+                  <asvg:svgBlip xmlns:asvg="http://schemas.microsoft.com/office/drawing/2016/SVG/main" xmlns="" r:embed="rId7"/>
                 </a:ext>
               </a:extLst>
             </a:blip>
@@ -17320,7 +13750,7 @@
             <p:cNvPr id="50" name="Grafik 49" descr="Chat">
               <a:extLst>
                 <a:ext uri="{FF2B5EF4-FFF2-40B4-BE49-F238E27FC236}">
-                  <a16:creationId xmlns:a16="http://schemas.microsoft.com/office/drawing/2014/main" id="{8AD0F9F7-82F2-4FDF-B1FD-EAFF585C9122}"/>
+                  <a16:creationId xmlns:a16="http://schemas.microsoft.com/office/drawing/2014/main" xmlns="" id="{8AD0F9F7-82F2-4FDF-B1FD-EAFF585C9122}"/>
                 </a:ext>
               </a:extLst>
             </p:cNvPr>
@@ -17333,7 +13763,7 @@
             <a:blip r:embed="rId8">
               <a:extLst>
                 <a:ext uri="{96DAC541-7B7A-43D3-8B79-37D633B846F1}">
-                  <asvg:svgBlip xmlns:asvg="http://schemas.microsoft.com/office/drawing/2016/SVG/main" r:embed="rId9"/>
+                  <asvg:svgBlip xmlns:asvg="http://schemas.microsoft.com/office/drawing/2016/SVG/main" xmlns="" r:embed="rId9"/>
                 </a:ext>
               </a:extLst>
             </a:blip>
@@ -17357,7 +13787,7 @@
           <p:cNvPr id="56" name="Textfeld 55">
             <a:extLst>
               <a:ext uri="{FF2B5EF4-FFF2-40B4-BE49-F238E27FC236}">
-                <a16:creationId xmlns:a16="http://schemas.microsoft.com/office/drawing/2014/main" id="{C007C55E-AA99-4859-ABD9-51E32F705A40}"/>
+                <a16:creationId xmlns:a16="http://schemas.microsoft.com/office/drawing/2014/main" xmlns="" id="{C007C55E-AA99-4859-ABD9-51E32F705A40}"/>
               </a:ext>
             </a:extLst>
           </p:cNvPr>
@@ -17477,6 +13907,13 @@
   <p:clrMapOvr>
     <a:masterClrMapping/>
   </p:clrMapOvr>
+  <p:timing>
+    <p:tnLst>
+      <p:par>
+        <p:cTn id="1" dur="indefinite" restart="never" nodeType="tmRoot"/>
+      </p:par>
+    </p:tnLst>
+  </p:timing>
 </p:sld>
 </file>
 
@@ -17502,7 +13939,7 @@
           <p:cNvPr id="5" name="Foliennummernplatzhalter 4">
             <a:extLst>
               <a:ext uri="{FF2B5EF4-FFF2-40B4-BE49-F238E27FC236}">
-                <a16:creationId xmlns:a16="http://schemas.microsoft.com/office/drawing/2014/main" id="{99217DC6-63A8-46E5-BFF7-2750383C7113}"/>
+                <a16:creationId xmlns:a16="http://schemas.microsoft.com/office/drawing/2014/main" xmlns="" id="{99217DC6-63A8-46E5-BFF7-2750383C7113}"/>
               </a:ext>
             </a:extLst>
           </p:cNvPr>
@@ -17536,7 +13973,7 @@
           <p:cNvPr id="17" name="Titel 1">
             <a:extLst>
               <a:ext uri="{FF2B5EF4-FFF2-40B4-BE49-F238E27FC236}">
-                <a16:creationId xmlns:a16="http://schemas.microsoft.com/office/drawing/2014/main" id="{2EBD46AD-74A3-41B6-A7F5-704EE709693A}"/>
+                <a16:creationId xmlns:a16="http://schemas.microsoft.com/office/drawing/2014/main" xmlns="" id="{2EBD46AD-74A3-41B6-A7F5-704EE709693A}"/>
               </a:ext>
             </a:extLst>
           </p:cNvPr>
@@ -17594,7 +14031,7 @@
           <p:cNvPr id="19" name="Inhaltsplatzhalter 2">
             <a:extLst>
               <a:ext uri="{FF2B5EF4-FFF2-40B4-BE49-F238E27FC236}">
-                <a16:creationId xmlns:a16="http://schemas.microsoft.com/office/drawing/2014/main" id="{FD7E6F18-D74A-4FE7-8CC2-71466EBAC41D}"/>
+                <a16:creationId xmlns:a16="http://schemas.microsoft.com/office/drawing/2014/main" xmlns="" id="{FD7E6F18-D74A-4FE7-8CC2-71466EBAC41D}"/>
               </a:ext>
             </a:extLst>
           </p:cNvPr>
@@ -17629,7 +14066,7 @@
           <p:cNvPr id="9" name="Fußzeilenplatzhalter 4">
             <a:extLst>
               <a:ext uri="{FF2B5EF4-FFF2-40B4-BE49-F238E27FC236}">
-                <a16:creationId xmlns:a16="http://schemas.microsoft.com/office/drawing/2014/main" id="{B345DB79-866F-470F-A020-38A82E790402}"/>
+                <a16:creationId xmlns:a16="http://schemas.microsoft.com/office/drawing/2014/main" xmlns="" id="{B345DB79-866F-470F-A020-38A82E790402}"/>
               </a:ext>
             </a:extLst>
           </p:cNvPr>
@@ -17681,6 +14118,13 @@
   <p:clrMapOvr>
     <a:masterClrMapping/>
   </p:clrMapOvr>
+  <p:timing>
+    <p:tnLst>
+      <p:par>
+        <p:cTn id="1" dur="indefinite" restart="never" nodeType="tmRoot"/>
+      </p:par>
+    </p:tnLst>
+  </p:timing>
 </p:sld>
 </file>
 
@@ -17706,7 +14150,7 @@
           <p:cNvPr id="5" name="Foliennummernplatzhalter 4">
             <a:extLst>
               <a:ext uri="{FF2B5EF4-FFF2-40B4-BE49-F238E27FC236}">
-                <a16:creationId xmlns:a16="http://schemas.microsoft.com/office/drawing/2014/main" id="{99217DC6-63A8-46E5-BFF7-2750383C7113}"/>
+                <a16:creationId xmlns:a16="http://schemas.microsoft.com/office/drawing/2014/main" xmlns="" id="{99217DC6-63A8-46E5-BFF7-2750383C7113}"/>
               </a:ext>
             </a:extLst>
           </p:cNvPr>
@@ -17740,7 +14184,7 @@
           <p:cNvPr id="17" name="Titel 1">
             <a:extLst>
               <a:ext uri="{FF2B5EF4-FFF2-40B4-BE49-F238E27FC236}">
-                <a16:creationId xmlns:a16="http://schemas.microsoft.com/office/drawing/2014/main" id="{2EBD46AD-74A3-41B6-A7F5-704EE709693A}"/>
+                <a16:creationId xmlns:a16="http://schemas.microsoft.com/office/drawing/2014/main" xmlns="" id="{2EBD46AD-74A3-41B6-A7F5-704EE709693A}"/>
               </a:ext>
             </a:extLst>
           </p:cNvPr>
@@ -17798,7 +14242,7 @@
           <p:cNvPr id="19" name="Inhaltsplatzhalter 2">
             <a:extLst>
               <a:ext uri="{FF2B5EF4-FFF2-40B4-BE49-F238E27FC236}">
-                <a16:creationId xmlns:a16="http://schemas.microsoft.com/office/drawing/2014/main" id="{FD7E6F18-D74A-4FE7-8CC2-71466EBAC41D}"/>
+                <a16:creationId xmlns:a16="http://schemas.microsoft.com/office/drawing/2014/main" xmlns="" id="{FD7E6F18-D74A-4FE7-8CC2-71466EBAC41D}"/>
               </a:ext>
             </a:extLst>
           </p:cNvPr>
@@ -17860,7 +14304,7 @@
           <p:cNvPr id="9" name="Fußzeilenplatzhalter 4">
             <a:extLst>
               <a:ext uri="{FF2B5EF4-FFF2-40B4-BE49-F238E27FC236}">
-                <a16:creationId xmlns:a16="http://schemas.microsoft.com/office/drawing/2014/main" id="{23D9C101-DEEE-48AF-943F-A19A0851F7F1}"/>
+                <a16:creationId xmlns:a16="http://schemas.microsoft.com/office/drawing/2014/main" xmlns="" id="{23D9C101-DEEE-48AF-943F-A19A0851F7F1}"/>
               </a:ext>
             </a:extLst>
           </p:cNvPr>
@@ -17912,6 +14356,13 @@
   <p:clrMapOvr>
     <a:masterClrMapping/>
   </p:clrMapOvr>
+  <p:timing>
+    <p:tnLst>
+      <p:par>
+        <p:cTn id="1" dur="indefinite" restart="never" nodeType="tmRoot"/>
+      </p:par>
+    </p:tnLst>
+  </p:timing>
 </p:sld>
 </file>
 
@@ -17937,7 +14388,7 @@
           <p:cNvPr id="6" name="Titel 1">
             <a:extLst>
               <a:ext uri="{FF2B5EF4-FFF2-40B4-BE49-F238E27FC236}">
-                <a16:creationId xmlns:a16="http://schemas.microsoft.com/office/drawing/2014/main" id="{BA1EDD0E-46AA-4A32-98A0-F40610BB1221}"/>
+                <a16:creationId xmlns:a16="http://schemas.microsoft.com/office/drawing/2014/main" xmlns="" id="{BA1EDD0E-46AA-4A32-98A0-F40610BB1221}"/>
               </a:ext>
             </a:extLst>
           </p:cNvPr>
@@ -17995,7 +14446,7 @@
           <p:cNvPr id="7" name="Textfeld 6">
             <a:extLst>
               <a:ext uri="{FF2B5EF4-FFF2-40B4-BE49-F238E27FC236}">
-                <a16:creationId xmlns:a16="http://schemas.microsoft.com/office/drawing/2014/main" id="{CC3F66DD-589E-4203-B4CE-EF6CEF0CB976}"/>
+                <a16:creationId xmlns:a16="http://schemas.microsoft.com/office/drawing/2014/main" xmlns="" id="{CC3F66DD-589E-4203-B4CE-EF6CEF0CB976}"/>
               </a:ext>
             </a:extLst>
           </p:cNvPr>
@@ -18199,7 +14650,7 @@
           <p:cNvPr id="10" name="Tabelle 10">
             <a:extLst>
               <a:ext uri="{FF2B5EF4-FFF2-40B4-BE49-F238E27FC236}">
-                <a16:creationId xmlns:a16="http://schemas.microsoft.com/office/drawing/2014/main" id="{51CD9A42-E94E-4600-B2F3-87ED14CD5834}"/>
+                <a16:creationId xmlns:a16="http://schemas.microsoft.com/office/drawing/2014/main" xmlns="" id="{51CD9A42-E94E-4600-B2F3-87ED14CD5834}"/>
               </a:ext>
             </a:extLst>
           </p:cNvPr>
@@ -18228,21 +14679,21 @@
                 <a:gridCol w="967101">
                   <a:extLst>
                     <a:ext uri="{9D8B030D-6E8A-4147-A177-3AD203B41FA5}">
-                      <a16:colId xmlns:a16="http://schemas.microsoft.com/office/drawing/2014/main" val="2597567428"/>
+                      <a16:colId xmlns:a16="http://schemas.microsoft.com/office/drawing/2014/main" xmlns="" val="2597567428"/>
                     </a:ext>
                   </a:extLst>
                 </a:gridCol>
                 <a:gridCol w="4449170">
                   <a:extLst>
                     <a:ext uri="{9D8B030D-6E8A-4147-A177-3AD203B41FA5}">
-                      <a16:colId xmlns:a16="http://schemas.microsoft.com/office/drawing/2014/main" val="1025539952"/>
+                      <a16:colId xmlns:a16="http://schemas.microsoft.com/office/drawing/2014/main" xmlns="" val="1025539952"/>
                     </a:ext>
                   </a:extLst>
                 </a:gridCol>
                 <a:gridCol w="4940314">
                   <a:extLst>
                     <a:ext uri="{9D8B030D-6E8A-4147-A177-3AD203B41FA5}">
-                      <a16:colId xmlns:a16="http://schemas.microsoft.com/office/drawing/2014/main" val="314499045"/>
+                      <a16:colId xmlns:a16="http://schemas.microsoft.com/office/drawing/2014/main" xmlns="" val="314499045"/>
                     </a:ext>
                   </a:extLst>
                 </a:gridCol>
@@ -18337,7 +14788,7 @@
                       <a:r>
                         <a:rPr lang="en-US" sz="1600" u="sng" strike="noStrike" kern="1200" dirty="0">
                           <a:effectLst/>
-                          <a:hlinkClick r:id="rId2"/>
+                          <a:hlinkClick r:id="rId3"/>
                         </a:rPr>
                         <a:t>https://projects.propublica.org/api-docs/congress-api/</a:t>
                       </a:r>
@@ -18455,7 +14906,7 @@
                 </a:tc>
                 <a:extLst>
                   <a:ext uri="{0D108BD9-81ED-4DB2-BD59-A6C34878D82A}">
-                    <a16:rowId xmlns:a16="http://schemas.microsoft.com/office/drawing/2014/main" val="3457716615"/>
+                    <a16:rowId xmlns:a16="http://schemas.microsoft.com/office/drawing/2014/main" xmlns="" val="3457716615"/>
                   </a:ext>
                 </a:extLst>
               </a:tr>
@@ -18556,7 +15007,7 @@
                       </a:pPr>
                       <a:r>
                         <a:rPr lang="en-US" sz="1600" dirty="0">
-                          <a:hlinkClick r:id="rId3"/>
+                          <a:hlinkClick r:id="rId4"/>
                         </a:rPr>
                         <a:t>https://cran.r-project.org/web/packages/ProPublicaR/index.html</a:t>
                       </a:r>
@@ -18654,7 +15105,7 @@
                 </a:tc>
                 <a:extLst>
                   <a:ext uri="{0D108BD9-81ED-4DB2-BD59-A6C34878D82A}">
-                    <a16:rowId xmlns:a16="http://schemas.microsoft.com/office/drawing/2014/main" val="296185072"/>
+                    <a16:rowId xmlns:a16="http://schemas.microsoft.com/office/drawing/2014/main" xmlns="" val="296185072"/>
                   </a:ext>
                 </a:extLst>
               </a:tr>
@@ -18698,7 +15149,7 @@
                       <a:r>
                         <a:rPr lang="en-US" sz="1600" u="sng" strike="noStrike" kern="1200" dirty="0">
                           <a:effectLst/>
-                          <a:hlinkClick r:id="rId4"/>
+                          <a:hlinkClick r:id="rId5"/>
                         </a:rPr>
                         <a:t>https://www.rdocumentation.org/packages/RTextTools/Versions/1.4.2/topics/USCongress</a:t>
                       </a:r>
@@ -18808,7 +15259,7 @@
                 </a:tc>
                 <a:extLst>
                   <a:ext uri="{0D108BD9-81ED-4DB2-BD59-A6C34878D82A}">
-                    <a16:rowId xmlns:a16="http://schemas.microsoft.com/office/drawing/2014/main" val="2915069498"/>
+                    <a16:rowId xmlns:a16="http://schemas.microsoft.com/office/drawing/2014/main" xmlns="" val="2915069498"/>
                   </a:ext>
                 </a:extLst>
               </a:tr>
@@ -18910,7 +15361,7 @@
                       <a:r>
                         <a:rPr lang="en-US" sz="1600" u="sng" strike="noStrike" kern="1200" dirty="0">
                           <a:effectLst/>
-                          <a:hlinkClick r:id="rId5"/>
+                          <a:hlinkClick r:id="rId6"/>
                         </a:rPr>
                         <a:t>https://towardsdatascience.com/political-python-1e8eb46c1bc1</a:t>
                       </a:r>
@@ -19008,7 +15459,7 @@
                 </a:tc>
                 <a:extLst>
                   <a:ext uri="{0D108BD9-81ED-4DB2-BD59-A6C34878D82A}">
-                    <a16:rowId xmlns:a16="http://schemas.microsoft.com/office/drawing/2014/main" val="2868224674"/>
+                    <a16:rowId xmlns:a16="http://schemas.microsoft.com/office/drawing/2014/main" xmlns="" val="2868224674"/>
                   </a:ext>
                 </a:extLst>
               </a:tr>
@@ -19052,7 +15503,7 @@
                       <a:r>
                         <a:rPr lang="en-US" sz="1600" u="sng" strike="noStrike" kern="1200" dirty="0">
                           <a:effectLst/>
-                          <a:hlinkClick r:id="rId6"/>
+                          <a:hlinkClick r:id="rId7"/>
                         </a:rPr>
                         <a:t>https://github.com/unitedstates/congress</a:t>
                       </a:r>
@@ -19168,7 +15619,7 @@
                 </a:tc>
                 <a:extLst>
                   <a:ext uri="{0D108BD9-81ED-4DB2-BD59-A6C34878D82A}">
-                    <a16:rowId xmlns:a16="http://schemas.microsoft.com/office/drawing/2014/main" val="3050668472"/>
+                    <a16:rowId xmlns:a16="http://schemas.microsoft.com/office/drawing/2014/main" xmlns="" val="3050668472"/>
                   </a:ext>
                 </a:extLst>
               </a:tr>
@@ -19212,7 +15663,7 @@
                       <a:r>
                         <a:rPr lang="en-US" sz="1600" u="sng" strike="noStrike" kern="1200" dirty="0">
                           <a:effectLst/>
-                          <a:hlinkClick r:id="rId7"/>
+                          <a:hlinkClick r:id="rId8"/>
                         </a:rPr>
                         <a:t>https://github.com/propublica/Capitol-Words</a:t>
                       </a:r>
@@ -19310,7 +15761,7 @@
                 </a:tc>
                 <a:extLst>
                   <a:ext uri="{0D108BD9-81ED-4DB2-BD59-A6C34878D82A}">
-                    <a16:rowId xmlns:a16="http://schemas.microsoft.com/office/drawing/2014/main" val="621295759"/>
+                    <a16:rowId xmlns:a16="http://schemas.microsoft.com/office/drawing/2014/main" xmlns="" val="621295759"/>
                   </a:ext>
                 </a:extLst>
               </a:tr>
@@ -19328,6 +15779,13 @@
   <p:clrMapOvr>
     <a:masterClrMapping/>
   </p:clrMapOvr>
+  <p:timing>
+    <p:tnLst>
+      <p:par>
+        <p:cTn id="1" dur="indefinite" restart="never" nodeType="tmRoot"/>
+      </p:par>
+    </p:tnLst>
+  </p:timing>
 </p:sld>
 </file>
 
@@ -19353,7 +15811,7 @@
           <p:cNvPr id="9" name="Inhaltsplatzhalter 2">
             <a:extLst>
               <a:ext uri="{FF2B5EF4-FFF2-40B4-BE49-F238E27FC236}">
-                <a16:creationId xmlns:a16="http://schemas.microsoft.com/office/drawing/2014/main" id="{74153CEA-CD58-4C65-AE0B-36B253E09D47}"/>
+                <a16:creationId xmlns:a16="http://schemas.microsoft.com/office/drawing/2014/main" xmlns="" id="{74153CEA-CD58-4C65-AE0B-36B253E09D47}"/>
               </a:ext>
             </a:extLst>
           </p:cNvPr>
@@ -19867,7 +16325,7 @@
           <p:cNvPr id="46" name="Inhaltsplatzhalter 2">
             <a:extLst>
               <a:ext uri="{FF2B5EF4-FFF2-40B4-BE49-F238E27FC236}">
-                <a16:creationId xmlns:a16="http://schemas.microsoft.com/office/drawing/2014/main" id="{0F26518F-0A69-4734-BA87-0B8E3EF94156}"/>
+                <a16:creationId xmlns:a16="http://schemas.microsoft.com/office/drawing/2014/main" xmlns="" id="{0F26518F-0A69-4734-BA87-0B8E3EF94156}"/>
               </a:ext>
             </a:extLst>
           </p:cNvPr>
@@ -20088,7 +16546,7 @@
           <p:cNvPr id="67" name="Gerade Verbindung mit Pfeil 66">
             <a:extLst>
               <a:ext uri="{FF2B5EF4-FFF2-40B4-BE49-F238E27FC236}">
-                <a16:creationId xmlns:a16="http://schemas.microsoft.com/office/drawing/2014/main" id="{7FAB1279-3954-449A-9809-2898A9D30786}"/>
+                <a16:creationId xmlns:a16="http://schemas.microsoft.com/office/drawing/2014/main" xmlns="" id="{7FAB1279-3954-449A-9809-2898A9D30786}"/>
               </a:ext>
             </a:extLst>
           </p:cNvPr>
@@ -20129,7 +16587,7 @@
           <p:cNvPr id="32" name="Inhaltsplatzhalter 2">
             <a:extLst>
               <a:ext uri="{FF2B5EF4-FFF2-40B4-BE49-F238E27FC236}">
-                <a16:creationId xmlns:a16="http://schemas.microsoft.com/office/drawing/2014/main" id="{B73C8442-401C-4ED8-A3D6-C2C0FB12E87F}"/>
+                <a16:creationId xmlns:a16="http://schemas.microsoft.com/office/drawing/2014/main" xmlns="" id="{B73C8442-401C-4ED8-A3D6-C2C0FB12E87F}"/>
               </a:ext>
             </a:extLst>
           </p:cNvPr>
@@ -20350,7 +16808,7 @@
           <p:cNvPr id="5" name="Foliennummernplatzhalter 4">
             <a:extLst>
               <a:ext uri="{FF2B5EF4-FFF2-40B4-BE49-F238E27FC236}">
-                <a16:creationId xmlns:a16="http://schemas.microsoft.com/office/drawing/2014/main" id="{99217DC6-63A8-46E5-BFF7-2750383C7113}"/>
+                <a16:creationId xmlns:a16="http://schemas.microsoft.com/office/drawing/2014/main" xmlns="" id="{99217DC6-63A8-46E5-BFF7-2750383C7113}"/>
               </a:ext>
             </a:extLst>
           </p:cNvPr>
@@ -20384,7 +16842,7 @@
           <p:cNvPr id="17" name="Titel 1">
             <a:extLst>
               <a:ext uri="{FF2B5EF4-FFF2-40B4-BE49-F238E27FC236}">
-                <a16:creationId xmlns:a16="http://schemas.microsoft.com/office/drawing/2014/main" id="{2EBD46AD-74A3-41B6-A7F5-704EE709693A}"/>
+                <a16:creationId xmlns:a16="http://schemas.microsoft.com/office/drawing/2014/main" xmlns="" id="{2EBD46AD-74A3-41B6-A7F5-704EE709693A}"/>
               </a:ext>
             </a:extLst>
           </p:cNvPr>
@@ -20454,7 +16912,7 @@
           <p:cNvPr id="19" name="Inhaltsplatzhalter 2">
             <a:extLst>
               <a:ext uri="{FF2B5EF4-FFF2-40B4-BE49-F238E27FC236}">
-                <a16:creationId xmlns:a16="http://schemas.microsoft.com/office/drawing/2014/main" id="{FD7E6F18-D74A-4FE7-8CC2-71466EBAC41D}"/>
+                <a16:creationId xmlns:a16="http://schemas.microsoft.com/office/drawing/2014/main" xmlns="" id="{FD7E6F18-D74A-4FE7-8CC2-71466EBAC41D}"/>
               </a:ext>
             </a:extLst>
           </p:cNvPr>
@@ -20531,7 +16989,7 @@
           <p:cNvPr id="23" name="Inhaltsplatzhalter 2">
             <a:extLst>
               <a:ext uri="{FF2B5EF4-FFF2-40B4-BE49-F238E27FC236}">
-                <a16:creationId xmlns:a16="http://schemas.microsoft.com/office/drawing/2014/main" id="{C7B407AD-B5BE-4C2C-8B9E-4E0DEC4B2C44}"/>
+                <a16:creationId xmlns:a16="http://schemas.microsoft.com/office/drawing/2014/main" xmlns="" id="{C7B407AD-B5BE-4C2C-8B9E-4E0DEC4B2C44}"/>
               </a:ext>
             </a:extLst>
           </p:cNvPr>
@@ -20761,7 +17219,7 @@
           <p:cNvPr id="24" name="Inhaltsplatzhalter 2">
             <a:extLst>
               <a:ext uri="{FF2B5EF4-FFF2-40B4-BE49-F238E27FC236}">
-                <a16:creationId xmlns:a16="http://schemas.microsoft.com/office/drawing/2014/main" id="{52088609-8CCC-4992-9D44-C791EA8B6B29}"/>
+                <a16:creationId xmlns:a16="http://schemas.microsoft.com/office/drawing/2014/main" xmlns="" id="{52088609-8CCC-4992-9D44-C791EA8B6B29}"/>
               </a:ext>
             </a:extLst>
           </p:cNvPr>
@@ -20991,7 +17449,7 @@
           <p:cNvPr id="159" name="Gruppieren 158">
             <a:extLst>
               <a:ext uri="{FF2B5EF4-FFF2-40B4-BE49-F238E27FC236}">
-                <a16:creationId xmlns:a16="http://schemas.microsoft.com/office/drawing/2014/main" id="{9E2CBC46-D3CB-40CA-B81B-E01C3443590B}"/>
+                <a16:creationId xmlns:a16="http://schemas.microsoft.com/office/drawing/2014/main" xmlns="" id="{9E2CBC46-D3CB-40CA-B81B-E01C3443590B}"/>
               </a:ext>
             </a:extLst>
           </p:cNvPr>
@@ -21011,7 +17469,7 @@
             <p:cNvPr id="11" name="Grafik 10" descr="Benutzer">
               <a:extLst>
                 <a:ext uri="{FF2B5EF4-FFF2-40B4-BE49-F238E27FC236}">
-                  <a16:creationId xmlns:a16="http://schemas.microsoft.com/office/drawing/2014/main" id="{37DEE98E-5373-46D4-8469-D0E669BB5878}"/>
+                  <a16:creationId xmlns:a16="http://schemas.microsoft.com/office/drawing/2014/main" xmlns="" id="{37DEE98E-5373-46D4-8469-D0E669BB5878}"/>
                 </a:ext>
               </a:extLst>
             </p:cNvPr>
@@ -21024,7 +17482,7 @@
             <a:blip r:embed="rId3">
               <a:extLst>
                 <a:ext uri="{96DAC541-7B7A-43D3-8B79-37D633B846F1}">
-                  <asvg:svgBlip xmlns:asvg="http://schemas.microsoft.com/office/drawing/2016/SVG/main" r:embed="rId4"/>
+                  <asvg:svgBlip xmlns:asvg="http://schemas.microsoft.com/office/drawing/2016/SVG/main" xmlns="" r:embed="rId4"/>
                 </a:ext>
               </a:extLst>
             </a:blip>
@@ -21047,7 +17505,7 @@
             <p:cNvPr id="12" name="Textfeld 11">
               <a:extLst>
                 <a:ext uri="{FF2B5EF4-FFF2-40B4-BE49-F238E27FC236}">
-                  <a16:creationId xmlns:a16="http://schemas.microsoft.com/office/drawing/2014/main" id="{EF8DE412-BDF1-4F66-8D0E-984408D4DC8C}"/>
+                  <a16:creationId xmlns:a16="http://schemas.microsoft.com/office/drawing/2014/main" xmlns="" id="{EF8DE412-BDF1-4F66-8D0E-984408D4DC8C}"/>
                 </a:ext>
               </a:extLst>
             </p:cNvPr>
@@ -21092,7 +17550,7 @@
           <p:cNvPr id="25" name="Gerade Verbindung mit Pfeil 24">
             <a:extLst>
               <a:ext uri="{FF2B5EF4-FFF2-40B4-BE49-F238E27FC236}">
-                <a16:creationId xmlns:a16="http://schemas.microsoft.com/office/drawing/2014/main" id="{64B5C3DB-49DC-44FA-9A41-2D16B67F6038}"/>
+                <a16:creationId xmlns:a16="http://schemas.microsoft.com/office/drawing/2014/main" xmlns="" id="{64B5C3DB-49DC-44FA-9A41-2D16B67F6038}"/>
               </a:ext>
             </a:extLst>
           </p:cNvPr>
@@ -21133,7 +17591,7 @@
           <p:cNvPr id="34" name="Grafik 33" descr="Welt">
             <a:extLst>
               <a:ext uri="{FF2B5EF4-FFF2-40B4-BE49-F238E27FC236}">
-                <a16:creationId xmlns:a16="http://schemas.microsoft.com/office/drawing/2014/main" id="{A800AC59-CAC0-4D27-BCC0-D36A2C0AF209}"/>
+                <a16:creationId xmlns:a16="http://schemas.microsoft.com/office/drawing/2014/main" xmlns="" id="{A800AC59-CAC0-4D27-BCC0-D36A2C0AF209}"/>
               </a:ext>
             </a:extLst>
           </p:cNvPr>
@@ -21146,7 +17604,7 @@
           <a:blip r:embed="rId5">
             <a:extLst>
               <a:ext uri="{96DAC541-7B7A-43D3-8B79-37D633B846F1}">
-                <asvg:svgBlip xmlns:asvg="http://schemas.microsoft.com/office/drawing/2016/SVG/main" r:embed="rId6"/>
+                <asvg:svgBlip xmlns:asvg="http://schemas.microsoft.com/office/drawing/2016/SVG/main" xmlns="" r:embed="rId6"/>
               </a:ext>
             </a:extLst>
           </a:blip>
@@ -21169,7 +17627,7 @@
           <p:cNvPr id="36" name="Gerade Verbindung mit Pfeil 35">
             <a:extLst>
               <a:ext uri="{FF2B5EF4-FFF2-40B4-BE49-F238E27FC236}">
-                <a16:creationId xmlns:a16="http://schemas.microsoft.com/office/drawing/2014/main" id="{14165FCC-2898-4EA5-8418-E16DE419162D}"/>
+                <a16:creationId xmlns:a16="http://schemas.microsoft.com/office/drawing/2014/main" xmlns="" id="{14165FCC-2898-4EA5-8418-E16DE419162D}"/>
               </a:ext>
             </a:extLst>
           </p:cNvPr>
@@ -21210,7 +17668,7 @@
           <p:cNvPr id="38" name="Textfeld 37">
             <a:extLst>
               <a:ext uri="{FF2B5EF4-FFF2-40B4-BE49-F238E27FC236}">
-                <a16:creationId xmlns:a16="http://schemas.microsoft.com/office/drawing/2014/main" id="{98CBE577-09F5-4B95-8653-B627207FA727}"/>
+                <a16:creationId xmlns:a16="http://schemas.microsoft.com/office/drawing/2014/main" xmlns="" id="{98CBE577-09F5-4B95-8653-B627207FA727}"/>
               </a:ext>
             </a:extLst>
           </p:cNvPr>
@@ -21255,7 +17713,7 @@
           <p:cNvPr id="40" name="Gerade Verbindung mit Pfeil 39">
             <a:extLst>
               <a:ext uri="{FF2B5EF4-FFF2-40B4-BE49-F238E27FC236}">
-                <a16:creationId xmlns:a16="http://schemas.microsoft.com/office/drawing/2014/main" id="{CF8A7F28-CF78-4318-A93C-2E8EB03122CC}"/>
+                <a16:creationId xmlns:a16="http://schemas.microsoft.com/office/drawing/2014/main" xmlns="" id="{CF8A7F28-CF78-4318-A93C-2E8EB03122CC}"/>
               </a:ext>
             </a:extLst>
           </p:cNvPr>
@@ -21296,7 +17754,7 @@
           <p:cNvPr id="42" name="Gerade Verbindung mit Pfeil 41">
             <a:extLst>
               <a:ext uri="{FF2B5EF4-FFF2-40B4-BE49-F238E27FC236}">
-                <a16:creationId xmlns:a16="http://schemas.microsoft.com/office/drawing/2014/main" id="{7BA8A4C1-13EC-49CB-B82C-3FF0665FB8AD}"/>
+                <a16:creationId xmlns:a16="http://schemas.microsoft.com/office/drawing/2014/main" xmlns="" id="{7BA8A4C1-13EC-49CB-B82C-3FF0665FB8AD}"/>
               </a:ext>
             </a:extLst>
           </p:cNvPr>
@@ -21337,7 +17795,7 @@
           <p:cNvPr id="44" name="Grafik 43" descr="Ordner">
             <a:extLst>
               <a:ext uri="{FF2B5EF4-FFF2-40B4-BE49-F238E27FC236}">
-                <a16:creationId xmlns:a16="http://schemas.microsoft.com/office/drawing/2014/main" id="{0572721C-7090-41E2-85A7-6A154A1EDC6E}"/>
+                <a16:creationId xmlns:a16="http://schemas.microsoft.com/office/drawing/2014/main" xmlns="" id="{0572721C-7090-41E2-85A7-6A154A1EDC6E}"/>
               </a:ext>
             </a:extLst>
           </p:cNvPr>
@@ -21350,7 +17808,7 @@
           <a:blip r:embed="rId7">
             <a:extLst>
               <a:ext uri="{96DAC541-7B7A-43D3-8B79-37D633B846F1}">
-                <asvg:svgBlip xmlns:asvg="http://schemas.microsoft.com/office/drawing/2016/SVG/main" r:embed="rId8"/>
+                <asvg:svgBlip xmlns:asvg="http://schemas.microsoft.com/office/drawing/2016/SVG/main" xmlns="" r:embed="rId8"/>
               </a:ext>
             </a:extLst>
           </a:blip>
@@ -21373,7 +17831,7 @@
           <p:cNvPr id="45" name="Textfeld 44">
             <a:extLst>
               <a:ext uri="{FF2B5EF4-FFF2-40B4-BE49-F238E27FC236}">
-                <a16:creationId xmlns:a16="http://schemas.microsoft.com/office/drawing/2014/main" id="{87DAFEBD-6AC9-4113-8438-A166156DC539}"/>
+                <a16:creationId xmlns:a16="http://schemas.microsoft.com/office/drawing/2014/main" xmlns="" id="{87DAFEBD-6AC9-4113-8438-A166156DC539}"/>
               </a:ext>
             </a:extLst>
           </p:cNvPr>
@@ -21417,7 +17875,7 @@
           <p:cNvPr id="57" name="Gerade Verbindung mit Pfeil 56">
             <a:extLst>
               <a:ext uri="{FF2B5EF4-FFF2-40B4-BE49-F238E27FC236}">
-                <a16:creationId xmlns:a16="http://schemas.microsoft.com/office/drawing/2014/main" id="{CA0D2126-51DB-4173-87BE-BAF063EBF92F}"/>
+                <a16:creationId xmlns:a16="http://schemas.microsoft.com/office/drawing/2014/main" xmlns="" id="{CA0D2126-51DB-4173-87BE-BAF063EBF92F}"/>
               </a:ext>
             </a:extLst>
           </p:cNvPr>
@@ -21458,7 +17916,7 @@
           <p:cNvPr id="126" name="Gruppieren 125">
             <a:extLst>
               <a:ext uri="{FF2B5EF4-FFF2-40B4-BE49-F238E27FC236}">
-                <a16:creationId xmlns:a16="http://schemas.microsoft.com/office/drawing/2014/main" id="{514A1029-992E-4E2E-9A8B-4CDCFC62727A}"/>
+                <a16:creationId xmlns:a16="http://schemas.microsoft.com/office/drawing/2014/main" xmlns="" id="{514A1029-992E-4E2E-9A8B-4CDCFC62727A}"/>
               </a:ext>
             </a:extLst>
           </p:cNvPr>
@@ -21478,7 +17936,7 @@
             <p:cNvPr id="97" name="Grafik 96" descr="Tisch">
               <a:extLst>
                 <a:ext uri="{FF2B5EF4-FFF2-40B4-BE49-F238E27FC236}">
-                  <a16:creationId xmlns:a16="http://schemas.microsoft.com/office/drawing/2014/main" id="{E3ED5455-2ACE-4F80-8660-C9C78942E061}"/>
+                  <a16:creationId xmlns:a16="http://schemas.microsoft.com/office/drawing/2014/main" xmlns="" id="{E3ED5455-2ACE-4F80-8660-C9C78942E061}"/>
                 </a:ext>
               </a:extLst>
             </p:cNvPr>
@@ -21491,7 +17949,7 @@
             <a:blip r:embed="rId9">
               <a:extLst>
                 <a:ext uri="{96DAC541-7B7A-43D3-8B79-37D633B846F1}">
-                  <asvg:svgBlip xmlns:asvg="http://schemas.microsoft.com/office/drawing/2016/SVG/main" r:embed="rId10"/>
+                  <asvg:svgBlip xmlns:asvg="http://schemas.microsoft.com/office/drawing/2016/SVG/main" xmlns="" r:embed="rId10"/>
                 </a:ext>
               </a:extLst>
             </a:blip>
@@ -21514,7 +17972,7 @@
             <p:cNvPr id="105" name="Rechteck 104">
               <a:extLst>
                 <a:ext uri="{FF2B5EF4-FFF2-40B4-BE49-F238E27FC236}">
-                  <a16:creationId xmlns:a16="http://schemas.microsoft.com/office/drawing/2014/main" id="{82C05C09-9668-4C7B-99B4-6CCD1DF3F8C9}"/>
+                  <a16:creationId xmlns:a16="http://schemas.microsoft.com/office/drawing/2014/main" xmlns="" id="{82C05C09-9668-4C7B-99B4-6CCD1DF3F8C9}"/>
                 </a:ext>
               </a:extLst>
             </p:cNvPr>
@@ -21570,7 +18028,7 @@
           <p:cNvPr id="135" name="Verbinder: gewinkelt 134">
             <a:extLst>
               <a:ext uri="{FF2B5EF4-FFF2-40B4-BE49-F238E27FC236}">
-                <a16:creationId xmlns:a16="http://schemas.microsoft.com/office/drawing/2014/main" id="{54FB2266-1433-4106-9347-4F6C67F57943}"/>
+                <a16:creationId xmlns:a16="http://schemas.microsoft.com/office/drawing/2014/main" xmlns="" id="{54FB2266-1433-4106-9347-4F6C67F57943}"/>
               </a:ext>
             </a:extLst>
           </p:cNvPr>
@@ -21613,7 +18071,7 @@
           <p:cNvPr id="139" name="Gerade Verbindung mit Pfeil 138">
             <a:extLst>
               <a:ext uri="{FF2B5EF4-FFF2-40B4-BE49-F238E27FC236}">
-                <a16:creationId xmlns:a16="http://schemas.microsoft.com/office/drawing/2014/main" id="{935E297A-0E08-4ACA-B64D-E82BF594D617}"/>
+                <a16:creationId xmlns:a16="http://schemas.microsoft.com/office/drawing/2014/main" xmlns="" id="{935E297A-0E08-4ACA-B64D-E82BF594D617}"/>
               </a:ext>
             </a:extLst>
           </p:cNvPr>
@@ -21654,7 +18112,7 @@
           <p:cNvPr id="143" name="Verbinder: gewinkelt 142">
             <a:extLst>
               <a:ext uri="{FF2B5EF4-FFF2-40B4-BE49-F238E27FC236}">
-                <a16:creationId xmlns:a16="http://schemas.microsoft.com/office/drawing/2014/main" id="{A4ED01DD-C3A8-4309-A767-F53A3EE24EFB}"/>
+                <a16:creationId xmlns:a16="http://schemas.microsoft.com/office/drawing/2014/main" xmlns="" id="{A4ED01DD-C3A8-4309-A767-F53A3EE24EFB}"/>
               </a:ext>
             </a:extLst>
           </p:cNvPr>
@@ -21697,7 +18155,7 @@
           <p:cNvPr id="149" name="Fußzeilenplatzhalter 4">
             <a:extLst>
               <a:ext uri="{FF2B5EF4-FFF2-40B4-BE49-F238E27FC236}">
-                <a16:creationId xmlns:a16="http://schemas.microsoft.com/office/drawing/2014/main" id="{38AB998A-AAF8-49F0-A239-2D93C7A72A4D}"/>
+                <a16:creationId xmlns:a16="http://schemas.microsoft.com/office/drawing/2014/main" xmlns="" id="{38AB998A-AAF8-49F0-A239-2D93C7A72A4D}"/>
               </a:ext>
             </a:extLst>
           </p:cNvPr>
@@ -21744,7 +18202,7 @@
           <p:cNvPr id="178" name="Verbinder: gewinkelt 177">
             <a:extLst>
               <a:ext uri="{FF2B5EF4-FFF2-40B4-BE49-F238E27FC236}">
-                <a16:creationId xmlns:a16="http://schemas.microsoft.com/office/drawing/2014/main" id="{0AD63463-6B97-4643-8843-833626B5A230}"/>
+                <a16:creationId xmlns:a16="http://schemas.microsoft.com/office/drawing/2014/main" xmlns="" id="{0AD63463-6B97-4643-8843-833626B5A230}"/>
               </a:ext>
             </a:extLst>
           </p:cNvPr>
@@ -21784,7 +18242,7 @@
           <p:cNvPr id="186" name="Gerader Verbinder 185">
             <a:extLst>
               <a:ext uri="{FF2B5EF4-FFF2-40B4-BE49-F238E27FC236}">
-                <a16:creationId xmlns:a16="http://schemas.microsoft.com/office/drawing/2014/main" id="{2A192D56-00F3-4AB3-97C3-ED94E9199036}"/>
+                <a16:creationId xmlns:a16="http://schemas.microsoft.com/office/drawing/2014/main" xmlns="" id="{2A192D56-00F3-4AB3-97C3-ED94E9199036}"/>
               </a:ext>
             </a:extLst>
           </p:cNvPr>
@@ -21820,7 +18278,7 @@
           <p:cNvPr id="188" name="Gerade Verbindung mit Pfeil 187">
             <a:extLst>
               <a:ext uri="{FF2B5EF4-FFF2-40B4-BE49-F238E27FC236}">
-                <a16:creationId xmlns:a16="http://schemas.microsoft.com/office/drawing/2014/main" id="{A3B57B87-7BD4-4AB4-B2E7-6B028A511B04}"/>
+                <a16:creationId xmlns:a16="http://schemas.microsoft.com/office/drawing/2014/main" xmlns="" id="{A3B57B87-7BD4-4AB4-B2E7-6B028A511B04}"/>
               </a:ext>
             </a:extLst>
           </p:cNvPr>
@@ -21866,6 +18324,13 @@
   <p:clrMapOvr>
     <a:masterClrMapping/>
   </p:clrMapOvr>
+  <p:timing>
+    <p:tnLst>
+      <p:par>
+        <p:cTn id="1" dur="indefinite" restart="never" nodeType="tmRoot"/>
+      </p:par>
+    </p:tnLst>
+  </p:timing>
 </p:sld>
 </file>
 
@@ -21891,7 +18356,7 @@
           <p:cNvPr id="5" name="Foliennummernplatzhalter 4">
             <a:extLst>
               <a:ext uri="{FF2B5EF4-FFF2-40B4-BE49-F238E27FC236}">
-                <a16:creationId xmlns:a16="http://schemas.microsoft.com/office/drawing/2014/main" id="{99217DC6-63A8-46E5-BFF7-2750383C7113}"/>
+                <a16:creationId xmlns:a16="http://schemas.microsoft.com/office/drawing/2014/main" xmlns="" id="{99217DC6-63A8-46E5-BFF7-2750383C7113}"/>
               </a:ext>
             </a:extLst>
           </p:cNvPr>
@@ -21925,7 +18390,7 @@
           <p:cNvPr id="17" name="Titel 1">
             <a:extLst>
               <a:ext uri="{FF2B5EF4-FFF2-40B4-BE49-F238E27FC236}">
-                <a16:creationId xmlns:a16="http://schemas.microsoft.com/office/drawing/2014/main" id="{2EBD46AD-74A3-41B6-A7F5-704EE709693A}"/>
+                <a16:creationId xmlns:a16="http://schemas.microsoft.com/office/drawing/2014/main" xmlns="" id="{2EBD46AD-74A3-41B6-A7F5-704EE709693A}"/>
               </a:ext>
             </a:extLst>
           </p:cNvPr>
@@ -22015,7 +18480,7 @@
           <p:cNvPr id="149" name="Fußzeilenplatzhalter 4">
             <a:extLst>
               <a:ext uri="{FF2B5EF4-FFF2-40B4-BE49-F238E27FC236}">
-                <a16:creationId xmlns:a16="http://schemas.microsoft.com/office/drawing/2014/main" id="{38AB998A-AAF8-49F0-A239-2D93C7A72A4D}"/>
+                <a16:creationId xmlns:a16="http://schemas.microsoft.com/office/drawing/2014/main" xmlns="" id="{38AB998A-AAF8-49F0-A239-2D93C7A72A4D}"/>
               </a:ext>
             </a:extLst>
           </p:cNvPr>
@@ -22062,7 +18527,7 @@
           <p:cNvPr id="2" name="Tabelle 2">
             <a:extLst>
               <a:ext uri="{FF2B5EF4-FFF2-40B4-BE49-F238E27FC236}">
-                <a16:creationId xmlns:a16="http://schemas.microsoft.com/office/drawing/2014/main" id="{01280090-9498-4E01-BF99-35C4D039D858}"/>
+                <a16:creationId xmlns:a16="http://schemas.microsoft.com/office/drawing/2014/main" xmlns="" id="{01280090-9498-4E01-BF99-35C4D039D858}"/>
               </a:ext>
             </a:extLst>
           </p:cNvPr>
@@ -22091,28 +18556,28 @@
                 <a:gridCol w="1214421">
                   <a:extLst>
                     <a:ext uri="{9D8B030D-6E8A-4147-A177-3AD203B41FA5}">
-                      <a16:colId xmlns:a16="http://schemas.microsoft.com/office/drawing/2014/main" val="1328456205"/>
+                      <a16:colId xmlns:a16="http://schemas.microsoft.com/office/drawing/2014/main" xmlns="" val="1328456205"/>
                     </a:ext>
                   </a:extLst>
                 </a:gridCol>
                 <a:gridCol w="792654">
                   <a:extLst>
                     <a:ext uri="{9D8B030D-6E8A-4147-A177-3AD203B41FA5}">
-                      <a16:colId xmlns:a16="http://schemas.microsoft.com/office/drawing/2014/main" val="3978735238"/>
+                      <a16:colId xmlns:a16="http://schemas.microsoft.com/office/drawing/2014/main" xmlns="" val="3978735238"/>
                     </a:ext>
                   </a:extLst>
                 </a:gridCol>
                 <a:gridCol w="4262627">
                   <a:extLst>
                     <a:ext uri="{9D8B030D-6E8A-4147-A177-3AD203B41FA5}">
-                      <a16:colId xmlns:a16="http://schemas.microsoft.com/office/drawing/2014/main" val="2877969049"/>
+                      <a16:colId xmlns:a16="http://schemas.microsoft.com/office/drawing/2014/main" xmlns="" val="2877969049"/>
                     </a:ext>
                   </a:extLst>
                 </a:gridCol>
                 <a:gridCol w="3718570">
                   <a:extLst>
                     <a:ext uri="{9D8B030D-6E8A-4147-A177-3AD203B41FA5}">
-                      <a16:colId xmlns:a16="http://schemas.microsoft.com/office/drawing/2014/main" val="3822829885"/>
+                      <a16:colId xmlns:a16="http://schemas.microsoft.com/office/drawing/2014/main" xmlns="" val="3822829885"/>
                     </a:ext>
                   </a:extLst>
                 </a:gridCol>
@@ -22417,7 +18882,7 @@
                 </a:tc>
                 <a:extLst>
                   <a:ext uri="{0D108BD9-81ED-4DB2-BD59-A6C34878D82A}">
-                    <a16:rowId xmlns:a16="http://schemas.microsoft.com/office/drawing/2014/main" val="4209509637"/>
+                    <a16:rowId xmlns:a16="http://schemas.microsoft.com/office/drawing/2014/main" xmlns="" val="4209509637"/>
                   </a:ext>
                 </a:extLst>
               </a:tr>
@@ -22668,7 +19133,7 @@
                 </a:tc>
                 <a:extLst>
                   <a:ext uri="{0D108BD9-81ED-4DB2-BD59-A6C34878D82A}">
-                    <a16:rowId xmlns:a16="http://schemas.microsoft.com/office/drawing/2014/main" val="851616967"/>
+                    <a16:rowId xmlns:a16="http://schemas.microsoft.com/office/drawing/2014/main" xmlns="" val="851616967"/>
                   </a:ext>
                 </a:extLst>
               </a:tr>
@@ -22942,7 +19407,7 @@
                 </a:tc>
                 <a:extLst>
                   <a:ext uri="{0D108BD9-81ED-4DB2-BD59-A6C34878D82A}">
-                    <a16:rowId xmlns:a16="http://schemas.microsoft.com/office/drawing/2014/main" val="3053805051"/>
+                    <a16:rowId xmlns:a16="http://schemas.microsoft.com/office/drawing/2014/main" xmlns="" val="3053805051"/>
                   </a:ext>
                 </a:extLst>
               </a:tr>
@@ -23210,7 +19675,7 @@
                 </a:tc>
                 <a:extLst>
                   <a:ext uri="{0D108BD9-81ED-4DB2-BD59-A6C34878D82A}">
-                    <a16:rowId xmlns:a16="http://schemas.microsoft.com/office/drawing/2014/main" val="3395055929"/>
+                    <a16:rowId xmlns:a16="http://schemas.microsoft.com/office/drawing/2014/main" xmlns="" val="3395055929"/>
                   </a:ext>
                 </a:extLst>
               </a:tr>
@@ -23502,7 +19967,7 @@
                 </a:tc>
                 <a:extLst>
                   <a:ext uri="{0D108BD9-81ED-4DB2-BD59-A6C34878D82A}">
-                    <a16:rowId xmlns:a16="http://schemas.microsoft.com/office/drawing/2014/main" val="1586812566"/>
+                    <a16:rowId xmlns:a16="http://schemas.microsoft.com/office/drawing/2014/main" xmlns="" val="1586812566"/>
                   </a:ext>
                 </a:extLst>
               </a:tr>
@@ -23761,7 +20226,7 @@
                 </a:tc>
                 <a:extLst>
                   <a:ext uri="{0D108BD9-81ED-4DB2-BD59-A6C34878D82A}">
-                    <a16:rowId xmlns:a16="http://schemas.microsoft.com/office/drawing/2014/main" val="3662240480"/>
+                    <a16:rowId xmlns:a16="http://schemas.microsoft.com/office/drawing/2014/main" xmlns="" val="3662240480"/>
                   </a:ext>
                 </a:extLst>
               </a:tr>
@@ -24036,7 +20501,7 @@
                 </a:tc>
                 <a:extLst>
                   <a:ext uri="{0D108BD9-81ED-4DB2-BD59-A6C34878D82A}">
-                    <a16:rowId xmlns:a16="http://schemas.microsoft.com/office/drawing/2014/main" val="3501422238"/>
+                    <a16:rowId xmlns:a16="http://schemas.microsoft.com/office/drawing/2014/main" xmlns="" val="3501422238"/>
                   </a:ext>
                 </a:extLst>
               </a:tr>
@@ -24287,7 +20752,7 @@
                 </a:tc>
                 <a:extLst>
                   <a:ext uri="{0D108BD9-81ED-4DB2-BD59-A6C34878D82A}">
-                    <a16:rowId xmlns:a16="http://schemas.microsoft.com/office/drawing/2014/main" val="3086067394"/>
+                    <a16:rowId xmlns:a16="http://schemas.microsoft.com/office/drawing/2014/main" xmlns="" val="3086067394"/>
                   </a:ext>
                 </a:extLst>
               </a:tr>
@@ -24652,7 +21117,7 @@
                 </a:tc>
                 <a:extLst>
                   <a:ext uri="{0D108BD9-81ED-4DB2-BD59-A6C34878D82A}">
-                    <a16:rowId xmlns:a16="http://schemas.microsoft.com/office/drawing/2014/main" val="3814381837"/>
+                    <a16:rowId xmlns:a16="http://schemas.microsoft.com/office/drawing/2014/main" xmlns="" val="3814381837"/>
                   </a:ext>
                 </a:extLst>
               </a:tr>
@@ -24670,6 +21135,13 @@
   <p:clrMapOvr>
     <a:masterClrMapping/>
   </p:clrMapOvr>
+  <p:timing>
+    <p:tnLst>
+      <p:par>
+        <p:cTn id="1" dur="indefinite" restart="never" nodeType="tmRoot"/>
+      </p:par>
+    </p:tnLst>
+  </p:timing>
 </p:sld>
 </file>
 
@@ -24695,7 +21167,7 @@
           <p:cNvPr id="5" name="Foliennummernplatzhalter 4">
             <a:extLst>
               <a:ext uri="{FF2B5EF4-FFF2-40B4-BE49-F238E27FC236}">
-                <a16:creationId xmlns:a16="http://schemas.microsoft.com/office/drawing/2014/main" id="{99217DC6-63A8-46E5-BFF7-2750383C7113}"/>
+                <a16:creationId xmlns:a16="http://schemas.microsoft.com/office/drawing/2014/main" xmlns="" id="{99217DC6-63A8-46E5-BFF7-2750383C7113}"/>
               </a:ext>
             </a:extLst>
           </p:cNvPr>
@@ -24729,7 +21201,7 @@
           <p:cNvPr id="17" name="Titel 1">
             <a:extLst>
               <a:ext uri="{FF2B5EF4-FFF2-40B4-BE49-F238E27FC236}">
-                <a16:creationId xmlns:a16="http://schemas.microsoft.com/office/drawing/2014/main" id="{2EBD46AD-74A3-41B6-A7F5-704EE709693A}"/>
+                <a16:creationId xmlns:a16="http://schemas.microsoft.com/office/drawing/2014/main" xmlns="" id="{2EBD46AD-74A3-41B6-A7F5-704EE709693A}"/>
               </a:ext>
             </a:extLst>
           </p:cNvPr>
@@ -24787,7 +21259,7 @@
           <p:cNvPr id="149" name="Fußzeilenplatzhalter 4">
             <a:extLst>
               <a:ext uri="{FF2B5EF4-FFF2-40B4-BE49-F238E27FC236}">
-                <a16:creationId xmlns:a16="http://schemas.microsoft.com/office/drawing/2014/main" id="{38AB998A-AAF8-49F0-A239-2D93C7A72A4D}"/>
+                <a16:creationId xmlns:a16="http://schemas.microsoft.com/office/drawing/2014/main" xmlns="" id="{38AB998A-AAF8-49F0-A239-2D93C7A72A4D}"/>
               </a:ext>
             </a:extLst>
           </p:cNvPr>
@@ -24869,6 +21341,13 @@
   <p:clrMapOvr>
     <a:masterClrMapping/>
   </p:clrMapOvr>
+  <p:timing>
+    <p:tnLst>
+      <p:par>
+        <p:cTn id="1" dur="indefinite" restart="never" nodeType="tmRoot"/>
+      </p:par>
+    </p:tnLst>
+  </p:timing>
 </p:sld>
 </file>
 
@@ -24894,7 +21373,7 @@
           <p:cNvPr id="5" name="Foliennummernplatzhalter 4">
             <a:extLst>
               <a:ext uri="{FF2B5EF4-FFF2-40B4-BE49-F238E27FC236}">
-                <a16:creationId xmlns:a16="http://schemas.microsoft.com/office/drawing/2014/main" id="{99217DC6-63A8-46E5-BFF7-2750383C7113}"/>
+                <a16:creationId xmlns:a16="http://schemas.microsoft.com/office/drawing/2014/main" xmlns="" id="{99217DC6-63A8-46E5-BFF7-2750383C7113}"/>
               </a:ext>
             </a:extLst>
           </p:cNvPr>
@@ -24928,7 +21407,7 @@
           <p:cNvPr id="17" name="Titel 1">
             <a:extLst>
               <a:ext uri="{FF2B5EF4-FFF2-40B4-BE49-F238E27FC236}">
-                <a16:creationId xmlns:a16="http://schemas.microsoft.com/office/drawing/2014/main" id="{2EBD46AD-74A3-41B6-A7F5-704EE709693A}"/>
+                <a16:creationId xmlns:a16="http://schemas.microsoft.com/office/drawing/2014/main" xmlns="" id="{2EBD46AD-74A3-41B6-A7F5-704EE709693A}"/>
               </a:ext>
             </a:extLst>
           </p:cNvPr>
@@ -24986,7 +21465,7 @@
           <p:cNvPr id="149" name="Fußzeilenplatzhalter 4">
             <a:extLst>
               <a:ext uri="{FF2B5EF4-FFF2-40B4-BE49-F238E27FC236}">
-                <a16:creationId xmlns:a16="http://schemas.microsoft.com/office/drawing/2014/main" id="{38AB998A-AAF8-49F0-A239-2D93C7A72A4D}"/>
+                <a16:creationId xmlns:a16="http://schemas.microsoft.com/office/drawing/2014/main" xmlns="" id="{38AB998A-AAF8-49F0-A239-2D93C7A72A4D}"/>
               </a:ext>
             </a:extLst>
           </p:cNvPr>
@@ -25068,6 +21547,13 @@
   <p:clrMapOvr>
     <a:masterClrMapping/>
   </p:clrMapOvr>
+  <p:timing>
+    <p:tnLst>
+      <p:par>
+        <p:cTn id="1" dur="indefinite" restart="never" nodeType="tmRoot"/>
+      </p:par>
+    </p:tnLst>
+  </p:timing>
 </p:sld>
 </file>
 
@@ -25093,7 +21579,7 @@
           <p:cNvPr id="5" name="Foliennummernplatzhalter 4">
             <a:extLst>
               <a:ext uri="{FF2B5EF4-FFF2-40B4-BE49-F238E27FC236}">
-                <a16:creationId xmlns:a16="http://schemas.microsoft.com/office/drawing/2014/main" id="{99217DC6-63A8-46E5-BFF7-2750383C7113}"/>
+                <a16:creationId xmlns:a16="http://schemas.microsoft.com/office/drawing/2014/main" xmlns="" id="{99217DC6-63A8-46E5-BFF7-2750383C7113}"/>
               </a:ext>
             </a:extLst>
           </p:cNvPr>
@@ -25127,7 +21613,7 @@
           <p:cNvPr id="17" name="Titel 1">
             <a:extLst>
               <a:ext uri="{FF2B5EF4-FFF2-40B4-BE49-F238E27FC236}">
-                <a16:creationId xmlns:a16="http://schemas.microsoft.com/office/drawing/2014/main" id="{2EBD46AD-74A3-41B6-A7F5-704EE709693A}"/>
+                <a16:creationId xmlns:a16="http://schemas.microsoft.com/office/drawing/2014/main" xmlns="" id="{2EBD46AD-74A3-41B6-A7F5-704EE709693A}"/>
               </a:ext>
             </a:extLst>
           </p:cNvPr>
@@ -25185,7 +21671,7 @@
           <p:cNvPr id="149" name="Fußzeilenplatzhalter 4">
             <a:extLst>
               <a:ext uri="{FF2B5EF4-FFF2-40B4-BE49-F238E27FC236}">
-                <a16:creationId xmlns:a16="http://schemas.microsoft.com/office/drawing/2014/main" id="{38AB998A-AAF8-49F0-A239-2D93C7A72A4D}"/>
+                <a16:creationId xmlns:a16="http://schemas.microsoft.com/office/drawing/2014/main" xmlns="" id="{38AB998A-AAF8-49F0-A239-2D93C7A72A4D}"/>
               </a:ext>
             </a:extLst>
           </p:cNvPr>
@@ -25267,6 +21753,13 @@
   <p:clrMapOvr>
     <a:masterClrMapping/>
   </p:clrMapOvr>
+  <p:timing>
+    <p:tnLst>
+      <p:par>
+        <p:cTn id="1" dur="indefinite" restart="never" nodeType="tmRoot"/>
+      </p:par>
+    </p:tnLst>
+  </p:timing>
 </p:sld>
 </file>
 
@@ -25292,7 +21785,7 @@
           <p:cNvPr id="5" name="Foliennummernplatzhalter 4">
             <a:extLst>
               <a:ext uri="{FF2B5EF4-FFF2-40B4-BE49-F238E27FC236}">
-                <a16:creationId xmlns:a16="http://schemas.microsoft.com/office/drawing/2014/main" id="{99217DC6-63A8-46E5-BFF7-2750383C7113}"/>
+                <a16:creationId xmlns:a16="http://schemas.microsoft.com/office/drawing/2014/main" xmlns="" id="{99217DC6-63A8-46E5-BFF7-2750383C7113}"/>
               </a:ext>
             </a:extLst>
           </p:cNvPr>
@@ -25326,7 +21819,7 @@
           <p:cNvPr id="17" name="Titel 1">
             <a:extLst>
               <a:ext uri="{FF2B5EF4-FFF2-40B4-BE49-F238E27FC236}">
-                <a16:creationId xmlns:a16="http://schemas.microsoft.com/office/drawing/2014/main" id="{2EBD46AD-74A3-41B6-A7F5-704EE709693A}"/>
+                <a16:creationId xmlns:a16="http://schemas.microsoft.com/office/drawing/2014/main" xmlns="" id="{2EBD46AD-74A3-41B6-A7F5-704EE709693A}"/>
               </a:ext>
             </a:extLst>
           </p:cNvPr>
@@ -25384,7 +21877,7 @@
           <p:cNvPr id="149" name="Fußzeilenplatzhalter 4">
             <a:extLst>
               <a:ext uri="{FF2B5EF4-FFF2-40B4-BE49-F238E27FC236}">
-                <a16:creationId xmlns:a16="http://schemas.microsoft.com/office/drawing/2014/main" id="{38AB998A-AAF8-49F0-A239-2D93C7A72A4D}"/>
+                <a16:creationId xmlns:a16="http://schemas.microsoft.com/office/drawing/2014/main" xmlns="" id="{38AB998A-AAF8-49F0-A239-2D93C7A72A4D}"/>
               </a:ext>
             </a:extLst>
           </p:cNvPr>
@@ -25466,6 +21959,13 @@
   <p:clrMapOvr>
     <a:masterClrMapping/>
   </p:clrMapOvr>
+  <p:timing>
+    <p:tnLst>
+      <p:par>
+        <p:cTn id="1" dur="indefinite" restart="never" nodeType="tmRoot"/>
+      </p:par>
+    </p:tnLst>
+  </p:timing>
 </p:sld>
 </file>
 

--- a/pres/Presentation_SPOSM.pptx
+++ b/pres/Presentation_SPOSM.pptx
@@ -2214,7 +2214,7 @@
           <p:cNvPr id="9" name="Bild 4" descr="huO_rgb-mP.png">
             <a:extLst>
               <a:ext uri="{FF2B5EF4-FFF2-40B4-BE49-F238E27FC236}">
-                <a16:creationId xmlns:a16="http://schemas.microsoft.com/office/drawing/2014/main" xmlns="" id="{33B5A747-FAA5-49E4-805D-5C5ECA0A7FF5}"/>
+                <a16:creationId xmlns="" xmlns:a16="http://schemas.microsoft.com/office/drawing/2014/main" id="{33B5A747-FAA5-49E4-805D-5C5ECA0A7FF5}"/>
               </a:ext>
             </a:extLst>
           </p:cNvPr>
@@ -2704,7 +2704,7 @@
           <p:cNvPr id="8" name="Textplatzhalter 2">
             <a:extLst>
               <a:ext uri="{FF2B5EF4-FFF2-40B4-BE49-F238E27FC236}">
-                <a16:creationId xmlns:a16="http://schemas.microsoft.com/office/drawing/2014/main" xmlns="" id="{162B1910-2FA4-40A2-8253-E53E7B85ECBA}"/>
+                <a16:creationId xmlns="" xmlns:a16="http://schemas.microsoft.com/office/drawing/2014/main" id="{162B1910-2FA4-40A2-8253-E53E7B85ECBA}"/>
               </a:ext>
             </a:extLst>
           </p:cNvPr>
@@ -2771,7 +2771,7 @@
           <p:cNvPr id="9" name="Fußzeilenplatzhalter 4">
             <a:extLst>
               <a:ext uri="{FF2B5EF4-FFF2-40B4-BE49-F238E27FC236}">
-                <a16:creationId xmlns:a16="http://schemas.microsoft.com/office/drawing/2014/main" xmlns="" id="{BD7F2E1D-7EB7-414B-83BB-C3A1087545A1}"/>
+                <a16:creationId xmlns="" xmlns:a16="http://schemas.microsoft.com/office/drawing/2014/main" id="{BD7F2E1D-7EB7-414B-83BB-C3A1087545A1}"/>
               </a:ext>
             </a:extLst>
           </p:cNvPr>
@@ -2818,7 +2818,7 @@
           <p:cNvPr id="10" name="Foliennummernplatzhalter 5">
             <a:extLst>
               <a:ext uri="{FF2B5EF4-FFF2-40B4-BE49-F238E27FC236}">
-                <a16:creationId xmlns:a16="http://schemas.microsoft.com/office/drawing/2014/main" xmlns="" id="{7947E400-52E3-4FFB-9DB4-232450EC3957}"/>
+                <a16:creationId xmlns="" xmlns:a16="http://schemas.microsoft.com/office/drawing/2014/main" id="{7947E400-52E3-4FFB-9DB4-232450EC3957}"/>
               </a:ext>
             </a:extLst>
           </p:cNvPr>
@@ -2865,7 +2865,7 @@
           <p:cNvPr id="11" name="Titelplatzhalter 1">
             <a:extLst>
               <a:ext uri="{FF2B5EF4-FFF2-40B4-BE49-F238E27FC236}">
-                <a16:creationId xmlns:a16="http://schemas.microsoft.com/office/drawing/2014/main" xmlns="" id="{21902F89-C534-4356-B3F6-91A567FF646D}"/>
+                <a16:creationId xmlns="" xmlns:a16="http://schemas.microsoft.com/office/drawing/2014/main" id="{21902F89-C534-4356-B3F6-91A567FF646D}"/>
               </a:ext>
             </a:extLst>
           </p:cNvPr>
@@ -3318,7 +3318,7 @@
           <p:cNvPr id="10" name="Fußzeilenplatzhalter 4">
             <a:extLst>
               <a:ext uri="{FF2B5EF4-FFF2-40B4-BE49-F238E27FC236}">
-                <a16:creationId xmlns:a16="http://schemas.microsoft.com/office/drawing/2014/main" xmlns="" id="{D501DD1A-594A-4D65-8B53-0C43CD4990C9}"/>
+                <a16:creationId xmlns="" xmlns:a16="http://schemas.microsoft.com/office/drawing/2014/main" id="{D501DD1A-594A-4D65-8B53-0C43CD4990C9}"/>
               </a:ext>
             </a:extLst>
           </p:cNvPr>
@@ -3361,7 +3361,7 @@
           <p:cNvPr id="11" name="Foliennummernplatzhalter 5">
             <a:extLst>
               <a:ext uri="{FF2B5EF4-FFF2-40B4-BE49-F238E27FC236}">
-                <a16:creationId xmlns:a16="http://schemas.microsoft.com/office/drawing/2014/main" xmlns="" id="{ADA6DD52-C665-4F90-BAFD-55BC0EF62A13}"/>
+                <a16:creationId xmlns="" xmlns:a16="http://schemas.microsoft.com/office/drawing/2014/main" id="{ADA6DD52-C665-4F90-BAFD-55BC0EF62A13}"/>
               </a:ext>
             </a:extLst>
           </p:cNvPr>
@@ -3408,7 +3408,7 @@
           <p:cNvPr id="12" name="Titelplatzhalter 1">
             <a:extLst>
               <a:ext uri="{FF2B5EF4-FFF2-40B4-BE49-F238E27FC236}">
-                <a16:creationId xmlns:a16="http://schemas.microsoft.com/office/drawing/2014/main" xmlns="" id="{B3CBF15B-5EDE-4C9D-8958-1ABA014179C3}"/>
+                <a16:creationId xmlns="" xmlns:a16="http://schemas.microsoft.com/office/drawing/2014/main" id="{B3CBF15B-5EDE-4C9D-8958-1ABA014179C3}"/>
               </a:ext>
             </a:extLst>
           </p:cNvPr>
@@ -3730,7 +3730,7 @@
           <p:cNvPr id="12" name="Fußzeilenplatzhalter 4">
             <a:extLst>
               <a:ext uri="{FF2B5EF4-FFF2-40B4-BE49-F238E27FC236}">
-                <a16:creationId xmlns:a16="http://schemas.microsoft.com/office/drawing/2014/main" xmlns="" id="{E5BD0A64-228A-461D-BB66-F417DD9EDB11}"/>
+                <a16:creationId xmlns="" xmlns:a16="http://schemas.microsoft.com/office/drawing/2014/main" id="{E5BD0A64-228A-461D-BB66-F417DD9EDB11}"/>
               </a:ext>
             </a:extLst>
           </p:cNvPr>
@@ -3773,7 +3773,7 @@
           <p:cNvPr id="13" name="Foliennummernplatzhalter 5">
             <a:extLst>
               <a:ext uri="{FF2B5EF4-FFF2-40B4-BE49-F238E27FC236}">
-                <a16:creationId xmlns:a16="http://schemas.microsoft.com/office/drawing/2014/main" xmlns="" id="{B4000ECD-AEB6-4F8B-8279-2BB483B934D7}"/>
+                <a16:creationId xmlns="" xmlns:a16="http://schemas.microsoft.com/office/drawing/2014/main" id="{B4000ECD-AEB6-4F8B-8279-2BB483B934D7}"/>
               </a:ext>
             </a:extLst>
           </p:cNvPr>
@@ -3820,7 +3820,7 @@
           <p:cNvPr id="14" name="Titelplatzhalter 1">
             <a:extLst>
               <a:ext uri="{FF2B5EF4-FFF2-40B4-BE49-F238E27FC236}">
-                <a16:creationId xmlns:a16="http://schemas.microsoft.com/office/drawing/2014/main" xmlns="" id="{75675467-8DE7-4C05-A0D7-38A50DD47E32}"/>
+                <a16:creationId xmlns="" xmlns:a16="http://schemas.microsoft.com/office/drawing/2014/main" id="{75675467-8DE7-4C05-A0D7-38A50DD47E32}"/>
               </a:ext>
             </a:extLst>
           </p:cNvPr>
@@ -3888,7 +3888,7 @@
           <p:cNvPr id="8" name="Fußzeilenplatzhalter 4">
             <a:extLst>
               <a:ext uri="{FF2B5EF4-FFF2-40B4-BE49-F238E27FC236}">
-                <a16:creationId xmlns:a16="http://schemas.microsoft.com/office/drawing/2014/main" xmlns="" id="{3D5AD6AF-1C17-4CE8-8139-1065503C805A}"/>
+                <a16:creationId xmlns="" xmlns:a16="http://schemas.microsoft.com/office/drawing/2014/main" id="{3D5AD6AF-1C17-4CE8-8139-1065503C805A}"/>
               </a:ext>
             </a:extLst>
           </p:cNvPr>
@@ -3931,7 +3931,7 @@
           <p:cNvPr id="9" name="Foliennummernplatzhalter 5">
             <a:extLst>
               <a:ext uri="{FF2B5EF4-FFF2-40B4-BE49-F238E27FC236}">
-                <a16:creationId xmlns:a16="http://schemas.microsoft.com/office/drawing/2014/main" xmlns="" id="{48C82D6E-6B52-4E3D-9675-24EDF92DAC45}"/>
+                <a16:creationId xmlns="" xmlns:a16="http://schemas.microsoft.com/office/drawing/2014/main" id="{48C82D6E-6B52-4E3D-9675-24EDF92DAC45}"/>
               </a:ext>
             </a:extLst>
           </p:cNvPr>
@@ -3978,7 +3978,7 @@
           <p:cNvPr id="10" name="Titelplatzhalter 1">
             <a:extLst>
               <a:ext uri="{FF2B5EF4-FFF2-40B4-BE49-F238E27FC236}">
-                <a16:creationId xmlns:a16="http://schemas.microsoft.com/office/drawing/2014/main" xmlns="" id="{9CD6CF0C-28ED-452A-BB50-6A112B553DF7}"/>
+                <a16:creationId xmlns="" xmlns:a16="http://schemas.microsoft.com/office/drawing/2014/main" id="{9CD6CF0C-28ED-452A-BB50-6A112B553DF7}"/>
               </a:ext>
             </a:extLst>
           </p:cNvPr>
@@ -4046,7 +4046,7 @@
           <p:cNvPr id="7" name="Fußzeilenplatzhalter 4">
             <a:extLst>
               <a:ext uri="{FF2B5EF4-FFF2-40B4-BE49-F238E27FC236}">
-                <a16:creationId xmlns:a16="http://schemas.microsoft.com/office/drawing/2014/main" xmlns="" id="{11FF8BEE-DFF2-4E57-9447-FC7D73C931FF}"/>
+                <a16:creationId xmlns="" xmlns:a16="http://schemas.microsoft.com/office/drawing/2014/main" id="{11FF8BEE-DFF2-4E57-9447-FC7D73C931FF}"/>
               </a:ext>
             </a:extLst>
           </p:cNvPr>
@@ -4089,7 +4089,7 @@
           <p:cNvPr id="8" name="Foliennummernplatzhalter 5">
             <a:extLst>
               <a:ext uri="{FF2B5EF4-FFF2-40B4-BE49-F238E27FC236}">
-                <a16:creationId xmlns:a16="http://schemas.microsoft.com/office/drawing/2014/main" xmlns="" id="{B56966DA-E079-41CC-99AD-46620E43DDC5}"/>
+                <a16:creationId xmlns="" xmlns:a16="http://schemas.microsoft.com/office/drawing/2014/main" id="{B56966DA-E079-41CC-99AD-46620E43DDC5}"/>
               </a:ext>
             </a:extLst>
           </p:cNvPr>
@@ -4892,7 +4892,7 @@
           <p:cNvPr id="15" name="Rechteck 14">
             <a:extLst>
               <a:ext uri="{FF2B5EF4-FFF2-40B4-BE49-F238E27FC236}">
-                <a16:creationId xmlns:a16="http://schemas.microsoft.com/office/drawing/2014/main" xmlns="" id="{4C4962A7-60B1-4FD9-950F-7B223A93E18F}"/>
+                <a16:creationId xmlns="" xmlns:a16="http://schemas.microsoft.com/office/drawing/2014/main" id="{4C4962A7-60B1-4FD9-950F-7B223A93E18F}"/>
               </a:ext>
             </a:extLst>
           </p:cNvPr>
@@ -4946,7 +4946,7 @@
           <p:cNvPr id="16" name="Rechteck 15">
             <a:extLst>
               <a:ext uri="{FF2B5EF4-FFF2-40B4-BE49-F238E27FC236}">
-                <a16:creationId xmlns:a16="http://schemas.microsoft.com/office/drawing/2014/main" xmlns="" id="{25737F02-1E29-47AD-9EAA-B38282F26CF9}"/>
+                <a16:creationId xmlns="" xmlns:a16="http://schemas.microsoft.com/office/drawing/2014/main" id="{25737F02-1E29-47AD-9EAA-B38282F26CF9}"/>
               </a:ext>
             </a:extLst>
           </p:cNvPr>
@@ -5000,7 +5000,7 @@
           <p:cNvPr id="18" name="Bild 4" descr="huO_rgb-mP.png">
             <a:extLst>
               <a:ext uri="{FF2B5EF4-FFF2-40B4-BE49-F238E27FC236}">
-                <a16:creationId xmlns:a16="http://schemas.microsoft.com/office/drawing/2014/main" xmlns="" id="{91E6476D-60FA-48D3-9652-99F936E5A1B2}"/>
+                <a16:creationId xmlns="" xmlns:a16="http://schemas.microsoft.com/office/drawing/2014/main" id="{91E6476D-60FA-48D3-9652-99F936E5A1B2}"/>
               </a:ext>
             </a:extLst>
           </p:cNvPr>
@@ -5389,7 +5389,7 @@
           <p:cNvPr id="9" name="Fußzeilenplatzhalter 5">
             <a:extLst>
               <a:ext uri="{FF2B5EF4-FFF2-40B4-BE49-F238E27FC236}">
-                <a16:creationId xmlns:a16="http://schemas.microsoft.com/office/drawing/2014/main" xmlns="" id="{1849A0BD-CC4C-4610-97A9-793026A4FC5A}"/>
+                <a16:creationId xmlns="" xmlns:a16="http://schemas.microsoft.com/office/drawing/2014/main" id="{1849A0BD-CC4C-4610-97A9-793026A4FC5A}"/>
               </a:ext>
             </a:extLst>
           </p:cNvPr>
@@ -5443,7 +5443,7 @@
           <p:cNvPr id="14" name="Bild 4" descr="huO_rgb-mP.png">
             <a:extLst>
               <a:ext uri="{FF2B5EF4-FFF2-40B4-BE49-F238E27FC236}">
-                <a16:creationId xmlns:a16="http://schemas.microsoft.com/office/drawing/2014/main" xmlns="" id="{A6435E84-959B-4004-9D03-91843F9616BF}"/>
+                <a16:creationId xmlns="" xmlns:a16="http://schemas.microsoft.com/office/drawing/2014/main" id="{A6435E84-959B-4004-9D03-91843F9616BF}"/>
               </a:ext>
             </a:extLst>
           </p:cNvPr>
@@ -5503,7 +5503,7 @@
           <p:cNvPr id="16" name="Inhaltsplatzhalter 2">
             <a:extLst>
               <a:ext uri="{FF2B5EF4-FFF2-40B4-BE49-F238E27FC236}">
-                <a16:creationId xmlns:a16="http://schemas.microsoft.com/office/drawing/2014/main" xmlns="" id="{35C0996D-4546-4A4B-BC03-82C9961E32C9}"/>
+                <a16:creationId xmlns="" xmlns:a16="http://schemas.microsoft.com/office/drawing/2014/main" id="{35C0996D-4546-4A4B-BC03-82C9961E32C9}"/>
               </a:ext>
             </a:extLst>
           </p:cNvPr>
@@ -5825,7 +5825,7 @@
           <p:cNvPr id="5" name="Foliennummernplatzhalter 4">
             <a:extLst>
               <a:ext uri="{FF2B5EF4-FFF2-40B4-BE49-F238E27FC236}">
-                <a16:creationId xmlns:a16="http://schemas.microsoft.com/office/drawing/2014/main" xmlns="" id="{99217DC6-63A8-46E5-BFF7-2750383C7113}"/>
+                <a16:creationId xmlns="" xmlns:a16="http://schemas.microsoft.com/office/drawing/2014/main" id="{99217DC6-63A8-46E5-BFF7-2750383C7113}"/>
               </a:ext>
             </a:extLst>
           </p:cNvPr>
@@ -5859,7 +5859,7 @@
           <p:cNvPr id="17" name="Titel 1">
             <a:extLst>
               <a:ext uri="{FF2B5EF4-FFF2-40B4-BE49-F238E27FC236}">
-                <a16:creationId xmlns:a16="http://schemas.microsoft.com/office/drawing/2014/main" xmlns="" id="{2EBD46AD-74A3-41B6-A7F5-704EE709693A}"/>
+                <a16:creationId xmlns="" xmlns:a16="http://schemas.microsoft.com/office/drawing/2014/main" id="{2EBD46AD-74A3-41B6-A7F5-704EE709693A}"/>
               </a:ext>
             </a:extLst>
           </p:cNvPr>
@@ -5917,7 +5917,7 @@
           <p:cNvPr id="149" name="Fußzeilenplatzhalter 4">
             <a:extLst>
               <a:ext uri="{FF2B5EF4-FFF2-40B4-BE49-F238E27FC236}">
-                <a16:creationId xmlns:a16="http://schemas.microsoft.com/office/drawing/2014/main" xmlns="" id="{38AB998A-AAF8-49F0-A239-2D93C7A72A4D}"/>
+                <a16:creationId xmlns="" xmlns:a16="http://schemas.microsoft.com/office/drawing/2014/main" id="{38AB998A-AAF8-49F0-A239-2D93C7A72A4D}"/>
               </a:ext>
             </a:extLst>
           </p:cNvPr>
@@ -6061,7 +6061,7 @@
           <p:cNvPr id="5" name="Foliennummernplatzhalter 4">
             <a:extLst>
               <a:ext uri="{FF2B5EF4-FFF2-40B4-BE49-F238E27FC236}">
-                <a16:creationId xmlns:a16="http://schemas.microsoft.com/office/drawing/2014/main" xmlns="" id="{99217DC6-63A8-46E5-BFF7-2750383C7113}"/>
+                <a16:creationId xmlns="" xmlns:a16="http://schemas.microsoft.com/office/drawing/2014/main" id="{99217DC6-63A8-46E5-BFF7-2750383C7113}"/>
               </a:ext>
             </a:extLst>
           </p:cNvPr>
@@ -6095,7 +6095,7 @@
           <p:cNvPr id="17" name="Titel 1">
             <a:extLst>
               <a:ext uri="{FF2B5EF4-FFF2-40B4-BE49-F238E27FC236}">
-                <a16:creationId xmlns:a16="http://schemas.microsoft.com/office/drawing/2014/main" xmlns="" id="{2EBD46AD-74A3-41B6-A7F5-704EE709693A}"/>
+                <a16:creationId xmlns="" xmlns:a16="http://schemas.microsoft.com/office/drawing/2014/main" id="{2EBD46AD-74A3-41B6-A7F5-704EE709693A}"/>
               </a:ext>
             </a:extLst>
           </p:cNvPr>
@@ -6153,7 +6153,7 @@
           <p:cNvPr id="149" name="Fußzeilenplatzhalter 4">
             <a:extLst>
               <a:ext uri="{FF2B5EF4-FFF2-40B4-BE49-F238E27FC236}">
-                <a16:creationId xmlns:a16="http://schemas.microsoft.com/office/drawing/2014/main" xmlns="" id="{38AB998A-AAF8-49F0-A239-2D93C7A72A4D}"/>
+                <a16:creationId xmlns="" xmlns:a16="http://schemas.microsoft.com/office/drawing/2014/main" id="{38AB998A-AAF8-49F0-A239-2D93C7A72A4D}"/>
               </a:ext>
             </a:extLst>
           </p:cNvPr>
@@ -6337,11 +6337,11 @@
   <p:clrMapOvr>
     <a:masterClrMapping/>
   </p:clrMapOvr>
-  <mc:AlternateContent xmlns:mc="http://schemas.openxmlformats.org/markup-compatibility/2006">
-    <mc:Choice xmlns:p14="http://schemas.microsoft.com/office/powerpoint/2010/main" Requires="p14">
+  <mc:AlternateContent xmlns:mc="http://schemas.openxmlformats.org/markup-compatibility/2006" xmlns:p14="http://schemas.microsoft.com/office/powerpoint/2010/main">
+    <mc:Choice Requires="p14">
       <p:transition p14:dur="0"/>
     </mc:Choice>
-    <mc:Fallback>
+    <mc:Fallback xmlns="">
       <p:transition/>
     </mc:Fallback>
   </mc:AlternateContent>
@@ -6472,7 +6472,7 @@
           <p:cNvPr id="5" name="Foliennummernplatzhalter 4">
             <a:extLst>
               <a:ext uri="{FF2B5EF4-FFF2-40B4-BE49-F238E27FC236}">
-                <a16:creationId xmlns:a16="http://schemas.microsoft.com/office/drawing/2014/main" xmlns="" id="{99217DC6-63A8-46E5-BFF7-2750383C7113}"/>
+                <a16:creationId xmlns="" xmlns:a16="http://schemas.microsoft.com/office/drawing/2014/main" id="{99217DC6-63A8-46E5-BFF7-2750383C7113}"/>
               </a:ext>
             </a:extLst>
           </p:cNvPr>
@@ -6506,7 +6506,7 @@
           <p:cNvPr id="17" name="Titel 1">
             <a:extLst>
               <a:ext uri="{FF2B5EF4-FFF2-40B4-BE49-F238E27FC236}">
-                <a16:creationId xmlns:a16="http://schemas.microsoft.com/office/drawing/2014/main" xmlns="" id="{2EBD46AD-74A3-41B6-A7F5-704EE709693A}"/>
+                <a16:creationId xmlns="" xmlns:a16="http://schemas.microsoft.com/office/drawing/2014/main" id="{2EBD46AD-74A3-41B6-A7F5-704EE709693A}"/>
               </a:ext>
             </a:extLst>
           </p:cNvPr>
@@ -6564,7 +6564,7 @@
           <p:cNvPr id="149" name="Fußzeilenplatzhalter 4">
             <a:extLst>
               <a:ext uri="{FF2B5EF4-FFF2-40B4-BE49-F238E27FC236}">
-                <a16:creationId xmlns:a16="http://schemas.microsoft.com/office/drawing/2014/main" xmlns="" id="{38AB998A-AAF8-49F0-A239-2D93C7A72A4D}"/>
+                <a16:creationId xmlns="" xmlns:a16="http://schemas.microsoft.com/office/drawing/2014/main" id="{38AB998A-AAF8-49F0-A239-2D93C7A72A4D}"/>
               </a:ext>
             </a:extLst>
           </p:cNvPr>
@@ -6678,7 +6678,7 @@
           <p:cNvPr id="5" name="Foliennummernplatzhalter 4">
             <a:extLst>
               <a:ext uri="{FF2B5EF4-FFF2-40B4-BE49-F238E27FC236}">
-                <a16:creationId xmlns:a16="http://schemas.microsoft.com/office/drawing/2014/main" xmlns="" id="{99217DC6-63A8-46E5-BFF7-2750383C7113}"/>
+                <a16:creationId xmlns="" xmlns:a16="http://schemas.microsoft.com/office/drawing/2014/main" id="{99217DC6-63A8-46E5-BFF7-2750383C7113}"/>
               </a:ext>
             </a:extLst>
           </p:cNvPr>
@@ -6712,7 +6712,7 @@
           <p:cNvPr id="17" name="Titel 1">
             <a:extLst>
               <a:ext uri="{FF2B5EF4-FFF2-40B4-BE49-F238E27FC236}">
-                <a16:creationId xmlns:a16="http://schemas.microsoft.com/office/drawing/2014/main" xmlns="" id="{2EBD46AD-74A3-41B6-A7F5-704EE709693A}"/>
+                <a16:creationId xmlns="" xmlns:a16="http://schemas.microsoft.com/office/drawing/2014/main" id="{2EBD46AD-74A3-41B6-A7F5-704EE709693A}"/>
               </a:ext>
             </a:extLst>
           </p:cNvPr>
@@ -6770,7 +6770,7 @@
           <p:cNvPr id="149" name="Fußzeilenplatzhalter 4">
             <a:extLst>
               <a:ext uri="{FF2B5EF4-FFF2-40B4-BE49-F238E27FC236}">
-                <a16:creationId xmlns:a16="http://schemas.microsoft.com/office/drawing/2014/main" xmlns="" id="{38AB998A-AAF8-49F0-A239-2D93C7A72A4D}"/>
+                <a16:creationId xmlns="" xmlns:a16="http://schemas.microsoft.com/office/drawing/2014/main" id="{38AB998A-AAF8-49F0-A239-2D93C7A72A4D}"/>
               </a:ext>
             </a:extLst>
           </p:cNvPr>
@@ -6884,7 +6884,7 @@
           <p:cNvPr id="51" name="Rechteck 50">
             <a:extLst>
               <a:ext uri="{FF2B5EF4-FFF2-40B4-BE49-F238E27FC236}">
-                <a16:creationId xmlns:a16="http://schemas.microsoft.com/office/drawing/2014/main" xmlns="" id="{7B09CCE4-2DE8-486F-BD68-C4E948B56935}"/>
+                <a16:creationId xmlns="" xmlns:a16="http://schemas.microsoft.com/office/drawing/2014/main" id="{7B09CCE4-2DE8-486F-BD68-C4E948B56935}"/>
               </a:ext>
             </a:extLst>
           </p:cNvPr>
@@ -6942,7 +6942,7 @@
           <p:cNvPr id="5" name="Foliennummernplatzhalter 4">
             <a:extLst>
               <a:ext uri="{FF2B5EF4-FFF2-40B4-BE49-F238E27FC236}">
-                <a16:creationId xmlns:a16="http://schemas.microsoft.com/office/drawing/2014/main" xmlns="" id="{99217DC6-63A8-46E5-BFF7-2750383C7113}"/>
+                <a16:creationId xmlns="" xmlns:a16="http://schemas.microsoft.com/office/drawing/2014/main" id="{99217DC6-63A8-46E5-BFF7-2750383C7113}"/>
               </a:ext>
             </a:extLst>
           </p:cNvPr>
@@ -6976,7 +6976,7 @@
           <p:cNvPr id="17" name="Titel 1">
             <a:extLst>
               <a:ext uri="{FF2B5EF4-FFF2-40B4-BE49-F238E27FC236}">
-                <a16:creationId xmlns:a16="http://schemas.microsoft.com/office/drawing/2014/main" xmlns="" id="{2EBD46AD-74A3-41B6-A7F5-704EE709693A}"/>
+                <a16:creationId xmlns="" xmlns:a16="http://schemas.microsoft.com/office/drawing/2014/main" id="{2EBD46AD-74A3-41B6-A7F5-704EE709693A}"/>
               </a:ext>
             </a:extLst>
           </p:cNvPr>
@@ -7034,7 +7034,7 @@
           <p:cNvPr id="4" name="Gruppieren 3">
             <a:extLst>
               <a:ext uri="{FF2B5EF4-FFF2-40B4-BE49-F238E27FC236}">
-                <a16:creationId xmlns:a16="http://schemas.microsoft.com/office/drawing/2014/main" xmlns="" id="{4C7027B1-C885-493B-83DB-9604A4B7FEAE}"/>
+                <a16:creationId xmlns="" xmlns:a16="http://schemas.microsoft.com/office/drawing/2014/main" id="{4C7027B1-C885-493B-83DB-9604A4B7FEAE}"/>
               </a:ext>
             </a:extLst>
           </p:cNvPr>
@@ -7054,7 +7054,7 @@
             <p:cNvPr id="32" name="Inhaltsplatzhalter 2">
               <a:extLst>
                 <a:ext uri="{FF2B5EF4-FFF2-40B4-BE49-F238E27FC236}">
-                  <a16:creationId xmlns:a16="http://schemas.microsoft.com/office/drawing/2014/main" xmlns="" id="{B73C8442-401C-4ED8-A3D6-C2C0FB12E87F}"/>
+                  <a16:creationId xmlns="" xmlns:a16="http://schemas.microsoft.com/office/drawing/2014/main" id="{B73C8442-401C-4ED8-A3D6-C2C0FB12E87F}"/>
                 </a:ext>
               </a:extLst>
             </p:cNvPr>
@@ -7275,7 +7275,7 @@
             <p:cNvPr id="23" name="Inhaltsplatzhalter 2">
               <a:extLst>
                 <a:ext uri="{FF2B5EF4-FFF2-40B4-BE49-F238E27FC236}">
-                  <a16:creationId xmlns:a16="http://schemas.microsoft.com/office/drawing/2014/main" xmlns="" id="{C7B407AD-B5BE-4C2C-8B9E-4E0DEC4B2C44}"/>
+                  <a16:creationId xmlns="" xmlns:a16="http://schemas.microsoft.com/office/drawing/2014/main" id="{C7B407AD-B5BE-4C2C-8B9E-4E0DEC4B2C44}"/>
                 </a:ext>
               </a:extLst>
             </p:cNvPr>
@@ -7505,7 +7505,7 @@
             <p:cNvPr id="34" name="Grafik 33" descr="Welt">
               <a:extLst>
                 <a:ext uri="{FF2B5EF4-FFF2-40B4-BE49-F238E27FC236}">
-                  <a16:creationId xmlns:a16="http://schemas.microsoft.com/office/drawing/2014/main" xmlns="" id="{A800AC59-CAC0-4D27-BCC0-D36A2C0AF209}"/>
+                  <a16:creationId xmlns="" xmlns:a16="http://schemas.microsoft.com/office/drawing/2014/main" id="{A800AC59-CAC0-4D27-BCC0-D36A2C0AF209}"/>
                 </a:ext>
               </a:extLst>
             </p:cNvPr>
@@ -7518,7 +7518,7 @@
             <a:blip r:embed="rId3">
               <a:extLst>
                 <a:ext uri="{96DAC541-7B7A-43D3-8B79-37D633B846F1}">
-                  <asvg:svgBlip xmlns:asvg="http://schemas.microsoft.com/office/drawing/2016/SVG/main" xmlns="" r:embed="rId4"/>
+                  <asvg:svgBlip xmlns="" xmlns:asvg="http://schemas.microsoft.com/office/drawing/2016/SVG/main" r:embed="rId4"/>
                 </a:ext>
               </a:extLst>
             </a:blip>
@@ -7541,7 +7541,7 @@
             <p:cNvPr id="36" name="Gerade Verbindung mit Pfeil 35">
               <a:extLst>
                 <a:ext uri="{FF2B5EF4-FFF2-40B4-BE49-F238E27FC236}">
-                  <a16:creationId xmlns:a16="http://schemas.microsoft.com/office/drawing/2014/main" xmlns="" id="{14165FCC-2898-4EA5-8418-E16DE419162D}"/>
+                  <a16:creationId xmlns="" xmlns:a16="http://schemas.microsoft.com/office/drawing/2014/main" id="{14165FCC-2898-4EA5-8418-E16DE419162D}"/>
                 </a:ext>
               </a:extLst>
             </p:cNvPr>
@@ -7582,7 +7582,7 @@
             <p:cNvPr id="38" name="Textfeld 37">
               <a:extLst>
                 <a:ext uri="{FF2B5EF4-FFF2-40B4-BE49-F238E27FC236}">
-                  <a16:creationId xmlns:a16="http://schemas.microsoft.com/office/drawing/2014/main" xmlns="" id="{98CBE577-09F5-4B95-8653-B627207FA727}"/>
+                  <a16:creationId xmlns="" xmlns:a16="http://schemas.microsoft.com/office/drawing/2014/main" id="{98CBE577-09F5-4B95-8653-B627207FA727}"/>
                 </a:ext>
               </a:extLst>
             </p:cNvPr>
@@ -7627,7 +7627,7 @@
             <p:cNvPr id="40" name="Gerade Verbindung mit Pfeil 39">
               <a:extLst>
                 <a:ext uri="{FF2B5EF4-FFF2-40B4-BE49-F238E27FC236}">
-                  <a16:creationId xmlns:a16="http://schemas.microsoft.com/office/drawing/2014/main" xmlns="" id="{CF8A7F28-CF78-4318-A93C-2E8EB03122CC}"/>
+                  <a16:creationId xmlns="" xmlns:a16="http://schemas.microsoft.com/office/drawing/2014/main" id="{CF8A7F28-CF78-4318-A93C-2E8EB03122CC}"/>
                 </a:ext>
               </a:extLst>
             </p:cNvPr>
@@ -7668,7 +7668,7 @@
             <p:cNvPr id="42" name="Gerade Verbindung mit Pfeil 41">
               <a:extLst>
                 <a:ext uri="{FF2B5EF4-FFF2-40B4-BE49-F238E27FC236}">
-                  <a16:creationId xmlns:a16="http://schemas.microsoft.com/office/drawing/2014/main" xmlns="" id="{7BA8A4C1-13EC-49CB-B82C-3FF0665FB8AD}"/>
+                  <a16:creationId xmlns="" xmlns:a16="http://schemas.microsoft.com/office/drawing/2014/main" id="{7BA8A4C1-13EC-49CB-B82C-3FF0665FB8AD}"/>
                 </a:ext>
               </a:extLst>
             </p:cNvPr>
@@ -7709,7 +7709,7 @@
             <p:cNvPr id="44" name="Grafik 43" descr="Ordner">
               <a:extLst>
                 <a:ext uri="{FF2B5EF4-FFF2-40B4-BE49-F238E27FC236}">
-                  <a16:creationId xmlns:a16="http://schemas.microsoft.com/office/drawing/2014/main" xmlns="" id="{0572721C-7090-41E2-85A7-6A154A1EDC6E}"/>
+                  <a16:creationId xmlns="" xmlns:a16="http://schemas.microsoft.com/office/drawing/2014/main" id="{0572721C-7090-41E2-85A7-6A154A1EDC6E}"/>
                 </a:ext>
               </a:extLst>
             </p:cNvPr>
@@ -7722,7 +7722,7 @@
             <a:blip r:embed="rId5">
               <a:extLst>
                 <a:ext uri="{96DAC541-7B7A-43D3-8B79-37D633B846F1}">
-                  <asvg:svgBlip xmlns:asvg="http://schemas.microsoft.com/office/drawing/2016/SVG/main" xmlns="" r:embed="rId6"/>
+                  <asvg:svgBlip xmlns="" xmlns:asvg="http://schemas.microsoft.com/office/drawing/2016/SVG/main" r:embed="rId6"/>
                 </a:ext>
               </a:extLst>
             </a:blip>
@@ -7745,7 +7745,7 @@
             <p:cNvPr id="45" name="Textfeld 44">
               <a:extLst>
                 <a:ext uri="{FF2B5EF4-FFF2-40B4-BE49-F238E27FC236}">
-                  <a16:creationId xmlns:a16="http://schemas.microsoft.com/office/drawing/2014/main" xmlns="" id="{87DAFEBD-6AC9-4113-8438-A166156DC539}"/>
+                  <a16:creationId xmlns="" xmlns:a16="http://schemas.microsoft.com/office/drawing/2014/main" id="{87DAFEBD-6AC9-4113-8438-A166156DC539}"/>
                 </a:ext>
               </a:extLst>
             </p:cNvPr>
@@ -7790,7 +7790,7 @@
           <p:cNvPr id="149" name="Fußzeilenplatzhalter 4">
             <a:extLst>
               <a:ext uri="{FF2B5EF4-FFF2-40B4-BE49-F238E27FC236}">
-                <a16:creationId xmlns:a16="http://schemas.microsoft.com/office/drawing/2014/main" xmlns="" id="{38AB998A-AAF8-49F0-A239-2D93C7A72A4D}"/>
+                <a16:creationId xmlns="" xmlns:a16="http://schemas.microsoft.com/office/drawing/2014/main" id="{38AB998A-AAF8-49F0-A239-2D93C7A72A4D}"/>
               </a:ext>
             </a:extLst>
           </p:cNvPr>
@@ -7837,7 +7837,7 @@
           <p:cNvPr id="58" name="Grafik 57" descr="Warnung">
             <a:extLst>
               <a:ext uri="{FF2B5EF4-FFF2-40B4-BE49-F238E27FC236}">
-                <a16:creationId xmlns:a16="http://schemas.microsoft.com/office/drawing/2014/main" xmlns="" id="{5ADD6FB5-98E7-495D-A9AC-2584B2D52713}"/>
+                <a16:creationId xmlns="" xmlns:a16="http://schemas.microsoft.com/office/drawing/2014/main" id="{5ADD6FB5-98E7-495D-A9AC-2584B2D52713}"/>
               </a:ext>
             </a:extLst>
           </p:cNvPr>
@@ -7850,7 +7850,7 @@
           <a:blip r:embed="rId7">
             <a:extLst>
               <a:ext uri="{96DAC541-7B7A-43D3-8B79-37D633B846F1}">
-                <asvg:svgBlip xmlns:asvg="http://schemas.microsoft.com/office/drawing/2016/SVG/main" xmlns="" r:embed="rId8"/>
+                <asvg:svgBlip xmlns="" xmlns:asvg="http://schemas.microsoft.com/office/drawing/2016/SVG/main" r:embed="rId8"/>
               </a:ext>
             </a:extLst>
           </a:blip>
@@ -7873,7 +7873,7 @@
           <p:cNvPr id="59" name="Grafik 58" descr="Glühlampe">
             <a:extLst>
               <a:ext uri="{FF2B5EF4-FFF2-40B4-BE49-F238E27FC236}">
-                <a16:creationId xmlns:a16="http://schemas.microsoft.com/office/drawing/2014/main" xmlns="" id="{051FE1DD-05D1-46F4-B78F-B97D09DB249F}"/>
+                <a16:creationId xmlns="" xmlns:a16="http://schemas.microsoft.com/office/drawing/2014/main" id="{051FE1DD-05D1-46F4-B78F-B97D09DB249F}"/>
               </a:ext>
             </a:extLst>
           </p:cNvPr>
@@ -7886,7 +7886,7 @@
           <a:blip r:embed="rId9">
             <a:extLst>
               <a:ext uri="{96DAC541-7B7A-43D3-8B79-37D633B846F1}">
-                <asvg:svgBlip xmlns:asvg="http://schemas.microsoft.com/office/drawing/2016/SVG/main" xmlns="" r:embed="rId10"/>
+                <asvg:svgBlip xmlns="" xmlns:asvg="http://schemas.microsoft.com/office/drawing/2016/SVG/main" r:embed="rId10"/>
               </a:ext>
             </a:extLst>
           </a:blip>
@@ -7909,7 +7909,7 @@
           <p:cNvPr id="18" name="Textfeld 17">
             <a:extLst>
               <a:ext uri="{FF2B5EF4-FFF2-40B4-BE49-F238E27FC236}">
-                <a16:creationId xmlns:a16="http://schemas.microsoft.com/office/drawing/2014/main" xmlns="" id="{2A285A58-EC11-4467-B051-677815423595}"/>
+                <a16:creationId xmlns="" xmlns:a16="http://schemas.microsoft.com/office/drawing/2014/main" id="{2A285A58-EC11-4467-B051-677815423595}"/>
               </a:ext>
             </a:extLst>
           </p:cNvPr>
@@ -7968,7 +7968,7 @@
           <p:cNvPr id="19" name="Textfeld 18">
             <a:extLst>
               <a:ext uri="{FF2B5EF4-FFF2-40B4-BE49-F238E27FC236}">
-                <a16:creationId xmlns:a16="http://schemas.microsoft.com/office/drawing/2014/main" xmlns="" id="{AF742355-CE0F-4F69-A0C1-2F898F89C3A5}"/>
+                <a16:creationId xmlns="" xmlns:a16="http://schemas.microsoft.com/office/drawing/2014/main" id="{AF742355-CE0F-4F69-A0C1-2F898F89C3A5}"/>
               </a:ext>
             </a:extLst>
           </p:cNvPr>
@@ -8080,7 +8080,7 @@
           <p:cNvPr id="28" name="Rechteck 27">
             <a:extLst>
               <a:ext uri="{FF2B5EF4-FFF2-40B4-BE49-F238E27FC236}">
-                <a16:creationId xmlns:a16="http://schemas.microsoft.com/office/drawing/2014/main" xmlns="" id="{5663F49A-D805-40FE-AC1B-81ED77571640}"/>
+                <a16:creationId xmlns="" xmlns:a16="http://schemas.microsoft.com/office/drawing/2014/main" id="{5663F49A-D805-40FE-AC1B-81ED77571640}"/>
               </a:ext>
             </a:extLst>
           </p:cNvPr>
@@ -8138,7 +8138,7 @@
           <p:cNvPr id="5" name="Foliennummernplatzhalter 4">
             <a:extLst>
               <a:ext uri="{FF2B5EF4-FFF2-40B4-BE49-F238E27FC236}">
-                <a16:creationId xmlns:a16="http://schemas.microsoft.com/office/drawing/2014/main" xmlns="" id="{99217DC6-63A8-46E5-BFF7-2750383C7113}"/>
+                <a16:creationId xmlns="" xmlns:a16="http://schemas.microsoft.com/office/drawing/2014/main" id="{99217DC6-63A8-46E5-BFF7-2750383C7113}"/>
               </a:ext>
             </a:extLst>
           </p:cNvPr>
@@ -8172,7 +8172,7 @@
           <p:cNvPr id="17" name="Titel 1">
             <a:extLst>
               <a:ext uri="{FF2B5EF4-FFF2-40B4-BE49-F238E27FC236}">
-                <a16:creationId xmlns:a16="http://schemas.microsoft.com/office/drawing/2014/main" xmlns="" id="{2EBD46AD-74A3-41B6-A7F5-704EE709693A}"/>
+                <a16:creationId xmlns="" xmlns:a16="http://schemas.microsoft.com/office/drawing/2014/main" id="{2EBD46AD-74A3-41B6-A7F5-704EE709693A}"/>
               </a:ext>
             </a:extLst>
           </p:cNvPr>
@@ -8230,7 +8230,7 @@
           <p:cNvPr id="2" name="Gruppieren 1">
             <a:extLst>
               <a:ext uri="{FF2B5EF4-FFF2-40B4-BE49-F238E27FC236}">
-                <a16:creationId xmlns:a16="http://schemas.microsoft.com/office/drawing/2014/main" xmlns="" id="{7E998845-B930-4515-A6AA-4B80E506F2E6}"/>
+                <a16:creationId xmlns="" xmlns:a16="http://schemas.microsoft.com/office/drawing/2014/main" id="{7E998845-B930-4515-A6AA-4B80E506F2E6}"/>
               </a:ext>
             </a:extLst>
           </p:cNvPr>
@@ -8250,7 +8250,7 @@
             <p:cNvPr id="46" name="Inhaltsplatzhalter 2">
               <a:extLst>
                 <a:ext uri="{FF2B5EF4-FFF2-40B4-BE49-F238E27FC236}">
-                  <a16:creationId xmlns:a16="http://schemas.microsoft.com/office/drawing/2014/main" xmlns="" id="{0F26518F-0A69-4734-BA87-0B8E3EF94156}"/>
+                  <a16:creationId xmlns="" xmlns:a16="http://schemas.microsoft.com/office/drawing/2014/main" id="{0F26518F-0A69-4734-BA87-0B8E3EF94156}"/>
                 </a:ext>
               </a:extLst>
             </p:cNvPr>
@@ -8471,7 +8471,7 @@
             <p:cNvPr id="67" name="Gerade Verbindung mit Pfeil 66">
               <a:extLst>
                 <a:ext uri="{FF2B5EF4-FFF2-40B4-BE49-F238E27FC236}">
-                  <a16:creationId xmlns:a16="http://schemas.microsoft.com/office/drawing/2014/main" xmlns="" id="{7FAB1279-3954-449A-9809-2898A9D30786}"/>
+                  <a16:creationId xmlns="" xmlns:a16="http://schemas.microsoft.com/office/drawing/2014/main" id="{7FAB1279-3954-449A-9809-2898A9D30786}"/>
                 </a:ext>
               </a:extLst>
             </p:cNvPr>
@@ -8512,7 +8512,7 @@
             <p:cNvPr id="24" name="Inhaltsplatzhalter 2">
               <a:extLst>
                 <a:ext uri="{FF2B5EF4-FFF2-40B4-BE49-F238E27FC236}">
-                  <a16:creationId xmlns:a16="http://schemas.microsoft.com/office/drawing/2014/main" xmlns="" id="{52088609-8CCC-4992-9D44-C791EA8B6B29}"/>
+                  <a16:creationId xmlns="" xmlns:a16="http://schemas.microsoft.com/office/drawing/2014/main" id="{52088609-8CCC-4992-9D44-C791EA8B6B29}"/>
                 </a:ext>
               </a:extLst>
             </p:cNvPr>
@@ -8742,7 +8742,7 @@
             <p:cNvPr id="44" name="Grafik 43" descr="Ordner">
               <a:extLst>
                 <a:ext uri="{FF2B5EF4-FFF2-40B4-BE49-F238E27FC236}">
-                  <a16:creationId xmlns:a16="http://schemas.microsoft.com/office/drawing/2014/main" xmlns="" id="{0572721C-7090-41E2-85A7-6A154A1EDC6E}"/>
+                  <a16:creationId xmlns="" xmlns:a16="http://schemas.microsoft.com/office/drawing/2014/main" id="{0572721C-7090-41E2-85A7-6A154A1EDC6E}"/>
                 </a:ext>
               </a:extLst>
             </p:cNvPr>
@@ -8755,7 +8755,7 @@
             <a:blip r:embed="rId3">
               <a:extLst>
                 <a:ext uri="{96DAC541-7B7A-43D3-8B79-37D633B846F1}">
-                  <asvg:svgBlip xmlns:asvg="http://schemas.microsoft.com/office/drawing/2016/SVG/main" xmlns="" r:embed="rId4"/>
+                  <asvg:svgBlip xmlns="" xmlns:asvg="http://schemas.microsoft.com/office/drawing/2016/SVG/main" r:embed="rId4"/>
                 </a:ext>
               </a:extLst>
             </a:blip>
@@ -8778,7 +8778,7 @@
             <p:cNvPr id="45" name="Textfeld 44">
               <a:extLst>
                 <a:ext uri="{FF2B5EF4-FFF2-40B4-BE49-F238E27FC236}">
-                  <a16:creationId xmlns:a16="http://schemas.microsoft.com/office/drawing/2014/main" xmlns="" id="{87DAFEBD-6AC9-4113-8438-A166156DC539}"/>
+                  <a16:creationId xmlns="" xmlns:a16="http://schemas.microsoft.com/office/drawing/2014/main" id="{87DAFEBD-6AC9-4113-8438-A166156DC539}"/>
                 </a:ext>
               </a:extLst>
             </p:cNvPr>
@@ -8822,7 +8822,7 @@
             <p:cNvPr id="57" name="Gerade Verbindung mit Pfeil 56">
               <a:extLst>
                 <a:ext uri="{FF2B5EF4-FFF2-40B4-BE49-F238E27FC236}">
-                  <a16:creationId xmlns:a16="http://schemas.microsoft.com/office/drawing/2014/main" xmlns="" id="{CA0D2126-51DB-4173-87BE-BAF063EBF92F}"/>
+                  <a16:creationId xmlns="" xmlns:a16="http://schemas.microsoft.com/office/drawing/2014/main" id="{CA0D2126-51DB-4173-87BE-BAF063EBF92F}"/>
                 </a:ext>
               </a:extLst>
             </p:cNvPr>
@@ -8863,7 +8863,7 @@
             <p:cNvPr id="126" name="Gruppieren 125">
               <a:extLst>
                 <a:ext uri="{FF2B5EF4-FFF2-40B4-BE49-F238E27FC236}">
-                  <a16:creationId xmlns:a16="http://schemas.microsoft.com/office/drawing/2014/main" xmlns="" id="{514A1029-992E-4E2E-9A8B-4CDCFC62727A}"/>
+                  <a16:creationId xmlns="" xmlns:a16="http://schemas.microsoft.com/office/drawing/2014/main" id="{514A1029-992E-4E2E-9A8B-4CDCFC62727A}"/>
                 </a:ext>
               </a:extLst>
             </p:cNvPr>
@@ -8883,7 +8883,7 @@
               <p:cNvPr id="97" name="Grafik 96" descr="Tisch">
                 <a:extLst>
                   <a:ext uri="{FF2B5EF4-FFF2-40B4-BE49-F238E27FC236}">
-                    <a16:creationId xmlns:a16="http://schemas.microsoft.com/office/drawing/2014/main" xmlns="" id="{E3ED5455-2ACE-4F80-8660-C9C78942E061}"/>
+                    <a16:creationId xmlns="" xmlns:a16="http://schemas.microsoft.com/office/drawing/2014/main" id="{E3ED5455-2ACE-4F80-8660-C9C78942E061}"/>
                   </a:ext>
                 </a:extLst>
               </p:cNvPr>
@@ -8896,7 +8896,7 @@
               <a:blip r:embed="rId5">
                 <a:extLst>
                   <a:ext uri="{96DAC541-7B7A-43D3-8B79-37D633B846F1}">
-                    <asvg:svgBlip xmlns:asvg="http://schemas.microsoft.com/office/drawing/2016/SVG/main" xmlns="" r:embed="rId6"/>
+                    <asvg:svgBlip xmlns="" xmlns:asvg="http://schemas.microsoft.com/office/drawing/2016/SVG/main" r:embed="rId6"/>
                   </a:ext>
                 </a:extLst>
               </a:blip>
@@ -8919,7 +8919,7 @@
               <p:cNvPr id="105" name="Rechteck 104">
                 <a:extLst>
                   <a:ext uri="{FF2B5EF4-FFF2-40B4-BE49-F238E27FC236}">
-                    <a16:creationId xmlns:a16="http://schemas.microsoft.com/office/drawing/2014/main" xmlns="" id="{82C05C09-9668-4C7B-99B4-6CCD1DF3F8C9}"/>
+                    <a16:creationId xmlns="" xmlns:a16="http://schemas.microsoft.com/office/drawing/2014/main" id="{82C05C09-9668-4C7B-99B4-6CCD1DF3F8C9}"/>
                   </a:ext>
                 </a:extLst>
               </p:cNvPr>
@@ -8976,7 +8976,7 @@
           <p:cNvPr id="149" name="Fußzeilenplatzhalter 4">
             <a:extLst>
               <a:ext uri="{FF2B5EF4-FFF2-40B4-BE49-F238E27FC236}">
-                <a16:creationId xmlns:a16="http://schemas.microsoft.com/office/drawing/2014/main" xmlns="" id="{38AB998A-AAF8-49F0-A239-2D93C7A72A4D}"/>
+                <a16:creationId xmlns="" xmlns:a16="http://schemas.microsoft.com/office/drawing/2014/main" id="{38AB998A-AAF8-49F0-A239-2D93C7A72A4D}"/>
               </a:ext>
             </a:extLst>
           </p:cNvPr>
@@ -9023,7 +9023,7 @@
           <p:cNvPr id="29" name="Grafik 28" descr="Warnung">
             <a:extLst>
               <a:ext uri="{FF2B5EF4-FFF2-40B4-BE49-F238E27FC236}">
-                <a16:creationId xmlns:a16="http://schemas.microsoft.com/office/drawing/2014/main" xmlns="" id="{B282B26C-FBD5-4486-BAD6-EF90B5C4BD47}"/>
+                <a16:creationId xmlns="" xmlns:a16="http://schemas.microsoft.com/office/drawing/2014/main" id="{B282B26C-FBD5-4486-BAD6-EF90B5C4BD47}"/>
               </a:ext>
             </a:extLst>
           </p:cNvPr>
@@ -9036,7 +9036,7 @@
           <a:blip r:embed="rId7">
             <a:extLst>
               <a:ext uri="{96DAC541-7B7A-43D3-8B79-37D633B846F1}">
-                <asvg:svgBlip xmlns:asvg="http://schemas.microsoft.com/office/drawing/2016/SVG/main" xmlns="" r:embed="rId8"/>
+                <asvg:svgBlip xmlns="" xmlns:asvg="http://schemas.microsoft.com/office/drawing/2016/SVG/main" r:embed="rId8"/>
               </a:ext>
             </a:extLst>
           </a:blip>
@@ -9059,7 +9059,7 @@
           <p:cNvPr id="8" name="Textfeld 7">
             <a:extLst>
               <a:ext uri="{FF2B5EF4-FFF2-40B4-BE49-F238E27FC236}">
-                <a16:creationId xmlns:a16="http://schemas.microsoft.com/office/drawing/2014/main" xmlns="" id="{2A285A58-EC11-4467-B051-677815423595}"/>
+                <a16:creationId xmlns="" xmlns:a16="http://schemas.microsoft.com/office/drawing/2014/main" id="{2A285A58-EC11-4467-B051-677815423595}"/>
               </a:ext>
             </a:extLst>
           </p:cNvPr>
@@ -9118,7 +9118,7 @@
           <p:cNvPr id="37" name="Textfeld 36">
             <a:extLst>
               <a:ext uri="{FF2B5EF4-FFF2-40B4-BE49-F238E27FC236}">
-                <a16:creationId xmlns:a16="http://schemas.microsoft.com/office/drawing/2014/main" xmlns="" id="{AF742355-CE0F-4F69-A0C1-2F898F89C3A5}"/>
+                <a16:creationId xmlns="" xmlns:a16="http://schemas.microsoft.com/office/drawing/2014/main" id="{AF742355-CE0F-4F69-A0C1-2F898F89C3A5}"/>
               </a:ext>
             </a:extLst>
           </p:cNvPr>
@@ -9183,7 +9183,7 @@
           <p:cNvPr id="13" name="Grafik 12" descr="Glühlampe">
             <a:extLst>
               <a:ext uri="{FF2B5EF4-FFF2-40B4-BE49-F238E27FC236}">
-                <a16:creationId xmlns:a16="http://schemas.microsoft.com/office/drawing/2014/main" xmlns="" id="{4D085D73-F3C8-441D-AF81-E837128CE47E}"/>
+                <a16:creationId xmlns="" xmlns:a16="http://schemas.microsoft.com/office/drawing/2014/main" id="{4D085D73-F3C8-441D-AF81-E837128CE47E}"/>
               </a:ext>
             </a:extLst>
           </p:cNvPr>
@@ -9196,7 +9196,7 @@
           <a:blip r:embed="rId9">
             <a:extLst>
               <a:ext uri="{96DAC541-7B7A-43D3-8B79-37D633B846F1}">
-                <asvg:svgBlip xmlns:asvg="http://schemas.microsoft.com/office/drawing/2016/SVG/main" xmlns="" r:embed="rId10"/>
+                <asvg:svgBlip xmlns="" xmlns:asvg="http://schemas.microsoft.com/office/drawing/2016/SVG/main" r:embed="rId10"/>
               </a:ext>
             </a:extLst>
           </a:blip>
@@ -9256,7 +9256,7 @@
           <p:cNvPr id="5" name="Foliennummernplatzhalter 4">
             <a:extLst>
               <a:ext uri="{FF2B5EF4-FFF2-40B4-BE49-F238E27FC236}">
-                <a16:creationId xmlns:a16="http://schemas.microsoft.com/office/drawing/2014/main" xmlns="" id="{99217DC6-63A8-46E5-BFF7-2750383C7113}"/>
+                <a16:creationId xmlns="" xmlns:a16="http://schemas.microsoft.com/office/drawing/2014/main" id="{99217DC6-63A8-46E5-BFF7-2750383C7113}"/>
               </a:ext>
             </a:extLst>
           </p:cNvPr>
@@ -9290,7 +9290,7 @@
           <p:cNvPr id="17" name="Titel 1">
             <a:extLst>
               <a:ext uri="{FF2B5EF4-FFF2-40B4-BE49-F238E27FC236}">
-                <a16:creationId xmlns:a16="http://schemas.microsoft.com/office/drawing/2014/main" xmlns="" id="{2EBD46AD-74A3-41B6-A7F5-704EE709693A}"/>
+                <a16:creationId xmlns="" xmlns:a16="http://schemas.microsoft.com/office/drawing/2014/main" id="{2EBD46AD-74A3-41B6-A7F5-704EE709693A}"/>
               </a:ext>
             </a:extLst>
           </p:cNvPr>
@@ -9348,7 +9348,7 @@
           <p:cNvPr id="19" name="Inhaltsplatzhalter 2">
             <a:extLst>
               <a:ext uri="{FF2B5EF4-FFF2-40B4-BE49-F238E27FC236}">
-                <a16:creationId xmlns:a16="http://schemas.microsoft.com/office/drawing/2014/main" xmlns="" id="{FD7E6F18-D74A-4FE7-8CC2-71466EBAC41D}"/>
+                <a16:creationId xmlns="" xmlns:a16="http://schemas.microsoft.com/office/drawing/2014/main" id="{FD7E6F18-D74A-4FE7-8CC2-71466EBAC41D}"/>
               </a:ext>
             </a:extLst>
           </p:cNvPr>
@@ -9450,7 +9450,7 @@
           <p:cNvPr id="9" name="Fußzeilenplatzhalter 4">
             <a:extLst>
               <a:ext uri="{FF2B5EF4-FFF2-40B4-BE49-F238E27FC236}">
-                <a16:creationId xmlns:a16="http://schemas.microsoft.com/office/drawing/2014/main" xmlns="" id="{F10706BB-1C7F-44A5-8A36-CDBB277E3BFC}"/>
+                <a16:creationId xmlns="" xmlns:a16="http://schemas.microsoft.com/office/drawing/2014/main" id="{F10706BB-1C7F-44A5-8A36-CDBB277E3BFC}"/>
               </a:ext>
             </a:extLst>
           </p:cNvPr>
@@ -9497,7 +9497,7 @@
           <p:cNvPr id="2" name="Rechteck 1">
             <a:extLst>
               <a:ext uri="{FF2B5EF4-FFF2-40B4-BE49-F238E27FC236}">
-                <a16:creationId xmlns:a16="http://schemas.microsoft.com/office/drawing/2014/main" xmlns="" id="{0D9E26CA-D519-4955-8920-592179B1FE22}"/>
+                <a16:creationId xmlns="" xmlns:a16="http://schemas.microsoft.com/office/drawing/2014/main" id="{0D9E26CA-D519-4955-8920-592179B1FE22}"/>
               </a:ext>
             </a:extLst>
           </p:cNvPr>
@@ -9552,7 +9552,7 @@
           <p:cNvPr id="11" name="Rechteck 10">
             <a:extLst>
               <a:ext uri="{FF2B5EF4-FFF2-40B4-BE49-F238E27FC236}">
-                <a16:creationId xmlns:a16="http://schemas.microsoft.com/office/drawing/2014/main" xmlns="" id="{8BDAC378-DB7A-4385-B0C5-7A7BB8439380}"/>
+                <a16:creationId xmlns="" xmlns:a16="http://schemas.microsoft.com/office/drawing/2014/main" id="{8BDAC378-DB7A-4385-B0C5-7A7BB8439380}"/>
               </a:ext>
             </a:extLst>
           </p:cNvPr>
@@ -9607,7 +9607,7 @@
           <p:cNvPr id="12" name="Rechteck 11">
             <a:extLst>
               <a:ext uri="{FF2B5EF4-FFF2-40B4-BE49-F238E27FC236}">
-                <a16:creationId xmlns:a16="http://schemas.microsoft.com/office/drawing/2014/main" xmlns="" id="{D2A7043D-6CC0-4509-BAFB-FBAE494991AE}"/>
+                <a16:creationId xmlns="" xmlns:a16="http://schemas.microsoft.com/office/drawing/2014/main" id="{D2A7043D-6CC0-4509-BAFB-FBAE494991AE}"/>
               </a:ext>
             </a:extLst>
           </p:cNvPr>
@@ -9657,7 +9657,7 @@
           <p:cNvPr id="14" name="Rechteck 13">
             <a:extLst>
               <a:ext uri="{FF2B5EF4-FFF2-40B4-BE49-F238E27FC236}">
-                <a16:creationId xmlns:a16="http://schemas.microsoft.com/office/drawing/2014/main" xmlns="" id="{9D4200A3-BD07-4C63-BBF4-6FC25C2340F6}"/>
+                <a16:creationId xmlns="" xmlns:a16="http://schemas.microsoft.com/office/drawing/2014/main" id="{9D4200A3-BD07-4C63-BBF4-6FC25C2340F6}"/>
               </a:ext>
             </a:extLst>
           </p:cNvPr>
@@ -9713,7 +9713,7 @@
           <p:cNvPr id="22" name="Inhaltsplatzhalter 2">
             <a:extLst>
               <a:ext uri="{FF2B5EF4-FFF2-40B4-BE49-F238E27FC236}">
-                <a16:creationId xmlns:a16="http://schemas.microsoft.com/office/drawing/2014/main" xmlns="" id="{25CD8A27-4C42-4C1F-A067-291E1390BB52}"/>
+                <a16:creationId xmlns="" xmlns:a16="http://schemas.microsoft.com/office/drawing/2014/main" id="{25CD8A27-4C42-4C1F-A067-291E1390BB52}"/>
               </a:ext>
             </a:extLst>
           </p:cNvPr>
@@ -9920,7 +9920,11 @@
             </a:r>
             <a:r>
               <a:rPr lang="en-US" sz="1800" dirty="0" smtClean="0"/>
-              <a:t>repository (maybe R package): Two step procedure with metadata and text data</a:t>
+              <a:t>repo </a:t>
+            </a:r>
+            <a:r>
+              <a:rPr lang="en-US" sz="1800" dirty="0" smtClean="0"/>
+              <a:t>(maybe R package): Two step procedure with metadata and text data</a:t>
             </a:r>
             <a:endParaRPr lang="en-US" sz="1800" dirty="0"/>
           </a:p>
@@ -9931,7 +9935,7 @@
           <p:cNvPr id="23" name="Inhaltsplatzhalter 2">
             <a:extLst>
               <a:ext uri="{FF2B5EF4-FFF2-40B4-BE49-F238E27FC236}">
-                <a16:creationId xmlns:a16="http://schemas.microsoft.com/office/drawing/2014/main" xmlns="" id="{E10592E1-142D-45E9-AF5D-E791C3243C61}"/>
+                <a16:creationId xmlns="" xmlns:a16="http://schemas.microsoft.com/office/drawing/2014/main" id="{E10592E1-142D-45E9-AF5D-E791C3243C61}"/>
               </a:ext>
             </a:extLst>
           </p:cNvPr>
@@ -10120,34 +10124,19 @@
           <a:p>
             <a:r>
               <a:rPr lang="en-US" sz="1800" dirty="0"/>
-              <a:t>Use common formats and standards and controlled vocabulary </a:t>
-            </a:r>
-          </a:p>
-          <a:p>
+              <a:t>Use common formats and standards and controlled </a:t>
+            </a:r>
             <a:r>
               <a:rPr lang="en-US" sz="1800" dirty="0" smtClean="0"/>
-              <a:t>Both </a:t>
-            </a:r>
-            <a:r>
-              <a:rPr lang="en-US" sz="1800" dirty="0"/>
-              <a:t>syntactically </a:t>
-            </a:r>
-            <a:r>
-              <a:rPr lang="en-US" sz="1800" dirty="0" err="1"/>
-              <a:t>parseable</a:t>
-            </a:r>
-            <a:r>
-              <a:rPr lang="en-US" sz="1800" dirty="0"/>
-              <a:t> and semantically understandable, allowing data exchange and reuse between researchers, institutions, </a:t>
-            </a:r>
-            <a:r>
-              <a:rPr lang="en-US" sz="1800" dirty="0" err="1"/>
-              <a:t>organisations</a:t>
-            </a:r>
-            <a:r>
-              <a:rPr lang="en-US" sz="1800" dirty="0"/>
-              <a:t> or countries </a:t>
-            </a:r>
+              <a:t>vocabulary</a:t>
+            </a:r>
+          </a:p>
+          <a:p>
+            <a:r>
+              <a:rPr lang="en-US" sz="1800" dirty="0" smtClean="0"/>
+              <a:t>GitHub repo with info on data source, html parsing, and packages we use</a:t>
+            </a:r>
+            <a:endParaRPr lang="en-US" sz="1800" dirty="0"/>
           </a:p>
         </p:txBody>
       </p:sp>
@@ -10156,7 +10145,7 @@
           <p:cNvPr id="24" name="Inhaltsplatzhalter 2">
             <a:extLst>
               <a:ext uri="{FF2B5EF4-FFF2-40B4-BE49-F238E27FC236}">
-                <a16:creationId xmlns:a16="http://schemas.microsoft.com/office/drawing/2014/main" xmlns="" id="{8A5A35EC-35C3-4EEE-B4CA-689F86337F8B}"/>
+                <a16:creationId xmlns="" xmlns:a16="http://schemas.microsoft.com/office/drawing/2014/main" id="{8A5A35EC-35C3-4EEE-B4CA-689F86337F8B}"/>
               </a:ext>
             </a:extLst>
           </p:cNvPr>
@@ -10405,7 +10394,7 @@
           <p:cNvPr id="14" name="Bild 4" descr="huO_rgb-mP.png">
             <a:extLst>
               <a:ext uri="{FF2B5EF4-FFF2-40B4-BE49-F238E27FC236}">
-                <a16:creationId xmlns:a16="http://schemas.microsoft.com/office/drawing/2014/main" xmlns="" id="{A6435E84-959B-4004-9D03-91843F9616BF}"/>
+                <a16:creationId xmlns="" xmlns:a16="http://schemas.microsoft.com/office/drawing/2014/main" id="{A6435E84-959B-4004-9D03-91843F9616BF}"/>
               </a:ext>
             </a:extLst>
           </p:cNvPr>
@@ -10465,7 +10454,7 @@
           <p:cNvPr id="16" name="Inhaltsplatzhalter 2">
             <a:extLst>
               <a:ext uri="{FF2B5EF4-FFF2-40B4-BE49-F238E27FC236}">
-                <a16:creationId xmlns:a16="http://schemas.microsoft.com/office/drawing/2014/main" xmlns="" id="{35C0996D-4546-4A4B-BC03-82C9961E32C9}"/>
+                <a16:creationId xmlns="" xmlns:a16="http://schemas.microsoft.com/office/drawing/2014/main" id="{35C0996D-4546-4A4B-BC03-82C9961E32C9}"/>
               </a:ext>
             </a:extLst>
           </p:cNvPr>
@@ -10717,7 +10706,7 @@
           <p:cNvPr id="2" name="Titel 1">
             <a:extLst>
               <a:ext uri="{FF2B5EF4-FFF2-40B4-BE49-F238E27FC236}">
-                <a16:creationId xmlns:a16="http://schemas.microsoft.com/office/drawing/2014/main" xmlns="" id="{C698A611-4E59-4D5D-B67A-DF0F2AF122C5}"/>
+                <a16:creationId xmlns="" xmlns:a16="http://schemas.microsoft.com/office/drawing/2014/main" id="{C698A611-4E59-4D5D-B67A-DF0F2AF122C5}"/>
               </a:ext>
             </a:extLst>
           </p:cNvPr>
@@ -10750,7 +10739,7 @@
           <p:cNvPr id="3" name="Textplatzhalter 2">
             <a:extLst>
               <a:ext uri="{FF2B5EF4-FFF2-40B4-BE49-F238E27FC236}">
-                <a16:creationId xmlns:a16="http://schemas.microsoft.com/office/drawing/2014/main" xmlns="" id="{A6CB220A-5C57-4688-B3BE-933E90D8AD40}"/>
+                <a16:creationId xmlns="" xmlns:a16="http://schemas.microsoft.com/office/drawing/2014/main" id="{A6CB220A-5C57-4688-B3BE-933E90D8AD40}"/>
               </a:ext>
             </a:extLst>
           </p:cNvPr>
@@ -10812,7 +10801,7 @@
           <p:cNvPr id="28" name="Rechteck 27">
             <a:extLst>
               <a:ext uri="{FF2B5EF4-FFF2-40B4-BE49-F238E27FC236}">
-                <a16:creationId xmlns:a16="http://schemas.microsoft.com/office/drawing/2014/main" xmlns="" id="{5663F49A-D805-40FE-AC1B-81ED77571640}"/>
+                <a16:creationId xmlns="" xmlns:a16="http://schemas.microsoft.com/office/drawing/2014/main" id="{5663F49A-D805-40FE-AC1B-81ED77571640}"/>
               </a:ext>
             </a:extLst>
           </p:cNvPr>
@@ -10870,7 +10859,7 @@
           <p:cNvPr id="5" name="Foliennummernplatzhalter 4">
             <a:extLst>
               <a:ext uri="{FF2B5EF4-FFF2-40B4-BE49-F238E27FC236}">
-                <a16:creationId xmlns:a16="http://schemas.microsoft.com/office/drawing/2014/main" xmlns="" id="{99217DC6-63A8-46E5-BFF7-2750383C7113}"/>
+                <a16:creationId xmlns="" xmlns:a16="http://schemas.microsoft.com/office/drawing/2014/main" id="{99217DC6-63A8-46E5-BFF7-2750383C7113}"/>
               </a:ext>
             </a:extLst>
           </p:cNvPr>
@@ -10904,7 +10893,7 @@
           <p:cNvPr id="17" name="Titel 1">
             <a:extLst>
               <a:ext uri="{FF2B5EF4-FFF2-40B4-BE49-F238E27FC236}">
-                <a16:creationId xmlns:a16="http://schemas.microsoft.com/office/drawing/2014/main" xmlns="" id="{2EBD46AD-74A3-41B6-A7F5-704EE709693A}"/>
+                <a16:creationId xmlns="" xmlns:a16="http://schemas.microsoft.com/office/drawing/2014/main" id="{2EBD46AD-74A3-41B6-A7F5-704EE709693A}"/>
               </a:ext>
             </a:extLst>
           </p:cNvPr>
@@ -10962,7 +10951,7 @@
           <p:cNvPr id="2" name="Gruppieren 1">
             <a:extLst>
               <a:ext uri="{FF2B5EF4-FFF2-40B4-BE49-F238E27FC236}">
-                <a16:creationId xmlns:a16="http://schemas.microsoft.com/office/drawing/2014/main" xmlns="" id="{7E998845-B930-4515-A6AA-4B80E506F2E6}"/>
+                <a16:creationId xmlns="" xmlns:a16="http://schemas.microsoft.com/office/drawing/2014/main" id="{7E998845-B930-4515-A6AA-4B80E506F2E6}"/>
               </a:ext>
             </a:extLst>
           </p:cNvPr>
@@ -10982,7 +10971,7 @@
             <p:cNvPr id="46" name="Inhaltsplatzhalter 2">
               <a:extLst>
                 <a:ext uri="{FF2B5EF4-FFF2-40B4-BE49-F238E27FC236}">
-                  <a16:creationId xmlns:a16="http://schemas.microsoft.com/office/drawing/2014/main" xmlns="" id="{0F26518F-0A69-4734-BA87-0B8E3EF94156}"/>
+                  <a16:creationId xmlns="" xmlns:a16="http://schemas.microsoft.com/office/drawing/2014/main" id="{0F26518F-0A69-4734-BA87-0B8E3EF94156}"/>
                 </a:ext>
               </a:extLst>
             </p:cNvPr>
@@ -11203,7 +11192,7 @@
             <p:cNvPr id="67" name="Gerade Verbindung mit Pfeil 66">
               <a:extLst>
                 <a:ext uri="{FF2B5EF4-FFF2-40B4-BE49-F238E27FC236}">
-                  <a16:creationId xmlns:a16="http://schemas.microsoft.com/office/drawing/2014/main" xmlns="" id="{7FAB1279-3954-449A-9809-2898A9D30786}"/>
+                  <a16:creationId xmlns="" xmlns:a16="http://schemas.microsoft.com/office/drawing/2014/main" id="{7FAB1279-3954-449A-9809-2898A9D30786}"/>
                 </a:ext>
               </a:extLst>
             </p:cNvPr>
@@ -11244,7 +11233,7 @@
             <p:cNvPr id="24" name="Inhaltsplatzhalter 2">
               <a:extLst>
                 <a:ext uri="{FF2B5EF4-FFF2-40B4-BE49-F238E27FC236}">
-                  <a16:creationId xmlns:a16="http://schemas.microsoft.com/office/drawing/2014/main" xmlns="" id="{52088609-8CCC-4992-9D44-C791EA8B6B29}"/>
+                  <a16:creationId xmlns="" xmlns:a16="http://schemas.microsoft.com/office/drawing/2014/main" id="{52088609-8CCC-4992-9D44-C791EA8B6B29}"/>
                 </a:ext>
               </a:extLst>
             </p:cNvPr>
@@ -11474,7 +11463,7 @@
             <p:cNvPr id="44" name="Grafik 43" descr="Ordner">
               <a:extLst>
                 <a:ext uri="{FF2B5EF4-FFF2-40B4-BE49-F238E27FC236}">
-                  <a16:creationId xmlns:a16="http://schemas.microsoft.com/office/drawing/2014/main" xmlns="" id="{0572721C-7090-41E2-85A7-6A154A1EDC6E}"/>
+                  <a16:creationId xmlns="" xmlns:a16="http://schemas.microsoft.com/office/drawing/2014/main" id="{0572721C-7090-41E2-85A7-6A154A1EDC6E}"/>
                 </a:ext>
               </a:extLst>
             </p:cNvPr>
@@ -11487,7 +11476,7 @@
             <a:blip r:embed="rId3">
               <a:extLst>
                 <a:ext uri="{96DAC541-7B7A-43D3-8B79-37D633B846F1}">
-                  <asvg:svgBlip xmlns:asvg="http://schemas.microsoft.com/office/drawing/2016/SVG/main" xmlns="" r:embed="rId4"/>
+                  <asvg:svgBlip xmlns="" xmlns:asvg="http://schemas.microsoft.com/office/drawing/2016/SVG/main" r:embed="rId4"/>
                 </a:ext>
               </a:extLst>
             </a:blip>
@@ -11510,7 +11499,7 @@
             <p:cNvPr id="45" name="Textfeld 44">
               <a:extLst>
                 <a:ext uri="{FF2B5EF4-FFF2-40B4-BE49-F238E27FC236}">
-                  <a16:creationId xmlns:a16="http://schemas.microsoft.com/office/drawing/2014/main" xmlns="" id="{87DAFEBD-6AC9-4113-8438-A166156DC539}"/>
+                  <a16:creationId xmlns="" xmlns:a16="http://schemas.microsoft.com/office/drawing/2014/main" id="{87DAFEBD-6AC9-4113-8438-A166156DC539}"/>
                 </a:ext>
               </a:extLst>
             </p:cNvPr>
@@ -11554,7 +11543,7 @@
             <p:cNvPr id="57" name="Gerade Verbindung mit Pfeil 56">
               <a:extLst>
                 <a:ext uri="{FF2B5EF4-FFF2-40B4-BE49-F238E27FC236}">
-                  <a16:creationId xmlns:a16="http://schemas.microsoft.com/office/drawing/2014/main" xmlns="" id="{CA0D2126-51DB-4173-87BE-BAF063EBF92F}"/>
+                  <a16:creationId xmlns="" xmlns:a16="http://schemas.microsoft.com/office/drawing/2014/main" id="{CA0D2126-51DB-4173-87BE-BAF063EBF92F}"/>
                 </a:ext>
               </a:extLst>
             </p:cNvPr>
@@ -11595,7 +11584,7 @@
             <p:cNvPr id="126" name="Gruppieren 125">
               <a:extLst>
                 <a:ext uri="{FF2B5EF4-FFF2-40B4-BE49-F238E27FC236}">
-                  <a16:creationId xmlns:a16="http://schemas.microsoft.com/office/drawing/2014/main" xmlns="" id="{514A1029-992E-4E2E-9A8B-4CDCFC62727A}"/>
+                  <a16:creationId xmlns="" xmlns:a16="http://schemas.microsoft.com/office/drawing/2014/main" id="{514A1029-992E-4E2E-9A8B-4CDCFC62727A}"/>
                 </a:ext>
               </a:extLst>
             </p:cNvPr>
@@ -11615,7 +11604,7 @@
               <p:cNvPr id="97" name="Grafik 96" descr="Tisch">
                 <a:extLst>
                   <a:ext uri="{FF2B5EF4-FFF2-40B4-BE49-F238E27FC236}">
-                    <a16:creationId xmlns:a16="http://schemas.microsoft.com/office/drawing/2014/main" xmlns="" id="{E3ED5455-2ACE-4F80-8660-C9C78942E061}"/>
+                    <a16:creationId xmlns="" xmlns:a16="http://schemas.microsoft.com/office/drawing/2014/main" id="{E3ED5455-2ACE-4F80-8660-C9C78942E061}"/>
                   </a:ext>
                 </a:extLst>
               </p:cNvPr>
@@ -11628,7 +11617,7 @@
               <a:blip r:embed="rId5">
                 <a:extLst>
                   <a:ext uri="{96DAC541-7B7A-43D3-8B79-37D633B846F1}">
-                    <asvg:svgBlip xmlns:asvg="http://schemas.microsoft.com/office/drawing/2016/SVG/main" xmlns="" r:embed="rId6"/>
+                    <asvg:svgBlip xmlns="" xmlns:asvg="http://schemas.microsoft.com/office/drawing/2016/SVG/main" r:embed="rId6"/>
                   </a:ext>
                 </a:extLst>
               </a:blip>
@@ -11651,7 +11640,7 @@
               <p:cNvPr id="105" name="Rechteck 104">
                 <a:extLst>
                   <a:ext uri="{FF2B5EF4-FFF2-40B4-BE49-F238E27FC236}">
-                    <a16:creationId xmlns:a16="http://schemas.microsoft.com/office/drawing/2014/main" xmlns="" id="{82C05C09-9668-4C7B-99B4-6CCD1DF3F8C9}"/>
+                    <a16:creationId xmlns="" xmlns:a16="http://schemas.microsoft.com/office/drawing/2014/main" id="{82C05C09-9668-4C7B-99B4-6CCD1DF3F8C9}"/>
                   </a:ext>
                 </a:extLst>
               </p:cNvPr>
@@ -11708,7 +11697,7 @@
           <p:cNvPr id="149" name="Fußzeilenplatzhalter 4">
             <a:extLst>
               <a:ext uri="{FF2B5EF4-FFF2-40B4-BE49-F238E27FC236}">
-                <a16:creationId xmlns:a16="http://schemas.microsoft.com/office/drawing/2014/main" xmlns="" id="{38AB998A-AAF8-49F0-A239-2D93C7A72A4D}"/>
+                <a16:creationId xmlns="" xmlns:a16="http://schemas.microsoft.com/office/drawing/2014/main" id="{38AB998A-AAF8-49F0-A239-2D93C7A72A4D}"/>
               </a:ext>
             </a:extLst>
           </p:cNvPr>
@@ -11755,7 +11744,7 @@
           <p:cNvPr id="8" name="Textfeld 7">
             <a:extLst>
               <a:ext uri="{FF2B5EF4-FFF2-40B4-BE49-F238E27FC236}">
-                <a16:creationId xmlns:a16="http://schemas.microsoft.com/office/drawing/2014/main" xmlns="" id="{2A285A58-EC11-4467-B051-677815423595}"/>
+                <a16:creationId xmlns="" xmlns:a16="http://schemas.microsoft.com/office/drawing/2014/main" id="{2A285A58-EC11-4467-B051-677815423595}"/>
               </a:ext>
             </a:extLst>
           </p:cNvPr>
@@ -11794,7 +11783,7 @@
           <p:cNvPr id="15" name="Grafik 14">
             <a:extLst>
               <a:ext uri="{FF2B5EF4-FFF2-40B4-BE49-F238E27FC236}">
-                <a16:creationId xmlns:a16="http://schemas.microsoft.com/office/drawing/2014/main" xmlns="" id="{06EA8996-FBBA-495C-BB11-8EDE15CCEDF2}"/>
+                <a16:creationId xmlns="" xmlns:a16="http://schemas.microsoft.com/office/drawing/2014/main" id="{06EA8996-FBBA-495C-BB11-8EDE15CCEDF2}"/>
               </a:ext>
             </a:extLst>
           </p:cNvPr>
@@ -11828,7 +11817,7 @@
           <p:cNvPr id="43" name="Grafik 42">
             <a:extLst>
               <a:ext uri="{FF2B5EF4-FFF2-40B4-BE49-F238E27FC236}">
-                <a16:creationId xmlns:a16="http://schemas.microsoft.com/office/drawing/2014/main" xmlns="" id="{1160426F-0D42-4ED9-AFCF-98EA539EBAD7}"/>
+                <a16:creationId xmlns="" xmlns:a16="http://schemas.microsoft.com/office/drawing/2014/main" id="{1160426F-0D42-4ED9-AFCF-98EA539EBAD7}"/>
               </a:ext>
             </a:extLst>
           </p:cNvPr>
@@ -11863,7 +11852,7 @@
           <p:cNvPr id="51" name="Tabelle 5">
             <a:extLst>
               <a:ext uri="{FF2B5EF4-FFF2-40B4-BE49-F238E27FC236}">
-                <a16:creationId xmlns:a16="http://schemas.microsoft.com/office/drawing/2014/main" xmlns="" id="{D7A352C7-D988-46AE-8440-F5561E606A7E}"/>
+                <a16:creationId xmlns="" xmlns:a16="http://schemas.microsoft.com/office/drawing/2014/main" id="{D7A352C7-D988-46AE-8440-F5561E606A7E}"/>
               </a:ext>
             </a:extLst>
           </p:cNvPr>
@@ -11892,42 +11881,42 @@
                 <a:gridCol w="423962">
                   <a:extLst>
                     <a:ext uri="{9D8B030D-6E8A-4147-A177-3AD203B41FA5}">
-                      <a16:colId xmlns:a16="http://schemas.microsoft.com/office/drawing/2014/main" xmlns="" val="4086400923"/>
+                      <a16:colId xmlns="" xmlns:a16="http://schemas.microsoft.com/office/drawing/2014/main" val="4086400923"/>
                     </a:ext>
                   </a:extLst>
                 </a:gridCol>
                 <a:gridCol w="1610435">
                   <a:extLst>
                     <a:ext uri="{9D8B030D-6E8A-4147-A177-3AD203B41FA5}">
-                      <a16:colId xmlns:a16="http://schemas.microsoft.com/office/drawing/2014/main" xmlns="" val="52315562"/>
+                      <a16:colId xmlns="" xmlns:a16="http://schemas.microsoft.com/office/drawing/2014/main" val="52315562"/>
                     </a:ext>
                   </a:extLst>
                 </a:gridCol>
                 <a:gridCol w="736979">
                   <a:extLst>
                     <a:ext uri="{9D8B030D-6E8A-4147-A177-3AD203B41FA5}">
-                      <a16:colId xmlns:a16="http://schemas.microsoft.com/office/drawing/2014/main" xmlns="" val="2562668695"/>
+                      <a16:colId xmlns="" xmlns:a16="http://schemas.microsoft.com/office/drawing/2014/main" val="2562668695"/>
                     </a:ext>
                   </a:extLst>
                 </a:gridCol>
                 <a:gridCol w="1009935">
                   <a:extLst>
                     <a:ext uri="{9D8B030D-6E8A-4147-A177-3AD203B41FA5}">
-                      <a16:colId xmlns:a16="http://schemas.microsoft.com/office/drawing/2014/main" xmlns="" val="219476301"/>
+                      <a16:colId xmlns="" xmlns:a16="http://schemas.microsoft.com/office/drawing/2014/main" val="219476301"/>
                     </a:ext>
                   </a:extLst>
                 </a:gridCol>
                 <a:gridCol w="1569492">
                   <a:extLst>
                     <a:ext uri="{9D8B030D-6E8A-4147-A177-3AD203B41FA5}">
-                      <a16:colId xmlns:a16="http://schemas.microsoft.com/office/drawing/2014/main" xmlns="" val="1152038913"/>
+                      <a16:colId xmlns="" xmlns:a16="http://schemas.microsoft.com/office/drawing/2014/main" val="1152038913"/>
                     </a:ext>
                   </a:extLst>
                 </a:gridCol>
                 <a:gridCol w="2777199">
                   <a:extLst>
                     <a:ext uri="{9D8B030D-6E8A-4147-A177-3AD203B41FA5}">
-                      <a16:colId xmlns:a16="http://schemas.microsoft.com/office/drawing/2014/main" xmlns="" val="2607541972"/>
+                      <a16:colId xmlns="" xmlns:a16="http://schemas.microsoft.com/office/drawing/2014/main" val="2607541972"/>
                     </a:ext>
                   </a:extLst>
                 </a:gridCol>
@@ -12295,7 +12284,7 @@
                 </a:tc>
                 <a:extLst>
                   <a:ext uri="{0D108BD9-81ED-4DB2-BD59-A6C34878D82A}">
-                    <a16:rowId xmlns:a16="http://schemas.microsoft.com/office/drawing/2014/main" xmlns="" val="2668754666"/>
+                    <a16:rowId xmlns="" xmlns:a16="http://schemas.microsoft.com/office/drawing/2014/main" val="2668754666"/>
                   </a:ext>
                 </a:extLst>
               </a:tr>
@@ -12661,7 +12650,7 @@
                 </a:tc>
                 <a:extLst>
                   <a:ext uri="{0D108BD9-81ED-4DB2-BD59-A6C34878D82A}">
-                    <a16:rowId xmlns:a16="http://schemas.microsoft.com/office/drawing/2014/main" xmlns="" val="3933279782"/>
+                    <a16:rowId xmlns="" xmlns:a16="http://schemas.microsoft.com/office/drawing/2014/main" val="3933279782"/>
                   </a:ext>
                 </a:extLst>
               </a:tr>
@@ -12674,7 +12663,7 @@
           <p:cNvPr id="52" name="Textfeld 51">
             <a:extLst>
               <a:ext uri="{FF2B5EF4-FFF2-40B4-BE49-F238E27FC236}">
-                <a16:creationId xmlns:a16="http://schemas.microsoft.com/office/drawing/2014/main" xmlns="" id="{7EDA76FD-9EEB-466D-8B8E-0C89F7935E36}"/>
+                <a16:creationId xmlns="" xmlns:a16="http://schemas.microsoft.com/office/drawing/2014/main" id="{7EDA76FD-9EEB-466D-8B8E-0C89F7935E36}"/>
               </a:ext>
             </a:extLst>
           </p:cNvPr>
@@ -12713,7 +12702,7 @@
           <p:cNvPr id="53" name="Textfeld 52">
             <a:extLst>
               <a:ext uri="{FF2B5EF4-FFF2-40B4-BE49-F238E27FC236}">
-                <a16:creationId xmlns:a16="http://schemas.microsoft.com/office/drawing/2014/main" xmlns="" id="{8C172A5C-17ED-4F47-B761-50F94C0DD108}"/>
+                <a16:creationId xmlns="" xmlns:a16="http://schemas.microsoft.com/office/drawing/2014/main" id="{8C172A5C-17ED-4F47-B761-50F94C0DD108}"/>
               </a:ext>
             </a:extLst>
           </p:cNvPr>
@@ -12768,7 +12757,7 @@
           <p:cNvPr id="54" name="Textfeld 53">
             <a:extLst>
               <a:ext uri="{FF2B5EF4-FFF2-40B4-BE49-F238E27FC236}">
-                <a16:creationId xmlns:a16="http://schemas.microsoft.com/office/drawing/2014/main" xmlns="" id="{F10731F7-020B-469F-9601-1512D709B42B}"/>
+                <a16:creationId xmlns="" xmlns:a16="http://schemas.microsoft.com/office/drawing/2014/main" id="{F10731F7-020B-469F-9601-1512D709B42B}"/>
               </a:ext>
             </a:extLst>
           </p:cNvPr>
@@ -12860,7 +12849,7 @@
           <p:cNvPr id="17" name="Titel 1">
             <a:extLst>
               <a:ext uri="{FF2B5EF4-FFF2-40B4-BE49-F238E27FC236}">
-                <a16:creationId xmlns:a16="http://schemas.microsoft.com/office/drawing/2014/main" xmlns="" id="{2EBD46AD-74A3-41B6-A7F5-704EE709693A}"/>
+                <a16:creationId xmlns="" xmlns:a16="http://schemas.microsoft.com/office/drawing/2014/main" id="{2EBD46AD-74A3-41B6-A7F5-704EE709693A}"/>
               </a:ext>
             </a:extLst>
           </p:cNvPr>
@@ -12918,7 +12907,7 @@
           <p:cNvPr id="20" name="Foliennummernplatzhalter 4">
             <a:extLst>
               <a:ext uri="{FF2B5EF4-FFF2-40B4-BE49-F238E27FC236}">
-                <a16:creationId xmlns:a16="http://schemas.microsoft.com/office/drawing/2014/main" xmlns="" id="{C6BBC18E-2DC9-4371-91F5-85FBFBEA87D3}"/>
+                <a16:creationId xmlns="" xmlns:a16="http://schemas.microsoft.com/office/drawing/2014/main" id="{C6BBC18E-2DC9-4371-91F5-85FBFBEA87D3}"/>
               </a:ext>
             </a:extLst>
           </p:cNvPr>
@@ -12952,7 +12941,7 @@
           <p:cNvPr id="21" name="Fußzeilenplatzhalter 4">
             <a:extLst>
               <a:ext uri="{FF2B5EF4-FFF2-40B4-BE49-F238E27FC236}">
-                <a16:creationId xmlns:a16="http://schemas.microsoft.com/office/drawing/2014/main" xmlns="" id="{D061155E-5094-4E60-B698-3213B33D15A0}"/>
+                <a16:creationId xmlns="" xmlns:a16="http://schemas.microsoft.com/office/drawing/2014/main" id="{D061155E-5094-4E60-B698-3213B33D15A0}"/>
               </a:ext>
             </a:extLst>
           </p:cNvPr>
@@ -12999,7 +12988,7 @@
           <p:cNvPr id="31" name="Pfeil: nach rechts 30">
             <a:extLst>
               <a:ext uri="{FF2B5EF4-FFF2-40B4-BE49-F238E27FC236}">
-                <a16:creationId xmlns:a16="http://schemas.microsoft.com/office/drawing/2014/main" xmlns="" id="{2AE91C83-BD37-474A-A380-D3CB5C40E09C}"/>
+                <a16:creationId xmlns="" xmlns:a16="http://schemas.microsoft.com/office/drawing/2014/main" id="{2AE91C83-BD37-474A-A380-D3CB5C40E09C}"/>
               </a:ext>
             </a:extLst>
           </p:cNvPr>
@@ -13045,7 +13034,7 @@
           <p:cNvPr id="47" name="Gruppieren 46">
             <a:extLst>
               <a:ext uri="{FF2B5EF4-FFF2-40B4-BE49-F238E27FC236}">
-                <a16:creationId xmlns:a16="http://schemas.microsoft.com/office/drawing/2014/main" xmlns="" id="{5028FA54-1E23-496A-8298-1AAE2CEFB4B3}"/>
+                <a16:creationId xmlns="" xmlns:a16="http://schemas.microsoft.com/office/drawing/2014/main" id="{5028FA54-1E23-496A-8298-1AAE2CEFB4B3}"/>
               </a:ext>
             </a:extLst>
           </p:cNvPr>
@@ -13065,7 +13054,7 @@
             <p:cNvPr id="33" name="Grafik 32" descr="Ein Bild, das Text, Zeitung enthält.&#10;&#10;Automatisch generierte Beschreibung">
               <a:extLst>
                 <a:ext uri="{FF2B5EF4-FFF2-40B4-BE49-F238E27FC236}">
-                  <a16:creationId xmlns:a16="http://schemas.microsoft.com/office/drawing/2014/main" xmlns="" id="{079C02F9-4274-4B49-BAF3-94FA77854853}"/>
+                  <a16:creationId xmlns="" xmlns:a16="http://schemas.microsoft.com/office/drawing/2014/main" id="{079C02F9-4274-4B49-BAF3-94FA77854853}"/>
                 </a:ext>
               </a:extLst>
             </p:cNvPr>
@@ -13099,7 +13088,7 @@
             <p:cNvPr id="34" name="Rechteck 33">
               <a:extLst>
                 <a:ext uri="{FF2B5EF4-FFF2-40B4-BE49-F238E27FC236}">
-                  <a16:creationId xmlns:a16="http://schemas.microsoft.com/office/drawing/2014/main" xmlns="" id="{4470A44F-58C6-4BEA-B35F-377016EC3199}"/>
+                  <a16:creationId xmlns="" xmlns:a16="http://schemas.microsoft.com/office/drawing/2014/main" id="{4470A44F-58C6-4BEA-B35F-377016EC3199}"/>
                 </a:ext>
               </a:extLst>
             </p:cNvPr>
@@ -13143,7 +13132,7 @@
             <p:cNvPr id="43" name="Rechteck 42">
               <a:extLst>
                 <a:ext uri="{FF2B5EF4-FFF2-40B4-BE49-F238E27FC236}">
-                  <a16:creationId xmlns:a16="http://schemas.microsoft.com/office/drawing/2014/main" xmlns="" id="{BFA74AC2-91FF-4875-A2BF-021ED536338C}"/>
+                  <a16:creationId xmlns="" xmlns:a16="http://schemas.microsoft.com/office/drawing/2014/main" id="{BFA74AC2-91FF-4875-A2BF-021ED536338C}"/>
                 </a:ext>
               </a:extLst>
             </p:cNvPr>
@@ -13198,7 +13187,7 @@
             <p:cNvPr id="44" name="Rechteck 43">
               <a:extLst>
                 <a:ext uri="{FF2B5EF4-FFF2-40B4-BE49-F238E27FC236}">
-                  <a16:creationId xmlns:a16="http://schemas.microsoft.com/office/drawing/2014/main" xmlns="" id="{9F53F852-1E85-4239-B209-CED1E41DBA69}"/>
+                  <a16:creationId xmlns="" xmlns:a16="http://schemas.microsoft.com/office/drawing/2014/main" id="{9F53F852-1E85-4239-B209-CED1E41DBA69}"/>
                 </a:ext>
               </a:extLst>
             </p:cNvPr>
@@ -13253,7 +13242,7 @@
             <p:cNvPr id="45" name="Rechteck 44">
               <a:extLst>
                 <a:ext uri="{FF2B5EF4-FFF2-40B4-BE49-F238E27FC236}">
-                  <a16:creationId xmlns:a16="http://schemas.microsoft.com/office/drawing/2014/main" xmlns="" id="{D824AF27-2085-4CFE-8526-20AA941F8347}"/>
+                  <a16:creationId xmlns="" xmlns:a16="http://schemas.microsoft.com/office/drawing/2014/main" id="{D824AF27-2085-4CFE-8526-20AA941F8347}"/>
                 </a:ext>
               </a:extLst>
             </p:cNvPr>
@@ -13303,7 +13292,7 @@
             <p:cNvPr id="46" name="Rechteck 45">
               <a:extLst>
                 <a:ext uri="{FF2B5EF4-FFF2-40B4-BE49-F238E27FC236}">
-                  <a16:creationId xmlns:a16="http://schemas.microsoft.com/office/drawing/2014/main" xmlns="" id="{DD4BD3E9-D619-4725-826D-46196A6B6222}"/>
+                  <a16:creationId xmlns="" xmlns:a16="http://schemas.microsoft.com/office/drawing/2014/main" id="{DD4BD3E9-D619-4725-826D-46196A6B6222}"/>
                 </a:ext>
               </a:extLst>
             </p:cNvPr>
@@ -13376,7 +13365,7 @@
           <p:cNvPr id="55" name="Gruppieren 54">
             <a:extLst>
               <a:ext uri="{FF2B5EF4-FFF2-40B4-BE49-F238E27FC236}">
-                <a16:creationId xmlns:a16="http://schemas.microsoft.com/office/drawing/2014/main" xmlns="" id="{81C248F1-6A49-4B43-A505-9C87F4BE2091}"/>
+                <a16:creationId xmlns="" xmlns:a16="http://schemas.microsoft.com/office/drawing/2014/main" id="{81C248F1-6A49-4B43-A505-9C87F4BE2091}"/>
               </a:ext>
             </a:extLst>
           </p:cNvPr>
@@ -13396,7 +13385,7 @@
             <p:cNvPr id="9" name="Grafik 8">
               <a:extLst>
                 <a:ext uri="{FF2B5EF4-FFF2-40B4-BE49-F238E27FC236}">
-                  <a16:creationId xmlns:a16="http://schemas.microsoft.com/office/drawing/2014/main" xmlns="" id="{043F74D8-AA15-4253-AAB8-0FF0402364FE}"/>
+                  <a16:creationId xmlns="" xmlns:a16="http://schemas.microsoft.com/office/drawing/2014/main" id="{043F74D8-AA15-4253-AAB8-0FF0402364FE}"/>
                 </a:ext>
               </a:extLst>
             </p:cNvPr>
@@ -13447,7 +13436,7 @@
             <p:cNvPr id="11" name="Textfeld 10">
               <a:extLst>
                 <a:ext uri="{FF2B5EF4-FFF2-40B4-BE49-F238E27FC236}">
-                  <a16:creationId xmlns:a16="http://schemas.microsoft.com/office/drawing/2014/main" xmlns="" id="{3E04B350-D4EB-4B36-A24E-73CEE07893B9}"/>
+                  <a16:creationId xmlns="" xmlns:a16="http://schemas.microsoft.com/office/drawing/2014/main" id="{3E04B350-D4EB-4B36-A24E-73CEE07893B9}"/>
                 </a:ext>
               </a:extLst>
             </p:cNvPr>
@@ -13482,7 +13471,7 @@
             <p:cNvPr id="23" name="Textfeld 22">
               <a:extLst>
                 <a:ext uri="{FF2B5EF4-FFF2-40B4-BE49-F238E27FC236}">
-                  <a16:creationId xmlns:a16="http://schemas.microsoft.com/office/drawing/2014/main" xmlns="" id="{F0A6203A-72C7-49C0-A521-CC95D71B6DCD}"/>
+                  <a16:creationId xmlns="" xmlns:a16="http://schemas.microsoft.com/office/drawing/2014/main" id="{F0A6203A-72C7-49C0-A521-CC95D71B6DCD}"/>
                 </a:ext>
               </a:extLst>
             </p:cNvPr>
@@ -13534,7 +13523,7 @@
             <p:cNvPr id="24" name="Textfeld 23">
               <a:extLst>
                 <a:ext uri="{FF2B5EF4-FFF2-40B4-BE49-F238E27FC236}">
-                  <a16:creationId xmlns:a16="http://schemas.microsoft.com/office/drawing/2014/main" xmlns="" id="{F3E37D8F-32B2-4887-AE73-C978EBE181EE}"/>
+                  <a16:creationId xmlns="" xmlns:a16="http://schemas.microsoft.com/office/drawing/2014/main" id="{F3E37D8F-32B2-4887-AE73-C978EBE181EE}"/>
                 </a:ext>
               </a:extLst>
             </p:cNvPr>
@@ -13582,7 +13571,7 @@
             <p:cNvPr id="26" name="Gerade Verbindung mit Pfeil 25">
               <a:extLst>
                 <a:ext uri="{FF2B5EF4-FFF2-40B4-BE49-F238E27FC236}">
-                  <a16:creationId xmlns:a16="http://schemas.microsoft.com/office/drawing/2014/main" xmlns="" id="{F5D42A88-50F0-4778-AED3-18EB17D11AC0}"/>
+                  <a16:creationId xmlns="" xmlns:a16="http://schemas.microsoft.com/office/drawing/2014/main" id="{F5D42A88-50F0-4778-AED3-18EB17D11AC0}"/>
                 </a:ext>
               </a:extLst>
             </p:cNvPr>
@@ -13621,7 +13610,7 @@
             <p:cNvPr id="28" name="Gerade Verbindung mit Pfeil 27">
               <a:extLst>
                 <a:ext uri="{FF2B5EF4-FFF2-40B4-BE49-F238E27FC236}">
-                  <a16:creationId xmlns:a16="http://schemas.microsoft.com/office/drawing/2014/main" xmlns="" id="{15767095-A73F-43B1-BD45-BE31101B9B21}"/>
+                  <a16:creationId xmlns="" xmlns:a16="http://schemas.microsoft.com/office/drawing/2014/main" id="{15767095-A73F-43B1-BD45-BE31101B9B21}"/>
                 </a:ext>
               </a:extLst>
             </p:cNvPr>
@@ -13662,7 +13651,7 @@
             <p:cNvPr id="48" name="Rechteck 47">
               <a:extLst>
                 <a:ext uri="{FF2B5EF4-FFF2-40B4-BE49-F238E27FC236}">
-                  <a16:creationId xmlns:a16="http://schemas.microsoft.com/office/drawing/2014/main" xmlns="" id="{88C0AD59-8733-4532-A9CA-3B91209C67D4}"/>
+                  <a16:creationId xmlns="" xmlns:a16="http://schemas.microsoft.com/office/drawing/2014/main" id="{88C0AD59-8733-4532-A9CA-3B91209C67D4}"/>
                 </a:ext>
               </a:extLst>
             </p:cNvPr>
@@ -13714,7 +13703,7 @@
             <p:cNvPr id="52" name="Grafik 51" descr="Chat RNL">
               <a:extLst>
                 <a:ext uri="{FF2B5EF4-FFF2-40B4-BE49-F238E27FC236}">
-                  <a16:creationId xmlns:a16="http://schemas.microsoft.com/office/drawing/2014/main" xmlns="" id="{86DEB768-D212-4C0C-A32B-1375872FCAE7}"/>
+                  <a16:creationId xmlns="" xmlns:a16="http://schemas.microsoft.com/office/drawing/2014/main" id="{86DEB768-D212-4C0C-A32B-1375872FCAE7}"/>
                 </a:ext>
               </a:extLst>
             </p:cNvPr>
@@ -13727,7 +13716,7 @@
             <a:blip r:embed="rId6">
               <a:extLst>
                 <a:ext uri="{96DAC541-7B7A-43D3-8B79-37D633B846F1}">
-                  <asvg:svgBlip xmlns:asvg="http://schemas.microsoft.com/office/drawing/2016/SVG/main" xmlns="" r:embed="rId7"/>
+                  <asvg:svgBlip xmlns="" xmlns:asvg="http://schemas.microsoft.com/office/drawing/2016/SVG/main" r:embed="rId7"/>
                 </a:ext>
               </a:extLst>
             </a:blip>
@@ -13750,7 +13739,7 @@
             <p:cNvPr id="50" name="Grafik 49" descr="Chat">
               <a:extLst>
                 <a:ext uri="{FF2B5EF4-FFF2-40B4-BE49-F238E27FC236}">
-                  <a16:creationId xmlns:a16="http://schemas.microsoft.com/office/drawing/2014/main" xmlns="" id="{8AD0F9F7-82F2-4FDF-B1FD-EAFF585C9122}"/>
+                  <a16:creationId xmlns="" xmlns:a16="http://schemas.microsoft.com/office/drawing/2014/main" id="{8AD0F9F7-82F2-4FDF-B1FD-EAFF585C9122}"/>
                 </a:ext>
               </a:extLst>
             </p:cNvPr>
@@ -13763,7 +13752,7 @@
             <a:blip r:embed="rId8">
               <a:extLst>
                 <a:ext uri="{96DAC541-7B7A-43D3-8B79-37D633B846F1}">
-                  <asvg:svgBlip xmlns:asvg="http://schemas.microsoft.com/office/drawing/2016/SVG/main" xmlns="" r:embed="rId9"/>
+                  <asvg:svgBlip xmlns="" xmlns:asvg="http://schemas.microsoft.com/office/drawing/2016/SVG/main" r:embed="rId9"/>
                 </a:ext>
               </a:extLst>
             </a:blip>
@@ -13787,7 +13776,7 @@
           <p:cNvPr id="56" name="Textfeld 55">
             <a:extLst>
               <a:ext uri="{FF2B5EF4-FFF2-40B4-BE49-F238E27FC236}">
-                <a16:creationId xmlns:a16="http://schemas.microsoft.com/office/drawing/2014/main" xmlns="" id="{C007C55E-AA99-4859-ABD9-51E32F705A40}"/>
+                <a16:creationId xmlns="" xmlns:a16="http://schemas.microsoft.com/office/drawing/2014/main" id="{C007C55E-AA99-4859-ABD9-51E32F705A40}"/>
               </a:ext>
             </a:extLst>
           </p:cNvPr>
@@ -13939,7 +13928,7 @@
           <p:cNvPr id="5" name="Foliennummernplatzhalter 4">
             <a:extLst>
               <a:ext uri="{FF2B5EF4-FFF2-40B4-BE49-F238E27FC236}">
-                <a16:creationId xmlns:a16="http://schemas.microsoft.com/office/drawing/2014/main" xmlns="" id="{99217DC6-63A8-46E5-BFF7-2750383C7113}"/>
+                <a16:creationId xmlns="" xmlns:a16="http://schemas.microsoft.com/office/drawing/2014/main" id="{99217DC6-63A8-46E5-BFF7-2750383C7113}"/>
               </a:ext>
             </a:extLst>
           </p:cNvPr>
@@ -13973,7 +13962,7 @@
           <p:cNvPr id="17" name="Titel 1">
             <a:extLst>
               <a:ext uri="{FF2B5EF4-FFF2-40B4-BE49-F238E27FC236}">
-                <a16:creationId xmlns:a16="http://schemas.microsoft.com/office/drawing/2014/main" xmlns="" id="{2EBD46AD-74A3-41B6-A7F5-704EE709693A}"/>
+                <a16:creationId xmlns="" xmlns:a16="http://schemas.microsoft.com/office/drawing/2014/main" id="{2EBD46AD-74A3-41B6-A7F5-704EE709693A}"/>
               </a:ext>
             </a:extLst>
           </p:cNvPr>
@@ -14031,7 +14020,7 @@
           <p:cNvPr id="19" name="Inhaltsplatzhalter 2">
             <a:extLst>
               <a:ext uri="{FF2B5EF4-FFF2-40B4-BE49-F238E27FC236}">
-                <a16:creationId xmlns:a16="http://schemas.microsoft.com/office/drawing/2014/main" xmlns="" id="{FD7E6F18-D74A-4FE7-8CC2-71466EBAC41D}"/>
+                <a16:creationId xmlns="" xmlns:a16="http://schemas.microsoft.com/office/drawing/2014/main" id="{FD7E6F18-D74A-4FE7-8CC2-71466EBAC41D}"/>
               </a:ext>
             </a:extLst>
           </p:cNvPr>
@@ -14066,7 +14055,7 @@
           <p:cNvPr id="9" name="Fußzeilenplatzhalter 4">
             <a:extLst>
               <a:ext uri="{FF2B5EF4-FFF2-40B4-BE49-F238E27FC236}">
-                <a16:creationId xmlns:a16="http://schemas.microsoft.com/office/drawing/2014/main" xmlns="" id="{B345DB79-866F-470F-A020-38A82E790402}"/>
+                <a16:creationId xmlns="" xmlns:a16="http://schemas.microsoft.com/office/drawing/2014/main" id="{B345DB79-866F-470F-A020-38A82E790402}"/>
               </a:ext>
             </a:extLst>
           </p:cNvPr>
@@ -14150,7 +14139,7 @@
           <p:cNvPr id="5" name="Foliennummernplatzhalter 4">
             <a:extLst>
               <a:ext uri="{FF2B5EF4-FFF2-40B4-BE49-F238E27FC236}">
-                <a16:creationId xmlns:a16="http://schemas.microsoft.com/office/drawing/2014/main" xmlns="" id="{99217DC6-63A8-46E5-BFF7-2750383C7113}"/>
+                <a16:creationId xmlns="" xmlns:a16="http://schemas.microsoft.com/office/drawing/2014/main" id="{99217DC6-63A8-46E5-BFF7-2750383C7113}"/>
               </a:ext>
             </a:extLst>
           </p:cNvPr>
@@ -14184,7 +14173,7 @@
           <p:cNvPr id="17" name="Titel 1">
             <a:extLst>
               <a:ext uri="{FF2B5EF4-FFF2-40B4-BE49-F238E27FC236}">
-                <a16:creationId xmlns:a16="http://schemas.microsoft.com/office/drawing/2014/main" xmlns="" id="{2EBD46AD-74A3-41B6-A7F5-704EE709693A}"/>
+                <a16:creationId xmlns="" xmlns:a16="http://schemas.microsoft.com/office/drawing/2014/main" id="{2EBD46AD-74A3-41B6-A7F5-704EE709693A}"/>
               </a:ext>
             </a:extLst>
           </p:cNvPr>
@@ -14242,7 +14231,7 @@
           <p:cNvPr id="19" name="Inhaltsplatzhalter 2">
             <a:extLst>
               <a:ext uri="{FF2B5EF4-FFF2-40B4-BE49-F238E27FC236}">
-                <a16:creationId xmlns:a16="http://schemas.microsoft.com/office/drawing/2014/main" xmlns="" id="{FD7E6F18-D74A-4FE7-8CC2-71466EBAC41D}"/>
+                <a16:creationId xmlns="" xmlns:a16="http://schemas.microsoft.com/office/drawing/2014/main" id="{FD7E6F18-D74A-4FE7-8CC2-71466EBAC41D}"/>
               </a:ext>
             </a:extLst>
           </p:cNvPr>
@@ -14304,7 +14293,7 @@
           <p:cNvPr id="9" name="Fußzeilenplatzhalter 4">
             <a:extLst>
               <a:ext uri="{FF2B5EF4-FFF2-40B4-BE49-F238E27FC236}">
-                <a16:creationId xmlns:a16="http://schemas.microsoft.com/office/drawing/2014/main" xmlns="" id="{23D9C101-DEEE-48AF-943F-A19A0851F7F1}"/>
+                <a16:creationId xmlns="" xmlns:a16="http://schemas.microsoft.com/office/drawing/2014/main" id="{23D9C101-DEEE-48AF-943F-A19A0851F7F1}"/>
               </a:ext>
             </a:extLst>
           </p:cNvPr>
@@ -14388,7 +14377,7 @@
           <p:cNvPr id="6" name="Titel 1">
             <a:extLst>
               <a:ext uri="{FF2B5EF4-FFF2-40B4-BE49-F238E27FC236}">
-                <a16:creationId xmlns:a16="http://schemas.microsoft.com/office/drawing/2014/main" xmlns="" id="{BA1EDD0E-46AA-4A32-98A0-F40610BB1221}"/>
+                <a16:creationId xmlns="" xmlns:a16="http://schemas.microsoft.com/office/drawing/2014/main" id="{BA1EDD0E-46AA-4A32-98A0-F40610BB1221}"/>
               </a:ext>
             </a:extLst>
           </p:cNvPr>
@@ -14446,7 +14435,7 @@
           <p:cNvPr id="7" name="Textfeld 6">
             <a:extLst>
               <a:ext uri="{FF2B5EF4-FFF2-40B4-BE49-F238E27FC236}">
-                <a16:creationId xmlns:a16="http://schemas.microsoft.com/office/drawing/2014/main" xmlns="" id="{CC3F66DD-589E-4203-B4CE-EF6CEF0CB976}"/>
+                <a16:creationId xmlns="" xmlns:a16="http://schemas.microsoft.com/office/drawing/2014/main" id="{CC3F66DD-589E-4203-B4CE-EF6CEF0CB976}"/>
               </a:ext>
             </a:extLst>
           </p:cNvPr>
@@ -14650,7 +14639,7 @@
           <p:cNvPr id="10" name="Tabelle 10">
             <a:extLst>
               <a:ext uri="{FF2B5EF4-FFF2-40B4-BE49-F238E27FC236}">
-                <a16:creationId xmlns:a16="http://schemas.microsoft.com/office/drawing/2014/main" xmlns="" id="{51CD9A42-E94E-4600-B2F3-87ED14CD5834}"/>
+                <a16:creationId xmlns="" xmlns:a16="http://schemas.microsoft.com/office/drawing/2014/main" id="{51CD9A42-E94E-4600-B2F3-87ED14CD5834}"/>
               </a:ext>
             </a:extLst>
           </p:cNvPr>
@@ -14679,21 +14668,21 @@
                 <a:gridCol w="967101">
                   <a:extLst>
                     <a:ext uri="{9D8B030D-6E8A-4147-A177-3AD203B41FA5}">
-                      <a16:colId xmlns:a16="http://schemas.microsoft.com/office/drawing/2014/main" xmlns="" val="2597567428"/>
+                      <a16:colId xmlns="" xmlns:a16="http://schemas.microsoft.com/office/drawing/2014/main" val="2597567428"/>
                     </a:ext>
                   </a:extLst>
                 </a:gridCol>
                 <a:gridCol w="4449170">
                   <a:extLst>
                     <a:ext uri="{9D8B030D-6E8A-4147-A177-3AD203B41FA5}">
-                      <a16:colId xmlns:a16="http://schemas.microsoft.com/office/drawing/2014/main" xmlns="" val="1025539952"/>
+                      <a16:colId xmlns="" xmlns:a16="http://schemas.microsoft.com/office/drawing/2014/main" val="1025539952"/>
                     </a:ext>
                   </a:extLst>
                 </a:gridCol>
                 <a:gridCol w="4940314">
                   <a:extLst>
                     <a:ext uri="{9D8B030D-6E8A-4147-A177-3AD203B41FA5}">
-                      <a16:colId xmlns:a16="http://schemas.microsoft.com/office/drawing/2014/main" xmlns="" val="314499045"/>
+                      <a16:colId xmlns="" xmlns:a16="http://schemas.microsoft.com/office/drawing/2014/main" val="314499045"/>
                     </a:ext>
                   </a:extLst>
                 </a:gridCol>
@@ -14906,7 +14895,7 @@
                 </a:tc>
                 <a:extLst>
                   <a:ext uri="{0D108BD9-81ED-4DB2-BD59-A6C34878D82A}">
-                    <a16:rowId xmlns:a16="http://schemas.microsoft.com/office/drawing/2014/main" xmlns="" val="3457716615"/>
+                    <a16:rowId xmlns="" xmlns:a16="http://schemas.microsoft.com/office/drawing/2014/main" val="3457716615"/>
                   </a:ext>
                 </a:extLst>
               </a:tr>
@@ -15105,7 +15094,7 @@
                 </a:tc>
                 <a:extLst>
                   <a:ext uri="{0D108BD9-81ED-4DB2-BD59-A6C34878D82A}">
-                    <a16:rowId xmlns:a16="http://schemas.microsoft.com/office/drawing/2014/main" xmlns="" val="296185072"/>
+                    <a16:rowId xmlns="" xmlns:a16="http://schemas.microsoft.com/office/drawing/2014/main" val="296185072"/>
                   </a:ext>
                 </a:extLst>
               </a:tr>
@@ -15259,7 +15248,7 @@
                 </a:tc>
                 <a:extLst>
                   <a:ext uri="{0D108BD9-81ED-4DB2-BD59-A6C34878D82A}">
-                    <a16:rowId xmlns:a16="http://schemas.microsoft.com/office/drawing/2014/main" xmlns="" val="2915069498"/>
+                    <a16:rowId xmlns="" xmlns:a16="http://schemas.microsoft.com/office/drawing/2014/main" val="2915069498"/>
                   </a:ext>
                 </a:extLst>
               </a:tr>
@@ -15459,7 +15448,7 @@
                 </a:tc>
                 <a:extLst>
                   <a:ext uri="{0D108BD9-81ED-4DB2-BD59-A6C34878D82A}">
-                    <a16:rowId xmlns:a16="http://schemas.microsoft.com/office/drawing/2014/main" xmlns="" val="2868224674"/>
+                    <a16:rowId xmlns="" xmlns:a16="http://schemas.microsoft.com/office/drawing/2014/main" val="2868224674"/>
                   </a:ext>
                 </a:extLst>
               </a:tr>
@@ -15619,7 +15608,7 @@
                 </a:tc>
                 <a:extLst>
                   <a:ext uri="{0D108BD9-81ED-4DB2-BD59-A6C34878D82A}">
-                    <a16:rowId xmlns:a16="http://schemas.microsoft.com/office/drawing/2014/main" xmlns="" val="3050668472"/>
+                    <a16:rowId xmlns="" xmlns:a16="http://schemas.microsoft.com/office/drawing/2014/main" val="3050668472"/>
                   </a:ext>
                 </a:extLst>
               </a:tr>
@@ -15761,7 +15750,7 @@
                 </a:tc>
                 <a:extLst>
                   <a:ext uri="{0D108BD9-81ED-4DB2-BD59-A6C34878D82A}">
-                    <a16:rowId xmlns:a16="http://schemas.microsoft.com/office/drawing/2014/main" xmlns="" val="621295759"/>
+                    <a16:rowId xmlns="" xmlns:a16="http://schemas.microsoft.com/office/drawing/2014/main" val="621295759"/>
                   </a:ext>
                 </a:extLst>
               </a:tr>
@@ -15811,7 +15800,7 @@
           <p:cNvPr id="9" name="Inhaltsplatzhalter 2">
             <a:extLst>
               <a:ext uri="{FF2B5EF4-FFF2-40B4-BE49-F238E27FC236}">
-                <a16:creationId xmlns:a16="http://schemas.microsoft.com/office/drawing/2014/main" xmlns="" id="{74153CEA-CD58-4C65-AE0B-36B253E09D47}"/>
+                <a16:creationId xmlns="" xmlns:a16="http://schemas.microsoft.com/office/drawing/2014/main" id="{74153CEA-CD58-4C65-AE0B-36B253E09D47}"/>
               </a:ext>
             </a:extLst>
           </p:cNvPr>
@@ -16325,7 +16314,7 @@
           <p:cNvPr id="46" name="Inhaltsplatzhalter 2">
             <a:extLst>
               <a:ext uri="{FF2B5EF4-FFF2-40B4-BE49-F238E27FC236}">
-                <a16:creationId xmlns:a16="http://schemas.microsoft.com/office/drawing/2014/main" xmlns="" id="{0F26518F-0A69-4734-BA87-0B8E3EF94156}"/>
+                <a16:creationId xmlns="" xmlns:a16="http://schemas.microsoft.com/office/drawing/2014/main" id="{0F26518F-0A69-4734-BA87-0B8E3EF94156}"/>
               </a:ext>
             </a:extLst>
           </p:cNvPr>
@@ -16546,7 +16535,7 @@
           <p:cNvPr id="67" name="Gerade Verbindung mit Pfeil 66">
             <a:extLst>
               <a:ext uri="{FF2B5EF4-FFF2-40B4-BE49-F238E27FC236}">
-                <a16:creationId xmlns:a16="http://schemas.microsoft.com/office/drawing/2014/main" xmlns="" id="{7FAB1279-3954-449A-9809-2898A9D30786}"/>
+                <a16:creationId xmlns="" xmlns:a16="http://schemas.microsoft.com/office/drawing/2014/main" id="{7FAB1279-3954-449A-9809-2898A9D30786}"/>
               </a:ext>
             </a:extLst>
           </p:cNvPr>
@@ -16587,7 +16576,7 @@
           <p:cNvPr id="32" name="Inhaltsplatzhalter 2">
             <a:extLst>
               <a:ext uri="{FF2B5EF4-FFF2-40B4-BE49-F238E27FC236}">
-                <a16:creationId xmlns:a16="http://schemas.microsoft.com/office/drawing/2014/main" xmlns="" id="{B73C8442-401C-4ED8-A3D6-C2C0FB12E87F}"/>
+                <a16:creationId xmlns="" xmlns:a16="http://schemas.microsoft.com/office/drawing/2014/main" id="{B73C8442-401C-4ED8-A3D6-C2C0FB12E87F}"/>
               </a:ext>
             </a:extLst>
           </p:cNvPr>
@@ -16808,7 +16797,7 @@
           <p:cNvPr id="5" name="Foliennummernplatzhalter 4">
             <a:extLst>
               <a:ext uri="{FF2B5EF4-FFF2-40B4-BE49-F238E27FC236}">
-                <a16:creationId xmlns:a16="http://schemas.microsoft.com/office/drawing/2014/main" xmlns="" id="{99217DC6-63A8-46E5-BFF7-2750383C7113}"/>
+                <a16:creationId xmlns="" xmlns:a16="http://schemas.microsoft.com/office/drawing/2014/main" id="{99217DC6-63A8-46E5-BFF7-2750383C7113}"/>
               </a:ext>
             </a:extLst>
           </p:cNvPr>
@@ -16842,7 +16831,7 @@
           <p:cNvPr id="17" name="Titel 1">
             <a:extLst>
               <a:ext uri="{FF2B5EF4-FFF2-40B4-BE49-F238E27FC236}">
-                <a16:creationId xmlns:a16="http://schemas.microsoft.com/office/drawing/2014/main" xmlns="" id="{2EBD46AD-74A3-41B6-A7F5-704EE709693A}"/>
+                <a16:creationId xmlns="" xmlns:a16="http://schemas.microsoft.com/office/drawing/2014/main" id="{2EBD46AD-74A3-41B6-A7F5-704EE709693A}"/>
               </a:ext>
             </a:extLst>
           </p:cNvPr>
@@ -16912,7 +16901,7 @@
           <p:cNvPr id="19" name="Inhaltsplatzhalter 2">
             <a:extLst>
               <a:ext uri="{FF2B5EF4-FFF2-40B4-BE49-F238E27FC236}">
-                <a16:creationId xmlns:a16="http://schemas.microsoft.com/office/drawing/2014/main" xmlns="" id="{FD7E6F18-D74A-4FE7-8CC2-71466EBAC41D}"/>
+                <a16:creationId xmlns="" xmlns:a16="http://schemas.microsoft.com/office/drawing/2014/main" id="{FD7E6F18-D74A-4FE7-8CC2-71466EBAC41D}"/>
               </a:ext>
             </a:extLst>
           </p:cNvPr>
@@ -16989,7 +16978,7 @@
           <p:cNvPr id="23" name="Inhaltsplatzhalter 2">
             <a:extLst>
               <a:ext uri="{FF2B5EF4-FFF2-40B4-BE49-F238E27FC236}">
-                <a16:creationId xmlns:a16="http://schemas.microsoft.com/office/drawing/2014/main" xmlns="" id="{C7B407AD-B5BE-4C2C-8B9E-4E0DEC4B2C44}"/>
+                <a16:creationId xmlns="" xmlns:a16="http://schemas.microsoft.com/office/drawing/2014/main" id="{C7B407AD-B5BE-4C2C-8B9E-4E0DEC4B2C44}"/>
               </a:ext>
             </a:extLst>
           </p:cNvPr>
@@ -17219,7 +17208,7 @@
           <p:cNvPr id="24" name="Inhaltsplatzhalter 2">
             <a:extLst>
               <a:ext uri="{FF2B5EF4-FFF2-40B4-BE49-F238E27FC236}">
-                <a16:creationId xmlns:a16="http://schemas.microsoft.com/office/drawing/2014/main" xmlns="" id="{52088609-8CCC-4992-9D44-C791EA8B6B29}"/>
+                <a16:creationId xmlns="" xmlns:a16="http://schemas.microsoft.com/office/drawing/2014/main" id="{52088609-8CCC-4992-9D44-C791EA8B6B29}"/>
               </a:ext>
             </a:extLst>
           </p:cNvPr>
@@ -17449,7 +17438,7 @@
           <p:cNvPr id="159" name="Gruppieren 158">
             <a:extLst>
               <a:ext uri="{FF2B5EF4-FFF2-40B4-BE49-F238E27FC236}">
-                <a16:creationId xmlns:a16="http://schemas.microsoft.com/office/drawing/2014/main" xmlns="" id="{9E2CBC46-D3CB-40CA-B81B-E01C3443590B}"/>
+                <a16:creationId xmlns="" xmlns:a16="http://schemas.microsoft.com/office/drawing/2014/main" id="{9E2CBC46-D3CB-40CA-B81B-E01C3443590B}"/>
               </a:ext>
             </a:extLst>
           </p:cNvPr>
@@ -17469,7 +17458,7 @@
             <p:cNvPr id="11" name="Grafik 10" descr="Benutzer">
               <a:extLst>
                 <a:ext uri="{FF2B5EF4-FFF2-40B4-BE49-F238E27FC236}">
-                  <a16:creationId xmlns:a16="http://schemas.microsoft.com/office/drawing/2014/main" xmlns="" id="{37DEE98E-5373-46D4-8469-D0E669BB5878}"/>
+                  <a16:creationId xmlns="" xmlns:a16="http://schemas.microsoft.com/office/drawing/2014/main" id="{37DEE98E-5373-46D4-8469-D0E669BB5878}"/>
                 </a:ext>
               </a:extLst>
             </p:cNvPr>
@@ -17482,7 +17471,7 @@
             <a:blip r:embed="rId3">
               <a:extLst>
                 <a:ext uri="{96DAC541-7B7A-43D3-8B79-37D633B846F1}">
-                  <asvg:svgBlip xmlns:asvg="http://schemas.microsoft.com/office/drawing/2016/SVG/main" xmlns="" r:embed="rId4"/>
+                  <asvg:svgBlip xmlns="" xmlns:asvg="http://schemas.microsoft.com/office/drawing/2016/SVG/main" r:embed="rId4"/>
                 </a:ext>
               </a:extLst>
             </a:blip>
@@ -17505,7 +17494,7 @@
             <p:cNvPr id="12" name="Textfeld 11">
               <a:extLst>
                 <a:ext uri="{FF2B5EF4-FFF2-40B4-BE49-F238E27FC236}">
-                  <a16:creationId xmlns:a16="http://schemas.microsoft.com/office/drawing/2014/main" xmlns="" id="{EF8DE412-BDF1-4F66-8D0E-984408D4DC8C}"/>
+                  <a16:creationId xmlns="" xmlns:a16="http://schemas.microsoft.com/office/drawing/2014/main" id="{EF8DE412-BDF1-4F66-8D0E-984408D4DC8C}"/>
                 </a:ext>
               </a:extLst>
             </p:cNvPr>
@@ -17550,7 +17539,7 @@
           <p:cNvPr id="25" name="Gerade Verbindung mit Pfeil 24">
             <a:extLst>
               <a:ext uri="{FF2B5EF4-FFF2-40B4-BE49-F238E27FC236}">
-                <a16:creationId xmlns:a16="http://schemas.microsoft.com/office/drawing/2014/main" xmlns="" id="{64B5C3DB-49DC-44FA-9A41-2D16B67F6038}"/>
+                <a16:creationId xmlns="" xmlns:a16="http://schemas.microsoft.com/office/drawing/2014/main" id="{64B5C3DB-49DC-44FA-9A41-2D16B67F6038}"/>
               </a:ext>
             </a:extLst>
           </p:cNvPr>
@@ -17591,7 +17580,7 @@
           <p:cNvPr id="34" name="Grafik 33" descr="Welt">
             <a:extLst>
               <a:ext uri="{FF2B5EF4-FFF2-40B4-BE49-F238E27FC236}">
-                <a16:creationId xmlns:a16="http://schemas.microsoft.com/office/drawing/2014/main" xmlns="" id="{A800AC59-CAC0-4D27-BCC0-D36A2C0AF209}"/>
+                <a16:creationId xmlns="" xmlns:a16="http://schemas.microsoft.com/office/drawing/2014/main" id="{A800AC59-CAC0-4D27-BCC0-D36A2C0AF209}"/>
               </a:ext>
             </a:extLst>
           </p:cNvPr>
@@ -17604,7 +17593,7 @@
           <a:blip r:embed="rId5">
             <a:extLst>
               <a:ext uri="{96DAC541-7B7A-43D3-8B79-37D633B846F1}">
-                <asvg:svgBlip xmlns:asvg="http://schemas.microsoft.com/office/drawing/2016/SVG/main" xmlns="" r:embed="rId6"/>
+                <asvg:svgBlip xmlns="" xmlns:asvg="http://schemas.microsoft.com/office/drawing/2016/SVG/main" r:embed="rId6"/>
               </a:ext>
             </a:extLst>
           </a:blip>
@@ -17627,7 +17616,7 @@
           <p:cNvPr id="36" name="Gerade Verbindung mit Pfeil 35">
             <a:extLst>
               <a:ext uri="{FF2B5EF4-FFF2-40B4-BE49-F238E27FC236}">
-                <a16:creationId xmlns:a16="http://schemas.microsoft.com/office/drawing/2014/main" xmlns="" id="{14165FCC-2898-4EA5-8418-E16DE419162D}"/>
+                <a16:creationId xmlns="" xmlns:a16="http://schemas.microsoft.com/office/drawing/2014/main" id="{14165FCC-2898-4EA5-8418-E16DE419162D}"/>
               </a:ext>
             </a:extLst>
           </p:cNvPr>
@@ -17668,7 +17657,7 @@
           <p:cNvPr id="38" name="Textfeld 37">
             <a:extLst>
               <a:ext uri="{FF2B5EF4-FFF2-40B4-BE49-F238E27FC236}">
-                <a16:creationId xmlns:a16="http://schemas.microsoft.com/office/drawing/2014/main" xmlns="" id="{98CBE577-09F5-4B95-8653-B627207FA727}"/>
+                <a16:creationId xmlns="" xmlns:a16="http://schemas.microsoft.com/office/drawing/2014/main" id="{98CBE577-09F5-4B95-8653-B627207FA727}"/>
               </a:ext>
             </a:extLst>
           </p:cNvPr>
@@ -17713,7 +17702,7 @@
           <p:cNvPr id="40" name="Gerade Verbindung mit Pfeil 39">
             <a:extLst>
               <a:ext uri="{FF2B5EF4-FFF2-40B4-BE49-F238E27FC236}">
-                <a16:creationId xmlns:a16="http://schemas.microsoft.com/office/drawing/2014/main" xmlns="" id="{CF8A7F28-CF78-4318-A93C-2E8EB03122CC}"/>
+                <a16:creationId xmlns="" xmlns:a16="http://schemas.microsoft.com/office/drawing/2014/main" id="{CF8A7F28-CF78-4318-A93C-2E8EB03122CC}"/>
               </a:ext>
             </a:extLst>
           </p:cNvPr>
@@ -17754,7 +17743,7 @@
           <p:cNvPr id="42" name="Gerade Verbindung mit Pfeil 41">
             <a:extLst>
               <a:ext uri="{FF2B5EF4-FFF2-40B4-BE49-F238E27FC236}">
-                <a16:creationId xmlns:a16="http://schemas.microsoft.com/office/drawing/2014/main" xmlns="" id="{7BA8A4C1-13EC-49CB-B82C-3FF0665FB8AD}"/>
+                <a16:creationId xmlns="" xmlns:a16="http://schemas.microsoft.com/office/drawing/2014/main" id="{7BA8A4C1-13EC-49CB-B82C-3FF0665FB8AD}"/>
               </a:ext>
             </a:extLst>
           </p:cNvPr>
@@ -17795,7 +17784,7 @@
           <p:cNvPr id="44" name="Grafik 43" descr="Ordner">
             <a:extLst>
               <a:ext uri="{FF2B5EF4-FFF2-40B4-BE49-F238E27FC236}">
-                <a16:creationId xmlns:a16="http://schemas.microsoft.com/office/drawing/2014/main" xmlns="" id="{0572721C-7090-41E2-85A7-6A154A1EDC6E}"/>
+                <a16:creationId xmlns="" xmlns:a16="http://schemas.microsoft.com/office/drawing/2014/main" id="{0572721C-7090-41E2-85A7-6A154A1EDC6E}"/>
               </a:ext>
             </a:extLst>
           </p:cNvPr>
@@ -17808,7 +17797,7 @@
           <a:blip r:embed="rId7">
             <a:extLst>
               <a:ext uri="{96DAC541-7B7A-43D3-8B79-37D633B846F1}">
-                <asvg:svgBlip xmlns:asvg="http://schemas.microsoft.com/office/drawing/2016/SVG/main" xmlns="" r:embed="rId8"/>
+                <asvg:svgBlip xmlns="" xmlns:asvg="http://schemas.microsoft.com/office/drawing/2016/SVG/main" r:embed="rId8"/>
               </a:ext>
             </a:extLst>
           </a:blip>
@@ -17831,7 +17820,7 @@
           <p:cNvPr id="45" name="Textfeld 44">
             <a:extLst>
               <a:ext uri="{FF2B5EF4-FFF2-40B4-BE49-F238E27FC236}">
-                <a16:creationId xmlns:a16="http://schemas.microsoft.com/office/drawing/2014/main" xmlns="" id="{87DAFEBD-6AC9-4113-8438-A166156DC539}"/>
+                <a16:creationId xmlns="" xmlns:a16="http://schemas.microsoft.com/office/drawing/2014/main" id="{87DAFEBD-6AC9-4113-8438-A166156DC539}"/>
               </a:ext>
             </a:extLst>
           </p:cNvPr>
@@ -17875,7 +17864,7 @@
           <p:cNvPr id="57" name="Gerade Verbindung mit Pfeil 56">
             <a:extLst>
               <a:ext uri="{FF2B5EF4-FFF2-40B4-BE49-F238E27FC236}">
-                <a16:creationId xmlns:a16="http://schemas.microsoft.com/office/drawing/2014/main" xmlns="" id="{CA0D2126-51DB-4173-87BE-BAF063EBF92F}"/>
+                <a16:creationId xmlns="" xmlns:a16="http://schemas.microsoft.com/office/drawing/2014/main" id="{CA0D2126-51DB-4173-87BE-BAF063EBF92F}"/>
               </a:ext>
             </a:extLst>
           </p:cNvPr>
@@ -17916,7 +17905,7 @@
           <p:cNvPr id="126" name="Gruppieren 125">
             <a:extLst>
               <a:ext uri="{FF2B5EF4-FFF2-40B4-BE49-F238E27FC236}">
-                <a16:creationId xmlns:a16="http://schemas.microsoft.com/office/drawing/2014/main" xmlns="" id="{514A1029-992E-4E2E-9A8B-4CDCFC62727A}"/>
+                <a16:creationId xmlns="" xmlns:a16="http://schemas.microsoft.com/office/drawing/2014/main" id="{514A1029-992E-4E2E-9A8B-4CDCFC62727A}"/>
               </a:ext>
             </a:extLst>
           </p:cNvPr>
@@ -17936,7 +17925,7 @@
             <p:cNvPr id="97" name="Grafik 96" descr="Tisch">
               <a:extLst>
                 <a:ext uri="{FF2B5EF4-FFF2-40B4-BE49-F238E27FC236}">
-                  <a16:creationId xmlns:a16="http://schemas.microsoft.com/office/drawing/2014/main" xmlns="" id="{E3ED5455-2ACE-4F80-8660-C9C78942E061}"/>
+                  <a16:creationId xmlns="" xmlns:a16="http://schemas.microsoft.com/office/drawing/2014/main" id="{E3ED5455-2ACE-4F80-8660-C9C78942E061}"/>
                 </a:ext>
               </a:extLst>
             </p:cNvPr>
@@ -17949,7 +17938,7 @@
             <a:blip r:embed="rId9">
               <a:extLst>
                 <a:ext uri="{96DAC541-7B7A-43D3-8B79-37D633B846F1}">
-                  <asvg:svgBlip xmlns:asvg="http://schemas.microsoft.com/office/drawing/2016/SVG/main" xmlns="" r:embed="rId10"/>
+                  <asvg:svgBlip xmlns="" xmlns:asvg="http://schemas.microsoft.com/office/drawing/2016/SVG/main" r:embed="rId10"/>
                 </a:ext>
               </a:extLst>
             </a:blip>
@@ -17972,7 +17961,7 @@
             <p:cNvPr id="105" name="Rechteck 104">
               <a:extLst>
                 <a:ext uri="{FF2B5EF4-FFF2-40B4-BE49-F238E27FC236}">
-                  <a16:creationId xmlns:a16="http://schemas.microsoft.com/office/drawing/2014/main" xmlns="" id="{82C05C09-9668-4C7B-99B4-6CCD1DF3F8C9}"/>
+                  <a16:creationId xmlns="" xmlns:a16="http://schemas.microsoft.com/office/drawing/2014/main" id="{82C05C09-9668-4C7B-99B4-6CCD1DF3F8C9}"/>
                 </a:ext>
               </a:extLst>
             </p:cNvPr>
@@ -18028,7 +18017,7 @@
           <p:cNvPr id="135" name="Verbinder: gewinkelt 134">
             <a:extLst>
               <a:ext uri="{FF2B5EF4-FFF2-40B4-BE49-F238E27FC236}">
-                <a16:creationId xmlns:a16="http://schemas.microsoft.com/office/drawing/2014/main" xmlns="" id="{54FB2266-1433-4106-9347-4F6C67F57943}"/>
+                <a16:creationId xmlns="" xmlns:a16="http://schemas.microsoft.com/office/drawing/2014/main" id="{54FB2266-1433-4106-9347-4F6C67F57943}"/>
               </a:ext>
             </a:extLst>
           </p:cNvPr>
@@ -18071,7 +18060,7 @@
           <p:cNvPr id="139" name="Gerade Verbindung mit Pfeil 138">
             <a:extLst>
               <a:ext uri="{FF2B5EF4-FFF2-40B4-BE49-F238E27FC236}">
-                <a16:creationId xmlns:a16="http://schemas.microsoft.com/office/drawing/2014/main" xmlns="" id="{935E297A-0E08-4ACA-B64D-E82BF594D617}"/>
+                <a16:creationId xmlns="" xmlns:a16="http://schemas.microsoft.com/office/drawing/2014/main" id="{935E297A-0E08-4ACA-B64D-E82BF594D617}"/>
               </a:ext>
             </a:extLst>
           </p:cNvPr>
@@ -18112,7 +18101,7 @@
           <p:cNvPr id="143" name="Verbinder: gewinkelt 142">
             <a:extLst>
               <a:ext uri="{FF2B5EF4-FFF2-40B4-BE49-F238E27FC236}">
-                <a16:creationId xmlns:a16="http://schemas.microsoft.com/office/drawing/2014/main" xmlns="" id="{A4ED01DD-C3A8-4309-A767-F53A3EE24EFB}"/>
+                <a16:creationId xmlns="" xmlns:a16="http://schemas.microsoft.com/office/drawing/2014/main" id="{A4ED01DD-C3A8-4309-A767-F53A3EE24EFB}"/>
               </a:ext>
             </a:extLst>
           </p:cNvPr>
@@ -18155,7 +18144,7 @@
           <p:cNvPr id="149" name="Fußzeilenplatzhalter 4">
             <a:extLst>
               <a:ext uri="{FF2B5EF4-FFF2-40B4-BE49-F238E27FC236}">
-                <a16:creationId xmlns:a16="http://schemas.microsoft.com/office/drawing/2014/main" xmlns="" id="{38AB998A-AAF8-49F0-A239-2D93C7A72A4D}"/>
+                <a16:creationId xmlns="" xmlns:a16="http://schemas.microsoft.com/office/drawing/2014/main" id="{38AB998A-AAF8-49F0-A239-2D93C7A72A4D}"/>
               </a:ext>
             </a:extLst>
           </p:cNvPr>
@@ -18202,7 +18191,7 @@
           <p:cNvPr id="178" name="Verbinder: gewinkelt 177">
             <a:extLst>
               <a:ext uri="{FF2B5EF4-FFF2-40B4-BE49-F238E27FC236}">
-                <a16:creationId xmlns:a16="http://schemas.microsoft.com/office/drawing/2014/main" xmlns="" id="{0AD63463-6B97-4643-8843-833626B5A230}"/>
+                <a16:creationId xmlns="" xmlns:a16="http://schemas.microsoft.com/office/drawing/2014/main" id="{0AD63463-6B97-4643-8843-833626B5A230}"/>
               </a:ext>
             </a:extLst>
           </p:cNvPr>
@@ -18242,7 +18231,7 @@
           <p:cNvPr id="186" name="Gerader Verbinder 185">
             <a:extLst>
               <a:ext uri="{FF2B5EF4-FFF2-40B4-BE49-F238E27FC236}">
-                <a16:creationId xmlns:a16="http://schemas.microsoft.com/office/drawing/2014/main" xmlns="" id="{2A192D56-00F3-4AB3-97C3-ED94E9199036}"/>
+                <a16:creationId xmlns="" xmlns:a16="http://schemas.microsoft.com/office/drawing/2014/main" id="{2A192D56-00F3-4AB3-97C3-ED94E9199036}"/>
               </a:ext>
             </a:extLst>
           </p:cNvPr>
@@ -18278,7 +18267,7 @@
           <p:cNvPr id="188" name="Gerade Verbindung mit Pfeil 187">
             <a:extLst>
               <a:ext uri="{FF2B5EF4-FFF2-40B4-BE49-F238E27FC236}">
-                <a16:creationId xmlns:a16="http://schemas.microsoft.com/office/drawing/2014/main" xmlns="" id="{A3B57B87-7BD4-4AB4-B2E7-6B028A511B04}"/>
+                <a16:creationId xmlns="" xmlns:a16="http://schemas.microsoft.com/office/drawing/2014/main" id="{A3B57B87-7BD4-4AB4-B2E7-6B028A511B04}"/>
               </a:ext>
             </a:extLst>
           </p:cNvPr>
@@ -18356,7 +18345,7 @@
           <p:cNvPr id="5" name="Foliennummernplatzhalter 4">
             <a:extLst>
               <a:ext uri="{FF2B5EF4-FFF2-40B4-BE49-F238E27FC236}">
-                <a16:creationId xmlns:a16="http://schemas.microsoft.com/office/drawing/2014/main" xmlns="" id="{99217DC6-63A8-46E5-BFF7-2750383C7113}"/>
+                <a16:creationId xmlns="" xmlns:a16="http://schemas.microsoft.com/office/drawing/2014/main" id="{99217DC6-63A8-46E5-BFF7-2750383C7113}"/>
               </a:ext>
             </a:extLst>
           </p:cNvPr>
@@ -18390,7 +18379,7 @@
           <p:cNvPr id="17" name="Titel 1">
             <a:extLst>
               <a:ext uri="{FF2B5EF4-FFF2-40B4-BE49-F238E27FC236}">
-                <a16:creationId xmlns:a16="http://schemas.microsoft.com/office/drawing/2014/main" xmlns="" id="{2EBD46AD-74A3-41B6-A7F5-704EE709693A}"/>
+                <a16:creationId xmlns="" xmlns:a16="http://schemas.microsoft.com/office/drawing/2014/main" id="{2EBD46AD-74A3-41B6-A7F5-704EE709693A}"/>
               </a:ext>
             </a:extLst>
           </p:cNvPr>
@@ -18480,7 +18469,7 @@
           <p:cNvPr id="149" name="Fußzeilenplatzhalter 4">
             <a:extLst>
               <a:ext uri="{FF2B5EF4-FFF2-40B4-BE49-F238E27FC236}">
-                <a16:creationId xmlns:a16="http://schemas.microsoft.com/office/drawing/2014/main" xmlns="" id="{38AB998A-AAF8-49F0-A239-2D93C7A72A4D}"/>
+                <a16:creationId xmlns="" xmlns:a16="http://schemas.microsoft.com/office/drawing/2014/main" id="{38AB998A-AAF8-49F0-A239-2D93C7A72A4D}"/>
               </a:ext>
             </a:extLst>
           </p:cNvPr>
@@ -18527,7 +18516,7 @@
           <p:cNvPr id="2" name="Tabelle 2">
             <a:extLst>
               <a:ext uri="{FF2B5EF4-FFF2-40B4-BE49-F238E27FC236}">
-                <a16:creationId xmlns:a16="http://schemas.microsoft.com/office/drawing/2014/main" xmlns="" id="{01280090-9498-4E01-BF99-35C4D039D858}"/>
+                <a16:creationId xmlns="" xmlns:a16="http://schemas.microsoft.com/office/drawing/2014/main" id="{01280090-9498-4E01-BF99-35C4D039D858}"/>
               </a:ext>
             </a:extLst>
           </p:cNvPr>
@@ -18556,28 +18545,28 @@
                 <a:gridCol w="1214421">
                   <a:extLst>
                     <a:ext uri="{9D8B030D-6E8A-4147-A177-3AD203B41FA5}">
-                      <a16:colId xmlns:a16="http://schemas.microsoft.com/office/drawing/2014/main" xmlns="" val="1328456205"/>
+                      <a16:colId xmlns="" xmlns:a16="http://schemas.microsoft.com/office/drawing/2014/main" val="1328456205"/>
                     </a:ext>
                   </a:extLst>
                 </a:gridCol>
                 <a:gridCol w="792654">
                   <a:extLst>
                     <a:ext uri="{9D8B030D-6E8A-4147-A177-3AD203B41FA5}">
-                      <a16:colId xmlns:a16="http://schemas.microsoft.com/office/drawing/2014/main" xmlns="" val="3978735238"/>
+                      <a16:colId xmlns="" xmlns:a16="http://schemas.microsoft.com/office/drawing/2014/main" val="3978735238"/>
                     </a:ext>
                   </a:extLst>
                 </a:gridCol>
                 <a:gridCol w="4262627">
                   <a:extLst>
                     <a:ext uri="{9D8B030D-6E8A-4147-A177-3AD203B41FA5}">
-                      <a16:colId xmlns:a16="http://schemas.microsoft.com/office/drawing/2014/main" xmlns="" val="2877969049"/>
+                      <a16:colId xmlns="" xmlns:a16="http://schemas.microsoft.com/office/drawing/2014/main" val="2877969049"/>
                     </a:ext>
                   </a:extLst>
                 </a:gridCol>
                 <a:gridCol w="3718570">
                   <a:extLst>
                     <a:ext uri="{9D8B030D-6E8A-4147-A177-3AD203B41FA5}">
-                      <a16:colId xmlns:a16="http://schemas.microsoft.com/office/drawing/2014/main" xmlns="" val="3822829885"/>
+                      <a16:colId xmlns="" xmlns:a16="http://schemas.microsoft.com/office/drawing/2014/main" val="3822829885"/>
                     </a:ext>
                   </a:extLst>
                 </a:gridCol>
@@ -18882,7 +18871,7 @@
                 </a:tc>
                 <a:extLst>
                   <a:ext uri="{0D108BD9-81ED-4DB2-BD59-A6C34878D82A}">
-                    <a16:rowId xmlns:a16="http://schemas.microsoft.com/office/drawing/2014/main" xmlns="" val="4209509637"/>
+                    <a16:rowId xmlns="" xmlns:a16="http://schemas.microsoft.com/office/drawing/2014/main" val="4209509637"/>
                   </a:ext>
                 </a:extLst>
               </a:tr>
@@ -19133,7 +19122,7 @@
                 </a:tc>
                 <a:extLst>
                   <a:ext uri="{0D108BD9-81ED-4DB2-BD59-A6C34878D82A}">
-                    <a16:rowId xmlns:a16="http://schemas.microsoft.com/office/drawing/2014/main" xmlns="" val="851616967"/>
+                    <a16:rowId xmlns="" xmlns:a16="http://schemas.microsoft.com/office/drawing/2014/main" val="851616967"/>
                   </a:ext>
                 </a:extLst>
               </a:tr>
@@ -19407,7 +19396,7 @@
                 </a:tc>
                 <a:extLst>
                   <a:ext uri="{0D108BD9-81ED-4DB2-BD59-A6C34878D82A}">
-                    <a16:rowId xmlns:a16="http://schemas.microsoft.com/office/drawing/2014/main" xmlns="" val="3053805051"/>
+                    <a16:rowId xmlns="" xmlns:a16="http://schemas.microsoft.com/office/drawing/2014/main" val="3053805051"/>
                   </a:ext>
                 </a:extLst>
               </a:tr>
@@ -19675,7 +19664,7 @@
                 </a:tc>
                 <a:extLst>
                   <a:ext uri="{0D108BD9-81ED-4DB2-BD59-A6C34878D82A}">
-                    <a16:rowId xmlns:a16="http://schemas.microsoft.com/office/drawing/2014/main" xmlns="" val="3395055929"/>
+                    <a16:rowId xmlns="" xmlns:a16="http://schemas.microsoft.com/office/drawing/2014/main" val="3395055929"/>
                   </a:ext>
                 </a:extLst>
               </a:tr>
@@ -19967,7 +19956,7 @@
                 </a:tc>
                 <a:extLst>
                   <a:ext uri="{0D108BD9-81ED-4DB2-BD59-A6C34878D82A}">
-                    <a16:rowId xmlns:a16="http://schemas.microsoft.com/office/drawing/2014/main" xmlns="" val="1586812566"/>
+                    <a16:rowId xmlns="" xmlns:a16="http://schemas.microsoft.com/office/drawing/2014/main" val="1586812566"/>
                   </a:ext>
                 </a:extLst>
               </a:tr>
@@ -20226,7 +20215,7 @@
                 </a:tc>
                 <a:extLst>
                   <a:ext uri="{0D108BD9-81ED-4DB2-BD59-A6C34878D82A}">
-                    <a16:rowId xmlns:a16="http://schemas.microsoft.com/office/drawing/2014/main" xmlns="" val="3662240480"/>
+                    <a16:rowId xmlns="" xmlns:a16="http://schemas.microsoft.com/office/drawing/2014/main" val="3662240480"/>
                   </a:ext>
                 </a:extLst>
               </a:tr>
@@ -20501,7 +20490,7 @@
                 </a:tc>
                 <a:extLst>
                   <a:ext uri="{0D108BD9-81ED-4DB2-BD59-A6C34878D82A}">
-                    <a16:rowId xmlns:a16="http://schemas.microsoft.com/office/drawing/2014/main" xmlns="" val="3501422238"/>
+                    <a16:rowId xmlns="" xmlns:a16="http://schemas.microsoft.com/office/drawing/2014/main" val="3501422238"/>
                   </a:ext>
                 </a:extLst>
               </a:tr>
@@ -20752,7 +20741,7 @@
                 </a:tc>
                 <a:extLst>
                   <a:ext uri="{0D108BD9-81ED-4DB2-BD59-A6C34878D82A}">
-                    <a16:rowId xmlns:a16="http://schemas.microsoft.com/office/drawing/2014/main" xmlns="" val="3086067394"/>
+                    <a16:rowId xmlns="" xmlns:a16="http://schemas.microsoft.com/office/drawing/2014/main" val="3086067394"/>
                   </a:ext>
                 </a:extLst>
               </a:tr>
@@ -21117,7 +21106,7 @@
                 </a:tc>
                 <a:extLst>
                   <a:ext uri="{0D108BD9-81ED-4DB2-BD59-A6C34878D82A}">
-                    <a16:rowId xmlns:a16="http://schemas.microsoft.com/office/drawing/2014/main" xmlns="" val="3814381837"/>
+                    <a16:rowId xmlns="" xmlns:a16="http://schemas.microsoft.com/office/drawing/2014/main" val="3814381837"/>
                   </a:ext>
                 </a:extLst>
               </a:tr>
@@ -21167,7 +21156,7 @@
           <p:cNvPr id="5" name="Foliennummernplatzhalter 4">
             <a:extLst>
               <a:ext uri="{FF2B5EF4-FFF2-40B4-BE49-F238E27FC236}">
-                <a16:creationId xmlns:a16="http://schemas.microsoft.com/office/drawing/2014/main" xmlns="" id="{99217DC6-63A8-46E5-BFF7-2750383C7113}"/>
+                <a16:creationId xmlns="" xmlns:a16="http://schemas.microsoft.com/office/drawing/2014/main" id="{99217DC6-63A8-46E5-BFF7-2750383C7113}"/>
               </a:ext>
             </a:extLst>
           </p:cNvPr>
@@ -21201,7 +21190,7 @@
           <p:cNvPr id="17" name="Titel 1">
             <a:extLst>
               <a:ext uri="{FF2B5EF4-FFF2-40B4-BE49-F238E27FC236}">
-                <a16:creationId xmlns:a16="http://schemas.microsoft.com/office/drawing/2014/main" xmlns="" id="{2EBD46AD-74A3-41B6-A7F5-704EE709693A}"/>
+                <a16:creationId xmlns="" xmlns:a16="http://schemas.microsoft.com/office/drawing/2014/main" id="{2EBD46AD-74A3-41B6-A7F5-704EE709693A}"/>
               </a:ext>
             </a:extLst>
           </p:cNvPr>
@@ -21259,7 +21248,7 @@
           <p:cNvPr id="149" name="Fußzeilenplatzhalter 4">
             <a:extLst>
               <a:ext uri="{FF2B5EF4-FFF2-40B4-BE49-F238E27FC236}">
-                <a16:creationId xmlns:a16="http://schemas.microsoft.com/office/drawing/2014/main" xmlns="" id="{38AB998A-AAF8-49F0-A239-2D93C7A72A4D}"/>
+                <a16:creationId xmlns="" xmlns:a16="http://schemas.microsoft.com/office/drawing/2014/main" id="{38AB998A-AAF8-49F0-A239-2D93C7A72A4D}"/>
               </a:ext>
             </a:extLst>
           </p:cNvPr>
@@ -21373,7 +21362,7 @@
           <p:cNvPr id="5" name="Foliennummernplatzhalter 4">
             <a:extLst>
               <a:ext uri="{FF2B5EF4-FFF2-40B4-BE49-F238E27FC236}">
-                <a16:creationId xmlns:a16="http://schemas.microsoft.com/office/drawing/2014/main" xmlns="" id="{99217DC6-63A8-46E5-BFF7-2750383C7113}"/>
+                <a16:creationId xmlns="" xmlns:a16="http://schemas.microsoft.com/office/drawing/2014/main" id="{99217DC6-63A8-46E5-BFF7-2750383C7113}"/>
               </a:ext>
             </a:extLst>
           </p:cNvPr>
@@ -21407,7 +21396,7 @@
           <p:cNvPr id="17" name="Titel 1">
             <a:extLst>
               <a:ext uri="{FF2B5EF4-FFF2-40B4-BE49-F238E27FC236}">
-                <a16:creationId xmlns:a16="http://schemas.microsoft.com/office/drawing/2014/main" xmlns="" id="{2EBD46AD-74A3-41B6-A7F5-704EE709693A}"/>
+                <a16:creationId xmlns="" xmlns:a16="http://schemas.microsoft.com/office/drawing/2014/main" id="{2EBD46AD-74A3-41B6-A7F5-704EE709693A}"/>
               </a:ext>
             </a:extLst>
           </p:cNvPr>
@@ -21465,7 +21454,7 @@
           <p:cNvPr id="149" name="Fußzeilenplatzhalter 4">
             <a:extLst>
               <a:ext uri="{FF2B5EF4-FFF2-40B4-BE49-F238E27FC236}">
-                <a16:creationId xmlns:a16="http://schemas.microsoft.com/office/drawing/2014/main" xmlns="" id="{38AB998A-AAF8-49F0-A239-2D93C7A72A4D}"/>
+                <a16:creationId xmlns="" xmlns:a16="http://schemas.microsoft.com/office/drawing/2014/main" id="{38AB998A-AAF8-49F0-A239-2D93C7A72A4D}"/>
               </a:ext>
             </a:extLst>
           </p:cNvPr>
@@ -21579,7 +21568,7 @@
           <p:cNvPr id="5" name="Foliennummernplatzhalter 4">
             <a:extLst>
               <a:ext uri="{FF2B5EF4-FFF2-40B4-BE49-F238E27FC236}">
-                <a16:creationId xmlns:a16="http://schemas.microsoft.com/office/drawing/2014/main" xmlns="" id="{99217DC6-63A8-46E5-BFF7-2750383C7113}"/>
+                <a16:creationId xmlns="" xmlns:a16="http://schemas.microsoft.com/office/drawing/2014/main" id="{99217DC6-63A8-46E5-BFF7-2750383C7113}"/>
               </a:ext>
             </a:extLst>
           </p:cNvPr>
@@ -21613,7 +21602,7 @@
           <p:cNvPr id="17" name="Titel 1">
             <a:extLst>
               <a:ext uri="{FF2B5EF4-FFF2-40B4-BE49-F238E27FC236}">
-                <a16:creationId xmlns:a16="http://schemas.microsoft.com/office/drawing/2014/main" xmlns="" id="{2EBD46AD-74A3-41B6-A7F5-704EE709693A}"/>
+                <a16:creationId xmlns="" xmlns:a16="http://schemas.microsoft.com/office/drawing/2014/main" id="{2EBD46AD-74A3-41B6-A7F5-704EE709693A}"/>
               </a:ext>
             </a:extLst>
           </p:cNvPr>
@@ -21671,7 +21660,7 @@
           <p:cNvPr id="149" name="Fußzeilenplatzhalter 4">
             <a:extLst>
               <a:ext uri="{FF2B5EF4-FFF2-40B4-BE49-F238E27FC236}">
-                <a16:creationId xmlns:a16="http://schemas.microsoft.com/office/drawing/2014/main" xmlns="" id="{38AB998A-AAF8-49F0-A239-2D93C7A72A4D}"/>
+                <a16:creationId xmlns="" xmlns:a16="http://schemas.microsoft.com/office/drawing/2014/main" id="{38AB998A-AAF8-49F0-A239-2D93C7A72A4D}"/>
               </a:ext>
             </a:extLst>
           </p:cNvPr>
@@ -21785,7 +21774,7 @@
           <p:cNvPr id="5" name="Foliennummernplatzhalter 4">
             <a:extLst>
               <a:ext uri="{FF2B5EF4-FFF2-40B4-BE49-F238E27FC236}">
-                <a16:creationId xmlns:a16="http://schemas.microsoft.com/office/drawing/2014/main" xmlns="" id="{99217DC6-63A8-46E5-BFF7-2750383C7113}"/>
+                <a16:creationId xmlns="" xmlns:a16="http://schemas.microsoft.com/office/drawing/2014/main" id="{99217DC6-63A8-46E5-BFF7-2750383C7113}"/>
               </a:ext>
             </a:extLst>
           </p:cNvPr>
@@ -21819,7 +21808,7 @@
           <p:cNvPr id="17" name="Titel 1">
             <a:extLst>
               <a:ext uri="{FF2B5EF4-FFF2-40B4-BE49-F238E27FC236}">
-                <a16:creationId xmlns:a16="http://schemas.microsoft.com/office/drawing/2014/main" xmlns="" id="{2EBD46AD-74A3-41B6-A7F5-704EE709693A}"/>
+                <a16:creationId xmlns="" xmlns:a16="http://schemas.microsoft.com/office/drawing/2014/main" id="{2EBD46AD-74A3-41B6-A7F5-704EE709693A}"/>
               </a:ext>
             </a:extLst>
           </p:cNvPr>
@@ -21877,7 +21866,7 @@
           <p:cNvPr id="149" name="Fußzeilenplatzhalter 4">
             <a:extLst>
               <a:ext uri="{FF2B5EF4-FFF2-40B4-BE49-F238E27FC236}">
-                <a16:creationId xmlns:a16="http://schemas.microsoft.com/office/drawing/2014/main" xmlns="" id="{38AB998A-AAF8-49F0-A239-2D93C7A72A4D}"/>
+                <a16:creationId xmlns="" xmlns:a16="http://schemas.microsoft.com/office/drawing/2014/main" id="{38AB998A-AAF8-49F0-A239-2D93C7A72A4D}"/>
               </a:ext>
             </a:extLst>
           </p:cNvPr>

--- a/pres/Presentation_SPOSM.pptx
+++ b/pres/Presentation_SPOSM.pptx
@@ -5,7 +5,7 @@
     <p:sldMasterId id="2147483648" r:id="rId1"/>
   </p:sldMasterIdLst>
   <p:notesMasterIdLst>
-    <p:notesMasterId r:id="rId23"/>
+    <p:notesMasterId r:id="rId22"/>
   </p:notesMasterIdLst>
   <p:sldIdLst>
     <p:sldId id="256" r:id="rId2"/>
@@ -28,7 +28,6 @@
     <p:sldId id="331" r:id="rId19"/>
     <p:sldId id="324" r:id="rId20"/>
     <p:sldId id="319" r:id="rId21"/>
-    <p:sldId id="320" r:id="rId22"/>
   </p:sldIdLst>
   <p:sldSz cx="12192000" cy="6858000"/>
   <p:notesSz cx="6858000" cy="9144000"/>
@@ -1330,90 +1329,6 @@
 </p:notes>
 </file>
 
-<file path=ppt/notesSlides/notesSlide19.xml><?xml version="1.0" encoding="utf-8"?>
-<p:notes xmlns:a="http://schemas.openxmlformats.org/drawingml/2006/main" xmlns:r="http://schemas.openxmlformats.org/officeDocument/2006/relationships" xmlns:p="http://schemas.openxmlformats.org/presentationml/2006/main">
-  <p:cSld>
-    <p:spTree>
-      <p:nvGrpSpPr>
-        <p:cNvPr id="1" name=""/>
-        <p:cNvGrpSpPr/>
-        <p:nvPr/>
-      </p:nvGrpSpPr>
-      <p:grpSpPr>
-        <a:xfrm>
-          <a:off x="0" y="0"/>
-          <a:ext cx="0" cy="0"/>
-          <a:chOff x="0" y="0"/>
-          <a:chExt cx="0" cy="0"/>
-        </a:xfrm>
-      </p:grpSpPr>
-      <p:sp>
-        <p:nvSpPr>
-          <p:cNvPr id="2" name="Folienbildplatzhalter 1"/>
-          <p:cNvSpPr>
-            <a:spLocks noGrp="1" noRot="1" noChangeAspect="1"/>
-          </p:cNvSpPr>
-          <p:nvPr>
-            <p:ph type="sldImg"/>
-          </p:nvPr>
-        </p:nvSpPr>
-        <p:spPr/>
-      </p:sp>
-      <p:sp>
-        <p:nvSpPr>
-          <p:cNvPr id="3" name="Notizenplatzhalter 2"/>
-          <p:cNvSpPr>
-            <a:spLocks noGrp="1"/>
-          </p:cNvSpPr>
-          <p:nvPr>
-            <p:ph type="body" idx="1"/>
-          </p:nvPr>
-        </p:nvSpPr>
-        <p:spPr/>
-        <p:txBody>
-          <a:bodyPr/>
-          <a:lstStyle/>
-          <a:p>
-            <a:endParaRPr lang="en-GB" dirty="0"/>
-          </a:p>
-        </p:txBody>
-      </p:sp>
-      <p:sp>
-        <p:nvSpPr>
-          <p:cNvPr id="4" name="Foliennummernplatzhalter 3"/>
-          <p:cNvSpPr>
-            <a:spLocks noGrp="1"/>
-          </p:cNvSpPr>
-          <p:nvPr>
-            <p:ph type="sldNum" sz="quarter" idx="5"/>
-          </p:nvPr>
-        </p:nvSpPr>
-        <p:spPr/>
-        <p:txBody>
-          <a:bodyPr/>
-          <a:lstStyle/>
-          <a:p>
-            <a:fld id="{4EF36919-52F3-4202-8996-43E31FD6D033}" type="slidenum">
-              <a:rPr lang="de-DE" smtClean="0"/>
-              <a:t>21</a:t>
-            </a:fld>
-            <a:endParaRPr lang="de-DE"/>
-          </a:p>
-        </p:txBody>
-      </p:sp>
-    </p:spTree>
-    <p:extLst>
-      <p:ext uri="{BB962C8B-B14F-4D97-AF65-F5344CB8AC3E}">
-        <p14:creationId xmlns:p14="http://schemas.microsoft.com/office/powerpoint/2010/main" val="952100406"/>
-      </p:ext>
-    </p:extLst>
-  </p:cSld>
-  <p:clrMapOvr>
-    <a:masterClrMapping/>
-  </p:clrMapOvr>
-</p:notes>
-</file>
-
 <file path=ppt/notesSlides/notesSlide2.xml><?xml version="1.0" encoding="utf-8"?>
 <p:notes xmlns:a="http://schemas.openxmlformats.org/drawingml/2006/main" xmlns:r="http://schemas.openxmlformats.org/officeDocument/2006/relationships" xmlns:p="http://schemas.openxmlformats.org/presentationml/2006/main">
   <p:cSld>
@@ -2214,7 +2129,7 @@
           <p:cNvPr id="9" name="Bild 4" descr="huO_rgb-mP.png">
             <a:extLst>
               <a:ext uri="{FF2B5EF4-FFF2-40B4-BE49-F238E27FC236}">
-                <a16:creationId xmlns="" xmlns:a16="http://schemas.microsoft.com/office/drawing/2014/main" id="{33B5A747-FAA5-49E4-805D-5C5ECA0A7FF5}"/>
+                <a16:creationId xmlns:a16="http://schemas.microsoft.com/office/drawing/2014/main" xmlns="" id="{33B5A747-FAA5-49E4-805D-5C5ECA0A7FF5}"/>
               </a:ext>
             </a:extLst>
           </p:cNvPr>
@@ -2704,7 +2619,7 @@
           <p:cNvPr id="8" name="Textplatzhalter 2">
             <a:extLst>
               <a:ext uri="{FF2B5EF4-FFF2-40B4-BE49-F238E27FC236}">
-                <a16:creationId xmlns="" xmlns:a16="http://schemas.microsoft.com/office/drawing/2014/main" id="{162B1910-2FA4-40A2-8253-E53E7B85ECBA}"/>
+                <a16:creationId xmlns:a16="http://schemas.microsoft.com/office/drawing/2014/main" xmlns="" id="{162B1910-2FA4-40A2-8253-E53E7B85ECBA}"/>
               </a:ext>
             </a:extLst>
           </p:cNvPr>
@@ -2771,7 +2686,7 @@
           <p:cNvPr id="9" name="Fußzeilenplatzhalter 4">
             <a:extLst>
               <a:ext uri="{FF2B5EF4-FFF2-40B4-BE49-F238E27FC236}">
-                <a16:creationId xmlns="" xmlns:a16="http://schemas.microsoft.com/office/drawing/2014/main" id="{BD7F2E1D-7EB7-414B-83BB-C3A1087545A1}"/>
+                <a16:creationId xmlns:a16="http://schemas.microsoft.com/office/drawing/2014/main" xmlns="" id="{BD7F2E1D-7EB7-414B-83BB-C3A1087545A1}"/>
               </a:ext>
             </a:extLst>
           </p:cNvPr>
@@ -2818,7 +2733,7 @@
           <p:cNvPr id="10" name="Foliennummernplatzhalter 5">
             <a:extLst>
               <a:ext uri="{FF2B5EF4-FFF2-40B4-BE49-F238E27FC236}">
-                <a16:creationId xmlns="" xmlns:a16="http://schemas.microsoft.com/office/drawing/2014/main" id="{7947E400-52E3-4FFB-9DB4-232450EC3957}"/>
+                <a16:creationId xmlns:a16="http://schemas.microsoft.com/office/drawing/2014/main" xmlns="" id="{7947E400-52E3-4FFB-9DB4-232450EC3957}"/>
               </a:ext>
             </a:extLst>
           </p:cNvPr>
@@ -2865,7 +2780,7 @@
           <p:cNvPr id="11" name="Titelplatzhalter 1">
             <a:extLst>
               <a:ext uri="{FF2B5EF4-FFF2-40B4-BE49-F238E27FC236}">
-                <a16:creationId xmlns="" xmlns:a16="http://schemas.microsoft.com/office/drawing/2014/main" id="{21902F89-C534-4356-B3F6-91A567FF646D}"/>
+                <a16:creationId xmlns:a16="http://schemas.microsoft.com/office/drawing/2014/main" xmlns="" id="{21902F89-C534-4356-B3F6-91A567FF646D}"/>
               </a:ext>
             </a:extLst>
           </p:cNvPr>
@@ -3318,7 +3233,7 @@
           <p:cNvPr id="10" name="Fußzeilenplatzhalter 4">
             <a:extLst>
               <a:ext uri="{FF2B5EF4-FFF2-40B4-BE49-F238E27FC236}">
-                <a16:creationId xmlns="" xmlns:a16="http://schemas.microsoft.com/office/drawing/2014/main" id="{D501DD1A-594A-4D65-8B53-0C43CD4990C9}"/>
+                <a16:creationId xmlns:a16="http://schemas.microsoft.com/office/drawing/2014/main" xmlns="" id="{D501DD1A-594A-4D65-8B53-0C43CD4990C9}"/>
               </a:ext>
             </a:extLst>
           </p:cNvPr>
@@ -3361,7 +3276,7 @@
           <p:cNvPr id="11" name="Foliennummernplatzhalter 5">
             <a:extLst>
               <a:ext uri="{FF2B5EF4-FFF2-40B4-BE49-F238E27FC236}">
-                <a16:creationId xmlns="" xmlns:a16="http://schemas.microsoft.com/office/drawing/2014/main" id="{ADA6DD52-C665-4F90-BAFD-55BC0EF62A13}"/>
+                <a16:creationId xmlns:a16="http://schemas.microsoft.com/office/drawing/2014/main" xmlns="" id="{ADA6DD52-C665-4F90-BAFD-55BC0EF62A13}"/>
               </a:ext>
             </a:extLst>
           </p:cNvPr>
@@ -3408,7 +3323,7 @@
           <p:cNvPr id="12" name="Titelplatzhalter 1">
             <a:extLst>
               <a:ext uri="{FF2B5EF4-FFF2-40B4-BE49-F238E27FC236}">
-                <a16:creationId xmlns="" xmlns:a16="http://schemas.microsoft.com/office/drawing/2014/main" id="{B3CBF15B-5EDE-4C9D-8958-1ABA014179C3}"/>
+                <a16:creationId xmlns:a16="http://schemas.microsoft.com/office/drawing/2014/main" xmlns="" id="{B3CBF15B-5EDE-4C9D-8958-1ABA014179C3}"/>
               </a:ext>
             </a:extLst>
           </p:cNvPr>
@@ -3730,7 +3645,7 @@
           <p:cNvPr id="12" name="Fußzeilenplatzhalter 4">
             <a:extLst>
               <a:ext uri="{FF2B5EF4-FFF2-40B4-BE49-F238E27FC236}">
-                <a16:creationId xmlns="" xmlns:a16="http://schemas.microsoft.com/office/drawing/2014/main" id="{E5BD0A64-228A-461D-BB66-F417DD9EDB11}"/>
+                <a16:creationId xmlns:a16="http://schemas.microsoft.com/office/drawing/2014/main" xmlns="" id="{E5BD0A64-228A-461D-BB66-F417DD9EDB11}"/>
               </a:ext>
             </a:extLst>
           </p:cNvPr>
@@ -3773,7 +3688,7 @@
           <p:cNvPr id="13" name="Foliennummernplatzhalter 5">
             <a:extLst>
               <a:ext uri="{FF2B5EF4-FFF2-40B4-BE49-F238E27FC236}">
-                <a16:creationId xmlns="" xmlns:a16="http://schemas.microsoft.com/office/drawing/2014/main" id="{B4000ECD-AEB6-4F8B-8279-2BB483B934D7}"/>
+                <a16:creationId xmlns:a16="http://schemas.microsoft.com/office/drawing/2014/main" xmlns="" id="{B4000ECD-AEB6-4F8B-8279-2BB483B934D7}"/>
               </a:ext>
             </a:extLst>
           </p:cNvPr>
@@ -3820,7 +3735,7 @@
           <p:cNvPr id="14" name="Titelplatzhalter 1">
             <a:extLst>
               <a:ext uri="{FF2B5EF4-FFF2-40B4-BE49-F238E27FC236}">
-                <a16:creationId xmlns="" xmlns:a16="http://schemas.microsoft.com/office/drawing/2014/main" id="{75675467-8DE7-4C05-A0D7-38A50DD47E32}"/>
+                <a16:creationId xmlns:a16="http://schemas.microsoft.com/office/drawing/2014/main" xmlns="" id="{75675467-8DE7-4C05-A0D7-38A50DD47E32}"/>
               </a:ext>
             </a:extLst>
           </p:cNvPr>
@@ -3888,7 +3803,7 @@
           <p:cNvPr id="8" name="Fußzeilenplatzhalter 4">
             <a:extLst>
               <a:ext uri="{FF2B5EF4-FFF2-40B4-BE49-F238E27FC236}">
-                <a16:creationId xmlns="" xmlns:a16="http://schemas.microsoft.com/office/drawing/2014/main" id="{3D5AD6AF-1C17-4CE8-8139-1065503C805A}"/>
+                <a16:creationId xmlns:a16="http://schemas.microsoft.com/office/drawing/2014/main" xmlns="" id="{3D5AD6AF-1C17-4CE8-8139-1065503C805A}"/>
               </a:ext>
             </a:extLst>
           </p:cNvPr>
@@ -3931,7 +3846,7 @@
           <p:cNvPr id="9" name="Foliennummernplatzhalter 5">
             <a:extLst>
               <a:ext uri="{FF2B5EF4-FFF2-40B4-BE49-F238E27FC236}">
-                <a16:creationId xmlns="" xmlns:a16="http://schemas.microsoft.com/office/drawing/2014/main" id="{48C82D6E-6B52-4E3D-9675-24EDF92DAC45}"/>
+                <a16:creationId xmlns:a16="http://schemas.microsoft.com/office/drawing/2014/main" xmlns="" id="{48C82D6E-6B52-4E3D-9675-24EDF92DAC45}"/>
               </a:ext>
             </a:extLst>
           </p:cNvPr>
@@ -3978,7 +3893,7 @@
           <p:cNvPr id="10" name="Titelplatzhalter 1">
             <a:extLst>
               <a:ext uri="{FF2B5EF4-FFF2-40B4-BE49-F238E27FC236}">
-                <a16:creationId xmlns="" xmlns:a16="http://schemas.microsoft.com/office/drawing/2014/main" id="{9CD6CF0C-28ED-452A-BB50-6A112B553DF7}"/>
+                <a16:creationId xmlns:a16="http://schemas.microsoft.com/office/drawing/2014/main" xmlns="" id="{9CD6CF0C-28ED-452A-BB50-6A112B553DF7}"/>
               </a:ext>
             </a:extLst>
           </p:cNvPr>
@@ -4046,7 +3961,7 @@
           <p:cNvPr id="7" name="Fußzeilenplatzhalter 4">
             <a:extLst>
               <a:ext uri="{FF2B5EF4-FFF2-40B4-BE49-F238E27FC236}">
-                <a16:creationId xmlns="" xmlns:a16="http://schemas.microsoft.com/office/drawing/2014/main" id="{11FF8BEE-DFF2-4E57-9447-FC7D73C931FF}"/>
+                <a16:creationId xmlns:a16="http://schemas.microsoft.com/office/drawing/2014/main" xmlns="" id="{11FF8BEE-DFF2-4E57-9447-FC7D73C931FF}"/>
               </a:ext>
             </a:extLst>
           </p:cNvPr>
@@ -4089,7 +4004,7 @@
           <p:cNvPr id="8" name="Foliennummernplatzhalter 5">
             <a:extLst>
               <a:ext uri="{FF2B5EF4-FFF2-40B4-BE49-F238E27FC236}">
-                <a16:creationId xmlns="" xmlns:a16="http://schemas.microsoft.com/office/drawing/2014/main" id="{B56966DA-E079-41CC-99AD-46620E43DDC5}"/>
+                <a16:creationId xmlns:a16="http://schemas.microsoft.com/office/drawing/2014/main" xmlns="" id="{B56966DA-E079-41CC-99AD-46620E43DDC5}"/>
               </a:ext>
             </a:extLst>
           </p:cNvPr>
@@ -4892,7 +4807,7 @@
           <p:cNvPr id="15" name="Rechteck 14">
             <a:extLst>
               <a:ext uri="{FF2B5EF4-FFF2-40B4-BE49-F238E27FC236}">
-                <a16:creationId xmlns="" xmlns:a16="http://schemas.microsoft.com/office/drawing/2014/main" id="{4C4962A7-60B1-4FD9-950F-7B223A93E18F}"/>
+                <a16:creationId xmlns:a16="http://schemas.microsoft.com/office/drawing/2014/main" xmlns="" id="{4C4962A7-60B1-4FD9-950F-7B223A93E18F}"/>
               </a:ext>
             </a:extLst>
           </p:cNvPr>
@@ -4946,7 +4861,7 @@
           <p:cNvPr id="16" name="Rechteck 15">
             <a:extLst>
               <a:ext uri="{FF2B5EF4-FFF2-40B4-BE49-F238E27FC236}">
-                <a16:creationId xmlns="" xmlns:a16="http://schemas.microsoft.com/office/drawing/2014/main" id="{25737F02-1E29-47AD-9EAA-B38282F26CF9}"/>
+                <a16:creationId xmlns:a16="http://schemas.microsoft.com/office/drawing/2014/main" xmlns="" id="{25737F02-1E29-47AD-9EAA-B38282F26CF9}"/>
               </a:ext>
             </a:extLst>
           </p:cNvPr>
@@ -5000,7 +4915,7 @@
           <p:cNvPr id="18" name="Bild 4" descr="huO_rgb-mP.png">
             <a:extLst>
               <a:ext uri="{FF2B5EF4-FFF2-40B4-BE49-F238E27FC236}">
-                <a16:creationId xmlns="" xmlns:a16="http://schemas.microsoft.com/office/drawing/2014/main" id="{91E6476D-60FA-48D3-9652-99F936E5A1B2}"/>
+                <a16:creationId xmlns:a16="http://schemas.microsoft.com/office/drawing/2014/main" xmlns="" id="{91E6476D-60FA-48D3-9652-99F936E5A1B2}"/>
               </a:ext>
             </a:extLst>
           </p:cNvPr>
@@ -5389,7 +5304,7 @@
           <p:cNvPr id="9" name="Fußzeilenplatzhalter 5">
             <a:extLst>
               <a:ext uri="{FF2B5EF4-FFF2-40B4-BE49-F238E27FC236}">
-                <a16:creationId xmlns="" xmlns:a16="http://schemas.microsoft.com/office/drawing/2014/main" id="{1849A0BD-CC4C-4610-97A9-793026A4FC5A}"/>
+                <a16:creationId xmlns:a16="http://schemas.microsoft.com/office/drawing/2014/main" xmlns="" id="{1849A0BD-CC4C-4610-97A9-793026A4FC5A}"/>
               </a:ext>
             </a:extLst>
           </p:cNvPr>
@@ -5443,7 +5358,7 @@
           <p:cNvPr id="14" name="Bild 4" descr="huO_rgb-mP.png">
             <a:extLst>
               <a:ext uri="{FF2B5EF4-FFF2-40B4-BE49-F238E27FC236}">
-                <a16:creationId xmlns="" xmlns:a16="http://schemas.microsoft.com/office/drawing/2014/main" id="{A6435E84-959B-4004-9D03-91843F9616BF}"/>
+                <a16:creationId xmlns:a16="http://schemas.microsoft.com/office/drawing/2014/main" xmlns="" id="{A6435E84-959B-4004-9D03-91843F9616BF}"/>
               </a:ext>
             </a:extLst>
           </p:cNvPr>
@@ -5503,7 +5418,7 @@
           <p:cNvPr id="16" name="Inhaltsplatzhalter 2">
             <a:extLst>
               <a:ext uri="{FF2B5EF4-FFF2-40B4-BE49-F238E27FC236}">
-                <a16:creationId xmlns="" xmlns:a16="http://schemas.microsoft.com/office/drawing/2014/main" id="{35C0996D-4546-4A4B-BC03-82C9961E32C9}"/>
+                <a16:creationId xmlns:a16="http://schemas.microsoft.com/office/drawing/2014/main" xmlns="" id="{35C0996D-4546-4A4B-BC03-82C9961E32C9}"/>
               </a:ext>
             </a:extLst>
           </p:cNvPr>
@@ -5825,7 +5740,7 @@
           <p:cNvPr id="5" name="Foliennummernplatzhalter 4">
             <a:extLst>
               <a:ext uri="{FF2B5EF4-FFF2-40B4-BE49-F238E27FC236}">
-                <a16:creationId xmlns="" xmlns:a16="http://schemas.microsoft.com/office/drawing/2014/main" id="{99217DC6-63A8-46E5-BFF7-2750383C7113}"/>
+                <a16:creationId xmlns:a16="http://schemas.microsoft.com/office/drawing/2014/main" xmlns="" id="{99217DC6-63A8-46E5-BFF7-2750383C7113}"/>
               </a:ext>
             </a:extLst>
           </p:cNvPr>
@@ -5859,7 +5774,7 @@
           <p:cNvPr id="17" name="Titel 1">
             <a:extLst>
               <a:ext uri="{FF2B5EF4-FFF2-40B4-BE49-F238E27FC236}">
-                <a16:creationId xmlns="" xmlns:a16="http://schemas.microsoft.com/office/drawing/2014/main" id="{2EBD46AD-74A3-41B6-A7F5-704EE709693A}"/>
+                <a16:creationId xmlns:a16="http://schemas.microsoft.com/office/drawing/2014/main" xmlns="" id="{2EBD46AD-74A3-41B6-A7F5-704EE709693A}"/>
               </a:ext>
             </a:extLst>
           </p:cNvPr>
@@ -5917,7 +5832,7 @@
           <p:cNvPr id="149" name="Fußzeilenplatzhalter 4">
             <a:extLst>
               <a:ext uri="{FF2B5EF4-FFF2-40B4-BE49-F238E27FC236}">
-                <a16:creationId xmlns="" xmlns:a16="http://schemas.microsoft.com/office/drawing/2014/main" id="{38AB998A-AAF8-49F0-A239-2D93C7A72A4D}"/>
+                <a16:creationId xmlns:a16="http://schemas.microsoft.com/office/drawing/2014/main" xmlns="" id="{38AB998A-AAF8-49F0-A239-2D93C7A72A4D}"/>
               </a:ext>
             </a:extLst>
           </p:cNvPr>
@@ -6061,7 +5976,7 @@
           <p:cNvPr id="5" name="Foliennummernplatzhalter 4">
             <a:extLst>
               <a:ext uri="{FF2B5EF4-FFF2-40B4-BE49-F238E27FC236}">
-                <a16:creationId xmlns="" xmlns:a16="http://schemas.microsoft.com/office/drawing/2014/main" id="{99217DC6-63A8-46E5-BFF7-2750383C7113}"/>
+                <a16:creationId xmlns:a16="http://schemas.microsoft.com/office/drawing/2014/main" xmlns="" id="{99217DC6-63A8-46E5-BFF7-2750383C7113}"/>
               </a:ext>
             </a:extLst>
           </p:cNvPr>
@@ -6095,7 +6010,7 @@
           <p:cNvPr id="17" name="Titel 1">
             <a:extLst>
               <a:ext uri="{FF2B5EF4-FFF2-40B4-BE49-F238E27FC236}">
-                <a16:creationId xmlns="" xmlns:a16="http://schemas.microsoft.com/office/drawing/2014/main" id="{2EBD46AD-74A3-41B6-A7F5-704EE709693A}"/>
+                <a16:creationId xmlns:a16="http://schemas.microsoft.com/office/drawing/2014/main" xmlns="" id="{2EBD46AD-74A3-41B6-A7F5-704EE709693A}"/>
               </a:ext>
             </a:extLst>
           </p:cNvPr>
@@ -6153,7 +6068,7 @@
           <p:cNvPr id="149" name="Fußzeilenplatzhalter 4">
             <a:extLst>
               <a:ext uri="{FF2B5EF4-FFF2-40B4-BE49-F238E27FC236}">
-                <a16:creationId xmlns="" xmlns:a16="http://schemas.microsoft.com/office/drawing/2014/main" id="{38AB998A-AAF8-49F0-A239-2D93C7A72A4D}"/>
+                <a16:creationId xmlns:a16="http://schemas.microsoft.com/office/drawing/2014/main" xmlns="" id="{38AB998A-AAF8-49F0-A239-2D93C7A72A4D}"/>
               </a:ext>
             </a:extLst>
           </p:cNvPr>
@@ -6472,7 +6387,7 @@
           <p:cNvPr id="5" name="Foliennummernplatzhalter 4">
             <a:extLst>
               <a:ext uri="{FF2B5EF4-FFF2-40B4-BE49-F238E27FC236}">
-                <a16:creationId xmlns="" xmlns:a16="http://schemas.microsoft.com/office/drawing/2014/main" id="{99217DC6-63A8-46E5-BFF7-2750383C7113}"/>
+                <a16:creationId xmlns:a16="http://schemas.microsoft.com/office/drawing/2014/main" xmlns="" id="{99217DC6-63A8-46E5-BFF7-2750383C7113}"/>
               </a:ext>
             </a:extLst>
           </p:cNvPr>
@@ -6506,7 +6421,7 @@
           <p:cNvPr id="17" name="Titel 1">
             <a:extLst>
               <a:ext uri="{FF2B5EF4-FFF2-40B4-BE49-F238E27FC236}">
-                <a16:creationId xmlns="" xmlns:a16="http://schemas.microsoft.com/office/drawing/2014/main" id="{2EBD46AD-74A3-41B6-A7F5-704EE709693A}"/>
+                <a16:creationId xmlns:a16="http://schemas.microsoft.com/office/drawing/2014/main" xmlns="" id="{2EBD46AD-74A3-41B6-A7F5-704EE709693A}"/>
               </a:ext>
             </a:extLst>
           </p:cNvPr>
@@ -6564,7 +6479,7 @@
           <p:cNvPr id="149" name="Fußzeilenplatzhalter 4">
             <a:extLst>
               <a:ext uri="{FF2B5EF4-FFF2-40B4-BE49-F238E27FC236}">
-                <a16:creationId xmlns="" xmlns:a16="http://schemas.microsoft.com/office/drawing/2014/main" id="{38AB998A-AAF8-49F0-A239-2D93C7A72A4D}"/>
+                <a16:creationId xmlns:a16="http://schemas.microsoft.com/office/drawing/2014/main" xmlns="" id="{38AB998A-AAF8-49F0-A239-2D93C7A72A4D}"/>
               </a:ext>
             </a:extLst>
           </p:cNvPr>
@@ -6678,7 +6593,7 @@
           <p:cNvPr id="5" name="Foliennummernplatzhalter 4">
             <a:extLst>
               <a:ext uri="{FF2B5EF4-FFF2-40B4-BE49-F238E27FC236}">
-                <a16:creationId xmlns="" xmlns:a16="http://schemas.microsoft.com/office/drawing/2014/main" id="{99217DC6-63A8-46E5-BFF7-2750383C7113}"/>
+                <a16:creationId xmlns:a16="http://schemas.microsoft.com/office/drawing/2014/main" xmlns="" id="{99217DC6-63A8-46E5-BFF7-2750383C7113}"/>
               </a:ext>
             </a:extLst>
           </p:cNvPr>
@@ -6712,7 +6627,7 @@
           <p:cNvPr id="17" name="Titel 1">
             <a:extLst>
               <a:ext uri="{FF2B5EF4-FFF2-40B4-BE49-F238E27FC236}">
-                <a16:creationId xmlns="" xmlns:a16="http://schemas.microsoft.com/office/drawing/2014/main" id="{2EBD46AD-74A3-41B6-A7F5-704EE709693A}"/>
+                <a16:creationId xmlns:a16="http://schemas.microsoft.com/office/drawing/2014/main" xmlns="" id="{2EBD46AD-74A3-41B6-A7F5-704EE709693A}"/>
               </a:ext>
             </a:extLst>
           </p:cNvPr>
@@ -6770,7 +6685,7 @@
           <p:cNvPr id="149" name="Fußzeilenplatzhalter 4">
             <a:extLst>
               <a:ext uri="{FF2B5EF4-FFF2-40B4-BE49-F238E27FC236}">
-                <a16:creationId xmlns="" xmlns:a16="http://schemas.microsoft.com/office/drawing/2014/main" id="{38AB998A-AAF8-49F0-A239-2D93C7A72A4D}"/>
+                <a16:creationId xmlns:a16="http://schemas.microsoft.com/office/drawing/2014/main" xmlns="" id="{38AB998A-AAF8-49F0-A239-2D93C7A72A4D}"/>
               </a:ext>
             </a:extLst>
           </p:cNvPr>
@@ -6884,7 +6799,7 @@
           <p:cNvPr id="51" name="Rechteck 50">
             <a:extLst>
               <a:ext uri="{FF2B5EF4-FFF2-40B4-BE49-F238E27FC236}">
-                <a16:creationId xmlns="" xmlns:a16="http://schemas.microsoft.com/office/drawing/2014/main" id="{7B09CCE4-2DE8-486F-BD68-C4E948B56935}"/>
+                <a16:creationId xmlns:a16="http://schemas.microsoft.com/office/drawing/2014/main" xmlns="" id="{7B09CCE4-2DE8-486F-BD68-C4E948B56935}"/>
               </a:ext>
             </a:extLst>
           </p:cNvPr>
@@ -6942,7 +6857,7 @@
           <p:cNvPr id="5" name="Foliennummernplatzhalter 4">
             <a:extLst>
               <a:ext uri="{FF2B5EF4-FFF2-40B4-BE49-F238E27FC236}">
-                <a16:creationId xmlns="" xmlns:a16="http://schemas.microsoft.com/office/drawing/2014/main" id="{99217DC6-63A8-46E5-BFF7-2750383C7113}"/>
+                <a16:creationId xmlns:a16="http://schemas.microsoft.com/office/drawing/2014/main" xmlns="" id="{99217DC6-63A8-46E5-BFF7-2750383C7113}"/>
               </a:ext>
             </a:extLst>
           </p:cNvPr>
@@ -6976,7 +6891,7 @@
           <p:cNvPr id="17" name="Titel 1">
             <a:extLst>
               <a:ext uri="{FF2B5EF4-FFF2-40B4-BE49-F238E27FC236}">
-                <a16:creationId xmlns="" xmlns:a16="http://schemas.microsoft.com/office/drawing/2014/main" id="{2EBD46AD-74A3-41B6-A7F5-704EE709693A}"/>
+                <a16:creationId xmlns:a16="http://schemas.microsoft.com/office/drawing/2014/main" xmlns="" id="{2EBD46AD-74A3-41B6-A7F5-704EE709693A}"/>
               </a:ext>
             </a:extLst>
           </p:cNvPr>
@@ -7034,7 +6949,7 @@
           <p:cNvPr id="4" name="Gruppieren 3">
             <a:extLst>
               <a:ext uri="{FF2B5EF4-FFF2-40B4-BE49-F238E27FC236}">
-                <a16:creationId xmlns="" xmlns:a16="http://schemas.microsoft.com/office/drawing/2014/main" id="{4C7027B1-C885-493B-83DB-9604A4B7FEAE}"/>
+                <a16:creationId xmlns:a16="http://schemas.microsoft.com/office/drawing/2014/main" xmlns="" id="{4C7027B1-C885-493B-83DB-9604A4B7FEAE}"/>
               </a:ext>
             </a:extLst>
           </p:cNvPr>
@@ -7054,7 +6969,7 @@
             <p:cNvPr id="32" name="Inhaltsplatzhalter 2">
               <a:extLst>
                 <a:ext uri="{FF2B5EF4-FFF2-40B4-BE49-F238E27FC236}">
-                  <a16:creationId xmlns="" xmlns:a16="http://schemas.microsoft.com/office/drawing/2014/main" id="{B73C8442-401C-4ED8-A3D6-C2C0FB12E87F}"/>
+                  <a16:creationId xmlns:a16="http://schemas.microsoft.com/office/drawing/2014/main" xmlns="" id="{B73C8442-401C-4ED8-A3D6-C2C0FB12E87F}"/>
                 </a:ext>
               </a:extLst>
             </p:cNvPr>
@@ -7275,7 +7190,7 @@
             <p:cNvPr id="23" name="Inhaltsplatzhalter 2">
               <a:extLst>
                 <a:ext uri="{FF2B5EF4-FFF2-40B4-BE49-F238E27FC236}">
-                  <a16:creationId xmlns="" xmlns:a16="http://schemas.microsoft.com/office/drawing/2014/main" id="{C7B407AD-B5BE-4C2C-8B9E-4E0DEC4B2C44}"/>
+                  <a16:creationId xmlns:a16="http://schemas.microsoft.com/office/drawing/2014/main" xmlns="" id="{C7B407AD-B5BE-4C2C-8B9E-4E0DEC4B2C44}"/>
                 </a:ext>
               </a:extLst>
             </p:cNvPr>
@@ -7505,7 +7420,7 @@
             <p:cNvPr id="34" name="Grafik 33" descr="Welt">
               <a:extLst>
                 <a:ext uri="{FF2B5EF4-FFF2-40B4-BE49-F238E27FC236}">
-                  <a16:creationId xmlns="" xmlns:a16="http://schemas.microsoft.com/office/drawing/2014/main" id="{A800AC59-CAC0-4D27-BCC0-D36A2C0AF209}"/>
+                  <a16:creationId xmlns:a16="http://schemas.microsoft.com/office/drawing/2014/main" xmlns="" id="{A800AC59-CAC0-4D27-BCC0-D36A2C0AF209}"/>
                 </a:ext>
               </a:extLst>
             </p:cNvPr>
@@ -7518,7 +7433,7 @@
             <a:blip r:embed="rId3">
               <a:extLst>
                 <a:ext uri="{96DAC541-7B7A-43D3-8B79-37D633B846F1}">
-                  <asvg:svgBlip xmlns="" xmlns:asvg="http://schemas.microsoft.com/office/drawing/2016/SVG/main" r:embed="rId4"/>
+                  <asvg:svgBlip xmlns:asvg="http://schemas.microsoft.com/office/drawing/2016/SVG/main" xmlns="" r:embed="rId4"/>
                 </a:ext>
               </a:extLst>
             </a:blip>
@@ -7541,7 +7456,7 @@
             <p:cNvPr id="36" name="Gerade Verbindung mit Pfeil 35">
               <a:extLst>
                 <a:ext uri="{FF2B5EF4-FFF2-40B4-BE49-F238E27FC236}">
-                  <a16:creationId xmlns="" xmlns:a16="http://schemas.microsoft.com/office/drawing/2014/main" id="{14165FCC-2898-4EA5-8418-E16DE419162D}"/>
+                  <a16:creationId xmlns:a16="http://schemas.microsoft.com/office/drawing/2014/main" xmlns="" id="{14165FCC-2898-4EA5-8418-E16DE419162D}"/>
                 </a:ext>
               </a:extLst>
             </p:cNvPr>
@@ -7582,7 +7497,7 @@
             <p:cNvPr id="38" name="Textfeld 37">
               <a:extLst>
                 <a:ext uri="{FF2B5EF4-FFF2-40B4-BE49-F238E27FC236}">
-                  <a16:creationId xmlns="" xmlns:a16="http://schemas.microsoft.com/office/drawing/2014/main" id="{98CBE577-09F5-4B95-8653-B627207FA727}"/>
+                  <a16:creationId xmlns:a16="http://schemas.microsoft.com/office/drawing/2014/main" xmlns="" id="{98CBE577-09F5-4B95-8653-B627207FA727}"/>
                 </a:ext>
               </a:extLst>
             </p:cNvPr>
@@ -7627,7 +7542,7 @@
             <p:cNvPr id="40" name="Gerade Verbindung mit Pfeil 39">
               <a:extLst>
                 <a:ext uri="{FF2B5EF4-FFF2-40B4-BE49-F238E27FC236}">
-                  <a16:creationId xmlns="" xmlns:a16="http://schemas.microsoft.com/office/drawing/2014/main" id="{CF8A7F28-CF78-4318-A93C-2E8EB03122CC}"/>
+                  <a16:creationId xmlns:a16="http://schemas.microsoft.com/office/drawing/2014/main" xmlns="" id="{CF8A7F28-CF78-4318-A93C-2E8EB03122CC}"/>
                 </a:ext>
               </a:extLst>
             </p:cNvPr>
@@ -7668,7 +7583,7 @@
             <p:cNvPr id="42" name="Gerade Verbindung mit Pfeil 41">
               <a:extLst>
                 <a:ext uri="{FF2B5EF4-FFF2-40B4-BE49-F238E27FC236}">
-                  <a16:creationId xmlns="" xmlns:a16="http://schemas.microsoft.com/office/drawing/2014/main" id="{7BA8A4C1-13EC-49CB-B82C-3FF0665FB8AD}"/>
+                  <a16:creationId xmlns:a16="http://schemas.microsoft.com/office/drawing/2014/main" xmlns="" id="{7BA8A4C1-13EC-49CB-B82C-3FF0665FB8AD}"/>
                 </a:ext>
               </a:extLst>
             </p:cNvPr>
@@ -7709,7 +7624,7 @@
             <p:cNvPr id="44" name="Grafik 43" descr="Ordner">
               <a:extLst>
                 <a:ext uri="{FF2B5EF4-FFF2-40B4-BE49-F238E27FC236}">
-                  <a16:creationId xmlns="" xmlns:a16="http://schemas.microsoft.com/office/drawing/2014/main" id="{0572721C-7090-41E2-85A7-6A154A1EDC6E}"/>
+                  <a16:creationId xmlns:a16="http://schemas.microsoft.com/office/drawing/2014/main" xmlns="" id="{0572721C-7090-41E2-85A7-6A154A1EDC6E}"/>
                 </a:ext>
               </a:extLst>
             </p:cNvPr>
@@ -7722,7 +7637,7 @@
             <a:blip r:embed="rId5">
               <a:extLst>
                 <a:ext uri="{96DAC541-7B7A-43D3-8B79-37D633B846F1}">
-                  <asvg:svgBlip xmlns="" xmlns:asvg="http://schemas.microsoft.com/office/drawing/2016/SVG/main" r:embed="rId6"/>
+                  <asvg:svgBlip xmlns:asvg="http://schemas.microsoft.com/office/drawing/2016/SVG/main" xmlns="" r:embed="rId6"/>
                 </a:ext>
               </a:extLst>
             </a:blip>
@@ -7745,7 +7660,7 @@
             <p:cNvPr id="45" name="Textfeld 44">
               <a:extLst>
                 <a:ext uri="{FF2B5EF4-FFF2-40B4-BE49-F238E27FC236}">
-                  <a16:creationId xmlns="" xmlns:a16="http://schemas.microsoft.com/office/drawing/2014/main" id="{87DAFEBD-6AC9-4113-8438-A166156DC539}"/>
+                  <a16:creationId xmlns:a16="http://schemas.microsoft.com/office/drawing/2014/main" xmlns="" id="{87DAFEBD-6AC9-4113-8438-A166156DC539}"/>
                 </a:ext>
               </a:extLst>
             </p:cNvPr>
@@ -7790,7 +7705,7 @@
           <p:cNvPr id="149" name="Fußzeilenplatzhalter 4">
             <a:extLst>
               <a:ext uri="{FF2B5EF4-FFF2-40B4-BE49-F238E27FC236}">
-                <a16:creationId xmlns="" xmlns:a16="http://schemas.microsoft.com/office/drawing/2014/main" id="{38AB998A-AAF8-49F0-A239-2D93C7A72A4D}"/>
+                <a16:creationId xmlns:a16="http://schemas.microsoft.com/office/drawing/2014/main" xmlns="" id="{38AB998A-AAF8-49F0-A239-2D93C7A72A4D}"/>
               </a:ext>
             </a:extLst>
           </p:cNvPr>
@@ -7837,7 +7752,7 @@
           <p:cNvPr id="58" name="Grafik 57" descr="Warnung">
             <a:extLst>
               <a:ext uri="{FF2B5EF4-FFF2-40B4-BE49-F238E27FC236}">
-                <a16:creationId xmlns="" xmlns:a16="http://schemas.microsoft.com/office/drawing/2014/main" id="{5ADD6FB5-98E7-495D-A9AC-2584B2D52713}"/>
+                <a16:creationId xmlns:a16="http://schemas.microsoft.com/office/drawing/2014/main" xmlns="" id="{5ADD6FB5-98E7-495D-A9AC-2584B2D52713}"/>
               </a:ext>
             </a:extLst>
           </p:cNvPr>
@@ -7850,7 +7765,7 @@
           <a:blip r:embed="rId7">
             <a:extLst>
               <a:ext uri="{96DAC541-7B7A-43D3-8B79-37D633B846F1}">
-                <asvg:svgBlip xmlns="" xmlns:asvg="http://schemas.microsoft.com/office/drawing/2016/SVG/main" r:embed="rId8"/>
+                <asvg:svgBlip xmlns:asvg="http://schemas.microsoft.com/office/drawing/2016/SVG/main" xmlns="" r:embed="rId8"/>
               </a:ext>
             </a:extLst>
           </a:blip>
@@ -7873,7 +7788,7 @@
           <p:cNvPr id="59" name="Grafik 58" descr="Glühlampe">
             <a:extLst>
               <a:ext uri="{FF2B5EF4-FFF2-40B4-BE49-F238E27FC236}">
-                <a16:creationId xmlns="" xmlns:a16="http://schemas.microsoft.com/office/drawing/2014/main" id="{051FE1DD-05D1-46F4-B78F-B97D09DB249F}"/>
+                <a16:creationId xmlns:a16="http://schemas.microsoft.com/office/drawing/2014/main" xmlns="" id="{051FE1DD-05D1-46F4-B78F-B97D09DB249F}"/>
               </a:ext>
             </a:extLst>
           </p:cNvPr>
@@ -7886,7 +7801,7 @@
           <a:blip r:embed="rId9">
             <a:extLst>
               <a:ext uri="{96DAC541-7B7A-43D3-8B79-37D633B846F1}">
-                <asvg:svgBlip xmlns="" xmlns:asvg="http://schemas.microsoft.com/office/drawing/2016/SVG/main" r:embed="rId10"/>
+                <asvg:svgBlip xmlns:asvg="http://schemas.microsoft.com/office/drawing/2016/SVG/main" xmlns="" r:embed="rId10"/>
               </a:ext>
             </a:extLst>
           </a:blip>
@@ -7909,7 +7824,7 @@
           <p:cNvPr id="18" name="Textfeld 17">
             <a:extLst>
               <a:ext uri="{FF2B5EF4-FFF2-40B4-BE49-F238E27FC236}">
-                <a16:creationId xmlns="" xmlns:a16="http://schemas.microsoft.com/office/drawing/2014/main" id="{2A285A58-EC11-4467-B051-677815423595}"/>
+                <a16:creationId xmlns:a16="http://schemas.microsoft.com/office/drawing/2014/main" xmlns="" id="{2A285A58-EC11-4467-B051-677815423595}"/>
               </a:ext>
             </a:extLst>
           </p:cNvPr>
@@ -7968,7 +7883,7 @@
           <p:cNvPr id="19" name="Textfeld 18">
             <a:extLst>
               <a:ext uri="{FF2B5EF4-FFF2-40B4-BE49-F238E27FC236}">
-                <a16:creationId xmlns="" xmlns:a16="http://schemas.microsoft.com/office/drawing/2014/main" id="{AF742355-CE0F-4F69-A0C1-2F898F89C3A5}"/>
+                <a16:creationId xmlns:a16="http://schemas.microsoft.com/office/drawing/2014/main" xmlns="" id="{AF742355-CE0F-4F69-A0C1-2F898F89C3A5}"/>
               </a:ext>
             </a:extLst>
           </p:cNvPr>
@@ -8080,7 +7995,7 @@
           <p:cNvPr id="28" name="Rechteck 27">
             <a:extLst>
               <a:ext uri="{FF2B5EF4-FFF2-40B4-BE49-F238E27FC236}">
-                <a16:creationId xmlns="" xmlns:a16="http://schemas.microsoft.com/office/drawing/2014/main" id="{5663F49A-D805-40FE-AC1B-81ED77571640}"/>
+                <a16:creationId xmlns:a16="http://schemas.microsoft.com/office/drawing/2014/main" xmlns="" id="{5663F49A-D805-40FE-AC1B-81ED77571640}"/>
               </a:ext>
             </a:extLst>
           </p:cNvPr>
@@ -8138,7 +8053,7 @@
           <p:cNvPr id="5" name="Foliennummernplatzhalter 4">
             <a:extLst>
               <a:ext uri="{FF2B5EF4-FFF2-40B4-BE49-F238E27FC236}">
-                <a16:creationId xmlns="" xmlns:a16="http://schemas.microsoft.com/office/drawing/2014/main" id="{99217DC6-63A8-46E5-BFF7-2750383C7113}"/>
+                <a16:creationId xmlns:a16="http://schemas.microsoft.com/office/drawing/2014/main" xmlns="" id="{99217DC6-63A8-46E5-BFF7-2750383C7113}"/>
               </a:ext>
             </a:extLst>
           </p:cNvPr>
@@ -8172,7 +8087,7 @@
           <p:cNvPr id="17" name="Titel 1">
             <a:extLst>
               <a:ext uri="{FF2B5EF4-FFF2-40B4-BE49-F238E27FC236}">
-                <a16:creationId xmlns="" xmlns:a16="http://schemas.microsoft.com/office/drawing/2014/main" id="{2EBD46AD-74A3-41B6-A7F5-704EE709693A}"/>
+                <a16:creationId xmlns:a16="http://schemas.microsoft.com/office/drawing/2014/main" xmlns="" id="{2EBD46AD-74A3-41B6-A7F5-704EE709693A}"/>
               </a:ext>
             </a:extLst>
           </p:cNvPr>
@@ -8230,7 +8145,7 @@
           <p:cNvPr id="2" name="Gruppieren 1">
             <a:extLst>
               <a:ext uri="{FF2B5EF4-FFF2-40B4-BE49-F238E27FC236}">
-                <a16:creationId xmlns="" xmlns:a16="http://schemas.microsoft.com/office/drawing/2014/main" id="{7E998845-B930-4515-A6AA-4B80E506F2E6}"/>
+                <a16:creationId xmlns:a16="http://schemas.microsoft.com/office/drawing/2014/main" xmlns="" id="{7E998845-B930-4515-A6AA-4B80E506F2E6}"/>
               </a:ext>
             </a:extLst>
           </p:cNvPr>
@@ -8250,7 +8165,7 @@
             <p:cNvPr id="46" name="Inhaltsplatzhalter 2">
               <a:extLst>
                 <a:ext uri="{FF2B5EF4-FFF2-40B4-BE49-F238E27FC236}">
-                  <a16:creationId xmlns="" xmlns:a16="http://schemas.microsoft.com/office/drawing/2014/main" id="{0F26518F-0A69-4734-BA87-0B8E3EF94156}"/>
+                  <a16:creationId xmlns:a16="http://schemas.microsoft.com/office/drawing/2014/main" xmlns="" id="{0F26518F-0A69-4734-BA87-0B8E3EF94156}"/>
                 </a:ext>
               </a:extLst>
             </p:cNvPr>
@@ -8471,7 +8386,7 @@
             <p:cNvPr id="67" name="Gerade Verbindung mit Pfeil 66">
               <a:extLst>
                 <a:ext uri="{FF2B5EF4-FFF2-40B4-BE49-F238E27FC236}">
-                  <a16:creationId xmlns="" xmlns:a16="http://schemas.microsoft.com/office/drawing/2014/main" id="{7FAB1279-3954-449A-9809-2898A9D30786}"/>
+                  <a16:creationId xmlns:a16="http://schemas.microsoft.com/office/drawing/2014/main" xmlns="" id="{7FAB1279-3954-449A-9809-2898A9D30786}"/>
                 </a:ext>
               </a:extLst>
             </p:cNvPr>
@@ -8512,7 +8427,7 @@
             <p:cNvPr id="24" name="Inhaltsplatzhalter 2">
               <a:extLst>
                 <a:ext uri="{FF2B5EF4-FFF2-40B4-BE49-F238E27FC236}">
-                  <a16:creationId xmlns="" xmlns:a16="http://schemas.microsoft.com/office/drawing/2014/main" id="{52088609-8CCC-4992-9D44-C791EA8B6B29}"/>
+                  <a16:creationId xmlns:a16="http://schemas.microsoft.com/office/drawing/2014/main" xmlns="" id="{52088609-8CCC-4992-9D44-C791EA8B6B29}"/>
                 </a:ext>
               </a:extLst>
             </p:cNvPr>
@@ -8742,7 +8657,7 @@
             <p:cNvPr id="44" name="Grafik 43" descr="Ordner">
               <a:extLst>
                 <a:ext uri="{FF2B5EF4-FFF2-40B4-BE49-F238E27FC236}">
-                  <a16:creationId xmlns="" xmlns:a16="http://schemas.microsoft.com/office/drawing/2014/main" id="{0572721C-7090-41E2-85A7-6A154A1EDC6E}"/>
+                  <a16:creationId xmlns:a16="http://schemas.microsoft.com/office/drawing/2014/main" xmlns="" id="{0572721C-7090-41E2-85A7-6A154A1EDC6E}"/>
                 </a:ext>
               </a:extLst>
             </p:cNvPr>
@@ -8755,7 +8670,7 @@
             <a:blip r:embed="rId3">
               <a:extLst>
                 <a:ext uri="{96DAC541-7B7A-43D3-8B79-37D633B846F1}">
-                  <asvg:svgBlip xmlns="" xmlns:asvg="http://schemas.microsoft.com/office/drawing/2016/SVG/main" r:embed="rId4"/>
+                  <asvg:svgBlip xmlns:asvg="http://schemas.microsoft.com/office/drawing/2016/SVG/main" xmlns="" r:embed="rId4"/>
                 </a:ext>
               </a:extLst>
             </a:blip>
@@ -8778,7 +8693,7 @@
             <p:cNvPr id="45" name="Textfeld 44">
               <a:extLst>
                 <a:ext uri="{FF2B5EF4-FFF2-40B4-BE49-F238E27FC236}">
-                  <a16:creationId xmlns="" xmlns:a16="http://schemas.microsoft.com/office/drawing/2014/main" id="{87DAFEBD-6AC9-4113-8438-A166156DC539}"/>
+                  <a16:creationId xmlns:a16="http://schemas.microsoft.com/office/drawing/2014/main" xmlns="" id="{87DAFEBD-6AC9-4113-8438-A166156DC539}"/>
                 </a:ext>
               </a:extLst>
             </p:cNvPr>
@@ -8822,7 +8737,7 @@
             <p:cNvPr id="57" name="Gerade Verbindung mit Pfeil 56">
               <a:extLst>
                 <a:ext uri="{FF2B5EF4-FFF2-40B4-BE49-F238E27FC236}">
-                  <a16:creationId xmlns="" xmlns:a16="http://schemas.microsoft.com/office/drawing/2014/main" id="{CA0D2126-51DB-4173-87BE-BAF063EBF92F}"/>
+                  <a16:creationId xmlns:a16="http://schemas.microsoft.com/office/drawing/2014/main" xmlns="" id="{CA0D2126-51DB-4173-87BE-BAF063EBF92F}"/>
                 </a:ext>
               </a:extLst>
             </p:cNvPr>
@@ -8863,7 +8778,7 @@
             <p:cNvPr id="126" name="Gruppieren 125">
               <a:extLst>
                 <a:ext uri="{FF2B5EF4-FFF2-40B4-BE49-F238E27FC236}">
-                  <a16:creationId xmlns="" xmlns:a16="http://schemas.microsoft.com/office/drawing/2014/main" id="{514A1029-992E-4E2E-9A8B-4CDCFC62727A}"/>
+                  <a16:creationId xmlns:a16="http://schemas.microsoft.com/office/drawing/2014/main" xmlns="" id="{514A1029-992E-4E2E-9A8B-4CDCFC62727A}"/>
                 </a:ext>
               </a:extLst>
             </p:cNvPr>
@@ -8883,7 +8798,7 @@
               <p:cNvPr id="97" name="Grafik 96" descr="Tisch">
                 <a:extLst>
                   <a:ext uri="{FF2B5EF4-FFF2-40B4-BE49-F238E27FC236}">
-                    <a16:creationId xmlns="" xmlns:a16="http://schemas.microsoft.com/office/drawing/2014/main" id="{E3ED5455-2ACE-4F80-8660-C9C78942E061}"/>
+                    <a16:creationId xmlns:a16="http://schemas.microsoft.com/office/drawing/2014/main" xmlns="" id="{E3ED5455-2ACE-4F80-8660-C9C78942E061}"/>
                   </a:ext>
                 </a:extLst>
               </p:cNvPr>
@@ -8896,7 +8811,7 @@
               <a:blip r:embed="rId5">
                 <a:extLst>
                   <a:ext uri="{96DAC541-7B7A-43D3-8B79-37D633B846F1}">
-                    <asvg:svgBlip xmlns="" xmlns:asvg="http://schemas.microsoft.com/office/drawing/2016/SVG/main" r:embed="rId6"/>
+                    <asvg:svgBlip xmlns:asvg="http://schemas.microsoft.com/office/drawing/2016/SVG/main" xmlns="" r:embed="rId6"/>
                   </a:ext>
                 </a:extLst>
               </a:blip>
@@ -8919,7 +8834,7 @@
               <p:cNvPr id="105" name="Rechteck 104">
                 <a:extLst>
                   <a:ext uri="{FF2B5EF4-FFF2-40B4-BE49-F238E27FC236}">
-                    <a16:creationId xmlns="" xmlns:a16="http://schemas.microsoft.com/office/drawing/2014/main" id="{82C05C09-9668-4C7B-99B4-6CCD1DF3F8C9}"/>
+                    <a16:creationId xmlns:a16="http://schemas.microsoft.com/office/drawing/2014/main" xmlns="" id="{82C05C09-9668-4C7B-99B4-6CCD1DF3F8C9}"/>
                   </a:ext>
                 </a:extLst>
               </p:cNvPr>
@@ -8976,7 +8891,7 @@
           <p:cNvPr id="149" name="Fußzeilenplatzhalter 4">
             <a:extLst>
               <a:ext uri="{FF2B5EF4-FFF2-40B4-BE49-F238E27FC236}">
-                <a16:creationId xmlns="" xmlns:a16="http://schemas.microsoft.com/office/drawing/2014/main" id="{38AB998A-AAF8-49F0-A239-2D93C7A72A4D}"/>
+                <a16:creationId xmlns:a16="http://schemas.microsoft.com/office/drawing/2014/main" xmlns="" id="{38AB998A-AAF8-49F0-A239-2D93C7A72A4D}"/>
               </a:ext>
             </a:extLst>
           </p:cNvPr>
@@ -9023,7 +8938,7 @@
           <p:cNvPr id="29" name="Grafik 28" descr="Warnung">
             <a:extLst>
               <a:ext uri="{FF2B5EF4-FFF2-40B4-BE49-F238E27FC236}">
-                <a16:creationId xmlns="" xmlns:a16="http://schemas.microsoft.com/office/drawing/2014/main" id="{B282B26C-FBD5-4486-BAD6-EF90B5C4BD47}"/>
+                <a16:creationId xmlns:a16="http://schemas.microsoft.com/office/drawing/2014/main" xmlns="" id="{B282B26C-FBD5-4486-BAD6-EF90B5C4BD47}"/>
               </a:ext>
             </a:extLst>
           </p:cNvPr>
@@ -9036,7 +8951,7 @@
           <a:blip r:embed="rId7">
             <a:extLst>
               <a:ext uri="{96DAC541-7B7A-43D3-8B79-37D633B846F1}">
-                <asvg:svgBlip xmlns="" xmlns:asvg="http://schemas.microsoft.com/office/drawing/2016/SVG/main" r:embed="rId8"/>
+                <asvg:svgBlip xmlns:asvg="http://schemas.microsoft.com/office/drawing/2016/SVG/main" xmlns="" r:embed="rId8"/>
               </a:ext>
             </a:extLst>
           </a:blip>
@@ -9059,7 +8974,7 @@
           <p:cNvPr id="8" name="Textfeld 7">
             <a:extLst>
               <a:ext uri="{FF2B5EF4-FFF2-40B4-BE49-F238E27FC236}">
-                <a16:creationId xmlns="" xmlns:a16="http://schemas.microsoft.com/office/drawing/2014/main" id="{2A285A58-EC11-4467-B051-677815423595}"/>
+                <a16:creationId xmlns:a16="http://schemas.microsoft.com/office/drawing/2014/main" xmlns="" id="{2A285A58-EC11-4467-B051-677815423595}"/>
               </a:ext>
             </a:extLst>
           </p:cNvPr>
@@ -9118,7 +9033,7 @@
           <p:cNvPr id="37" name="Textfeld 36">
             <a:extLst>
               <a:ext uri="{FF2B5EF4-FFF2-40B4-BE49-F238E27FC236}">
-                <a16:creationId xmlns="" xmlns:a16="http://schemas.microsoft.com/office/drawing/2014/main" id="{AF742355-CE0F-4F69-A0C1-2F898F89C3A5}"/>
+                <a16:creationId xmlns:a16="http://schemas.microsoft.com/office/drawing/2014/main" xmlns="" id="{AF742355-CE0F-4F69-A0C1-2F898F89C3A5}"/>
               </a:ext>
             </a:extLst>
           </p:cNvPr>
@@ -9183,7 +9098,7 @@
           <p:cNvPr id="13" name="Grafik 12" descr="Glühlampe">
             <a:extLst>
               <a:ext uri="{FF2B5EF4-FFF2-40B4-BE49-F238E27FC236}">
-                <a16:creationId xmlns="" xmlns:a16="http://schemas.microsoft.com/office/drawing/2014/main" id="{4D085D73-F3C8-441D-AF81-E837128CE47E}"/>
+                <a16:creationId xmlns:a16="http://schemas.microsoft.com/office/drawing/2014/main" xmlns="" id="{4D085D73-F3C8-441D-AF81-E837128CE47E}"/>
               </a:ext>
             </a:extLst>
           </p:cNvPr>
@@ -9196,7 +9111,7 @@
           <a:blip r:embed="rId9">
             <a:extLst>
               <a:ext uri="{96DAC541-7B7A-43D3-8B79-37D633B846F1}">
-                <asvg:svgBlip xmlns="" xmlns:asvg="http://schemas.microsoft.com/office/drawing/2016/SVG/main" r:embed="rId10"/>
+                <asvg:svgBlip xmlns:asvg="http://schemas.microsoft.com/office/drawing/2016/SVG/main" xmlns="" r:embed="rId10"/>
               </a:ext>
             </a:extLst>
           </a:blip>
@@ -9256,7 +9171,7 @@
           <p:cNvPr id="5" name="Foliennummernplatzhalter 4">
             <a:extLst>
               <a:ext uri="{FF2B5EF4-FFF2-40B4-BE49-F238E27FC236}">
-                <a16:creationId xmlns="" xmlns:a16="http://schemas.microsoft.com/office/drawing/2014/main" id="{99217DC6-63A8-46E5-BFF7-2750383C7113}"/>
+                <a16:creationId xmlns:a16="http://schemas.microsoft.com/office/drawing/2014/main" xmlns="" id="{99217DC6-63A8-46E5-BFF7-2750383C7113}"/>
               </a:ext>
             </a:extLst>
           </p:cNvPr>
@@ -9290,7 +9205,7 @@
           <p:cNvPr id="17" name="Titel 1">
             <a:extLst>
               <a:ext uri="{FF2B5EF4-FFF2-40B4-BE49-F238E27FC236}">
-                <a16:creationId xmlns="" xmlns:a16="http://schemas.microsoft.com/office/drawing/2014/main" id="{2EBD46AD-74A3-41B6-A7F5-704EE709693A}"/>
+                <a16:creationId xmlns:a16="http://schemas.microsoft.com/office/drawing/2014/main" xmlns="" id="{2EBD46AD-74A3-41B6-A7F5-704EE709693A}"/>
               </a:ext>
             </a:extLst>
           </p:cNvPr>
@@ -9348,7 +9263,7 @@
           <p:cNvPr id="19" name="Inhaltsplatzhalter 2">
             <a:extLst>
               <a:ext uri="{FF2B5EF4-FFF2-40B4-BE49-F238E27FC236}">
-                <a16:creationId xmlns="" xmlns:a16="http://schemas.microsoft.com/office/drawing/2014/main" id="{FD7E6F18-D74A-4FE7-8CC2-71466EBAC41D}"/>
+                <a16:creationId xmlns:a16="http://schemas.microsoft.com/office/drawing/2014/main" xmlns="" id="{FD7E6F18-D74A-4FE7-8CC2-71466EBAC41D}"/>
               </a:ext>
             </a:extLst>
           </p:cNvPr>
@@ -9450,7 +9365,7 @@
           <p:cNvPr id="9" name="Fußzeilenplatzhalter 4">
             <a:extLst>
               <a:ext uri="{FF2B5EF4-FFF2-40B4-BE49-F238E27FC236}">
-                <a16:creationId xmlns="" xmlns:a16="http://schemas.microsoft.com/office/drawing/2014/main" id="{F10706BB-1C7F-44A5-8A36-CDBB277E3BFC}"/>
+                <a16:creationId xmlns:a16="http://schemas.microsoft.com/office/drawing/2014/main" xmlns="" id="{F10706BB-1C7F-44A5-8A36-CDBB277E3BFC}"/>
               </a:ext>
             </a:extLst>
           </p:cNvPr>
@@ -9497,7 +9412,7 @@
           <p:cNvPr id="2" name="Rechteck 1">
             <a:extLst>
               <a:ext uri="{FF2B5EF4-FFF2-40B4-BE49-F238E27FC236}">
-                <a16:creationId xmlns="" xmlns:a16="http://schemas.microsoft.com/office/drawing/2014/main" id="{0D9E26CA-D519-4955-8920-592179B1FE22}"/>
+                <a16:creationId xmlns:a16="http://schemas.microsoft.com/office/drawing/2014/main" xmlns="" id="{0D9E26CA-D519-4955-8920-592179B1FE22}"/>
               </a:ext>
             </a:extLst>
           </p:cNvPr>
@@ -9552,7 +9467,7 @@
           <p:cNvPr id="11" name="Rechteck 10">
             <a:extLst>
               <a:ext uri="{FF2B5EF4-FFF2-40B4-BE49-F238E27FC236}">
-                <a16:creationId xmlns="" xmlns:a16="http://schemas.microsoft.com/office/drawing/2014/main" id="{8BDAC378-DB7A-4385-B0C5-7A7BB8439380}"/>
+                <a16:creationId xmlns:a16="http://schemas.microsoft.com/office/drawing/2014/main" xmlns="" id="{8BDAC378-DB7A-4385-B0C5-7A7BB8439380}"/>
               </a:ext>
             </a:extLst>
           </p:cNvPr>
@@ -9607,7 +9522,7 @@
           <p:cNvPr id="12" name="Rechteck 11">
             <a:extLst>
               <a:ext uri="{FF2B5EF4-FFF2-40B4-BE49-F238E27FC236}">
-                <a16:creationId xmlns="" xmlns:a16="http://schemas.microsoft.com/office/drawing/2014/main" id="{D2A7043D-6CC0-4509-BAFB-FBAE494991AE}"/>
+                <a16:creationId xmlns:a16="http://schemas.microsoft.com/office/drawing/2014/main" xmlns="" id="{D2A7043D-6CC0-4509-BAFB-FBAE494991AE}"/>
               </a:ext>
             </a:extLst>
           </p:cNvPr>
@@ -9657,7 +9572,7 @@
           <p:cNvPr id="14" name="Rechteck 13">
             <a:extLst>
               <a:ext uri="{FF2B5EF4-FFF2-40B4-BE49-F238E27FC236}">
-                <a16:creationId xmlns="" xmlns:a16="http://schemas.microsoft.com/office/drawing/2014/main" id="{9D4200A3-BD07-4C63-BBF4-6FC25C2340F6}"/>
+                <a16:creationId xmlns:a16="http://schemas.microsoft.com/office/drawing/2014/main" xmlns="" id="{9D4200A3-BD07-4C63-BBF4-6FC25C2340F6}"/>
               </a:ext>
             </a:extLst>
           </p:cNvPr>
@@ -9713,7 +9628,7 @@
           <p:cNvPr id="22" name="Inhaltsplatzhalter 2">
             <a:extLst>
               <a:ext uri="{FF2B5EF4-FFF2-40B4-BE49-F238E27FC236}">
-                <a16:creationId xmlns="" xmlns:a16="http://schemas.microsoft.com/office/drawing/2014/main" id="{25CD8A27-4C42-4C1F-A067-291E1390BB52}"/>
+                <a16:creationId xmlns:a16="http://schemas.microsoft.com/office/drawing/2014/main" xmlns="" id="{25CD8A27-4C42-4C1F-A067-291E1390BB52}"/>
               </a:ext>
             </a:extLst>
           </p:cNvPr>
@@ -9920,11 +9835,7 @@
             </a:r>
             <a:r>
               <a:rPr lang="en-US" sz="1800" dirty="0" smtClean="0"/>
-              <a:t>repo </a:t>
-            </a:r>
-            <a:r>
-              <a:rPr lang="en-US" sz="1800" dirty="0" smtClean="0"/>
-              <a:t>(maybe R package): Two step procedure with metadata and text data</a:t>
+              <a:t>repo (maybe R package): Two step procedure with metadata and text data</a:t>
             </a:r>
             <a:endParaRPr lang="en-US" sz="1800" dirty="0"/>
           </a:p>
@@ -9935,7 +9846,7 @@
           <p:cNvPr id="23" name="Inhaltsplatzhalter 2">
             <a:extLst>
               <a:ext uri="{FF2B5EF4-FFF2-40B4-BE49-F238E27FC236}">
-                <a16:creationId xmlns="" xmlns:a16="http://schemas.microsoft.com/office/drawing/2014/main" id="{E10592E1-142D-45E9-AF5D-E791C3243C61}"/>
+                <a16:creationId xmlns:a16="http://schemas.microsoft.com/office/drawing/2014/main" xmlns="" id="{E10592E1-142D-45E9-AF5D-E791C3243C61}"/>
               </a:ext>
             </a:extLst>
           </p:cNvPr>
@@ -10145,7 +10056,7 @@
           <p:cNvPr id="24" name="Inhaltsplatzhalter 2">
             <a:extLst>
               <a:ext uri="{FF2B5EF4-FFF2-40B4-BE49-F238E27FC236}">
-                <a16:creationId xmlns="" xmlns:a16="http://schemas.microsoft.com/office/drawing/2014/main" id="{8A5A35EC-35C3-4EEE-B4CA-689F86337F8B}"/>
+                <a16:creationId xmlns:a16="http://schemas.microsoft.com/office/drawing/2014/main" xmlns="" id="{8A5A35EC-35C3-4EEE-B4CA-689F86337F8B}"/>
               </a:ext>
             </a:extLst>
           </p:cNvPr>
@@ -10394,7 +10305,7 @@
           <p:cNvPr id="14" name="Bild 4" descr="huO_rgb-mP.png">
             <a:extLst>
               <a:ext uri="{FF2B5EF4-FFF2-40B4-BE49-F238E27FC236}">
-                <a16:creationId xmlns="" xmlns:a16="http://schemas.microsoft.com/office/drawing/2014/main" id="{A6435E84-959B-4004-9D03-91843F9616BF}"/>
+                <a16:creationId xmlns:a16="http://schemas.microsoft.com/office/drawing/2014/main" xmlns="" id="{A6435E84-959B-4004-9D03-91843F9616BF}"/>
               </a:ext>
             </a:extLst>
           </p:cNvPr>
@@ -10454,7 +10365,7 @@
           <p:cNvPr id="16" name="Inhaltsplatzhalter 2">
             <a:extLst>
               <a:ext uri="{FF2B5EF4-FFF2-40B4-BE49-F238E27FC236}">
-                <a16:creationId xmlns="" xmlns:a16="http://schemas.microsoft.com/office/drawing/2014/main" id="{35C0996D-4546-4A4B-BC03-82C9961E32C9}"/>
+                <a16:creationId xmlns:a16="http://schemas.microsoft.com/office/drawing/2014/main" xmlns="" id="{35C0996D-4546-4A4B-BC03-82C9961E32C9}"/>
               </a:ext>
             </a:extLst>
           </p:cNvPr>
@@ -10706,7 +10617,7 @@
           <p:cNvPr id="2" name="Titel 1">
             <a:extLst>
               <a:ext uri="{FF2B5EF4-FFF2-40B4-BE49-F238E27FC236}">
-                <a16:creationId xmlns="" xmlns:a16="http://schemas.microsoft.com/office/drawing/2014/main" id="{C698A611-4E59-4D5D-B67A-DF0F2AF122C5}"/>
+                <a16:creationId xmlns:a16="http://schemas.microsoft.com/office/drawing/2014/main" xmlns="" id="{C698A611-4E59-4D5D-B67A-DF0F2AF122C5}"/>
               </a:ext>
             </a:extLst>
           </p:cNvPr>
@@ -10739,7 +10650,7 @@
           <p:cNvPr id="3" name="Textplatzhalter 2">
             <a:extLst>
               <a:ext uri="{FF2B5EF4-FFF2-40B4-BE49-F238E27FC236}">
-                <a16:creationId xmlns="" xmlns:a16="http://schemas.microsoft.com/office/drawing/2014/main" id="{A6CB220A-5C57-4688-B3BE-933E90D8AD40}"/>
+                <a16:creationId xmlns:a16="http://schemas.microsoft.com/office/drawing/2014/main" xmlns="" id="{A6CB220A-5C57-4688-B3BE-933E90D8AD40}"/>
               </a:ext>
             </a:extLst>
           </p:cNvPr>
@@ -10801,7 +10712,7 @@
           <p:cNvPr id="28" name="Rechteck 27">
             <a:extLst>
               <a:ext uri="{FF2B5EF4-FFF2-40B4-BE49-F238E27FC236}">
-                <a16:creationId xmlns="" xmlns:a16="http://schemas.microsoft.com/office/drawing/2014/main" id="{5663F49A-D805-40FE-AC1B-81ED77571640}"/>
+                <a16:creationId xmlns:a16="http://schemas.microsoft.com/office/drawing/2014/main" xmlns="" id="{5663F49A-D805-40FE-AC1B-81ED77571640}"/>
               </a:ext>
             </a:extLst>
           </p:cNvPr>
@@ -10859,7 +10770,7 @@
           <p:cNvPr id="5" name="Foliennummernplatzhalter 4">
             <a:extLst>
               <a:ext uri="{FF2B5EF4-FFF2-40B4-BE49-F238E27FC236}">
-                <a16:creationId xmlns="" xmlns:a16="http://schemas.microsoft.com/office/drawing/2014/main" id="{99217DC6-63A8-46E5-BFF7-2750383C7113}"/>
+                <a16:creationId xmlns:a16="http://schemas.microsoft.com/office/drawing/2014/main" xmlns="" id="{99217DC6-63A8-46E5-BFF7-2750383C7113}"/>
               </a:ext>
             </a:extLst>
           </p:cNvPr>
@@ -10893,7 +10804,7 @@
           <p:cNvPr id="17" name="Titel 1">
             <a:extLst>
               <a:ext uri="{FF2B5EF4-FFF2-40B4-BE49-F238E27FC236}">
-                <a16:creationId xmlns="" xmlns:a16="http://schemas.microsoft.com/office/drawing/2014/main" id="{2EBD46AD-74A3-41B6-A7F5-704EE709693A}"/>
+                <a16:creationId xmlns:a16="http://schemas.microsoft.com/office/drawing/2014/main" xmlns="" id="{2EBD46AD-74A3-41B6-A7F5-704EE709693A}"/>
               </a:ext>
             </a:extLst>
           </p:cNvPr>
@@ -10951,7 +10862,7 @@
           <p:cNvPr id="2" name="Gruppieren 1">
             <a:extLst>
               <a:ext uri="{FF2B5EF4-FFF2-40B4-BE49-F238E27FC236}">
-                <a16:creationId xmlns="" xmlns:a16="http://schemas.microsoft.com/office/drawing/2014/main" id="{7E998845-B930-4515-A6AA-4B80E506F2E6}"/>
+                <a16:creationId xmlns:a16="http://schemas.microsoft.com/office/drawing/2014/main" xmlns="" id="{7E998845-B930-4515-A6AA-4B80E506F2E6}"/>
               </a:ext>
             </a:extLst>
           </p:cNvPr>
@@ -10971,7 +10882,7 @@
             <p:cNvPr id="46" name="Inhaltsplatzhalter 2">
               <a:extLst>
                 <a:ext uri="{FF2B5EF4-FFF2-40B4-BE49-F238E27FC236}">
-                  <a16:creationId xmlns="" xmlns:a16="http://schemas.microsoft.com/office/drawing/2014/main" id="{0F26518F-0A69-4734-BA87-0B8E3EF94156}"/>
+                  <a16:creationId xmlns:a16="http://schemas.microsoft.com/office/drawing/2014/main" xmlns="" id="{0F26518F-0A69-4734-BA87-0B8E3EF94156}"/>
                 </a:ext>
               </a:extLst>
             </p:cNvPr>
@@ -11192,7 +11103,7 @@
             <p:cNvPr id="67" name="Gerade Verbindung mit Pfeil 66">
               <a:extLst>
                 <a:ext uri="{FF2B5EF4-FFF2-40B4-BE49-F238E27FC236}">
-                  <a16:creationId xmlns="" xmlns:a16="http://schemas.microsoft.com/office/drawing/2014/main" id="{7FAB1279-3954-449A-9809-2898A9D30786}"/>
+                  <a16:creationId xmlns:a16="http://schemas.microsoft.com/office/drawing/2014/main" xmlns="" id="{7FAB1279-3954-449A-9809-2898A9D30786}"/>
                 </a:ext>
               </a:extLst>
             </p:cNvPr>
@@ -11233,7 +11144,7 @@
             <p:cNvPr id="24" name="Inhaltsplatzhalter 2">
               <a:extLst>
                 <a:ext uri="{FF2B5EF4-FFF2-40B4-BE49-F238E27FC236}">
-                  <a16:creationId xmlns="" xmlns:a16="http://schemas.microsoft.com/office/drawing/2014/main" id="{52088609-8CCC-4992-9D44-C791EA8B6B29}"/>
+                  <a16:creationId xmlns:a16="http://schemas.microsoft.com/office/drawing/2014/main" xmlns="" id="{52088609-8CCC-4992-9D44-C791EA8B6B29}"/>
                 </a:ext>
               </a:extLst>
             </p:cNvPr>
@@ -11463,7 +11374,7 @@
             <p:cNvPr id="44" name="Grafik 43" descr="Ordner">
               <a:extLst>
                 <a:ext uri="{FF2B5EF4-FFF2-40B4-BE49-F238E27FC236}">
-                  <a16:creationId xmlns="" xmlns:a16="http://schemas.microsoft.com/office/drawing/2014/main" id="{0572721C-7090-41E2-85A7-6A154A1EDC6E}"/>
+                  <a16:creationId xmlns:a16="http://schemas.microsoft.com/office/drawing/2014/main" xmlns="" id="{0572721C-7090-41E2-85A7-6A154A1EDC6E}"/>
                 </a:ext>
               </a:extLst>
             </p:cNvPr>
@@ -11476,7 +11387,7 @@
             <a:blip r:embed="rId3">
               <a:extLst>
                 <a:ext uri="{96DAC541-7B7A-43D3-8B79-37D633B846F1}">
-                  <asvg:svgBlip xmlns="" xmlns:asvg="http://schemas.microsoft.com/office/drawing/2016/SVG/main" r:embed="rId4"/>
+                  <asvg:svgBlip xmlns:asvg="http://schemas.microsoft.com/office/drawing/2016/SVG/main" xmlns="" r:embed="rId4"/>
                 </a:ext>
               </a:extLst>
             </a:blip>
@@ -11499,7 +11410,7 @@
             <p:cNvPr id="45" name="Textfeld 44">
               <a:extLst>
                 <a:ext uri="{FF2B5EF4-FFF2-40B4-BE49-F238E27FC236}">
-                  <a16:creationId xmlns="" xmlns:a16="http://schemas.microsoft.com/office/drawing/2014/main" id="{87DAFEBD-6AC9-4113-8438-A166156DC539}"/>
+                  <a16:creationId xmlns:a16="http://schemas.microsoft.com/office/drawing/2014/main" xmlns="" id="{87DAFEBD-6AC9-4113-8438-A166156DC539}"/>
                 </a:ext>
               </a:extLst>
             </p:cNvPr>
@@ -11543,7 +11454,7 @@
             <p:cNvPr id="57" name="Gerade Verbindung mit Pfeil 56">
               <a:extLst>
                 <a:ext uri="{FF2B5EF4-FFF2-40B4-BE49-F238E27FC236}">
-                  <a16:creationId xmlns="" xmlns:a16="http://schemas.microsoft.com/office/drawing/2014/main" id="{CA0D2126-51DB-4173-87BE-BAF063EBF92F}"/>
+                  <a16:creationId xmlns:a16="http://schemas.microsoft.com/office/drawing/2014/main" xmlns="" id="{CA0D2126-51DB-4173-87BE-BAF063EBF92F}"/>
                 </a:ext>
               </a:extLst>
             </p:cNvPr>
@@ -11584,7 +11495,7 @@
             <p:cNvPr id="126" name="Gruppieren 125">
               <a:extLst>
                 <a:ext uri="{FF2B5EF4-FFF2-40B4-BE49-F238E27FC236}">
-                  <a16:creationId xmlns="" xmlns:a16="http://schemas.microsoft.com/office/drawing/2014/main" id="{514A1029-992E-4E2E-9A8B-4CDCFC62727A}"/>
+                  <a16:creationId xmlns:a16="http://schemas.microsoft.com/office/drawing/2014/main" xmlns="" id="{514A1029-992E-4E2E-9A8B-4CDCFC62727A}"/>
                 </a:ext>
               </a:extLst>
             </p:cNvPr>
@@ -11604,7 +11515,7 @@
               <p:cNvPr id="97" name="Grafik 96" descr="Tisch">
                 <a:extLst>
                   <a:ext uri="{FF2B5EF4-FFF2-40B4-BE49-F238E27FC236}">
-                    <a16:creationId xmlns="" xmlns:a16="http://schemas.microsoft.com/office/drawing/2014/main" id="{E3ED5455-2ACE-4F80-8660-C9C78942E061}"/>
+                    <a16:creationId xmlns:a16="http://schemas.microsoft.com/office/drawing/2014/main" xmlns="" id="{E3ED5455-2ACE-4F80-8660-C9C78942E061}"/>
                   </a:ext>
                 </a:extLst>
               </p:cNvPr>
@@ -11617,7 +11528,7 @@
               <a:blip r:embed="rId5">
                 <a:extLst>
                   <a:ext uri="{96DAC541-7B7A-43D3-8B79-37D633B846F1}">
-                    <asvg:svgBlip xmlns="" xmlns:asvg="http://schemas.microsoft.com/office/drawing/2016/SVG/main" r:embed="rId6"/>
+                    <asvg:svgBlip xmlns:asvg="http://schemas.microsoft.com/office/drawing/2016/SVG/main" xmlns="" r:embed="rId6"/>
                   </a:ext>
                 </a:extLst>
               </a:blip>
@@ -11640,7 +11551,7 @@
               <p:cNvPr id="105" name="Rechteck 104">
                 <a:extLst>
                   <a:ext uri="{FF2B5EF4-FFF2-40B4-BE49-F238E27FC236}">
-                    <a16:creationId xmlns="" xmlns:a16="http://schemas.microsoft.com/office/drawing/2014/main" id="{82C05C09-9668-4C7B-99B4-6CCD1DF3F8C9}"/>
+                    <a16:creationId xmlns:a16="http://schemas.microsoft.com/office/drawing/2014/main" xmlns="" id="{82C05C09-9668-4C7B-99B4-6CCD1DF3F8C9}"/>
                   </a:ext>
                 </a:extLst>
               </p:cNvPr>
@@ -11697,7 +11608,7 @@
           <p:cNvPr id="149" name="Fußzeilenplatzhalter 4">
             <a:extLst>
               <a:ext uri="{FF2B5EF4-FFF2-40B4-BE49-F238E27FC236}">
-                <a16:creationId xmlns="" xmlns:a16="http://schemas.microsoft.com/office/drawing/2014/main" id="{38AB998A-AAF8-49F0-A239-2D93C7A72A4D}"/>
+                <a16:creationId xmlns:a16="http://schemas.microsoft.com/office/drawing/2014/main" xmlns="" id="{38AB998A-AAF8-49F0-A239-2D93C7A72A4D}"/>
               </a:ext>
             </a:extLst>
           </p:cNvPr>
@@ -11744,7 +11655,7 @@
           <p:cNvPr id="8" name="Textfeld 7">
             <a:extLst>
               <a:ext uri="{FF2B5EF4-FFF2-40B4-BE49-F238E27FC236}">
-                <a16:creationId xmlns="" xmlns:a16="http://schemas.microsoft.com/office/drawing/2014/main" id="{2A285A58-EC11-4467-B051-677815423595}"/>
+                <a16:creationId xmlns:a16="http://schemas.microsoft.com/office/drawing/2014/main" xmlns="" id="{2A285A58-EC11-4467-B051-677815423595}"/>
               </a:ext>
             </a:extLst>
           </p:cNvPr>
@@ -11783,7 +11694,7 @@
           <p:cNvPr id="15" name="Grafik 14">
             <a:extLst>
               <a:ext uri="{FF2B5EF4-FFF2-40B4-BE49-F238E27FC236}">
-                <a16:creationId xmlns="" xmlns:a16="http://schemas.microsoft.com/office/drawing/2014/main" id="{06EA8996-FBBA-495C-BB11-8EDE15CCEDF2}"/>
+                <a16:creationId xmlns:a16="http://schemas.microsoft.com/office/drawing/2014/main" xmlns="" id="{06EA8996-FBBA-495C-BB11-8EDE15CCEDF2}"/>
               </a:ext>
             </a:extLst>
           </p:cNvPr>
@@ -11817,7 +11728,7 @@
           <p:cNvPr id="43" name="Grafik 42">
             <a:extLst>
               <a:ext uri="{FF2B5EF4-FFF2-40B4-BE49-F238E27FC236}">
-                <a16:creationId xmlns="" xmlns:a16="http://schemas.microsoft.com/office/drawing/2014/main" id="{1160426F-0D42-4ED9-AFCF-98EA539EBAD7}"/>
+                <a16:creationId xmlns:a16="http://schemas.microsoft.com/office/drawing/2014/main" xmlns="" id="{1160426F-0D42-4ED9-AFCF-98EA539EBAD7}"/>
               </a:ext>
             </a:extLst>
           </p:cNvPr>
@@ -11852,7 +11763,7 @@
           <p:cNvPr id="51" name="Tabelle 5">
             <a:extLst>
               <a:ext uri="{FF2B5EF4-FFF2-40B4-BE49-F238E27FC236}">
-                <a16:creationId xmlns="" xmlns:a16="http://schemas.microsoft.com/office/drawing/2014/main" id="{D7A352C7-D988-46AE-8440-F5561E606A7E}"/>
+                <a16:creationId xmlns:a16="http://schemas.microsoft.com/office/drawing/2014/main" xmlns="" id="{D7A352C7-D988-46AE-8440-F5561E606A7E}"/>
               </a:ext>
             </a:extLst>
           </p:cNvPr>
@@ -11881,42 +11792,42 @@
                 <a:gridCol w="423962">
                   <a:extLst>
                     <a:ext uri="{9D8B030D-6E8A-4147-A177-3AD203B41FA5}">
-                      <a16:colId xmlns="" xmlns:a16="http://schemas.microsoft.com/office/drawing/2014/main" val="4086400923"/>
+                      <a16:colId xmlns:a16="http://schemas.microsoft.com/office/drawing/2014/main" xmlns="" val="4086400923"/>
                     </a:ext>
                   </a:extLst>
                 </a:gridCol>
                 <a:gridCol w="1610435">
                   <a:extLst>
                     <a:ext uri="{9D8B030D-6E8A-4147-A177-3AD203B41FA5}">
-                      <a16:colId xmlns="" xmlns:a16="http://schemas.microsoft.com/office/drawing/2014/main" val="52315562"/>
+                      <a16:colId xmlns:a16="http://schemas.microsoft.com/office/drawing/2014/main" xmlns="" val="52315562"/>
                     </a:ext>
                   </a:extLst>
                 </a:gridCol>
                 <a:gridCol w="736979">
                   <a:extLst>
                     <a:ext uri="{9D8B030D-6E8A-4147-A177-3AD203B41FA5}">
-                      <a16:colId xmlns="" xmlns:a16="http://schemas.microsoft.com/office/drawing/2014/main" val="2562668695"/>
+                      <a16:colId xmlns:a16="http://schemas.microsoft.com/office/drawing/2014/main" xmlns="" val="2562668695"/>
                     </a:ext>
                   </a:extLst>
                 </a:gridCol>
                 <a:gridCol w="1009935">
                   <a:extLst>
                     <a:ext uri="{9D8B030D-6E8A-4147-A177-3AD203B41FA5}">
-                      <a16:colId xmlns="" xmlns:a16="http://schemas.microsoft.com/office/drawing/2014/main" val="219476301"/>
+                      <a16:colId xmlns:a16="http://schemas.microsoft.com/office/drawing/2014/main" xmlns="" val="219476301"/>
                     </a:ext>
                   </a:extLst>
                 </a:gridCol>
                 <a:gridCol w="1569492">
                   <a:extLst>
                     <a:ext uri="{9D8B030D-6E8A-4147-A177-3AD203B41FA5}">
-                      <a16:colId xmlns="" xmlns:a16="http://schemas.microsoft.com/office/drawing/2014/main" val="1152038913"/>
+                      <a16:colId xmlns:a16="http://schemas.microsoft.com/office/drawing/2014/main" xmlns="" val="1152038913"/>
                     </a:ext>
                   </a:extLst>
                 </a:gridCol>
                 <a:gridCol w="2777199">
                   <a:extLst>
                     <a:ext uri="{9D8B030D-6E8A-4147-A177-3AD203B41FA5}">
-                      <a16:colId xmlns="" xmlns:a16="http://schemas.microsoft.com/office/drawing/2014/main" val="2607541972"/>
+                      <a16:colId xmlns:a16="http://schemas.microsoft.com/office/drawing/2014/main" xmlns="" val="2607541972"/>
                     </a:ext>
                   </a:extLst>
                 </a:gridCol>
@@ -12284,7 +12195,7 @@
                 </a:tc>
                 <a:extLst>
                   <a:ext uri="{0D108BD9-81ED-4DB2-BD59-A6C34878D82A}">
-                    <a16:rowId xmlns="" xmlns:a16="http://schemas.microsoft.com/office/drawing/2014/main" val="2668754666"/>
+                    <a16:rowId xmlns:a16="http://schemas.microsoft.com/office/drawing/2014/main" xmlns="" val="2668754666"/>
                   </a:ext>
                 </a:extLst>
               </a:tr>
@@ -12650,7 +12561,7 @@
                 </a:tc>
                 <a:extLst>
                   <a:ext uri="{0D108BD9-81ED-4DB2-BD59-A6C34878D82A}">
-                    <a16:rowId xmlns="" xmlns:a16="http://schemas.microsoft.com/office/drawing/2014/main" val="3933279782"/>
+                    <a16:rowId xmlns:a16="http://schemas.microsoft.com/office/drawing/2014/main" xmlns="" val="3933279782"/>
                   </a:ext>
                 </a:extLst>
               </a:tr>
@@ -12663,7 +12574,7 @@
           <p:cNvPr id="52" name="Textfeld 51">
             <a:extLst>
               <a:ext uri="{FF2B5EF4-FFF2-40B4-BE49-F238E27FC236}">
-                <a16:creationId xmlns="" xmlns:a16="http://schemas.microsoft.com/office/drawing/2014/main" id="{7EDA76FD-9EEB-466D-8B8E-0C89F7935E36}"/>
+                <a16:creationId xmlns:a16="http://schemas.microsoft.com/office/drawing/2014/main" xmlns="" id="{7EDA76FD-9EEB-466D-8B8E-0C89F7935E36}"/>
               </a:ext>
             </a:extLst>
           </p:cNvPr>
@@ -12702,7 +12613,7 @@
           <p:cNvPr id="53" name="Textfeld 52">
             <a:extLst>
               <a:ext uri="{FF2B5EF4-FFF2-40B4-BE49-F238E27FC236}">
-                <a16:creationId xmlns="" xmlns:a16="http://schemas.microsoft.com/office/drawing/2014/main" id="{8C172A5C-17ED-4F47-B761-50F94C0DD108}"/>
+                <a16:creationId xmlns:a16="http://schemas.microsoft.com/office/drawing/2014/main" xmlns="" id="{8C172A5C-17ED-4F47-B761-50F94C0DD108}"/>
               </a:ext>
             </a:extLst>
           </p:cNvPr>
@@ -12757,7 +12668,7 @@
           <p:cNvPr id="54" name="Textfeld 53">
             <a:extLst>
               <a:ext uri="{FF2B5EF4-FFF2-40B4-BE49-F238E27FC236}">
-                <a16:creationId xmlns="" xmlns:a16="http://schemas.microsoft.com/office/drawing/2014/main" id="{F10731F7-020B-469F-9601-1512D709B42B}"/>
+                <a16:creationId xmlns:a16="http://schemas.microsoft.com/office/drawing/2014/main" xmlns="" id="{F10731F7-020B-469F-9601-1512D709B42B}"/>
               </a:ext>
             </a:extLst>
           </p:cNvPr>
@@ -12849,7 +12760,7 @@
           <p:cNvPr id="17" name="Titel 1">
             <a:extLst>
               <a:ext uri="{FF2B5EF4-FFF2-40B4-BE49-F238E27FC236}">
-                <a16:creationId xmlns="" xmlns:a16="http://schemas.microsoft.com/office/drawing/2014/main" id="{2EBD46AD-74A3-41B6-A7F5-704EE709693A}"/>
+                <a16:creationId xmlns:a16="http://schemas.microsoft.com/office/drawing/2014/main" xmlns="" id="{2EBD46AD-74A3-41B6-A7F5-704EE709693A}"/>
               </a:ext>
             </a:extLst>
           </p:cNvPr>
@@ -12907,7 +12818,7 @@
           <p:cNvPr id="20" name="Foliennummernplatzhalter 4">
             <a:extLst>
               <a:ext uri="{FF2B5EF4-FFF2-40B4-BE49-F238E27FC236}">
-                <a16:creationId xmlns="" xmlns:a16="http://schemas.microsoft.com/office/drawing/2014/main" id="{C6BBC18E-2DC9-4371-91F5-85FBFBEA87D3}"/>
+                <a16:creationId xmlns:a16="http://schemas.microsoft.com/office/drawing/2014/main" xmlns="" id="{C6BBC18E-2DC9-4371-91F5-85FBFBEA87D3}"/>
               </a:ext>
             </a:extLst>
           </p:cNvPr>
@@ -12941,7 +12852,7 @@
           <p:cNvPr id="21" name="Fußzeilenplatzhalter 4">
             <a:extLst>
               <a:ext uri="{FF2B5EF4-FFF2-40B4-BE49-F238E27FC236}">
-                <a16:creationId xmlns="" xmlns:a16="http://schemas.microsoft.com/office/drawing/2014/main" id="{D061155E-5094-4E60-B698-3213B33D15A0}"/>
+                <a16:creationId xmlns:a16="http://schemas.microsoft.com/office/drawing/2014/main" xmlns="" id="{D061155E-5094-4E60-B698-3213B33D15A0}"/>
               </a:ext>
             </a:extLst>
           </p:cNvPr>
@@ -12988,7 +12899,7 @@
           <p:cNvPr id="31" name="Pfeil: nach rechts 30">
             <a:extLst>
               <a:ext uri="{FF2B5EF4-FFF2-40B4-BE49-F238E27FC236}">
-                <a16:creationId xmlns="" xmlns:a16="http://schemas.microsoft.com/office/drawing/2014/main" id="{2AE91C83-BD37-474A-A380-D3CB5C40E09C}"/>
+                <a16:creationId xmlns:a16="http://schemas.microsoft.com/office/drawing/2014/main" xmlns="" id="{2AE91C83-BD37-474A-A380-D3CB5C40E09C}"/>
               </a:ext>
             </a:extLst>
           </p:cNvPr>
@@ -13034,7 +12945,7 @@
           <p:cNvPr id="47" name="Gruppieren 46">
             <a:extLst>
               <a:ext uri="{FF2B5EF4-FFF2-40B4-BE49-F238E27FC236}">
-                <a16:creationId xmlns="" xmlns:a16="http://schemas.microsoft.com/office/drawing/2014/main" id="{5028FA54-1E23-496A-8298-1AAE2CEFB4B3}"/>
+                <a16:creationId xmlns:a16="http://schemas.microsoft.com/office/drawing/2014/main" xmlns="" id="{5028FA54-1E23-496A-8298-1AAE2CEFB4B3}"/>
               </a:ext>
             </a:extLst>
           </p:cNvPr>
@@ -13054,7 +12965,7 @@
             <p:cNvPr id="33" name="Grafik 32" descr="Ein Bild, das Text, Zeitung enthält.&#10;&#10;Automatisch generierte Beschreibung">
               <a:extLst>
                 <a:ext uri="{FF2B5EF4-FFF2-40B4-BE49-F238E27FC236}">
-                  <a16:creationId xmlns="" xmlns:a16="http://schemas.microsoft.com/office/drawing/2014/main" id="{079C02F9-4274-4B49-BAF3-94FA77854853}"/>
+                  <a16:creationId xmlns:a16="http://schemas.microsoft.com/office/drawing/2014/main" xmlns="" id="{079C02F9-4274-4B49-BAF3-94FA77854853}"/>
                 </a:ext>
               </a:extLst>
             </p:cNvPr>
@@ -13088,7 +12999,7 @@
             <p:cNvPr id="34" name="Rechteck 33">
               <a:extLst>
                 <a:ext uri="{FF2B5EF4-FFF2-40B4-BE49-F238E27FC236}">
-                  <a16:creationId xmlns="" xmlns:a16="http://schemas.microsoft.com/office/drawing/2014/main" id="{4470A44F-58C6-4BEA-B35F-377016EC3199}"/>
+                  <a16:creationId xmlns:a16="http://schemas.microsoft.com/office/drawing/2014/main" xmlns="" id="{4470A44F-58C6-4BEA-B35F-377016EC3199}"/>
                 </a:ext>
               </a:extLst>
             </p:cNvPr>
@@ -13132,7 +13043,7 @@
             <p:cNvPr id="43" name="Rechteck 42">
               <a:extLst>
                 <a:ext uri="{FF2B5EF4-FFF2-40B4-BE49-F238E27FC236}">
-                  <a16:creationId xmlns="" xmlns:a16="http://schemas.microsoft.com/office/drawing/2014/main" id="{BFA74AC2-91FF-4875-A2BF-021ED536338C}"/>
+                  <a16:creationId xmlns:a16="http://schemas.microsoft.com/office/drawing/2014/main" xmlns="" id="{BFA74AC2-91FF-4875-A2BF-021ED536338C}"/>
                 </a:ext>
               </a:extLst>
             </p:cNvPr>
@@ -13187,7 +13098,7 @@
             <p:cNvPr id="44" name="Rechteck 43">
               <a:extLst>
                 <a:ext uri="{FF2B5EF4-FFF2-40B4-BE49-F238E27FC236}">
-                  <a16:creationId xmlns="" xmlns:a16="http://schemas.microsoft.com/office/drawing/2014/main" id="{9F53F852-1E85-4239-B209-CED1E41DBA69}"/>
+                  <a16:creationId xmlns:a16="http://schemas.microsoft.com/office/drawing/2014/main" xmlns="" id="{9F53F852-1E85-4239-B209-CED1E41DBA69}"/>
                 </a:ext>
               </a:extLst>
             </p:cNvPr>
@@ -13242,7 +13153,7 @@
             <p:cNvPr id="45" name="Rechteck 44">
               <a:extLst>
                 <a:ext uri="{FF2B5EF4-FFF2-40B4-BE49-F238E27FC236}">
-                  <a16:creationId xmlns="" xmlns:a16="http://schemas.microsoft.com/office/drawing/2014/main" id="{D824AF27-2085-4CFE-8526-20AA941F8347}"/>
+                  <a16:creationId xmlns:a16="http://schemas.microsoft.com/office/drawing/2014/main" xmlns="" id="{D824AF27-2085-4CFE-8526-20AA941F8347}"/>
                 </a:ext>
               </a:extLst>
             </p:cNvPr>
@@ -13292,7 +13203,7 @@
             <p:cNvPr id="46" name="Rechteck 45">
               <a:extLst>
                 <a:ext uri="{FF2B5EF4-FFF2-40B4-BE49-F238E27FC236}">
-                  <a16:creationId xmlns="" xmlns:a16="http://schemas.microsoft.com/office/drawing/2014/main" id="{DD4BD3E9-D619-4725-826D-46196A6B6222}"/>
+                  <a16:creationId xmlns:a16="http://schemas.microsoft.com/office/drawing/2014/main" xmlns="" id="{DD4BD3E9-D619-4725-826D-46196A6B6222}"/>
                 </a:ext>
               </a:extLst>
             </p:cNvPr>
@@ -13365,7 +13276,7 @@
           <p:cNvPr id="55" name="Gruppieren 54">
             <a:extLst>
               <a:ext uri="{FF2B5EF4-FFF2-40B4-BE49-F238E27FC236}">
-                <a16:creationId xmlns="" xmlns:a16="http://schemas.microsoft.com/office/drawing/2014/main" id="{81C248F1-6A49-4B43-A505-9C87F4BE2091}"/>
+                <a16:creationId xmlns:a16="http://schemas.microsoft.com/office/drawing/2014/main" xmlns="" id="{81C248F1-6A49-4B43-A505-9C87F4BE2091}"/>
               </a:ext>
             </a:extLst>
           </p:cNvPr>
@@ -13385,7 +13296,7 @@
             <p:cNvPr id="9" name="Grafik 8">
               <a:extLst>
                 <a:ext uri="{FF2B5EF4-FFF2-40B4-BE49-F238E27FC236}">
-                  <a16:creationId xmlns="" xmlns:a16="http://schemas.microsoft.com/office/drawing/2014/main" id="{043F74D8-AA15-4253-AAB8-0FF0402364FE}"/>
+                  <a16:creationId xmlns:a16="http://schemas.microsoft.com/office/drawing/2014/main" xmlns="" id="{043F74D8-AA15-4253-AAB8-0FF0402364FE}"/>
                 </a:ext>
               </a:extLst>
             </p:cNvPr>
@@ -13436,7 +13347,7 @@
             <p:cNvPr id="11" name="Textfeld 10">
               <a:extLst>
                 <a:ext uri="{FF2B5EF4-FFF2-40B4-BE49-F238E27FC236}">
-                  <a16:creationId xmlns="" xmlns:a16="http://schemas.microsoft.com/office/drawing/2014/main" id="{3E04B350-D4EB-4B36-A24E-73CEE07893B9}"/>
+                  <a16:creationId xmlns:a16="http://schemas.microsoft.com/office/drawing/2014/main" xmlns="" id="{3E04B350-D4EB-4B36-A24E-73CEE07893B9}"/>
                 </a:ext>
               </a:extLst>
             </p:cNvPr>
@@ -13471,7 +13382,7 @@
             <p:cNvPr id="23" name="Textfeld 22">
               <a:extLst>
                 <a:ext uri="{FF2B5EF4-FFF2-40B4-BE49-F238E27FC236}">
-                  <a16:creationId xmlns="" xmlns:a16="http://schemas.microsoft.com/office/drawing/2014/main" id="{F0A6203A-72C7-49C0-A521-CC95D71B6DCD}"/>
+                  <a16:creationId xmlns:a16="http://schemas.microsoft.com/office/drawing/2014/main" xmlns="" id="{F0A6203A-72C7-49C0-A521-CC95D71B6DCD}"/>
                 </a:ext>
               </a:extLst>
             </p:cNvPr>
@@ -13523,7 +13434,7 @@
             <p:cNvPr id="24" name="Textfeld 23">
               <a:extLst>
                 <a:ext uri="{FF2B5EF4-FFF2-40B4-BE49-F238E27FC236}">
-                  <a16:creationId xmlns="" xmlns:a16="http://schemas.microsoft.com/office/drawing/2014/main" id="{F3E37D8F-32B2-4887-AE73-C978EBE181EE}"/>
+                  <a16:creationId xmlns:a16="http://schemas.microsoft.com/office/drawing/2014/main" xmlns="" id="{F3E37D8F-32B2-4887-AE73-C978EBE181EE}"/>
                 </a:ext>
               </a:extLst>
             </p:cNvPr>
@@ -13571,7 +13482,7 @@
             <p:cNvPr id="26" name="Gerade Verbindung mit Pfeil 25">
               <a:extLst>
                 <a:ext uri="{FF2B5EF4-FFF2-40B4-BE49-F238E27FC236}">
-                  <a16:creationId xmlns="" xmlns:a16="http://schemas.microsoft.com/office/drawing/2014/main" id="{F5D42A88-50F0-4778-AED3-18EB17D11AC0}"/>
+                  <a16:creationId xmlns:a16="http://schemas.microsoft.com/office/drawing/2014/main" xmlns="" id="{F5D42A88-50F0-4778-AED3-18EB17D11AC0}"/>
                 </a:ext>
               </a:extLst>
             </p:cNvPr>
@@ -13610,7 +13521,7 @@
             <p:cNvPr id="28" name="Gerade Verbindung mit Pfeil 27">
               <a:extLst>
                 <a:ext uri="{FF2B5EF4-FFF2-40B4-BE49-F238E27FC236}">
-                  <a16:creationId xmlns="" xmlns:a16="http://schemas.microsoft.com/office/drawing/2014/main" id="{15767095-A73F-43B1-BD45-BE31101B9B21}"/>
+                  <a16:creationId xmlns:a16="http://schemas.microsoft.com/office/drawing/2014/main" xmlns="" id="{15767095-A73F-43B1-BD45-BE31101B9B21}"/>
                 </a:ext>
               </a:extLst>
             </p:cNvPr>
@@ -13651,7 +13562,7 @@
             <p:cNvPr id="48" name="Rechteck 47">
               <a:extLst>
                 <a:ext uri="{FF2B5EF4-FFF2-40B4-BE49-F238E27FC236}">
-                  <a16:creationId xmlns="" xmlns:a16="http://schemas.microsoft.com/office/drawing/2014/main" id="{88C0AD59-8733-4532-A9CA-3B91209C67D4}"/>
+                  <a16:creationId xmlns:a16="http://schemas.microsoft.com/office/drawing/2014/main" xmlns="" id="{88C0AD59-8733-4532-A9CA-3B91209C67D4}"/>
                 </a:ext>
               </a:extLst>
             </p:cNvPr>
@@ -13703,7 +13614,7 @@
             <p:cNvPr id="52" name="Grafik 51" descr="Chat RNL">
               <a:extLst>
                 <a:ext uri="{FF2B5EF4-FFF2-40B4-BE49-F238E27FC236}">
-                  <a16:creationId xmlns="" xmlns:a16="http://schemas.microsoft.com/office/drawing/2014/main" id="{86DEB768-D212-4C0C-A32B-1375872FCAE7}"/>
+                  <a16:creationId xmlns:a16="http://schemas.microsoft.com/office/drawing/2014/main" xmlns="" id="{86DEB768-D212-4C0C-A32B-1375872FCAE7}"/>
                 </a:ext>
               </a:extLst>
             </p:cNvPr>
@@ -13716,7 +13627,7 @@
             <a:blip r:embed="rId6">
               <a:extLst>
                 <a:ext uri="{96DAC541-7B7A-43D3-8B79-37D633B846F1}">
-                  <asvg:svgBlip xmlns="" xmlns:asvg="http://schemas.microsoft.com/office/drawing/2016/SVG/main" r:embed="rId7"/>
+                  <asvg:svgBlip xmlns:asvg="http://schemas.microsoft.com/office/drawing/2016/SVG/main" xmlns="" r:embed="rId7"/>
                 </a:ext>
               </a:extLst>
             </a:blip>
@@ -13739,7 +13650,7 @@
             <p:cNvPr id="50" name="Grafik 49" descr="Chat">
               <a:extLst>
                 <a:ext uri="{FF2B5EF4-FFF2-40B4-BE49-F238E27FC236}">
-                  <a16:creationId xmlns="" xmlns:a16="http://schemas.microsoft.com/office/drawing/2014/main" id="{8AD0F9F7-82F2-4FDF-B1FD-EAFF585C9122}"/>
+                  <a16:creationId xmlns:a16="http://schemas.microsoft.com/office/drawing/2014/main" xmlns="" id="{8AD0F9F7-82F2-4FDF-B1FD-EAFF585C9122}"/>
                 </a:ext>
               </a:extLst>
             </p:cNvPr>
@@ -13752,7 +13663,7 @@
             <a:blip r:embed="rId8">
               <a:extLst>
                 <a:ext uri="{96DAC541-7B7A-43D3-8B79-37D633B846F1}">
-                  <asvg:svgBlip xmlns="" xmlns:asvg="http://schemas.microsoft.com/office/drawing/2016/SVG/main" r:embed="rId9"/>
+                  <asvg:svgBlip xmlns:asvg="http://schemas.microsoft.com/office/drawing/2016/SVG/main" xmlns="" r:embed="rId9"/>
                 </a:ext>
               </a:extLst>
             </a:blip>
@@ -13776,7 +13687,7 @@
           <p:cNvPr id="56" name="Textfeld 55">
             <a:extLst>
               <a:ext uri="{FF2B5EF4-FFF2-40B4-BE49-F238E27FC236}">
-                <a16:creationId xmlns="" xmlns:a16="http://schemas.microsoft.com/office/drawing/2014/main" id="{C007C55E-AA99-4859-ABD9-51E32F705A40}"/>
+                <a16:creationId xmlns:a16="http://schemas.microsoft.com/office/drawing/2014/main" xmlns="" id="{C007C55E-AA99-4859-ABD9-51E32F705A40}"/>
               </a:ext>
             </a:extLst>
           </p:cNvPr>
@@ -13928,7 +13839,7 @@
           <p:cNvPr id="5" name="Foliennummernplatzhalter 4">
             <a:extLst>
               <a:ext uri="{FF2B5EF4-FFF2-40B4-BE49-F238E27FC236}">
-                <a16:creationId xmlns="" xmlns:a16="http://schemas.microsoft.com/office/drawing/2014/main" id="{99217DC6-63A8-46E5-BFF7-2750383C7113}"/>
+                <a16:creationId xmlns:a16="http://schemas.microsoft.com/office/drawing/2014/main" xmlns="" id="{99217DC6-63A8-46E5-BFF7-2750383C7113}"/>
               </a:ext>
             </a:extLst>
           </p:cNvPr>
@@ -13962,7 +13873,7 @@
           <p:cNvPr id="17" name="Titel 1">
             <a:extLst>
               <a:ext uri="{FF2B5EF4-FFF2-40B4-BE49-F238E27FC236}">
-                <a16:creationId xmlns="" xmlns:a16="http://schemas.microsoft.com/office/drawing/2014/main" id="{2EBD46AD-74A3-41B6-A7F5-704EE709693A}"/>
+                <a16:creationId xmlns:a16="http://schemas.microsoft.com/office/drawing/2014/main" xmlns="" id="{2EBD46AD-74A3-41B6-A7F5-704EE709693A}"/>
               </a:ext>
             </a:extLst>
           </p:cNvPr>
@@ -14020,7 +13931,7 @@
           <p:cNvPr id="19" name="Inhaltsplatzhalter 2">
             <a:extLst>
               <a:ext uri="{FF2B5EF4-FFF2-40B4-BE49-F238E27FC236}">
-                <a16:creationId xmlns="" xmlns:a16="http://schemas.microsoft.com/office/drawing/2014/main" id="{FD7E6F18-D74A-4FE7-8CC2-71466EBAC41D}"/>
+                <a16:creationId xmlns:a16="http://schemas.microsoft.com/office/drawing/2014/main" xmlns="" id="{FD7E6F18-D74A-4FE7-8CC2-71466EBAC41D}"/>
               </a:ext>
             </a:extLst>
           </p:cNvPr>
@@ -14046,6 +13957,10 @@
             <a:pPr marL="0" indent="0">
               <a:buNone/>
             </a:pPr>
+            <a:r>
+              <a:rPr lang="en-US" sz="2400" dirty="0" smtClean="0"/>
+              <a:t>…</a:t>
+            </a:r>
             <a:endParaRPr lang="en-US" sz="2400" dirty="0"/>
           </a:p>
         </p:txBody>
@@ -14055,7 +13970,7 @@
           <p:cNvPr id="9" name="Fußzeilenplatzhalter 4">
             <a:extLst>
               <a:ext uri="{FF2B5EF4-FFF2-40B4-BE49-F238E27FC236}">
-                <a16:creationId xmlns="" xmlns:a16="http://schemas.microsoft.com/office/drawing/2014/main" id="{B345DB79-866F-470F-A020-38A82E790402}"/>
+                <a16:creationId xmlns:a16="http://schemas.microsoft.com/office/drawing/2014/main" xmlns="" id="{B345DB79-866F-470F-A020-38A82E790402}"/>
               </a:ext>
             </a:extLst>
           </p:cNvPr>
@@ -14117,7 +14032,7 @@
 </p:sld>
 </file>
 
-<file path=ppt/slides/slide21.xml><?xml version="1.0" encoding="utf-8"?>
+<file path=ppt/slides/slide3.xml><?xml version="1.0" encoding="utf-8"?>
 <p:sld xmlns:a="http://schemas.openxmlformats.org/drawingml/2006/main" xmlns:r="http://schemas.openxmlformats.org/officeDocument/2006/relationships" xmlns:p="http://schemas.openxmlformats.org/presentationml/2006/main">
   <p:cSld>
     <p:spTree>
@@ -14136,44 +14051,10 @@
       </p:grpSpPr>
       <p:sp>
         <p:nvSpPr>
-          <p:cNvPr id="5" name="Foliennummernplatzhalter 4">
+          <p:cNvPr id="6" name="Titel 1">
             <a:extLst>
               <a:ext uri="{FF2B5EF4-FFF2-40B4-BE49-F238E27FC236}">
-                <a16:creationId xmlns="" xmlns:a16="http://schemas.microsoft.com/office/drawing/2014/main" id="{99217DC6-63A8-46E5-BFF7-2750383C7113}"/>
-              </a:ext>
-            </a:extLst>
-          </p:cNvPr>
-          <p:cNvSpPr>
-            <a:spLocks noGrp="1"/>
-          </p:cNvSpPr>
-          <p:nvPr>
-            <p:ph type="sldNum" sz="quarter" idx="4"/>
-          </p:nvPr>
-        </p:nvSpPr>
-        <p:spPr>
-          <a:xfrm>
-            <a:off x="8610600" y="6446290"/>
-            <a:ext cx="2743200" cy="365125"/>
-          </a:xfrm>
-        </p:spPr>
-        <p:txBody>
-          <a:bodyPr/>
-          <a:lstStyle/>
-          <a:p>
-            <a:fld id="{6527771F-06AB-408E-AA7E-946E38726935}" type="slidenum">
-              <a:rPr lang="de-DE" smtClean="0"/>
-              <a:t>21</a:t>
-            </a:fld>
-            <a:endParaRPr lang="de-DE"/>
-          </a:p>
-        </p:txBody>
-      </p:sp>
-      <p:sp>
-        <p:nvSpPr>
-          <p:cNvPr id="17" name="Titel 1">
-            <a:extLst>
-              <a:ext uri="{FF2B5EF4-FFF2-40B4-BE49-F238E27FC236}">
-                <a16:creationId xmlns="" xmlns:a16="http://schemas.microsoft.com/office/drawing/2014/main" id="{2EBD46AD-74A3-41B6-A7F5-704EE709693A}"/>
+                <a16:creationId xmlns:a16="http://schemas.microsoft.com/office/drawing/2014/main" xmlns="" id="{BA1EDD0E-46AA-4A32-98A0-F40610BB1221}"/>
               </a:ext>
             </a:extLst>
           </p:cNvPr>
@@ -14216,210 +14097,6 @@
           </a:lstStyle>
           <a:p>
             <a:r>
-              <a:rPr lang="en-US" sz="3200" dirty="0">
-                <a:solidFill>
-                  <a:schemeClr val="tx2"/>
-                </a:solidFill>
-              </a:rPr>
-              <a:t>Unsettles Issues</a:t>
-            </a:r>
-          </a:p>
-        </p:txBody>
-      </p:sp>
-      <p:sp>
-        <p:nvSpPr>
-          <p:cNvPr id="19" name="Inhaltsplatzhalter 2">
-            <a:extLst>
-              <a:ext uri="{FF2B5EF4-FFF2-40B4-BE49-F238E27FC236}">
-                <a16:creationId xmlns="" xmlns:a16="http://schemas.microsoft.com/office/drawing/2014/main" id="{FD7E6F18-D74A-4FE7-8CC2-71466EBAC41D}"/>
-              </a:ext>
-            </a:extLst>
-          </p:cNvPr>
-          <p:cNvSpPr>
-            <a:spLocks noGrp="1"/>
-          </p:cNvSpPr>
-          <p:nvPr>
-            <p:ph idx="4294967295"/>
-          </p:nvPr>
-        </p:nvSpPr>
-        <p:spPr>
-          <a:xfrm>
-            <a:off x="520505" y="767313"/>
-            <a:ext cx="10311008" cy="5633524"/>
-          </a:xfrm>
-        </p:spPr>
-        <p:txBody>
-          <a:bodyPr>
-            <a:normAutofit/>
-          </a:bodyPr>
-          <a:lstStyle/>
-          <a:p>
-            <a:r>
-              <a:rPr lang="en-US" sz="1800" dirty="0"/>
-              <a:t>At YYYY-01-03 a new volume starts but it can be that there are two volumes of this day </a:t>
-            </a:r>
-            <a:r>
-              <a:rPr lang="en-US" sz="1800" dirty="0">
-                <a:sym typeface="Wingdings" panose="05000000000000000000" pitchFamily="2" charset="2"/>
-              </a:rPr>
-              <a:t> cannot capture them in our URL </a:t>
-            </a:r>
-          </a:p>
-          <a:p>
-            <a:endParaRPr lang="en-US" sz="1800" dirty="0"/>
-          </a:p>
-          <a:p>
-            <a:endParaRPr lang="en-US" sz="1800" dirty="0"/>
-          </a:p>
-          <a:p>
-            <a:pPr marL="0" indent="0">
-              <a:buNone/>
-            </a:pPr>
-            <a:r>
-              <a:rPr lang="en-US" sz="1800" dirty="0"/>
-              <a:t>Outlook:</a:t>
-            </a:r>
-          </a:p>
-          <a:p>
-            <a:r>
-              <a:rPr lang="en-US" sz="1800" dirty="0"/>
-              <a:t>Web application</a:t>
-            </a:r>
-          </a:p>
-        </p:txBody>
-      </p:sp>
-      <p:sp>
-        <p:nvSpPr>
-          <p:cNvPr id="9" name="Fußzeilenplatzhalter 4">
-            <a:extLst>
-              <a:ext uri="{FF2B5EF4-FFF2-40B4-BE49-F238E27FC236}">
-                <a16:creationId xmlns="" xmlns:a16="http://schemas.microsoft.com/office/drawing/2014/main" id="{23D9C101-DEEE-48AF-943F-A19A0851F7F1}"/>
-              </a:ext>
-            </a:extLst>
-          </p:cNvPr>
-          <p:cNvSpPr>
-            <a:spLocks noGrp="1"/>
-          </p:cNvSpPr>
-          <p:nvPr>
-            <p:ph type="ftr" sz="quarter" idx="3"/>
-          </p:nvPr>
-        </p:nvSpPr>
-        <p:spPr>
-          <a:xfrm>
-            <a:off x="5022376" y="6492875"/>
-            <a:ext cx="5344367" cy="365125"/>
-          </a:xfrm>
-          <a:prstGeom prst="rect">
-            <a:avLst/>
-          </a:prstGeom>
-        </p:spPr>
-        <p:txBody>
-          <a:bodyPr vert="horz" lIns="91440" tIns="45720" rIns="91440" bIns="45720" rtlCol="0" anchor="ctr"/>
-          <a:lstStyle>
-            <a:lvl1pPr algn="ctr">
-              <a:defRPr sz="1200">
-                <a:solidFill>
-                  <a:schemeClr val="tx1">
-                    <a:tint val="75000"/>
-                  </a:schemeClr>
-                </a:solidFill>
-              </a:defRPr>
-            </a:lvl1pPr>
-          </a:lstStyle>
-          <a:p>
-            <a:r>
-              <a:rPr lang="en-US" dirty="0"/>
-              <a:t>SPOSM WS19/20 | Tobias Witter and Simone Euler</a:t>
-            </a:r>
-            <a:endParaRPr lang="de-DE" dirty="0"/>
-          </a:p>
-        </p:txBody>
-      </p:sp>
-    </p:spTree>
-    <p:extLst>
-      <p:ext uri="{BB962C8B-B14F-4D97-AF65-F5344CB8AC3E}">
-        <p14:creationId xmlns:p14="http://schemas.microsoft.com/office/powerpoint/2010/main" val="331768913"/>
-      </p:ext>
-    </p:extLst>
-  </p:cSld>
-  <p:clrMapOvr>
-    <a:masterClrMapping/>
-  </p:clrMapOvr>
-  <p:timing>
-    <p:tnLst>
-      <p:par>
-        <p:cTn id="1" dur="indefinite" restart="never" nodeType="tmRoot"/>
-      </p:par>
-    </p:tnLst>
-  </p:timing>
-</p:sld>
-</file>
-
-<file path=ppt/slides/slide3.xml><?xml version="1.0" encoding="utf-8"?>
-<p:sld xmlns:a="http://schemas.openxmlformats.org/drawingml/2006/main" xmlns:r="http://schemas.openxmlformats.org/officeDocument/2006/relationships" xmlns:p="http://schemas.openxmlformats.org/presentationml/2006/main">
-  <p:cSld>
-    <p:spTree>
-      <p:nvGrpSpPr>
-        <p:cNvPr id="1" name=""/>
-        <p:cNvGrpSpPr/>
-        <p:nvPr/>
-      </p:nvGrpSpPr>
-      <p:grpSpPr>
-        <a:xfrm>
-          <a:off x="0" y="0"/>
-          <a:ext cx="0" cy="0"/>
-          <a:chOff x="0" y="0"/>
-          <a:chExt cx="0" cy="0"/>
-        </a:xfrm>
-      </p:grpSpPr>
-      <p:sp>
-        <p:nvSpPr>
-          <p:cNvPr id="6" name="Titel 1">
-            <a:extLst>
-              <a:ext uri="{FF2B5EF4-FFF2-40B4-BE49-F238E27FC236}">
-                <a16:creationId xmlns="" xmlns:a16="http://schemas.microsoft.com/office/drawing/2014/main" id="{BA1EDD0E-46AA-4A32-98A0-F40610BB1221}"/>
-              </a:ext>
-            </a:extLst>
-          </p:cNvPr>
-          <p:cNvSpPr txBox="1">
-            <a:spLocks/>
-          </p:cNvSpPr>
-          <p:nvPr/>
-        </p:nvSpPr>
-        <p:spPr>
-          <a:xfrm>
-            <a:off x="520505" y="58739"/>
-            <a:ext cx="8888190" cy="626402"/>
-          </a:xfrm>
-          <a:prstGeom prst="rect">
-            <a:avLst/>
-          </a:prstGeom>
-        </p:spPr>
-        <p:txBody>
-          <a:bodyPr vert="horz" lIns="91440" tIns="45720" rIns="91440" bIns="45720" rtlCol="0" anchor="ctr">
-            <a:noAutofit/>
-          </a:bodyPr>
-          <a:lstStyle>
-            <a:lvl1pPr algn="l" defTabSz="914400" rtl="0" eaLnBrk="1" latinLnBrk="0" hangingPunct="1">
-              <a:lnSpc>
-                <a:spcPct val="90000"/>
-              </a:lnSpc>
-              <a:spcBef>
-                <a:spcPct val="0"/>
-              </a:spcBef>
-              <a:buNone/>
-              <a:defRPr sz="4400" kern="1200">
-                <a:solidFill>
-                  <a:schemeClr val="tx1"/>
-                </a:solidFill>
-                <a:latin typeface="+mj-lt"/>
-                <a:ea typeface="+mj-ea"/>
-                <a:cs typeface="+mj-cs"/>
-              </a:defRPr>
-            </a:lvl1pPr>
-          </a:lstStyle>
-          <a:p>
-            <a:r>
               <a:rPr lang="en-GB" sz="3200" dirty="0">
                 <a:solidFill>
                   <a:schemeClr val="tx2"/>
@@ -14435,7 +14112,7 @@
           <p:cNvPr id="7" name="Textfeld 6">
             <a:extLst>
               <a:ext uri="{FF2B5EF4-FFF2-40B4-BE49-F238E27FC236}">
-                <a16:creationId xmlns="" xmlns:a16="http://schemas.microsoft.com/office/drawing/2014/main" id="{CC3F66DD-589E-4203-B4CE-EF6CEF0CB976}"/>
+                <a16:creationId xmlns:a16="http://schemas.microsoft.com/office/drawing/2014/main" xmlns="" id="{CC3F66DD-589E-4203-B4CE-EF6CEF0CB976}"/>
               </a:ext>
             </a:extLst>
           </p:cNvPr>
@@ -14639,7 +14316,7 @@
           <p:cNvPr id="10" name="Tabelle 10">
             <a:extLst>
               <a:ext uri="{FF2B5EF4-FFF2-40B4-BE49-F238E27FC236}">
-                <a16:creationId xmlns="" xmlns:a16="http://schemas.microsoft.com/office/drawing/2014/main" id="{51CD9A42-E94E-4600-B2F3-87ED14CD5834}"/>
+                <a16:creationId xmlns:a16="http://schemas.microsoft.com/office/drawing/2014/main" xmlns="" id="{51CD9A42-E94E-4600-B2F3-87ED14CD5834}"/>
               </a:ext>
             </a:extLst>
           </p:cNvPr>
@@ -14668,21 +14345,21 @@
                 <a:gridCol w="967101">
                   <a:extLst>
                     <a:ext uri="{9D8B030D-6E8A-4147-A177-3AD203B41FA5}">
-                      <a16:colId xmlns="" xmlns:a16="http://schemas.microsoft.com/office/drawing/2014/main" val="2597567428"/>
+                      <a16:colId xmlns:a16="http://schemas.microsoft.com/office/drawing/2014/main" xmlns="" val="2597567428"/>
                     </a:ext>
                   </a:extLst>
                 </a:gridCol>
                 <a:gridCol w="4449170">
                   <a:extLst>
                     <a:ext uri="{9D8B030D-6E8A-4147-A177-3AD203B41FA5}">
-                      <a16:colId xmlns="" xmlns:a16="http://schemas.microsoft.com/office/drawing/2014/main" val="1025539952"/>
+                      <a16:colId xmlns:a16="http://schemas.microsoft.com/office/drawing/2014/main" xmlns="" val="1025539952"/>
                     </a:ext>
                   </a:extLst>
                 </a:gridCol>
                 <a:gridCol w="4940314">
                   <a:extLst>
                     <a:ext uri="{9D8B030D-6E8A-4147-A177-3AD203B41FA5}">
-                      <a16:colId xmlns="" xmlns:a16="http://schemas.microsoft.com/office/drawing/2014/main" val="314499045"/>
+                      <a16:colId xmlns:a16="http://schemas.microsoft.com/office/drawing/2014/main" xmlns="" val="314499045"/>
                     </a:ext>
                   </a:extLst>
                 </a:gridCol>
@@ -14895,7 +14572,7 @@
                 </a:tc>
                 <a:extLst>
                   <a:ext uri="{0D108BD9-81ED-4DB2-BD59-A6C34878D82A}">
-                    <a16:rowId xmlns="" xmlns:a16="http://schemas.microsoft.com/office/drawing/2014/main" val="3457716615"/>
+                    <a16:rowId xmlns:a16="http://schemas.microsoft.com/office/drawing/2014/main" xmlns="" val="3457716615"/>
                   </a:ext>
                 </a:extLst>
               </a:tr>
@@ -15094,7 +14771,7 @@
                 </a:tc>
                 <a:extLst>
                   <a:ext uri="{0D108BD9-81ED-4DB2-BD59-A6C34878D82A}">
-                    <a16:rowId xmlns="" xmlns:a16="http://schemas.microsoft.com/office/drawing/2014/main" val="296185072"/>
+                    <a16:rowId xmlns:a16="http://schemas.microsoft.com/office/drawing/2014/main" xmlns="" val="296185072"/>
                   </a:ext>
                 </a:extLst>
               </a:tr>
@@ -15248,7 +14925,7 @@
                 </a:tc>
                 <a:extLst>
                   <a:ext uri="{0D108BD9-81ED-4DB2-BD59-A6C34878D82A}">
-                    <a16:rowId xmlns="" xmlns:a16="http://schemas.microsoft.com/office/drawing/2014/main" val="2915069498"/>
+                    <a16:rowId xmlns:a16="http://schemas.microsoft.com/office/drawing/2014/main" xmlns="" val="2915069498"/>
                   </a:ext>
                 </a:extLst>
               </a:tr>
@@ -15448,7 +15125,7 @@
                 </a:tc>
                 <a:extLst>
                   <a:ext uri="{0D108BD9-81ED-4DB2-BD59-A6C34878D82A}">
-                    <a16:rowId xmlns="" xmlns:a16="http://schemas.microsoft.com/office/drawing/2014/main" val="2868224674"/>
+                    <a16:rowId xmlns:a16="http://schemas.microsoft.com/office/drawing/2014/main" xmlns="" val="2868224674"/>
                   </a:ext>
                 </a:extLst>
               </a:tr>
@@ -15608,7 +15285,7 @@
                 </a:tc>
                 <a:extLst>
                   <a:ext uri="{0D108BD9-81ED-4DB2-BD59-A6C34878D82A}">
-                    <a16:rowId xmlns="" xmlns:a16="http://schemas.microsoft.com/office/drawing/2014/main" val="3050668472"/>
+                    <a16:rowId xmlns:a16="http://schemas.microsoft.com/office/drawing/2014/main" xmlns="" val="3050668472"/>
                   </a:ext>
                 </a:extLst>
               </a:tr>
@@ -15750,7 +15427,7 @@
                 </a:tc>
                 <a:extLst>
                   <a:ext uri="{0D108BD9-81ED-4DB2-BD59-A6C34878D82A}">
-                    <a16:rowId xmlns="" xmlns:a16="http://schemas.microsoft.com/office/drawing/2014/main" val="621295759"/>
+                    <a16:rowId xmlns:a16="http://schemas.microsoft.com/office/drawing/2014/main" xmlns="" val="621295759"/>
                   </a:ext>
                 </a:extLst>
               </a:tr>
@@ -15800,7 +15477,7 @@
           <p:cNvPr id="9" name="Inhaltsplatzhalter 2">
             <a:extLst>
               <a:ext uri="{FF2B5EF4-FFF2-40B4-BE49-F238E27FC236}">
-                <a16:creationId xmlns="" xmlns:a16="http://schemas.microsoft.com/office/drawing/2014/main" id="{74153CEA-CD58-4C65-AE0B-36B253E09D47}"/>
+                <a16:creationId xmlns:a16="http://schemas.microsoft.com/office/drawing/2014/main" xmlns="" id="{74153CEA-CD58-4C65-AE0B-36B253E09D47}"/>
               </a:ext>
             </a:extLst>
           </p:cNvPr>
@@ -16314,7 +15991,7 @@
           <p:cNvPr id="46" name="Inhaltsplatzhalter 2">
             <a:extLst>
               <a:ext uri="{FF2B5EF4-FFF2-40B4-BE49-F238E27FC236}">
-                <a16:creationId xmlns="" xmlns:a16="http://schemas.microsoft.com/office/drawing/2014/main" id="{0F26518F-0A69-4734-BA87-0B8E3EF94156}"/>
+                <a16:creationId xmlns:a16="http://schemas.microsoft.com/office/drawing/2014/main" xmlns="" id="{0F26518F-0A69-4734-BA87-0B8E3EF94156}"/>
               </a:ext>
             </a:extLst>
           </p:cNvPr>
@@ -16535,7 +16212,7 @@
           <p:cNvPr id="67" name="Gerade Verbindung mit Pfeil 66">
             <a:extLst>
               <a:ext uri="{FF2B5EF4-FFF2-40B4-BE49-F238E27FC236}">
-                <a16:creationId xmlns="" xmlns:a16="http://schemas.microsoft.com/office/drawing/2014/main" id="{7FAB1279-3954-449A-9809-2898A9D30786}"/>
+                <a16:creationId xmlns:a16="http://schemas.microsoft.com/office/drawing/2014/main" xmlns="" id="{7FAB1279-3954-449A-9809-2898A9D30786}"/>
               </a:ext>
             </a:extLst>
           </p:cNvPr>
@@ -16576,7 +16253,7 @@
           <p:cNvPr id="32" name="Inhaltsplatzhalter 2">
             <a:extLst>
               <a:ext uri="{FF2B5EF4-FFF2-40B4-BE49-F238E27FC236}">
-                <a16:creationId xmlns="" xmlns:a16="http://schemas.microsoft.com/office/drawing/2014/main" id="{B73C8442-401C-4ED8-A3D6-C2C0FB12E87F}"/>
+                <a16:creationId xmlns:a16="http://schemas.microsoft.com/office/drawing/2014/main" xmlns="" id="{B73C8442-401C-4ED8-A3D6-C2C0FB12E87F}"/>
               </a:ext>
             </a:extLst>
           </p:cNvPr>
@@ -16797,7 +16474,7 @@
           <p:cNvPr id="5" name="Foliennummernplatzhalter 4">
             <a:extLst>
               <a:ext uri="{FF2B5EF4-FFF2-40B4-BE49-F238E27FC236}">
-                <a16:creationId xmlns="" xmlns:a16="http://schemas.microsoft.com/office/drawing/2014/main" id="{99217DC6-63A8-46E5-BFF7-2750383C7113}"/>
+                <a16:creationId xmlns:a16="http://schemas.microsoft.com/office/drawing/2014/main" xmlns="" id="{99217DC6-63A8-46E5-BFF7-2750383C7113}"/>
               </a:ext>
             </a:extLst>
           </p:cNvPr>
@@ -16831,7 +16508,7 @@
           <p:cNvPr id="17" name="Titel 1">
             <a:extLst>
               <a:ext uri="{FF2B5EF4-FFF2-40B4-BE49-F238E27FC236}">
-                <a16:creationId xmlns="" xmlns:a16="http://schemas.microsoft.com/office/drawing/2014/main" id="{2EBD46AD-74A3-41B6-A7F5-704EE709693A}"/>
+                <a16:creationId xmlns:a16="http://schemas.microsoft.com/office/drawing/2014/main" xmlns="" id="{2EBD46AD-74A3-41B6-A7F5-704EE709693A}"/>
               </a:ext>
             </a:extLst>
           </p:cNvPr>
@@ -16901,7 +16578,7 @@
           <p:cNvPr id="19" name="Inhaltsplatzhalter 2">
             <a:extLst>
               <a:ext uri="{FF2B5EF4-FFF2-40B4-BE49-F238E27FC236}">
-                <a16:creationId xmlns="" xmlns:a16="http://schemas.microsoft.com/office/drawing/2014/main" id="{FD7E6F18-D74A-4FE7-8CC2-71466EBAC41D}"/>
+                <a16:creationId xmlns:a16="http://schemas.microsoft.com/office/drawing/2014/main" xmlns="" id="{FD7E6F18-D74A-4FE7-8CC2-71466EBAC41D}"/>
               </a:ext>
             </a:extLst>
           </p:cNvPr>
@@ -16978,7 +16655,7 @@
           <p:cNvPr id="23" name="Inhaltsplatzhalter 2">
             <a:extLst>
               <a:ext uri="{FF2B5EF4-FFF2-40B4-BE49-F238E27FC236}">
-                <a16:creationId xmlns="" xmlns:a16="http://schemas.microsoft.com/office/drawing/2014/main" id="{C7B407AD-B5BE-4C2C-8B9E-4E0DEC4B2C44}"/>
+                <a16:creationId xmlns:a16="http://schemas.microsoft.com/office/drawing/2014/main" xmlns="" id="{C7B407AD-B5BE-4C2C-8B9E-4E0DEC4B2C44}"/>
               </a:ext>
             </a:extLst>
           </p:cNvPr>
@@ -17208,7 +16885,7 @@
           <p:cNvPr id="24" name="Inhaltsplatzhalter 2">
             <a:extLst>
               <a:ext uri="{FF2B5EF4-FFF2-40B4-BE49-F238E27FC236}">
-                <a16:creationId xmlns="" xmlns:a16="http://schemas.microsoft.com/office/drawing/2014/main" id="{52088609-8CCC-4992-9D44-C791EA8B6B29}"/>
+                <a16:creationId xmlns:a16="http://schemas.microsoft.com/office/drawing/2014/main" xmlns="" id="{52088609-8CCC-4992-9D44-C791EA8B6B29}"/>
               </a:ext>
             </a:extLst>
           </p:cNvPr>
@@ -17438,7 +17115,7 @@
           <p:cNvPr id="159" name="Gruppieren 158">
             <a:extLst>
               <a:ext uri="{FF2B5EF4-FFF2-40B4-BE49-F238E27FC236}">
-                <a16:creationId xmlns="" xmlns:a16="http://schemas.microsoft.com/office/drawing/2014/main" id="{9E2CBC46-D3CB-40CA-B81B-E01C3443590B}"/>
+                <a16:creationId xmlns:a16="http://schemas.microsoft.com/office/drawing/2014/main" xmlns="" id="{9E2CBC46-D3CB-40CA-B81B-E01C3443590B}"/>
               </a:ext>
             </a:extLst>
           </p:cNvPr>
@@ -17458,7 +17135,7 @@
             <p:cNvPr id="11" name="Grafik 10" descr="Benutzer">
               <a:extLst>
                 <a:ext uri="{FF2B5EF4-FFF2-40B4-BE49-F238E27FC236}">
-                  <a16:creationId xmlns="" xmlns:a16="http://schemas.microsoft.com/office/drawing/2014/main" id="{37DEE98E-5373-46D4-8469-D0E669BB5878}"/>
+                  <a16:creationId xmlns:a16="http://schemas.microsoft.com/office/drawing/2014/main" xmlns="" id="{37DEE98E-5373-46D4-8469-D0E669BB5878}"/>
                 </a:ext>
               </a:extLst>
             </p:cNvPr>
@@ -17471,7 +17148,7 @@
             <a:blip r:embed="rId3">
               <a:extLst>
                 <a:ext uri="{96DAC541-7B7A-43D3-8B79-37D633B846F1}">
-                  <asvg:svgBlip xmlns="" xmlns:asvg="http://schemas.microsoft.com/office/drawing/2016/SVG/main" r:embed="rId4"/>
+                  <asvg:svgBlip xmlns:asvg="http://schemas.microsoft.com/office/drawing/2016/SVG/main" xmlns="" r:embed="rId4"/>
                 </a:ext>
               </a:extLst>
             </a:blip>
@@ -17494,7 +17171,7 @@
             <p:cNvPr id="12" name="Textfeld 11">
               <a:extLst>
                 <a:ext uri="{FF2B5EF4-FFF2-40B4-BE49-F238E27FC236}">
-                  <a16:creationId xmlns="" xmlns:a16="http://schemas.microsoft.com/office/drawing/2014/main" id="{EF8DE412-BDF1-4F66-8D0E-984408D4DC8C}"/>
+                  <a16:creationId xmlns:a16="http://schemas.microsoft.com/office/drawing/2014/main" xmlns="" id="{EF8DE412-BDF1-4F66-8D0E-984408D4DC8C}"/>
                 </a:ext>
               </a:extLst>
             </p:cNvPr>
@@ -17539,7 +17216,7 @@
           <p:cNvPr id="25" name="Gerade Verbindung mit Pfeil 24">
             <a:extLst>
               <a:ext uri="{FF2B5EF4-FFF2-40B4-BE49-F238E27FC236}">
-                <a16:creationId xmlns="" xmlns:a16="http://schemas.microsoft.com/office/drawing/2014/main" id="{64B5C3DB-49DC-44FA-9A41-2D16B67F6038}"/>
+                <a16:creationId xmlns:a16="http://schemas.microsoft.com/office/drawing/2014/main" xmlns="" id="{64B5C3DB-49DC-44FA-9A41-2D16B67F6038}"/>
               </a:ext>
             </a:extLst>
           </p:cNvPr>
@@ -17580,7 +17257,7 @@
           <p:cNvPr id="34" name="Grafik 33" descr="Welt">
             <a:extLst>
               <a:ext uri="{FF2B5EF4-FFF2-40B4-BE49-F238E27FC236}">
-                <a16:creationId xmlns="" xmlns:a16="http://schemas.microsoft.com/office/drawing/2014/main" id="{A800AC59-CAC0-4D27-BCC0-D36A2C0AF209}"/>
+                <a16:creationId xmlns:a16="http://schemas.microsoft.com/office/drawing/2014/main" xmlns="" id="{A800AC59-CAC0-4D27-BCC0-D36A2C0AF209}"/>
               </a:ext>
             </a:extLst>
           </p:cNvPr>
@@ -17593,7 +17270,7 @@
           <a:blip r:embed="rId5">
             <a:extLst>
               <a:ext uri="{96DAC541-7B7A-43D3-8B79-37D633B846F1}">
-                <asvg:svgBlip xmlns="" xmlns:asvg="http://schemas.microsoft.com/office/drawing/2016/SVG/main" r:embed="rId6"/>
+                <asvg:svgBlip xmlns:asvg="http://schemas.microsoft.com/office/drawing/2016/SVG/main" xmlns="" r:embed="rId6"/>
               </a:ext>
             </a:extLst>
           </a:blip>
@@ -17616,7 +17293,7 @@
           <p:cNvPr id="36" name="Gerade Verbindung mit Pfeil 35">
             <a:extLst>
               <a:ext uri="{FF2B5EF4-FFF2-40B4-BE49-F238E27FC236}">
-                <a16:creationId xmlns="" xmlns:a16="http://schemas.microsoft.com/office/drawing/2014/main" id="{14165FCC-2898-4EA5-8418-E16DE419162D}"/>
+                <a16:creationId xmlns:a16="http://schemas.microsoft.com/office/drawing/2014/main" xmlns="" id="{14165FCC-2898-4EA5-8418-E16DE419162D}"/>
               </a:ext>
             </a:extLst>
           </p:cNvPr>
@@ -17657,7 +17334,7 @@
           <p:cNvPr id="38" name="Textfeld 37">
             <a:extLst>
               <a:ext uri="{FF2B5EF4-FFF2-40B4-BE49-F238E27FC236}">
-                <a16:creationId xmlns="" xmlns:a16="http://schemas.microsoft.com/office/drawing/2014/main" id="{98CBE577-09F5-4B95-8653-B627207FA727}"/>
+                <a16:creationId xmlns:a16="http://schemas.microsoft.com/office/drawing/2014/main" xmlns="" id="{98CBE577-09F5-4B95-8653-B627207FA727}"/>
               </a:ext>
             </a:extLst>
           </p:cNvPr>
@@ -17702,7 +17379,7 @@
           <p:cNvPr id="40" name="Gerade Verbindung mit Pfeil 39">
             <a:extLst>
               <a:ext uri="{FF2B5EF4-FFF2-40B4-BE49-F238E27FC236}">
-                <a16:creationId xmlns="" xmlns:a16="http://schemas.microsoft.com/office/drawing/2014/main" id="{CF8A7F28-CF78-4318-A93C-2E8EB03122CC}"/>
+                <a16:creationId xmlns:a16="http://schemas.microsoft.com/office/drawing/2014/main" xmlns="" id="{CF8A7F28-CF78-4318-A93C-2E8EB03122CC}"/>
               </a:ext>
             </a:extLst>
           </p:cNvPr>
@@ -17743,7 +17420,7 @@
           <p:cNvPr id="42" name="Gerade Verbindung mit Pfeil 41">
             <a:extLst>
               <a:ext uri="{FF2B5EF4-FFF2-40B4-BE49-F238E27FC236}">
-                <a16:creationId xmlns="" xmlns:a16="http://schemas.microsoft.com/office/drawing/2014/main" id="{7BA8A4C1-13EC-49CB-B82C-3FF0665FB8AD}"/>
+                <a16:creationId xmlns:a16="http://schemas.microsoft.com/office/drawing/2014/main" xmlns="" id="{7BA8A4C1-13EC-49CB-B82C-3FF0665FB8AD}"/>
               </a:ext>
             </a:extLst>
           </p:cNvPr>
@@ -17784,7 +17461,7 @@
           <p:cNvPr id="44" name="Grafik 43" descr="Ordner">
             <a:extLst>
               <a:ext uri="{FF2B5EF4-FFF2-40B4-BE49-F238E27FC236}">
-                <a16:creationId xmlns="" xmlns:a16="http://schemas.microsoft.com/office/drawing/2014/main" id="{0572721C-7090-41E2-85A7-6A154A1EDC6E}"/>
+                <a16:creationId xmlns:a16="http://schemas.microsoft.com/office/drawing/2014/main" xmlns="" id="{0572721C-7090-41E2-85A7-6A154A1EDC6E}"/>
               </a:ext>
             </a:extLst>
           </p:cNvPr>
@@ -17797,7 +17474,7 @@
           <a:blip r:embed="rId7">
             <a:extLst>
               <a:ext uri="{96DAC541-7B7A-43D3-8B79-37D633B846F1}">
-                <asvg:svgBlip xmlns="" xmlns:asvg="http://schemas.microsoft.com/office/drawing/2016/SVG/main" r:embed="rId8"/>
+                <asvg:svgBlip xmlns:asvg="http://schemas.microsoft.com/office/drawing/2016/SVG/main" xmlns="" r:embed="rId8"/>
               </a:ext>
             </a:extLst>
           </a:blip>
@@ -17820,7 +17497,7 @@
           <p:cNvPr id="45" name="Textfeld 44">
             <a:extLst>
               <a:ext uri="{FF2B5EF4-FFF2-40B4-BE49-F238E27FC236}">
-                <a16:creationId xmlns="" xmlns:a16="http://schemas.microsoft.com/office/drawing/2014/main" id="{87DAFEBD-6AC9-4113-8438-A166156DC539}"/>
+                <a16:creationId xmlns:a16="http://schemas.microsoft.com/office/drawing/2014/main" xmlns="" id="{87DAFEBD-6AC9-4113-8438-A166156DC539}"/>
               </a:ext>
             </a:extLst>
           </p:cNvPr>
@@ -17864,7 +17541,7 @@
           <p:cNvPr id="57" name="Gerade Verbindung mit Pfeil 56">
             <a:extLst>
               <a:ext uri="{FF2B5EF4-FFF2-40B4-BE49-F238E27FC236}">
-                <a16:creationId xmlns="" xmlns:a16="http://schemas.microsoft.com/office/drawing/2014/main" id="{CA0D2126-51DB-4173-87BE-BAF063EBF92F}"/>
+                <a16:creationId xmlns:a16="http://schemas.microsoft.com/office/drawing/2014/main" xmlns="" id="{CA0D2126-51DB-4173-87BE-BAF063EBF92F}"/>
               </a:ext>
             </a:extLst>
           </p:cNvPr>
@@ -17905,7 +17582,7 @@
           <p:cNvPr id="126" name="Gruppieren 125">
             <a:extLst>
               <a:ext uri="{FF2B5EF4-FFF2-40B4-BE49-F238E27FC236}">
-                <a16:creationId xmlns="" xmlns:a16="http://schemas.microsoft.com/office/drawing/2014/main" id="{514A1029-992E-4E2E-9A8B-4CDCFC62727A}"/>
+                <a16:creationId xmlns:a16="http://schemas.microsoft.com/office/drawing/2014/main" xmlns="" id="{514A1029-992E-4E2E-9A8B-4CDCFC62727A}"/>
               </a:ext>
             </a:extLst>
           </p:cNvPr>
@@ -17925,7 +17602,7 @@
             <p:cNvPr id="97" name="Grafik 96" descr="Tisch">
               <a:extLst>
                 <a:ext uri="{FF2B5EF4-FFF2-40B4-BE49-F238E27FC236}">
-                  <a16:creationId xmlns="" xmlns:a16="http://schemas.microsoft.com/office/drawing/2014/main" id="{E3ED5455-2ACE-4F80-8660-C9C78942E061}"/>
+                  <a16:creationId xmlns:a16="http://schemas.microsoft.com/office/drawing/2014/main" xmlns="" id="{E3ED5455-2ACE-4F80-8660-C9C78942E061}"/>
                 </a:ext>
               </a:extLst>
             </p:cNvPr>
@@ -17938,7 +17615,7 @@
             <a:blip r:embed="rId9">
               <a:extLst>
                 <a:ext uri="{96DAC541-7B7A-43D3-8B79-37D633B846F1}">
-                  <asvg:svgBlip xmlns="" xmlns:asvg="http://schemas.microsoft.com/office/drawing/2016/SVG/main" r:embed="rId10"/>
+                  <asvg:svgBlip xmlns:asvg="http://schemas.microsoft.com/office/drawing/2016/SVG/main" xmlns="" r:embed="rId10"/>
                 </a:ext>
               </a:extLst>
             </a:blip>
@@ -17961,7 +17638,7 @@
             <p:cNvPr id="105" name="Rechteck 104">
               <a:extLst>
                 <a:ext uri="{FF2B5EF4-FFF2-40B4-BE49-F238E27FC236}">
-                  <a16:creationId xmlns="" xmlns:a16="http://schemas.microsoft.com/office/drawing/2014/main" id="{82C05C09-9668-4C7B-99B4-6CCD1DF3F8C9}"/>
+                  <a16:creationId xmlns:a16="http://schemas.microsoft.com/office/drawing/2014/main" xmlns="" id="{82C05C09-9668-4C7B-99B4-6CCD1DF3F8C9}"/>
                 </a:ext>
               </a:extLst>
             </p:cNvPr>
@@ -18017,7 +17694,7 @@
           <p:cNvPr id="135" name="Verbinder: gewinkelt 134">
             <a:extLst>
               <a:ext uri="{FF2B5EF4-FFF2-40B4-BE49-F238E27FC236}">
-                <a16:creationId xmlns="" xmlns:a16="http://schemas.microsoft.com/office/drawing/2014/main" id="{54FB2266-1433-4106-9347-4F6C67F57943}"/>
+                <a16:creationId xmlns:a16="http://schemas.microsoft.com/office/drawing/2014/main" xmlns="" id="{54FB2266-1433-4106-9347-4F6C67F57943}"/>
               </a:ext>
             </a:extLst>
           </p:cNvPr>
@@ -18060,7 +17737,7 @@
           <p:cNvPr id="139" name="Gerade Verbindung mit Pfeil 138">
             <a:extLst>
               <a:ext uri="{FF2B5EF4-FFF2-40B4-BE49-F238E27FC236}">
-                <a16:creationId xmlns="" xmlns:a16="http://schemas.microsoft.com/office/drawing/2014/main" id="{935E297A-0E08-4ACA-B64D-E82BF594D617}"/>
+                <a16:creationId xmlns:a16="http://schemas.microsoft.com/office/drawing/2014/main" xmlns="" id="{935E297A-0E08-4ACA-B64D-E82BF594D617}"/>
               </a:ext>
             </a:extLst>
           </p:cNvPr>
@@ -18101,7 +17778,7 @@
           <p:cNvPr id="143" name="Verbinder: gewinkelt 142">
             <a:extLst>
               <a:ext uri="{FF2B5EF4-FFF2-40B4-BE49-F238E27FC236}">
-                <a16:creationId xmlns="" xmlns:a16="http://schemas.microsoft.com/office/drawing/2014/main" id="{A4ED01DD-C3A8-4309-A767-F53A3EE24EFB}"/>
+                <a16:creationId xmlns:a16="http://schemas.microsoft.com/office/drawing/2014/main" xmlns="" id="{A4ED01DD-C3A8-4309-A767-F53A3EE24EFB}"/>
               </a:ext>
             </a:extLst>
           </p:cNvPr>
@@ -18144,7 +17821,7 @@
           <p:cNvPr id="149" name="Fußzeilenplatzhalter 4">
             <a:extLst>
               <a:ext uri="{FF2B5EF4-FFF2-40B4-BE49-F238E27FC236}">
-                <a16:creationId xmlns="" xmlns:a16="http://schemas.microsoft.com/office/drawing/2014/main" id="{38AB998A-AAF8-49F0-A239-2D93C7A72A4D}"/>
+                <a16:creationId xmlns:a16="http://schemas.microsoft.com/office/drawing/2014/main" xmlns="" id="{38AB998A-AAF8-49F0-A239-2D93C7A72A4D}"/>
               </a:ext>
             </a:extLst>
           </p:cNvPr>
@@ -18191,7 +17868,7 @@
           <p:cNvPr id="178" name="Verbinder: gewinkelt 177">
             <a:extLst>
               <a:ext uri="{FF2B5EF4-FFF2-40B4-BE49-F238E27FC236}">
-                <a16:creationId xmlns="" xmlns:a16="http://schemas.microsoft.com/office/drawing/2014/main" id="{0AD63463-6B97-4643-8843-833626B5A230}"/>
+                <a16:creationId xmlns:a16="http://schemas.microsoft.com/office/drawing/2014/main" xmlns="" id="{0AD63463-6B97-4643-8843-833626B5A230}"/>
               </a:ext>
             </a:extLst>
           </p:cNvPr>
@@ -18231,7 +17908,7 @@
           <p:cNvPr id="186" name="Gerader Verbinder 185">
             <a:extLst>
               <a:ext uri="{FF2B5EF4-FFF2-40B4-BE49-F238E27FC236}">
-                <a16:creationId xmlns="" xmlns:a16="http://schemas.microsoft.com/office/drawing/2014/main" id="{2A192D56-00F3-4AB3-97C3-ED94E9199036}"/>
+                <a16:creationId xmlns:a16="http://schemas.microsoft.com/office/drawing/2014/main" xmlns="" id="{2A192D56-00F3-4AB3-97C3-ED94E9199036}"/>
               </a:ext>
             </a:extLst>
           </p:cNvPr>
@@ -18267,7 +17944,7 @@
           <p:cNvPr id="188" name="Gerade Verbindung mit Pfeil 187">
             <a:extLst>
               <a:ext uri="{FF2B5EF4-FFF2-40B4-BE49-F238E27FC236}">
-                <a16:creationId xmlns="" xmlns:a16="http://schemas.microsoft.com/office/drawing/2014/main" id="{A3B57B87-7BD4-4AB4-B2E7-6B028A511B04}"/>
+                <a16:creationId xmlns:a16="http://schemas.microsoft.com/office/drawing/2014/main" xmlns="" id="{A3B57B87-7BD4-4AB4-B2E7-6B028A511B04}"/>
               </a:ext>
             </a:extLst>
           </p:cNvPr>
@@ -18345,7 +18022,7 @@
           <p:cNvPr id="5" name="Foliennummernplatzhalter 4">
             <a:extLst>
               <a:ext uri="{FF2B5EF4-FFF2-40B4-BE49-F238E27FC236}">
-                <a16:creationId xmlns="" xmlns:a16="http://schemas.microsoft.com/office/drawing/2014/main" id="{99217DC6-63A8-46E5-BFF7-2750383C7113}"/>
+                <a16:creationId xmlns:a16="http://schemas.microsoft.com/office/drawing/2014/main" xmlns="" id="{99217DC6-63A8-46E5-BFF7-2750383C7113}"/>
               </a:ext>
             </a:extLst>
           </p:cNvPr>
@@ -18379,7 +18056,7 @@
           <p:cNvPr id="17" name="Titel 1">
             <a:extLst>
               <a:ext uri="{FF2B5EF4-FFF2-40B4-BE49-F238E27FC236}">
-                <a16:creationId xmlns="" xmlns:a16="http://schemas.microsoft.com/office/drawing/2014/main" id="{2EBD46AD-74A3-41B6-A7F5-704EE709693A}"/>
+                <a16:creationId xmlns:a16="http://schemas.microsoft.com/office/drawing/2014/main" xmlns="" id="{2EBD46AD-74A3-41B6-A7F5-704EE709693A}"/>
               </a:ext>
             </a:extLst>
           </p:cNvPr>
@@ -18469,7 +18146,7 @@
           <p:cNvPr id="149" name="Fußzeilenplatzhalter 4">
             <a:extLst>
               <a:ext uri="{FF2B5EF4-FFF2-40B4-BE49-F238E27FC236}">
-                <a16:creationId xmlns="" xmlns:a16="http://schemas.microsoft.com/office/drawing/2014/main" id="{38AB998A-AAF8-49F0-A239-2D93C7A72A4D}"/>
+                <a16:creationId xmlns:a16="http://schemas.microsoft.com/office/drawing/2014/main" xmlns="" id="{38AB998A-AAF8-49F0-A239-2D93C7A72A4D}"/>
               </a:ext>
             </a:extLst>
           </p:cNvPr>
@@ -18516,7 +18193,7 @@
           <p:cNvPr id="2" name="Tabelle 2">
             <a:extLst>
               <a:ext uri="{FF2B5EF4-FFF2-40B4-BE49-F238E27FC236}">
-                <a16:creationId xmlns="" xmlns:a16="http://schemas.microsoft.com/office/drawing/2014/main" id="{01280090-9498-4E01-BF99-35C4D039D858}"/>
+                <a16:creationId xmlns:a16="http://schemas.microsoft.com/office/drawing/2014/main" xmlns="" id="{01280090-9498-4E01-BF99-35C4D039D858}"/>
               </a:ext>
             </a:extLst>
           </p:cNvPr>
@@ -18545,28 +18222,28 @@
                 <a:gridCol w="1214421">
                   <a:extLst>
                     <a:ext uri="{9D8B030D-6E8A-4147-A177-3AD203B41FA5}">
-                      <a16:colId xmlns="" xmlns:a16="http://schemas.microsoft.com/office/drawing/2014/main" val="1328456205"/>
+                      <a16:colId xmlns:a16="http://schemas.microsoft.com/office/drawing/2014/main" xmlns="" val="1328456205"/>
                     </a:ext>
                   </a:extLst>
                 </a:gridCol>
                 <a:gridCol w="792654">
                   <a:extLst>
                     <a:ext uri="{9D8B030D-6E8A-4147-A177-3AD203B41FA5}">
-                      <a16:colId xmlns="" xmlns:a16="http://schemas.microsoft.com/office/drawing/2014/main" val="3978735238"/>
+                      <a16:colId xmlns:a16="http://schemas.microsoft.com/office/drawing/2014/main" xmlns="" val="3978735238"/>
                     </a:ext>
                   </a:extLst>
                 </a:gridCol>
                 <a:gridCol w="4262627">
                   <a:extLst>
                     <a:ext uri="{9D8B030D-6E8A-4147-A177-3AD203B41FA5}">
-                      <a16:colId xmlns="" xmlns:a16="http://schemas.microsoft.com/office/drawing/2014/main" val="2877969049"/>
+                      <a16:colId xmlns:a16="http://schemas.microsoft.com/office/drawing/2014/main" xmlns="" val="2877969049"/>
                     </a:ext>
                   </a:extLst>
                 </a:gridCol>
                 <a:gridCol w="3718570">
                   <a:extLst>
                     <a:ext uri="{9D8B030D-6E8A-4147-A177-3AD203B41FA5}">
-                      <a16:colId xmlns="" xmlns:a16="http://schemas.microsoft.com/office/drawing/2014/main" val="3822829885"/>
+                      <a16:colId xmlns:a16="http://schemas.microsoft.com/office/drawing/2014/main" xmlns="" val="3822829885"/>
                     </a:ext>
                   </a:extLst>
                 </a:gridCol>
@@ -18871,7 +18548,7 @@
                 </a:tc>
                 <a:extLst>
                   <a:ext uri="{0D108BD9-81ED-4DB2-BD59-A6C34878D82A}">
-                    <a16:rowId xmlns="" xmlns:a16="http://schemas.microsoft.com/office/drawing/2014/main" val="4209509637"/>
+                    <a16:rowId xmlns:a16="http://schemas.microsoft.com/office/drawing/2014/main" xmlns="" val="4209509637"/>
                   </a:ext>
                 </a:extLst>
               </a:tr>
@@ -19122,7 +18799,7 @@
                 </a:tc>
                 <a:extLst>
                   <a:ext uri="{0D108BD9-81ED-4DB2-BD59-A6C34878D82A}">
-                    <a16:rowId xmlns="" xmlns:a16="http://schemas.microsoft.com/office/drawing/2014/main" val="851616967"/>
+                    <a16:rowId xmlns:a16="http://schemas.microsoft.com/office/drawing/2014/main" xmlns="" val="851616967"/>
                   </a:ext>
                 </a:extLst>
               </a:tr>
@@ -19396,7 +19073,7 @@
                 </a:tc>
                 <a:extLst>
                   <a:ext uri="{0D108BD9-81ED-4DB2-BD59-A6C34878D82A}">
-                    <a16:rowId xmlns="" xmlns:a16="http://schemas.microsoft.com/office/drawing/2014/main" val="3053805051"/>
+                    <a16:rowId xmlns:a16="http://schemas.microsoft.com/office/drawing/2014/main" xmlns="" val="3053805051"/>
                   </a:ext>
                 </a:extLst>
               </a:tr>
@@ -19664,7 +19341,7 @@
                 </a:tc>
                 <a:extLst>
                   <a:ext uri="{0D108BD9-81ED-4DB2-BD59-A6C34878D82A}">
-                    <a16:rowId xmlns="" xmlns:a16="http://schemas.microsoft.com/office/drawing/2014/main" val="3395055929"/>
+                    <a16:rowId xmlns:a16="http://schemas.microsoft.com/office/drawing/2014/main" xmlns="" val="3395055929"/>
                   </a:ext>
                 </a:extLst>
               </a:tr>
@@ -19956,7 +19633,7 @@
                 </a:tc>
                 <a:extLst>
                   <a:ext uri="{0D108BD9-81ED-4DB2-BD59-A6C34878D82A}">
-                    <a16:rowId xmlns="" xmlns:a16="http://schemas.microsoft.com/office/drawing/2014/main" val="1586812566"/>
+                    <a16:rowId xmlns:a16="http://schemas.microsoft.com/office/drawing/2014/main" xmlns="" val="1586812566"/>
                   </a:ext>
                 </a:extLst>
               </a:tr>
@@ -20215,7 +19892,7 @@
                 </a:tc>
                 <a:extLst>
                   <a:ext uri="{0D108BD9-81ED-4DB2-BD59-A6C34878D82A}">
-                    <a16:rowId xmlns="" xmlns:a16="http://schemas.microsoft.com/office/drawing/2014/main" val="3662240480"/>
+                    <a16:rowId xmlns:a16="http://schemas.microsoft.com/office/drawing/2014/main" xmlns="" val="3662240480"/>
                   </a:ext>
                 </a:extLst>
               </a:tr>
@@ -20490,7 +20167,7 @@
                 </a:tc>
                 <a:extLst>
                   <a:ext uri="{0D108BD9-81ED-4DB2-BD59-A6C34878D82A}">
-                    <a16:rowId xmlns="" xmlns:a16="http://schemas.microsoft.com/office/drawing/2014/main" val="3501422238"/>
+                    <a16:rowId xmlns:a16="http://schemas.microsoft.com/office/drawing/2014/main" xmlns="" val="3501422238"/>
                   </a:ext>
                 </a:extLst>
               </a:tr>
@@ -20741,7 +20418,7 @@
                 </a:tc>
                 <a:extLst>
                   <a:ext uri="{0D108BD9-81ED-4DB2-BD59-A6C34878D82A}">
-                    <a16:rowId xmlns="" xmlns:a16="http://schemas.microsoft.com/office/drawing/2014/main" val="3086067394"/>
+                    <a16:rowId xmlns:a16="http://schemas.microsoft.com/office/drawing/2014/main" xmlns="" val="3086067394"/>
                   </a:ext>
                 </a:extLst>
               </a:tr>
@@ -21106,7 +20783,7 @@
                 </a:tc>
                 <a:extLst>
                   <a:ext uri="{0D108BD9-81ED-4DB2-BD59-A6C34878D82A}">
-                    <a16:rowId xmlns="" xmlns:a16="http://schemas.microsoft.com/office/drawing/2014/main" val="3814381837"/>
+                    <a16:rowId xmlns:a16="http://schemas.microsoft.com/office/drawing/2014/main" xmlns="" val="3814381837"/>
                   </a:ext>
                 </a:extLst>
               </a:tr>
@@ -21156,7 +20833,7 @@
           <p:cNvPr id="5" name="Foliennummernplatzhalter 4">
             <a:extLst>
               <a:ext uri="{FF2B5EF4-FFF2-40B4-BE49-F238E27FC236}">
-                <a16:creationId xmlns="" xmlns:a16="http://schemas.microsoft.com/office/drawing/2014/main" id="{99217DC6-63A8-46E5-BFF7-2750383C7113}"/>
+                <a16:creationId xmlns:a16="http://schemas.microsoft.com/office/drawing/2014/main" xmlns="" id="{99217DC6-63A8-46E5-BFF7-2750383C7113}"/>
               </a:ext>
             </a:extLst>
           </p:cNvPr>
@@ -21190,7 +20867,7 @@
           <p:cNvPr id="17" name="Titel 1">
             <a:extLst>
               <a:ext uri="{FF2B5EF4-FFF2-40B4-BE49-F238E27FC236}">
-                <a16:creationId xmlns="" xmlns:a16="http://schemas.microsoft.com/office/drawing/2014/main" id="{2EBD46AD-74A3-41B6-A7F5-704EE709693A}"/>
+                <a16:creationId xmlns:a16="http://schemas.microsoft.com/office/drawing/2014/main" xmlns="" id="{2EBD46AD-74A3-41B6-A7F5-704EE709693A}"/>
               </a:ext>
             </a:extLst>
           </p:cNvPr>
@@ -21248,7 +20925,7 @@
           <p:cNvPr id="149" name="Fußzeilenplatzhalter 4">
             <a:extLst>
               <a:ext uri="{FF2B5EF4-FFF2-40B4-BE49-F238E27FC236}">
-                <a16:creationId xmlns="" xmlns:a16="http://schemas.microsoft.com/office/drawing/2014/main" id="{38AB998A-AAF8-49F0-A239-2D93C7A72A4D}"/>
+                <a16:creationId xmlns:a16="http://schemas.microsoft.com/office/drawing/2014/main" xmlns="" id="{38AB998A-AAF8-49F0-A239-2D93C7A72A4D}"/>
               </a:ext>
             </a:extLst>
           </p:cNvPr>
@@ -21362,7 +21039,7 @@
           <p:cNvPr id="5" name="Foliennummernplatzhalter 4">
             <a:extLst>
               <a:ext uri="{FF2B5EF4-FFF2-40B4-BE49-F238E27FC236}">
-                <a16:creationId xmlns="" xmlns:a16="http://schemas.microsoft.com/office/drawing/2014/main" id="{99217DC6-63A8-46E5-BFF7-2750383C7113}"/>
+                <a16:creationId xmlns:a16="http://schemas.microsoft.com/office/drawing/2014/main" xmlns="" id="{99217DC6-63A8-46E5-BFF7-2750383C7113}"/>
               </a:ext>
             </a:extLst>
           </p:cNvPr>
@@ -21396,7 +21073,7 @@
           <p:cNvPr id="17" name="Titel 1">
             <a:extLst>
               <a:ext uri="{FF2B5EF4-FFF2-40B4-BE49-F238E27FC236}">
-                <a16:creationId xmlns="" xmlns:a16="http://schemas.microsoft.com/office/drawing/2014/main" id="{2EBD46AD-74A3-41B6-A7F5-704EE709693A}"/>
+                <a16:creationId xmlns:a16="http://schemas.microsoft.com/office/drawing/2014/main" xmlns="" id="{2EBD46AD-74A3-41B6-A7F5-704EE709693A}"/>
               </a:ext>
             </a:extLst>
           </p:cNvPr>
@@ -21454,7 +21131,7 @@
           <p:cNvPr id="149" name="Fußzeilenplatzhalter 4">
             <a:extLst>
               <a:ext uri="{FF2B5EF4-FFF2-40B4-BE49-F238E27FC236}">
-                <a16:creationId xmlns="" xmlns:a16="http://schemas.microsoft.com/office/drawing/2014/main" id="{38AB998A-AAF8-49F0-A239-2D93C7A72A4D}"/>
+                <a16:creationId xmlns:a16="http://schemas.microsoft.com/office/drawing/2014/main" xmlns="" id="{38AB998A-AAF8-49F0-A239-2D93C7A72A4D}"/>
               </a:ext>
             </a:extLst>
           </p:cNvPr>
@@ -21568,7 +21245,7 @@
           <p:cNvPr id="5" name="Foliennummernplatzhalter 4">
             <a:extLst>
               <a:ext uri="{FF2B5EF4-FFF2-40B4-BE49-F238E27FC236}">
-                <a16:creationId xmlns="" xmlns:a16="http://schemas.microsoft.com/office/drawing/2014/main" id="{99217DC6-63A8-46E5-BFF7-2750383C7113}"/>
+                <a16:creationId xmlns:a16="http://schemas.microsoft.com/office/drawing/2014/main" xmlns="" id="{99217DC6-63A8-46E5-BFF7-2750383C7113}"/>
               </a:ext>
             </a:extLst>
           </p:cNvPr>
@@ -21602,7 +21279,7 @@
           <p:cNvPr id="17" name="Titel 1">
             <a:extLst>
               <a:ext uri="{FF2B5EF4-FFF2-40B4-BE49-F238E27FC236}">
-                <a16:creationId xmlns="" xmlns:a16="http://schemas.microsoft.com/office/drawing/2014/main" id="{2EBD46AD-74A3-41B6-A7F5-704EE709693A}"/>
+                <a16:creationId xmlns:a16="http://schemas.microsoft.com/office/drawing/2014/main" xmlns="" id="{2EBD46AD-74A3-41B6-A7F5-704EE709693A}"/>
               </a:ext>
             </a:extLst>
           </p:cNvPr>
@@ -21660,7 +21337,7 @@
           <p:cNvPr id="149" name="Fußzeilenplatzhalter 4">
             <a:extLst>
               <a:ext uri="{FF2B5EF4-FFF2-40B4-BE49-F238E27FC236}">
-                <a16:creationId xmlns="" xmlns:a16="http://schemas.microsoft.com/office/drawing/2014/main" id="{38AB998A-AAF8-49F0-A239-2D93C7A72A4D}"/>
+                <a16:creationId xmlns:a16="http://schemas.microsoft.com/office/drawing/2014/main" xmlns="" id="{38AB998A-AAF8-49F0-A239-2D93C7A72A4D}"/>
               </a:ext>
             </a:extLst>
           </p:cNvPr>
@@ -21774,7 +21451,7 @@
           <p:cNvPr id="5" name="Foliennummernplatzhalter 4">
             <a:extLst>
               <a:ext uri="{FF2B5EF4-FFF2-40B4-BE49-F238E27FC236}">
-                <a16:creationId xmlns="" xmlns:a16="http://schemas.microsoft.com/office/drawing/2014/main" id="{99217DC6-63A8-46E5-BFF7-2750383C7113}"/>
+                <a16:creationId xmlns:a16="http://schemas.microsoft.com/office/drawing/2014/main" xmlns="" id="{99217DC6-63A8-46E5-BFF7-2750383C7113}"/>
               </a:ext>
             </a:extLst>
           </p:cNvPr>
@@ -21808,7 +21485,7 @@
           <p:cNvPr id="17" name="Titel 1">
             <a:extLst>
               <a:ext uri="{FF2B5EF4-FFF2-40B4-BE49-F238E27FC236}">
-                <a16:creationId xmlns="" xmlns:a16="http://schemas.microsoft.com/office/drawing/2014/main" id="{2EBD46AD-74A3-41B6-A7F5-704EE709693A}"/>
+                <a16:creationId xmlns:a16="http://schemas.microsoft.com/office/drawing/2014/main" xmlns="" id="{2EBD46AD-74A3-41B6-A7F5-704EE709693A}"/>
               </a:ext>
             </a:extLst>
           </p:cNvPr>
@@ -21866,7 +21543,7 @@
           <p:cNvPr id="149" name="Fußzeilenplatzhalter 4">
             <a:extLst>
               <a:ext uri="{FF2B5EF4-FFF2-40B4-BE49-F238E27FC236}">
-                <a16:creationId xmlns="" xmlns:a16="http://schemas.microsoft.com/office/drawing/2014/main" id="{38AB998A-AAF8-49F0-A239-2D93C7A72A4D}"/>
+                <a16:creationId xmlns:a16="http://schemas.microsoft.com/office/drawing/2014/main" xmlns="" id="{38AB998A-AAF8-49F0-A239-2D93C7A72A4D}"/>
               </a:ext>
             </a:extLst>
           </p:cNvPr>
